--- a/HousingPricesPresentations.pptx
+++ b/HousingPricesPresentations.pptx
@@ -4067,7 +4067,7 @@
           <a:p>
             <a:pPr algn="r"/>
             <a:r>
-              <a:rPr lang="en-US" b="1" dirty="0"/>
+              <a:rPr lang="en-US" b="1" u="sng" dirty="0"/>
               <a:t>Exploratory Data Analysis</a:t>
             </a:r>
           </a:p>
@@ -4087,8 +4087,8 @@
         </p:nvSpPr>
         <p:spPr>
           <a:xfrm>
-            <a:off x="2406316" y="2633197"/>
-            <a:ext cx="7878965" cy="2031325"/>
+            <a:off x="1295400" y="2633197"/>
+            <a:ext cx="10176933" cy="1477328"/>
           </a:xfrm>
           <a:prstGeom prst="rect">
             <a:avLst/>
@@ -4109,7 +4109,7 @@
           <a:p>
             <a:r>
               <a:rPr lang="en-US" dirty="0"/>
-              <a:t>The dataset contains 1460 observations in the training set and 1459 observations in the test set.   There are 46 categorical variables including 23 nominal and 23 ordinal ones, and 33 numeric variables in the dataset. The training set also has the sale price as response while the test set doesn’t.</a:t>
+              <a:t>The dataset contains 1460 observations in the training set and 1459 observations in the test set. There are 46 categorical variables including 23 nominal and 23 ordinal ones, and 33 numeric variables in the dataset. The training set also has the sale price as response while the test set doesn’t.</a:t>
             </a:r>
           </a:p>
           <a:p>
@@ -4307,8 +4307,16 @@
 </file>
 
 <file path=ppt/slides/slide4.xml><?xml version="1.0" encoding="utf-8"?>
-<p:sld xmlns:a="http://schemas.openxmlformats.org/drawingml/2006/main" xmlns:r="http://schemas.openxmlformats.org/officeDocument/2006/relationships" xmlns:p="http://schemas.openxmlformats.org/presentationml/2006/main">
+<p:sld xmlns:a="http://schemas.openxmlformats.org/drawingml/2006/main" xmlns:r="http://schemas.openxmlformats.org/officeDocument/2006/relationships" xmlns:p="http://schemas.openxmlformats.org/presentationml/2006/main" showMasterSp="0">
   <p:cSld>
+    <p:bg>
+      <p:bgPr>
+        <a:solidFill>
+          <a:schemeClr val="bg1"/>
+        </a:solidFill>
+        <a:effectLst/>
+      </p:bgPr>
+    </p:bg>
     <p:spTree>
       <p:nvGrpSpPr>
         <p:cNvPr id="1" name=""/>
@@ -4325,43 +4333,223 @@
       </p:grpSpPr>
       <p:sp>
         <p:nvSpPr>
-          <p:cNvPr id="2" name="Title 1">
-            <a:extLst>
-              <a:ext uri="{FF2B5EF4-FFF2-40B4-BE49-F238E27FC236}">
-                <a16:creationId xmlns:a16="http://schemas.microsoft.com/office/drawing/2014/main" id="{BD38A6AD-BF75-4389-9A42-7300E6B473AD}"/>
-              </a:ext>
-            </a:extLst>
-          </p:cNvPr>
-          <p:cNvSpPr>
-            <a:spLocks noGrp="1"/>
-          </p:cNvSpPr>
-          <p:nvPr>
-            <p:ph type="title"/>
-          </p:nvPr>
-        </p:nvSpPr>
-        <p:spPr>
-          <a:xfrm>
-            <a:off x="838200" y="365125"/>
-            <a:ext cx="10515600" cy="1084534"/>
-          </a:xfrm>
-        </p:spPr>
-        <p:txBody>
-          <a:bodyPr/>
-          <a:lstStyle/>
-          <a:p>
-            <a:r>
-              <a:rPr lang="en-US" dirty="0"/>
-              <a:t>Bar Plots</a:t>
-            </a:r>
+          <p:cNvPr id="88" name="Rectangle 83">
+            <a:extLst>
+              <a:ext uri="{FF2B5EF4-FFF2-40B4-BE49-F238E27FC236}">
+                <a16:creationId xmlns:a16="http://schemas.microsoft.com/office/drawing/2014/main" id="{EC12C61A-9558-4DE5-AFDB-898358AFB4CA}"/>
+              </a:ext>
+            </a:extLst>
+          </p:cNvPr>
+          <p:cNvSpPr>
+            <a:spLocks noGrp="1" noRot="1" noChangeAspect="1" noMove="1" noResize="1" noEditPoints="1" noAdjustHandles="1" noChangeArrowheads="1" noChangeShapeType="1" noTextEdit="1"/>
+          </p:cNvSpPr>
+          <p:nvPr>
+            <p:extLst>
+              <p:ext uri="{386F3935-93C4-4BCD-93E2-E3B085C9AB24}">
+                <p16:designElem xmlns:p16="http://schemas.microsoft.com/office/powerpoint/2015/main" val="1"/>
+              </p:ext>
+            </p:extLst>
+          </p:nvPr>
+        </p:nvSpPr>
+        <p:spPr bwMode="ltGray">
+          <a:xfrm>
+            <a:off x="336883" y="321176"/>
+            <a:ext cx="7174247" cy="5896743"/>
+          </a:xfrm>
+          <a:prstGeom prst="rect">
+            <a:avLst/>
+          </a:prstGeom>
+          <a:solidFill>
+            <a:schemeClr val="tx1">
+              <a:alpha val="15000"/>
+            </a:schemeClr>
+          </a:solidFill>
+          <a:ln w="127000" cap="sq" cmpd="thinThick">
+            <a:solidFill>
+              <a:schemeClr val="tx1">
+                <a:alpha val="10000"/>
+              </a:schemeClr>
+            </a:solidFill>
+          </a:ln>
+        </p:spPr>
+        <p:style>
+          <a:lnRef idx="2">
+            <a:schemeClr val="accent1">
+              <a:shade val="50000"/>
+            </a:schemeClr>
+          </a:lnRef>
+          <a:fillRef idx="1">
+            <a:schemeClr val="accent1"/>
+          </a:fillRef>
+          <a:effectRef idx="0">
+            <a:schemeClr val="accent1"/>
+          </a:effectRef>
+          <a:fontRef idx="minor">
+            <a:schemeClr val="lt1"/>
+          </a:fontRef>
+        </p:style>
+        <p:txBody>
+          <a:bodyPr rtlCol="0" anchor="ctr"/>
+          <a:lstStyle/>
+          <a:p>
+            <a:pPr algn="ctr"/>
+            <a:endParaRPr lang="en-US"/>
           </a:p>
         </p:txBody>
       </p:sp>
       <p:pic>
         <p:nvPicPr>
-          <p:cNvPr id="6" name="Content Placeholder 5" descr="A close up of a logo&#10;&#10;Description generated with very high confidence">
-            <a:extLst>
-              <a:ext uri="{FF2B5EF4-FFF2-40B4-BE49-F238E27FC236}">
-                <a16:creationId xmlns:a16="http://schemas.microsoft.com/office/drawing/2014/main" id="{EA62B420-AD2A-4A02-8B44-5D78440080E8}"/>
+          <p:cNvPr id="89" name="Content Placeholder 11">
+            <a:extLst>
+              <a:ext uri="{FF2B5EF4-FFF2-40B4-BE49-F238E27FC236}">
+                <a16:creationId xmlns:a16="http://schemas.microsoft.com/office/drawing/2014/main" id="{80B08409-AFCA-4FBA-99D6-B1534164B404}"/>
+              </a:ext>
+            </a:extLst>
+          </p:cNvPr>
+          <p:cNvPicPr>
+            <a:picLocks noChangeAspect="1"/>
+          </p:cNvPicPr>
+          <p:nvPr/>
+        </p:nvPicPr>
+        <p:blipFill rotWithShape="1">
+          <a:blip r:embed="rId2">
+            <a:extLst>
+              <a:ext uri="{28A0092B-C50C-407E-A947-70E740481C1C}">
+                <a14:useLocalDpi xmlns:a14="http://schemas.microsoft.com/office/drawing/2010/main" val="0"/>
+              </a:ext>
+            </a:extLst>
+          </a:blip>
+          <a:srcRect t="23361" r="-9" b="-9"/>
+          <a:stretch/>
+        </p:blipFill>
+        <p:spPr>
+          <a:xfrm>
+            <a:off x="7829551" y="2330867"/>
+            <a:ext cx="4042410" cy="1863093"/>
+          </a:xfrm>
+          <a:prstGeom prst="rect">
+            <a:avLst/>
+          </a:prstGeom>
+        </p:spPr>
+      </p:pic>
+      <p:pic>
+        <p:nvPicPr>
+          <p:cNvPr id="14" name="Picture 13" descr="A close up of text on a white background&#10;&#10;Description generated with high confidence">
+            <a:extLst>
+              <a:ext uri="{FF2B5EF4-FFF2-40B4-BE49-F238E27FC236}">
+                <a16:creationId xmlns:a16="http://schemas.microsoft.com/office/drawing/2014/main" id="{1BB2A90C-877B-442D-A6FA-21612C428421}"/>
+              </a:ext>
+            </a:extLst>
+          </p:cNvPr>
+          <p:cNvPicPr>
+            <a:picLocks noChangeAspect="1"/>
+          </p:cNvPicPr>
+          <p:nvPr/>
+        </p:nvPicPr>
+        <p:blipFill rotWithShape="1">
+          <a:blip r:embed="rId3">
+            <a:extLst>
+              <a:ext uri="{28A0092B-C50C-407E-A947-70E740481C1C}">
+                <a14:useLocalDpi xmlns:a14="http://schemas.microsoft.com/office/drawing/2010/main" val="0"/>
+              </a:ext>
+            </a:extLst>
+          </a:blip>
+          <a:srcRect t="23361" r="-9" b="-9"/>
+          <a:stretch/>
+        </p:blipFill>
+        <p:spPr>
+          <a:xfrm>
+            <a:off x="7829551" y="306910"/>
+            <a:ext cx="4042409" cy="1863092"/>
+          </a:xfrm>
+          <a:prstGeom prst="rect">
+            <a:avLst/>
+          </a:prstGeom>
+        </p:spPr>
+      </p:pic>
+      <p:pic>
+        <p:nvPicPr>
+          <p:cNvPr id="16" name="Picture 15">
+            <a:extLst>
+              <a:ext uri="{FF2B5EF4-FFF2-40B4-BE49-F238E27FC236}">
+                <a16:creationId xmlns:a16="http://schemas.microsoft.com/office/drawing/2014/main" id="{D3A10A10-4091-4E94-808B-C5AB2ABB6DF1}"/>
+              </a:ext>
+            </a:extLst>
+          </p:cNvPr>
+          <p:cNvPicPr>
+            <a:picLocks noChangeAspect="1"/>
+          </p:cNvPicPr>
+          <p:nvPr/>
+        </p:nvPicPr>
+        <p:blipFill rotWithShape="1">
+          <a:blip r:embed="rId4">
+            <a:extLst>
+              <a:ext uri="{28A0092B-C50C-407E-A947-70E740481C1C}">
+                <a14:useLocalDpi xmlns:a14="http://schemas.microsoft.com/office/drawing/2010/main" val="0"/>
+              </a:ext>
+            </a:extLst>
+          </a:blip>
+          <a:srcRect t="16638" r="-9" b="5394"/>
+          <a:stretch/>
+        </p:blipFill>
+        <p:spPr>
+          <a:xfrm>
+            <a:off x="7829551" y="4354824"/>
+            <a:ext cx="4042409" cy="1895153"/>
+          </a:xfrm>
+          <a:prstGeom prst="rect">
+            <a:avLst/>
+          </a:prstGeom>
+        </p:spPr>
+      </p:pic>
+      <p:sp>
+        <p:nvSpPr>
+          <p:cNvPr id="2" name="Title 1">
+            <a:extLst>
+              <a:ext uri="{FF2B5EF4-FFF2-40B4-BE49-F238E27FC236}">
+                <a16:creationId xmlns:a16="http://schemas.microsoft.com/office/drawing/2014/main" id="{BD38A6AD-BF75-4389-9A42-7300E6B473AD}"/>
+              </a:ext>
+            </a:extLst>
+          </p:cNvPr>
+          <p:cNvSpPr>
+            <a:spLocks noGrp="1"/>
+          </p:cNvSpPr>
+          <p:nvPr>
+            <p:ph type="title"/>
+          </p:nvPr>
+        </p:nvSpPr>
+        <p:spPr>
+          <a:xfrm>
+            <a:off x="821516" y="640263"/>
+            <a:ext cx="6204984" cy="1344975"/>
+          </a:xfrm>
+        </p:spPr>
+        <p:txBody>
+          <a:bodyPr vert="horz" lIns="91440" tIns="45720" rIns="91440" bIns="45720" rtlCol="0" anchor="ctr">
+            <a:normAutofit/>
+          </a:bodyPr>
+          <a:lstStyle/>
+          <a:p>
+            <a:r>
+              <a:rPr lang="en-US" sz="4000" kern="1200">
+                <a:solidFill>
+                  <a:schemeClr val="tx1"/>
+                </a:solidFill>
+                <a:latin typeface="+mj-lt"/>
+                <a:ea typeface="+mj-ea"/>
+                <a:cs typeface="+mj-cs"/>
+              </a:rPr>
+              <a:t>Price Dispersion</a:t>
+            </a:r>
+          </a:p>
+        </p:txBody>
+      </p:sp>
+      <p:pic>
+        <p:nvPicPr>
+          <p:cNvPr id="17" name="Content Placeholder 16">
+            <a:extLst>
+              <a:ext uri="{FF2B5EF4-FFF2-40B4-BE49-F238E27FC236}">
+                <a16:creationId xmlns:a16="http://schemas.microsoft.com/office/drawing/2014/main" id="{5A4A2791-9B07-41F3-9C9C-0275AA503C23}"/>
               </a:ext>
             </a:extLst>
           </p:cNvPr>
@@ -4373,7 +4561,7 @@
           </p:nvPr>
         </p:nvPicPr>
         <p:blipFill>
-          <a:blip r:embed="rId2">
+          <a:blip r:embed="rId5">
             <a:extLst>
               <a:ext uri="{28A0092B-C50C-407E-A947-70E740481C1C}">
                 <a14:useLocalDpi xmlns:a14="http://schemas.microsoft.com/office/drawing/2010/main" val="0"/>
@@ -4386,43 +4574,8 @@
         </p:blipFill>
         <p:spPr>
           <a:xfrm>
-            <a:off x="1094473" y="1825625"/>
-            <a:ext cx="4669054" cy="4351338"/>
-          </a:xfrm>
-        </p:spPr>
-      </p:pic>
-      <p:pic>
-        <p:nvPicPr>
-          <p:cNvPr id="8" name="Content Placeholder 7">
-            <a:extLst>
-              <a:ext uri="{FF2B5EF4-FFF2-40B4-BE49-F238E27FC236}">
-                <a16:creationId xmlns:a16="http://schemas.microsoft.com/office/drawing/2014/main" id="{B789FD36-AAB0-4354-A591-1ABF8B4DB892}"/>
-              </a:ext>
-            </a:extLst>
-          </p:cNvPr>
-          <p:cNvPicPr>
-            <a:picLocks noGrp="1" noChangeAspect="1"/>
-          </p:cNvPicPr>
-          <p:nvPr>
-            <p:ph sz="half" idx="2"/>
-          </p:nvPr>
-        </p:nvPicPr>
-        <p:blipFill>
-          <a:blip r:embed="rId3">
-            <a:extLst>
-              <a:ext uri="{28A0092B-C50C-407E-A947-70E740481C1C}">
-                <a14:useLocalDpi xmlns:a14="http://schemas.microsoft.com/office/drawing/2010/main" val="0"/>
-              </a:ext>
-            </a:extLst>
-          </a:blip>
-          <a:stretch>
-            <a:fillRect/>
-          </a:stretch>
-        </p:blipFill>
-        <p:spPr>
-          <a:xfrm>
-            <a:off x="6406025" y="1825625"/>
-            <a:ext cx="4713949" cy="4351338"/>
+            <a:off x="908780" y="2122488"/>
+            <a:ext cx="6029452" cy="3625850"/>
           </a:xfrm>
         </p:spPr>
       </p:pic>
@@ -4486,7 +4639,7 @@
           <a:p>
             <a:r>
               <a:rPr lang="en-US" dirty="0"/>
-              <a:t>Joint Plots</a:t>
+              <a:t>Price Dispersion - Joint Plots</a:t>
             </a:r>
           </a:p>
         </p:txBody>
@@ -5174,7 +5327,7 @@
           <a:p>
             <a:r>
               <a:rPr lang="en-US" dirty="0"/>
-              <a:t>Mice Plot</a:t>
+              <a:t>Mice Plot – Missing Values</a:t>
             </a:r>
           </a:p>
         </p:txBody>

--- a/HousingPricesPresentations.pptx
+++ b/HousingPricesPresentations.pptx
@@ -5,20 +5,28 @@
     <p:sldMasterId id="2147483732" r:id="rId1"/>
   </p:sldMasterIdLst>
   <p:notesMasterIdLst>
-    <p:notesMasterId r:id="rId13"/>
+    <p:notesMasterId r:id="rId21"/>
   </p:notesMasterIdLst>
   <p:sldIdLst>
     <p:sldId id="256" r:id="rId2"/>
-    <p:sldId id="261" r:id="rId3"/>
-    <p:sldId id="257" r:id="rId4"/>
-    <p:sldId id="263" r:id="rId5"/>
-    <p:sldId id="266" r:id="rId6"/>
-    <p:sldId id="260" r:id="rId7"/>
-    <p:sldId id="267" r:id="rId8"/>
-    <p:sldId id="262" r:id="rId9"/>
-    <p:sldId id="268" r:id="rId10"/>
-    <p:sldId id="264" r:id="rId11"/>
-    <p:sldId id="269" r:id="rId12"/>
+    <p:sldId id="279" r:id="rId3"/>
+    <p:sldId id="270" r:id="rId4"/>
+    <p:sldId id="281" r:id="rId5"/>
+    <p:sldId id="261" r:id="rId6"/>
+    <p:sldId id="275" r:id="rId7"/>
+    <p:sldId id="263" r:id="rId8"/>
+    <p:sldId id="266" r:id="rId9"/>
+    <p:sldId id="260" r:id="rId10"/>
+    <p:sldId id="267" r:id="rId11"/>
+    <p:sldId id="262" r:id="rId12"/>
+    <p:sldId id="268" r:id="rId13"/>
+    <p:sldId id="264" r:id="rId14"/>
+    <p:sldId id="269" r:id="rId15"/>
+    <p:sldId id="277" r:id="rId16"/>
+    <p:sldId id="280" r:id="rId17"/>
+    <p:sldId id="278" r:id="rId18"/>
+    <p:sldId id="276" r:id="rId19"/>
+    <p:sldId id="282" r:id="rId20"/>
   </p:sldIdLst>
   <p:sldSz cx="12192000" cy="6858000"/>
   <p:notesSz cx="6858000" cy="9144000"/>
@@ -211,7 +219,7 @@
           <a:p>
             <a:fld id="{DB8E79D4-252B-4C95-90F9-A74A29158865}" type="datetimeFigureOut">
               <a:rPr lang="en-US" smtClean="0"/>
-              <a:t>11/10/2017</a:t>
+              <a:t>11/12/2017</a:t>
             </a:fld>
             <a:endParaRPr lang="en-US"/>
           </a:p>
@@ -625,7 +633,7 @@
           <a:p>
             <a:fld id="{91C3B79F-EC10-4F20-9362-C4544C73AAEC}" type="datetimeFigureOut">
               <a:rPr lang="en-US" smtClean="0"/>
-              <a:t>11/10/2017</a:t>
+              <a:t>11/12/2017</a:t>
             </a:fld>
             <a:endParaRPr lang="en-US"/>
           </a:p>
@@ -823,7 +831,7 @@
           <a:p>
             <a:fld id="{91C3B79F-EC10-4F20-9362-C4544C73AAEC}" type="datetimeFigureOut">
               <a:rPr lang="en-US" smtClean="0"/>
-              <a:t>11/10/2017</a:t>
+              <a:t>11/12/2017</a:t>
             </a:fld>
             <a:endParaRPr lang="en-US"/>
           </a:p>
@@ -1031,7 +1039,7 @@
           <a:p>
             <a:fld id="{91C3B79F-EC10-4F20-9362-C4544C73AAEC}" type="datetimeFigureOut">
               <a:rPr lang="en-US" smtClean="0"/>
-              <a:t>11/10/2017</a:t>
+              <a:t>11/12/2017</a:t>
             </a:fld>
             <a:endParaRPr lang="en-US"/>
           </a:p>
@@ -1229,7 +1237,7 @@
           <a:p>
             <a:fld id="{91C3B79F-EC10-4F20-9362-C4544C73AAEC}" type="datetimeFigureOut">
               <a:rPr lang="en-US" smtClean="0"/>
-              <a:t>11/10/2017</a:t>
+              <a:t>11/12/2017</a:t>
             </a:fld>
             <a:endParaRPr lang="en-US"/>
           </a:p>
@@ -1504,7 +1512,7 @@
           <a:p>
             <a:fld id="{91C3B79F-EC10-4F20-9362-C4544C73AAEC}" type="datetimeFigureOut">
               <a:rPr lang="en-US" smtClean="0"/>
-              <a:t>11/10/2017</a:t>
+              <a:t>11/12/2017</a:t>
             </a:fld>
             <a:endParaRPr lang="en-US"/>
           </a:p>
@@ -1769,7 +1777,7 @@
           <a:p>
             <a:fld id="{91C3B79F-EC10-4F20-9362-C4544C73AAEC}" type="datetimeFigureOut">
               <a:rPr lang="en-US" smtClean="0"/>
-              <a:t>11/10/2017</a:t>
+              <a:t>11/12/2017</a:t>
             </a:fld>
             <a:endParaRPr lang="en-US"/>
           </a:p>
@@ -2181,7 +2189,7 @@
           <a:p>
             <a:fld id="{91C3B79F-EC10-4F20-9362-C4544C73AAEC}" type="datetimeFigureOut">
               <a:rPr lang="en-US" smtClean="0"/>
-              <a:t>11/10/2017</a:t>
+              <a:t>11/12/2017</a:t>
             </a:fld>
             <a:endParaRPr lang="en-US"/>
           </a:p>
@@ -2322,7 +2330,7 @@
           <a:p>
             <a:fld id="{91C3B79F-EC10-4F20-9362-C4544C73AAEC}" type="datetimeFigureOut">
               <a:rPr lang="en-US" smtClean="0"/>
-              <a:t>11/10/2017</a:t>
+              <a:t>11/12/2017</a:t>
             </a:fld>
             <a:endParaRPr lang="en-US"/>
           </a:p>
@@ -2435,7 +2443,7 @@
           <a:p>
             <a:fld id="{91C3B79F-EC10-4F20-9362-C4544C73AAEC}" type="datetimeFigureOut">
               <a:rPr lang="en-US" smtClean="0"/>
-              <a:t>11/10/2017</a:t>
+              <a:t>11/12/2017</a:t>
             </a:fld>
             <a:endParaRPr lang="en-US"/>
           </a:p>
@@ -2746,7 +2754,7 @@
           <a:p>
             <a:fld id="{91C3B79F-EC10-4F20-9362-C4544C73AAEC}" type="datetimeFigureOut">
               <a:rPr lang="en-US" smtClean="0"/>
-              <a:t>11/10/2017</a:t>
+              <a:t>11/12/2017</a:t>
             </a:fld>
             <a:endParaRPr lang="en-US"/>
           </a:p>
@@ -3034,7 +3042,7 @@
           <a:p>
             <a:fld id="{91C3B79F-EC10-4F20-9362-C4544C73AAEC}" type="datetimeFigureOut">
               <a:rPr lang="en-US" smtClean="0"/>
-              <a:t>11/10/2017</a:t>
+              <a:t>11/12/2017</a:t>
             </a:fld>
             <a:endParaRPr lang="en-US"/>
           </a:p>
@@ -3275,7 +3283,7 @@
           <a:p>
             <a:fld id="{91C3B79F-EC10-4F20-9362-C4544C73AAEC}" type="datetimeFigureOut">
               <a:rPr lang="en-US" smtClean="0"/>
-              <a:t>11/10/2017</a:t>
+              <a:t>11/12/2017</a:t>
             </a:fld>
             <a:endParaRPr lang="en-US"/>
           </a:p>
@@ -3767,6 +3775,9 @@
             <a:pPr algn="l"/>
             <a:r>
               <a:rPr lang="en-US" sz="4400" b="1" dirty="0">
+                <a:solidFill>
+                  <a:srgbClr val="0070C0"/>
+                </a:solidFill>
                 <a:latin typeface="Georgia" panose="02040502050405020303" pitchFamily="18" charset="0"/>
               </a:rPr>
               <a:t>House Prices</a:t>
@@ -3808,6 +3819,21 @@
               <a:rPr lang="en-US" sz="2000" b="1" dirty="0"/>
               <a:t>A MACHINE LEARNING PROJECT</a:t>
             </a:r>
+          </a:p>
+          <a:p>
+            <a:r>
+              <a:rPr lang="en-US" sz="2000" dirty="0">
+                <a:solidFill>
+                  <a:srgbClr val="0070C0"/>
+                </a:solidFill>
+              </a:rPr>
+              <a:t>Gradient Descendants </a:t>
+            </a:r>
+            <a:endParaRPr lang="en-US" sz="2000" b="1" dirty="0">
+              <a:solidFill>
+                <a:srgbClr val="0070C0"/>
+              </a:solidFill>
+            </a:endParaRPr>
           </a:p>
         </p:txBody>
       </p:sp>
@@ -3825,194 +3851,6 @@
 </file>
 
 <file path=ppt/slides/slide10.xml><?xml version="1.0" encoding="utf-8"?>
-<p:sld xmlns:a="http://schemas.openxmlformats.org/drawingml/2006/main" xmlns:r="http://schemas.openxmlformats.org/officeDocument/2006/relationships" xmlns:p="http://schemas.openxmlformats.org/presentationml/2006/main">
-  <p:cSld>
-    <p:spTree>
-      <p:nvGrpSpPr>
-        <p:cNvPr id="1" name=""/>
-        <p:cNvGrpSpPr/>
-        <p:nvPr/>
-      </p:nvGrpSpPr>
-      <p:grpSpPr>
-        <a:xfrm>
-          <a:off x="0" y="0"/>
-          <a:ext cx="0" cy="0"/>
-          <a:chOff x="0" y="0"/>
-          <a:chExt cx="0" cy="0"/>
-        </a:xfrm>
-      </p:grpSpPr>
-      <p:sp>
-        <p:nvSpPr>
-          <p:cNvPr id="2" name="Title 1">
-            <a:extLst>
-              <a:ext uri="{FF2B5EF4-FFF2-40B4-BE49-F238E27FC236}">
-                <a16:creationId xmlns:a16="http://schemas.microsoft.com/office/drawing/2014/main" id="{E872D2DD-859F-46D4-81CA-F13CE38FFB5B}"/>
-              </a:ext>
-            </a:extLst>
-          </p:cNvPr>
-          <p:cNvSpPr>
-            <a:spLocks noGrp="1"/>
-          </p:cNvSpPr>
-          <p:nvPr>
-            <p:ph type="title"/>
-          </p:nvPr>
-        </p:nvSpPr>
-        <p:spPr>
-          <a:xfrm>
-            <a:off x="839788" y="457200"/>
-            <a:ext cx="3932237" cy="825190"/>
-          </a:xfrm>
-        </p:spPr>
-        <p:txBody>
-          <a:bodyPr/>
-          <a:lstStyle/>
-          <a:p>
-            <a:r>
-              <a:rPr lang="en-US" dirty="0">
-                <a:solidFill>
-                  <a:schemeClr val="bg2">
-                    <a:lumMod val="10000"/>
-                  </a:schemeClr>
-                </a:solidFill>
-              </a:rPr>
-              <a:t>The Garage is a mess!</a:t>
-            </a:r>
-          </a:p>
-        </p:txBody>
-      </p:sp>
-      <p:sp>
-        <p:nvSpPr>
-          <p:cNvPr id="3" name="Content Placeholder 2">
-            <a:extLst>
-              <a:ext uri="{FF2B5EF4-FFF2-40B4-BE49-F238E27FC236}">
-                <a16:creationId xmlns:a16="http://schemas.microsoft.com/office/drawing/2014/main" id="{35FDA2E2-BFD5-41A5-95E9-9094837C0F13}"/>
-              </a:ext>
-            </a:extLst>
-          </p:cNvPr>
-          <p:cNvSpPr>
-            <a:spLocks noGrp="1"/>
-          </p:cNvSpPr>
-          <p:nvPr>
-            <p:ph idx="1"/>
-          </p:nvPr>
-        </p:nvSpPr>
-        <p:spPr/>
-        <p:txBody>
-          <a:bodyPr/>
-          <a:lstStyle/>
-          <a:p>
-            <a:endParaRPr lang="en-US" dirty="0"/>
-          </a:p>
-        </p:txBody>
-      </p:sp>
-      <p:sp>
-        <p:nvSpPr>
-          <p:cNvPr id="4" name="Text Placeholder 3">
-            <a:extLst>
-              <a:ext uri="{FF2B5EF4-FFF2-40B4-BE49-F238E27FC236}">
-                <a16:creationId xmlns:a16="http://schemas.microsoft.com/office/drawing/2014/main" id="{C9A449BD-488C-4D6A-8F4C-96EE6D5BD369}"/>
-              </a:ext>
-            </a:extLst>
-          </p:cNvPr>
-          <p:cNvSpPr>
-            <a:spLocks noGrp="1"/>
-          </p:cNvSpPr>
-          <p:nvPr>
-            <p:ph type="body" sz="half" idx="2"/>
-          </p:nvPr>
-        </p:nvSpPr>
-        <p:spPr>
-          <a:xfrm>
-            <a:off x="839788" y="1416205"/>
-            <a:ext cx="3932237" cy="4452783"/>
-          </a:xfrm>
-        </p:spPr>
-        <p:txBody>
-          <a:bodyPr/>
-          <a:lstStyle/>
-          <a:p>
-            <a:endParaRPr lang="en-US" dirty="0"/>
-          </a:p>
-        </p:txBody>
-      </p:sp>
-    </p:spTree>
-    <p:extLst>
-      <p:ext uri="{BB962C8B-B14F-4D97-AF65-F5344CB8AC3E}">
-        <p14:creationId xmlns:p14="http://schemas.microsoft.com/office/powerpoint/2010/main" val="80121496"/>
-      </p:ext>
-    </p:extLst>
-  </p:cSld>
-  <p:clrMapOvr>
-    <a:masterClrMapping/>
-  </p:clrMapOvr>
-</p:sld>
-</file>
-
-<file path=ppt/slides/slide11.xml><?xml version="1.0" encoding="utf-8"?>
-<p:sld xmlns:a="http://schemas.openxmlformats.org/drawingml/2006/main" xmlns:r="http://schemas.openxmlformats.org/officeDocument/2006/relationships" xmlns:p="http://schemas.openxmlformats.org/presentationml/2006/main">
-  <p:cSld>
-    <p:spTree>
-      <p:nvGrpSpPr>
-        <p:cNvPr id="1" name=""/>
-        <p:cNvGrpSpPr/>
-        <p:nvPr/>
-      </p:nvGrpSpPr>
-      <p:grpSpPr>
-        <a:xfrm>
-          <a:off x="0" y="0"/>
-          <a:ext cx="0" cy="0"/>
-          <a:chOff x="0" y="0"/>
-          <a:chExt cx="0" cy="0"/>
-        </a:xfrm>
-      </p:grpSpPr>
-      <p:sp>
-        <p:nvSpPr>
-          <p:cNvPr id="2" name="Title 1">
-            <a:extLst>
-              <a:ext uri="{FF2B5EF4-FFF2-40B4-BE49-F238E27FC236}">
-                <a16:creationId xmlns:a16="http://schemas.microsoft.com/office/drawing/2014/main" id="{D73EACD4-11B0-4C61-B08E-80EA74CE041B}"/>
-              </a:ext>
-            </a:extLst>
-          </p:cNvPr>
-          <p:cNvSpPr>
-            <a:spLocks noGrp="1"/>
-          </p:cNvSpPr>
-          <p:nvPr>
-            <p:ph type="title"/>
-          </p:nvPr>
-        </p:nvSpPr>
-        <p:spPr/>
-        <p:txBody>
-          <a:bodyPr/>
-          <a:lstStyle/>
-          <a:p>
-            <a:r>
-              <a:rPr lang="en-US" b="1" dirty="0">
-                <a:solidFill>
-                  <a:schemeClr val="bg2">
-                    <a:lumMod val="10000"/>
-                  </a:schemeClr>
-                </a:solidFill>
-              </a:rPr>
-              <a:t>Features Engineering</a:t>
-            </a:r>
-          </a:p>
-        </p:txBody>
-      </p:sp>
-    </p:spTree>
-    <p:extLst>
-      <p:ext uri="{BB962C8B-B14F-4D97-AF65-F5344CB8AC3E}">
-        <p14:creationId xmlns:p14="http://schemas.microsoft.com/office/powerpoint/2010/main" val="2652359684"/>
-      </p:ext>
-    </p:extLst>
-  </p:cSld>
-  <p:clrMapOvr>
-    <a:masterClrMapping/>
-  </p:clrMapOvr>
-</p:sld>
-</file>
-
-<file path=ppt/slides/slide2.xml><?xml version="1.0" encoding="utf-8"?>
 <p:sld xmlns:a="http://schemas.openxmlformats.org/drawingml/2006/main" xmlns:r="http://schemas.openxmlformats.org/officeDocument/2006/relationships" xmlns:p="http://schemas.openxmlformats.org/presentationml/2006/main">
   <p:cSld>
     <p:bg>
@@ -4037,26 +3875,747 @@
           <a:chExt cx="0" cy="0"/>
         </a:xfrm>
       </p:grpSpPr>
-      <p:sp>
-        <p:nvSpPr>
-          <p:cNvPr id="2" name="Title 1">
-            <a:extLst>
-              <a:ext uri="{FF2B5EF4-FFF2-40B4-BE49-F238E27FC236}">
-                <a16:creationId xmlns:a16="http://schemas.microsoft.com/office/drawing/2014/main" id="{D6CDCB73-8593-4074-886F-EDED4E788813}"/>
-              </a:ext>
-            </a:extLst>
-          </p:cNvPr>
-          <p:cNvSpPr>
-            <a:spLocks noGrp="1"/>
-          </p:cNvSpPr>
-          <p:nvPr>
-            <p:ph type="title"/>
-          </p:nvPr>
-        </p:nvSpPr>
+      <p:pic>
+        <p:nvPicPr>
+          <p:cNvPr id="8" name="Content Placeholder 4" descr="A screen shot of a cage&#10;&#10;Description generated with high confidence">
+            <a:extLst>
+              <a:ext uri="{FF2B5EF4-FFF2-40B4-BE49-F238E27FC236}">
+                <a16:creationId xmlns:a16="http://schemas.microsoft.com/office/drawing/2014/main" id="{122A07F5-8B0B-4A99-9EF9-43F47FBB23F5}"/>
+              </a:ext>
+            </a:extLst>
+          </p:cNvPr>
+          <p:cNvPicPr>
+            <a:picLocks noChangeAspect="1"/>
+          </p:cNvPicPr>
+          <p:nvPr/>
+        </p:nvPicPr>
+        <p:blipFill rotWithShape="1">
+          <a:blip r:embed="rId2">
+            <a:extLst>
+              <a:ext uri="{28A0092B-C50C-407E-A947-70E740481C1C}">
+                <a14:useLocalDpi xmlns:a14="http://schemas.microsoft.com/office/drawing/2010/main" val="0"/>
+              </a:ext>
+            </a:extLst>
+          </a:blip>
+          <a:srcRect r="-3" b="3708"/>
+          <a:stretch/>
+        </p:blipFill>
         <p:spPr>
           <a:xfrm>
-            <a:off x="965200" y="643467"/>
-            <a:ext cx="9260467" cy="1542843"/>
+            <a:off x="4639056" y="10"/>
+            <a:ext cx="7552944" cy="6756390"/>
+          </a:xfrm>
+          <a:prstGeom prst="rect">
+            <a:avLst/>
+          </a:prstGeom>
+          <a:effectLst/>
+        </p:spPr>
+      </p:pic>
+      <p:sp>
+        <p:nvSpPr>
+          <p:cNvPr id="2" name="Title 1">
+            <a:extLst>
+              <a:ext uri="{FF2B5EF4-FFF2-40B4-BE49-F238E27FC236}">
+                <a16:creationId xmlns:a16="http://schemas.microsoft.com/office/drawing/2014/main" id="{BE0ADD0F-3210-44C1-B44C-277EEC38C81B}"/>
+              </a:ext>
+            </a:extLst>
+          </p:cNvPr>
+          <p:cNvSpPr>
+            <a:spLocks noGrp="1"/>
+          </p:cNvSpPr>
+          <p:nvPr>
+            <p:ph type="title"/>
+          </p:nvPr>
+        </p:nvSpPr>
+        <p:spPr>
+          <a:xfrm>
+            <a:off x="942083" y="260351"/>
+            <a:ext cx="3651467" cy="685799"/>
+          </a:xfrm>
+        </p:spPr>
+        <p:txBody>
+          <a:bodyPr>
+            <a:normAutofit/>
+          </a:bodyPr>
+          <a:lstStyle/>
+          <a:p>
+            <a:r>
+              <a:rPr lang="en-US" sz="3600" dirty="0">
+                <a:solidFill>
+                  <a:srgbClr val="0070C0"/>
+                </a:solidFill>
+              </a:rPr>
+              <a:t>Correlation</a:t>
+            </a:r>
+          </a:p>
+        </p:txBody>
+      </p:sp>
+      <p:graphicFrame>
+        <p:nvGraphicFramePr>
+          <p:cNvPr id="3" name="Content Placeholder 2">
+            <a:extLst>
+              <a:ext uri="{FF2B5EF4-FFF2-40B4-BE49-F238E27FC236}">
+                <a16:creationId xmlns:a16="http://schemas.microsoft.com/office/drawing/2014/main" id="{57E1E8DC-3345-4ED5-B81D-74F303DC0B8D}"/>
+              </a:ext>
+            </a:extLst>
+          </p:cNvPr>
+          <p:cNvGraphicFramePr>
+            <a:graphicFrameLocks noGrp="1"/>
+          </p:cNvGraphicFramePr>
+          <p:nvPr>
+            <p:ph idx="1"/>
+            <p:extLst>
+              <p:ext uri="{D42A27DB-BD31-4B8C-83A1-F6EECF244321}">
+                <p14:modId xmlns:p14="http://schemas.microsoft.com/office/powerpoint/2010/main" val="2849038750"/>
+              </p:ext>
+            </p:extLst>
+          </p:nvPr>
+        </p:nvGraphicFramePr>
+        <p:xfrm>
+          <a:off x="896938" y="1073150"/>
+          <a:ext cx="3741738" cy="2595880"/>
+        </p:xfrm>
+        <a:graphic>
+          <a:graphicData uri="http://schemas.openxmlformats.org/drawingml/2006/table">
+            <a:tbl>
+              <a:tblPr firstRow="1" bandRow="1">
+                <a:tableStyleId>{5C22544A-7EE6-4342-B048-85BDC9FD1C3A}</a:tableStyleId>
+              </a:tblPr>
+              <a:tblGrid>
+                <a:gridCol w="1870869">
+                  <a:extLst>
+                    <a:ext uri="{9D8B030D-6E8A-4147-A177-3AD203B41FA5}">
+                      <a16:colId xmlns:a16="http://schemas.microsoft.com/office/drawing/2014/main" val="1721883757"/>
+                    </a:ext>
+                  </a:extLst>
+                </a:gridCol>
+                <a:gridCol w="1870869">
+                  <a:extLst>
+                    <a:ext uri="{9D8B030D-6E8A-4147-A177-3AD203B41FA5}">
+                      <a16:colId xmlns:a16="http://schemas.microsoft.com/office/drawing/2014/main" val="1868845708"/>
+                    </a:ext>
+                  </a:extLst>
+                </a:gridCol>
+              </a:tblGrid>
+              <a:tr h="370840">
+                <a:tc>
+                  <a:txBody>
+                    <a:bodyPr/>
+                    <a:lstStyle/>
+                    <a:p>
+                      <a:pPr algn="ctr"/>
+                      <a:r>
+                        <a:rPr lang="en-US" dirty="0">
+                          <a:solidFill>
+                            <a:sysClr val="windowText" lastClr="000000"/>
+                          </a:solidFill>
+                        </a:rPr>
+                        <a:t>Variables</a:t>
+                      </a:r>
+                    </a:p>
+                  </a:txBody>
+                  <a:tcPr>
+                    <a:noFill/>
+                  </a:tcPr>
+                </a:tc>
+                <a:tc>
+                  <a:txBody>
+                    <a:bodyPr/>
+                    <a:lstStyle/>
+                    <a:p>
+                      <a:pPr algn="ctr"/>
+                      <a:r>
+                        <a:rPr lang="en-US" dirty="0">
+                          <a:solidFill>
+                            <a:sysClr val="windowText" lastClr="000000"/>
+                          </a:solidFill>
+                        </a:rPr>
+                        <a:t>Variance</a:t>
+                      </a:r>
+                    </a:p>
+                  </a:txBody>
+                  <a:tcPr>
+                    <a:noFill/>
+                  </a:tcPr>
+                </a:tc>
+                <a:extLst>
+                  <a:ext uri="{0D108BD9-81ED-4DB2-BD59-A6C34878D82A}">
+                    <a16:rowId xmlns:a16="http://schemas.microsoft.com/office/drawing/2014/main" val="3172977175"/>
+                  </a:ext>
+                </a:extLst>
+              </a:tr>
+              <a:tr h="370840">
+                <a:tc>
+                  <a:txBody>
+                    <a:bodyPr/>
+                    <a:lstStyle/>
+                    <a:p>
+                      <a:r>
+                        <a:rPr lang="en-US" dirty="0"/>
+                        <a:t>overallqual</a:t>
+                      </a:r>
+                    </a:p>
+                  </a:txBody>
+                  <a:tcPr>
+                    <a:noFill/>
+                  </a:tcPr>
+                </a:tc>
+                <a:tc>
+                  <a:txBody>
+                    <a:bodyPr/>
+                    <a:lstStyle/>
+                    <a:p>
+                      <a:pPr algn="ctr"/>
+                      <a:r>
+                        <a:rPr lang="en-US" dirty="0"/>
+                        <a:t>0.79</a:t>
+                      </a:r>
+                    </a:p>
+                  </a:txBody>
+                  <a:tcPr>
+                    <a:noFill/>
+                  </a:tcPr>
+                </a:tc>
+                <a:extLst>
+                  <a:ext uri="{0D108BD9-81ED-4DB2-BD59-A6C34878D82A}">
+                    <a16:rowId xmlns:a16="http://schemas.microsoft.com/office/drawing/2014/main" val="3261912333"/>
+                  </a:ext>
+                </a:extLst>
+              </a:tr>
+              <a:tr h="370840">
+                <a:tc>
+                  <a:txBody>
+                    <a:bodyPr/>
+                    <a:lstStyle/>
+                    <a:p>
+                      <a:r>
+                        <a:rPr lang="en-US" dirty="0"/>
+                        <a:t>Totalbsmtsf</a:t>
+                      </a:r>
+                    </a:p>
+                  </a:txBody>
+                  <a:tcPr>
+                    <a:noFill/>
+                  </a:tcPr>
+                </a:tc>
+                <a:tc>
+                  <a:txBody>
+                    <a:bodyPr/>
+                    <a:lstStyle/>
+                    <a:p>
+                      <a:pPr algn="ctr"/>
+                      <a:r>
+                        <a:rPr lang="en-US" dirty="0"/>
+                        <a:t>0.61 </a:t>
+                      </a:r>
+                    </a:p>
+                  </a:txBody>
+                  <a:tcPr>
+                    <a:noFill/>
+                  </a:tcPr>
+                </a:tc>
+                <a:extLst>
+                  <a:ext uri="{0D108BD9-81ED-4DB2-BD59-A6C34878D82A}">
+                    <a16:rowId xmlns:a16="http://schemas.microsoft.com/office/drawing/2014/main" val="414415115"/>
+                  </a:ext>
+                </a:extLst>
+              </a:tr>
+              <a:tr h="370840">
+                <a:tc>
+                  <a:txBody>
+                    <a:bodyPr/>
+                    <a:lstStyle/>
+                    <a:p>
+                      <a:r>
+                        <a:rPr lang="en-US" dirty="0"/>
+                        <a:t>1stflrsf</a:t>
+                      </a:r>
+                    </a:p>
+                  </a:txBody>
+                  <a:tcPr>
+                    <a:noFill/>
+                  </a:tcPr>
+                </a:tc>
+                <a:tc>
+                  <a:txBody>
+                    <a:bodyPr/>
+                    <a:lstStyle/>
+                    <a:p>
+                      <a:pPr algn="ctr"/>
+                      <a:r>
+                        <a:rPr lang="en-US" dirty="0"/>
+                        <a:t>0.61</a:t>
+                      </a:r>
+                    </a:p>
+                  </a:txBody>
+                  <a:tcPr>
+                    <a:noFill/>
+                  </a:tcPr>
+                </a:tc>
+                <a:extLst>
+                  <a:ext uri="{0D108BD9-81ED-4DB2-BD59-A6C34878D82A}">
+                    <a16:rowId xmlns:a16="http://schemas.microsoft.com/office/drawing/2014/main" val="4134338204"/>
+                  </a:ext>
+                </a:extLst>
+              </a:tr>
+              <a:tr h="370840">
+                <a:tc>
+                  <a:txBody>
+                    <a:bodyPr/>
+                    <a:lstStyle/>
+                    <a:p>
+                      <a:r>
+                        <a:rPr lang="en-US" dirty="0"/>
+                        <a:t>Grlivearea</a:t>
+                      </a:r>
+                    </a:p>
+                  </a:txBody>
+                  <a:tcPr>
+                    <a:noFill/>
+                  </a:tcPr>
+                </a:tc>
+                <a:tc>
+                  <a:txBody>
+                    <a:bodyPr/>
+                    <a:lstStyle/>
+                    <a:p>
+                      <a:pPr algn="ctr"/>
+                      <a:r>
+                        <a:rPr lang="en-US" dirty="0"/>
+                        <a:t>0.71</a:t>
+                      </a:r>
+                    </a:p>
+                  </a:txBody>
+                  <a:tcPr>
+                    <a:noFill/>
+                  </a:tcPr>
+                </a:tc>
+                <a:extLst>
+                  <a:ext uri="{0D108BD9-81ED-4DB2-BD59-A6C34878D82A}">
+                    <a16:rowId xmlns:a16="http://schemas.microsoft.com/office/drawing/2014/main" val="854385796"/>
+                  </a:ext>
+                </a:extLst>
+              </a:tr>
+              <a:tr h="370840">
+                <a:tc>
+                  <a:txBody>
+                    <a:bodyPr/>
+                    <a:lstStyle/>
+                    <a:p>
+                      <a:r>
+                        <a:rPr lang="en-US" dirty="0"/>
+                        <a:t>Garagecars</a:t>
+                      </a:r>
+                    </a:p>
+                  </a:txBody>
+                  <a:tcPr>
+                    <a:noFill/>
+                  </a:tcPr>
+                </a:tc>
+                <a:tc>
+                  <a:txBody>
+                    <a:bodyPr/>
+                    <a:lstStyle/>
+                    <a:p>
+                      <a:pPr algn="ctr"/>
+                      <a:r>
+                        <a:rPr lang="en-US" dirty="0"/>
+                        <a:t>0.64</a:t>
+                      </a:r>
+                    </a:p>
+                  </a:txBody>
+                  <a:tcPr>
+                    <a:noFill/>
+                  </a:tcPr>
+                </a:tc>
+                <a:extLst>
+                  <a:ext uri="{0D108BD9-81ED-4DB2-BD59-A6C34878D82A}">
+                    <a16:rowId xmlns:a16="http://schemas.microsoft.com/office/drawing/2014/main" val="804910758"/>
+                  </a:ext>
+                </a:extLst>
+              </a:tr>
+              <a:tr h="370840">
+                <a:tc>
+                  <a:txBody>
+                    <a:bodyPr/>
+                    <a:lstStyle/>
+                    <a:p>
+                      <a:r>
+                        <a:rPr lang="en-US" dirty="0"/>
+                        <a:t>Garagearea</a:t>
+                      </a:r>
+                    </a:p>
+                  </a:txBody>
+                  <a:tcPr>
+                    <a:noFill/>
+                  </a:tcPr>
+                </a:tc>
+                <a:tc>
+                  <a:txBody>
+                    <a:bodyPr/>
+                    <a:lstStyle/>
+                    <a:p>
+                      <a:pPr algn="ctr"/>
+                      <a:r>
+                        <a:rPr lang="en-US" dirty="0"/>
+                        <a:t>0.62</a:t>
+                      </a:r>
+                    </a:p>
+                  </a:txBody>
+                  <a:tcPr>
+                    <a:noFill/>
+                  </a:tcPr>
+                </a:tc>
+                <a:extLst>
+                  <a:ext uri="{0D108BD9-81ED-4DB2-BD59-A6C34878D82A}">
+                    <a16:rowId xmlns:a16="http://schemas.microsoft.com/office/drawing/2014/main" val="1363502775"/>
+                  </a:ext>
+                </a:extLst>
+              </a:tr>
+            </a:tbl>
+          </a:graphicData>
+        </a:graphic>
+      </p:graphicFrame>
+      <p:cxnSp>
+        <p:nvCxnSpPr>
+          <p:cNvPr id="5" name="Straight Connector 4">
+            <a:extLst>
+              <a:ext uri="{FF2B5EF4-FFF2-40B4-BE49-F238E27FC236}">
+                <a16:creationId xmlns:a16="http://schemas.microsoft.com/office/drawing/2014/main" id="{2F3373BF-7048-4BC6-8B3E-7D995529052B}"/>
+              </a:ext>
+            </a:extLst>
+          </p:cNvPr>
+          <p:cNvCxnSpPr>
+            <a:endCxn id="3" idx="2"/>
+          </p:cNvCxnSpPr>
+          <p:nvPr/>
+        </p:nvCxnSpPr>
+        <p:spPr>
+          <a:xfrm>
+            <a:off x="2743200" y="1127531"/>
+            <a:ext cx="24607" cy="2541499"/>
+          </a:xfrm>
+          <a:prstGeom prst="line">
+            <a:avLst/>
+          </a:prstGeom>
+          <a:ln>
+            <a:solidFill>
+              <a:srgbClr val="C00000"/>
+            </a:solidFill>
+          </a:ln>
+        </p:spPr>
+        <p:style>
+          <a:lnRef idx="1">
+            <a:schemeClr val="accent1"/>
+          </a:lnRef>
+          <a:fillRef idx="0">
+            <a:schemeClr val="accent1"/>
+          </a:fillRef>
+          <a:effectRef idx="0">
+            <a:schemeClr val="accent1"/>
+          </a:effectRef>
+          <a:fontRef idx="minor">
+            <a:schemeClr val="tx1"/>
+          </a:fontRef>
+        </p:style>
+      </p:cxnSp>
+      <p:cxnSp>
+        <p:nvCxnSpPr>
+          <p:cNvPr id="7" name="Straight Connector 6">
+            <a:extLst>
+              <a:ext uri="{FF2B5EF4-FFF2-40B4-BE49-F238E27FC236}">
+                <a16:creationId xmlns:a16="http://schemas.microsoft.com/office/drawing/2014/main" id="{DD090640-AA4C-4FED-A91F-7BB656A52406}"/>
+              </a:ext>
+            </a:extLst>
+          </p:cNvPr>
+          <p:cNvCxnSpPr/>
+          <p:nvPr/>
+        </p:nvCxnSpPr>
+        <p:spPr>
+          <a:xfrm>
+            <a:off x="942083" y="1471290"/>
+            <a:ext cx="3238031" cy="0"/>
+          </a:xfrm>
+          <a:prstGeom prst="line">
+            <a:avLst/>
+          </a:prstGeom>
+          <a:ln>
+            <a:solidFill>
+              <a:srgbClr val="C00000"/>
+            </a:solidFill>
+          </a:ln>
+        </p:spPr>
+        <p:style>
+          <a:lnRef idx="1">
+            <a:schemeClr val="accent1"/>
+          </a:lnRef>
+          <a:fillRef idx="0">
+            <a:schemeClr val="accent1"/>
+          </a:fillRef>
+          <a:effectRef idx="0">
+            <a:schemeClr val="accent1"/>
+          </a:effectRef>
+          <a:fontRef idx="minor">
+            <a:schemeClr val="tx1"/>
+          </a:fontRef>
+        </p:style>
+      </p:cxnSp>
+    </p:spTree>
+    <p:extLst>
+      <p:ext uri="{BB962C8B-B14F-4D97-AF65-F5344CB8AC3E}">
+        <p14:creationId xmlns:p14="http://schemas.microsoft.com/office/powerpoint/2010/main" val="565979046"/>
+      </p:ext>
+    </p:extLst>
+  </p:cSld>
+  <p:clrMapOvr>
+    <a:masterClrMapping/>
+  </p:clrMapOvr>
+</p:sld>
+</file>
+
+<file path=ppt/slides/slide11.xml><?xml version="1.0" encoding="utf-8"?>
+<p:sld xmlns:a="http://schemas.openxmlformats.org/drawingml/2006/main" xmlns:r="http://schemas.openxmlformats.org/officeDocument/2006/relationships" xmlns:p="http://schemas.openxmlformats.org/presentationml/2006/main">
+  <p:cSld>
+    <p:bg>
+      <p:bgPr>
+        <a:solidFill>
+          <a:schemeClr val="bg1">
+            <a:tint val="95000"/>
+            <a:satMod val="170000"/>
+          </a:schemeClr>
+        </a:solidFill>
+        <a:effectLst/>
+      </p:bgPr>
+    </p:bg>
+    <p:spTree>
+      <p:nvGrpSpPr>
+        <p:cNvPr id="1" name=""/>
+        <p:cNvGrpSpPr/>
+        <p:nvPr/>
+      </p:nvGrpSpPr>
+      <p:grpSpPr>
+        <a:xfrm>
+          <a:off x="0" y="0"/>
+          <a:ext cx="0" cy="0"/>
+          <a:chOff x="0" y="0"/>
+          <a:chExt cx="0" cy="0"/>
+        </a:xfrm>
+      </p:grpSpPr>
+      <p:grpSp>
+        <p:nvGrpSpPr>
+          <p:cNvPr id="7" name="Group 6" title="intersecting circles">
+            <a:extLst>
+              <a:ext uri="{FF2B5EF4-FFF2-40B4-BE49-F238E27FC236}">
+                <a16:creationId xmlns:a16="http://schemas.microsoft.com/office/drawing/2014/main" id="{D2C4BFA1-2075-4901-9E24-E41D1FDD51FD}"/>
+              </a:ext>
+            </a:extLst>
+          </p:cNvPr>
+          <p:cNvGrpSpPr>
+            <a:grpSpLocks noGrp="1" noUngrp="1" noRot="1" noChangeAspect="1" noMove="1" noResize="1"/>
+          </p:cNvGrpSpPr>
+          <p:nvPr>
+            <p:extLst>
+              <p:ext uri="{386F3935-93C4-4BCD-93E2-E3B085C9AB24}">
+                <p16:designElem xmlns:p16="http://schemas.microsoft.com/office/powerpoint/2015/main" val="1"/>
+              </p:ext>
+            </p:extLst>
+          </p:nvPr>
+        </p:nvGrpSpPr>
+        <p:grpSpPr>
+          <a:xfrm>
+            <a:off x="1155481" y="498348"/>
+            <a:ext cx="9902663" cy="5861304"/>
+            <a:chOff x="1155481" y="498348"/>
+            <a:chExt cx="9902663" cy="5861304"/>
+          </a:xfrm>
+        </p:grpSpPr>
+        <p:sp>
+          <p:nvSpPr>
+            <p:cNvPr id="8" name="Oval 5">
+              <a:extLst>
+                <a:ext uri="{FF2B5EF4-FFF2-40B4-BE49-F238E27FC236}">
+                  <a16:creationId xmlns:a16="http://schemas.microsoft.com/office/drawing/2014/main" id="{985A7375-E3AF-4F5C-85AE-17E8832952CA}"/>
+                </a:ext>
+              </a:extLst>
+            </p:cNvPr>
+            <p:cNvSpPr>
+              <a:spLocks noChangeArrowheads="1"/>
+            </p:cNvSpPr>
+            <p:nvPr>
+              <p:extLst>
+                <p:ext uri="{386F3935-93C4-4BCD-93E2-E3B085C9AB24}">
+                  <p16:designElem xmlns:p16="http://schemas.microsoft.com/office/powerpoint/2015/main" val="1"/>
+                </p:ext>
+              </p:extLst>
+            </p:nvPr>
+          </p:nvSpPr>
+          <p:spPr bwMode="auto">
+            <a:xfrm>
+              <a:off x="1155481" y="498348"/>
+              <a:ext cx="5861304" cy="5861304"/>
+            </a:xfrm>
+            <a:prstGeom prst="ellipse">
+              <a:avLst/>
+            </a:prstGeom>
+            <a:solidFill>
+              <a:schemeClr val="accent1">
+                <a:alpha val="55000"/>
+              </a:schemeClr>
+            </a:solidFill>
+            <a:ln>
+              <a:noFill/>
+            </a:ln>
+          </p:spPr>
+        </p:sp>
+        <p:sp>
+          <p:nvSpPr>
+            <p:cNvPr id="9" name="Oval 8">
+              <a:extLst>
+                <a:ext uri="{FF2B5EF4-FFF2-40B4-BE49-F238E27FC236}">
+                  <a16:creationId xmlns:a16="http://schemas.microsoft.com/office/drawing/2014/main" id="{F0307F65-8304-4FA8-A841-D4D7625411BE}"/>
+                </a:ext>
+              </a:extLst>
+            </p:cNvPr>
+            <p:cNvSpPr>
+              <a:spLocks noChangeArrowheads="1"/>
+            </p:cNvSpPr>
+            <p:nvPr>
+              <p:extLst>
+                <p:ext uri="{386F3935-93C4-4BCD-93E2-E3B085C9AB24}">
+                  <p16:designElem xmlns:p16="http://schemas.microsoft.com/office/powerpoint/2015/main" val="1"/>
+                </p:ext>
+              </p:extLst>
+            </p:nvPr>
+          </p:nvSpPr>
+          <p:spPr bwMode="auto">
+            <a:xfrm>
+              <a:off x="5196840" y="498348"/>
+              <a:ext cx="5861304" cy="5861304"/>
+            </a:xfrm>
+            <a:prstGeom prst="ellipse">
+              <a:avLst/>
+            </a:prstGeom>
+            <a:solidFill>
+              <a:schemeClr val="accent1">
+                <a:alpha val="55000"/>
+              </a:schemeClr>
+            </a:solidFill>
+            <a:ln>
+              <a:noFill/>
+            </a:ln>
+          </p:spPr>
+        </p:sp>
+        <p:sp>
+          <p:nvSpPr>
+            <p:cNvPr id="10" name="Oval 5">
+              <a:extLst>
+                <a:ext uri="{FF2B5EF4-FFF2-40B4-BE49-F238E27FC236}">
+                  <a16:creationId xmlns:a16="http://schemas.microsoft.com/office/drawing/2014/main" id="{C8B8394C-136F-4E05-A002-D93A5E79CD50}"/>
+                </a:ext>
+              </a:extLst>
+            </p:cNvPr>
+            <p:cNvSpPr>
+              <a:spLocks noChangeArrowheads="1"/>
+            </p:cNvSpPr>
+            <p:nvPr>
+              <p:extLst>
+                <p:ext uri="{386F3935-93C4-4BCD-93E2-E3B085C9AB24}">
+                  <p16:designElem xmlns:p16="http://schemas.microsoft.com/office/powerpoint/2015/main" val="1"/>
+                </p:ext>
+              </p:extLst>
+            </p:nvPr>
+          </p:nvSpPr>
+          <p:spPr bwMode="auto">
+            <a:xfrm>
+              <a:off x="3165348" y="498348"/>
+              <a:ext cx="5861304" cy="5861304"/>
+            </a:xfrm>
+            <a:prstGeom prst="ellipse">
+              <a:avLst/>
+            </a:prstGeom>
+            <a:solidFill>
+              <a:schemeClr val="accent1">
+                <a:alpha val="70000"/>
+              </a:schemeClr>
+            </a:solidFill>
+            <a:ln>
+              <a:noFill/>
+            </a:ln>
+          </p:spPr>
+        </p:sp>
+      </p:grpSp>
+      <p:sp>
+        <p:nvSpPr>
+          <p:cNvPr id="12" name="Rectangle 11" title="ribbon">
+            <a:extLst>
+              <a:ext uri="{FF2B5EF4-FFF2-40B4-BE49-F238E27FC236}">
+                <a16:creationId xmlns:a16="http://schemas.microsoft.com/office/drawing/2014/main" id="{053FB2EE-284F-4C87-AB3D-BBF87A9FAB97}"/>
+              </a:ext>
+            </a:extLst>
+          </p:cNvPr>
+          <p:cNvSpPr>
+            <a:spLocks noGrp="1" noRot="1" noChangeAspect="1" noMove="1" noResize="1" noEditPoints="1" noAdjustHandles="1" noChangeArrowheads="1" noChangeShapeType="1" noTextEdit="1"/>
+          </p:cNvSpPr>
+          <p:nvPr>
+            <p:extLst>
+              <p:ext uri="{386F3935-93C4-4BCD-93E2-E3B085C9AB24}">
+                <p16:designElem xmlns:p16="http://schemas.microsoft.com/office/powerpoint/2015/main" val="1"/>
+              </p:ext>
+            </p:extLst>
+          </p:nvPr>
+        </p:nvSpPr>
+        <p:spPr>
+          <a:xfrm>
+            <a:off x="0" y="2514600"/>
+            <a:ext cx="12192000" cy="1828800"/>
+          </a:xfrm>
+          <a:prstGeom prst="rect">
+            <a:avLst/>
+          </a:prstGeom>
+          <a:solidFill>
+            <a:schemeClr val="tx2"/>
+          </a:solidFill>
+          <a:ln>
+            <a:noFill/>
+          </a:ln>
+        </p:spPr>
+        <p:style>
+          <a:lnRef idx="2">
+            <a:schemeClr val="accent1">
+              <a:shade val="50000"/>
+            </a:schemeClr>
+          </a:lnRef>
+          <a:fillRef idx="1">
+            <a:schemeClr val="accent1"/>
+          </a:fillRef>
+          <a:effectRef idx="0">
+            <a:schemeClr val="accent1"/>
+          </a:effectRef>
+          <a:fontRef idx="minor">
+            <a:schemeClr val="lt1"/>
+          </a:fontRef>
+        </p:style>
+      </p:sp>
+      <p:sp>
+        <p:nvSpPr>
+          <p:cNvPr id="2" name="Title 1">
+            <a:extLst>
+              <a:ext uri="{FF2B5EF4-FFF2-40B4-BE49-F238E27FC236}">
+                <a16:creationId xmlns:a16="http://schemas.microsoft.com/office/drawing/2014/main" id="{1A08BABF-A34D-4F9D-8649-2DF544A5B063}"/>
+              </a:ext>
+            </a:extLst>
+          </p:cNvPr>
+          <p:cNvSpPr>
+            <a:spLocks noGrp="1"/>
+          </p:cNvSpPr>
+          <p:nvPr>
+            <p:ph type="title"/>
+          </p:nvPr>
+        </p:nvSpPr>
+        <p:spPr>
+          <a:xfrm>
+            <a:off x="1524000" y="2776538"/>
+            <a:ext cx="9144000" cy="1381188"/>
           </a:xfrm>
         </p:spPr>
         <p:txBody>
@@ -4065,62 +4624,1640 @@
           </a:bodyPr>
           <a:lstStyle/>
           <a:p>
-            <a:pPr algn="r"/>
-            <a:r>
-              <a:rPr lang="en-US" b="1" u="sng" dirty="0"/>
-              <a:t>Exploratory Data Analysis</a:t>
-            </a:r>
-          </a:p>
-        </p:txBody>
-      </p:sp>
-      <p:sp>
-        <p:nvSpPr>
-          <p:cNvPr id="4" name="TextBox 3">
-            <a:extLst>
-              <a:ext uri="{FF2B5EF4-FFF2-40B4-BE49-F238E27FC236}">
-                <a16:creationId xmlns:a16="http://schemas.microsoft.com/office/drawing/2014/main" id="{CC0F3D11-B31A-4DEE-BB5C-830CF453B203}"/>
-              </a:ext>
-            </a:extLst>
-          </p:cNvPr>
-          <p:cNvSpPr txBox="1"/>
-          <p:nvPr/>
+            <a:pPr algn="ctr"/>
+            <a:r>
+              <a:rPr lang="en-US" sz="4000" b="1" kern="1200">
+                <a:solidFill>
+                  <a:schemeClr val="bg2"/>
+                </a:solidFill>
+                <a:latin typeface="+mj-lt"/>
+                <a:ea typeface="+mj-ea"/>
+                <a:cs typeface="+mj-cs"/>
+              </a:rPr>
+              <a:t>Data Pre-Processing</a:t>
+            </a:r>
+          </a:p>
+        </p:txBody>
+      </p:sp>
+    </p:spTree>
+    <p:extLst>
+      <p:ext uri="{BB962C8B-B14F-4D97-AF65-F5344CB8AC3E}">
+        <p14:creationId xmlns:p14="http://schemas.microsoft.com/office/powerpoint/2010/main" val="3020018997"/>
+      </p:ext>
+    </p:extLst>
+  </p:cSld>
+  <p:clrMapOvr>
+    <a:overrideClrMapping bg1="dk1" tx1="lt1" bg2="dk2" tx2="lt2" accent1="accent1" accent2="accent2" accent3="accent3" accent4="accent4" accent5="accent5" accent6="accent6" hlink="hlink" folHlink="folHlink"/>
+  </p:clrMapOvr>
+</p:sld>
+</file>
+
+<file path=ppt/slides/slide12.xml><?xml version="1.0" encoding="utf-8"?>
+<p:sld xmlns:a="http://schemas.openxmlformats.org/drawingml/2006/main" xmlns:r="http://schemas.openxmlformats.org/officeDocument/2006/relationships" xmlns:p="http://schemas.openxmlformats.org/presentationml/2006/main">
+  <p:cSld>
+    <p:spTree>
+      <p:nvGrpSpPr>
+        <p:cNvPr id="1" name=""/>
+        <p:cNvGrpSpPr/>
+        <p:nvPr/>
+      </p:nvGrpSpPr>
+      <p:grpSpPr>
+        <a:xfrm>
+          <a:off x="0" y="0"/>
+          <a:ext cx="0" cy="0"/>
+          <a:chOff x="0" y="0"/>
+          <a:chExt cx="0" cy="0"/>
+        </a:xfrm>
+      </p:grpSpPr>
+      <p:sp>
+        <p:nvSpPr>
+          <p:cNvPr id="2" name="Title 1">
+            <a:extLst>
+              <a:ext uri="{FF2B5EF4-FFF2-40B4-BE49-F238E27FC236}">
+                <a16:creationId xmlns:a16="http://schemas.microsoft.com/office/drawing/2014/main" id="{D24D10A2-CB39-4524-897C-8B17689D7708}"/>
+              </a:ext>
+            </a:extLst>
+          </p:cNvPr>
+          <p:cNvSpPr>
+            <a:spLocks noGrp="1"/>
+          </p:cNvSpPr>
+          <p:nvPr>
+            <p:ph type="title"/>
+          </p:nvPr>
         </p:nvSpPr>
         <p:spPr>
           <a:xfrm>
-            <a:off x="1295400" y="2633197"/>
-            <a:ext cx="10176933" cy="1477328"/>
+            <a:off x="838200" y="365126"/>
+            <a:ext cx="10515600" cy="482368"/>
+          </a:xfrm>
+        </p:spPr>
+        <p:txBody>
+          <a:bodyPr>
+            <a:normAutofit fontScale="90000"/>
+          </a:bodyPr>
+          <a:lstStyle/>
+          <a:p>
+            <a:r>
+              <a:rPr lang="en-US" dirty="0"/>
+              <a:t>Missing Values</a:t>
+            </a:r>
+          </a:p>
+        </p:txBody>
+      </p:sp>
+      <p:pic>
+        <p:nvPicPr>
+          <p:cNvPr id="5" name="Content Placeholder 4" descr="A screenshot of a video game&#10;&#10;Description generated with high confidence">
+            <a:extLst>
+              <a:ext uri="{FF2B5EF4-FFF2-40B4-BE49-F238E27FC236}">
+                <a16:creationId xmlns:a16="http://schemas.microsoft.com/office/drawing/2014/main" id="{D9AC2F1D-9D38-424A-81EA-EA199A1CA369}"/>
+              </a:ext>
+            </a:extLst>
+          </p:cNvPr>
+          <p:cNvPicPr>
+            <a:picLocks noGrp="1" noChangeAspect="1"/>
+          </p:cNvPicPr>
+          <p:nvPr>
+            <p:ph idx="1"/>
+          </p:nvPr>
+        </p:nvPicPr>
+        <p:blipFill>
+          <a:blip r:embed="rId2">
+            <a:extLst>
+              <a:ext uri="{28A0092B-C50C-407E-A947-70E740481C1C}">
+                <a14:useLocalDpi xmlns:a14="http://schemas.microsoft.com/office/drawing/2010/main" val="0"/>
+              </a:ext>
+            </a:extLst>
+          </a:blip>
+          <a:stretch>
+            <a:fillRect/>
+          </a:stretch>
+        </p:blipFill>
+        <p:spPr>
+          <a:xfrm>
+            <a:off x="778934" y="1103972"/>
+            <a:ext cx="9761358" cy="5072992"/>
+          </a:xfrm>
+        </p:spPr>
+      </p:pic>
+    </p:spTree>
+    <p:extLst>
+      <p:ext uri="{BB962C8B-B14F-4D97-AF65-F5344CB8AC3E}">
+        <p14:creationId xmlns:p14="http://schemas.microsoft.com/office/powerpoint/2010/main" val="2860511081"/>
+      </p:ext>
+    </p:extLst>
+  </p:cSld>
+  <p:clrMapOvr>
+    <a:masterClrMapping/>
+  </p:clrMapOvr>
+</p:sld>
+</file>
+
+<file path=ppt/slides/slide13.xml><?xml version="1.0" encoding="utf-8"?>
+<p:sld xmlns:a="http://schemas.openxmlformats.org/drawingml/2006/main" xmlns:r="http://schemas.openxmlformats.org/officeDocument/2006/relationships" xmlns:p="http://schemas.openxmlformats.org/presentationml/2006/main">
+  <p:cSld>
+    <p:spTree>
+      <p:nvGrpSpPr>
+        <p:cNvPr id="1" name=""/>
+        <p:cNvGrpSpPr/>
+        <p:nvPr/>
+      </p:nvGrpSpPr>
+      <p:grpSpPr>
+        <a:xfrm>
+          <a:off x="0" y="0"/>
+          <a:ext cx="0" cy="0"/>
+          <a:chOff x="0" y="0"/>
+          <a:chExt cx="0" cy="0"/>
+        </a:xfrm>
+      </p:grpSpPr>
+      <p:sp>
+        <p:nvSpPr>
+          <p:cNvPr id="2" name="Title 1">
+            <a:extLst>
+              <a:ext uri="{FF2B5EF4-FFF2-40B4-BE49-F238E27FC236}">
+                <a16:creationId xmlns:a16="http://schemas.microsoft.com/office/drawing/2014/main" id="{E872D2DD-859F-46D4-81CA-F13CE38FFB5B}"/>
+              </a:ext>
+            </a:extLst>
+          </p:cNvPr>
+          <p:cNvSpPr>
+            <a:spLocks noGrp="1"/>
+          </p:cNvSpPr>
+          <p:nvPr>
+            <p:ph type="title"/>
+          </p:nvPr>
+        </p:nvSpPr>
+        <p:spPr>
+          <a:xfrm>
+            <a:off x="839788" y="457200"/>
+            <a:ext cx="3932237" cy="825190"/>
+          </a:xfrm>
+        </p:spPr>
+        <p:txBody>
+          <a:bodyPr/>
+          <a:lstStyle/>
+          <a:p>
+            <a:r>
+              <a:rPr lang="en-US" dirty="0">
+                <a:solidFill>
+                  <a:schemeClr val="bg2">
+                    <a:lumMod val="10000"/>
+                  </a:schemeClr>
+                </a:solidFill>
+              </a:rPr>
+              <a:t>The Garage is a mess!</a:t>
+            </a:r>
+          </a:p>
+        </p:txBody>
+      </p:sp>
+      <p:sp>
+        <p:nvSpPr>
+          <p:cNvPr id="3" name="Content Placeholder 2">
+            <a:extLst>
+              <a:ext uri="{FF2B5EF4-FFF2-40B4-BE49-F238E27FC236}">
+                <a16:creationId xmlns:a16="http://schemas.microsoft.com/office/drawing/2014/main" id="{35FDA2E2-BFD5-41A5-95E9-9094837C0F13}"/>
+              </a:ext>
+            </a:extLst>
+          </p:cNvPr>
+          <p:cNvSpPr>
+            <a:spLocks noGrp="1"/>
+          </p:cNvSpPr>
+          <p:nvPr>
+            <p:ph idx="1"/>
+          </p:nvPr>
+        </p:nvSpPr>
+        <p:spPr/>
+        <p:txBody>
+          <a:bodyPr/>
+          <a:lstStyle/>
+          <a:p>
+            <a:endParaRPr lang="en-US" dirty="0"/>
+          </a:p>
+        </p:txBody>
+      </p:sp>
+      <p:sp>
+        <p:nvSpPr>
+          <p:cNvPr id="4" name="Text Placeholder 3">
+            <a:extLst>
+              <a:ext uri="{FF2B5EF4-FFF2-40B4-BE49-F238E27FC236}">
+                <a16:creationId xmlns:a16="http://schemas.microsoft.com/office/drawing/2014/main" id="{C9A449BD-488C-4D6A-8F4C-96EE6D5BD369}"/>
+              </a:ext>
+            </a:extLst>
+          </p:cNvPr>
+          <p:cNvSpPr>
+            <a:spLocks noGrp="1"/>
+          </p:cNvSpPr>
+          <p:nvPr>
+            <p:ph type="body" sz="half" idx="2"/>
+          </p:nvPr>
+        </p:nvSpPr>
+        <p:spPr>
+          <a:xfrm>
+            <a:off x="839788" y="1416205"/>
+            <a:ext cx="3932237" cy="4452783"/>
+          </a:xfrm>
+        </p:spPr>
+        <p:txBody>
+          <a:bodyPr/>
+          <a:lstStyle/>
+          <a:p>
+            <a:endParaRPr lang="en-US" dirty="0"/>
+          </a:p>
+        </p:txBody>
+      </p:sp>
+    </p:spTree>
+    <p:extLst>
+      <p:ext uri="{BB962C8B-B14F-4D97-AF65-F5344CB8AC3E}">
+        <p14:creationId xmlns:p14="http://schemas.microsoft.com/office/powerpoint/2010/main" val="80121496"/>
+      </p:ext>
+    </p:extLst>
+  </p:cSld>
+  <p:clrMapOvr>
+    <a:masterClrMapping/>
+  </p:clrMapOvr>
+</p:sld>
+</file>
+
+<file path=ppt/slides/slide14.xml><?xml version="1.0" encoding="utf-8"?>
+<p:sld xmlns:a="http://schemas.openxmlformats.org/drawingml/2006/main" xmlns:r="http://schemas.openxmlformats.org/officeDocument/2006/relationships" xmlns:p="http://schemas.openxmlformats.org/presentationml/2006/main">
+  <p:cSld>
+    <p:bg>
+      <p:bgPr>
+        <a:solidFill>
+          <a:schemeClr val="bg1">
+            <a:tint val="95000"/>
+            <a:satMod val="170000"/>
+          </a:schemeClr>
+        </a:solidFill>
+        <a:effectLst/>
+      </p:bgPr>
+    </p:bg>
+    <p:spTree>
+      <p:nvGrpSpPr>
+        <p:cNvPr id="1" name=""/>
+        <p:cNvGrpSpPr/>
+        <p:nvPr/>
+      </p:nvGrpSpPr>
+      <p:grpSpPr>
+        <a:xfrm>
+          <a:off x="0" y="0"/>
+          <a:ext cx="0" cy="0"/>
+          <a:chOff x="0" y="0"/>
+          <a:chExt cx="0" cy="0"/>
+        </a:xfrm>
+      </p:grpSpPr>
+      <p:grpSp>
+        <p:nvGrpSpPr>
+          <p:cNvPr id="7" name="Group 6" title="intersecting circles">
+            <a:extLst>
+              <a:ext uri="{FF2B5EF4-FFF2-40B4-BE49-F238E27FC236}">
+                <a16:creationId xmlns:a16="http://schemas.microsoft.com/office/drawing/2014/main" id="{D2C4BFA1-2075-4901-9E24-E41D1FDD51FD}"/>
+              </a:ext>
+            </a:extLst>
+          </p:cNvPr>
+          <p:cNvGrpSpPr>
+            <a:grpSpLocks noGrp="1" noUngrp="1" noRot="1" noChangeAspect="1" noMove="1" noResize="1"/>
+          </p:cNvGrpSpPr>
+          <p:nvPr>
+            <p:extLst>
+              <p:ext uri="{386F3935-93C4-4BCD-93E2-E3B085C9AB24}">
+                <p16:designElem xmlns:p16="http://schemas.microsoft.com/office/powerpoint/2015/main" val="1"/>
+              </p:ext>
+            </p:extLst>
+          </p:nvPr>
+        </p:nvGrpSpPr>
+        <p:grpSpPr>
+          <a:xfrm>
+            <a:off x="1155481" y="498348"/>
+            <a:ext cx="9902663" cy="5861304"/>
+            <a:chOff x="1155481" y="498348"/>
+            <a:chExt cx="9902663" cy="5861304"/>
+          </a:xfrm>
+        </p:grpSpPr>
+        <p:sp>
+          <p:nvSpPr>
+            <p:cNvPr id="8" name="Oval 5">
+              <a:extLst>
+                <a:ext uri="{FF2B5EF4-FFF2-40B4-BE49-F238E27FC236}">
+                  <a16:creationId xmlns:a16="http://schemas.microsoft.com/office/drawing/2014/main" id="{985A7375-E3AF-4F5C-85AE-17E8832952CA}"/>
+                </a:ext>
+              </a:extLst>
+            </p:cNvPr>
+            <p:cNvSpPr>
+              <a:spLocks noChangeArrowheads="1"/>
+            </p:cNvSpPr>
+            <p:nvPr>
+              <p:extLst>
+                <p:ext uri="{386F3935-93C4-4BCD-93E2-E3B085C9AB24}">
+                  <p16:designElem xmlns:p16="http://schemas.microsoft.com/office/powerpoint/2015/main" val="1"/>
+                </p:ext>
+              </p:extLst>
+            </p:nvPr>
+          </p:nvSpPr>
+          <p:spPr bwMode="auto">
+            <a:xfrm>
+              <a:off x="1155481" y="498348"/>
+              <a:ext cx="5861304" cy="5861304"/>
+            </a:xfrm>
+            <a:prstGeom prst="ellipse">
+              <a:avLst/>
+            </a:prstGeom>
+            <a:solidFill>
+              <a:schemeClr val="accent1">
+                <a:alpha val="55000"/>
+              </a:schemeClr>
+            </a:solidFill>
+            <a:ln>
+              <a:noFill/>
+            </a:ln>
+          </p:spPr>
+        </p:sp>
+        <p:sp>
+          <p:nvSpPr>
+            <p:cNvPr id="9" name="Oval 8">
+              <a:extLst>
+                <a:ext uri="{FF2B5EF4-FFF2-40B4-BE49-F238E27FC236}">
+                  <a16:creationId xmlns:a16="http://schemas.microsoft.com/office/drawing/2014/main" id="{F0307F65-8304-4FA8-A841-D4D7625411BE}"/>
+                </a:ext>
+              </a:extLst>
+            </p:cNvPr>
+            <p:cNvSpPr>
+              <a:spLocks noChangeArrowheads="1"/>
+            </p:cNvSpPr>
+            <p:nvPr>
+              <p:extLst>
+                <p:ext uri="{386F3935-93C4-4BCD-93E2-E3B085C9AB24}">
+                  <p16:designElem xmlns:p16="http://schemas.microsoft.com/office/powerpoint/2015/main" val="1"/>
+                </p:ext>
+              </p:extLst>
+            </p:nvPr>
+          </p:nvSpPr>
+          <p:spPr bwMode="auto">
+            <a:xfrm>
+              <a:off x="5196840" y="498348"/>
+              <a:ext cx="5861304" cy="5861304"/>
+            </a:xfrm>
+            <a:prstGeom prst="ellipse">
+              <a:avLst/>
+            </a:prstGeom>
+            <a:solidFill>
+              <a:schemeClr val="accent1">
+                <a:alpha val="55000"/>
+              </a:schemeClr>
+            </a:solidFill>
+            <a:ln>
+              <a:noFill/>
+            </a:ln>
+          </p:spPr>
+        </p:sp>
+        <p:sp>
+          <p:nvSpPr>
+            <p:cNvPr id="10" name="Oval 5">
+              <a:extLst>
+                <a:ext uri="{FF2B5EF4-FFF2-40B4-BE49-F238E27FC236}">
+                  <a16:creationId xmlns:a16="http://schemas.microsoft.com/office/drawing/2014/main" id="{C8B8394C-136F-4E05-A002-D93A5E79CD50}"/>
+                </a:ext>
+              </a:extLst>
+            </p:cNvPr>
+            <p:cNvSpPr>
+              <a:spLocks noChangeArrowheads="1"/>
+            </p:cNvSpPr>
+            <p:nvPr>
+              <p:extLst>
+                <p:ext uri="{386F3935-93C4-4BCD-93E2-E3B085C9AB24}">
+                  <p16:designElem xmlns:p16="http://schemas.microsoft.com/office/powerpoint/2015/main" val="1"/>
+                </p:ext>
+              </p:extLst>
+            </p:nvPr>
+          </p:nvSpPr>
+          <p:spPr bwMode="auto">
+            <a:xfrm>
+              <a:off x="3165348" y="498348"/>
+              <a:ext cx="5861304" cy="5861304"/>
+            </a:xfrm>
+            <a:prstGeom prst="ellipse">
+              <a:avLst/>
+            </a:prstGeom>
+            <a:solidFill>
+              <a:schemeClr val="accent1">
+                <a:alpha val="70000"/>
+              </a:schemeClr>
+            </a:solidFill>
+            <a:ln>
+              <a:noFill/>
+            </a:ln>
+          </p:spPr>
+        </p:sp>
+      </p:grpSp>
+      <p:sp>
+        <p:nvSpPr>
+          <p:cNvPr id="12" name="Rectangle 11" title="ribbon">
+            <a:extLst>
+              <a:ext uri="{FF2B5EF4-FFF2-40B4-BE49-F238E27FC236}">
+                <a16:creationId xmlns:a16="http://schemas.microsoft.com/office/drawing/2014/main" id="{053FB2EE-284F-4C87-AB3D-BBF87A9FAB97}"/>
+              </a:ext>
+            </a:extLst>
+          </p:cNvPr>
+          <p:cNvSpPr>
+            <a:spLocks noGrp="1" noRot="1" noChangeAspect="1" noMove="1" noResize="1" noEditPoints="1" noAdjustHandles="1" noChangeArrowheads="1" noChangeShapeType="1" noTextEdit="1"/>
+          </p:cNvSpPr>
+          <p:nvPr>
+            <p:extLst>
+              <p:ext uri="{386F3935-93C4-4BCD-93E2-E3B085C9AB24}">
+                <p16:designElem xmlns:p16="http://schemas.microsoft.com/office/powerpoint/2015/main" val="1"/>
+              </p:ext>
+            </p:extLst>
+          </p:nvPr>
+        </p:nvSpPr>
+        <p:spPr>
+          <a:xfrm>
+            <a:off x="0" y="2514600"/>
+            <a:ext cx="12192000" cy="1828800"/>
           </a:xfrm>
           <a:prstGeom prst="rect">
             <a:avLst/>
           </a:prstGeom>
-          <a:noFill/>
+          <a:solidFill>
+            <a:schemeClr val="tx2"/>
+          </a:solidFill>
+          <a:ln>
+            <a:noFill/>
+          </a:ln>
         </p:spPr>
-        <p:txBody>
-          <a:bodyPr wrap="square" rtlCol="0">
-            <a:spAutoFit/>
+        <p:style>
+          <a:lnRef idx="2">
+            <a:schemeClr val="accent1">
+              <a:shade val="50000"/>
+            </a:schemeClr>
+          </a:lnRef>
+          <a:fillRef idx="1">
+            <a:schemeClr val="accent1"/>
+          </a:fillRef>
+          <a:effectRef idx="0">
+            <a:schemeClr val="accent1"/>
+          </a:effectRef>
+          <a:fontRef idx="minor">
+            <a:schemeClr val="lt1"/>
+          </a:fontRef>
+        </p:style>
+      </p:sp>
+      <p:sp>
+        <p:nvSpPr>
+          <p:cNvPr id="2" name="Title 1">
+            <a:extLst>
+              <a:ext uri="{FF2B5EF4-FFF2-40B4-BE49-F238E27FC236}">
+                <a16:creationId xmlns:a16="http://schemas.microsoft.com/office/drawing/2014/main" id="{D73EACD4-11B0-4C61-B08E-80EA74CE041B}"/>
+              </a:ext>
+            </a:extLst>
+          </p:cNvPr>
+          <p:cNvSpPr>
+            <a:spLocks noGrp="1"/>
+          </p:cNvSpPr>
+          <p:nvPr>
+            <p:ph type="title"/>
+          </p:nvPr>
+        </p:nvSpPr>
+        <p:spPr>
+          <a:xfrm>
+            <a:off x="1524000" y="2776538"/>
+            <a:ext cx="9144000" cy="1381188"/>
+          </a:xfrm>
+        </p:spPr>
+        <p:txBody>
+          <a:bodyPr vert="horz" lIns="91440" tIns="45720" rIns="91440" bIns="45720" rtlCol="0" anchor="ctr">
+            <a:normAutofit/>
           </a:bodyPr>
           <a:lstStyle/>
           <a:p>
-            <a:r>
-              <a:rPr lang="en-US" dirty="0"/>
-              <a:t>The data covers all the recorded house sale price in Ames, IA from January 2006 to July 2010.</a:t>
-            </a:r>
-          </a:p>
-          <a:p>
-            <a:r>
-              <a:rPr lang="en-US" dirty="0"/>
-              <a:t>The dataset contains 1460 observations in the training set and 1459 observations in the test set. There are 46 categorical variables including 23 nominal and 23 ordinal ones, and 33 numeric variables in the dataset. The training set also has the sale price as response while the test set doesn’t.</a:t>
-            </a:r>
-          </a:p>
-          <a:p>
-            <a:endParaRPr lang="en-US" dirty="0"/>
+            <a:pPr algn="ctr"/>
+            <a:r>
+              <a:rPr lang="en-US" sz="4000" b="1" kern="1200">
+                <a:solidFill>
+                  <a:schemeClr val="bg2"/>
+                </a:solidFill>
+                <a:latin typeface="+mj-lt"/>
+                <a:ea typeface="+mj-ea"/>
+                <a:cs typeface="+mj-cs"/>
+              </a:rPr>
+              <a:t>Features Engineering</a:t>
+            </a:r>
           </a:p>
         </p:txBody>
       </p:sp>
     </p:spTree>
     <p:extLst>
       <p:ext uri="{BB962C8B-B14F-4D97-AF65-F5344CB8AC3E}">
-        <p14:creationId xmlns:p14="http://schemas.microsoft.com/office/powerpoint/2010/main" val="2092906711"/>
+        <p14:creationId xmlns:p14="http://schemas.microsoft.com/office/powerpoint/2010/main" val="2652359684"/>
+      </p:ext>
+    </p:extLst>
+  </p:cSld>
+  <p:clrMapOvr>
+    <a:overrideClrMapping bg1="dk1" tx1="lt1" bg2="dk2" tx2="lt2" accent1="accent1" accent2="accent2" accent3="accent3" accent4="accent4" accent5="accent5" accent6="accent6" hlink="hlink" folHlink="folHlink"/>
+  </p:clrMapOvr>
+</p:sld>
+</file>
+
+<file path=ppt/slides/slide15.xml><?xml version="1.0" encoding="utf-8"?>
+<p:sld xmlns:a="http://schemas.openxmlformats.org/drawingml/2006/main" xmlns:r="http://schemas.openxmlformats.org/officeDocument/2006/relationships" xmlns:p="http://schemas.openxmlformats.org/presentationml/2006/main">
+  <p:cSld>
+    <p:spTree>
+      <p:nvGrpSpPr>
+        <p:cNvPr id="1" name=""/>
+        <p:cNvGrpSpPr/>
+        <p:nvPr/>
+      </p:nvGrpSpPr>
+      <p:grpSpPr>
+        <a:xfrm>
+          <a:off x="0" y="0"/>
+          <a:ext cx="0" cy="0"/>
+          <a:chOff x="0" y="0"/>
+          <a:chExt cx="0" cy="0"/>
+        </a:xfrm>
+      </p:grpSpPr>
+      <p:sp>
+        <p:nvSpPr>
+          <p:cNvPr id="2" name="Title 1">
+            <a:extLst>
+              <a:ext uri="{FF2B5EF4-FFF2-40B4-BE49-F238E27FC236}">
+                <a16:creationId xmlns:a16="http://schemas.microsoft.com/office/drawing/2014/main" id="{2857359D-8E42-4E82-8425-9D60AB480CEB}"/>
+              </a:ext>
+            </a:extLst>
+          </p:cNvPr>
+          <p:cNvSpPr>
+            <a:spLocks noGrp="1"/>
+          </p:cNvSpPr>
+          <p:nvPr>
+            <p:ph type="title"/>
+          </p:nvPr>
+        </p:nvSpPr>
+        <p:spPr>
+          <a:xfrm>
+            <a:off x="838200" y="57150"/>
+            <a:ext cx="10515600" cy="623888"/>
+          </a:xfrm>
+        </p:spPr>
+        <p:txBody>
+          <a:bodyPr>
+            <a:normAutofit/>
+          </a:bodyPr>
+          <a:lstStyle/>
+          <a:p>
+            <a:r>
+              <a:rPr lang="en-US" sz="2800" b="1" dirty="0">
+                <a:solidFill>
+                  <a:srgbClr val="0070C0"/>
+                </a:solidFill>
+              </a:rPr>
+              <a:t>Ames, IA Neighborhood</a:t>
+            </a:r>
+          </a:p>
+        </p:txBody>
+      </p:sp>
+      <p:pic>
+        <p:nvPicPr>
+          <p:cNvPr id="5" name="Content Placeholder 4" descr="A picture containing text, map&#10;&#10;Description generated with very high confidence">
+            <a:extLst>
+              <a:ext uri="{FF2B5EF4-FFF2-40B4-BE49-F238E27FC236}">
+                <a16:creationId xmlns:a16="http://schemas.microsoft.com/office/drawing/2014/main" id="{3F79C98B-27F5-4E14-88F3-CB814C72F9F9}"/>
+              </a:ext>
+            </a:extLst>
+          </p:cNvPr>
+          <p:cNvPicPr>
+            <a:picLocks noGrp="1" noChangeAspect="1"/>
+          </p:cNvPicPr>
+          <p:nvPr>
+            <p:ph idx="1"/>
+          </p:nvPr>
+        </p:nvPicPr>
+        <p:blipFill>
+          <a:blip r:embed="rId2">
+            <a:extLst>
+              <a:ext uri="{28A0092B-C50C-407E-A947-70E740481C1C}">
+                <a14:useLocalDpi xmlns:a14="http://schemas.microsoft.com/office/drawing/2010/main" val="0"/>
+              </a:ext>
+            </a:extLst>
+          </a:blip>
+          <a:stretch>
+            <a:fillRect/>
+          </a:stretch>
+        </p:blipFill>
+        <p:spPr>
+          <a:xfrm>
+            <a:off x="2477558" y="749300"/>
+            <a:ext cx="7236884" cy="5427663"/>
+          </a:xfrm>
+        </p:spPr>
+      </p:pic>
+    </p:spTree>
+    <p:extLst>
+      <p:ext uri="{BB962C8B-B14F-4D97-AF65-F5344CB8AC3E}">
+        <p14:creationId xmlns:p14="http://schemas.microsoft.com/office/powerpoint/2010/main" val="3394999450"/>
+      </p:ext>
+    </p:extLst>
+  </p:cSld>
+  <p:clrMapOvr>
+    <a:masterClrMapping/>
+  </p:clrMapOvr>
+</p:sld>
+</file>
+
+<file path=ppt/slides/slide16.xml><?xml version="1.0" encoding="utf-8"?>
+<p:sld xmlns:a="http://schemas.openxmlformats.org/drawingml/2006/main" xmlns:r="http://schemas.openxmlformats.org/officeDocument/2006/relationships" xmlns:p="http://schemas.openxmlformats.org/presentationml/2006/main">
+  <p:cSld>
+    <p:spTree>
+      <p:nvGrpSpPr>
+        <p:cNvPr id="1" name=""/>
+        <p:cNvGrpSpPr/>
+        <p:nvPr/>
+      </p:nvGrpSpPr>
+      <p:grpSpPr>
+        <a:xfrm>
+          <a:off x="0" y="0"/>
+          <a:ext cx="0" cy="0"/>
+          <a:chOff x="0" y="0"/>
+          <a:chExt cx="0" cy="0"/>
+        </a:xfrm>
+      </p:grpSpPr>
+      <p:sp>
+        <p:nvSpPr>
+          <p:cNvPr id="2" name="Title 1">
+            <a:extLst>
+              <a:ext uri="{FF2B5EF4-FFF2-40B4-BE49-F238E27FC236}">
+                <a16:creationId xmlns:a16="http://schemas.microsoft.com/office/drawing/2014/main" id="{FEC2F345-E0E0-48D5-A931-9DDAA72683B2}"/>
+              </a:ext>
+            </a:extLst>
+          </p:cNvPr>
+          <p:cNvSpPr>
+            <a:spLocks noGrp="1"/>
+          </p:cNvSpPr>
+          <p:nvPr>
+            <p:ph type="title"/>
+          </p:nvPr>
+        </p:nvSpPr>
+        <p:spPr>
+          <a:xfrm>
+            <a:off x="838200" y="365125"/>
+            <a:ext cx="10515600" cy="1127125"/>
+          </a:xfrm>
+        </p:spPr>
+        <p:txBody>
+          <a:bodyPr>
+            <a:normAutofit/>
+          </a:bodyPr>
+          <a:lstStyle/>
+          <a:p>
+            <a:r>
+              <a:rPr lang="en-US" sz="3600" b="1" dirty="0">
+                <a:solidFill>
+                  <a:srgbClr val="0070C0"/>
+                </a:solidFill>
+              </a:rPr>
+              <a:t>Case-Shiller Housing Index</a:t>
+            </a:r>
+          </a:p>
+        </p:txBody>
+      </p:sp>
+      <p:pic>
+        <p:nvPicPr>
+          <p:cNvPr id="4" name="Content Placeholder 3">
+            <a:extLst>
+              <a:ext uri="{FF2B5EF4-FFF2-40B4-BE49-F238E27FC236}">
+                <a16:creationId xmlns:a16="http://schemas.microsoft.com/office/drawing/2014/main" id="{8B692D5B-5E47-45E3-8323-449AC468B800}"/>
+              </a:ext>
+            </a:extLst>
+          </p:cNvPr>
+          <p:cNvPicPr>
+            <a:picLocks noGrp="1" noChangeAspect="1"/>
+          </p:cNvPicPr>
+          <p:nvPr>
+            <p:ph idx="1"/>
+          </p:nvPr>
+        </p:nvPicPr>
+        <p:blipFill>
+          <a:blip r:embed="rId2"/>
+          <a:stretch>
+            <a:fillRect/>
+          </a:stretch>
+        </p:blipFill>
+        <p:spPr>
+          <a:xfrm>
+            <a:off x="1905000" y="1905794"/>
+            <a:ext cx="8382000" cy="4191000"/>
+          </a:xfrm>
+          <a:prstGeom prst="rect">
+            <a:avLst/>
+          </a:prstGeom>
+        </p:spPr>
+      </p:pic>
+    </p:spTree>
+    <p:extLst>
+      <p:ext uri="{BB962C8B-B14F-4D97-AF65-F5344CB8AC3E}">
+        <p14:creationId xmlns:p14="http://schemas.microsoft.com/office/powerpoint/2010/main" val="2346666255"/>
+      </p:ext>
+    </p:extLst>
+  </p:cSld>
+  <p:clrMapOvr>
+    <a:masterClrMapping/>
+  </p:clrMapOvr>
+</p:sld>
+</file>
+
+<file path=ppt/slides/slide17.xml><?xml version="1.0" encoding="utf-8"?>
+<p:sld xmlns:a="http://schemas.openxmlformats.org/drawingml/2006/main" xmlns:r="http://schemas.openxmlformats.org/officeDocument/2006/relationships" xmlns:p="http://schemas.openxmlformats.org/presentationml/2006/main">
+  <p:cSld>
+    <p:bg>
+      <p:bgPr>
+        <a:solidFill>
+          <a:schemeClr val="bg1">
+            <a:tint val="95000"/>
+            <a:satMod val="170000"/>
+          </a:schemeClr>
+        </a:solidFill>
+        <a:effectLst/>
+      </p:bgPr>
+    </p:bg>
+    <p:spTree>
+      <p:nvGrpSpPr>
+        <p:cNvPr id="1" name=""/>
+        <p:cNvGrpSpPr/>
+        <p:nvPr/>
+      </p:nvGrpSpPr>
+      <p:grpSpPr>
+        <a:xfrm>
+          <a:off x="0" y="0"/>
+          <a:ext cx="0" cy="0"/>
+          <a:chOff x="0" y="0"/>
+          <a:chExt cx="0" cy="0"/>
+        </a:xfrm>
+      </p:grpSpPr>
+      <p:grpSp>
+        <p:nvGrpSpPr>
+          <p:cNvPr id="44" name="Group 31" title="intersecting circles">
+            <a:extLst>
+              <a:ext uri="{FF2B5EF4-FFF2-40B4-BE49-F238E27FC236}">
+                <a16:creationId xmlns:a16="http://schemas.microsoft.com/office/drawing/2014/main" id="{D2C4BFA1-2075-4901-9E24-E41D1FDD51FD}"/>
+              </a:ext>
+            </a:extLst>
+          </p:cNvPr>
+          <p:cNvGrpSpPr>
+            <a:grpSpLocks noGrp="1" noUngrp="1" noRot="1" noChangeAspect="1" noMove="1" noResize="1"/>
+          </p:cNvGrpSpPr>
+          <p:nvPr>
+            <p:extLst>
+              <p:ext uri="{386F3935-93C4-4BCD-93E2-E3B085C9AB24}">
+                <p16:designElem xmlns:p16="http://schemas.microsoft.com/office/powerpoint/2015/main" val="1"/>
+              </p:ext>
+            </p:extLst>
+          </p:nvPr>
+        </p:nvGrpSpPr>
+        <p:grpSpPr>
+          <a:xfrm>
+            <a:off x="1155481" y="498348"/>
+            <a:ext cx="9902663" cy="5861304"/>
+            <a:chOff x="1155481" y="498348"/>
+            <a:chExt cx="9902663" cy="5861304"/>
+          </a:xfrm>
+        </p:grpSpPr>
+        <p:sp>
+          <p:nvSpPr>
+            <p:cNvPr id="33" name="Oval 5">
+              <a:extLst>
+                <a:ext uri="{FF2B5EF4-FFF2-40B4-BE49-F238E27FC236}">
+                  <a16:creationId xmlns:a16="http://schemas.microsoft.com/office/drawing/2014/main" id="{985A7375-E3AF-4F5C-85AE-17E8832952CA}"/>
+                </a:ext>
+              </a:extLst>
+            </p:cNvPr>
+            <p:cNvSpPr>
+              <a:spLocks noChangeArrowheads="1"/>
+            </p:cNvSpPr>
+            <p:nvPr>
+              <p:extLst>
+                <p:ext uri="{386F3935-93C4-4BCD-93E2-E3B085C9AB24}">
+                  <p16:designElem xmlns:p16="http://schemas.microsoft.com/office/powerpoint/2015/main" val="1"/>
+                </p:ext>
+              </p:extLst>
+            </p:nvPr>
+          </p:nvSpPr>
+          <p:spPr bwMode="auto">
+            <a:xfrm>
+              <a:off x="1155481" y="498348"/>
+              <a:ext cx="5861304" cy="5861304"/>
+            </a:xfrm>
+            <a:prstGeom prst="ellipse">
+              <a:avLst/>
+            </a:prstGeom>
+            <a:solidFill>
+              <a:schemeClr val="accent1">
+                <a:alpha val="55000"/>
+              </a:schemeClr>
+            </a:solidFill>
+            <a:ln>
+              <a:noFill/>
+            </a:ln>
+          </p:spPr>
+        </p:sp>
+        <p:sp>
+          <p:nvSpPr>
+            <p:cNvPr id="45" name="Oval 33">
+              <a:extLst>
+                <a:ext uri="{FF2B5EF4-FFF2-40B4-BE49-F238E27FC236}">
+                  <a16:creationId xmlns:a16="http://schemas.microsoft.com/office/drawing/2014/main" id="{F0307F65-8304-4FA8-A841-D4D7625411BE}"/>
+                </a:ext>
+              </a:extLst>
+            </p:cNvPr>
+            <p:cNvSpPr>
+              <a:spLocks noChangeArrowheads="1"/>
+            </p:cNvSpPr>
+            <p:nvPr>
+              <p:extLst>
+                <p:ext uri="{386F3935-93C4-4BCD-93E2-E3B085C9AB24}">
+                  <p16:designElem xmlns:p16="http://schemas.microsoft.com/office/powerpoint/2015/main" val="1"/>
+                </p:ext>
+              </p:extLst>
+            </p:nvPr>
+          </p:nvSpPr>
+          <p:spPr bwMode="auto">
+            <a:xfrm>
+              <a:off x="5196840" y="498348"/>
+              <a:ext cx="5861304" cy="5861304"/>
+            </a:xfrm>
+            <a:prstGeom prst="ellipse">
+              <a:avLst/>
+            </a:prstGeom>
+            <a:solidFill>
+              <a:schemeClr val="accent1">
+                <a:alpha val="55000"/>
+              </a:schemeClr>
+            </a:solidFill>
+            <a:ln>
+              <a:noFill/>
+            </a:ln>
+          </p:spPr>
+        </p:sp>
+        <p:sp>
+          <p:nvSpPr>
+            <p:cNvPr id="35" name="Oval 5">
+              <a:extLst>
+                <a:ext uri="{FF2B5EF4-FFF2-40B4-BE49-F238E27FC236}">
+                  <a16:creationId xmlns:a16="http://schemas.microsoft.com/office/drawing/2014/main" id="{C8B8394C-136F-4E05-A002-D93A5E79CD50}"/>
+                </a:ext>
+              </a:extLst>
+            </p:cNvPr>
+            <p:cNvSpPr>
+              <a:spLocks noChangeArrowheads="1"/>
+            </p:cNvSpPr>
+            <p:nvPr>
+              <p:extLst>
+                <p:ext uri="{386F3935-93C4-4BCD-93E2-E3B085C9AB24}">
+                  <p16:designElem xmlns:p16="http://schemas.microsoft.com/office/powerpoint/2015/main" val="1"/>
+                </p:ext>
+              </p:extLst>
+            </p:nvPr>
+          </p:nvSpPr>
+          <p:spPr bwMode="auto">
+            <a:xfrm>
+              <a:off x="3165348" y="498348"/>
+              <a:ext cx="5861304" cy="5861304"/>
+            </a:xfrm>
+            <a:prstGeom prst="ellipse">
+              <a:avLst/>
+            </a:prstGeom>
+            <a:solidFill>
+              <a:schemeClr val="accent1">
+                <a:alpha val="70000"/>
+              </a:schemeClr>
+            </a:solidFill>
+            <a:ln>
+              <a:noFill/>
+            </a:ln>
+          </p:spPr>
+        </p:sp>
+      </p:grpSp>
+      <p:sp>
+        <p:nvSpPr>
+          <p:cNvPr id="37" name="Rectangle 36" title="ribbon">
+            <a:extLst>
+              <a:ext uri="{FF2B5EF4-FFF2-40B4-BE49-F238E27FC236}">
+                <a16:creationId xmlns:a16="http://schemas.microsoft.com/office/drawing/2014/main" id="{053FB2EE-284F-4C87-AB3D-BBF87A9FAB97}"/>
+              </a:ext>
+            </a:extLst>
+          </p:cNvPr>
+          <p:cNvSpPr>
+            <a:spLocks noGrp="1" noRot="1" noChangeAspect="1" noMove="1" noResize="1" noEditPoints="1" noAdjustHandles="1" noChangeArrowheads="1" noChangeShapeType="1" noTextEdit="1"/>
+          </p:cNvSpPr>
+          <p:nvPr>
+            <p:extLst>
+              <p:ext uri="{386F3935-93C4-4BCD-93E2-E3B085C9AB24}">
+                <p16:designElem xmlns:p16="http://schemas.microsoft.com/office/powerpoint/2015/main" val="1"/>
+              </p:ext>
+            </p:extLst>
+          </p:nvPr>
+        </p:nvSpPr>
+        <p:spPr>
+          <a:xfrm>
+            <a:off x="0" y="2514600"/>
+            <a:ext cx="12192000" cy="1828800"/>
+          </a:xfrm>
+          <a:prstGeom prst="rect">
+            <a:avLst/>
+          </a:prstGeom>
+          <a:solidFill>
+            <a:schemeClr val="tx2"/>
+          </a:solidFill>
+          <a:ln>
+            <a:noFill/>
+          </a:ln>
+        </p:spPr>
+        <p:style>
+          <a:lnRef idx="2">
+            <a:schemeClr val="accent1">
+              <a:shade val="50000"/>
+            </a:schemeClr>
+          </a:lnRef>
+          <a:fillRef idx="1">
+            <a:schemeClr val="accent1"/>
+          </a:fillRef>
+          <a:effectRef idx="0">
+            <a:schemeClr val="accent1"/>
+          </a:effectRef>
+          <a:fontRef idx="minor">
+            <a:schemeClr val="lt1"/>
+          </a:fontRef>
+        </p:style>
+      </p:sp>
+      <p:sp>
+        <p:nvSpPr>
+          <p:cNvPr id="2" name="TextBox 1">
+            <a:extLst>
+              <a:ext uri="{FF2B5EF4-FFF2-40B4-BE49-F238E27FC236}">
+                <a16:creationId xmlns:a16="http://schemas.microsoft.com/office/drawing/2014/main" id="{49610B88-E565-495E-83FB-685D64857340}"/>
+              </a:ext>
+            </a:extLst>
+          </p:cNvPr>
+          <p:cNvSpPr txBox="1"/>
+          <p:nvPr/>
+        </p:nvSpPr>
+        <p:spPr>
+          <a:xfrm>
+            <a:off x="61877" y="2776538"/>
+            <a:ext cx="11639693" cy="1381188"/>
+          </a:xfrm>
+          <a:prstGeom prst="rect">
+            <a:avLst/>
+          </a:prstGeom>
+        </p:spPr>
+        <p:txBody>
+          <a:bodyPr vert="horz" lIns="91440" tIns="45720" rIns="91440" bIns="45720" rtlCol="0" anchor="ctr">
+            <a:normAutofit fontScale="77500" lnSpcReduction="20000"/>
+          </a:bodyPr>
+          <a:lstStyle/>
+          <a:p>
+            <a:pPr algn="ctr">
+              <a:lnSpc>
+                <a:spcPct val="90000"/>
+              </a:lnSpc>
+              <a:spcBef>
+                <a:spcPct val="0"/>
+              </a:spcBef>
+              <a:spcAft>
+                <a:spcPts val="600"/>
+              </a:spcAft>
+            </a:pPr>
+            <a:r>
+              <a:rPr lang="en-US" sz="5200" kern="1200" dirty="0">
+                <a:solidFill>
+                  <a:schemeClr val="bg2"/>
+                </a:solidFill>
+                <a:ea typeface="+mj-ea"/>
+                <a:cs typeface="+mj-cs"/>
+              </a:rPr>
+              <a:t>Model Selection</a:t>
+            </a:r>
+          </a:p>
+          <a:p>
+            <a:pPr algn="ctr">
+              <a:lnSpc>
+                <a:spcPct val="90000"/>
+              </a:lnSpc>
+              <a:spcBef>
+                <a:spcPct val="0"/>
+              </a:spcBef>
+              <a:spcAft>
+                <a:spcPts val="600"/>
+              </a:spcAft>
+            </a:pPr>
+            <a:r>
+              <a:rPr lang="en-US" sz="4000" kern="1200" dirty="0">
+                <a:solidFill>
+                  <a:schemeClr val="bg2"/>
+                </a:solidFill>
+                <a:latin typeface="Brush Script MT" panose="03060802040406070304" pitchFamily="66" charset="0"/>
+                <a:ea typeface="+mj-ea"/>
+                <a:cs typeface="+mj-cs"/>
+              </a:rPr>
+              <a:t>‘If you torture the data enough, </a:t>
+            </a:r>
+            <a:r>
+              <a:rPr lang="en-US" sz="4000" dirty="0">
+                <a:solidFill>
+                  <a:schemeClr val="bg2"/>
+                </a:solidFill>
+                <a:latin typeface="Brush Script MT" panose="03060802040406070304" pitchFamily="66" charset="0"/>
+                <a:ea typeface="+mj-ea"/>
+                <a:cs typeface="+mj-cs"/>
+              </a:rPr>
+              <a:t>it</a:t>
+            </a:r>
+            <a:r>
+              <a:rPr lang="en-US" sz="4000" kern="1200" dirty="0">
+                <a:solidFill>
+                  <a:schemeClr val="bg2"/>
+                </a:solidFill>
+                <a:latin typeface="Brush Script MT" panose="03060802040406070304" pitchFamily="66" charset="0"/>
+                <a:ea typeface="+mj-ea"/>
+                <a:cs typeface="+mj-cs"/>
+              </a:rPr>
+              <a:t> will always confess’  </a:t>
+            </a:r>
+          </a:p>
+          <a:p>
+            <a:pPr algn="r">
+              <a:lnSpc>
+                <a:spcPct val="90000"/>
+              </a:lnSpc>
+              <a:spcBef>
+                <a:spcPct val="0"/>
+              </a:spcBef>
+              <a:spcAft>
+                <a:spcPts val="600"/>
+              </a:spcAft>
+            </a:pPr>
+            <a:r>
+              <a:rPr lang="en-US" sz="4000" kern="1200" dirty="0">
+                <a:solidFill>
+                  <a:schemeClr val="bg2"/>
+                </a:solidFill>
+                <a:latin typeface="+mj-lt"/>
+                <a:ea typeface="+mj-ea"/>
+                <a:cs typeface="+mj-cs"/>
+              </a:rPr>
+              <a:t>- </a:t>
+            </a:r>
+            <a:r>
+              <a:rPr lang="en-US" sz="2000" kern="1200" dirty="0">
+                <a:solidFill>
+                  <a:schemeClr val="bg2"/>
+                </a:solidFill>
+                <a:latin typeface="+mj-lt"/>
+                <a:ea typeface="+mj-ea"/>
+                <a:cs typeface="+mj-cs"/>
+              </a:rPr>
+              <a:t>Ronald Coase, British Economist </a:t>
+            </a:r>
+          </a:p>
+        </p:txBody>
+      </p:sp>
+    </p:spTree>
+    <p:extLst>
+      <p:ext uri="{BB962C8B-B14F-4D97-AF65-F5344CB8AC3E}">
+        <p14:creationId xmlns:p14="http://schemas.microsoft.com/office/powerpoint/2010/main" val="2752339933"/>
+      </p:ext>
+    </p:extLst>
+  </p:cSld>
+  <p:clrMapOvr>
+    <a:overrideClrMapping bg1="dk1" tx1="lt1" bg2="dk2" tx2="lt2" accent1="accent1" accent2="accent2" accent3="accent3" accent4="accent4" accent5="accent5" accent6="accent6" hlink="hlink" folHlink="folHlink"/>
+  </p:clrMapOvr>
+</p:sld>
+</file>
+
+<file path=ppt/slides/slide18.xml><?xml version="1.0" encoding="utf-8"?>
+<p:sld xmlns:a="http://schemas.openxmlformats.org/drawingml/2006/main" xmlns:r="http://schemas.openxmlformats.org/officeDocument/2006/relationships" xmlns:p="http://schemas.openxmlformats.org/presentationml/2006/main">
+  <p:cSld>
+    <p:spTree>
+      <p:nvGrpSpPr>
+        <p:cNvPr id="1" name=""/>
+        <p:cNvGrpSpPr/>
+        <p:nvPr/>
+      </p:nvGrpSpPr>
+      <p:grpSpPr>
+        <a:xfrm>
+          <a:off x="0" y="0"/>
+          <a:ext cx="0" cy="0"/>
+          <a:chOff x="0" y="0"/>
+          <a:chExt cx="0" cy="0"/>
+        </a:xfrm>
+      </p:grpSpPr>
+      <p:sp>
+        <p:nvSpPr>
+          <p:cNvPr id="2" name="Title 1">
+            <a:extLst>
+              <a:ext uri="{FF2B5EF4-FFF2-40B4-BE49-F238E27FC236}">
+                <a16:creationId xmlns:a16="http://schemas.microsoft.com/office/drawing/2014/main" id="{9B78F177-1358-4CCC-A29F-A2C9AF12CA90}"/>
+              </a:ext>
+            </a:extLst>
+          </p:cNvPr>
+          <p:cNvSpPr>
+            <a:spLocks noGrp="1"/>
+          </p:cNvSpPr>
+          <p:nvPr>
+            <p:ph type="title"/>
+          </p:nvPr>
+        </p:nvSpPr>
+        <p:spPr/>
+        <p:txBody>
+          <a:bodyPr/>
+          <a:lstStyle/>
+          <a:p>
+            <a:endParaRPr lang="en-US"/>
+          </a:p>
+        </p:txBody>
+      </p:sp>
+      <p:sp>
+        <p:nvSpPr>
+          <p:cNvPr id="3" name="Content Placeholder 2">
+            <a:extLst>
+              <a:ext uri="{FF2B5EF4-FFF2-40B4-BE49-F238E27FC236}">
+                <a16:creationId xmlns:a16="http://schemas.microsoft.com/office/drawing/2014/main" id="{A590EC32-C3D2-4FAA-9B63-58302AC2AB3B}"/>
+              </a:ext>
+            </a:extLst>
+          </p:cNvPr>
+          <p:cNvSpPr>
+            <a:spLocks noGrp="1"/>
+          </p:cNvSpPr>
+          <p:nvPr>
+            <p:ph sz="half" idx="1"/>
+          </p:nvPr>
+        </p:nvSpPr>
+        <p:spPr/>
+        <p:txBody>
+          <a:bodyPr/>
+          <a:lstStyle/>
+          <a:p>
+            <a:endParaRPr lang="en-US"/>
+          </a:p>
+        </p:txBody>
+      </p:sp>
+      <p:sp>
+        <p:nvSpPr>
+          <p:cNvPr id="4" name="Content Placeholder 3">
+            <a:extLst>
+              <a:ext uri="{FF2B5EF4-FFF2-40B4-BE49-F238E27FC236}">
+                <a16:creationId xmlns:a16="http://schemas.microsoft.com/office/drawing/2014/main" id="{726E1ED7-56F8-44B2-B055-ED9366B21BE9}"/>
+              </a:ext>
+            </a:extLst>
+          </p:cNvPr>
+          <p:cNvSpPr>
+            <a:spLocks noGrp="1"/>
+          </p:cNvSpPr>
+          <p:nvPr>
+            <p:ph sz="half" idx="2"/>
+          </p:nvPr>
+        </p:nvSpPr>
+        <p:spPr/>
+        <p:txBody>
+          <a:bodyPr/>
+          <a:lstStyle/>
+          <a:p>
+            <a:endParaRPr lang="en-US"/>
+          </a:p>
+        </p:txBody>
+      </p:sp>
+    </p:spTree>
+    <p:extLst>
+      <p:ext uri="{BB962C8B-B14F-4D97-AF65-F5344CB8AC3E}">
+        <p14:creationId xmlns:p14="http://schemas.microsoft.com/office/powerpoint/2010/main" val="2659177866"/>
+      </p:ext>
+    </p:extLst>
+  </p:cSld>
+  <p:clrMapOvr>
+    <a:masterClrMapping/>
+  </p:clrMapOvr>
+</p:sld>
+</file>
+
+<file path=ppt/slides/slide19.xml><?xml version="1.0" encoding="utf-8"?>
+<p:sld xmlns:a="http://schemas.openxmlformats.org/drawingml/2006/main" xmlns:r="http://schemas.openxmlformats.org/officeDocument/2006/relationships" xmlns:p="http://schemas.openxmlformats.org/presentationml/2006/main">
+  <p:cSld>
+    <p:bg>
+      <p:bgPr>
+        <a:solidFill>
+          <a:schemeClr val="bg1">
+            <a:tint val="95000"/>
+            <a:satMod val="170000"/>
+          </a:schemeClr>
+        </a:solidFill>
+        <a:effectLst/>
+      </p:bgPr>
+    </p:bg>
+    <p:spTree>
+      <p:nvGrpSpPr>
+        <p:cNvPr id="1" name=""/>
+        <p:cNvGrpSpPr/>
+        <p:nvPr/>
+      </p:nvGrpSpPr>
+      <p:grpSpPr>
+        <a:xfrm>
+          <a:off x="0" y="0"/>
+          <a:ext cx="0" cy="0"/>
+          <a:chOff x="0" y="0"/>
+          <a:chExt cx="0" cy="0"/>
+        </a:xfrm>
+      </p:grpSpPr>
+      <p:grpSp>
+        <p:nvGrpSpPr>
+          <p:cNvPr id="8" name="Group 7" title="intersecting circles">
+            <a:extLst>
+              <a:ext uri="{FF2B5EF4-FFF2-40B4-BE49-F238E27FC236}">
+                <a16:creationId xmlns:a16="http://schemas.microsoft.com/office/drawing/2014/main" id="{D2C4BFA1-2075-4901-9E24-E41D1FDD51FD}"/>
+              </a:ext>
+            </a:extLst>
+          </p:cNvPr>
+          <p:cNvGrpSpPr>
+            <a:grpSpLocks noGrp="1" noUngrp="1" noRot="1" noChangeAspect="1" noMove="1" noResize="1"/>
+          </p:cNvGrpSpPr>
+          <p:nvPr>
+            <p:extLst>
+              <p:ext uri="{386F3935-93C4-4BCD-93E2-E3B085C9AB24}">
+                <p16:designElem xmlns:p16="http://schemas.microsoft.com/office/powerpoint/2015/main" val="1"/>
+              </p:ext>
+            </p:extLst>
+          </p:nvPr>
+        </p:nvGrpSpPr>
+        <p:grpSpPr>
+          <a:xfrm>
+            <a:off x="1155481" y="498348"/>
+            <a:ext cx="9902663" cy="5861304"/>
+            <a:chOff x="1155481" y="498348"/>
+            <a:chExt cx="9902663" cy="5861304"/>
+          </a:xfrm>
+        </p:grpSpPr>
+        <p:sp>
+          <p:nvSpPr>
+            <p:cNvPr id="9" name="Oval 5">
+              <a:extLst>
+                <a:ext uri="{FF2B5EF4-FFF2-40B4-BE49-F238E27FC236}">
+                  <a16:creationId xmlns:a16="http://schemas.microsoft.com/office/drawing/2014/main" id="{985A7375-E3AF-4F5C-85AE-17E8832952CA}"/>
+                </a:ext>
+              </a:extLst>
+            </p:cNvPr>
+            <p:cNvSpPr>
+              <a:spLocks noChangeArrowheads="1"/>
+            </p:cNvSpPr>
+            <p:nvPr>
+              <p:extLst>
+                <p:ext uri="{386F3935-93C4-4BCD-93E2-E3B085C9AB24}">
+                  <p16:designElem xmlns:p16="http://schemas.microsoft.com/office/powerpoint/2015/main" val="1"/>
+                </p:ext>
+              </p:extLst>
+            </p:nvPr>
+          </p:nvSpPr>
+          <p:spPr bwMode="auto">
+            <a:xfrm>
+              <a:off x="1155481" y="498348"/>
+              <a:ext cx="5861304" cy="5861304"/>
+            </a:xfrm>
+            <a:prstGeom prst="ellipse">
+              <a:avLst/>
+            </a:prstGeom>
+            <a:solidFill>
+              <a:schemeClr val="accent1">
+                <a:alpha val="55000"/>
+              </a:schemeClr>
+            </a:solidFill>
+            <a:ln>
+              <a:noFill/>
+            </a:ln>
+          </p:spPr>
+        </p:sp>
+        <p:sp>
+          <p:nvSpPr>
+            <p:cNvPr id="10" name="Oval 9">
+              <a:extLst>
+                <a:ext uri="{FF2B5EF4-FFF2-40B4-BE49-F238E27FC236}">
+                  <a16:creationId xmlns:a16="http://schemas.microsoft.com/office/drawing/2014/main" id="{F0307F65-8304-4FA8-A841-D4D7625411BE}"/>
+                </a:ext>
+              </a:extLst>
+            </p:cNvPr>
+            <p:cNvSpPr>
+              <a:spLocks noChangeArrowheads="1"/>
+            </p:cNvSpPr>
+            <p:nvPr>
+              <p:extLst>
+                <p:ext uri="{386F3935-93C4-4BCD-93E2-E3B085C9AB24}">
+                  <p16:designElem xmlns:p16="http://schemas.microsoft.com/office/powerpoint/2015/main" val="1"/>
+                </p:ext>
+              </p:extLst>
+            </p:nvPr>
+          </p:nvSpPr>
+          <p:spPr bwMode="auto">
+            <a:xfrm>
+              <a:off x="5196840" y="498348"/>
+              <a:ext cx="5861304" cy="5861304"/>
+            </a:xfrm>
+            <a:prstGeom prst="ellipse">
+              <a:avLst/>
+            </a:prstGeom>
+            <a:solidFill>
+              <a:schemeClr val="accent1">
+                <a:alpha val="55000"/>
+              </a:schemeClr>
+            </a:solidFill>
+            <a:ln>
+              <a:noFill/>
+            </a:ln>
+          </p:spPr>
+        </p:sp>
+        <p:sp>
+          <p:nvSpPr>
+            <p:cNvPr id="11" name="Oval 5">
+              <a:extLst>
+                <a:ext uri="{FF2B5EF4-FFF2-40B4-BE49-F238E27FC236}">
+                  <a16:creationId xmlns:a16="http://schemas.microsoft.com/office/drawing/2014/main" id="{C8B8394C-136F-4E05-A002-D93A5E79CD50}"/>
+                </a:ext>
+              </a:extLst>
+            </p:cNvPr>
+            <p:cNvSpPr>
+              <a:spLocks noChangeArrowheads="1"/>
+            </p:cNvSpPr>
+            <p:nvPr>
+              <p:extLst>
+                <p:ext uri="{386F3935-93C4-4BCD-93E2-E3B085C9AB24}">
+                  <p16:designElem xmlns:p16="http://schemas.microsoft.com/office/powerpoint/2015/main" val="1"/>
+                </p:ext>
+              </p:extLst>
+            </p:nvPr>
+          </p:nvSpPr>
+          <p:spPr bwMode="auto">
+            <a:xfrm>
+              <a:off x="3165348" y="498348"/>
+              <a:ext cx="5861304" cy="5861304"/>
+            </a:xfrm>
+            <a:prstGeom prst="ellipse">
+              <a:avLst/>
+            </a:prstGeom>
+            <a:solidFill>
+              <a:schemeClr val="accent1">
+                <a:alpha val="70000"/>
+              </a:schemeClr>
+            </a:solidFill>
+            <a:ln>
+              <a:noFill/>
+            </a:ln>
+          </p:spPr>
+        </p:sp>
+      </p:grpSp>
+      <p:sp>
+        <p:nvSpPr>
+          <p:cNvPr id="13" name="Rectangle 12" title="ribbon">
+            <a:extLst>
+              <a:ext uri="{FF2B5EF4-FFF2-40B4-BE49-F238E27FC236}">
+                <a16:creationId xmlns:a16="http://schemas.microsoft.com/office/drawing/2014/main" id="{053FB2EE-284F-4C87-AB3D-BBF87A9FAB97}"/>
+              </a:ext>
+            </a:extLst>
+          </p:cNvPr>
+          <p:cNvSpPr>
+            <a:spLocks noGrp="1" noRot="1" noChangeAspect="1" noMove="1" noResize="1" noEditPoints="1" noAdjustHandles="1" noChangeArrowheads="1" noChangeShapeType="1" noTextEdit="1"/>
+          </p:cNvSpPr>
+          <p:nvPr>
+            <p:extLst>
+              <p:ext uri="{386F3935-93C4-4BCD-93E2-E3B085C9AB24}">
+                <p16:designElem xmlns:p16="http://schemas.microsoft.com/office/powerpoint/2015/main" val="1"/>
+              </p:ext>
+            </p:extLst>
+          </p:nvPr>
+        </p:nvSpPr>
+        <p:spPr>
+          <a:xfrm>
+            <a:off x="0" y="2514600"/>
+            <a:ext cx="12192000" cy="1828800"/>
+          </a:xfrm>
+          <a:prstGeom prst="rect">
+            <a:avLst/>
+          </a:prstGeom>
+          <a:solidFill>
+            <a:schemeClr val="tx2"/>
+          </a:solidFill>
+          <a:ln>
+            <a:noFill/>
+          </a:ln>
+        </p:spPr>
+        <p:style>
+          <a:lnRef idx="2">
+            <a:schemeClr val="accent1">
+              <a:shade val="50000"/>
+            </a:schemeClr>
+          </a:lnRef>
+          <a:fillRef idx="1">
+            <a:schemeClr val="accent1"/>
+          </a:fillRef>
+          <a:effectRef idx="0">
+            <a:schemeClr val="accent1"/>
+          </a:effectRef>
+          <a:fontRef idx="minor">
+            <a:schemeClr val="lt1"/>
+          </a:fontRef>
+        </p:style>
+      </p:sp>
+      <p:sp>
+        <p:nvSpPr>
+          <p:cNvPr id="2" name="Title 1">
+            <a:extLst>
+              <a:ext uri="{FF2B5EF4-FFF2-40B4-BE49-F238E27FC236}">
+                <a16:creationId xmlns:a16="http://schemas.microsoft.com/office/drawing/2014/main" id="{7EBCB659-23B0-4542-B9AF-C8F4952A266B}"/>
+              </a:ext>
+            </a:extLst>
+          </p:cNvPr>
+          <p:cNvSpPr>
+            <a:spLocks noGrp="1"/>
+          </p:cNvSpPr>
+          <p:nvPr>
+            <p:ph type="title"/>
+          </p:nvPr>
+        </p:nvSpPr>
+        <p:spPr>
+          <a:xfrm>
+            <a:off x="1524000" y="2776538"/>
+            <a:ext cx="9144000" cy="1381188"/>
+          </a:xfrm>
+        </p:spPr>
+        <p:txBody>
+          <a:bodyPr vert="horz" lIns="91440" tIns="45720" rIns="91440" bIns="45720" rtlCol="0" anchor="ctr">
+            <a:normAutofit/>
+          </a:bodyPr>
+          <a:lstStyle/>
+          <a:p>
+            <a:pPr algn="ctr"/>
+            <a:r>
+              <a:rPr lang="en-US" sz="4000" b="1" kern="1200" dirty="0">
+                <a:solidFill>
+                  <a:schemeClr val="bg2"/>
+                </a:solidFill>
+                <a:latin typeface="+mj-lt"/>
+                <a:ea typeface="+mj-ea"/>
+                <a:cs typeface="+mj-cs"/>
+              </a:rPr>
+              <a:t>Model Evaluation</a:t>
+            </a:r>
+          </a:p>
+        </p:txBody>
+      </p:sp>
+    </p:spTree>
+    <p:extLst>
+      <p:ext uri="{BB962C8B-B14F-4D97-AF65-F5344CB8AC3E}">
+        <p14:creationId xmlns:p14="http://schemas.microsoft.com/office/powerpoint/2010/main" val="1839317052"/>
+      </p:ext>
+    </p:extLst>
+  </p:cSld>
+  <p:clrMapOvr>
+    <a:overrideClrMapping bg1="dk1" tx1="lt1" bg2="dk2" tx2="lt2" accent1="accent1" accent2="accent2" accent3="accent3" accent4="accent4" accent5="accent5" accent6="accent6" hlink="hlink" folHlink="folHlink"/>
+  </p:clrMapOvr>
+</p:sld>
+</file>
+
+<file path=ppt/slides/slide2.xml><?xml version="1.0" encoding="utf-8"?>
+<p:sld xmlns:a="http://schemas.openxmlformats.org/drawingml/2006/main" xmlns:r="http://schemas.openxmlformats.org/officeDocument/2006/relationships" xmlns:p="http://schemas.openxmlformats.org/presentationml/2006/main">
+  <p:cSld>
+    <p:spTree>
+      <p:nvGrpSpPr>
+        <p:cNvPr id="1" name=""/>
+        <p:cNvGrpSpPr/>
+        <p:nvPr/>
+      </p:nvGrpSpPr>
+      <p:grpSpPr>
+        <a:xfrm>
+          <a:off x="0" y="0"/>
+          <a:ext cx="0" cy="0"/>
+          <a:chOff x="0" y="0"/>
+          <a:chExt cx="0" cy="0"/>
+        </a:xfrm>
+      </p:grpSpPr>
+      <p:sp>
+        <p:nvSpPr>
+          <p:cNvPr id="2" name="Title 1">
+            <a:extLst>
+              <a:ext uri="{FF2B5EF4-FFF2-40B4-BE49-F238E27FC236}">
+                <a16:creationId xmlns:a16="http://schemas.microsoft.com/office/drawing/2014/main" id="{78C2549D-3C9C-4E70-97DB-F3E7F6878DD1}"/>
+              </a:ext>
+            </a:extLst>
+          </p:cNvPr>
+          <p:cNvSpPr>
+            <a:spLocks noGrp="1"/>
+          </p:cNvSpPr>
+          <p:nvPr>
+            <p:ph type="title"/>
+          </p:nvPr>
+        </p:nvSpPr>
+        <p:spPr>
+          <a:xfrm>
+            <a:off x="838200" y="365125"/>
+            <a:ext cx="10515600" cy="631825"/>
+          </a:xfrm>
+        </p:spPr>
+        <p:txBody>
+          <a:bodyPr>
+            <a:normAutofit fontScale="90000"/>
+          </a:bodyPr>
+          <a:lstStyle/>
+          <a:p>
+            <a:r>
+              <a:rPr lang="en-US" b="1" dirty="0">
+                <a:solidFill>
+                  <a:srgbClr val="0070C0"/>
+                </a:solidFill>
+              </a:rPr>
+              <a:t>Agenda</a:t>
+            </a:r>
+          </a:p>
+        </p:txBody>
+      </p:sp>
+      <p:sp>
+        <p:nvSpPr>
+          <p:cNvPr id="3" name="Content Placeholder 2">
+            <a:extLst>
+              <a:ext uri="{FF2B5EF4-FFF2-40B4-BE49-F238E27FC236}">
+                <a16:creationId xmlns:a16="http://schemas.microsoft.com/office/drawing/2014/main" id="{9AD5DA06-32C0-4BB6-B574-482ECFA38830}"/>
+              </a:ext>
+            </a:extLst>
+          </p:cNvPr>
+          <p:cNvSpPr>
+            <a:spLocks noGrp="1"/>
+          </p:cNvSpPr>
+          <p:nvPr>
+            <p:ph idx="1"/>
+          </p:nvPr>
+        </p:nvSpPr>
+        <p:spPr>
+          <a:xfrm>
+            <a:off x="838200" y="1212850"/>
+            <a:ext cx="10515600" cy="4964113"/>
+          </a:xfrm>
+        </p:spPr>
+        <p:txBody>
+          <a:bodyPr/>
+          <a:lstStyle/>
+          <a:p>
+            <a:pPr marL="0" indent="0">
+              <a:buNone/>
+            </a:pPr>
+            <a:r>
+              <a:rPr lang="en-US" dirty="0"/>
+              <a:t>Project aims at predicting house prices (residential) in Ames, Iowa, USA based on data set provided by Kaggle between 2006 and 2010.</a:t>
+            </a:r>
+          </a:p>
+          <a:p>
+            <a:endParaRPr lang="en-US" dirty="0"/>
+          </a:p>
+          <a:p>
+            <a:pPr lvl="1"/>
+            <a:r>
+              <a:rPr lang="en-US" dirty="0"/>
+              <a:t>Data Exploration</a:t>
+            </a:r>
+          </a:p>
+          <a:p>
+            <a:pPr lvl="1"/>
+            <a:r>
+              <a:rPr lang="en-US" dirty="0"/>
+              <a:t>Data Pre-Processing</a:t>
+            </a:r>
+          </a:p>
+          <a:p>
+            <a:pPr lvl="1"/>
+            <a:r>
+              <a:rPr lang="en-US" dirty="0"/>
+              <a:t>Feature Engineering </a:t>
+            </a:r>
+          </a:p>
+          <a:p>
+            <a:pPr lvl="1"/>
+            <a:r>
+              <a:rPr lang="en-US" dirty="0"/>
+              <a:t>Model Training</a:t>
+            </a:r>
+          </a:p>
+          <a:p>
+            <a:pPr lvl="1"/>
+            <a:r>
+              <a:rPr lang="en-US" dirty="0"/>
+              <a:t>Model Evaluation</a:t>
+            </a:r>
+          </a:p>
+          <a:p>
+            <a:pPr marL="0" indent="0">
+              <a:buNone/>
+            </a:pPr>
+            <a:endParaRPr lang="en-US" dirty="0"/>
+          </a:p>
+          <a:p>
+            <a:pPr marL="0" indent="0">
+              <a:buNone/>
+            </a:pPr>
+            <a:endParaRPr lang="en-US" dirty="0"/>
+          </a:p>
+        </p:txBody>
+      </p:sp>
+    </p:spTree>
+    <p:extLst>
+      <p:ext uri="{BB962C8B-B14F-4D97-AF65-F5344CB8AC3E}">
+        <p14:creationId xmlns:p14="http://schemas.microsoft.com/office/powerpoint/2010/main" val="1915621482"/>
       </p:ext>
     </p:extLst>
   </p:cSld>
@@ -4131,6 +6268,351 @@
 </file>
 
 <file path=ppt/slides/slide3.xml><?xml version="1.0" encoding="utf-8"?>
+<p:sld xmlns:a="http://schemas.openxmlformats.org/drawingml/2006/main" xmlns:r="http://schemas.openxmlformats.org/officeDocument/2006/relationships" xmlns:p="http://schemas.openxmlformats.org/presentationml/2006/main">
+  <p:cSld>
+    <p:spTree>
+      <p:nvGrpSpPr>
+        <p:cNvPr id="1" name=""/>
+        <p:cNvGrpSpPr/>
+        <p:nvPr/>
+      </p:nvGrpSpPr>
+      <p:grpSpPr>
+        <a:xfrm>
+          <a:off x="0" y="0"/>
+          <a:ext cx="0" cy="0"/>
+          <a:chOff x="0" y="0"/>
+          <a:chExt cx="0" cy="0"/>
+        </a:xfrm>
+      </p:grpSpPr>
+      <p:pic>
+        <p:nvPicPr>
+          <p:cNvPr id="5" name="Content Placeholder 4" descr="A picture containing person, text, newspaper, outdoor&#10;&#10;Description generated with very high confidence">
+            <a:extLst>
+              <a:ext uri="{FF2B5EF4-FFF2-40B4-BE49-F238E27FC236}">
+                <a16:creationId xmlns:a16="http://schemas.microsoft.com/office/drawing/2014/main" id="{15B056D5-F188-43AA-B66A-95B40BD85B5E}"/>
+              </a:ext>
+            </a:extLst>
+          </p:cNvPr>
+          <p:cNvPicPr>
+            <a:picLocks noGrp="1" noChangeAspect="1"/>
+          </p:cNvPicPr>
+          <p:nvPr>
+            <p:ph idx="1"/>
+          </p:nvPr>
+        </p:nvPicPr>
+        <p:blipFill>
+          <a:blip r:embed="rId2">
+            <a:extLst>
+              <a:ext uri="{28A0092B-C50C-407E-A947-70E740481C1C}">
+                <a14:useLocalDpi xmlns:a14="http://schemas.microsoft.com/office/drawing/2010/main" val="0"/>
+              </a:ext>
+            </a:extLst>
+          </a:blip>
+          <a:stretch>
+            <a:fillRect/>
+          </a:stretch>
+        </p:blipFill>
+        <p:spPr>
+          <a:xfrm>
+            <a:off x="2530068" y="435362"/>
+            <a:ext cx="6380175" cy="6380175"/>
+          </a:xfrm>
+        </p:spPr>
+      </p:pic>
+    </p:spTree>
+    <p:extLst>
+      <p:ext uri="{BB962C8B-B14F-4D97-AF65-F5344CB8AC3E}">
+        <p14:creationId xmlns:p14="http://schemas.microsoft.com/office/powerpoint/2010/main" val="918493522"/>
+      </p:ext>
+    </p:extLst>
+  </p:cSld>
+  <p:clrMapOvr>
+    <a:masterClrMapping/>
+  </p:clrMapOvr>
+</p:sld>
+</file>
+
+<file path=ppt/slides/slide4.xml><?xml version="1.0" encoding="utf-8"?>
+<p:sld xmlns:a="http://schemas.openxmlformats.org/drawingml/2006/main" xmlns:r="http://schemas.openxmlformats.org/officeDocument/2006/relationships" xmlns:p="http://schemas.openxmlformats.org/presentationml/2006/main">
+  <p:cSld>
+    <p:bg>
+      <p:bgPr>
+        <a:solidFill>
+          <a:schemeClr val="bg1">
+            <a:tint val="95000"/>
+            <a:satMod val="170000"/>
+          </a:schemeClr>
+        </a:solidFill>
+        <a:effectLst/>
+      </p:bgPr>
+    </p:bg>
+    <p:spTree>
+      <p:nvGrpSpPr>
+        <p:cNvPr id="1" name=""/>
+        <p:cNvGrpSpPr/>
+        <p:nvPr/>
+      </p:nvGrpSpPr>
+      <p:grpSpPr>
+        <a:xfrm>
+          <a:off x="0" y="0"/>
+          <a:ext cx="0" cy="0"/>
+          <a:chOff x="0" y="0"/>
+          <a:chExt cx="0" cy="0"/>
+        </a:xfrm>
+      </p:grpSpPr>
+      <p:grpSp>
+        <p:nvGrpSpPr>
+          <p:cNvPr id="8" name="Group 7" title="intersecting circles">
+            <a:extLst>
+              <a:ext uri="{FF2B5EF4-FFF2-40B4-BE49-F238E27FC236}">
+                <a16:creationId xmlns:a16="http://schemas.microsoft.com/office/drawing/2014/main" id="{D2C4BFA1-2075-4901-9E24-E41D1FDD51FD}"/>
+              </a:ext>
+            </a:extLst>
+          </p:cNvPr>
+          <p:cNvGrpSpPr>
+            <a:grpSpLocks noGrp="1" noUngrp="1" noRot="1" noChangeAspect="1" noMove="1" noResize="1"/>
+          </p:cNvGrpSpPr>
+          <p:nvPr>
+            <p:extLst>
+              <p:ext uri="{386F3935-93C4-4BCD-93E2-E3B085C9AB24}">
+                <p16:designElem xmlns:p16="http://schemas.microsoft.com/office/powerpoint/2015/main" val="1"/>
+              </p:ext>
+            </p:extLst>
+          </p:nvPr>
+        </p:nvGrpSpPr>
+        <p:grpSpPr>
+          <a:xfrm>
+            <a:off x="1155481" y="498348"/>
+            <a:ext cx="9902663" cy="5861304"/>
+            <a:chOff x="1155481" y="498348"/>
+            <a:chExt cx="9902663" cy="5861304"/>
+          </a:xfrm>
+        </p:grpSpPr>
+        <p:sp>
+          <p:nvSpPr>
+            <p:cNvPr id="9" name="Oval 5">
+              <a:extLst>
+                <a:ext uri="{FF2B5EF4-FFF2-40B4-BE49-F238E27FC236}">
+                  <a16:creationId xmlns:a16="http://schemas.microsoft.com/office/drawing/2014/main" id="{985A7375-E3AF-4F5C-85AE-17E8832952CA}"/>
+                </a:ext>
+              </a:extLst>
+            </p:cNvPr>
+            <p:cNvSpPr>
+              <a:spLocks noChangeArrowheads="1"/>
+            </p:cNvSpPr>
+            <p:nvPr>
+              <p:extLst>
+                <p:ext uri="{386F3935-93C4-4BCD-93E2-E3B085C9AB24}">
+                  <p16:designElem xmlns:p16="http://schemas.microsoft.com/office/powerpoint/2015/main" val="1"/>
+                </p:ext>
+              </p:extLst>
+            </p:nvPr>
+          </p:nvSpPr>
+          <p:spPr bwMode="auto">
+            <a:xfrm>
+              <a:off x="1155481" y="498348"/>
+              <a:ext cx="5861304" cy="5861304"/>
+            </a:xfrm>
+            <a:prstGeom prst="ellipse">
+              <a:avLst/>
+            </a:prstGeom>
+            <a:solidFill>
+              <a:schemeClr val="accent1">
+                <a:alpha val="55000"/>
+              </a:schemeClr>
+            </a:solidFill>
+            <a:ln>
+              <a:noFill/>
+            </a:ln>
+          </p:spPr>
+        </p:sp>
+        <p:sp>
+          <p:nvSpPr>
+            <p:cNvPr id="10" name="Oval 9">
+              <a:extLst>
+                <a:ext uri="{FF2B5EF4-FFF2-40B4-BE49-F238E27FC236}">
+                  <a16:creationId xmlns:a16="http://schemas.microsoft.com/office/drawing/2014/main" id="{F0307F65-8304-4FA8-A841-D4D7625411BE}"/>
+                </a:ext>
+              </a:extLst>
+            </p:cNvPr>
+            <p:cNvSpPr>
+              <a:spLocks noChangeArrowheads="1"/>
+            </p:cNvSpPr>
+            <p:nvPr>
+              <p:extLst>
+                <p:ext uri="{386F3935-93C4-4BCD-93E2-E3B085C9AB24}">
+                  <p16:designElem xmlns:p16="http://schemas.microsoft.com/office/powerpoint/2015/main" val="1"/>
+                </p:ext>
+              </p:extLst>
+            </p:nvPr>
+          </p:nvSpPr>
+          <p:spPr bwMode="auto">
+            <a:xfrm>
+              <a:off x="5196840" y="498348"/>
+              <a:ext cx="5861304" cy="5861304"/>
+            </a:xfrm>
+            <a:prstGeom prst="ellipse">
+              <a:avLst/>
+            </a:prstGeom>
+            <a:solidFill>
+              <a:schemeClr val="accent1">
+                <a:alpha val="55000"/>
+              </a:schemeClr>
+            </a:solidFill>
+            <a:ln>
+              <a:noFill/>
+            </a:ln>
+          </p:spPr>
+        </p:sp>
+        <p:sp>
+          <p:nvSpPr>
+            <p:cNvPr id="11" name="Oval 5">
+              <a:extLst>
+                <a:ext uri="{FF2B5EF4-FFF2-40B4-BE49-F238E27FC236}">
+                  <a16:creationId xmlns:a16="http://schemas.microsoft.com/office/drawing/2014/main" id="{C8B8394C-136F-4E05-A002-D93A5E79CD50}"/>
+                </a:ext>
+              </a:extLst>
+            </p:cNvPr>
+            <p:cNvSpPr>
+              <a:spLocks noChangeArrowheads="1"/>
+            </p:cNvSpPr>
+            <p:nvPr>
+              <p:extLst>
+                <p:ext uri="{386F3935-93C4-4BCD-93E2-E3B085C9AB24}">
+                  <p16:designElem xmlns:p16="http://schemas.microsoft.com/office/powerpoint/2015/main" val="1"/>
+                </p:ext>
+              </p:extLst>
+            </p:nvPr>
+          </p:nvSpPr>
+          <p:spPr bwMode="auto">
+            <a:xfrm>
+              <a:off x="3165348" y="498348"/>
+              <a:ext cx="5861304" cy="5861304"/>
+            </a:xfrm>
+            <a:prstGeom prst="ellipse">
+              <a:avLst/>
+            </a:prstGeom>
+            <a:solidFill>
+              <a:schemeClr val="accent1">
+                <a:alpha val="70000"/>
+              </a:schemeClr>
+            </a:solidFill>
+            <a:ln>
+              <a:noFill/>
+            </a:ln>
+          </p:spPr>
+        </p:sp>
+      </p:grpSp>
+      <p:sp>
+        <p:nvSpPr>
+          <p:cNvPr id="13" name="Rectangle 12" title="ribbon">
+            <a:extLst>
+              <a:ext uri="{FF2B5EF4-FFF2-40B4-BE49-F238E27FC236}">
+                <a16:creationId xmlns:a16="http://schemas.microsoft.com/office/drawing/2014/main" id="{053FB2EE-284F-4C87-AB3D-BBF87A9FAB97}"/>
+              </a:ext>
+            </a:extLst>
+          </p:cNvPr>
+          <p:cNvSpPr>
+            <a:spLocks noGrp="1" noRot="1" noChangeAspect="1" noMove="1" noResize="1" noEditPoints="1" noAdjustHandles="1" noChangeArrowheads="1" noChangeShapeType="1" noTextEdit="1"/>
+          </p:cNvSpPr>
+          <p:nvPr>
+            <p:extLst>
+              <p:ext uri="{386F3935-93C4-4BCD-93E2-E3B085C9AB24}">
+                <p16:designElem xmlns:p16="http://schemas.microsoft.com/office/powerpoint/2015/main" val="1"/>
+              </p:ext>
+            </p:extLst>
+          </p:nvPr>
+        </p:nvSpPr>
+        <p:spPr>
+          <a:xfrm>
+            <a:off x="0" y="2514600"/>
+            <a:ext cx="12192000" cy="1828800"/>
+          </a:xfrm>
+          <a:prstGeom prst="rect">
+            <a:avLst/>
+          </a:prstGeom>
+          <a:solidFill>
+            <a:schemeClr val="tx2"/>
+          </a:solidFill>
+          <a:ln>
+            <a:noFill/>
+          </a:ln>
+        </p:spPr>
+        <p:style>
+          <a:lnRef idx="2">
+            <a:schemeClr val="accent1">
+              <a:shade val="50000"/>
+            </a:schemeClr>
+          </a:lnRef>
+          <a:fillRef idx="1">
+            <a:schemeClr val="accent1"/>
+          </a:fillRef>
+          <a:effectRef idx="0">
+            <a:schemeClr val="accent1"/>
+          </a:effectRef>
+          <a:fontRef idx="minor">
+            <a:schemeClr val="lt1"/>
+          </a:fontRef>
+        </p:style>
+      </p:sp>
+      <p:sp>
+        <p:nvSpPr>
+          <p:cNvPr id="2" name="Title 1">
+            <a:extLst>
+              <a:ext uri="{FF2B5EF4-FFF2-40B4-BE49-F238E27FC236}">
+                <a16:creationId xmlns:a16="http://schemas.microsoft.com/office/drawing/2014/main" id="{32E0A578-CE27-410A-8933-52A270F02582}"/>
+              </a:ext>
+            </a:extLst>
+          </p:cNvPr>
+          <p:cNvSpPr>
+            <a:spLocks noGrp="1"/>
+          </p:cNvSpPr>
+          <p:nvPr>
+            <p:ph type="ctrTitle"/>
+          </p:nvPr>
+        </p:nvSpPr>
+        <p:spPr>
+          <a:xfrm>
+            <a:off x="1524000" y="2776538"/>
+            <a:ext cx="9144000" cy="1381188"/>
+          </a:xfrm>
+        </p:spPr>
+        <p:txBody>
+          <a:bodyPr anchor="ctr">
+            <a:normAutofit/>
+          </a:bodyPr>
+          <a:lstStyle/>
+          <a:p>
+            <a:r>
+              <a:rPr lang="en-US" sz="4000" b="1" dirty="0">
+                <a:solidFill>
+                  <a:srgbClr val="0070C0"/>
+                </a:solidFill>
+              </a:rPr>
+              <a:t>Data Exploration</a:t>
+            </a:r>
+            <a:endParaRPr lang="en-US" sz="4000" dirty="0">
+              <a:solidFill>
+                <a:schemeClr val="bg2"/>
+              </a:solidFill>
+            </a:endParaRPr>
+          </a:p>
+        </p:txBody>
+      </p:sp>
+    </p:spTree>
+    <p:extLst>
+      <p:ext uri="{BB962C8B-B14F-4D97-AF65-F5344CB8AC3E}">
+        <p14:creationId xmlns:p14="http://schemas.microsoft.com/office/powerpoint/2010/main" val="661467052"/>
+      </p:ext>
+    </p:extLst>
+  </p:cSld>
+  <p:clrMapOvr>
+    <a:overrideClrMapping bg1="dk1" tx1="lt1" bg2="dk2" tx2="lt2" accent1="accent1" accent2="accent2" accent3="accent3" accent4="accent4" accent5="accent5" accent6="accent6" hlink="hlink" folHlink="folHlink"/>
+  </p:clrMapOvr>
+</p:sld>
+</file>
+
+<file path=ppt/slides/slide5.xml><?xml version="1.0" encoding="utf-8"?>
 <p:sld xmlns:a="http://schemas.openxmlformats.org/drawingml/2006/main" xmlns:r="http://schemas.openxmlformats.org/officeDocument/2006/relationships" xmlns:p="http://schemas.openxmlformats.org/presentationml/2006/main">
   <p:cSld>
     <p:bg>
@@ -4157,146 +6639,121 @@
       </p:grpSpPr>
       <p:sp>
         <p:nvSpPr>
-          <p:cNvPr id="16" name="Flowchart: Document 15">
-            <a:extLst>
-              <a:ext uri="{FF2B5EF4-FFF2-40B4-BE49-F238E27FC236}">
-                <a16:creationId xmlns:a16="http://schemas.microsoft.com/office/drawing/2014/main" id="{D12DDE76-C203-4047-9998-63900085B5E8}"/>
-              </a:ext>
-            </a:extLst>
-          </p:cNvPr>
-          <p:cNvSpPr>
-            <a:spLocks noGrp="1" noRot="1" noChangeAspect="1" noMove="1" noResize="1" noEditPoints="1" noAdjustHandles="1" noChangeArrowheads="1" noChangeShapeType="1" noTextEdit="1"/>
-          </p:cNvSpPr>
-          <p:nvPr>
-            <p:extLst>
-              <p:ext uri="{386F3935-93C4-4BCD-93E2-E3B085C9AB24}">
-                <p16:designElem xmlns:p16="http://schemas.microsoft.com/office/powerpoint/2015/main" val="1"/>
-              </p:ext>
-            </p:extLst>
+          <p:cNvPr id="2" name="Title 1">
+            <a:extLst>
+              <a:ext uri="{FF2B5EF4-FFF2-40B4-BE49-F238E27FC236}">
+                <a16:creationId xmlns:a16="http://schemas.microsoft.com/office/drawing/2014/main" id="{D6CDCB73-8593-4074-886F-EDED4E788813}"/>
+              </a:ext>
+            </a:extLst>
+          </p:cNvPr>
+          <p:cNvSpPr>
+            <a:spLocks noGrp="1"/>
+          </p:cNvSpPr>
+          <p:nvPr>
+            <p:ph type="title"/>
           </p:nvPr>
         </p:nvSpPr>
         <p:spPr>
           <a:xfrm>
-            <a:off x="638175" y="0"/>
-            <a:ext cx="3248025" cy="3400426"/>
+            <a:off x="965200" y="643467"/>
+            <a:ext cx="9260467" cy="1542843"/>
           </a:xfrm>
-          <a:prstGeom prst="flowChartDocument">
-            <a:avLst/>
-          </a:prstGeom>
-          <a:solidFill>
-            <a:schemeClr val="accent1"/>
-          </a:solidFill>
-          <a:ln>
-            <a:noFill/>
-          </a:ln>
         </p:spPr>
-        <p:style>
-          <a:lnRef idx="2">
-            <a:schemeClr val="accent1">
-              <a:shade val="50000"/>
-            </a:schemeClr>
-          </a:lnRef>
-          <a:fillRef idx="1">
-            <a:schemeClr val="accent1"/>
-          </a:fillRef>
-          <a:effectRef idx="0">
-            <a:schemeClr val="accent1"/>
-          </a:effectRef>
-          <a:fontRef idx="minor">
-            <a:schemeClr val="lt1"/>
-          </a:fontRef>
-        </p:style>
-        <p:txBody>
-          <a:bodyPr rtlCol="0" anchor="ctr"/>
+        <p:txBody>
+          <a:bodyPr vert="horz" lIns="91440" tIns="45720" rIns="91440" bIns="45720" rtlCol="0" anchor="ctr">
+            <a:normAutofit/>
+          </a:bodyPr>
           <a:lstStyle/>
           <a:p>
-            <a:pPr algn="ctr"/>
-            <a:endParaRPr lang="en-US"/>
-          </a:p>
-        </p:txBody>
-      </p:sp>
-      <p:pic>
-        <p:nvPicPr>
-          <p:cNvPr id="11" name="Picture 10" descr="A train window with a large screen&#10;&#10;Description generated with high confidence">
-            <a:extLst>
-              <a:ext uri="{FF2B5EF4-FFF2-40B4-BE49-F238E27FC236}">
-                <a16:creationId xmlns:a16="http://schemas.microsoft.com/office/drawing/2014/main" id="{F89DEA40-9AFF-454B-86EE-37C6DC2A45E4}"/>
-              </a:ext>
-            </a:extLst>
-          </p:cNvPr>
-          <p:cNvPicPr>
-            <a:picLocks noChangeAspect="1"/>
-          </p:cNvPicPr>
+            <a:r>
+              <a:rPr lang="en-US" sz="3200" b="1" dirty="0">
+                <a:solidFill>
+                  <a:srgbClr val="0070C0"/>
+                </a:solidFill>
+              </a:rPr>
+              <a:t>What factors do we believe to influence house prices?</a:t>
+            </a:r>
+            <a:br>
+              <a:rPr lang="en-US" sz="3200" b="1" dirty="0">
+                <a:solidFill>
+                  <a:srgbClr val="0070C0"/>
+                </a:solidFill>
+              </a:rPr>
+            </a:br>
+            <a:endParaRPr lang="en-US" sz="3200" b="1" u="sng" dirty="0">
+              <a:solidFill>
+                <a:srgbClr val="0070C0"/>
+              </a:solidFill>
+            </a:endParaRPr>
+          </a:p>
+        </p:txBody>
+      </p:sp>
+      <p:sp>
+        <p:nvSpPr>
+          <p:cNvPr id="4" name="TextBox 3">
+            <a:extLst>
+              <a:ext uri="{FF2B5EF4-FFF2-40B4-BE49-F238E27FC236}">
+                <a16:creationId xmlns:a16="http://schemas.microsoft.com/office/drawing/2014/main" id="{CC0F3D11-B31A-4DEE-BB5C-830CF453B203}"/>
+              </a:ext>
+            </a:extLst>
+          </p:cNvPr>
+          <p:cNvSpPr txBox="1"/>
           <p:nvPr/>
-        </p:nvPicPr>
-        <p:blipFill>
-          <a:blip r:embed="rId2">
-            <a:extLst>
-              <a:ext uri="{28A0092B-C50C-407E-A947-70E740481C1C}">
-                <a14:useLocalDpi xmlns:a14="http://schemas.microsoft.com/office/drawing/2010/main" val="0"/>
-              </a:ext>
-            </a:extLst>
-          </a:blip>
-          <a:stretch>
-            <a:fillRect/>
-          </a:stretch>
-        </p:blipFill>
+        </p:nvSpPr>
         <p:spPr>
           <a:xfrm>
-            <a:off x="4207933" y="514350"/>
-            <a:ext cx="7347537" cy="5615357"/>
+            <a:off x="1295400" y="2633197"/>
+            <a:ext cx="10176933" cy="1477328"/>
           </a:xfrm>
           <a:prstGeom prst="rect">
             <a:avLst/>
           </a:prstGeom>
+          <a:noFill/>
         </p:spPr>
-      </p:pic>
-      <p:sp>
-        <p:nvSpPr>
-          <p:cNvPr id="2" name="Title 1">
-            <a:extLst>
-              <a:ext uri="{FF2B5EF4-FFF2-40B4-BE49-F238E27FC236}">
-                <a16:creationId xmlns:a16="http://schemas.microsoft.com/office/drawing/2014/main" id="{321BD476-3DEA-4A52-9D58-EBADD7DA3A09}"/>
-              </a:ext>
-            </a:extLst>
-          </p:cNvPr>
-          <p:cNvSpPr>
-            <a:spLocks noGrp="1"/>
-          </p:cNvSpPr>
-          <p:nvPr>
-            <p:ph type="title"/>
-          </p:nvPr>
-        </p:nvSpPr>
-        <p:spPr>
-          <a:xfrm>
-            <a:off x="838200" y="171162"/>
-            <a:ext cx="2840182" cy="2371148"/>
-          </a:xfrm>
-        </p:spPr>
-        <p:txBody>
-          <a:bodyPr vert="horz" lIns="91440" tIns="45720" rIns="91440" bIns="45720" rtlCol="0" anchor="ctr">
-            <a:normAutofit/>
+        <p:txBody>
+          <a:bodyPr wrap="square" rtlCol="0">
+            <a:spAutoFit/>
           </a:bodyPr>
           <a:lstStyle/>
           <a:p>
-            <a:r>
-              <a:rPr lang="en-US" sz="3200" kern="1200" dirty="0">
-                <a:solidFill>
-                  <a:srgbClr val="FFFFFF"/>
-                </a:solidFill>
-                <a:latin typeface="+mj-lt"/>
-                <a:ea typeface="+mj-ea"/>
-                <a:cs typeface="+mj-cs"/>
-              </a:rPr>
-              <a:t>Histogram</a:t>
-            </a:r>
+            <a:pPr marL="285750" indent="-285750">
+              <a:buFont typeface="Arial" panose="020B0604020202020204" pitchFamily="34" charset="0"/>
+              <a:buChar char="•"/>
+            </a:pPr>
+            <a:r>
+              <a:rPr lang="en-US" dirty="0"/>
+              <a:t>The dataset contains 1460 observations in the training set and 1459 observations in the test set. </a:t>
+            </a:r>
+          </a:p>
+          <a:p>
+            <a:pPr marL="285750" indent="-285750">
+              <a:buFont typeface="Arial" panose="020B0604020202020204" pitchFamily="34" charset="0"/>
+              <a:buChar char="•"/>
+            </a:pPr>
+            <a:r>
+              <a:rPr lang="en-US" dirty="0"/>
+              <a:t>There are 46 categorical variables including 23 nominal and 23 ordinal ones, and 33 numeric variables in the dataset. </a:t>
+            </a:r>
+          </a:p>
+          <a:p>
+            <a:pPr marL="285750" indent="-285750">
+              <a:buFont typeface="Arial" panose="020B0604020202020204" pitchFamily="34" charset="0"/>
+              <a:buChar char="•"/>
+            </a:pPr>
+            <a:r>
+              <a:rPr lang="en-US" dirty="0"/>
+              <a:t>The training set has the sale price as response while the test set doesn’t.</a:t>
+            </a:r>
+          </a:p>
+          <a:p>
+            <a:endParaRPr lang="en-US" dirty="0"/>
           </a:p>
         </p:txBody>
       </p:sp>
     </p:spTree>
     <p:extLst>
       <p:ext uri="{BB962C8B-B14F-4D97-AF65-F5344CB8AC3E}">
-        <p14:creationId xmlns:p14="http://schemas.microsoft.com/office/powerpoint/2010/main" val="470144477"/>
+        <p14:creationId xmlns:p14="http://schemas.microsoft.com/office/powerpoint/2010/main" val="2092906711"/>
       </p:ext>
     </p:extLst>
   </p:cSld>
@@ -4306,7 +6763,111 @@
 </p:sld>
 </file>
 
-<file path=ppt/slides/slide4.xml><?xml version="1.0" encoding="utf-8"?>
+<file path=ppt/slides/slide6.xml><?xml version="1.0" encoding="utf-8"?>
+<p:sld xmlns:a="http://schemas.openxmlformats.org/drawingml/2006/main" xmlns:r="http://schemas.openxmlformats.org/officeDocument/2006/relationships" xmlns:p="http://schemas.openxmlformats.org/presentationml/2006/main">
+  <p:cSld>
+    <p:spTree>
+      <p:nvGrpSpPr>
+        <p:cNvPr id="1" name=""/>
+        <p:cNvGrpSpPr/>
+        <p:nvPr/>
+      </p:nvGrpSpPr>
+      <p:grpSpPr>
+        <a:xfrm>
+          <a:off x="0" y="0"/>
+          <a:ext cx="0" cy="0"/>
+          <a:chOff x="0" y="0"/>
+          <a:chExt cx="0" cy="0"/>
+        </a:xfrm>
+      </p:grpSpPr>
+      <p:sp>
+        <p:nvSpPr>
+          <p:cNvPr id="2" name="Title 1">
+            <a:extLst>
+              <a:ext uri="{FF2B5EF4-FFF2-40B4-BE49-F238E27FC236}">
+                <a16:creationId xmlns:a16="http://schemas.microsoft.com/office/drawing/2014/main" id="{94D1C4B0-CD8D-4273-AE80-7755E21858BF}"/>
+              </a:ext>
+            </a:extLst>
+          </p:cNvPr>
+          <p:cNvSpPr>
+            <a:spLocks noGrp="1"/>
+          </p:cNvSpPr>
+          <p:nvPr>
+            <p:ph type="title"/>
+          </p:nvPr>
+        </p:nvSpPr>
+        <p:spPr>
+          <a:xfrm>
+            <a:off x="139700" y="136525"/>
+            <a:ext cx="8788400" cy="511175"/>
+          </a:xfrm>
+        </p:spPr>
+        <p:txBody>
+          <a:bodyPr>
+            <a:normAutofit/>
+          </a:bodyPr>
+          <a:lstStyle/>
+          <a:p>
+            <a:r>
+              <a:rPr lang="en-US" sz="2800" b="1" dirty="0">
+                <a:solidFill>
+                  <a:srgbClr val="0070C0"/>
+                </a:solidFill>
+              </a:rPr>
+              <a:t>Univariate Analysis</a:t>
+            </a:r>
+          </a:p>
+        </p:txBody>
+      </p:sp>
+      <p:pic>
+        <p:nvPicPr>
+          <p:cNvPr id="5" name="Content Placeholder 4" descr="A train window with a large screen&#10;&#10;Description generated with high confidence">
+            <a:extLst>
+              <a:ext uri="{FF2B5EF4-FFF2-40B4-BE49-F238E27FC236}">
+                <a16:creationId xmlns:a16="http://schemas.microsoft.com/office/drawing/2014/main" id="{EDBBBAFC-B99B-4564-924E-2545FB4166E9}"/>
+              </a:ext>
+            </a:extLst>
+          </p:cNvPr>
+          <p:cNvPicPr>
+            <a:picLocks noGrp="1" noChangeAspect="1"/>
+          </p:cNvPicPr>
+          <p:nvPr>
+            <p:ph idx="1"/>
+          </p:nvPr>
+        </p:nvPicPr>
+        <p:blipFill>
+          <a:blip r:embed="rId2">
+            <a:extLst>
+              <a:ext uri="{28A0092B-C50C-407E-A947-70E740481C1C}">
+                <a14:useLocalDpi xmlns:a14="http://schemas.microsoft.com/office/drawing/2010/main" val="0"/>
+              </a:ext>
+            </a:extLst>
+          </a:blip>
+          <a:stretch>
+            <a:fillRect/>
+          </a:stretch>
+        </p:blipFill>
+        <p:spPr>
+          <a:xfrm>
+            <a:off x="1875563" y="723900"/>
+            <a:ext cx="7640773" cy="5619750"/>
+          </a:xfrm>
+        </p:spPr>
+      </p:pic>
+    </p:spTree>
+    <p:extLst>
+      <p:ext uri="{BB962C8B-B14F-4D97-AF65-F5344CB8AC3E}">
+        <p14:creationId xmlns:p14="http://schemas.microsoft.com/office/powerpoint/2010/main" val="2882788402"/>
+      </p:ext>
+    </p:extLst>
+  </p:cSld>
+  <p:clrMapOvr>
+    <a:masterClrMapping/>
+  </p:clrMapOvr>
+</p:sld>
+</file>
+
+<file path=ppt/slides/slide7.xml><?xml version="1.0" encoding="utf-8"?>
 <p:sld xmlns:a="http://schemas.openxmlformats.org/drawingml/2006/main" xmlns:r="http://schemas.openxmlformats.org/officeDocument/2006/relationships" xmlns:p="http://schemas.openxmlformats.org/presentationml/2006/main" showMasterSp="0">
   <p:cSld>
     <p:bg>
@@ -4459,70 +7020,38 @@
         </p:blipFill>
         <p:spPr>
           <a:xfrm>
-            <a:off x="7829551" y="306910"/>
-            <a:ext cx="4042409" cy="1863092"/>
+            <a:off x="7829551" y="306909"/>
+            <a:ext cx="4042409" cy="1863093"/>
           </a:xfrm>
           <a:prstGeom prst="rect">
             <a:avLst/>
           </a:prstGeom>
         </p:spPr>
       </p:pic>
-      <p:pic>
-        <p:nvPicPr>
-          <p:cNvPr id="16" name="Picture 15">
-            <a:extLst>
-              <a:ext uri="{FF2B5EF4-FFF2-40B4-BE49-F238E27FC236}">
-                <a16:creationId xmlns:a16="http://schemas.microsoft.com/office/drawing/2014/main" id="{D3A10A10-4091-4E94-808B-C5AB2ABB6DF1}"/>
-              </a:ext>
-            </a:extLst>
-          </p:cNvPr>
-          <p:cNvPicPr>
-            <a:picLocks noChangeAspect="1"/>
-          </p:cNvPicPr>
-          <p:nvPr/>
-        </p:nvPicPr>
-        <p:blipFill rotWithShape="1">
-          <a:blip r:embed="rId4">
-            <a:extLst>
-              <a:ext uri="{28A0092B-C50C-407E-A947-70E740481C1C}">
-                <a14:useLocalDpi xmlns:a14="http://schemas.microsoft.com/office/drawing/2010/main" val="0"/>
-              </a:ext>
-            </a:extLst>
-          </a:blip>
-          <a:srcRect t="16638" r="-9" b="5394"/>
-          <a:stretch/>
-        </p:blipFill>
+      <p:sp>
+        <p:nvSpPr>
+          <p:cNvPr id="2" name="Title 1">
+            <a:extLst>
+              <a:ext uri="{FF2B5EF4-FFF2-40B4-BE49-F238E27FC236}">
+                <a16:creationId xmlns:a16="http://schemas.microsoft.com/office/drawing/2014/main" id="{BD38A6AD-BF75-4389-9A42-7300E6B473AD}"/>
+              </a:ext>
+            </a:extLst>
+          </p:cNvPr>
+          <p:cNvSpPr>
+            <a:spLocks noGrp="1"/>
+          </p:cNvSpPr>
+          <p:nvPr>
+            <p:ph type="title"/>
+          </p:nvPr>
+        </p:nvSpPr>
         <p:spPr>
           <a:xfrm>
-            <a:off x="7829551" y="4354824"/>
-            <a:ext cx="4042409" cy="1895153"/>
+            <a:off x="660400" y="419101"/>
+            <a:ext cx="6714066" cy="457200"/>
           </a:xfrm>
-          <a:prstGeom prst="rect">
-            <a:avLst/>
-          </a:prstGeom>
-        </p:spPr>
-      </p:pic>
-      <p:sp>
-        <p:nvSpPr>
-          <p:cNvPr id="2" name="Title 1">
-            <a:extLst>
-              <a:ext uri="{FF2B5EF4-FFF2-40B4-BE49-F238E27FC236}">
-                <a16:creationId xmlns:a16="http://schemas.microsoft.com/office/drawing/2014/main" id="{BD38A6AD-BF75-4389-9A42-7300E6B473AD}"/>
-              </a:ext>
-            </a:extLst>
-          </p:cNvPr>
-          <p:cNvSpPr>
-            <a:spLocks noGrp="1"/>
-          </p:cNvSpPr>
-          <p:nvPr>
-            <p:ph type="title"/>
-          </p:nvPr>
-        </p:nvSpPr>
-        <p:spPr>
-          <a:xfrm>
-            <a:off x="821516" y="640263"/>
-            <a:ext cx="6204984" cy="1344975"/>
-          </a:xfrm>
+          <a:solidFill>
+            <a:schemeClr val="bg1"/>
+          </a:solidFill>
         </p:spPr>
         <p:txBody>
           <a:bodyPr vert="horz" lIns="91440" tIns="45720" rIns="91440" bIns="45720" rtlCol="0" anchor="ctr">
@@ -4531,7 +7060,7 @@
           <a:lstStyle/>
           <a:p>
             <a:r>
-              <a:rPr lang="en-US" sz="4000" kern="1200">
+              <a:rPr lang="en-US" sz="2000" b="1" kern="1200" dirty="0">
                 <a:solidFill>
                   <a:schemeClr val="tx1"/>
                 </a:solidFill>
@@ -4561,7 +7090,7 @@
           </p:nvPr>
         </p:nvPicPr>
         <p:blipFill>
-          <a:blip r:embed="rId5">
+          <a:blip r:embed="rId4">
             <a:extLst>
               <a:ext uri="{28A0092B-C50C-407E-A947-70E740481C1C}">
                 <a14:useLocalDpi xmlns:a14="http://schemas.microsoft.com/office/drawing/2010/main" val="0"/>
@@ -4574,9 +7103,88 @@
         </p:blipFill>
         <p:spPr>
           <a:xfrm>
-            <a:off x="908780" y="2122488"/>
-            <a:ext cx="6029452" cy="3625850"/>
+            <a:off x="660400" y="2330867"/>
+            <a:ext cx="6714066" cy="3625850"/>
           </a:xfrm>
+        </p:spPr>
+      </p:pic>
+      <p:sp>
+        <p:nvSpPr>
+          <p:cNvPr id="4" name="TextBox 3">
+            <a:extLst>
+              <a:ext uri="{FF2B5EF4-FFF2-40B4-BE49-F238E27FC236}">
+                <a16:creationId xmlns:a16="http://schemas.microsoft.com/office/drawing/2014/main" id="{D780868B-98DB-4B1C-972B-1B62261E4905}"/>
+              </a:ext>
+            </a:extLst>
+          </p:cNvPr>
+          <p:cNvSpPr txBox="1"/>
+          <p:nvPr/>
+        </p:nvSpPr>
+        <p:spPr>
+          <a:xfrm>
+            <a:off x="660400" y="933450"/>
+            <a:ext cx="6714066" cy="1200329"/>
+          </a:xfrm>
+          <a:prstGeom prst="rect">
+            <a:avLst/>
+          </a:prstGeom>
+          <a:solidFill>
+            <a:schemeClr val="bg1"/>
+          </a:solidFill>
+        </p:spPr>
+        <p:txBody>
+          <a:bodyPr wrap="square" rtlCol="0">
+            <a:spAutoFit/>
+          </a:bodyPr>
+          <a:lstStyle/>
+          <a:p>
+            <a:r>
+              <a:rPr lang="en-US" dirty="0"/>
+              <a:t>They show consistency with our common sense that neighborhood, zoning, house quality and facility might distinguish the house value.</a:t>
+            </a:r>
+          </a:p>
+          <a:p>
+            <a:endParaRPr lang="en-US" dirty="0"/>
+          </a:p>
+          <a:p>
+            <a:endParaRPr lang="en-US" dirty="0"/>
+          </a:p>
+        </p:txBody>
+      </p:sp>
+      <p:pic>
+        <p:nvPicPr>
+          <p:cNvPr id="6" name="Picture 5">
+            <a:extLst>
+              <a:ext uri="{FF2B5EF4-FFF2-40B4-BE49-F238E27FC236}">
+                <a16:creationId xmlns:a16="http://schemas.microsoft.com/office/drawing/2014/main" id="{08A2B321-BA8C-4A4B-91AA-BB56FF898896}"/>
+              </a:ext>
+            </a:extLst>
+          </p:cNvPr>
+          <p:cNvPicPr>
+            <a:picLocks noChangeAspect="1"/>
+          </p:cNvPicPr>
+          <p:nvPr/>
+        </p:nvPicPr>
+        <p:blipFill>
+          <a:blip r:embed="rId5">
+            <a:extLst>
+              <a:ext uri="{28A0092B-C50C-407E-A947-70E740481C1C}">
+                <a14:useLocalDpi xmlns:a14="http://schemas.microsoft.com/office/drawing/2010/main" val="0"/>
+              </a:ext>
+            </a:extLst>
+          </a:blip>
+          <a:stretch>
+            <a:fillRect/>
+          </a:stretch>
+        </p:blipFill>
+        <p:spPr>
+          <a:xfrm>
+            <a:off x="7829550" y="4298950"/>
+            <a:ext cx="4042409" cy="2330867"/>
+          </a:xfrm>
+          <a:prstGeom prst="rect">
+            <a:avLst/>
+          </a:prstGeom>
         </p:spPr>
       </p:pic>
     </p:spTree>
@@ -4592,7 +7200,7 @@
 </p:sld>
 </file>
 
-<file path=ppt/slides/slide5.xml><?xml version="1.0" encoding="utf-8"?>
+<file path=ppt/slides/slide8.xml><?xml version="1.0" encoding="utf-8"?>
 <p:sld xmlns:a="http://schemas.openxmlformats.org/drawingml/2006/main" xmlns:r="http://schemas.openxmlformats.org/officeDocument/2006/relationships" xmlns:p="http://schemas.openxmlformats.org/presentationml/2006/main">
   <p:cSld>
     <p:spTree>
@@ -4633,13 +7241,17 @@
         </p:spPr>
         <p:txBody>
           <a:bodyPr>
-            <a:normAutofit fontScale="90000"/>
+            <a:noAutofit/>
           </a:bodyPr>
           <a:lstStyle/>
           <a:p>
             <a:r>
-              <a:rPr lang="en-US" dirty="0"/>
-              <a:t>Price Dispersion - Joint Plots</a:t>
+              <a:rPr lang="en-US" sz="3200" b="1" dirty="0">
+                <a:solidFill>
+                  <a:srgbClr val="0070C0"/>
+                </a:solidFill>
+              </a:rPr>
+              <a:t>Overall Quality &amp; Garage</a:t>
             </a:r>
           </a:p>
         </p:txBody>
@@ -4727,7 +7339,7 @@
 </p:sld>
 </file>
 
-<file path=ppt/slides/slide6.xml><?xml version="1.0" encoding="utf-8"?>
+<file path=ppt/slides/slide9.xml><?xml version="1.0" encoding="utf-8"?>
 <p:sld xmlns:a="http://schemas.openxmlformats.org/drawingml/2006/main" xmlns:r="http://schemas.openxmlformats.org/officeDocument/2006/relationships" xmlns:p="http://schemas.openxmlformats.org/presentationml/2006/main">
   <p:cSld>
     <p:bg>
@@ -4980,7 +7592,7 @@
         </p:blipFill>
         <p:spPr>
           <a:xfrm>
-            <a:off x="1309652" y="640080"/>
+            <a:off x="7304714" y="729457"/>
             <a:ext cx="3637392" cy="3291840"/>
           </a:xfrm>
           <a:prstGeom prst="rect">
@@ -5018,7 +7630,7 @@
         </p:blipFill>
         <p:spPr>
           <a:xfrm>
-            <a:off x="7158735" y="640080"/>
+            <a:off x="1129195" y="675372"/>
             <a:ext cx="3805595" cy="3291840"/>
           </a:xfrm>
           <a:prstGeom prst="rect">
@@ -5056,7 +7668,11 @@
           <a:p>
             <a:pPr algn="ctr"/>
             <a:r>
-              <a:rPr lang="en-US" sz="6000" b="1" dirty="0"/>
+              <a:rPr lang="en-US" sz="4000" b="1" dirty="0">
+                <a:solidFill>
+                  <a:srgbClr val="0070C0"/>
+                </a:solidFill>
+              </a:rPr>
               <a:t>Log(Sale Price)</a:t>
             </a:r>
           </a:p>
@@ -5066,311 +7682,6 @@
     <p:extLst>
       <p:ext uri="{BB962C8B-B14F-4D97-AF65-F5344CB8AC3E}">
         <p14:creationId xmlns:p14="http://schemas.microsoft.com/office/powerpoint/2010/main" val="1294185089"/>
-      </p:ext>
-    </p:extLst>
-  </p:cSld>
-  <p:clrMapOvr>
-    <a:masterClrMapping/>
-  </p:clrMapOvr>
-</p:sld>
-</file>
-
-<file path=ppt/slides/slide7.xml><?xml version="1.0" encoding="utf-8"?>
-<p:sld xmlns:a="http://schemas.openxmlformats.org/drawingml/2006/main" xmlns:r="http://schemas.openxmlformats.org/officeDocument/2006/relationships" xmlns:p="http://schemas.openxmlformats.org/presentationml/2006/main">
-  <p:cSld>
-    <p:bg>
-      <p:bgPr>
-        <a:solidFill>
-          <a:schemeClr val="bg1"/>
-        </a:solidFill>
-        <a:effectLst/>
-      </p:bgPr>
-    </p:bg>
-    <p:spTree>
-      <p:nvGrpSpPr>
-        <p:cNvPr id="1" name=""/>
-        <p:cNvGrpSpPr/>
-        <p:nvPr/>
-      </p:nvGrpSpPr>
-      <p:grpSpPr>
-        <a:xfrm>
-          <a:off x="0" y="0"/>
-          <a:ext cx="0" cy="0"/>
-          <a:chOff x="0" y="0"/>
-          <a:chExt cx="0" cy="0"/>
-        </a:xfrm>
-      </p:grpSpPr>
-      <p:pic>
-        <p:nvPicPr>
-          <p:cNvPr id="8" name="Content Placeholder 4" descr="A screen shot of a cage&#10;&#10;Description generated with high confidence">
-            <a:extLst>
-              <a:ext uri="{FF2B5EF4-FFF2-40B4-BE49-F238E27FC236}">
-                <a16:creationId xmlns:a16="http://schemas.microsoft.com/office/drawing/2014/main" id="{122A07F5-8B0B-4A99-9EF9-43F47FBB23F5}"/>
-              </a:ext>
-            </a:extLst>
-          </p:cNvPr>
-          <p:cNvPicPr>
-            <a:picLocks noChangeAspect="1"/>
-          </p:cNvPicPr>
-          <p:nvPr/>
-        </p:nvPicPr>
-        <p:blipFill rotWithShape="1">
-          <a:blip r:embed="rId2">
-            <a:extLst>
-              <a:ext uri="{28A0092B-C50C-407E-A947-70E740481C1C}">
-                <a14:useLocalDpi xmlns:a14="http://schemas.microsoft.com/office/drawing/2010/main" val="0"/>
-              </a:ext>
-            </a:extLst>
-          </a:blip>
-          <a:srcRect r="-3" b="3708"/>
-          <a:stretch/>
-        </p:blipFill>
-        <p:spPr>
-          <a:xfrm>
-            <a:off x="4639056" y="10"/>
-            <a:ext cx="7552944" cy="6857990"/>
-          </a:xfrm>
-          <a:prstGeom prst="rect">
-            <a:avLst/>
-          </a:prstGeom>
-          <a:effectLst/>
-        </p:spPr>
-      </p:pic>
-      <p:sp>
-        <p:nvSpPr>
-          <p:cNvPr id="2" name="Title 1">
-            <a:extLst>
-              <a:ext uri="{FF2B5EF4-FFF2-40B4-BE49-F238E27FC236}">
-                <a16:creationId xmlns:a16="http://schemas.microsoft.com/office/drawing/2014/main" id="{BE0ADD0F-3210-44C1-B44C-277EEC38C81B}"/>
-              </a:ext>
-            </a:extLst>
-          </p:cNvPr>
-          <p:cNvSpPr>
-            <a:spLocks noGrp="1"/>
-          </p:cNvSpPr>
-          <p:nvPr>
-            <p:ph type="title"/>
-          </p:nvPr>
-        </p:nvSpPr>
-        <p:spPr>
-          <a:xfrm>
-            <a:off x="648929" y="629266"/>
-            <a:ext cx="3651467" cy="1676603"/>
-          </a:xfrm>
-        </p:spPr>
-        <p:txBody>
-          <a:bodyPr>
-            <a:normAutofit/>
-          </a:bodyPr>
-          <a:lstStyle/>
-          <a:p>
-            <a:endParaRPr lang="en-US" dirty="0"/>
-          </a:p>
-        </p:txBody>
-      </p:sp>
-      <p:sp>
-        <p:nvSpPr>
-          <p:cNvPr id="10" name="Content Placeholder 9"/>
-          <p:cNvSpPr>
-            <a:spLocks noGrp="1"/>
-          </p:cNvSpPr>
-          <p:nvPr>
-            <p:ph idx="1"/>
-          </p:nvPr>
-        </p:nvSpPr>
-        <p:spPr>
-          <a:xfrm>
-            <a:off x="648931" y="2438400"/>
-            <a:ext cx="3651466" cy="3785419"/>
-          </a:xfrm>
-        </p:spPr>
-        <p:txBody>
-          <a:bodyPr>
-            <a:normAutofit/>
-          </a:bodyPr>
-          <a:lstStyle/>
-          <a:p>
-            <a:endParaRPr lang="en-US" sz="1800"/>
-          </a:p>
-        </p:txBody>
-      </p:sp>
-    </p:spTree>
-    <p:extLst>
-      <p:ext uri="{BB962C8B-B14F-4D97-AF65-F5344CB8AC3E}">
-        <p14:creationId xmlns:p14="http://schemas.microsoft.com/office/powerpoint/2010/main" val="565979046"/>
-      </p:ext>
-    </p:extLst>
-  </p:cSld>
-  <p:clrMapOvr>
-    <a:masterClrMapping/>
-  </p:clrMapOvr>
-</p:sld>
-</file>
-
-<file path=ppt/slides/slide8.xml><?xml version="1.0" encoding="utf-8"?>
-<p:sld xmlns:a="http://schemas.openxmlformats.org/drawingml/2006/main" xmlns:r="http://schemas.openxmlformats.org/officeDocument/2006/relationships" xmlns:p="http://schemas.openxmlformats.org/presentationml/2006/main">
-  <p:cSld>
-    <p:bg>
-      <p:bgPr>
-        <a:solidFill>
-          <a:schemeClr val="bg1"/>
-        </a:solidFill>
-        <a:effectLst/>
-      </p:bgPr>
-    </p:bg>
-    <p:spTree>
-      <p:nvGrpSpPr>
-        <p:cNvPr id="1" name=""/>
-        <p:cNvGrpSpPr/>
-        <p:nvPr/>
-      </p:nvGrpSpPr>
-      <p:grpSpPr>
-        <a:xfrm>
-          <a:off x="0" y="0"/>
-          <a:ext cx="0" cy="0"/>
-          <a:chOff x="0" y="0"/>
-          <a:chExt cx="0" cy="0"/>
-        </a:xfrm>
-      </p:grpSpPr>
-      <p:sp>
-        <p:nvSpPr>
-          <p:cNvPr id="2" name="Title 1">
-            <a:extLst>
-              <a:ext uri="{FF2B5EF4-FFF2-40B4-BE49-F238E27FC236}">
-                <a16:creationId xmlns:a16="http://schemas.microsoft.com/office/drawing/2014/main" id="{1A08BABF-A34D-4F9D-8649-2DF544A5B063}"/>
-              </a:ext>
-            </a:extLst>
-          </p:cNvPr>
-          <p:cNvSpPr>
-            <a:spLocks noGrp="1"/>
-          </p:cNvSpPr>
-          <p:nvPr>
-            <p:ph type="title"/>
-          </p:nvPr>
-        </p:nvSpPr>
-        <p:spPr>
-          <a:xfrm>
-            <a:off x="965201" y="643467"/>
-            <a:ext cx="10029901" cy="5054008"/>
-          </a:xfrm>
-        </p:spPr>
-        <p:txBody>
-          <a:bodyPr vert="horz" lIns="91440" tIns="45720" rIns="91440" bIns="45720" rtlCol="0" anchor="ctr">
-            <a:normAutofit/>
-          </a:bodyPr>
-          <a:lstStyle/>
-          <a:p>
-            <a:r>
-              <a:rPr lang="en-US" sz="6600" b="1" dirty="0"/>
-              <a:t>Missingness &amp; Imputations</a:t>
-            </a:r>
-          </a:p>
-        </p:txBody>
-      </p:sp>
-    </p:spTree>
-    <p:extLst>
-      <p:ext uri="{BB962C8B-B14F-4D97-AF65-F5344CB8AC3E}">
-        <p14:creationId xmlns:p14="http://schemas.microsoft.com/office/powerpoint/2010/main" val="3020018997"/>
-      </p:ext>
-    </p:extLst>
-  </p:cSld>
-  <p:clrMapOvr>
-    <a:masterClrMapping/>
-  </p:clrMapOvr>
-</p:sld>
-</file>
-
-<file path=ppt/slides/slide9.xml><?xml version="1.0" encoding="utf-8"?>
-<p:sld xmlns:a="http://schemas.openxmlformats.org/drawingml/2006/main" xmlns:r="http://schemas.openxmlformats.org/officeDocument/2006/relationships" xmlns:p="http://schemas.openxmlformats.org/presentationml/2006/main">
-  <p:cSld>
-    <p:spTree>
-      <p:nvGrpSpPr>
-        <p:cNvPr id="1" name=""/>
-        <p:cNvGrpSpPr/>
-        <p:nvPr/>
-      </p:nvGrpSpPr>
-      <p:grpSpPr>
-        <a:xfrm>
-          <a:off x="0" y="0"/>
-          <a:ext cx="0" cy="0"/>
-          <a:chOff x="0" y="0"/>
-          <a:chExt cx="0" cy="0"/>
-        </a:xfrm>
-      </p:grpSpPr>
-      <p:sp>
-        <p:nvSpPr>
-          <p:cNvPr id="2" name="Title 1">
-            <a:extLst>
-              <a:ext uri="{FF2B5EF4-FFF2-40B4-BE49-F238E27FC236}">
-                <a16:creationId xmlns:a16="http://schemas.microsoft.com/office/drawing/2014/main" id="{D24D10A2-CB39-4524-897C-8B17689D7708}"/>
-              </a:ext>
-            </a:extLst>
-          </p:cNvPr>
-          <p:cNvSpPr>
-            <a:spLocks noGrp="1"/>
-          </p:cNvSpPr>
-          <p:nvPr>
-            <p:ph type="title"/>
-          </p:nvPr>
-        </p:nvSpPr>
-        <p:spPr>
-          <a:xfrm>
-            <a:off x="838200" y="365126"/>
-            <a:ext cx="10515600" cy="482368"/>
-          </a:xfrm>
-        </p:spPr>
-        <p:txBody>
-          <a:bodyPr>
-            <a:normAutofit fontScale="90000"/>
-          </a:bodyPr>
-          <a:lstStyle/>
-          <a:p>
-            <a:r>
-              <a:rPr lang="en-US" dirty="0"/>
-              <a:t>Mice Plot – Missing Values</a:t>
-            </a:r>
-          </a:p>
-        </p:txBody>
-      </p:sp>
-      <p:pic>
-        <p:nvPicPr>
-          <p:cNvPr id="5" name="Content Placeholder 4" descr="A screenshot of a video game&#10;&#10;Description generated with high confidence">
-            <a:extLst>
-              <a:ext uri="{FF2B5EF4-FFF2-40B4-BE49-F238E27FC236}">
-                <a16:creationId xmlns:a16="http://schemas.microsoft.com/office/drawing/2014/main" id="{D9AC2F1D-9D38-424A-81EA-EA199A1CA369}"/>
-              </a:ext>
-            </a:extLst>
-          </p:cNvPr>
-          <p:cNvPicPr>
-            <a:picLocks noGrp="1" noChangeAspect="1"/>
-          </p:cNvPicPr>
-          <p:nvPr>
-            <p:ph idx="1"/>
-          </p:nvPr>
-        </p:nvPicPr>
-        <p:blipFill>
-          <a:blip r:embed="rId2">
-            <a:extLst>
-              <a:ext uri="{28A0092B-C50C-407E-A947-70E740481C1C}">
-                <a14:useLocalDpi xmlns:a14="http://schemas.microsoft.com/office/drawing/2010/main" val="0"/>
-              </a:ext>
-            </a:extLst>
-          </a:blip>
-          <a:stretch>
-            <a:fillRect/>
-          </a:stretch>
-        </p:blipFill>
-        <p:spPr>
-          <a:xfrm>
-            <a:off x="778934" y="1103972"/>
-            <a:ext cx="9761358" cy="5072992"/>
-          </a:xfrm>
-        </p:spPr>
-      </p:pic>
-    </p:spTree>
-    <p:extLst>
-      <p:ext uri="{BB962C8B-B14F-4D97-AF65-F5344CB8AC3E}">
-        <p14:creationId xmlns:p14="http://schemas.microsoft.com/office/powerpoint/2010/main" val="2860511081"/>
       </p:ext>
     </p:extLst>
   </p:cSld>

--- a/HousingPricesPresentations.pptx
+++ b/HousingPricesPresentations.pptx
@@ -5,7 +5,7 @@
     <p:sldMasterId id="2147483732" r:id="rId1"/>
   </p:sldMasterIdLst>
   <p:notesMasterIdLst>
-    <p:notesMasterId r:id="rId21"/>
+    <p:notesMasterId r:id="rId22"/>
   </p:notesMasterIdLst>
   <p:sldIdLst>
     <p:sldId id="256" r:id="rId2"/>
@@ -21,12 +21,13 @@
     <p:sldId id="262" r:id="rId12"/>
     <p:sldId id="268" r:id="rId13"/>
     <p:sldId id="264" r:id="rId14"/>
-    <p:sldId id="269" r:id="rId15"/>
-    <p:sldId id="277" r:id="rId16"/>
-    <p:sldId id="280" r:id="rId17"/>
-    <p:sldId id="278" r:id="rId18"/>
-    <p:sldId id="276" r:id="rId19"/>
-    <p:sldId id="282" r:id="rId20"/>
+    <p:sldId id="283" r:id="rId15"/>
+    <p:sldId id="269" r:id="rId16"/>
+    <p:sldId id="277" r:id="rId17"/>
+    <p:sldId id="280" r:id="rId18"/>
+    <p:sldId id="278" r:id="rId19"/>
+    <p:sldId id="276" r:id="rId20"/>
+    <p:sldId id="282" r:id="rId21"/>
   </p:sldIdLst>
   <p:sldSz cx="12192000" cy="6858000"/>
   <p:notesSz cx="6858000" cy="9144000"/>
@@ -3761,8 +3762,8 @@
         </p:nvSpPr>
         <p:spPr>
           <a:xfrm>
-            <a:off x="7450667" y="640081"/>
-            <a:ext cx="4101251" cy="3708895"/>
+            <a:off x="7450665" y="1954531"/>
+            <a:ext cx="4101251" cy="1035051"/>
           </a:xfrm>
           <a:noFill/>
         </p:spPr>
@@ -3780,7 +3781,7 @@
                 </a:solidFill>
                 <a:latin typeface="Georgia" panose="02040502050405020303" pitchFamily="18" charset="0"/>
               </a:rPr>
-              <a:t>House Prices</a:t>
+              <a:t>Hou$e Price$</a:t>
             </a:r>
           </a:p>
         </p:txBody>
@@ -3803,8 +3804,8 @@
         </p:nvSpPr>
         <p:spPr>
           <a:xfrm>
-            <a:off x="7534656" y="4571999"/>
-            <a:ext cx="4017263" cy="1645921"/>
+            <a:off x="7492660" y="3384549"/>
+            <a:ext cx="4017263" cy="1035051"/>
           </a:xfrm>
           <a:noFill/>
         </p:spPr>
@@ -3827,7 +3828,7 @@
                   <a:srgbClr val="0070C0"/>
                 </a:solidFill>
               </a:rPr>
-              <a:t>Gradient Descendants </a:t>
+              <a:t>Gradient De$cendant$ </a:t>
             </a:r>
             <a:endParaRPr lang="en-US" sz="2000" b="1" dirty="0">
               <a:solidFill>
@@ -4693,12 +4694,16 @@
         </p:spPr>
         <p:txBody>
           <a:bodyPr>
-            <a:normAutofit fontScale="90000"/>
+            <a:noAutofit/>
           </a:bodyPr>
           <a:lstStyle/>
           <a:p>
             <a:r>
-              <a:rPr lang="en-US" dirty="0"/>
+              <a:rPr lang="en-US" sz="2800" b="1" dirty="0">
+                <a:solidFill>
+                  <a:srgbClr val="0070C0"/>
+                </a:solidFill>
+              </a:rPr>
               <a:t>Missing Values</a:t>
             </a:r>
           </a:p>
@@ -4706,10 +4711,10 @@
       </p:sp>
       <p:pic>
         <p:nvPicPr>
-          <p:cNvPr id="5" name="Content Placeholder 4" descr="A screenshot of a video game&#10;&#10;Description generated with high confidence">
-            <a:extLst>
-              <a:ext uri="{FF2B5EF4-FFF2-40B4-BE49-F238E27FC236}">
-                <a16:creationId xmlns:a16="http://schemas.microsoft.com/office/drawing/2014/main" id="{D9AC2F1D-9D38-424A-81EA-EA199A1CA369}"/>
+          <p:cNvPr id="6" name="Content Placeholder 5">
+            <a:extLst>
+              <a:ext uri="{FF2B5EF4-FFF2-40B4-BE49-F238E27FC236}">
+                <a16:creationId xmlns:a16="http://schemas.microsoft.com/office/drawing/2014/main" id="{A52B9559-BB9B-486F-8CE2-B9ED5EDD7C09}"/>
               </a:ext>
             </a:extLst>
           </p:cNvPr>
@@ -4721,22 +4726,19 @@
           </p:nvPr>
         </p:nvPicPr>
         <p:blipFill>
-          <a:blip r:embed="rId2">
-            <a:extLst>
-              <a:ext uri="{28A0092B-C50C-407E-A947-70E740481C1C}">
-                <a14:useLocalDpi xmlns:a14="http://schemas.microsoft.com/office/drawing/2010/main" val="0"/>
-              </a:ext>
-            </a:extLst>
-          </a:blip>
+          <a:blip r:embed="rId2"/>
           <a:stretch>
             <a:fillRect/>
           </a:stretch>
         </p:blipFill>
         <p:spPr>
           <a:xfrm>
-            <a:off x="778934" y="1103972"/>
-            <a:ext cx="9761358" cy="5072992"/>
+            <a:off x="1600200" y="1291306"/>
+            <a:ext cx="9023582" cy="4864350"/>
           </a:xfrm>
+          <a:prstGeom prst="rect">
+            <a:avLst/>
+          </a:prstGeom>
         </p:spPr>
       </p:pic>
     </p:spTree>
@@ -4877,6 +4879,106 @@
 </file>
 
 <file path=ppt/slides/slide14.xml><?xml version="1.0" encoding="utf-8"?>
+<p:sld xmlns:a="http://schemas.openxmlformats.org/drawingml/2006/main" xmlns:r="http://schemas.openxmlformats.org/officeDocument/2006/relationships" xmlns:p="http://schemas.openxmlformats.org/presentationml/2006/main">
+  <p:cSld>
+    <p:spTree>
+      <p:nvGrpSpPr>
+        <p:cNvPr id="1" name=""/>
+        <p:cNvGrpSpPr/>
+        <p:nvPr/>
+      </p:nvGrpSpPr>
+      <p:grpSpPr>
+        <a:xfrm>
+          <a:off x="0" y="0"/>
+          <a:ext cx="0" cy="0"/>
+          <a:chOff x="0" y="0"/>
+          <a:chExt cx="0" cy="0"/>
+        </a:xfrm>
+      </p:grpSpPr>
+      <p:sp>
+        <p:nvSpPr>
+          <p:cNvPr id="2" name="Title 1">
+            <a:extLst>
+              <a:ext uri="{FF2B5EF4-FFF2-40B4-BE49-F238E27FC236}">
+                <a16:creationId xmlns:a16="http://schemas.microsoft.com/office/drawing/2014/main" id="{5F5F52D5-F627-47E7-8DA6-4AEC5AEF2181}"/>
+              </a:ext>
+            </a:extLst>
+          </p:cNvPr>
+          <p:cNvSpPr>
+            <a:spLocks noGrp="1"/>
+          </p:cNvSpPr>
+          <p:nvPr>
+            <p:ph type="title"/>
+          </p:nvPr>
+        </p:nvSpPr>
+        <p:spPr/>
+        <p:txBody>
+          <a:bodyPr/>
+          <a:lstStyle/>
+          <a:p>
+            <a:endParaRPr lang="en-US"/>
+          </a:p>
+        </p:txBody>
+      </p:sp>
+      <p:sp>
+        <p:nvSpPr>
+          <p:cNvPr id="3" name="Content Placeholder 2">
+            <a:extLst>
+              <a:ext uri="{FF2B5EF4-FFF2-40B4-BE49-F238E27FC236}">
+                <a16:creationId xmlns:a16="http://schemas.microsoft.com/office/drawing/2014/main" id="{9A167EDC-842F-4B0A-AC6A-351F61630CAB}"/>
+              </a:ext>
+            </a:extLst>
+          </p:cNvPr>
+          <p:cNvSpPr>
+            <a:spLocks noGrp="1"/>
+          </p:cNvSpPr>
+          <p:nvPr>
+            <p:ph idx="1"/>
+          </p:nvPr>
+        </p:nvSpPr>
+        <p:spPr/>
+        <p:txBody>
+          <a:bodyPr/>
+          <a:lstStyle/>
+          <a:p>
+            <a:endParaRPr lang="en-US" dirty="0"/>
+          </a:p>
+          <a:p>
+            <a:r>
+              <a:rPr lang="en-US" dirty="0" err="1"/>
+              <a:t>SaleCondition</a:t>
+            </a:r>
+            <a:endParaRPr lang="en-US" dirty="0"/>
+          </a:p>
+          <a:p>
+            <a:r>
+              <a:rPr lang="en-US" dirty="0" err="1"/>
+              <a:t>SalePrice</a:t>
+            </a:r>
+            <a:r>
+              <a:rPr lang="en-US" dirty="0"/>
+              <a:t> normalization</a:t>
+            </a:r>
+          </a:p>
+          <a:p>
+            <a:endParaRPr lang="en-US" dirty="0"/>
+          </a:p>
+        </p:txBody>
+      </p:sp>
+    </p:spTree>
+    <p:extLst>
+      <p:ext uri="{BB962C8B-B14F-4D97-AF65-F5344CB8AC3E}">
+        <p14:creationId xmlns:p14="http://schemas.microsoft.com/office/powerpoint/2010/main" val="1649060649"/>
+      </p:ext>
+    </p:extLst>
+  </p:cSld>
+  <p:clrMapOvr>
+    <a:masterClrMapping/>
+  </p:clrMapOvr>
+</p:sld>
+</file>
+
+<file path=ppt/slides/slide15.xml><?xml version="1.0" encoding="utf-8"?>
 <p:sld xmlns:a="http://schemas.openxmlformats.org/drawingml/2006/main" xmlns:r="http://schemas.openxmlformats.org/officeDocument/2006/relationships" xmlns:p="http://schemas.openxmlformats.org/presentationml/2006/main">
   <p:cSld>
     <p:bg>
@@ -5155,7 +5257,7 @@
 </p:sld>
 </file>
 
-<file path=ppt/slides/slide15.xml><?xml version="1.0" encoding="utf-8"?>
+<file path=ppt/slides/slide16.xml><?xml version="1.0" encoding="utf-8"?>
 <p:sld xmlns:a="http://schemas.openxmlformats.org/drawingml/2006/main" xmlns:r="http://schemas.openxmlformats.org/officeDocument/2006/relationships" xmlns:p="http://schemas.openxmlformats.org/presentationml/2006/main">
   <p:cSld>
     <p:spTree>
@@ -5259,7 +5361,7 @@
 </p:sld>
 </file>
 
-<file path=ppt/slides/slide16.xml><?xml version="1.0" encoding="utf-8"?>
+<file path=ppt/slides/slide17.xml><?xml version="1.0" encoding="utf-8"?>
 <p:sld xmlns:a="http://schemas.openxmlformats.org/drawingml/2006/main" xmlns:r="http://schemas.openxmlformats.org/officeDocument/2006/relationships" xmlns:p="http://schemas.openxmlformats.org/presentationml/2006/main">
   <p:cSld>
     <p:spTree>
@@ -5305,7 +5407,7 @@
           <a:lstStyle/>
           <a:p>
             <a:r>
-              <a:rPr lang="en-US" sz="3600" b="1" dirty="0">
+              <a:rPr lang="en-US" sz="2800" b="1" dirty="0">
                 <a:solidFill>
                   <a:srgbClr val="0070C0"/>
                 </a:solidFill>
@@ -5339,8 +5441,8 @@
         </p:blipFill>
         <p:spPr>
           <a:xfrm>
-            <a:off x="1905000" y="1905794"/>
-            <a:ext cx="8382000" cy="4191000"/>
+            <a:off x="1447799" y="1677194"/>
+            <a:ext cx="9355667" cy="4419600"/>
           </a:xfrm>
           <a:prstGeom prst="rect">
             <a:avLst/>
@@ -5360,7 +5462,7 @@
 </p:sld>
 </file>
 
-<file path=ppt/slides/slide17.xml><?xml version="1.0" encoding="utf-8"?>
+<file path=ppt/slides/slide18.xml><?xml version="1.0" encoding="utf-8"?>
 <p:sld xmlns:a="http://schemas.openxmlformats.org/drawingml/2006/main" xmlns:r="http://schemas.openxmlformats.org/officeDocument/2006/relationships" xmlns:p="http://schemas.openxmlformats.org/presentationml/2006/main">
   <p:cSld>
     <p:bg>
@@ -5728,7 +5830,7 @@
 </p:sld>
 </file>
 
-<file path=ppt/slides/slide18.xml><?xml version="1.0" encoding="utf-8"?>
+<file path=ppt/slides/slide19.xml><?xml version="1.0" encoding="utf-8"?>
 <p:sld xmlns:a="http://schemas.openxmlformats.org/drawingml/2006/main" xmlns:r="http://schemas.openxmlformats.org/officeDocument/2006/relationships" xmlns:p="http://schemas.openxmlformats.org/presentationml/2006/main">
   <p:cSld>
     <p:spTree>
@@ -5833,7 +5935,162 @@
 </p:sld>
 </file>
 
-<file path=ppt/slides/slide19.xml><?xml version="1.0" encoding="utf-8"?>
+<file path=ppt/slides/slide2.xml><?xml version="1.0" encoding="utf-8"?>
+<p:sld xmlns:a="http://schemas.openxmlformats.org/drawingml/2006/main" xmlns:r="http://schemas.openxmlformats.org/officeDocument/2006/relationships" xmlns:p="http://schemas.openxmlformats.org/presentationml/2006/main">
+  <p:cSld>
+    <p:spTree>
+      <p:nvGrpSpPr>
+        <p:cNvPr id="1" name=""/>
+        <p:cNvGrpSpPr/>
+        <p:nvPr/>
+      </p:nvGrpSpPr>
+      <p:grpSpPr>
+        <a:xfrm>
+          <a:off x="0" y="0"/>
+          <a:ext cx="0" cy="0"/>
+          <a:chOff x="0" y="0"/>
+          <a:chExt cx="0" cy="0"/>
+        </a:xfrm>
+      </p:grpSpPr>
+      <p:sp>
+        <p:nvSpPr>
+          <p:cNvPr id="2" name="Title 1">
+            <a:extLst>
+              <a:ext uri="{FF2B5EF4-FFF2-40B4-BE49-F238E27FC236}">
+                <a16:creationId xmlns:a16="http://schemas.microsoft.com/office/drawing/2014/main" id="{78C2549D-3C9C-4E70-97DB-F3E7F6878DD1}"/>
+              </a:ext>
+            </a:extLst>
+          </p:cNvPr>
+          <p:cNvSpPr>
+            <a:spLocks noGrp="1"/>
+          </p:cNvSpPr>
+          <p:nvPr>
+            <p:ph type="title"/>
+          </p:nvPr>
+        </p:nvSpPr>
+        <p:spPr>
+          <a:xfrm>
+            <a:off x="838200" y="365125"/>
+            <a:ext cx="10515600" cy="631825"/>
+          </a:xfrm>
+        </p:spPr>
+        <p:txBody>
+          <a:bodyPr>
+            <a:normAutofit fontScale="90000"/>
+          </a:bodyPr>
+          <a:lstStyle/>
+          <a:p>
+            <a:r>
+              <a:rPr lang="en-US" b="1" dirty="0">
+                <a:solidFill>
+                  <a:srgbClr val="0070C0"/>
+                </a:solidFill>
+              </a:rPr>
+              <a:t>Agenda</a:t>
+            </a:r>
+          </a:p>
+        </p:txBody>
+      </p:sp>
+      <p:sp>
+        <p:nvSpPr>
+          <p:cNvPr id="3" name="Content Placeholder 2">
+            <a:extLst>
+              <a:ext uri="{FF2B5EF4-FFF2-40B4-BE49-F238E27FC236}">
+                <a16:creationId xmlns:a16="http://schemas.microsoft.com/office/drawing/2014/main" id="{9AD5DA06-32C0-4BB6-B574-482ECFA38830}"/>
+              </a:ext>
+            </a:extLst>
+          </p:cNvPr>
+          <p:cNvSpPr>
+            <a:spLocks noGrp="1"/>
+          </p:cNvSpPr>
+          <p:nvPr>
+            <p:ph idx="1"/>
+          </p:nvPr>
+        </p:nvSpPr>
+        <p:spPr>
+          <a:xfrm>
+            <a:off x="838200" y="1212850"/>
+            <a:ext cx="10515600" cy="4964113"/>
+          </a:xfrm>
+        </p:spPr>
+        <p:txBody>
+          <a:bodyPr/>
+          <a:lstStyle/>
+          <a:p>
+            <a:pPr marL="0" indent="0">
+              <a:buNone/>
+            </a:pPr>
+            <a:r>
+              <a:rPr lang="en-US" dirty="0"/>
+              <a:t>Project aims at predicting house prices (residential) in Ames, Iowa, USA based on data set provided by Kaggle between 2006 and 2010.</a:t>
+            </a:r>
+          </a:p>
+          <a:p>
+            <a:endParaRPr lang="en-US" dirty="0"/>
+          </a:p>
+          <a:p>
+            <a:pPr lvl="1"/>
+            <a:r>
+              <a:rPr lang="en-US" dirty="0"/>
+              <a:t>Data Exploration</a:t>
+            </a:r>
+          </a:p>
+          <a:p>
+            <a:pPr lvl="1"/>
+            <a:r>
+              <a:rPr lang="en-US" dirty="0"/>
+              <a:t>Data Pre-Processing</a:t>
+            </a:r>
+          </a:p>
+          <a:p>
+            <a:pPr lvl="1"/>
+            <a:r>
+              <a:rPr lang="en-US" dirty="0"/>
+              <a:t>Feature Engineering </a:t>
+            </a:r>
+          </a:p>
+          <a:p>
+            <a:pPr lvl="1"/>
+            <a:r>
+              <a:rPr lang="en-US" dirty="0"/>
+              <a:t>Model Training</a:t>
+            </a:r>
+          </a:p>
+          <a:p>
+            <a:pPr lvl="1"/>
+            <a:r>
+              <a:rPr lang="en-US" dirty="0"/>
+              <a:t>Model Evaluation</a:t>
+            </a:r>
+          </a:p>
+          <a:p>
+            <a:pPr marL="0" indent="0">
+              <a:buNone/>
+            </a:pPr>
+            <a:endParaRPr lang="en-US" dirty="0"/>
+          </a:p>
+          <a:p>
+            <a:pPr marL="0" indent="0">
+              <a:buNone/>
+            </a:pPr>
+            <a:endParaRPr lang="en-US" dirty="0"/>
+          </a:p>
+        </p:txBody>
+      </p:sp>
+    </p:spTree>
+    <p:extLst>
+      <p:ext uri="{BB962C8B-B14F-4D97-AF65-F5344CB8AC3E}">
+        <p14:creationId xmlns:p14="http://schemas.microsoft.com/office/powerpoint/2010/main" val="1915621482"/>
+      </p:ext>
+    </p:extLst>
+  </p:cSld>
+  <p:clrMapOvr>
+    <a:masterClrMapping/>
+  </p:clrMapOvr>
+</p:sld>
+</file>
+
+<file path=ppt/slides/slide20.xml><?xml version="1.0" encoding="utf-8"?>
 <p:sld xmlns:a="http://schemas.openxmlformats.org/drawingml/2006/main" xmlns:r="http://schemas.openxmlformats.org/officeDocument/2006/relationships" xmlns:p="http://schemas.openxmlformats.org/presentationml/2006/main">
   <p:cSld>
     <p:bg>
@@ -6112,161 +6369,6 @@
 </p:sld>
 </file>
 
-<file path=ppt/slides/slide2.xml><?xml version="1.0" encoding="utf-8"?>
-<p:sld xmlns:a="http://schemas.openxmlformats.org/drawingml/2006/main" xmlns:r="http://schemas.openxmlformats.org/officeDocument/2006/relationships" xmlns:p="http://schemas.openxmlformats.org/presentationml/2006/main">
-  <p:cSld>
-    <p:spTree>
-      <p:nvGrpSpPr>
-        <p:cNvPr id="1" name=""/>
-        <p:cNvGrpSpPr/>
-        <p:nvPr/>
-      </p:nvGrpSpPr>
-      <p:grpSpPr>
-        <a:xfrm>
-          <a:off x="0" y="0"/>
-          <a:ext cx="0" cy="0"/>
-          <a:chOff x="0" y="0"/>
-          <a:chExt cx="0" cy="0"/>
-        </a:xfrm>
-      </p:grpSpPr>
-      <p:sp>
-        <p:nvSpPr>
-          <p:cNvPr id="2" name="Title 1">
-            <a:extLst>
-              <a:ext uri="{FF2B5EF4-FFF2-40B4-BE49-F238E27FC236}">
-                <a16:creationId xmlns:a16="http://schemas.microsoft.com/office/drawing/2014/main" id="{78C2549D-3C9C-4E70-97DB-F3E7F6878DD1}"/>
-              </a:ext>
-            </a:extLst>
-          </p:cNvPr>
-          <p:cNvSpPr>
-            <a:spLocks noGrp="1"/>
-          </p:cNvSpPr>
-          <p:nvPr>
-            <p:ph type="title"/>
-          </p:nvPr>
-        </p:nvSpPr>
-        <p:spPr>
-          <a:xfrm>
-            <a:off x="838200" y="365125"/>
-            <a:ext cx="10515600" cy="631825"/>
-          </a:xfrm>
-        </p:spPr>
-        <p:txBody>
-          <a:bodyPr>
-            <a:normAutofit fontScale="90000"/>
-          </a:bodyPr>
-          <a:lstStyle/>
-          <a:p>
-            <a:r>
-              <a:rPr lang="en-US" b="1" dirty="0">
-                <a:solidFill>
-                  <a:srgbClr val="0070C0"/>
-                </a:solidFill>
-              </a:rPr>
-              <a:t>Agenda</a:t>
-            </a:r>
-          </a:p>
-        </p:txBody>
-      </p:sp>
-      <p:sp>
-        <p:nvSpPr>
-          <p:cNvPr id="3" name="Content Placeholder 2">
-            <a:extLst>
-              <a:ext uri="{FF2B5EF4-FFF2-40B4-BE49-F238E27FC236}">
-                <a16:creationId xmlns:a16="http://schemas.microsoft.com/office/drawing/2014/main" id="{9AD5DA06-32C0-4BB6-B574-482ECFA38830}"/>
-              </a:ext>
-            </a:extLst>
-          </p:cNvPr>
-          <p:cNvSpPr>
-            <a:spLocks noGrp="1"/>
-          </p:cNvSpPr>
-          <p:nvPr>
-            <p:ph idx="1"/>
-          </p:nvPr>
-        </p:nvSpPr>
-        <p:spPr>
-          <a:xfrm>
-            <a:off x="838200" y="1212850"/>
-            <a:ext cx="10515600" cy="4964113"/>
-          </a:xfrm>
-        </p:spPr>
-        <p:txBody>
-          <a:bodyPr/>
-          <a:lstStyle/>
-          <a:p>
-            <a:pPr marL="0" indent="0">
-              <a:buNone/>
-            </a:pPr>
-            <a:r>
-              <a:rPr lang="en-US" dirty="0"/>
-              <a:t>Project aims at predicting house prices (residential) in Ames, Iowa, USA based on data set provided by Kaggle between 2006 and 2010.</a:t>
-            </a:r>
-          </a:p>
-          <a:p>
-            <a:endParaRPr lang="en-US" dirty="0"/>
-          </a:p>
-          <a:p>
-            <a:pPr lvl="1"/>
-            <a:r>
-              <a:rPr lang="en-US" dirty="0"/>
-              <a:t>Data Exploration</a:t>
-            </a:r>
-          </a:p>
-          <a:p>
-            <a:pPr lvl="1"/>
-            <a:r>
-              <a:rPr lang="en-US" dirty="0"/>
-              <a:t>Data Pre-Processing</a:t>
-            </a:r>
-          </a:p>
-          <a:p>
-            <a:pPr lvl="1"/>
-            <a:r>
-              <a:rPr lang="en-US" dirty="0"/>
-              <a:t>Feature Engineering </a:t>
-            </a:r>
-          </a:p>
-          <a:p>
-            <a:pPr lvl="1"/>
-            <a:r>
-              <a:rPr lang="en-US" dirty="0"/>
-              <a:t>Model Training</a:t>
-            </a:r>
-          </a:p>
-          <a:p>
-            <a:pPr lvl="1"/>
-            <a:r>
-              <a:rPr lang="en-US" dirty="0"/>
-              <a:t>Model Evaluation</a:t>
-            </a:r>
-          </a:p>
-          <a:p>
-            <a:pPr marL="0" indent="0">
-              <a:buNone/>
-            </a:pPr>
-            <a:endParaRPr lang="en-US" dirty="0"/>
-          </a:p>
-          <a:p>
-            <a:pPr marL="0" indent="0">
-              <a:buNone/>
-            </a:pPr>
-            <a:endParaRPr lang="en-US" dirty="0"/>
-          </a:p>
-        </p:txBody>
-      </p:sp>
-    </p:spTree>
-    <p:extLst>
-      <p:ext uri="{BB962C8B-B14F-4D97-AF65-F5344CB8AC3E}">
-        <p14:creationId xmlns:p14="http://schemas.microsoft.com/office/powerpoint/2010/main" val="1915621482"/>
-      </p:ext>
-    </p:extLst>
-  </p:cSld>
-  <p:clrMapOvr>
-    <a:masterClrMapping/>
-  </p:clrMapOvr>
-</p:sld>
-</file>
-
 <file path=ppt/slides/slide3.xml><?xml version="1.0" encoding="utf-8"?>
 <p:sld xmlns:a="http://schemas.openxmlformats.org/drawingml/2006/main" xmlns:r="http://schemas.openxmlformats.org/officeDocument/2006/relationships" xmlns:p="http://schemas.openxmlformats.org/presentationml/2006/main">
   <p:cSld>
@@ -7236,7 +7338,7 @@
         <p:spPr>
           <a:xfrm>
             <a:off x="838200" y="365125"/>
-            <a:ext cx="10515600" cy="409575"/>
+            <a:ext cx="10515600" cy="432397"/>
           </a:xfrm>
         </p:spPr>
         <p:txBody>

--- a/HousingPricesPresentations.pptx
+++ b/HousingPricesPresentations.pptx
@@ -5,7 +5,7 @@
     <p:sldMasterId id="2147483732" r:id="rId1"/>
   </p:sldMasterIdLst>
   <p:notesMasterIdLst>
-    <p:notesMasterId r:id="rId22"/>
+    <p:notesMasterId r:id="rId30"/>
   </p:notesMasterIdLst>
   <p:sldIdLst>
     <p:sldId id="256" r:id="rId2"/>
@@ -15,19 +15,27 @@
     <p:sldId id="261" r:id="rId6"/>
     <p:sldId id="275" r:id="rId7"/>
     <p:sldId id="263" r:id="rId8"/>
-    <p:sldId id="266" r:id="rId9"/>
-    <p:sldId id="260" r:id="rId10"/>
-    <p:sldId id="267" r:id="rId11"/>
+    <p:sldId id="260" r:id="rId9"/>
+    <p:sldId id="267" r:id="rId10"/>
+    <p:sldId id="266" r:id="rId11"/>
     <p:sldId id="262" r:id="rId12"/>
-    <p:sldId id="268" r:id="rId13"/>
-    <p:sldId id="264" r:id="rId14"/>
-    <p:sldId id="283" r:id="rId15"/>
-    <p:sldId id="269" r:id="rId16"/>
-    <p:sldId id="277" r:id="rId17"/>
-    <p:sldId id="280" r:id="rId18"/>
-    <p:sldId id="278" r:id="rId19"/>
-    <p:sldId id="276" r:id="rId20"/>
-    <p:sldId id="282" r:id="rId21"/>
+    <p:sldId id="285" r:id="rId13"/>
+    <p:sldId id="286" r:id="rId14"/>
+    <p:sldId id="288" r:id="rId15"/>
+    <p:sldId id="290" r:id="rId16"/>
+    <p:sldId id="283" r:id="rId17"/>
+    <p:sldId id="269" r:id="rId18"/>
+    <p:sldId id="277" r:id="rId19"/>
+    <p:sldId id="292" r:id="rId20"/>
+    <p:sldId id="291" r:id="rId21"/>
+    <p:sldId id="280" r:id="rId22"/>
+    <p:sldId id="289" r:id="rId23"/>
+    <p:sldId id="278" r:id="rId24"/>
+    <p:sldId id="276" r:id="rId25"/>
+    <p:sldId id="282" r:id="rId26"/>
+    <p:sldId id="293" r:id="rId27"/>
+    <p:sldId id="294" r:id="rId28"/>
+    <p:sldId id="295" r:id="rId29"/>
   </p:sldIdLst>
   <p:sldSz cx="12192000" cy="6858000"/>
   <p:notesSz cx="6858000" cy="9144000"/>
@@ -134,8 +142,16 @@
 </p:presentation>
 </file>
 
-<file path=ppt/revisionInfo.xml><?xml version="1.0" encoding="utf-8"?>
-<p1510:revInfo xmlns:a="http://schemas.openxmlformats.org/drawingml/2006/main" xmlns:r="http://schemas.openxmlformats.org/officeDocument/2006/relationships" xmlns:p1510="http://schemas.microsoft.com/office/powerpoint/2015/10/main"/>
+<file path=ppt/commentAuthors.xml><?xml version="1.0" encoding="utf-8"?>
+<p:cmAuthorLst xmlns:a="http://schemas.openxmlformats.org/drawingml/2006/main" xmlns:r="http://schemas.openxmlformats.org/officeDocument/2006/relationships" xmlns:p="http://schemas.openxmlformats.org/presentationml/2006/main">
+  <p:cmAuthor id="1" name="Lalith S" initials="LS" lastIdx="3" clrIdx="0">
+    <p:extLst>
+      <p:ext uri="{19B8F6BF-5375-455C-9EA6-DF929625EA0E}">
+        <p15:presenceInfo xmlns:p15="http://schemas.microsoft.com/office/powerpoint/2012/main" userId="d83bd6d440759617" providerId="Windows Live"/>
+      </p:ext>
+    </p:extLst>
+  </p:cmAuthor>
+</p:cmAuthorLst>
 </file>
 
 <file path=ppt/notesMasters/notesMaster1.xml><?xml version="1.0" encoding="utf-8"?>
@@ -3854,6 +3870,5434 @@
 <file path=ppt/slides/slide10.xml><?xml version="1.0" encoding="utf-8"?>
 <p:sld xmlns:a="http://schemas.openxmlformats.org/drawingml/2006/main" xmlns:r="http://schemas.openxmlformats.org/officeDocument/2006/relationships" xmlns:p="http://schemas.openxmlformats.org/presentationml/2006/main">
   <p:cSld>
+    <p:spTree>
+      <p:nvGrpSpPr>
+        <p:cNvPr id="1" name=""/>
+        <p:cNvGrpSpPr/>
+        <p:nvPr/>
+      </p:nvGrpSpPr>
+      <p:grpSpPr>
+        <a:xfrm>
+          <a:off x="0" y="0"/>
+          <a:ext cx="0" cy="0"/>
+          <a:chOff x="0" y="0"/>
+          <a:chExt cx="0" cy="0"/>
+        </a:xfrm>
+      </p:grpSpPr>
+      <p:sp>
+        <p:nvSpPr>
+          <p:cNvPr id="2" name="Title 1">
+            <a:extLst>
+              <a:ext uri="{FF2B5EF4-FFF2-40B4-BE49-F238E27FC236}">
+                <a16:creationId xmlns:a16="http://schemas.microsoft.com/office/drawing/2014/main" id="{A5844E39-6986-4FAA-9021-9EE41299F672}"/>
+              </a:ext>
+            </a:extLst>
+          </p:cNvPr>
+          <p:cNvSpPr>
+            <a:spLocks noGrp="1"/>
+          </p:cNvSpPr>
+          <p:nvPr>
+            <p:ph type="title"/>
+          </p:nvPr>
+        </p:nvSpPr>
+        <p:spPr>
+          <a:xfrm>
+            <a:off x="279400" y="365125"/>
+            <a:ext cx="11074400" cy="432397"/>
+          </a:xfrm>
+          <a:solidFill>
+            <a:schemeClr val="bg1">
+              <a:lumMod val="95000"/>
+            </a:schemeClr>
+          </a:solidFill>
+        </p:spPr>
+        <p:txBody>
+          <a:bodyPr>
+            <a:noAutofit/>
+          </a:bodyPr>
+          <a:lstStyle/>
+          <a:p>
+            <a:r>
+              <a:rPr lang="en-US" sz="2800" b="1" dirty="0">
+                <a:solidFill>
+                  <a:srgbClr val="0070C0"/>
+                </a:solidFill>
+              </a:rPr>
+              <a:t>Overall Quality &amp; Garage</a:t>
+            </a:r>
+          </a:p>
+        </p:txBody>
+      </p:sp>
+      <p:pic>
+        <p:nvPicPr>
+          <p:cNvPr id="6" name="Content Placeholder 5" descr="A screenshot of a cell phone&#10;&#10;Description generated with high confidence">
+            <a:extLst>
+              <a:ext uri="{FF2B5EF4-FFF2-40B4-BE49-F238E27FC236}">
+                <a16:creationId xmlns:a16="http://schemas.microsoft.com/office/drawing/2014/main" id="{1690824A-2836-43E3-BDBB-69560B6F04E1}"/>
+              </a:ext>
+            </a:extLst>
+          </p:cNvPr>
+          <p:cNvPicPr>
+            <a:picLocks noGrp="1" noChangeAspect="1"/>
+          </p:cNvPicPr>
+          <p:nvPr>
+            <p:ph sz="half" idx="1"/>
+          </p:nvPr>
+        </p:nvPicPr>
+        <p:blipFill>
+          <a:blip r:embed="rId2">
+            <a:extLst>
+              <a:ext uri="{28A0092B-C50C-407E-A947-70E740481C1C}">
+                <a14:useLocalDpi xmlns:a14="http://schemas.microsoft.com/office/drawing/2010/main" val="0"/>
+              </a:ext>
+            </a:extLst>
+          </a:blip>
+          <a:stretch>
+            <a:fillRect/>
+          </a:stretch>
+        </p:blipFill>
+        <p:spPr>
+          <a:xfrm>
+            <a:off x="335757" y="1382751"/>
+            <a:ext cx="5684043" cy="4995746"/>
+          </a:xfrm>
+        </p:spPr>
+      </p:pic>
+      <p:pic>
+        <p:nvPicPr>
+          <p:cNvPr id="8" name="Content Placeholder 7" descr="A screenshot of a cell phone&#10;&#10;Description generated with high confidence">
+            <a:extLst>
+              <a:ext uri="{FF2B5EF4-FFF2-40B4-BE49-F238E27FC236}">
+                <a16:creationId xmlns:a16="http://schemas.microsoft.com/office/drawing/2014/main" id="{6DD977E3-4D56-42A8-BDE4-A51C6EC5EEB5}"/>
+              </a:ext>
+            </a:extLst>
+          </p:cNvPr>
+          <p:cNvPicPr>
+            <a:picLocks noGrp="1" noChangeAspect="1"/>
+          </p:cNvPicPr>
+          <p:nvPr>
+            <p:ph sz="half" idx="2"/>
+          </p:nvPr>
+        </p:nvPicPr>
+        <p:blipFill>
+          <a:blip r:embed="rId3">
+            <a:extLst>
+              <a:ext uri="{28A0092B-C50C-407E-A947-70E740481C1C}">
+                <a14:useLocalDpi xmlns:a14="http://schemas.microsoft.com/office/drawing/2010/main" val="0"/>
+              </a:ext>
+            </a:extLst>
+          </a:blip>
+          <a:stretch>
+            <a:fillRect/>
+          </a:stretch>
+        </p:blipFill>
+        <p:spPr>
+          <a:xfrm>
+            <a:off x="5905500" y="1278054"/>
+            <a:ext cx="5448300" cy="4995746"/>
+          </a:xfrm>
+        </p:spPr>
+      </p:pic>
+    </p:spTree>
+    <p:extLst>
+      <p:ext uri="{BB962C8B-B14F-4D97-AF65-F5344CB8AC3E}">
+        <p14:creationId xmlns:p14="http://schemas.microsoft.com/office/powerpoint/2010/main" val="128635208"/>
+      </p:ext>
+    </p:extLst>
+  </p:cSld>
+  <p:clrMapOvr>
+    <a:masterClrMapping/>
+  </p:clrMapOvr>
+</p:sld>
+</file>
+
+<file path=ppt/slides/slide11.xml><?xml version="1.0" encoding="utf-8"?>
+<p:sld xmlns:a="http://schemas.openxmlformats.org/drawingml/2006/main" xmlns:r="http://schemas.openxmlformats.org/officeDocument/2006/relationships" xmlns:p="http://schemas.openxmlformats.org/presentationml/2006/main">
+  <p:cSld>
+    <p:bg>
+      <p:bgPr>
+        <a:solidFill>
+          <a:schemeClr val="bg1">
+            <a:tint val="95000"/>
+            <a:satMod val="170000"/>
+          </a:schemeClr>
+        </a:solidFill>
+        <a:effectLst/>
+      </p:bgPr>
+    </p:bg>
+    <p:spTree>
+      <p:nvGrpSpPr>
+        <p:cNvPr id="1" name=""/>
+        <p:cNvGrpSpPr/>
+        <p:nvPr/>
+      </p:nvGrpSpPr>
+      <p:grpSpPr>
+        <a:xfrm>
+          <a:off x="0" y="0"/>
+          <a:ext cx="0" cy="0"/>
+          <a:chOff x="0" y="0"/>
+          <a:chExt cx="0" cy="0"/>
+        </a:xfrm>
+      </p:grpSpPr>
+      <p:grpSp>
+        <p:nvGrpSpPr>
+          <p:cNvPr id="7" name="Group 6" title="intersecting circles">
+            <a:extLst>
+              <a:ext uri="{FF2B5EF4-FFF2-40B4-BE49-F238E27FC236}">
+                <a16:creationId xmlns:a16="http://schemas.microsoft.com/office/drawing/2014/main" id="{D2C4BFA1-2075-4901-9E24-E41D1FDD51FD}"/>
+              </a:ext>
+            </a:extLst>
+          </p:cNvPr>
+          <p:cNvGrpSpPr>
+            <a:grpSpLocks noGrp="1" noUngrp="1" noRot="1" noChangeAspect="1" noMove="1" noResize="1"/>
+          </p:cNvGrpSpPr>
+          <p:nvPr>
+            <p:extLst>
+              <p:ext uri="{386F3935-93C4-4BCD-93E2-E3B085C9AB24}">
+                <p16:designElem xmlns:p16="http://schemas.microsoft.com/office/powerpoint/2015/main" val="1"/>
+              </p:ext>
+            </p:extLst>
+          </p:nvPr>
+        </p:nvGrpSpPr>
+        <p:grpSpPr>
+          <a:xfrm>
+            <a:off x="1155481" y="498348"/>
+            <a:ext cx="9902663" cy="5861304"/>
+            <a:chOff x="1155481" y="498348"/>
+            <a:chExt cx="9902663" cy="5861304"/>
+          </a:xfrm>
+        </p:grpSpPr>
+        <p:sp>
+          <p:nvSpPr>
+            <p:cNvPr id="8" name="Oval 5">
+              <a:extLst>
+                <a:ext uri="{FF2B5EF4-FFF2-40B4-BE49-F238E27FC236}">
+                  <a16:creationId xmlns:a16="http://schemas.microsoft.com/office/drawing/2014/main" id="{985A7375-E3AF-4F5C-85AE-17E8832952CA}"/>
+                </a:ext>
+              </a:extLst>
+            </p:cNvPr>
+            <p:cNvSpPr>
+              <a:spLocks noChangeArrowheads="1"/>
+            </p:cNvSpPr>
+            <p:nvPr>
+              <p:extLst>
+                <p:ext uri="{386F3935-93C4-4BCD-93E2-E3B085C9AB24}">
+                  <p16:designElem xmlns:p16="http://schemas.microsoft.com/office/powerpoint/2015/main" val="1"/>
+                </p:ext>
+              </p:extLst>
+            </p:nvPr>
+          </p:nvSpPr>
+          <p:spPr bwMode="auto">
+            <a:xfrm>
+              <a:off x="1155481" y="498348"/>
+              <a:ext cx="5861304" cy="5861304"/>
+            </a:xfrm>
+            <a:prstGeom prst="ellipse">
+              <a:avLst/>
+            </a:prstGeom>
+            <a:solidFill>
+              <a:schemeClr val="accent1">
+                <a:alpha val="55000"/>
+              </a:schemeClr>
+            </a:solidFill>
+            <a:ln>
+              <a:noFill/>
+            </a:ln>
+          </p:spPr>
+        </p:sp>
+        <p:sp>
+          <p:nvSpPr>
+            <p:cNvPr id="9" name="Oval 8">
+              <a:extLst>
+                <a:ext uri="{FF2B5EF4-FFF2-40B4-BE49-F238E27FC236}">
+                  <a16:creationId xmlns:a16="http://schemas.microsoft.com/office/drawing/2014/main" id="{F0307F65-8304-4FA8-A841-D4D7625411BE}"/>
+                </a:ext>
+              </a:extLst>
+            </p:cNvPr>
+            <p:cNvSpPr>
+              <a:spLocks noChangeArrowheads="1"/>
+            </p:cNvSpPr>
+            <p:nvPr>
+              <p:extLst>
+                <p:ext uri="{386F3935-93C4-4BCD-93E2-E3B085C9AB24}">
+                  <p16:designElem xmlns:p16="http://schemas.microsoft.com/office/powerpoint/2015/main" val="1"/>
+                </p:ext>
+              </p:extLst>
+            </p:nvPr>
+          </p:nvSpPr>
+          <p:spPr bwMode="auto">
+            <a:xfrm>
+              <a:off x="5196840" y="498348"/>
+              <a:ext cx="5861304" cy="5861304"/>
+            </a:xfrm>
+            <a:prstGeom prst="ellipse">
+              <a:avLst/>
+            </a:prstGeom>
+            <a:solidFill>
+              <a:schemeClr val="accent1">
+                <a:alpha val="55000"/>
+              </a:schemeClr>
+            </a:solidFill>
+            <a:ln>
+              <a:noFill/>
+            </a:ln>
+          </p:spPr>
+        </p:sp>
+        <p:sp>
+          <p:nvSpPr>
+            <p:cNvPr id="10" name="Oval 5">
+              <a:extLst>
+                <a:ext uri="{FF2B5EF4-FFF2-40B4-BE49-F238E27FC236}">
+                  <a16:creationId xmlns:a16="http://schemas.microsoft.com/office/drawing/2014/main" id="{C8B8394C-136F-4E05-A002-D93A5E79CD50}"/>
+                </a:ext>
+              </a:extLst>
+            </p:cNvPr>
+            <p:cNvSpPr>
+              <a:spLocks noChangeArrowheads="1"/>
+            </p:cNvSpPr>
+            <p:nvPr>
+              <p:extLst>
+                <p:ext uri="{386F3935-93C4-4BCD-93E2-E3B085C9AB24}">
+                  <p16:designElem xmlns:p16="http://schemas.microsoft.com/office/powerpoint/2015/main" val="1"/>
+                </p:ext>
+              </p:extLst>
+            </p:nvPr>
+          </p:nvSpPr>
+          <p:spPr bwMode="auto">
+            <a:xfrm>
+              <a:off x="3165348" y="498348"/>
+              <a:ext cx="5861304" cy="5861304"/>
+            </a:xfrm>
+            <a:prstGeom prst="ellipse">
+              <a:avLst/>
+            </a:prstGeom>
+            <a:solidFill>
+              <a:schemeClr val="accent1">
+                <a:alpha val="70000"/>
+              </a:schemeClr>
+            </a:solidFill>
+            <a:ln>
+              <a:noFill/>
+            </a:ln>
+          </p:spPr>
+        </p:sp>
+      </p:grpSp>
+      <p:sp>
+        <p:nvSpPr>
+          <p:cNvPr id="12" name="Rectangle 11" title="ribbon">
+            <a:extLst>
+              <a:ext uri="{FF2B5EF4-FFF2-40B4-BE49-F238E27FC236}">
+                <a16:creationId xmlns:a16="http://schemas.microsoft.com/office/drawing/2014/main" id="{053FB2EE-284F-4C87-AB3D-BBF87A9FAB97}"/>
+              </a:ext>
+            </a:extLst>
+          </p:cNvPr>
+          <p:cNvSpPr>
+            <a:spLocks noGrp="1" noRot="1" noChangeAspect="1" noMove="1" noResize="1" noEditPoints="1" noAdjustHandles="1" noChangeArrowheads="1" noChangeShapeType="1" noTextEdit="1"/>
+          </p:cNvSpPr>
+          <p:nvPr>
+            <p:extLst>
+              <p:ext uri="{386F3935-93C4-4BCD-93E2-E3B085C9AB24}">
+                <p16:designElem xmlns:p16="http://schemas.microsoft.com/office/powerpoint/2015/main" val="1"/>
+              </p:ext>
+            </p:extLst>
+          </p:nvPr>
+        </p:nvSpPr>
+        <p:spPr>
+          <a:xfrm>
+            <a:off x="0" y="2514600"/>
+            <a:ext cx="12192000" cy="1828800"/>
+          </a:xfrm>
+          <a:prstGeom prst="rect">
+            <a:avLst/>
+          </a:prstGeom>
+          <a:solidFill>
+            <a:schemeClr val="tx2"/>
+          </a:solidFill>
+          <a:ln>
+            <a:noFill/>
+          </a:ln>
+        </p:spPr>
+        <p:style>
+          <a:lnRef idx="2">
+            <a:schemeClr val="accent1">
+              <a:shade val="50000"/>
+            </a:schemeClr>
+          </a:lnRef>
+          <a:fillRef idx="1">
+            <a:schemeClr val="accent1"/>
+          </a:fillRef>
+          <a:effectRef idx="0">
+            <a:schemeClr val="accent1"/>
+          </a:effectRef>
+          <a:fontRef idx="minor">
+            <a:schemeClr val="lt1"/>
+          </a:fontRef>
+        </p:style>
+      </p:sp>
+      <p:sp>
+        <p:nvSpPr>
+          <p:cNvPr id="2" name="Title 1">
+            <a:extLst>
+              <a:ext uri="{FF2B5EF4-FFF2-40B4-BE49-F238E27FC236}">
+                <a16:creationId xmlns:a16="http://schemas.microsoft.com/office/drawing/2014/main" id="{1A08BABF-A34D-4F9D-8649-2DF544A5B063}"/>
+              </a:ext>
+            </a:extLst>
+          </p:cNvPr>
+          <p:cNvSpPr>
+            <a:spLocks noGrp="1"/>
+          </p:cNvSpPr>
+          <p:nvPr>
+            <p:ph type="title"/>
+          </p:nvPr>
+        </p:nvSpPr>
+        <p:spPr>
+          <a:xfrm>
+            <a:off x="1524000" y="2776538"/>
+            <a:ext cx="9144000" cy="1381188"/>
+          </a:xfrm>
+        </p:spPr>
+        <p:txBody>
+          <a:bodyPr vert="horz" lIns="91440" tIns="45720" rIns="91440" bIns="45720" rtlCol="0" anchor="ctr">
+            <a:normAutofit/>
+          </a:bodyPr>
+          <a:lstStyle/>
+          <a:p>
+            <a:pPr algn="ctr"/>
+            <a:r>
+              <a:rPr lang="en-US" sz="4000" b="1" kern="1200" dirty="0">
+                <a:solidFill>
+                  <a:schemeClr val="bg2"/>
+                </a:solidFill>
+                <a:latin typeface="+mj-lt"/>
+                <a:ea typeface="+mj-ea"/>
+                <a:cs typeface="+mj-cs"/>
+              </a:rPr>
+              <a:t>Data Pre-processing</a:t>
+            </a:r>
+            <a:br>
+              <a:rPr lang="en-US" sz="4000" dirty="0">
+                <a:solidFill>
+                  <a:schemeClr val="bg2"/>
+                </a:solidFill>
+              </a:rPr>
+            </a:br>
+            <a:r>
+              <a:rPr lang="en-US" sz="1800" dirty="0">
+                <a:solidFill>
+                  <a:schemeClr val="bg2"/>
+                </a:solidFill>
+                <a:latin typeface="MV Boli" panose="02000500030200090000" pitchFamily="2" charset="0"/>
+                <a:cs typeface="MV Boli" panose="02000500030200090000" pitchFamily="2" charset="0"/>
+              </a:rPr>
+              <a:t>I thought I told you to clean the basement!</a:t>
+            </a:r>
+            <a:endParaRPr lang="en-US" sz="1800" kern="1200" dirty="0">
+              <a:solidFill>
+                <a:schemeClr val="bg2"/>
+              </a:solidFill>
+              <a:latin typeface="MV Boli" panose="02000500030200090000" pitchFamily="2" charset="0"/>
+              <a:cs typeface="MV Boli" panose="02000500030200090000" pitchFamily="2" charset="0"/>
+            </a:endParaRPr>
+          </a:p>
+        </p:txBody>
+      </p:sp>
+    </p:spTree>
+    <p:extLst>
+      <p:ext uri="{BB962C8B-B14F-4D97-AF65-F5344CB8AC3E}">
+        <p14:creationId xmlns:p14="http://schemas.microsoft.com/office/powerpoint/2010/main" val="3020018997"/>
+      </p:ext>
+    </p:extLst>
+  </p:cSld>
+  <p:clrMapOvr>
+    <a:overrideClrMapping bg1="dk1" tx1="lt1" bg2="dk2" tx2="lt2" accent1="accent1" accent2="accent2" accent3="accent3" accent4="accent4" accent5="accent5" accent6="accent6" hlink="hlink" folHlink="folHlink"/>
+  </p:clrMapOvr>
+</p:sld>
+</file>
+
+<file path=ppt/slides/slide12.xml><?xml version="1.0" encoding="utf-8"?>
+<p:sld xmlns:a="http://schemas.openxmlformats.org/drawingml/2006/main" xmlns:r="http://schemas.openxmlformats.org/officeDocument/2006/relationships" xmlns:p="http://schemas.openxmlformats.org/presentationml/2006/main">
+  <p:cSld>
+    <p:spTree>
+      <p:nvGrpSpPr>
+        <p:cNvPr id="1" name=""/>
+        <p:cNvGrpSpPr/>
+        <p:nvPr/>
+      </p:nvGrpSpPr>
+      <p:grpSpPr>
+        <a:xfrm>
+          <a:off x="0" y="0"/>
+          <a:ext cx="0" cy="0"/>
+          <a:chOff x="0" y="0"/>
+          <a:chExt cx="0" cy="0"/>
+        </a:xfrm>
+      </p:grpSpPr>
+      <p:sp>
+        <p:nvSpPr>
+          <p:cNvPr id="2" name="Title 1">
+            <a:extLst>
+              <a:ext uri="{FF2B5EF4-FFF2-40B4-BE49-F238E27FC236}">
+                <a16:creationId xmlns:a16="http://schemas.microsoft.com/office/drawing/2014/main" id="{B678A683-798F-42EA-B43A-89EB3462EF45}"/>
+              </a:ext>
+            </a:extLst>
+          </p:cNvPr>
+          <p:cNvSpPr>
+            <a:spLocks noGrp="1"/>
+          </p:cNvSpPr>
+          <p:nvPr>
+            <p:ph type="title"/>
+          </p:nvPr>
+        </p:nvSpPr>
+        <p:spPr>
+          <a:xfrm>
+            <a:off x="839788" y="365125"/>
+            <a:ext cx="11250612" cy="511175"/>
+          </a:xfrm>
+          <a:solidFill>
+            <a:schemeClr val="bg1">
+              <a:lumMod val="95000"/>
+            </a:schemeClr>
+          </a:solidFill>
+        </p:spPr>
+        <p:txBody>
+          <a:bodyPr>
+            <a:normAutofit/>
+          </a:bodyPr>
+          <a:lstStyle/>
+          <a:p>
+            <a:r>
+              <a:rPr lang="en-US" sz="2800" b="1" dirty="0">
+                <a:solidFill>
+                  <a:srgbClr val="0070C0"/>
+                </a:solidFill>
+              </a:rPr>
+              <a:t>Missing Values</a:t>
+            </a:r>
+          </a:p>
+        </p:txBody>
+      </p:sp>
+      <p:pic>
+        <p:nvPicPr>
+          <p:cNvPr id="8" name="Content Placeholder 5">
+            <a:extLst>
+              <a:ext uri="{FF2B5EF4-FFF2-40B4-BE49-F238E27FC236}">
+                <a16:creationId xmlns:a16="http://schemas.microsoft.com/office/drawing/2014/main" id="{ABA6BD62-2713-4BED-8588-5A5018EA8BA7}"/>
+              </a:ext>
+            </a:extLst>
+          </p:cNvPr>
+          <p:cNvPicPr>
+            <a:picLocks noGrp="1" noChangeAspect="1"/>
+          </p:cNvPicPr>
+          <p:nvPr>
+            <p:ph sz="half" idx="2"/>
+          </p:nvPr>
+        </p:nvPicPr>
+        <p:blipFill>
+          <a:blip r:embed="rId2"/>
+          <a:stretch>
+            <a:fillRect/>
+          </a:stretch>
+        </p:blipFill>
+        <p:spPr>
+          <a:xfrm>
+            <a:off x="1011238" y="1318570"/>
+            <a:ext cx="7154862" cy="5399730"/>
+          </a:xfrm>
+          <a:prstGeom prst="rect">
+            <a:avLst/>
+          </a:prstGeom>
+        </p:spPr>
+      </p:pic>
+      <p:sp>
+        <p:nvSpPr>
+          <p:cNvPr id="15" name="TextBox 14">
+            <a:extLst>
+              <a:ext uri="{FF2B5EF4-FFF2-40B4-BE49-F238E27FC236}">
+                <a16:creationId xmlns:a16="http://schemas.microsoft.com/office/drawing/2014/main" id="{F4583FDA-BE0C-434F-9B5D-77E504E336B0}"/>
+              </a:ext>
+            </a:extLst>
+          </p:cNvPr>
+          <p:cNvSpPr txBox="1"/>
+          <p:nvPr/>
+        </p:nvSpPr>
+        <p:spPr>
+          <a:xfrm>
+            <a:off x="8013700" y="4170681"/>
+            <a:ext cx="3371850" cy="646331"/>
+          </a:xfrm>
+          <a:prstGeom prst="rect">
+            <a:avLst/>
+          </a:prstGeom>
+          <a:noFill/>
+        </p:spPr>
+        <p:txBody>
+          <a:bodyPr wrap="square" rtlCol="0">
+            <a:spAutoFit/>
+          </a:bodyPr>
+          <a:lstStyle/>
+          <a:p>
+            <a:pPr marL="342900" indent="-342900">
+              <a:buFont typeface="+mj-lt"/>
+              <a:buAutoNum type="arabicPeriod"/>
+            </a:pPr>
+            <a:r>
+              <a:rPr lang="en-US" dirty="0"/>
+              <a:t>Categorical values to “None”</a:t>
+            </a:r>
+          </a:p>
+          <a:p>
+            <a:pPr marL="342900" indent="-342900">
+              <a:buFont typeface="+mj-lt"/>
+              <a:buAutoNum type="arabicPeriod"/>
+            </a:pPr>
+            <a:r>
+              <a:rPr lang="en-US" dirty="0"/>
+              <a:t>Quantitative values to 0</a:t>
+            </a:r>
+          </a:p>
+        </p:txBody>
+      </p:sp>
+      <p:graphicFrame>
+        <p:nvGraphicFramePr>
+          <p:cNvPr id="16" name="Table 15">
+            <a:extLst>
+              <a:ext uri="{FF2B5EF4-FFF2-40B4-BE49-F238E27FC236}">
+                <a16:creationId xmlns:a16="http://schemas.microsoft.com/office/drawing/2014/main" id="{ABECE236-5DC7-48D2-9B78-C40A29238D93}"/>
+              </a:ext>
+            </a:extLst>
+          </p:cNvPr>
+          <p:cNvGraphicFramePr>
+            <a:graphicFrameLocks noGrp="1"/>
+          </p:cNvGraphicFramePr>
+          <p:nvPr>
+            <p:extLst>
+              <p:ext uri="{D42A27DB-BD31-4B8C-83A1-F6EECF244321}">
+                <p14:modId xmlns:p14="http://schemas.microsoft.com/office/powerpoint/2010/main" val="2696388363"/>
+              </p:ext>
+            </p:extLst>
+          </p:nvPr>
+        </p:nvGraphicFramePr>
+        <p:xfrm>
+          <a:off x="8653112" y="1455284"/>
+          <a:ext cx="1982804" cy="1973717"/>
+        </p:xfrm>
+        <a:graphic>
+          <a:graphicData uri="http://schemas.openxmlformats.org/drawingml/2006/table">
+            <a:tbl>
+              <a:tblPr>
+                <a:tableStyleId>{5C22544A-7EE6-4342-B048-85BDC9FD1C3A}</a:tableStyleId>
+              </a:tblPr>
+              <a:tblGrid>
+                <a:gridCol w="1094832">
+                  <a:extLst>
+                    <a:ext uri="{9D8B030D-6E8A-4147-A177-3AD203B41FA5}">
+                      <a16:colId xmlns:a16="http://schemas.microsoft.com/office/drawing/2014/main" val="3815070845"/>
+                    </a:ext>
+                  </a:extLst>
+                </a:gridCol>
+                <a:gridCol w="887972">
+                  <a:extLst>
+                    <a:ext uri="{9D8B030D-6E8A-4147-A177-3AD203B41FA5}">
+                      <a16:colId xmlns:a16="http://schemas.microsoft.com/office/drawing/2014/main" val="761188252"/>
+                    </a:ext>
+                  </a:extLst>
+                </a:gridCol>
+              </a:tblGrid>
+              <a:tr h="248428">
+                <a:tc>
+                  <a:txBody>
+                    <a:bodyPr/>
+                    <a:lstStyle/>
+                    <a:p>
+                      <a:pPr algn="l" fontAlgn="b"/>
+                      <a:r>
+                        <a:rPr lang="en-US" sz="1100" b="1" u="none" strike="noStrike" dirty="0">
+                          <a:effectLst/>
+                        </a:rPr>
+                        <a:t>Variable</a:t>
+                      </a:r>
+                      <a:endParaRPr lang="en-US" sz="1100" b="1" i="0" u="none" strike="noStrike" dirty="0">
+                        <a:solidFill>
+                          <a:srgbClr val="000000"/>
+                        </a:solidFill>
+                        <a:effectLst/>
+                        <a:latin typeface="Calibri" panose="020F0502020204030204" pitchFamily="34" charset="0"/>
+                      </a:endParaRPr>
+                    </a:p>
+                  </a:txBody>
+                  <a:tcPr marL="6350" marR="6350" marT="6350" marB="0" anchor="b"/>
+                </a:tc>
+                <a:tc>
+                  <a:txBody>
+                    <a:bodyPr/>
+                    <a:lstStyle/>
+                    <a:p>
+                      <a:pPr algn="l" fontAlgn="b"/>
+                      <a:r>
+                        <a:rPr lang="en-US" sz="1100" b="1" u="none" strike="noStrike" dirty="0">
+                          <a:effectLst/>
+                        </a:rPr>
+                        <a:t>Missing</a:t>
+                      </a:r>
+                      <a:endParaRPr lang="en-US" sz="1100" b="1" i="0" u="none" strike="noStrike" dirty="0">
+                        <a:solidFill>
+                          <a:srgbClr val="000000"/>
+                        </a:solidFill>
+                        <a:effectLst/>
+                        <a:latin typeface="Calibri" panose="020F0502020204030204" pitchFamily="34" charset="0"/>
+                      </a:endParaRPr>
+                    </a:p>
+                  </a:txBody>
+                  <a:tcPr marL="6350" marR="6350" marT="6350" marB="0" anchor="b"/>
+                </a:tc>
+                <a:extLst>
+                  <a:ext uri="{0D108BD9-81ED-4DB2-BD59-A6C34878D82A}">
+                    <a16:rowId xmlns:a16="http://schemas.microsoft.com/office/drawing/2014/main" val="3492616102"/>
+                  </a:ext>
+                </a:extLst>
+              </a:tr>
+              <a:tr h="234721">
+                <a:tc>
+                  <a:txBody>
+                    <a:bodyPr/>
+                    <a:lstStyle/>
+                    <a:p>
+                      <a:pPr algn="l" fontAlgn="b"/>
+                      <a:r>
+                        <a:rPr lang="en-US" sz="1100" u="none" strike="noStrike">
+                          <a:effectLst/>
+                        </a:rPr>
+                        <a:t>PoolQC</a:t>
+                      </a:r>
+                      <a:endParaRPr lang="en-US" sz="1100" b="0" i="0" u="none" strike="noStrike">
+                        <a:solidFill>
+                          <a:srgbClr val="000000"/>
+                        </a:solidFill>
+                        <a:effectLst/>
+                        <a:latin typeface="Calibri" panose="020F0502020204030204" pitchFamily="34" charset="0"/>
+                      </a:endParaRPr>
+                    </a:p>
+                  </a:txBody>
+                  <a:tcPr marL="6350" marR="6350" marT="6350" marB="0" anchor="b"/>
+                </a:tc>
+                <a:tc>
+                  <a:txBody>
+                    <a:bodyPr/>
+                    <a:lstStyle/>
+                    <a:p>
+                      <a:pPr algn="r" fontAlgn="b"/>
+                      <a:r>
+                        <a:rPr lang="en-US" sz="1100" u="none" strike="noStrike">
+                          <a:effectLst/>
+                        </a:rPr>
+                        <a:t>1453</a:t>
+                      </a:r>
+                      <a:endParaRPr lang="en-US" sz="1100" b="0" i="0" u="none" strike="noStrike">
+                        <a:solidFill>
+                          <a:srgbClr val="000000"/>
+                        </a:solidFill>
+                        <a:effectLst/>
+                        <a:latin typeface="Calibri" panose="020F0502020204030204" pitchFamily="34" charset="0"/>
+                      </a:endParaRPr>
+                    </a:p>
+                  </a:txBody>
+                  <a:tcPr marL="6350" marR="6350" marT="6350" marB="0" anchor="b"/>
+                </a:tc>
+                <a:extLst>
+                  <a:ext uri="{0D108BD9-81ED-4DB2-BD59-A6C34878D82A}">
+                    <a16:rowId xmlns:a16="http://schemas.microsoft.com/office/drawing/2014/main" val="3276062966"/>
+                  </a:ext>
+                </a:extLst>
+              </a:tr>
+              <a:tr h="248428">
+                <a:tc>
+                  <a:txBody>
+                    <a:bodyPr/>
+                    <a:lstStyle/>
+                    <a:p>
+                      <a:pPr algn="l" fontAlgn="b"/>
+                      <a:r>
+                        <a:rPr lang="en-US" sz="1100" u="none" strike="noStrike">
+                          <a:effectLst/>
+                        </a:rPr>
+                        <a:t>MiscFeature</a:t>
+                      </a:r>
+                      <a:endParaRPr lang="en-US" sz="1100" b="0" i="0" u="none" strike="noStrike">
+                        <a:solidFill>
+                          <a:srgbClr val="000000"/>
+                        </a:solidFill>
+                        <a:effectLst/>
+                        <a:latin typeface="Calibri" panose="020F0502020204030204" pitchFamily="34" charset="0"/>
+                      </a:endParaRPr>
+                    </a:p>
+                  </a:txBody>
+                  <a:tcPr marL="6350" marR="6350" marT="6350" marB="0" anchor="b"/>
+                </a:tc>
+                <a:tc>
+                  <a:txBody>
+                    <a:bodyPr/>
+                    <a:lstStyle/>
+                    <a:p>
+                      <a:pPr algn="r" fontAlgn="b"/>
+                      <a:r>
+                        <a:rPr lang="en-US" sz="1100" u="none" strike="noStrike">
+                          <a:effectLst/>
+                        </a:rPr>
+                        <a:t>1406</a:t>
+                      </a:r>
+                      <a:endParaRPr lang="en-US" sz="1100" b="0" i="0" u="none" strike="noStrike">
+                        <a:solidFill>
+                          <a:srgbClr val="000000"/>
+                        </a:solidFill>
+                        <a:effectLst/>
+                        <a:latin typeface="Calibri" panose="020F0502020204030204" pitchFamily="34" charset="0"/>
+                      </a:endParaRPr>
+                    </a:p>
+                  </a:txBody>
+                  <a:tcPr marL="6350" marR="6350" marT="6350" marB="0" anchor="b"/>
+                </a:tc>
+                <a:extLst>
+                  <a:ext uri="{0D108BD9-81ED-4DB2-BD59-A6C34878D82A}">
+                    <a16:rowId xmlns:a16="http://schemas.microsoft.com/office/drawing/2014/main" val="3920938786"/>
+                  </a:ext>
+                </a:extLst>
+              </a:tr>
+              <a:tr h="248428">
+                <a:tc>
+                  <a:txBody>
+                    <a:bodyPr/>
+                    <a:lstStyle/>
+                    <a:p>
+                      <a:pPr algn="l" fontAlgn="b"/>
+                      <a:r>
+                        <a:rPr lang="en-US" sz="1100" u="none" strike="noStrike">
+                          <a:effectLst/>
+                        </a:rPr>
+                        <a:t>Alley</a:t>
+                      </a:r>
+                      <a:endParaRPr lang="en-US" sz="1100" b="0" i="0" u="none" strike="noStrike">
+                        <a:solidFill>
+                          <a:srgbClr val="000000"/>
+                        </a:solidFill>
+                        <a:effectLst/>
+                        <a:latin typeface="Calibri" panose="020F0502020204030204" pitchFamily="34" charset="0"/>
+                      </a:endParaRPr>
+                    </a:p>
+                  </a:txBody>
+                  <a:tcPr marL="6350" marR="6350" marT="6350" marB="0" anchor="b"/>
+                </a:tc>
+                <a:tc>
+                  <a:txBody>
+                    <a:bodyPr/>
+                    <a:lstStyle/>
+                    <a:p>
+                      <a:pPr algn="r" fontAlgn="b"/>
+                      <a:r>
+                        <a:rPr lang="en-US" sz="1100" u="none" strike="noStrike">
+                          <a:effectLst/>
+                        </a:rPr>
+                        <a:t>1369</a:t>
+                      </a:r>
+                      <a:endParaRPr lang="en-US" sz="1100" b="0" i="0" u="none" strike="noStrike">
+                        <a:solidFill>
+                          <a:srgbClr val="000000"/>
+                        </a:solidFill>
+                        <a:effectLst/>
+                        <a:latin typeface="Calibri" panose="020F0502020204030204" pitchFamily="34" charset="0"/>
+                      </a:endParaRPr>
+                    </a:p>
+                  </a:txBody>
+                  <a:tcPr marL="6350" marR="6350" marT="6350" marB="0" anchor="b"/>
+                </a:tc>
+                <a:extLst>
+                  <a:ext uri="{0D108BD9-81ED-4DB2-BD59-A6C34878D82A}">
+                    <a16:rowId xmlns:a16="http://schemas.microsoft.com/office/drawing/2014/main" val="2045851911"/>
+                  </a:ext>
+                </a:extLst>
+              </a:tr>
+              <a:tr h="248428">
+                <a:tc>
+                  <a:txBody>
+                    <a:bodyPr/>
+                    <a:lstStyle/>
+                    <a:p>
+                      <a:pPr algn="l" fontAlgn="b"/>
+                      <a:r>
+                        <a:rPr lang="en-US" sz="1100" u="none" strike="noStrike">
+                          <a:effectLst/>
+                        </a:rPr>
+                        <a:t>Fence</a:t>
+                      </a:r>
+                      <a:endParaRPr lang="en-US" sz="1100" b="0" i="0" u="none" strike="noStrike">
+                        <a:solidFill>
+                          <a:srgbClr val="000000"/>
+                        </a:solidFill>
+                        <a:effectLst/>
+                        <a:latin typeface="Calibri" panose="020F0502020204030204" pitchFamily="34" charset="0"/>
+                      </a:endParaRPr>
+                    </a:p>
+                  </a:txBody>
+                  <a:tcPr marL="6350" marR="6350" marT="6350" marB="0" anchor="b"/>
+                </a:tc>
+                <a:tc>
+                  <a:txBody>
+                    <a:bodyPr/>
+                    <a:lstStyle/>
+                    <a:p>
+                      <a:pPr algn="r" fontAlgn="b"/>
+                      <a:r>
+                        <a:rPr lang="en-US" sz="1100" u="none" strike="noStrike">
+                          <a:effectLst/>
+                        </a:rPr>
+                        <a:t>1179</a:t>
+                      </a:r>
+                      <a:endParaRPr lang="en-US" sz="1100" b="0" i="0" u="none" strike="noStrike">
+                        <a:solidFill>
+                          <a:srgbClr val="000000"/>
+                        </a:solidFill>
+                        <a:effectLst/>
+                        <a:latin typeface="Calibri" panose="020F0502020204030204" pitchFamily="34" charset="0"/>
+                      </a:endParaRPr>
+                    </a:p>
+                  </a:txBody>
+                  <a:tcPr marL="6350" marR="6350" marT="6350" marB="0" anchor="b"/>
+                </a:tc>
+                <a:extLst>
+                  <a:ext uri="{0D108BD9-81ED-4DB2-BD59-A6C34878D82A}">
+                    <a16:rowId xmlns:a16="http://schemas.microsoft.com/office/drawing/2014/main" val="739765717"/>
+                  </a:ext>
+                </a:extLst>
+              </a:tr>
+              <a:tr h="248428">
+                <a:tc>
+                  <a:txBody>
+                    <a:bodyPr/>
+                    <a:lstStyle/>
+                    <a:p>
+                      <a:pPr algn="l" fontAlgn="b"/>
+                      <a:r>
+                        <a:rPr lang="en-US" sz="1100" u="none" strike="noStrike">
+                          <a:effectLst/>
+                        </a:rPr>
+                        <a:t>FireplaceQu</a:t>
+                      </a:r>
+                      <a:endParaRPr lang="en-US" sz="1100" b="0" i="0" u="none" strike="noStrike">
+                        <a:solidFill>
+                          <a:srgbClr val="000000"/>
+                        </a:solidFill>
+                        <a:effectLst/>
+                        <a:latin typeface="Calibri" panose="020F0502020204030204" pitchFamily="34" charset="0"/>
+                      </a:endParaRPr>
+                    </a:p>
+                  </a:txBody>
+                  <a:tcPr marL="6350" marR="6350" marT="6350" marB="0" anchor="b"/>
+                </a:tc>
+                <a:tc>
+                  <a:txBody>
+                    <a:bodyPr/>
+                    <a:lstStyle/>
+                    <a:p>
+                      <a:pPr algn="r" fontAlgn="b"/>
+                      <a:r>
+                        <a:rPr lang="en-US" sz="1100" u="none" strike="noStrike">
+                          <a:effectLst/>
+                        </a:rPr>
+                        <a:t>1179</a:t>
+                      </a:r>
+                      <a:endParaRPr lang="en-US" sz="1100" b="0" i="0" u="none" strike="noStrike">
+                        <a:solidFill>
+                          <a:srgbClr val="000000"/>
+                        </a:solidFill>
+                        <a:effectLst/>
+                        <a:latin typeface="Calibri" panose="020F0502020204030204" pitchFamily="34" charset="0"/>
+                      </a:endParaRPr>
+                    </a:p>
+                  </a:txBody>
+                  <a:tcPr marL="6350" marR="6350" marT="6350" marB="0" anchor="b"/>
+                </a:tc>
+                <a:extLst>
+                  <a:ext uri="{0D108BD9-81ED-4DB2-BD59-A6C34878D82A}">
+                    <a16:rowId xmlns:a16="http://schemas.microsoft.com/office/drawing/2014/main" val="3682230653"/>
+                  </a:ext>
+                </a:extLst>
+              </a:tr>
+              <a:tr h="248428">
+                <a:tc>
+                  <a:txBody>
+                    <a:bodyPr/>
+                    <a:lstStyle/>
+                    <a:p>
+                      <a:pPr algn="l" fontAlgn="b"/>
+                      <a:r>
+                        <a:rPr lang="en-US" sz="1100" u="none" strike="noStrike">
+                          <a:effectLst/>
+                        </a:rPr>
+                        <a:t>LotFrontage</a:t>
+                      </a:r>
+                      <a:endParaRPr lang="en-US" sz="1100" b="0" i="0" u="none" strike="noStrike">
+                        <a:solidFill>
+                          <a:srgbClr val="000000"/>
+                        </a:solidFill>
+                        <a:effectLst/>
+                        <a:latin typeface="Calibri" panose="020F0502020204030204" pitchFamily="34" charset="0"/>
+                      </a:endParaRPr>
+                    </a:p>
+                  </a:txBody>
+                  <a:tcPr marL="6350" marR="6350" marT="6350" marB="0" anchor="b"/>
+                </a:tc>
+                <a:tc>
+                  <a:txBody>
+                    <a:bodyPr/>
+                    <a:lstStyle/>
+                    <a:p>
+                      <a:pPr algn="r" fontAlgn="b"/>
+                      <a:r>
+                        <a:rPr lang="en-US" sz="1100" u="none" strike="noStrike">
+                          <a:effectLst/>
+                        </a:rPr>
+                        <a:t>259</a:t>
+                      </a:r>
+                      <a:endParaRPr lang="en-US" sz="1100" b="0" i="0" u="none" strike="noStrike">
+                        <a:solidFill>
+                          <a:srgbClr val="000000"/>
+                        </a:solidFill>
+                        <a:effectLst/>
+                        <a:latin typeface="Calibri" panose="020F0502020204030204" pitchFamily="34" charset="0"/>
+                      </a:endParaRPr>
+                    </a:p>
+                  </a:txBody>
+                  <a:tcPr marL="6350" marR="6350" marT="6350" marB="0" anchor="b"/>
+                </a:tc>
+                <a:extLst>
+                  <a:ext uri="{0D108BD9-81ED-4DB2-BD59-A6C34878D82A}">
+                    <a16:rowId xmlns:a16="http://schemas.microsoft.com/office/drawing/2014/main" val="3731108153"/>
+                  </a:ext>
+                </a:extLst>
+              </a:tr>
+              <a:tr h="248428">
+                <a:tc>
+                  <a:txBody>
+                    <a:bodyPr/>
+                    <a:lstStyle/>
+                    <a:p>
+                      <a:pPr algn="l" fontAlgn="b"/>
+                      <a:r>
+                        <a:rPr lang="en-US" sz="1100" u="none" strike="noStrike">
+                          <a:effectLst/>
+                        </a:rPr>
+                        <a:t>GargeType</a:t>
+                      </a:r>
+                      <a:endParaRPr lang="en-US" sz="1100" b="0" i="0" u="none" strike="noStrike">
+                        <a:solidFill>
+                          <a:srgbClr val="000000"/>
+                        </a:solidFill>
+                        <a:effectLst/>
+                        <a:latin typeface="Calibri" panose="020F0502020204030204" pitchFamily="34" charset="0"/>
+                      </a:endParaRPr>
+                    </a:p>
+                  </a:txBody>
+                  <a:tcPr marL="6350" marR="6350" marT="6350" marB="0" anchor="b"/>
+                </a:tc>
+                <a:tc>
+                  <a:txBody>
+                    <a:bodyPr/>
+                    <a:lstStyle/>
+                    <a:p>
+                      <a:pPr algn="r" fontAlgn="b"/>
+                      <a:r>
+                        <a:rPr lang="en-US" sz="1100" u="none" strike="noStrike" dirty="0">
+                          <a:effectLst/>
+                        </a:rPr>
+                        <a:t>81</a:t>
+                      </a:r>
+                      <a:endParaRPr lang="en-US" sz="1100" b="0" i="0" u="none" strike="noStrike" dirty="0">
+                        <a:solidFill>
+                          <a:srgbClr val="000000"/>
+                        </a:solidFill>
+                        <a:effectLst/>
+                        <a:latin typeface="Calibri" panose="020F0502020204030204" pitchFamily="34" charset="0"/>
+                      </a:endParaRPr>
+                    </a:p>
+                  </a:txBody>
+                  <a:tcPr marL="6350" marR="6350" marT="6350" marB="0" anchor="b"/>
+                </a:tc>
+                <a:extLst>
+                  <a:ext uri="{0D108BD9-81ED-4DB2-BD59-A6C34878D82A}">
+                    <a16:rowId xmlns:a16="http://schemas.microsoft.com/office/drawing/2014/main" val="452638788"/>
+                  </a:ext>
+                </a:extLst>
+              </a:tr>
+            </a:tbl>
+          </a:graphicData>
+        </a:graphic>
+      </p:graphicFrame>
+    </p:spTree>
+    <p:extLst>
+      <p:ext uri="{BB962C8B-B14F-4D97-AF65-F5344CB8AC3E}">
+        <p14:creationId xmlns:p14="http://schemas.microsoft.com/office/powerpoint/2010/main" val="3404491437"/>
+      </p:ext>
+    </p:extLst>
+  </p:cSld>
+  <p:clrMapOvr>
+    <a:masterClrMapping/>
+  </p:clrMapOvr>
+</p:sld>
+</file>
+
+<file path=ppt/slides/slide13.xml><?xml version="1.0" encoding="utf-8"?>
+<p:sld xmlns:a="http://schemas.openxmlformats.org/drawingml/2006/main" xmlns:r="http://schemas.openxmlformats.org/officeDocument/2006/relationships" xmlns:p="http://schemas.openxmlformats.org/presentationml/2006/main">
+  <p:cSld>
+    <p:spTree>
+      <p:nvGrpSpPr>
+        <p:cNvPr id="1" name=""/>
+        <p:cNvGrpSpPr/>
+        <p:nvPr/>
+      </p:nvGrpSpPr>
+      <p:grpSpPr>
+        <a:xfrm>
+          <a:off x="0" y="0"/>
+          <a:ext cx="0" cy="0"/>
+          <a:chOff x="0" y="0"/>
+          <a:chExt cx="0" cy="0"/>
+        </a:xfrm>
+      </p:grpSpPr>
+      <p:sp>
+        <p:nvSpPr>
+          <p:cNvPr id="2" name="Title 1">
+            <a:extLst>
+              <a:ext uri="{FF2B5EF4-FFF2-40B4-BE49-F238E27FC236}">
+                <a16:creationId xmlns:a16="http://schemas.microsoft.com/office/drawing/2014/main" id="{B678A683-798F-42EA-B43A-89EB3462EF45}"/>
+              </a:ext>
+            </a:extLst>
+          </p:cNvPr>
+          <p:cNvSpPr>
+            <a:spLocks noGrp="1"/>
+          </p:cNvSpPr>
+          <p:nvPr>
+            <p:ph type="title"/>
+          </p:nvPr>
+        </p:nvSpPr>
+        <p:spPr>
+          <a:xfrm>
+            <a:off x="839788" y="365125"/>
+            <a:ext cx="11250612" cy="606425"/>
+          </a:xfrm>
+          <a:solidFill>
+            <a:schemeClr val="bg1">
+              <a:lumMod val="95000"/>
+            </a:schemeClr>
+          </a:solidFill>
+        </p:spPr>
+        <p:txBody>
+          <a:bodyPr>
+            <a:normAutofit/>
+          </a:bodyPr>
+          <a:lstStyle/>
+          <a:p>
+            <a:r>
+              <a:rPr lang="en-US" sz="2800" b="1" dirty="0">
+                <a:solidFill>
+                  <a:srgbClr val="0070C0"/>
+                </a:solidFill>
+              </a:rPr>
+              <a:t>Missing Values</a:t>
+            </a:r>
+          </a:p>
+        </p:txBody>
+      </p:sp>
+      <p:sp>
+        <p:nvSpPr>
+          <p:cNvPr id="3" name="Text Placeholder 2">
+            <a:extLst>
+              <a:ext uri="{FF2B5EF4-FFF2-40B4-BE49-F238E27FC236}">
+                <a16:creationId xmlns:a16="http://schemas.microsoft.com/office/drawing/2014/main" id="{8B281D6B-49B4-4844-BE3F-BEAB4D279AFB}"/>
+              </a:ext>
+            </a:extLst>
+          </p:cNvPr>
+          <p:cNvSpPr>
+            <a:spLocks noGrp="1"/>
+          </p:cNvSpPr>
+          <p:nvPr>
+            <p:ph type="body" idx="1"/>
+          </p:nvPr>
+        </p:nvSpPr>
+        <p:spPr>
+          <a:xfrm>
+            <a:off x="839788" y="1678782"/>
+            <a:ext cx="5157787" cy="414337"/>
+          </a:xfrm>
+          <a:solidFill>
+            <a:schemeClr val="bg1">
+              <a:lumMod val="95000"/>
+            </a:schemeClr>
+          </a:solidFill>
+        </p:spPr>
+        <p:txBody>
+          <a:bodyPr>
+            <a:normAutofit lnSpcReduction="10000"/>
+          </a:bodyPr>
+          <a:lstStyle/>
+          <a:p>
+            <a:pPr algn="ctr"/>
+            <a:r>
+              <a:rPr lang="en-US" dirty="0">
+                <a:solidFill>
+                  <a:srgbClr val="0070C0"/>
+                </a:solidFill>
+              </a:rPr>
+              <a:t>Before</a:t>
+            </a:r>
+          </a:p>
+        </p:txBody>
+      </p:sp>
+      <p:sp>
+        <p:nvSpPr>
+          <p:cNvPr id="5" name="Text Placeholder 4">
+            <a:extLst>
+              <a:ext uri="{FF2B5EF4-FFF2-40B4-BE49-F238E27FC236}">
+                <a16:creationId xmlns:a16="http://schemas.microsoft.com/office/drawing/2014/main" id="{F16C53F2-C53D-4DCD-BB4C-BA65D4B784E2}"/>
+              </a:ext>
+            </a:extLst>
+          </p:cNvPr>
+          <p:cNvSpPr>
+            <a:spLocks noGrp="1"/>
+          </p:cNvSpPr>
+          <p:nvPr>
+            <p:ph type="body" sz="quarter" idx="3"/>
+          </p:nvPr>
+        </p:nvSpPr>
+        <p:spPr>
+          <a:xfrm>
+            <a:off x="6172200" y="1681163"/>
+            <a:ext cx="5183188" cy="411956"/>
+          </a:xfrm>
+          <a:solidFill>
+            <a:schemeClr val="bg1">
+              <a:lumMod val="95000"/>
+            </a:schemeClr>
+          </a:solidFill>
+        </p:spPr>
+        <p:txBody>
+          <a:bodyPr>
+            <a:normAutofit lnSpcReduction="10000"/>
+          </a:bodyPr>
+          <a:lstStyle/>
+          <a:p>
+            <a:pPr algn="ctr"/>
+            <a:r>
+              <a:rPr lang="en-US" dirty="0">
+                <a:solidFill>
+                  <a:srgbClr val="0070C0"/>
+                </a:solidFill>
+              </a:rPr>
+              <a:t>After</a:t>
+            </a:r>
+          </a:p>
+        </p:txBody>
+      </p:sp>
+      <p:pic>
+        <p:nvPicPr>
+          <p:cNvPr id="8" name="Content Placeholder 5">
+            <a:extLst>
+              <a:ext uri="{FF2B5EF4-FFF2-40B4-BE49-F238E27FC236}">
+                <a16:creationId xmlns:a16="http://schemas.microsoft.com/office/drawing/2014/main" id="{ABA6BD62-2713-4BED-8588-5A5018EA8BA7}"/>
+              </a:ext>
+            </a:extLst>
+          </p:cNvPr>
+          <p:cNvPicPr>
+            <a:picLocks noGrp="1" noChangeAspect="1"/>
+          </p:cNvPicPr>
+          <p:nvPr>
+            <p:ph sz="half" idx="2"/>
+          </p:nvPr>
+        </p:nvPicPr>
+        <p:blipFill>
+          <a:blip r:embed="rId2"/>
+          <a:stretch>
+            <a:fillRect/>
+          </a:stretch>
+        </p:blipFill>
+        <p:spPr>
+          <a:xfrm>
+            <a:off x="839788" y="2362200"/>
+            <a:ext cx="5157787" cy="3892550"/>
+          </a:xfrm>
+          <a:prstGeom prst="rect">
+            <a:avLst/>
+          </a:prstGeom>
+        </p:spPr>
+      </p:pic>
+      <p:sp>
+        <p:nvSpPr>
+          <p:cNvPr id="6" name="Content Placeholder 5">
+            <a:extLst>
+              <a:ext uri="{FF2B5EF4-FFF2-40B4-BE49-F238E27FC236}">
+                <a16:creationId xmlns:a16="http://schemas.microsoft.com/office/drawing/2014/main" id="{105D9244-2480-4081-A63A-05EE107068A0}"/>
+              </a:ext>
+            </a:extLst>
+          </p:cNvPr>
+          <p:cNvSpPr>
+            <a:spLocks noGrp="1"/>
+          </p:cNvSpPr>
+          <p:nvPr>
+            <p:ph sz="quarter" idx="4"/>
+          </p:nvPr>
+        </p:nvSpPr>
+        <p:spPr/>
+        <p:txBody>
+          <a:bodyPr/>
+          <a:lstStyle/>
+          <a:p>
+            <a:endParaRPr lang="en-US"/>
+          </a:p>
+        </p:txBody>
+      </p:sp>
+      <p:pic>
+        <p:nvPicPr>
+          <p:cNvPr id="10" name="Picture 9">
+            <a:extLst>
+              <a:ext uri="{FF2B5EF4-FFF2-40B4-BE49-F238E27FC236}">
+                <a16:creationId xmlns:a16="http://schemas.microsoft.com/office/drawing/2014/main" id="{274335FC-E5A9-467C-A907-5096E7D5A685}"/>
+              </a:ext>
+            </a:extLst>
+          </p:cNvPr>
+          <p:cNvPicPr>
+            <a:picLocks noChangeAspect="1"/>
+          </p:cNvPicPr>
+          <p:nvPr/>
+        </p:nvPicPr>
+        <p:blipFill>
+          <a:blip r:embed="rId3"/>
+          <a:stretch>
+            <a:fillRect/>
+          </a:stretch>
+        </p:blipFill>
+        <p:spPr>
+          <a:xfrm>
+            <a:off x="6194427" y="2362200"/>
+            <a:ext cx="5654272" cy="4000099"/>
+          </a:xfrm>
+          <a:prstGeom prst="rect">
+            <a:avLst/>
+          </a:prstGeom>
+        </p:spPr>
+      </p:pic>
+    </p:spTree>
+    <p:extLst>
+      <p:ext uri="{BB962C8B-B14F-4D97-AF65-F5344CB8AC3E}">
+        <p14:creationId xmlns:p14="http://schemas.microsoft.com/office/powerpoint/2010/main" val="181479394"/>
+      </p:ext>
+    </p:extLst>
+  </p:cSld>
+  <p:clrMapOvr>
+    <a:masterClrMapping/>
+  </p:clrMapOvr>
+</p:sld>
+</file>
+
+<file path=ppt/slides/slide14.xml><?xml version="1.0" encoding="utf-8"?>
+<p:sld xmlns:a="http://schemas.openxmlformats.org/drawingml/2006/main" xmlns:r="http://schemas.openxmlformats.org/officeDocument/2006/relationships" xmlns:p="http://schemas.openxmlformats.org/presentationml/2006/main">
+  <p:cSld>
+    <p:spTree>
+      <p:nvGrpSpPr>
+        <p:cNvPr id="1" name=""/>
+        <p:cNvGrpSpPr/>
+        <p:nvPr/>
+      </p:nvGrpSpPr>
+      <p:grpSpPr>
+        <a:xfrm>
+          <a:off x="0" y="0"/>
+          <a:ext cx="0" cy="0"/>
+          <a:chOff x="0" y="0"/>
+          <a:chExt cx="0" cy="0"/>
+        </a:xfrm>
+      </p:grpSpPr>
+      <p:sp>
+        <p:nvSpPr>
+          <p:cNvPr id="2" name="Title 1">
+            <a:extLst>
+              <a:ext uri="{FF2B5EF4-FFF2-40B4-BE49-F238E27FC236}">
+                <a16:creationId xmlns:a16="http://schemas.microsoft.com/office/drawing/2014/main" id="{1400270B-B8E8-43F5-873B-012CA55CB05F}"/>
+              </a:ext>
+            </a:extLst>
+          </p:cNvPr>
+          <p:cNvSpPr>
+            <a:spLocks noGrp="1"/>
+          </p:cNvSpPr>
+          <p:nvPr>
+            <p:ph type="title"/>
+          </p:nvPr>
+        </p:nvSpPr>
+        <p:spPr>
+          <a:xfrm>
+            <a:off x="838200" y="365125"/>
+            <a:ext cx="10515600" cy="619125"/>
+          </a:xfrm>
+          <a:solidFill>
+            <a:schemeClr val="bg1">
+              <a:lumMod val="95000"/>
+            </a:schemeClr>
+          </a:solidFill>
+        </p:spPr>
+        <p:txBody>
+          <a:bodyPr>
+            <a:normAutofit/>
+          </a:bodyPr>
+          <a:lstStyle/>
+          <a:p>
+            <a:r>
+              <a:rPr lang="en-US" sz="2800" b="1" dirty="0">
+                <a:solidFill>
+                  <a:srgbClr val="0070C0"/>
+                </a:solidFill>
+              </a:rPr>
+              <a:t>Mice Imputations</a:t>
+            </a:r>
+          </a:p>
+        </p:txBody>
+      </p:sp>
+      <p:pic>
+        <p:nvPicPr>
+          <p:cNvPr id="7" name="Picture 6">
+            <a:extLst>
+              <a:ext uri="{FF2B5EF4-FFF2-40B4-BE49-F238E27FC236}">
+                <a16:creationId xmlns:a16="http://schemas.microsoft.com/office/drawing/2014/main" id="{CE9A7683-F99B-4BB9-9D5B-35E7978E378E}"/>
+              </a:ext>
+            </a:extLst>
+          </p:cNvPr>
+          <p:cNvPicPr>
+            <a:picLocks noChangeAspect="1"/>
+          </p:cNvPicPr>
+          <p:nvPr/>
+        </p:nvPicPr>
+        <p:blipFill>
+          <a:blip r:embed="rId2"/>
+          <a:stretch>
+            <a:fillRect/>
+          </a:stretch>
+        </p:blipFill>
+        <p:spPr>
+          <a:xfrm>
+            <a:off x="6705819" y="1981201"/>
+            <a:ext cx="5425137" cy="3849756"/>
+          </a:xfrm>
+          <a:prstGeom prst="rect">
+            <a:avLst/>
+          </a:prstGeom>
+        </p:spPr>
+      </p:pic>
+      <p:pic>
+        <p:nvPicPr>
+          <p:cNvPr id="8" name="Picture 7">
+            <a:extLst>
+              <a:ext uri="{FF2B5EF4-FFF2-40B4-BE49-F238E27FC236}">
+                <a16:creationId xmlns:a16="http://schemas.microsoft.com/office/drawing/2014/main" id="{AF727EA7-E212-44DB-9F3D-B2D87E3B9E1C}"/>
+              </a:ext>
+            </a:extLst>
+          </p:cNvPr>
+          <p:cNvPicPr>
+            <a:picLocks noChangeAspect="1"/>
+          </p:cNvPicPr>
+          <p:nvPr/>
+        </p:nvPicPr>
+        <p:blipFill>
+          <a:blip r:embed="rId3"/>
+          <a:stretch>
+            <a:fillRect/>
+          </a:stretch>
+        </p:blipFill>
+        <p:spPr>
+          <a:xfrm>
+            <a:off x="712690" y="1122609"/>
+            <a:ext cx="5810912" cy="5147054"/>
+          </a:xfrm>
+          <a:prstGeom prst="rect">
+            <a:avLst/>
+          </a:prstGeom>
+        </p:spPr>
+      </p:pic>
+    </p:spTree>
+    <p:extLst>
+      <p:ext uri="{BB962C8B-B14F-4D97-AF65-F5344CB8AC3E}">
+        <p14:creationId xmlns:p14="http://schemas.microsoft.com/office/powerpoint/2010/main" val="2421428901"/>
+      </p:ext>
+    </p:extLst>
+  </p:cSld>
+  <p:clrMapOvr>
+    <a:masterClrMapping/>
+  </p:clrMapOvr>
+</p:sld>
+</file>
+
+<file path=ppt/slides/slide15.xml><?xml version="1.0" encoding="utf-8"?>
+<p:sld xmlns:a="http://schemas.openxmlformats.org/drawingml/2006/main" xmlns:r="http://schemas.openxmlformats.org/officeDocument/2006/relationships" xmlns:p="http://schemas.openxmlformats.org/presentationml/2006/main">
+  <p:cSld>
+    <p:spTree>
+      <p:nvGrpSpPr>
+        <p:cNvPr id="1" name=""/>
+        <p:cNvGrpSpPr/>
+        <p:nvPr/>
+      </p:nvGrpSpPr>
+      <p:grpSpPr>
+        <a:xfrm>
+          <a:off x="0" y="0"/>
+          <a:ext cx="0" cy="0"/>
+          <a:chOff x="0" y="0"/>
+          <a:chExt cx="0" cy="0"/>
+        </a:xfrm>
+      </p:grpSpPr>
+      <p:sp>
+        <p:nvSpPr>
+          <p:cNvPr id="2" name="Title 1">
+            <a:extLst>
+              <a:ext uri="{FF2B5EF4-FFF2-40B4-BE49-F238E27FC236}">
+                <a16:creationId xmlns:a16="http://schemas.microsoft.com/office/drawing/2014/main" id="{0079591C-C7CF-465A-8B80-4916BF201AB3}"/>
+              </a:ext>
+            </a:extLst>
+          </p:cNvPr>
+          <p:cNvSpPr>
+            <a:spLocks noGrp="1"/>
+          </p:cNvSpPr>
+          <p:nvPr>
+            <p:ph type="title"/>
+          </p:nvPr>
+        </p:nvSpPr>
+        <p:spPr>
+          <a:xfrm>
+            <a:off x="838200" y="365126"/>
+            <a:ext cx="10515600" cy="509518"/>
+          </a:xfrm>
+          <a:solidFill>
+            <a:schemeClr val="bg1">
+              <a:lumMod val="95000"/>
+            </a:schemeClr>
+          </a:solidFill>
+        </p:spPr>
+        <p:txBody>
+          <a:bodyPr>
+            <a:normAutofit/>
+          </a:bodyPr>
+          <a:lstStyle/>
+          <a:p>
+            <a:r>
+              <a:rPr lang="en-US" sz="2800" b="1" dirty="0">
+                <a:solidFill>
+                  <a:srgbClr val="0070C0"/>
+                </a:solidFill>
+              </a:rPr>
+              <a:t>Normalizing data</a:t>
+            </a:r>
+          </a:p>
+        </p:txBody>
+      </p:sp>
+      <p:sp>
+        <p:nvSpPr>
+          <p:cNvPr id="3" name="Content Placeholder 2">
+            <a:extLst>
+              <a:ext uri="{FF2B5EF4-FFF2-40B4-BE49-F238E27FC236}">
+                <a16:creationId xmlns:a16="http://schemas.microsoft.com/office/drawing/2014/main" id="{17EB445F-F04E-451B-ABD1-6479155518B6}"/>
+              </a:ext>
+            </a:extLst>
+          </p:cNvPr>
+          <p:cNvSpPr>
+            <a:spLocks noGrp="1"/>
+          </p:cNvSpPr>
+          <p:nvPr>
+            <p:ph sz="half" idx="1"/>
+          </p:nvPr>
+        </p:nvSpPr>
+        <p:spPr>
+          <a:xfrm>
+            <a:off x="838201" y="1253331"/>
+            <a:ext cx="5181600" cy="4351338"/>
+          </a:xfrm>
+        </p:spPr>
+        <p:txBody>
+          <a:bodyPr/>
+          <a:lstStyle/>
+          <a:p>
+            <a:endParaRPr lang="en-US" dirty="0"/>
+          </a:p>
+        </p:txBody>
+      </p:sp>
+      <p:sp>
+        <p:nvSpPr>
+          <p:cNvPr id="4" name="Content Placeholder 3">
+            <a:extLst>
+              <a:ext uri="{FF2B5EF4-FFF2-40B4-BE49-F238E27FC236}">
+                <a16:creationId xmlns:a16="http://schemas.microsoft.com/office/drawing/2014/main" id="{1F42EE73-685A-4DD2-9931-1D1B821AF3BD}"/>
+              </a:ext>
+            </a:extLst>
+          </p:cNvPr>
+          <p:cNvSpPr>
+            <a:spLocks noGrp="1"/>
+          </p:cNvSpPr>
+          <p:nvPr>
+            <p:ph sz="half" idx="2"/>
+          </p:nvPr>
+        </p:nvSpPr>
+        <p:spPr>
+          <a:xfrm>
+            <a:off x="6172201" y="1263408"/>
+            <a:ext cx="5181600" cy="4351338"/>
+          </a:xfrm>
+        </p:spPr>
+        <p:txBody>
+          <a:bodyPr/>
+          <a:lstStyle/>
+          <a:p>
+            <a:endParaRPr lang="en-US"/>
+          </a:p>
+        </p:txBody>
+      </p:sp>
+    </p:spTree>
+    <p:extLst>
+      <p:ext uri="{BB962C8B-B14F-4D97-AF65-F5344CB8AC3E}">
+        <p14:creationId xmlns:p14="http://schemas.microsoft.com/office/powerpoint/2010/main" val="883383090"/>
+      </p:ext>
+    </p:extLst>
+  </p:cSld>
+  <p:clrMapOvr>
+    <a:masterClrMapping/>
+  </p:clrMapOvr>
+</p:sld>
+</file>
+
+<file path=ppt/slides/slide16.xml><?xml version="1.0" encoding="utf-8"?>
+<p:sld xmlns:a="http://schemas.openxmlformats.org/drawingml/2006/main" xmlns:r="http://schemas.openxmlformats.org/officeDocument/2006/relationships" xmlns:p="http://schemas.openxmlformats.org/presentationml/2006/main">
+  <p:cSld>
+    <p:spTree>
+      <p:nvGrpSpPr>
+        <p:cNvPr id="1" name=""/>
+        <p:cNvGrpSpPr/>
+        <p:nvPr/>
+      </p:nvGrpSpPr>
+      <p:grpSpPr>
+        <a:xfrm>
+          <a:off x="0" y="0"/>
+          <a:ext cx="0" cy="0"/>
+          <a:chOff x="0" y="0"/>
+          <a:chExt cx="0" cy="0"/>
+        </a:xfrm>
+      </p:grpSpPr>
+      <p:sp>
+        <p:nvSpPr>
+          <p:cNvPr id="2" name="Title 1">
+            <a:extLst>
+              <a:ext uri="{FF2B5EF4-FFF2-40B4-BE49-F238E27FC236}">
+                <a16:creationId xmlns:a16="http://schemas.microsoft.com/office/drawing/2014/main" id="{5F5F52D5-F627-47E7-8DA6-4AEC5AEF2181}"/>
+              </a:ext>
+            </a:extLst>
+          </p:cNvPr>
+          <p:cNvSpPr>
+            <a:spLocks noGrp="1"/>
+          </p:cNvSpPr>
+          <p:nvPr>
+            <p:ph type="title"/>
+          </p:nvPr>
+        </p:nvSpPr>
+        <p:spPr>
+          <a:xfrm>
+            <a:off x="838200" y="365125"/>
+            <a:ext cx="10515600" cy="657225"/>
+          </a:xfrm>
+        </p:spPr>
+        <p:txBody>
+          <a:bodyPr>
+            <a:normAutofit/>
+          </a:bodyPr>
+          <a:lstStyle/>
+          <a:p>
+            <a:r>
+              <a:rPr lang="en-US" sz="2800" b="1" dirty="0">
+                <a:solidFill>
+                  <a:srgbClr val="0070C0"/>
+                </a:solidFill>
+              </a:rPr>
+              <a:t>Pre-Processing</a:t>
+            </a:r>
+          </a:p>
+        </p:txBody>
+      </p:sp>
+      <p:sp>
+        <p:nvSpPr>
+          <p:cNvPr id="3" name="Content Placeholder 2">
+            <a:extLst>
+              <a:ext uri="{FF2B5EF4-FFF2-40B4-BE49-F238E27FC236}">
+                <a16:creationId xmlns:a16="http://schemas.microsoft.com/office/drawing/2014/main" id="{9A167EDC-842F-4B0A-AC6A-351F61630CAB}"/>
+              </a:ext>
+            </a:extLst>
+          </p:cNvPr>
+          <p:cNvSpPr>
+            <a:spLocks noGrp="1"/>
+          </p:cNvSpPr>
+          <p:nvPr>
+            <p:ph idx="1"/>
+          </p:nvPr>
+        </p:nvSpPr>
+        <p:spPr>
+          <a:xfrm>
+            <a:off x="838200" y="1454150"/>
+            <a:ext cx="10515600" cy="4722813"/>
+          </a:xfrm>
+        </p:spPr>
+        <p:txBody>
+          <a:bodyPr/>
+          <a:lstStyle/>
+          <a:p>
+            <a:r>
+              <a:rPr lang="en-US" dirty="0"/>
+              <a:t>Abnormal sale condition</a:t>
+            </a:r>
+          </a:p>
+          <a:p>
+            <a:r>
+              <a:rPr lang="en-US" dirty="0"/>
+              <a:t>SalePrice normalization</a:t>
+            </a:r>
+          </a:p>
+          <a:p>
+            <a:r>
+              <a:rPr lang="en-US" dirty="0"/>
+              <a:t>New features</a:t>
+            </a:r>
+          </a:p>
+          <a:p>
+            <a:pPr lvl="1"/>
+            <a:r>
+              <a:rPr lang="en-US" dirty="0" err="1"/>
+              <a:t>IsRemodeled</a:t>
+            </a:r>
+            <a:endParaRPr lang="en-US" dirty="0"/>
+          </a:p>
+          <a:p>
+            <a:pPr lvl="1"/>
+            <a:r>
+              <a:rPr lang="en-US" dirty="0" err="1"/>
+              <a:t>QtrSold</a:t>
+            </a:r>
+            <a:endParaRPr lang="en-US" dirty="0"/>
+          </a:p>
+          <a:p>
+            <a:pPr lvl="1"/>
+            <a:r>
+              <a:rPr lang="en-US" dirty="0" err="1"/>
+              <a:t>TotalSF</a:t>
+            </a:r>
+            <a:endParaRPr lang="en-US" dirty="0"/>
+          </a:p>
+          <a:p>
+            <a:r>
+              <a:rPr lang="en-US" dirty="0"/>
+              <a:t>Data correction</a:t>
+            </a:r>
+          </a:p>
+          <a:p>
+            <a:pPr lvl="1"/>
+            <a:r>
+              <a:rPr lang="en-US" dirty="0" err="1"/>
+              <a:t>GarageYrBlt</a:t>
+            </a:r>
+            <a:r>
+              <a:rPr lang="en-US" dirty="0"/>
+              <a:t>  in Test Data</a:t>
+            </a:r>
+          </a:p>
+        </p:txBody>
+      </p:sp>
+    </p:spTree>
+    <p:extLst>
+      <p:ext uri="{BB962C8B-B14F-4D97-AF65-F5344CB8AC3E}">
+        <p14:creationId xmlns:p14="http://schemas.microsoft.com/office/powerpoint/2010/main" val="1649060649"/>
+      </p:ext>
+    </p:extLst>
+  </p:cSld>
+  <p:clrMapOvr>
+    <a:masterClrMapping/>
+  </p:clrMapOvr>
+</p:sld>
+</file>
+
+<file path=ppt/slides/slide17.xml><?xml version="1.0" encoding="utf-8"?>
+<p:sld xmlns:a="http://schemas.openxmlformats.org/drawingml/2006/main" xmlns:r="http://schemas.openxmlformats.org/officeDocument/2006/relationships" xmlns:p="http://schemas.openxmlformats.org/presentationml/2006/main">
+  <p:cSld>
+    <p:bg>
+      <p:bgPr>
+        <a:solidFill>
+          <a:schemeClr val="bg1">
+            <a:tint val="95000"/>
+            <a:satMod val="170000"/>
+          </a:schemeClr>
+        </a:solidFill>
+        <a:effectLst/>
+      </p:bgPr>
+    </p:bg>
+    <p:spTree>
+      <p:nvGrpSpPr>
+        <p:cNvPr id="1" name=""/>
+        <p:cNvGrpSpPr/>
+        <p:nvPr/>
+      </p:nvGrpSpPr>
+      <p:grpSpPr>
+        <a:xfrm>
+          <a:off x="0" y="0"/>
+          <a:ext cx="0" cy="0"/>
+          <a:chOff x="0" y="0"/>
+          <a:chExt cx="0" cy="0"/>
+        </a:xfrm>
+      </p:grpSpPr>
+      <p:grpSp>
+        <p:nvGrpSpPr>
+          <p:cNvPr id="7" name="Group 6" title="intersecting circles">
+            <a:extLst>
+              <a:ext uri="{FF2B5EF4-FFF2-40B4-BE49-F238E27FC236}">
+                <a16:creationId xmlns:a16="http://schemas.microsoft.com/office/drawing/2014/main" id="{D2C4BFA1-2075-4901-9E24-E41D1FDD51FD}"/>
+              </a:ext>
+            </a:extLst>
+          </p:cNvPr>
+          <p:cNvGrpSpPr>
+            <a:grpSpLocks noGrp="1" noUngrp="1" noRot="1" noChangeAspect="1" noMove="1" noResize="1"/>
+          </p:cNvGrpSpPr>
+          <p:nvPr>
+            <p:extLst>
+              <p:ext uri="{386F3935-93C4-4BCD-93E2-E3B085C9AB24}">
+                <p16:designElem xmlns:p16="http://schemas.microsoft.com/office/powerpoint/2015/main" val="1"/>
+              </p:ext>
+            </p:extLst>
+          </p:nvPr>
+        </p:nvGrpSpPr>
+        <p:grpSpPr>
+          <a:xfrm>
+            <a:off x="1155481" y="498348"/>
+            <a:ext cx="9902663" cy="5861304"/>
+            <a:chOff x="1155481" y="498348"/>
+            <a:chExt cx="9902663" cy="5861304"/>
+          </a:xfrm>
+        </p:grpSpPr>
+        <p:sp>
+          <p:nvSpPr>
+            <p:cNvPr id="8" name="Oval 5">
+              <a:extLst>
+                <a:ext uri="{FF2B5EF4-FFF2-40B4-BE49-F238E27FC236}">
+                  <a16:creationId xmlns:a16="http://schemas.microsoft.com/office/drawing/2014/main" id="{985A7375-E3AF-4F5C-85AE-17E8832952CA}"/>
+                </a:ext>
+              </a:extLst>
+            </p:cNvPr>
+            <p:cNvSpPr>
+              <a:spLocks noChangeArrowheads="1"/>
+            </p:cNvSpPr>
+            <p:nvPr>
+              <p:extLst>
+                <p:ext uri="{386F3935-93C4-4BCD-93E2-E3B085C9AB24}">
+                  <p16:designElem xmlns:p16="http://schemas.microsoft.com/office/powerpoint/2015/main" val="1"/>
+                </p:ext>
+              </p:extLst>
+            </p:nvPr>
+          </p:nvSpPr>
+          <p:spPr bwMode="auto">
+            <a:xfrm>
+              <a:off x="1155481" y="498348"/>
+              <a:ext cx="5861304" cy="5861304"/>
+            </a:xfrm>
+            <a:prstGeom prst="ellipse">
+              <a:avLst/>
+            </a:prstGeom>
+            <a:solidFill>
+              <a:schemeClr val="accent1">
+                <a:alpha val="55000"/>
+              </a:schemeClr>
+            </a:solidFill>
+            <a:ln>
+              <a:noFill/>
+            </a:ln>
+          </p:spPr>
+        </p:sp>
+        <p:sp>
+          <p:nvSpPr>
+            <p:cNvPr id="9" name="Oval 8">
+              <a:extLst>
+                <a:ext uri="{FF2B5EF4-FFF2-40B4-BE49-F238E27FC236}">
+                  <a16:creationId xmlns:a16="http://schemas.microsoft.com/office/drawing/2014/main" id="{F0307F65-8304-4FA8-A841-D4D7625411BE}"/>
+                </a:ext>
+              </a:extLst>
+            </p:cNvPr>
+            <p:cNvSpPr>
+              <a:spLocks noChangeArrowheads="1"/>
+            </p:cNvSpPr>
+            <p:nvPr>
+              <p:extLst>
+                <p:ext uri="{386F3935-93C4-4BCD-93E2-E3B085C9AB24}">
+                  <p16:designElem xmlns:p16="http://schemas.microsoft.com/office/powerpoint/2015/main" val="1"/>
+                </p:ext>
+              </p:extLst>
+            </p:nvPr>
+          </p:nvSpPr>
+          <p:spPr bwMode="auto">
+            <a:xfrm>
+              <a:off x="5196840" y="498348"/>
+              <a:ext cx="5861304" cy="5861304"/>
+            </a:xfrm>
+            <a:prstGeom prst="ellipse">
+              <a:avLst/>
+            </a:prstGeom>
+            <a:solidFill>
+              <a:schemeClr val="accent1">
+                <a:alpha val="55000"/>
+              </a:schemeClr>
+            </a:solidFill>
+            <a:ln>
+              <a:noFill/>
+            </a:ln>
+          </p:spPr>
+        </p:sp>
+        <p:sp>
+          <p:nvSpPr>
+            <p:cNvPr id="10" name="Oval 5">
+              <a:extLst>
+                <a:ext uri="{FF2B5EF4-FFF2-40B4-BE49-F238E27FC236}">
+                  <a16:creationId xmlns:a16="http://schemas.microsoft.com/office/drawing/2014/main" id="{C8B8394C-136F-4E05-A002-D93A5E79CD50}"/>
+                </a:ext>
+              </a:extLst>
+            </p:cNvPr>
+            <p:cNvSpPr>
+              <a:spLocks noChangeArrowheads="1"/>
+            </p:cNvSpPr>
+            <p:nvPr>
+              <p:extLst>
+                <p:ext uri="{386F3935-93C4-4BCD-93E2-E3B085C9AB24}">
+                  <p16:designElem xmlns:p16="http://schemas.microsoft.com/office/powerpoint/2015/main" val="1"/>
+                </p:ext>
+              </p:extLst>
+            </p:nvPr>
+          </p:nvSpPr>
+          <p:spPr bwMode="auto">
+            <a:xfrm>
+              <a:off x="3165348" y="498348"/>
+              <a:ext cx="5861304" cy="5861304"/>
+            </a:xfrm>
+            <a:prstGeom prst="ellipse">
+              <a:avLst/>
+            </a:prstGeom>
+            <a:solidFill>
+              <a:schemeClr val="accent1">
+                <a:alpha val="70000"/>
+              </a:schemeClr>
+            </a:solidFill>
+            <a:ln>
+              <a:noFill/>
+            </a:ln>
+          </p:spPr>
+        </p:sp>
+      </p:grpSp>
+      <p:sp>
+        <p:nvSpPr>
+          <p:cNvPr id="12" name="Rectangle 11" title="ribbon">
+            <a:extLst>
+              <a:ext uri="{FF2B5EF4-FFF2-40B4-BE49-F238E27FC236}">
+                <a16:creationId xmlns:a16="http://schemas.microsoft.com/office/drawing/2014/main" id="{053FB2EE-284F-4C87-AB3D-BBF87A9FAB97}"/>
+              </a:ext>
+            </a:extLst>
+          </p:cNvPr>
+          <p:cNvSpPr>
+            <a:spLocks noGrp="1" noRot="1" noChangeAspect="1" noMove="1" noResize="1" noEditPoints="1" noAdjustHandles="1" noChangeArrowheads="1" noChangeShapeType="1" noTextEdit="1"/>
+          </p:cNvSpPr>
+          <p:nvPr>
+            <p:extLst>
+              <p:ext uri="{386F3935-93C4-4BCD-93E2-E3B085C9AB24}">
+                <p16:designElem xmlns:p16="http://schemas.microsoft.com/office/powerpoint/2015/main" val="1"/>
+              </p:ext>
+            </p:extLst>
+          </p:nvPr>
+        </p:nvSpPr>
+        <p:spPr>
+          <a:xfrm>
+            <a:off x="0" y="2514600"/>
+            <a:ext cx="12192000" cy="1828800"/>
+          </a:xfrm>
+          <a:prstGeom prst="rect">
+            <a:avLst/>
+          </a:prstGeom>
+          <a:solidFill>
+            <a:schemeClr val="tx2"/>
+          </a:solidFill>
+          <a:ln>
+            <a:noFill/>
+          </a:ln>
+        </p:spPr>
+        <p:style>
+          <a:lnRef idx="2">
+            <a:schemeClr val="accent1">
+              <a:shade val="50000"/>
+            </a:schemeClr>
+          </a:lnRef>
+          <a:fillRef idx="1">
+            <a:schemeClr val="accent1"/>
+          </a:fillRef>
+          <a:effectRef idx="0">
+            <a:schemeClr val="accent1"/>
+          </a:effectRef>
+          <a:fontRef idx="minor">
+            <a:schemeClr val="lt1"/>
+          </a:fontRef>
+        </p:style>
+      </p:sp>
+      <p:sp>
+        <p:nvSpPr>
+          <p:cNvPr id="2" name="Title 1">
+            <a:extLst>
+              <a:ext uri="{FF2B5EF4-FFF2-40B4-BE49-F238E27FC236}">
+                <a16:creationId xmlns:a16="http://schemas.microsoft.com/office/drawing/2014/main" id="{D73EACD4-11B0-4C61-B08E-80EA74CE041B}"/>
+              </a:ext>
+            </a:extLst>
+          </p:cNvPr>
+          <p:cNvSpPr>
+            <a:spLocks noGrp="1"/>
+          </p:cNvSpPr>
+          <p:nvPr>
+            <p:ph type="title"/>
+          </p:nvPr>
+        </p:nvSpPr>
+        <p:spPr>
+          <a:xfrm>
+            <a:off x="1524000" y="2776538"/>
+            <a:ext cx="9144000" cy="1381188"/>
+          </a:xfrm>
+        </p:spPr>
+        <p:txBody>
+          <a:bodyPr vert="horz" lIns="91440" tIns="45720" rIns="91440" bIns="45720" rtlCol="0" anchor="ctr">
+            <a:normAutofit/>
+          </a:bodyPr>
+          <a:lstStyle/>
+          <a:p>
+            <a:pPr algn="ctr"/>
+            <a:r>
+              <a:rPr lang="en-US" sz="4000" b="1" kern="1200">
+                <a:solidFill>
+                  <a:schemeClr val="bg2"/>
+                </a:solidFill>
+                <a:latin typeface="+mj-lt"/>
+                <a:ea typeface="+mj-ea"/>
+                <a:cs typeface="+mj-cs"/>
+              </a:rPr>
+              <a:t>Features Engineering</a:t>
+            </a:r>
+          </a:p>
+        </p:txBody>
+      </p:sp>
+    </p:spTree>
+    <p:extLst>
+      <p:ext uri="{BB962C8B-B14F-4D97-AF65-F5344CB8AC3E}">
+        <p14:creationId xmlns:p14="http://schemas.microsoft.com/office/powerpoint/2010/main" val="2652359684"/>
+      </p:ext>
+    </p:extLst>
+  </p:cSld>
+  <p:clrMapOvr>
+    <a:overrideClrMapping bg1="dk1" tx1="lt1" bg2="dk2" tx2="lt2" accent1="accent1" accent2="accent2" accent3="accent3" accent4="accent4" accent5="accent5" accent6="accent6" hlink="hlink" folHlink="folHlink"/>
+  </p:clrMapOvr>
+</p:sld>
+</file>
+
+<file path=ppt/slides/slide18.xml><?xml version="1.0" encoding="utf-8"?>
+<p:sld xmlns:a="http://schemas.openxmlformats.org/drawingml/2006/main" xmlns:r="http://schemas.openxmlformats.org/officeDocument/2006/relationships" xmlns:p="http://schemas.openxmlformats.org/presentationml/2006/main">
+  <p:cSld>
+    <p:spTree>
+      <p:nvGrpSpPr>
+        <p:cNvPr id="1" name=""/>
+        <p:cNvGrpSpPr/>
+        <p:nvPr/>
+      </p:nvGrpSpPr>
+      <p:grpSpPr>
+        <a:xfrm>
+          <a:off x="0" y="0"/>
+          <a:ext cx="0" cy="0"/>
+          <a:chOff x="0" y="0"/>
+          <a:chExt cx="0" cy="0"/>
+        </a:xfrm>
+      </p:grpSpPr>
+      <p:sp>
+        <p:nvSpPr>
+          <p:cNvPr id="2" name="Title 1">
+            <a:extLst>
+              <a:ext uri="{FF2B5EF4-FFF2-40B4-BE49-F238E27FC236}">
+                <a16:creationId xmlns:a16="http://schemas.microsoft.com/office/drawing/2014/main" id="{2857359D-8E42-4E82-8425-9D60AB480CEB}"/>
+              </a:ext>
+            </a:extLst>
+          </p:cNvPr>
+          <p:cNvSpPr>
+            <a:spLocks noGrp="1"/>
+          </p:cNvSpPr>
+          <p:nvPr>
+            <p:ph type="title"/>
+          </p:nvPr>
+        </p:nvSpPr>
+        <p:spPr>
+          <a:xfrm>
+            <a:off x="838200" y="57150"/>
+            <a:ext cx="10515600" cy="623888"/>
+          </a:xfrm>
+        </p:spPr>
+        <p:txBody>
+          <a:bodyPr>
+            <a:normAutofit/>
+          </a:bodyPr>
+          <a:lstStyle/>
+          <a:p>
+            <a:r>
+              <a:rPr lang="en-US" sz="2800" b="1" dirty="0">
+                <a:solidFill>
+                  <a:srgbClr val="0070C0"/>
+                </a:solidFill>
+              </a:rPr>
+              <a:t>Ames, IA Neighborhood</a:t>
+            </a:r>
+          </a:p>
+        </p:txBody>
+      </p:sp>
+      <p:pic>
+        <p:nvPicPr>
+          <p:cNvPr id="5" name="Content Placeholder 4" descr="A picture containing text, map&#10;&#10;Description generated with very high confidence">
+            <a:extLst>
+              <a:ext uri="{FF2B5EF4-FFF2-40B4-BE49-F238E27FC236}">
+                <a16:creationId xmlns:a16="http://schemas.microsoft.com/office/drawing/2014/main" id="{3F79C98B-27F5-4E14-88F3-CB814C72F9F9}"/>
+              </a:ext>
+            </a:extLst>
+          </p:cNvPr>
+          <p:cNvPicPr>
+            <a:picLocks noGrp="1" noChangeAspect="1"/>
+          </p:cNvPicPr>
+          <p:nvPr>
+            <p:ph idx="1"/>
+          </p:nvPr>
+        </p:nvPicPr>
+        <p:blipFill>
+          <a:blip r:embed="rId2">
+            <a:extLst>
+              <a:ext uri="{28A0092B-C50C-407E-A947-70E740481C1C}">
+                <a14:useLocalDpi xmlns:a14="http://schemas.microsoft.com/office/drawing/2010/main" val="0"/>
+              </a:ext>
+            </a:extLst>
+          </a:blip>
+          <a:stretch>
+            <a:fillRect/>
+          </a:stretch>
+        </p:blipFill>
+        <p:spPr>
+          <a:xfrm>
+            <a:off x="2477558" y="749300"/>
+            <a:ext cx="7236884" cy="5427663"/>
+          </a:xfrm>
+        </p:spPr>
+      </p:pic>
+    </p:spTree>
+    <p:extLst>
+      <p:ext uri="{BB962C8B-B14F-4D97-AF65-F5344CB8AC3E}">
+        <p14:creationId xmlns:p14="http://schemas.microsoft.com/office/powerpoint/2010/main" val="3394999450"/>
+      </p:ext>
+    </p:extLst>
+  </p:cSld>
+  <p:clrMapOvr>
+    <a:masterClrMapping/>
+  </p:clrMapOvr>
+</p:sld>
+</file>
+
+<file path=ppt/slides/slide19.xml><?xml version="1.0" encoding="utf-8"?>
+<p:sld xmlns:a="http://schemas.openxmlformats.org/drawingml/2006/main" xmlns:r="http://schemas.openxmlformats.org/officeDocument/2006/relationships" xmlns:p="http://schemas.openxmlformats.org/presentationml/2006/main">
+  <p:cSld>
+    <p:spTree>
+      <p:nvGrpSpPr>
+        <p:cNvPr id="1" name=""/>
+        <p:cNvGrpSpPr/>
+        <p:nvPr/>
+      </p:nvGrpSpPr>
+      <p:grpSpPr>
+        <a:xfrm>
+          <a:off x="0" y="0"/>
+          <a:ext cx="0" cy="0"/>
+          <a:chOff x="0" y="0"/>
+          <a:chExt cx="0" cy="0"/>
+        </a:xfrm>
+      </p:grpSpPr>
+      <p:sp>
+        <p:nvSpPr>
+          <p:cNvPr id="2" name="Title 1">
+            <a:extLst>
+              <a:ext uri="{FF2B5EF4-FFF2-40B4-BE49-F238E27FC236}">
+                <a16:creationId xmlns:a16="http://schemas.microsoft.com/office/drawing/2014/main" id="{81143400-17C2-46C3-B542-3A5E93B82BAF}"/>
+              </a:ext>
+            </a:extLst>
+          </p:cNvPr>
+          <p:cNvSpPr>
+            <a:spLocks noGrp="1"/>
+          </p:cNvSpPr>
+          <p:nvPr>
+            <p:ph type="title"/>
+          </p:nvPr>
+        </p:nvSpPr>
+        <p:spPr>
+          <a:xfrm>
+            <a:off x="838200" y="365125"/>
+            <a:ext cx="10515600" cy="721553"/>
+          </a:xfrm>
+        </p:spPr>
+        <p:txBody>
+          <a:bodyPr/>
+          <a:lstStyle/>
+          <a:p>
+            <a:endParaRPr lang="en-US"/>
+          </a:p>
+        </p:txBody>
+      </p:sp>
+      <p:sp>
+        <p:nvSpPr>
+          <p:cNvPr id="3" name="Content Placeholder 2">
+            <a:extLst>
+              <a:ext uri="{FF2B5EF4-FFF2-40B4-BE49-F238E27FC236}">
+                <a16:creationId xmlns:a16="http://schemas.microsoft.com/office/drawing/2014/main" id="{86B482C9-595C-4996-BC26-73FABEB73EBA}"/>
+              </a:ext>
+            </a:extLst>
+          </p:cNvPr>
+          <p:cNvSpPr>
+            <a:spLocks noGrp="1"/>
+          </p:cNvSpPr>
+          <p:nvPr>
+            <p:ph sz="half" idx="1"/>
+          </p:nvPr>
+        </p:nvSpPr>
+        <p:spPr/>
+        <p:txBody>
+          <a:bodyPr/>
+          <a:lstStyle/>
+          <a:p>
+            <a:endParaRPr lang="en-US" dirty="0"/>
+          </a:p>
+        </p:txBody>
+      </p:sp>
+      <p:sp>
+        <p:nvSpPr>
+          <p:cNvPr id="4" name="Content Placeholder 3">
+            <a:extLst>
+              <a:ext uri="{FF2B5EF4-FFF2-40B4-BE49-F238E27FC236}">
+                <a16:creationId xmlns:a16="http://schemas.microsoft.com/office/drawing/2014/main" id="{1FB9EF3B-5739-449C-8F2F-689564A71AA6}"/>
+              </a:ext>
+            </a:extLst>
+          </p:cNvPr>
+          <p:cNvSpPr>
+            <a:spLocks noGrp="1"/>
+          </p:cNvSpPr>
+          <p:nvPr>
+            <p:ph sz="half" idx="2"/>
+          </p:nvPr>
+        </p:nvSpPr>
+        <p:spPr/>
+        <p:txBody>
+          <a:bodyPr/>
+          <a:lstStyle/>
+          <a:p>
+            <a:endParaRPr lang="en-US" dirty="0"/>
+          </a:p>
+        </p:txBody>
+      </p:sp>
+    </p:spTree>
+    <p:extLst>
+      <p:ext uri="{BB962C8B-B14F-4D97-AF65-F5344CB8AC3E}">
+        <p14:creationId xmlns:p14="http://schemas.microsoft.com/office/powerpoint/2010/main" val="3987558710"/>
+      </p:ext>
+    </p:extLst>
+  </p:cSld>
+  <p:clrMapOvr>
+    <a:masterClrMapping/>
+  </p:clrMapOvr>
+</p:sld>
+</file>
+
+<file path=ppt/slides/slide2.xml><?xml version="1.0" encoding="utf-8"?>
+<p:sld xmlns:a="http://schemas.openxmlformats.org/drawingml/2006/main" xmlns:r="http://schemas.openxmlformats.org/officeDocument/2006/relationships" xmlns:p="http://schemas.openxmlformats.org/presentationml/2006/main">
+  <p:cSld>
+    <p:spTree>
+      <p:nvGrpSpPr>
+        <p:cNvPr id="1" name=""/>
+        <p:cNvGrpSpPr/>
+        <p:nvPr/>
+      </p:nvGrpSpPr>
+      <p:grpSpPr>
+        <a:xfrm>
+          <a:off x="0" y="0"/>
+          <a:ext cx="0" cy="0"/>
+          <a:chOff x="0" y="0"/>
+          <a:chExt cx="0" cy="0"/>
+        </a:xfrm>
+      </p:grpSpPr>
+      <p:sp>
+        <p:nvSpPr>
+          <p:cNvPr id="2" name="Title 1">
+            <a:extLst>
+              <a:ext uri="{FF2B5EF4-FFF2-40B4-BE49-F238E27FC236}">
+                <a16:creationId xmlns:a16="http://schemas.microsoft.com/office/drawing/2014/main" id="{78C2549D-3C9C-4E70-97DB-F3E7F6878DD1}"/>
+              </a:ext>
+            </a:extLst>
+          </p:cNvPr>
+          <p:cNvSpPr>
+            <a:spLocks noGrp="1"/>
+          </p:cNvSpPr>
+          <p:nvPr>
+            <p:ph type="title"/>
+          </p:nvPr>
+        </p:nvSpPr>
+        <p:spPr>
+          <a:xfrm>
+            <a:off x="393700" y="365125"/>
+            <a:ext cx="10960100" cy="631825"/>
+          </a:xfrm>
+        </p:spPr>
+        <p:txBody>
+          <a:bodyPr>
+            <a:normAutofit fontScale="90000"/>
+          </a:bodyPr>
+          <a:lstStyle/>
+          <a:p>
+            <a:r>
+              <a:rPr lang="en-US" b="1" dirty="0">
+                <a:solidFill>
+                  <a:srgbClr val="0070C0"/>
+                </a:solidFill>
+              </a:rPr>
+              <a:t>Agenda</a:t>
+            </a:r>
+          </a:p>
+        </p:txBody>
+      </p:sp>
+      <p:sp>
+        <p:nvSpPr>
+          <p:cNvPr id="3" name="Content Placeholder 2">
+            <a:extLst>
+              <a:ext uri="{FF2B5EF4-FFF2-40B4-BE49-F238E27FC236}">
+                <a16:creationId xmlns:a16="http://schemas.microsoft.com/office/drawing/2014/main" id="{9AD5DA06-32C0-4BB6-B574-482ECFA38830}"/>
+              </a:ext>
+            </a:extLst>
+          </p:cNvPr>
+          <p:cNvSpPr>
+            <a:spLocks noGrp="1"/>
+          </p:cNvSpPr>
+          <p:nvPr>
+            <p:ph idx="1"/>
+          </p:nvPr>
+        </p:nvSpPr>
+        <p:spPr>
+          <a:xfrm>
+            <a:off x="838200" y="1212850"/>
+            <a:ext cx="10515600" cy="4964113"/>
+          </a:xfrm>
+        </p:spPr>
+        <p:txBody>
+          <a:bodyPr/>
+          <a:lstStyle/>
+          <a:p>
+            <a:pPr marL="0" indent="0">
+              <a:buNone/>
+            </a:pPr>
+            <a:r>
+              <a:rPr lang="en-US" dirty="0"/>
+              <a:t>Project aims at predicting house prices (residential) in Ames, Iowa, USA based on data set provided by Kaggle between 2006 and 2010.</a:t>
+            </a:r>
+          </a:p>
+          <a:p>
+            <a:endParaRPr lang="en-US" dirty="0"/>
+          </a:p>
+          <a:p>
+            <a:pPr lvl="1"/>
+            <a:r>
+              <a:rPr lang="en-US" dirty="0"/>
+              <a:t>Data Exploration</a:t>
+            </a:r>
+          </a:p>
+          <a:p>
+            <a:pPr lvl="1"/>
+            <a:r>
+              <a:rPr lang="en-US" dirty="0"/>
+              <a:t>Data Cleaning</a:t>
+            </a:r>
+          </a:p>
+          <a:p>
+            <a:pPr lvl="1"/>
+            <a:r>
+              <a:rPr lang="en-US" dirty="0"/>
+              <a:t>Feature Engineering </a:t>
+            </a:r>
+          </a:p>
+          <a:p>
+            <a:pPr lvl="1"/>
+            <a:r>
+              <a:rPr lang="en-US" dirty="0"/>
+              <a:t>Model Training</a:t>
+            </a:r>
+          </a:p>
+          <a:p>
+            <a:pPr lvl="1"/>
+            <a:r>
+              <a:rPr lang="en-US" dirty="0"/>
+              <a:t>Model Evaluation</a:t>
+            </a:r>
+          </a:p>
+          <a:p>
+            <a:pPr marL="0" indent="0">
+              <a:buNone/>
+            </a:pPr>
+            <a:endParaRPr lang="en-US" dirty="0"/>
+          </a:p>
+          <a:p>
+            <a:pPr marL="0" indent="0">
+              <a:buNone/>
+            </a:pPr>
+            <a:endParaRPr lang="en-US" dirty="0"/>
+          </a:p>
+        </p:txBody>
+      </p:sp>
+    </p:spTree>
+    <p:extLst>
+      <p:ext uri="{BB962C8B-B14F-4D97-AF65-F5344CB8AC3E}">
+        <p14:creationId xmlns:p14="http://schemas.microsoft.com/office/powerpoint/2010/main" val="1915621482"/>
+      </p:ext>
+    </p:extLst>
+  </p:cSld>
+  <p:clrMapOvr>
+    <a:masterClrMapping/>
+  </p:clrMapOvr>
+</p:sld>
+</file>
+
+<file path=ppt/slides/slide20.xml><?xml version="1.0" encoding="utf-8"?>
+<p:sld xmlns:a="http://schemas.openxmlformats.org/drawingml/2006/main" xmlns:r="http://schemas.openxmlformats.org/officeDocument/2006/relationships" xmlns:p="http://schemas.openxmlformats.org/presentationml/2006/main">
+  <p:cSld>
+    <p:spTree>
+      <p:nvGrpSpPr>
+        <p:cNvPr id="1" name=""/>
+        <p:cNvGrpSpPr/>
+        <p:nvPr/>
+      </p:nvGrpSpPr>
+      <p:grpSpPr>
+        <a:xfrm>
+          <a:off x="0" y="0"/>
+          <a:ext cx="0" cy="0"/>
+          <a:chOff x="0" y="0"/>
+          <a:chExt cx="0" cy="0"/>
+        </a:xfrm>
+      </p:grpSpPr>
+      <p:sp>
+        <p:nvSpPr>
+          <p:cNvPr id="2" name="Title 1">
+            <a:extLst>
+              <a:ext uri="{FF2B5EF4-FFF2-40B4-BE49-F238E27FC236}">
+                <a16:creationId xmlns:a16="http://schemas.microsoft.com/office/drawing/2014/main" id="{031A250B-903B-4C2F-BBB0-E0E0E9895EAE}"/>
+              </a:ext>
+            </a:extLst>
+          </p:cNvPr>
+          <p:cNvSpPr>
+            <a:spLocks noGrp="1"/>
+          </p:cNvSpPr>
+          <p:nvPr>
+            <p:ph type="title"/>
+          </p:nvPr>
+        </p:nvSpPr>
+        <p:spPr>
+          <a:xfrm>
+            <a:off x="838200" y="365125"/>
+            <a:ext cx="10515600" cy="555901"/>
+          </a:xfrm>
+        </p:spPr>
+        <p:txBody>
+          <a:bodyPr>
+            <a:normAutofit/>
+          </a:bodyPr>
+          <a:lstStyle/>
+          <a:p>
+            <a:r>
+              <a:rPr lang="en-US" sz="2800" b="1" dirty="0">
+                <a:solidFill>
+                  <a:srgbClr val="0070C0"/>
+                </a:solidFill>
+              </a:rPr>
+              <a:t>PCA – Component Analysis</a:t>
+            </a:r>
+          </a:p>
+        </p:txBody>
+      </p:sp>
+      <p:pic>
+        <p:nvPicPr>
+          <p:cNvPr id="4" name="Content Placeholder 3">
+            <a:extLst>
+              <a:ext uri="{FF2B5EF4-FFF2-40B4-BE49-F238E27FC236}">
+                <a16:creationId xmlns:a16="http://schemas.microsoft.com/office/drawing/2014/main" id="{1A2CE107-84F2-49D3-8FEA-2C66BF7024A5}"/>
+              </a:ext>
+            </a:extLst>
+          </p:cNvPr>
+          <p:cNvPicPr>
+            <a:picLocks noGrp="1" noChangeAspect="1"/>
+          </p:cNvPicPr>
+          <p:nvPr>
+            <p:ph idx="1"/>
+          </p:nvPr>
+        </p:nvPicPr>
+        <p:blipFill>
+          <a:blip r:embed="rId2"/>
+          <a:stretch>
+            <a:fillRect/>
+          </a:stretch>
+        </p:blipFill>
+        <p:spPr>
+          <a:xfrm>
+            <a:off x="838200" y="742121"/>
+            <a:ext cx="5653711" cy="5259876"/>
+          </a:xfrm>
+          <a:prstGeom prst="rect">
+            <a:avLst/>
+          </a:prstGeom>
+        </p:spPr>
+      </p:pic>
+      <p:pic>
+        <p:nvPicPr>
+          <p:cNvPr id="6" name="Picture 5">
+            <a:extLst>
+              <a:ext uri="{FF2B5EF4-FFF2-40B4-BE49-F238E27FC236}">
+                <a16:creationId xmlns:a16="http://schemas.microsoft.com/office/drawing/2014/main" id="{630FABA8-E3EA-433B-B06B-D1AEEC2D1AE9}"/>
+              </a:ext>
+            </a:extLst>
+          </p:cNvPr>
+          <p:cNvPicPr>
+            <a:picLocks noChangeAspect="1"/>
+          </p:cNvPicPr>
+          <p:nvPr/>
+        </p:nvPicPr>
+        <p:blipFill rotWithShape="1">
+          <a:blip r:embed="rId3"/>
+          <a:srcRect l="23977" t="14106" r="36409" b="5324"/>
+          <a:stretch/>
+        </p:blipFill>
+        <p:spPr>
+          <a:xfrm>
+            <a:off x="7177351" y="496958"/>
+            <a:ext cx="4075044" cy="5949536"/>
+          </a:xfrm>
+          <a:prstGeom prst="rect">
+            <a:avLst/>
+          </a:prstGeom>
+        </p:spPr>
+      </p:pic>
+      <p:sp>
+        <p:nvSpPr>
+          <p:cNvPr id="15" name="TextBox 14">
+            <a:extLst>
+              <a:ext uri="{FF2B5EF4-FFF2-40B4-BE49-F238E27FC236}">
+                <a16:creationId xmlns:a16="http://schemas.microsoft.com/office/drawing/2014/main" id="{32761442-04F3-4CB3-BA2C-C8547148D556}"/>
+              </a:ext>
+            </a:extLst>
+          </p:cNvPr>
+          <p:cNvSpPr txBox="1"/>
+          <p:nvPr/>
+        </p:nvSpPr>
+        <p:spPr>
+          <a:xfrm>
+            <a:off x="1451112" y="6001997"/>
+            <a:ext cx="3988905" cy="523220"/>
+          </a:xfrm>
+          <a:prstGeom prst="rect">
+            <a:avLst/>
+          </a:prstGeom>
+          <a:noFill/>
+          <a:ln>
+            <a:solidFill>
+              <a:schemeClr val="tx2"/>
+            </a:solidFill>
+          </a:ln>
+        </p:spPr>
+        <p:txBody>
+          <a:bodyPr wrap="square" rtlCol="0">
+            <a:spAutoFit/>
+          </a:bodyPr>
+          <a:lstStyle/>
+          <a:p>
+            <a:r>
+              <a:rPr lang="pt-BR" sz="1400" dirty="0"/>
+              <a:t> sp$finalModel$xNames</a:t>
+            </a:r>
+          </a:p>
+          <a:p>
+            <a:r>
+              <a:rPr lang="pt-BR" sz="1400" dirty="0"/>
+              <a:t>[1] "PC1" "PC2" "PC3"</a:t>
+            </a:r>
+            <a:endParaRPr lang="en-US" sz="1400" dirty="0"/>
+          </a:p>
+        </p:txBody>
+      </p:sp>
+    </p:spTree>
+    <p:extLst>
+      <p:ext uri="{BB962C8B-B14F-4D97-AF65-F5344CB8AC3E}">
+        <p14:creationId xmlns:p14="http://schemas.microsoft.com/office/powerpoint/2010/main" val="2190404837"/>
+      </p:ext>
+    </p:extLst>
+  </p:cSld>
+  <p:clrMapOvr>
+    <a:masterClrMapping/>
+  </p:clrMapOvr>
+</p:sld>
+</file>
+
+<file path=ppt/slides/slide21.xml><?xml version="1.0" encoding="utf-8"?>
+<p:sld xmlns:a="http://schemas.openxmlformats.org/drawingml/2006/main" xmlns:r="http://schemas.openxmlformats.org/officeDocument/2006/relationships" xmlns:p="http://schemas.openxmlformats.org/presentationml/2006/main">
+  <p:cSld>
+    <p:spTree>
+      <p:nvGrpSpPr>
+        <p:cNvPr id="1" name=""/>
+        <p:cNvGrpSpPr/>
+        <p:nvPr/>
+      </p:nvGrpSpPr>
+      <p:grpSpPr>
+        <a:xfrm>
+          <a:off x="0" y="0"/>
+          <a:ext cx="0" cy="0"/>
+          <a:chOff x="0" y="0"/>
+          <a:chExt cx="0" cy="0"/>
+        </a:xfrm>
+      </p:grpSpPr>
+      <p:sp>
+        <p:nvSpPr>
+          <p:cNvPr id="2" name="Title 1">
+            <a:extLst>
+              <a:ext uri="{FF2B5EF4-FFF2-40B4-BE49-F238E27FC236}">
+                <a16:creationId xmlns:a16="http://schemas.microsoft.com/office/drawing/2014/main" id="{FEC2F345-E0E0-48D5-A931-9DDAA72683B2}"/>
+              </a:ext>
+            </a:extLst>
+          </p:cNvPr>
+          <p:cNvSpPr>
+            <a:spLocks noGrp="1"/>
+          </p:cNvSpPr>
+          <p:nvPr>
+            <p:ph type="title"/>
+          </p:nvPr>
+        </p:nvSpPr>
+        <p:spPr>
+          <a:xfrm>
+            <a:off x="838200" y="365125"/>
+            <a:ext cx="10515600" cy="1127125"/>
+          </a:xfrm>
+        </p:spPr>
+        <p:txBody>
+          <a:bodyPr>
+            <a:normAutofit/>
+          </a:bodyPr>
+          <a:lstStyle/>
+          <a:p>
+            <a:r>
+              <a:rPr lang="en-US" sz="2800" b="1" dirty="0">
+                <a:solidFill>
+                  <a:srgbClr val="0070C0"/>
+                </a:solidFill>
+              </a:rPr>
+              <a:t>Case-Shiller Housing Index</a:t>
+            </a:r>
+          </a:p>
+        </p:txBody>
+      </p:sp>
+      <p:sp>
+        <p:nvSpPr>
+          <p:cNvPr id="3" name="Rectangle 2">
+            <a:extLst>
+              <a:ext uri="{FF2B5EF4-FFF2-40B4-BE49-F238E27FC236}">
+                <a16:creationId xmlns:a16="http://schemas.microsoft.com/office/drawing/2014/main" id="{F011FC70-54BD-468D-8091-43615AB87158}"/>
+              </a:ext>
+            </a:extLst>
+          </p:cNvPr>
+          <p:cNvSpPr/>
+          <p:nvPr/>
+        </p:nvSpPr>
+        <p:spPr>
+          <a:xfrm>
+            <a:off x="7361583" y="2736574"/>
+            <a:ext cx="1172817" cy="881269"/>
+          </a:xfrm>
+          <a:prstGeom prst="rect">
+            <a:avLst/>
+          </a:prstGeom>
+          <a:solidFill>
+            <a:srgbClr val="FFF2CC">
+              <a:alpha val="98824"/>
+            </a:srgbClr>
+          </a:solidFill>
+        </p:spPr>
+        <p:style>
+          <a:lnRef idx="2">
+            <a:schemeClr val="accent1">
+              <a:shade val="50000"/>
+            </a:schemeClr>
+          </a:lnRef>
+          <a:fillRef idx="1">
+            <a:schemeClr val="accent1"/>
+          </a:fillRef>
+          <a:effectRef idx="0">
+            <a:schemeClr val="accent1"/>
+          </a:effectRef>
+          <a:fontRef idx="minor">
+            <a:schemeClr val="lt1"/>
+          </a:fontRef>
+        </p:style>
+        <p:txBody>
+          <a:bodyPr rtlCol="0" anchor="ctr"/>
+          <a:lstStyle/>
+          <a:p>
+            <a:endParaRPr lang="en-US" sz="900" dirty="0"/>
+          </a:p>
+        </p:txBody>
+      </p:sp>
+      <p:pic>
+        <p:nvPicPr>
+          <p:cNvPr id="4" name="Content Placeholder 3">
+            <a:extLst>
+              <a:ext uri="{FF2B5EF4-FFF2-40B4-BE49-F238E27FC236}">
+                <a16:creationId xmlns:a16="http://schemas.microsoft.com/office/drawing/2014/main" id="{8B692D5B-5E47-45E3-8323-449AC468B800}"/>
+              </a:ext>
+            </a:extLst>
+          </p:cNvPr>
+          <p:cNvPicPr>
+            <a:picLocks noGrp="1" noChangeAspect="1"/>
+          </p:cNvPicPr>
+          <p:nvPr>
+            <p:ph idx="1"/>
+          </p:nvPr>
+        </p:nvPicPr>
+        <p:blipFill>
+          <a:blip r:embed="rId2"/>
+          <a:stretch>
+            <a:fillRect/>
+          </a:stretch>
+        </p:blipFill>
+        <p:spPr>
+          <a:xfrm>
+            <a:off x="1447799" y="1677194"/>
+            <a:ext cx="9355667" cy="4419600"/>
+          </a:xfrm>
+          <a:prstGeom prst="rect">
+            <a:avLst/>
+          </a:prstGeom>
+        </p:spPr>
+      </p:pic>
+      <p:sp>
+        <p:nvSpPr>
+          <p:cNvPr id="6" name="Rectangle 5">
+            <a:extLst>
+              <a:ext uri="{FF2B5EF4-FFF2-40B4-BE49-F238E27FC236}">
+                <a16:creationId xmlns:a16="http://schemas.microsoft.com/office/drawing/2014/main" id="{AA8C6DB7-4967-4826-96C6-F1FD38E38E53}"/>
+              </a:ext>
+            </a:extLst>
+          </p:cNvPr>
+          <p:cNvSpPr/>
+          <p:nvPr/>
+        </p:nvSpPr>
+        <p:spPr>
+          <a:xfrm>
+            <a:off x="7189304" y="2630557"/>
+            <a:ext cx="1292087" cy="1073426"/>
+          </a:xfrm>
+          <a:prstGeom prst="rect">
+            <a:avLst/>
+          </a:prstGeom>
+          <a:solidFill>
+            <a:srgbClr val="4472C4">
+              <a:alpha val="23922"/>
+            </a:srgbClr>
+          </a:solidFill>
+        </p:spPr>
+        <p:style>
+          <a:lnRef idx="2">
+            <a:schemeClr val="accent1">
+              <a:shade val="50000"/>
+            </a:schemeClr>
+          </a:lnRef>
+          <a:fillRef idx="1">
+            <a:schemeClr val="accent1"/>
+          </a:fillRef>
+          <a:effectRef idx="0">
+            <a:schemeClr val="accent1"/>
+          </a:effectRef>
+          <a:fontRef idx="minor">
+            <a:schemeClr val="lt1"/>
+          </a:fontRef>
+        </p:style>
+        <p:txBody>
+          <a:bodyPr rtlCol="0" anchor="ctr"/>
+          <a:lstStyle/>
+          <a:p>
+            <a:pPr algn="ctr"/>
+            <a:endParaRPr lang="en-US"/>
+          </a:p>
+        </p:txBody>
+      </p:sp>
+    </p:spTree>
+    <p:extLst>
+      <p:ext uri="{BB962C8B-B14F-4D97-AF65-F5344CB8AC3E}">
+        <p14:creationId xmlns:p14="http://schemas.microsoft.com/office/powerpoint/2010/main" val="2346666255"/>
+      </p:ext>
+    </p:extLst>
+  </p:cSld>
+  <p:clrMapOvr>
+    <a:masterClrMapping/>
+  </p:clrMapOvr>
+</p:sld>
+</file>
+
+<file path=ppt/slides/slide22.xml><?xml version="1.0" encoding="utf-8"?>
+<p:sld xmlns:a="http://schemas.openxmlformats.org/drawingml/2006/main" xmlns:r="http://schemas.openxmlformats.org/officeDocument/2006/relationships" xmlns:p="http://schemas.openxmlformats.org/presentationml/2006/main">
+  <p:cSld>
+    <p:spTree>
+      <p:nvGrpSpPr>
+        <p:cNvPr id="1" name=""/>
+        <p:cNvGrpSpPr/>
+        <p:nvPr/>
+      </p:nvGrpSpPr>
+      <p:grpSpPr>
+        <a:xfrm>
+          <a:off x="0" y="0"/>
+          <a:ext cx="0" cy="0"/>
+          <a:chOff x="0" y="0"/>
+          <a:chExt cx="0" cy="0"/>
+        </a:xfrm>
+      </p:grpSpPr>
+      <p:sp>
+        <p:nvSpPr>
+          <p:cNvPr id="2" name="Title 1">
+            <a:extLst>
+              <a:ext uri="{FF2B5EF4-FFF2-40B4-BE49-F238E27FC236}">
+                <a16:creationId xmlns:a16="http://schemas.microsoft.com/office/drawing/2014/main" id="{26BC1230-2632-4DEC-8F68-1A3083145C23}"/>
+              </a:ext>
+            </a:extLst>
+          </p:cNvPr>
+          <p:cNvSpPr>
+            <a:spLocks noGrp="1"/>
+          </p:cNvSpPr>
+          <p:nvPr>
+            <p:ph type="title"/>
+          </p:nvPr>
+        </p:nvSpPr>
+        <p:spPr>
+          <a:xfrm>
+            <a:off x="394635" y="365126"/>
+            <a:ext cx="10959165" cy="616651"/>
+          </a:xfrm>
+        </p:spPr>
+        <p:txBody>
+          <a:bodyPr>
+            <a:normAutofit/>
+          </a:bodyPr>
+          <a:lstStyle/>
+          <a:p>
+            <a:r>
+              <a:rPr lang="en-US" sz="2800" b="1" dirty="0">
+                <a:solidFill>
+                  <a:srgbClr val="0070C0"/>
+                </a:solidFill>
+              </a:rPr>
+              <a:t>Decision Tree for Variable Selection</a:t>
+            </a:r>
+          </a:p>
+        </p:txBody>
+      </p:sp>
+      <p:pic>
+        <p:nvPicPr>
+          <p:cNvPr id="5" name="Content Placeholder 4" descr="A screenshot of a computer&#10;&#10;Description generated with very high confidence">
+            <a:extLst>
+              <a:ext uri="{FF2B5EF4-FFF2-40B4-BE49-F238E27FC236}">
+                <a16:creationId xmlns:a16="http://schemas.microsoft.com/office/drawing/2014/main" id="{176E34E8-482E-4865-9492-04C3D531F08B}"/>
+              </a:ext>
+            </a:extLst>
+          </p:cNvPr>
+          <p:cNvPicPr>
+            <a:picLocks noGrp="1" noChangeAspect="1"/>
+          </p:cNvPicPr>
+          <p:nvPr>
+            <p:ph idx="1"/>
+          </p:nvPr>
+        </p:nvPicPr>
+        <p:blipFill rotWithShape="1">
+          <a:blip r:embed="rId2">
+            <a:extLst>
+              <a:ext uri="{28A0092B-C50C-407E-A947-70E740481C1C}">
+                <a14:useLocalDpi xmlns:a14="http://schemas.microsoft.com/office/drawing/2010/main" val="0"/>
+              </a:ext>
+            </a:extLst>
+          </a:blip>
+          <a:srcRect t="13886" b="6769"/>
+          <a:stretch/>
+        </p:blipFill>
+        <p:spPr>
+          <a:xfrm>
+            <a:off x="394635" y="866274"/>
+            <a:ext cx="11579191" cy="6008069"/>
+          </a:xfrm>
+        </p:spPr>
+      </p:pic>
+    </p:spTree>
+    <p:extLst>
+      <p:ext uri="{BB962C8B-B14F-4D97-AF65-F5344CB8AC3E}">
+        <p14:creationId xmlns:p14="http://schemas.microsoft.com/office/powerpoint/2010/main" val="3079662359"/>
+      </p:ext>
+    </p:extLst>
+  </p:cSld>
+  <p:clrMapOvr>
+    <a:masterClrMapping/>
+  </p:clrMapOvr>
+</p:sld>
+</file>
+
+<file path=ppt/slides/slide23.xml><?xml version="1.0" encoding="utf-8"?>
+<p:sld xmlns:a="http://schemas.openxmlformats.org/drawingml/2006/main" xmlns:r="http://schemas.openxmlformats.org/officeDocument/2006/relationships" xmlns:p="http://schemas.openxmlformats.org/presentationml/2006/main">
+  <p:cSld>
+    <p:bg>
+      <p:bgPr>
+        <a:solidFill>
+          <a:schemeClr val="bg1">
+            <a:tint val="95000"/>
+            <a:satMod val="170000"/>
+          </a:schemeClr>
+        </a:solidFill>
+        <a:effectLst/>
+      </p:bgPr>
+    </p:bg>
+    <p:spTree>
+      <p:nvGrpSpPr>
+        <p:cNvPr id="1" name=""/>
+        <p:cNvGrpSpPr/>
+        <p:nvPr/>
+      </p:nvGrpSpPr>
+      <p:grpSpPr>
+        <a:xfrm>
+          <a:off x="0" y="0"/>
+          <a:ext cx="0" cy="0"/>
+          <a:chOff x="0" y="0"/>
+          <a:chExt cx="0" cy="0"/>
+        </a:xfrm>
+      </p:grpSpPr>
+      <p:grpSp>
+        <p:nvGrpSpPr>
+          <p:cNvPr id="44" name="Group 31" title="intersecting circles">
+            <a:extLst>
+              <a:ext uri="{FF2B5EF4-FFF2-40B4-BE49-F238E27FC236}">
+                <a16:creationId xmlns:a16="http://schemas.microsoft.com/office/drawing/2014/main" id="{D2C4BFA1-2075-4901-9E24-E41D1FDD51FD}"/>
+              </a:ext>
+            </a:extLst>
+          </p:cNvPr>
+          <p:cNvGrpSpPr>
+            <a:grpSpLocks noGrp="1" noUngrp="1" noRot="1" noChangeAspect="1" noMove="1" noResize="1"/>
+          </p:cNvGrpSpPr>
+          <p:nvPr>
+            <p:extLst>
+              <p:ext uri="{386F3935-93C4-4BCD-93E2-E3B085C9AB24}">
+                <p16:designElem xmlns:p16="http://schemas.microsoft.com/office/powerpoint/2015/main" val="1"/>
+              </p:ext>
+            </p:extLst>
+          </p:nvPr>
+        </p:nvGrpSpPr>
+        <p:grpSpPr>
+          <a:xfrm>
+            <a:off x="1155481" y="498348"/>
+            <a:ext cx="9902663" cy="5861304"/>
+            <a:chOff x="1155481" y="498348"/>
+            <a:chExt cx="9902663" cy="5861304"/>
+          </a:xfrm>
+        </p:grpSpPr>
+        <p:sp>
+          <p:nvSpPr>
+            <p:cNvPr id="33" name="Oval 5">
+              <a:extLst>
+                <a:ext uri="{FF2B5EF4-FFF2-40B4-BE49-F238E27FC236}">
+                  <a16:creationId xmlns:a16="http://schemas.microsoft.com/office/drawing/2014/main" id="{985A7375-E3AF-4F5C-85AE-17E8832952CA}"/>
+                </a:ext>
+              </a:extLst>
+            </p:cNvPr>
+            <p:cNvSpPr>
+              <a:spLocks noChangeArrowheads="1"/>
+            </p:cNvSpPr>
+            <p:nvPr>
+              <p:extLst>
+                <p:ext uri="{386F3935-93C4-4BCD-93E2-E3B085C9AB24}">
+                  <p16:designElem xmlns:p16="http://schemas.microsoft.com/office/powerpoint/2015/main" val="1"/>
+                </p:ext>
+              </p:extLst>
+            </p:nvPr>
+          </p:nvSpPr>
+          <p:spPr bwMode="auto">
+            <a:xfrm>
+              <a:off x="1155481" y="498348"/>
+              <a:ext cx="5861304" cy="5861304"/>
+            </a:xfrm>
+            <a:prstGeom prst="ellipse">
+              <a:avLst/>
+            </a:prstGeom>
+            <a:solidFill>
+              <a:schemeClr val="accent1">
+                <a:alpha val="55000"/>
+              </a:schemeClr>
+            </a:solidFill>
+            <a:ln>
+              <a:noFill/>
+            </a:ln>
+          </p:spPr>
+        </p:sp>
+        <p:sp>
+          <p:nvSpPr>
+            <p:cNvPr id="45" name="Oval 33">
+              <a:extLst>
+                <a:ext uri="{FF2B5EF4-FFF2-40B4-BE49-F238E27FC236}">
+                  <a16:creationId xmlns:a16="http://schemas.microsoft.com/office/drawing/2014/main" id="{F0307F65-8304-4FA8-A841-D4D7625411BE}"/>
+                </a:ext>
+              </a:extLst>
+            </p:cNvPr>
+            <p:cNvSpPr>
+              <a:spLocks noChangeArrowheads="1"/>
+            </p:cNvSpPr>
+            <p:nvPr>
+              <p:extLst>
+                <p:ext uri="{386F3935-93C4-4BCD-93E2-E3B085C9AB24}">
+                  <p16:designElem xmlns:p16="http://schemas.microsoft.com/office/powerpoint/2015/main" val="1"/>
+                </p:ext>
+              </p:extLst>
+            </p:nvPr>
+          </p:nvSpPr>
+          <p:spPr bwMode="auto">
+            <a:xfrm>
+              <a:off x="5196840" y="498348"/>
+              <a:ext cx="5861304" cy="5861304"/>
+            </a:xfrm>
+            <a:prstGeom prst="ellipse">
+              <a:avLst/>
+            </a:prstGeom>
+            <a:solidFill>
+              <a:schemeClr val="accent1">
+                <a:alpha val="55000"/>
+              </a:schemeClr>
+            </a:solidFill>
+            <a:ln>
+              <a:noFill/>
+            </a:ln>
+          </p:spPr>
+        </p:sp>
+        <p:sp>
+          <p:nvSpPr>
+            <p:cNvPr id="35" name="Oval 5">
+              <a:extLst>
+                <a:ext uri="{FF2B5EF4-FFF2-40B4-BE49-F238E27FC236}">
+                  <a16:creationId xmlns:a16="http://schemas.microsoft.com/office/drawing/2014/main" id="{C8B8394C-136F-4E05-A002-D93A5E79CD50}"/>
+                </a:ext>
+              </a:extLst>
+            </p:cNvPr>
+            <p:cNvSpPr>
+              <a:spLocks noChangeArrowheads="1"/>
+            </p:cNvSpPr>
+            <p:nvPr>
+              <p:extLst>
+                <p:ext uri="{386F3935-93C4-4BCD-93E2-E3B085C9AB24}">
+                  <p16:designElem xmlns:p16="http://schemas.microsoft.com/office/powerpoint/2015/main" val="1"/>
+                </p:ext>
+              </p:extLst>
+            </p:nvPr>
+          </p:nvSpPr>
+          <p:spPr bwMode="auto">
+            <a:xfrm>
+              <a:off x="3165348" y="498348"/>
+              <a:ext cx="5861304" cy="5861304"/>
+            </a:xfrm>
+            <a:prstGeom prst="ellipse">
+              <a:avLst/>
+            </a:prstGeom>
+            <a:solidFill>
+              <a:schemeClr val="accent1">
+                <a:alpha val="70000"/>
+              </a:schemeClr>
+            </a:solidFill>
+            <a:ln>
+              <a:noFill/>
+            </a:ln>
+          </p:spPr>
+        </p:sp>
+      </p:grpSp>
+      <p:sp>
+        <p:nvSpPr>
+          <p:cNvPr id="37" name="Rectangle 36" title="ribbon">
+            <a:extLst>
+              <a:ext uri="{FF2B5EF4-FFF2-40B4-BE49-F238E27FC236}">
+                <a16:creationId xmlns:a16="http://schemas.microsoft.com/office/drawing/2014/main" id="{053FB2EE-284F-4C87-AB3D-BBF87A9FAB97}"/>
+              </a:ext>
+            </a:extLst>
+          </p:cNvPr>
+          <p:cNvSpPr>
+            <a:spLocks noGrp="1" noRot="1" noChangeAspect="1" noMove="1" noResize="1" noEditPoints="1" noAdjustHandles="1" noChangeArrowheads="1" noChangeShapeType="1" noTextEdit="1"/>
+          </p:cNvSpPr>
+          <p:nvPr>
+            <p:extLst>
+              <p:ext uri="{386F3935-93C4-4BCD-93E2-E3B085C9AB24}">
+                <p16:designElem xmlns:p16="http://schemas.microsoft.com/office/powerpoint/2015/main" val="1"/>
+              </p:ext>
+            </p:extLst>
+          </p:nvPr>
+        </p:nvSpPr>
+        <p:spPr>
+          <a:xfrm>
+            <a:off x="0" y="2514600"/>
+            <a:ext cx="12192000" cy="1828800"/>
+          </a:xfrm>
+          <a:prstGeom prst="rect">
+            <a:avLst/>
+          </a:prstGeom>
+          <a:solidFill>
+            <a:schemeClr val="tx2"/>
+          </a:solidFill>
+          <a:ln>
+            <a:noFill/>
+          </a:ln>
+        </p:spPr>
+        <p:style>
+          <a:lnRef idx="2">
+            <a:schemeClr val="accent1">
+              <a:shade val="50000"/>
+            </a:schemeClr>
+          </a:lnRef>
+          <a:fillRef idx="1">
+            <a:schemeClr val="accent1"/>
+          </a:fillRef>
+          <a:effectRef idx="0">
+            <a:schemeClr val="accent1"/>
+          </a:effectRef>
+          <a:fontRef idx="minor">
+            <a:schemeClr val="lt1"/>
+          </a:fontRef>
+        </p:style>
+      </p:sp>
+      <p:sp>
+        <p:nvSpPr>
+          <p:cNvPr id="2" name="TextBox 1">
+            <a:extLst>
+              <a:ext uri="{FF2B5EF4-FFF2-40B4-BE49-F238E27FC236}">
+                <a16:creationId xmlns:a16="http://schemas.microsoft.com/office/drawing/2014/main" id="{49610B88-E565-495E-83FB-685D64857340}"/>
+              </a:ext>
+            </a:extLst>
+          </p:cNvPr>
+          <p:cNvSpPr txBox="1"/>
+          <p:nvPr/>
+        </p:nvSpPr>
+        <p:spPr>
+          <a:xfrm>
+            <a:off x="61877" y="2776538"/>
+            <a:ext cx="11639693" cy="1381188"/>
+          </a:xfrm>
+          <a:prstGeom prst="rect">
+            <a:avLst/>
+          </a:prstGeom>
+        </p:spPr>
+        <p:txBody>
+          <a:bodyPr vert="horz" lIns="91440" tIns="45720" rIns="91440" bIns="45720" rtlCol="0" anchor="ctr">
+            <a:normAutofit fontScale="77500" lnSpcReduction="20000"/>
+          </a:bodyPr>
+          <a:lstStyle/>
+          <a:p>
+            <a:pPr algn="ctr">
+              <a:lnSpc>
+                <a:spcPct val="90000"/>
+              </a:lnSpc>
+              <a:spcBef>
+                <a:spcPct val="0"/>
+              </a:spcBef>
+              <a:spcAft>
+                <a:spcPts val="600"/>
+              </a:spcAft>
+            </a:pPr>
+            <a:r>
+              <a:rPr lang="en-US" sz="5200" kern="1200" dirty="0">
+                <a:solidFill>
+                  <a:schemeClr val="bg2"/>
+                </a:solidFill>
+                <a:ea typeface="+mj-ea"/>
+                <a:cs typeface="+mj-cs"/>
+              </a:rPr>
+              <a:t>Model Selection</a:t>
+            </a:r>
+          </a:p>
+          <a:p>
+            <a:pPr algn="ctr">
+              <a:lnSpc>
+                <a:spcPct val="90000"/>
+              </a:lnSpc>
+              <a:spcBef>
+                <a:spcPct val="0"/>
+              </a:spcBef>
+              <a:spcAft>
+                <a:spcPts val="600"/>
+              </a:spcAft>
+            </a:pPr>
+            <a:r>
+              <a:rPr lang="en-US" sz="4000" kern="1200" dirty="0">
+                <a:solidFill>
+                  <a:schemeClr val="bg2"/>
+                </a:solidFill>
+                <a:latin typeface="Brush Script MT" panose="03060802040406070304" pitchFamily="66" charset="0"/>
+                <a:ea typeface="+mj-ea"/>
+                <a:cs typeface="+mj-cs"/>
+              </a:rPr>
+              <a:t>‘If you torture the data enough, </a:t>
+            </a:r>
+            <a:r>
+              <a:rPr lang="en-US" sz="4000" dirty="0">
+                <a:solidFill>
+                  <a:schemeClr val="bg2"/>
+                </a:solidFill>
+                <a:latin typeface="Brush Script MT" panose="03060802040406070304" pitchFamily="66" charset="0"/>
+                <a:ea typeface="+mj-ea"/>
+                <a:cs typeface="+mj-cs"/>
+              </a:rPr>
+              <a:t>it</a:t>
+            </a:r>
+            <a:r>
+              <a:rPr lang="en-US" sz="4000" kern="1200" dirty="0">
+                <a:solidFill>
+                  <a:schemeClr val="bg2"/>
+                </a:solidFill>
+                <a:latin typeface="Brush Script MT" panose="03060802040406070304" pitchFamily="66" charset="0"/>
+                <a:ea typeface="+mj-ea"/>
+                <a:cs typeface="+mj-cs"/>
+              </a:rPr>
+              <a:t> will always confess’  </a:t>
+            </a:r>
+          </a:p>
+          <a:p>
+            <a:pPr algn="r">
+              <a:lnSpc>
+                <a:spcPct val="90000"/>
+              </a:lnSpc>
+              <a:spcBef>
+                <a:spcPct val="0"/>
+              </a:spcBef>
+              <a:spcAft>
+                <a:spcPts val="600"/>
+              </a:spcAft>
+            </a:pPr>
+            <a:r>
+              <a:rPr lang="en-US" sz="4000" kern="1200" dirty="0">
+                <a:solidFill>
+                  <a:schemeClr val="bg2"/>
+                </a:solidFill>
+                <a:latin typeface="+mj-lt"/>
+                <a:ea typeface="+mj-ea"/>
+                <a:cs typeface="+mj-cs"/>
+              </a:rPr>
+              <a:t>- </a:t>
+            </a:r>
+            <a:r>
+              <a:rPr lang="en-US" sz="2000" kern="1200" dirty="0">
+                <a:solidFill>
+                  <a:schemeClr val="bg2"/>
+                </a:solidFill>
+                <a:latin typeface="+mj-lt"/>
+                <a:ea typeface="+mj-ea"/>
+                <a:cs typeface="+mj-cs"/>
+              </a:rPr>
+              <a:t>Ronald Coase, British Economist </a:t>
+            </a:r>
+          </a:p>
+        </p:txBody>
+      </p:sp>
+    </p:spTree>
+    <p:extLst>
+      <p:ext uri="{BB962C8B-B14F-4D97-AF65-F5344CB8AC3E}">
+        <p14:creationId xmlns:p14="http://schemas.microsoft.com/office/powerpoint/2010/main" val="2752339933"/>
+      </p:ext>
+    </p:extLst>
+  </p:cSld>
+  <p:clrMapOvr>
+    <a:overrideClrMapping bg1="dk1" tx1="lt1" bg2="dk2" tx2="lt2" accent1="accent1" accent2="accent2" accent3="accent3" accent4="accent4" accent5="accent5" accent6="accent6" hlink="hlink" folHlink="folHlink"/>
+  </p:clrMapOvr>
+</p:sld>
+</file>
+
+<file path=ppt/slides/slide24.xml><?xml version="1.0" encoding="utf-8"?>
+<p:sld xmlns:a="http://schemas.openxmlformats.org/drawingml/2006/main" xmlns:r="http://schemas.openxmlformats.org/officeDocument/2006/relationships" xmlns:p="http://schemas.openxmlformats.org/presentationml/2006/main">
+  <p:cSld>
+    <p:spTree>
+      <p:nvGrpSpPr>
+        <p:cNvPr id="1" name=""/>
+        <p:cNvGrpSpPr/>
+        <p:nvPr/>
+      </p:nvGrpSpPr>
+      <p:grpSpPr>
+        <a:xfrm>
+          <a:off x="0" y="0"/>
+          <a:ext cx="0" cy="0"/>
+          <a:chOff x="0" y="0"/>
+          <a:chExt cx="0" cy="0"/>
+        </a:xfrm>
+      </p:grpSpPr>
+      <p:sp>
+        <p:nvSpPr>
+          <p:cNvPr id="2" name="Title 1">
+            <a:extLst>
+              <a:ext uri="{FF2B5EF4-FFF2-40B4-BE49-F238E27FC236}">
+                <a16:creationId xmlns:a16="http://schemas.microsoft.com/office/drawing/2014/main" id="{9B78F177-1358-4CCC-A29F-A2C9AF12CA90}"/>
+              </a:ext>
+            </a:extLst>
+          </p:cNvPr>
+          <p:cNvSpPr>
+            <a:spLocks noGrp="1"/>
+          </p:cNvSpPr>
+          <p:nvPr>
+            <p:ph type="title"/>
+          </p:nvPr>
+        </p:nvSpPr>
+        <p:spPr/>
+        <p:txBody>
+          <a:bodyPr/>
+          <a:lstStyle/>
+          <a:p>
+            <a:endParaRPr lang="en-US"/>
+          </a:p>
+        </p:txBody>
+      </p:sp>
+      <p:sp>
+        <p:nvSpPr>
+          <p:cNvPr id="3" name="Content Placeholder 2">
+            <a:extLst>
+              <a:ext uri="{FF2B5EF4-FFF2-40B4-BE49-F238E27FC236}">
+                <a16:creationId xmlns:a16="http://schemas.microsoft.com/office/drawing/2014/main" id="{A590EC32-C3D2-4FAA-9B63-58302AC2AB3B}"/>
+              </a:ext>
+            </a:extLst>
+          </p:cNvPr>
+          <p:cNvSpPr>
+            <a:spLocks noGrp="1"/>
+          </p:cNvSpPr>
+          <p:nvPr>
+            <p:ph sz="half" idx="1"/>
+          </p:nvPr>
+        </p:nvSpPr>
+        <p:spPr/>
+        <p:txBody>
+          <a:bodyPr/>
+          <a:lstStyle/>
+          <a:p>
+            <a:endParaRPr lang="en-US"/>
+          </a:p>
+        </p:txBody>
+      </p:sp>
+      <p:sp>
+        <p:nvSpPr>
+          <p:cNvPr id="4" name="Content Placeholder 3">
+            <a:extLst>
+              <a:ext uri="{FF2B5EF4-FFF2-40B4-BE49-F238E27FC236}">
+                <a16:creationId xmlns:a16="http://schemas.microsoft.com/office/drawing/2014/main" id="{726E1ED7-56F8-44B2-B055-ED9366B21BE9}"/>
+              </a:ext>
+            </a:extLst>
+          </p:cNvPr>
+          <p:cNvSpPr>
+            <a:spLocks noGrp="1"/>
+          </p:cNvSpPr>
+          <p:nvPr>
+            <p:ph sz="half" idx="2"/>
+          </p:nvPr>
+        </p:nvSpPr>
+        <p:spPr/>
+        <p:txBody>
+          <a:bodyPr/>
+          <a:lstStyle/>
+          <a:p>
+            <a:endParaRPr lang="en-US"/>
+          </a:p>
+        </p:txBody>
+      </p:sp>
+    </p:spTree>
+    <p:extLst>
+      <p:ext uri="{BB962C8B-B14F-4D97-AF65-F5344CB8AC3E}">
+        <p14:creationId xmlns:p14="http://schemas.microsoft.com/office/powerpoint/2010/main" val="2659177866"/>
+      </p:ext>
+    </p:extLst>
+  </p:cSld>
+  <p:clrMapOvr>
+    <a:masterClrMapping/>
+  </p:clrMapOvr>
+</p:sld>
+</file>
+
+<file path=ppt/slides/slide25.xml><?xml version="1.0" encoding="utf-8"?>
+<p:sld xmlns:a="http://schemas.openxmlformats.org/drawingml/2006/main" xmlns:r="http://schemas.openxmlformats.org/officeDocument/2006/relationships" xmlns:p="http://schemas.openxmlformats.org/presentationml/2006/main">
+  <p:cSld>
+    <p:bg>
+      <p:bgPr>
+        <a:solidFill>
+          <a:schemeClr val="bg1">
+            <a:tint val="95000"/>
+            <a:satMod val="170000"/>
+          </a:schemeClr>
+        </a:solidFill>
+        <a:effectLst/>
+      </p:bgPr>
+    </p:bg>
+    <p:spTree>
+      <p:nvGrpSpPr>
+        <p:cNvPr id="1" name=""/>
+        <p:cNvGrpSpPr/>
+        <p:nvPr/>
+      </p:nvGrpSpPr>
+      <p:grpSpPr>
+        <a:xfrm>
+          <a:off x="0" y="0"/>
+          <a:ext cx="0" cy="0"/>
+          <a:chOff x="0" y="0"/>
+          <a:chExt cx="0" cy="0"/>
+        </a:xfrm>
+      </p:grpSpPr>
+      <p:grpSp>
+        <p:nvGrpSpPr>
+          <p:cNvPr id="8" name="Group 7" title="intersecting circles">
+            <a:extLst>
+              <a:ext uri="{FF2B5EF4-FFF2-40B4-BE49-F238E27FC236}">
+                <a16:creationId xmlns:a16="http://schemas.microsoft.com/office/drawing/2014/main" id="{D2C4BFA1-2075-4901-9E24-E41D1FDD51FD}"/>
+              </a:ext>
+            </a:extLst>
+          </p:cNvPr>
+          <p:cNvGrpSpPr>
+            <a:grpSpLocks noGrp="1" noUngrp="1" noRot="1" noChangeAspect="1" noMove="1" noResize="1"/>
+          </p:cNvGrpSpPr>
+          <p:nvPr>
+            <p:extLst>
+              <p:ext uri="{386F3935-93C4-4BCD-93E2-E3B085C9AB24}">
+                <p16:designElem xmlns:p16="http://schemas.microsoft.com/office/powerpoint/2015/main" val="1"/>
+              </p:ext>
+            </p:extLst>
+          </p:nvPr>
+        </p:nvGrpSpPr>
+        <p:grpSpPr>
+          <a:xfrm>
+            <a:off x="1155481" y="498348"/>
+            <a:ext cx="9902663" cy="5861304"/>
+            <a:chOff x="1155481" y="498348"/>
+            <a:chExt cx="9902663" cy="5861304"/>
+          </a:xfrm>
+        </p:grpSpPr>
+        <p:sp>
+          <p:nvSpPr>
+            <p:cNvPr id="9" name="Oval 5">
+              <a:extLst>
+                <a:ext uri="{FF2B5EF4-FFF2-40B4-BE49-F238E27FC236}">
+                  <a16:creationId xmlns:a16="http://schemas.microsoft.com/office/drawing/2014/main" id="{985A7375-E3AF-4F5C-85AE-17E8832952CA}"/>
+                </a:ext>
+              </a:extLst>
+            </p:cNvPr>
+            <p:cNvSpPr>
+              <a:spLocks noChangeArrowheads="1"/>
+            </p:cNvSpPr>
+            <p:nvPr>
+              <p:extLst>
+                <p:ext uri="{386F3935-93C4-4BCD-93E2-E3B085C9AB24}">
+                  <p16:designElem xmlns:p16="http://schemas.microsoft.com/office/powerpoint/2015/main" val="1"/>
+                </p:ext>
+              </p:extLst>
+            </p:nvPr>
+          </p:nvSpPr>
+          <p:spPr bwMode="auto">
+            <a:xfrm>
+              <a:off x="1155481" y="498348"/>
+              <a:ext cx="5861304" cy="5861304"/>
+            </a:xfrm>
+            <a:prstGeom prst="ellipse">
+              <a:avLst/>
+            </a:prstGeom>
+            <a:solidFill>
+              <a:schemeClr val="accent1">
+                <a:alpha val="55000"/>
+              </a:schemeClr>
+            </a:solidFill>
+            <a:ln>
+              <a:noFill/>
+            </a:ln>
+          </p:spPr>
+        </p:sp>
+        <p:sp>
+          <p:nvSpPr>
+            <p:cNvPr id="10" name="Oval 9">
+              <a:extLst>
+                <a:ext uri="{FF2B5EF4-FFF2-40B4-BE49-F238E27FC236}">
+                  <a16:creationId xmlns:a16="http://schemas.microsoft.com/office/drawing/2014/main" id="{F0307F65-8304-4FA8-A841-D4D7625411BE}"/>
+                </a:ext>
+              </a:extLst>
+            </p:cNvPr>
+            <p:cNvSpPr>
+              <a:spLocks noChangeArrowheads="1"/>
+            </p:cNvSpPr>
+            <p:nvPr>
+              <p:extLst>
+                <p:ext uri="{386F3935-93C4-4BCD-93E2-E3B085C9AB24}">
+                  <p16:designElem xmlns:p16="http://schemas.microsoft.com/office/powerpoint/2015/main" val="1"/>
+                </p:ext>
+              </p:extLst>
+            </p:nvPr>
+          </p:nvSpPr>
+          <p:spPr bwMode="auto">
+            <a:xfrm>
+              <a:off x="5196840" y="498348"/>
+              <a:ext cx="5861304" cy="5861304"/>
+            </a:xfrm>
+            <a:prstGeom prst="ellipse">
+              <a:avLst/>
+            </a:prstGeom>
+            <a:solidFill>
+              <a:schemeClr val="accent1">
+                <a:alpha val="55000"/>
+              </a:schemeClr>
+            </a:solidFill>
+            <a:ln>
+              <a:noFill/>
+            </a:ln>
+          </p:spPr>
+        </p:sp>
+        <p:sp>
+          <p:nvSpPr>
+            <p:cNvPr id="11" name="Oval 5">
+              <a:extLst>
+                <a:ext uri="{FF2B5EF4-FFF2-40B4-BE49-F238E27FC236}">
+                  <a16:creationId xmlns:a16="http://schemas.microsoft.com/office/drawing/2014/main" id="{C8B8394C-136F-4E05-A002-D93A5E79CD50}"/>
+                </a:ext>
+              </a:extLst>
+            </p:cNvPr>
+            <p:cNvSpPr>
+              <a:spLocks noChangeArrowheads="1"/>
+            </p:cNvSpPr>
+            <p:nvPr>
+              <p:extLst>
+                <p:ext uri="{386F3935-93C4-4BCD-93E2-E3B085C9AB24}">
+                  <p16:designElem xmlns:p16="http://schemas.microsoft.com/office/powerpoint/2015/main" val="1"/>
+                </p:ext>
+              </p:extLst>
+            </p:nvPr>
+          </p:nvSpPr>
+          <p:spPr bwMode="auto">
+            <a:xfrm>
+              <a:off x="3165348" y="498348"/>
+              <a:ext cx="5861304" cy="5861304"/>
+            </a:xfrm>
+            <a:prstGeom prst="ellipse">
+              <a:avLst/>
+            </a:prstGeom>
+            <a:solidFill>
+              <a:schemeClr val="accent1">
+                <a:alpha val="70000"/>
+              </a:schemeClr>
+            </a:solidFill>
+            <a:ln>
+              <a:noFill/>
+            </a:ln>
+          </p:spPr>
+        </p:sp>
+      </p:grpSp>
+      <p:sp>
+        <p:nvSpPr>
+          <p:cNvPr id="13" name="Rectangle 12" title="ribbon">
+            <a:extLst>
+              <a:ext uri="{FF2B5EF4-FFF2-40B4-BE49-F238E27FC236}">
+                <a16:creationId xmlns:a16="http://schemas.microsoft.com/office/drawing/2014/main" id="{053FB2EE-284F-4C87-AB3D-BBF87A9FAB97}"/>
+              </a:ext>
+            </a:extLst>
+          </p:cNvPr>
+          <p:cNvSpPr>
+            <a:spLocks noGrp="1" noRot="1" noChangeAspect="1" noMove="1" noResize="1" noEditPoints="1" noAdjustHandles="1" noChangeArrowheads="1" noChangeShapeType="1" noTextEdit="1"/>
+          </p:cNvSpPr>
+          <p:nvPr>
+            <p:extLst>
+              <p:ext uri="{386F3935-93C4-4BCD-93E2-E3B085C9AB24}">
+                <p16:designElem xmlns:p16="http://schemas.microsoft.com/office/powerpoint/2015/main" val="1"/>
+              </p:ext>
+            </p:extLst>
+          </p:nvPr>
+        </p:nvSpPr>
+        <p:spPr>
+          <a:xfrm>
+            <a:off x="0" y="2514600"/>
+            <a:ext cx="12192000" cy="1828800"/>
+          </a:xfrm>
+          <a:prstGeom prst="rect">
+            <a:avLst/>
+          </a:prstGeom>
+          <a:solidFill>
+            <a:schemeClr val="tx2"/>
+          </a:solidFill>
+          <a:ln>
+            <a:noFill/>
+          </a:ln>
+        </p:spPr>
+        <p:style>
+          <a:lnRef idx="2">
+            <a:schemeClr val="accent1">
+              <a:shade val="50000"/>
+            </a:schemeClr>
+          </a:lnRef>
+          <a:fillRef idx="1">
+            <a:schemeClr val="accent1"/>
+          </a:fillRef>
+          <a:effectRef idx="0">
+            <a:schemeClr val="accent1"/>
+          </a:effectRef>
+          <a:fontRef idx="minor">
+            <a:schemeClr val="lt1"/>
+          </a:fontRef>
+        </p:style>
+      </p:sp>
+      <p:sp>
+        <p:nvSpPr>
+          <p:cNvPr id="2" name="Title 1">
+            <a:extLst>
+              <a:ext uri="{FF2B5EF4-FFF2-40B4-BE49-F238E27FC236}">
+                <a16:creationId xmlns:a16="http://schemas.microsoft.com/office/drawing/2014/main" id="{7EBCB659-23B0-4542-B9AF-C8F4952A266B}"/>
+              </a:ext>
+            </a:extLst>
+          </p:cNvPr>
+          <p:cNvSpPr>
+            <a:spLocks noGrp="1"/>
+          </p:cNvSpPr>
+          <p:nvPr>
+            <p:ph type="title"/>
+          </p:nvPr>
+        </p:nvSpPr>
+        <p:spPr>
+          <a:xfrm>
+            <a:off x="1524000" y="2776538"/>
+            <a:ext cx="9144000" cy="1381188"/>
+          </a:xfrm>
+        </p:spPr>
+        <p:txBody>
+          <a:bodyPr vert="horz" lIns="91440" tIns="45720" rIns="91440" bIns="45720" rtlCol="0" anchor="ctr">
+            <a:normAutofit/>
+          </a:bodyPr>
+          <a:lstStyle/>
+          <a:p>
+            <a:pPr algn="ctr"/>
+            <a:r>
+              <a:rPr lang="en-US" sz="4000" b="1" kern="1200" dirty="0">
+                <a:solidFill>
+                  <a:schemeClr val="bg2"/>
+                </a:solidFill>
+                <a:latin typeface="+mj-lt"/>
+                <a:ea typeface="+mj-ea"/>
+                <a:cs typeface="+mj-cs"/>
+              </a:rPr>
+              <a:t>Model Evaluation</a:t>
+            </a:r>
+          </a:p>
+        </p:txBody>
+      </p:sp>
+    </p:spTree>
+    <p:extLst>
+      <p:ext uri="{BB962C8B-B14F-4D97-AF65-F5344CB8AC3E}">
+        <p14:creationId xmlns:p14="http://schemas.microsoft.com/office/powerpoint/2010/main" val="1839317052"/>
+      </p:ext>
+    </p:extLst>
+  </p:cSld>
+  <p:clrMapOvr>
+    <a:overrideClrMapping bg1="dk1" tx1="lt1" bg2="dk2" tx2="lt2" accent1="accent1" accent2="accent2" accent3="accent3" accent4="accent4" accent5="accent5" accent6="accent6" hlink="hlink" folHlink="folHlink"/>
+  </p:clrMapOvr>
+</p:sld>
+</file>
+
+<file path=ppt/slides/slide26.xml><?xml version="1.0" encoding="utf-8"?>
+<p:sld xmlns:a="http://schemas.openxmlformats.org/drawingml/2006/main" xmlns:r="http://schemas.openxmlformats.org/officeDocument/2006/relationships" xmlns:p="http://schemas.openxmlformats.org/presentationml/2006/main">
+  <p:cSld>
+    <p:spTree>
+      <p:nvGrpSpPr>
+        <p:cNvPr id="1" name=""/>
+        <p:cNvGrpSpPr/>
+        <p:nvPr/>
+      </p:nvGrpSpPr>
+      <p:grpSpPr>
+        <a:xfrm>
+          <a:off x="0" y="0"/>
+          <a:ext cx="0" cy="0"/>
+          <a:chOff x="0" y="0"/>
+          <a:chExt cx="0" cy="0"/>
+        </a:xfrm>
+      </p:grpSpPr>
+      <p:sp>
+        <p:nvSpPr>
+          <p:cNvPr id="4" name="Title 3"/>
+          <p:cNvSpPr>
+            <a:spLocks noGrp="1"/>
+          </p:cNvSpPr>
+          <p:nvPr>
+            <p:ph type="ctrTitle"/>
+          </p:nvPr>
+        </p:nvSpPr>
+        <p:spPr>
+          <a:xfrm>
+            <a:off x="430696" y="287498"/>
+            <a:ext cx="11277600" cy="693163"/>
+          </a:xfrm>
+        </p:spPr>
+        <p:txBody>
+          <a:bodyPr>
+            <a:normAutofit/>
+          </a:bodyPr>
+          <a:lstStyle/>
+          <a:p>
+            <a:r>
+              <a:rPr lang="en-US" sz="2800" dirty="0">
+                <a:solidFill>
+                  <a:srgbClr val="0070C0"/>
+                </a:solidFill>
+              </a:rPr>
+              <a:t>Extracting Additional Value from the Models</a:t>
+            </a:r>
+          </a:p>
+        </p:txBody>
+      </p:sp>
+      <p:sp>
+        <p:nvSpPr>
+          <p:cNvPr id="5" name="Subtitle 4"/>
+          <p:cNvSpPr>
+            <a:spLocks noGrp="1"/>
+          </p:cNvSpPr>
+          <p:nvPr>
+            <p:ph type="subTitle" idx="1"/>
+          </p:nvPr>
+        </p:nvSpPr>
+        <p:spPr>
+          <a:xfrm>
+            <a:off x="2895600" y="1988522"/>
+            <a:ext cx="6400800" cy="3650279"/>
+          </a:xfrm>
+        </p:spPr>
+        <p:txBody>
+          <a:bodyPr>
+            <a:normAutofit/>
+          </a:bodyPr>
+          <a:lstStyle/>
+          <a:p>
+            <a:pPr marL="342900" indent="-342900" algn="l">
+              <a:buFont typeface="Arial"/>
+              <a:buChar char="•"/>
+            </a:pPr>
+            <a:r>
+              <a:rPr lang="en-US" sz="2000" dirty="0"/>
+              <a:t>Key Stakeholders: individuals (home seekers, investors), real estate developers, asset managers, realtors, contractors, creditors/banks</a:t>
+            </a:r>
+          </a:p>
+          <a:p>
+            <a:pPr marL="342900" indent="-342900" algn="l">
+              <a:buFont typeface="Arial"/>
+              <a:buChar char="•"/>
+            </a:pPr>
+            <a:r>
+              <a:rPr lang="en-US" sz="2000" dirty="0"/>
+              <a:t>Discovering investment opportunities by comparing fixed features    </a:t>
+            </a:r>
+            <a:r>
+              <a:rPr lang="en-US" sz="2000" dirty="0" err="1"/>
+              <a:t>vs</a:t>
+            </a:r>
+            <a:r>
+              <a:rPr lang="en-US" sz="2000" dirty="0"/>
+              <a:t> changeable features</a:t>
+            </a:r>
+          </a:p>
+          <a:p>
+            <a:pPr marL="342900" indent="-342900" algn="l">
+              <a:buFont typeface="Arial"/>
+              <a:buChar char="•"/>
+            </a:pPr>
+            <a:r>
+              <a:rPr lang="en-US" sz="2000" dirty="0"/>
+              <a:t>Considering macro/micro economic factors </a:t>
+            </a:r>
+          </a:p>
+          <a:p>
+            <a:pPr marL="342900" indent="-342900" algn="l">
+              <a:buFont typeface="Arial"/>
+              <a:buChar char="•"/>
+            </a:pPr>
+            <a:r>
+              <a:rPr lang="en-US" sz="2000" dirty="0"/>
+              <a:t>Quantifying the opportunity and deriving actionable insights and conclusions</a:t>
+            </a:r>
+          </a:p>
+          <a:p>
+            <a:pPr marL="342900" indent="-342900" algn="l">
+              <a:buFont typeface="Arial"/>
+              <a:buChar char="•"/>
+            </a:pPr>
+            <a:endParaRPr lang="en-US" sz="2000" dirty="0"/>
+          </a:p>
+          <a:p>
+            <a:pPr marL="342900" indent="-342900" algn="l">
+              <a:buFont typeface="Arial"/>
+              <a:buChar char="•"/>
+            </a:pPr>
+            <a:endParaRPr lang="en-US" sz="2000" dirty="0"/>
+          </a:p>
+          <a:p>
+            <a:pPr marL="342900" indent="-342900" algn="l">
+              <a:buFont typeface="Arial"/>
+              <a:buChar char="•"/>
+            </a:pPr>
+            <a:endParaRPr lang="en-US" sz="2000" dirty="0"/>
+          </a:p>
+        </p:txBody>
+      </p:sp>
+    </p:spTree>
+    <p:extLst>
+      <p:ext uri="{BB962C8B-B14F-4D97-AF65-F5344CB8AC3E}">
+        <p14:creationId xmlns:p14="http://schemas.microsoft.com/office/powerpoint/2010/main" val="1306191667"/>
+      </p:ext>
+    </p:extLst>
+  </p:cSld>
+  <p:clrMapOvr>
+    <a:masterClrMapping/>
+  </p:clrMapOvr>
+</p:sld>
+</file>
+
+<file path=ppt/slides/slide27.xml><?xml version="1.0" encoding="utf-8"?>
+<p:sld xmlns:a="http://schemas.openxmlformats.org/drawingml/2006/main" xmlns:r="http://schemas.openxmlformats.org/officeDocument/2006/relationships" xmlns:p="http://schemas.openxmlformats.org/presentationml/2006/main">
+  <p:cSld>
+    <p:spTree>
+      <p:nvGrpSpPr>
+        <p:cNvPr id="1" name=""/>
+        <p:cNvGrpSpPr/>
+        <p:nvPr/>
+      </p:nvGrpSpPr>
+      <p:grpSpPr>
+        <a:xfrm>
+          <a:off x="0" y="0"/>
+          <a:ext cx="0" cy="0"/>
+          <a:chOff x="0" y="0"/>
+          <a:chExt cx="0" cy="0"/>
+        </a:xfrm>
+      </p:grpSpPr>
+      <p:sp>
+        <p:nvSpPr>
+          <p:cNvPr id="2" name="Title 1"/>
+          <p:cNvSpPr>
+            <a:spLocks noGrp="1"/>
+          </p:cNvSpPr>
+          <p:nvPr>
+            <p:ph type="title"/>
+          </p:nvPr>
+        </p:nvSpPr>
+        <p:spPr>
+          <a:xfrm>
+            <a:off x="1981200" y="274639"/>
+            <a:ext cx="8229600" cy="707643"/>
+          </a:xfrm>
+        </p:spPr>
+        <p:txBody>
+          <a:bodyPr>
+            <a:normAutofit/>
+          </a:bodyPr>
+          <a:lstStyle/>
+          <a:p>
+            <a:r>
+              <a:rPr lang="en-US" dirty="0"/>
+              <a:t>Statistically supported conclusions</a:t>
+            </a:r>
+          </a:p>
+        </p:txBody>
+      </p:sp>
+      <p:sp>
+        <p:nvSpPr>
+          <p:cNvPr id="3" name="Content Placeholder 2"/>
+          <p:cNvSpPr>
+            <a:spLocks noGrp="1"/>
+          </p:cNvSpPr>
+          <p:nvPr>
+            <p:ph idx="1"/>
+          </p:nvPr>
+        </p:nvSpPr>
+        <p:spPr>
+          <a:xfrm>
+            <a:off x="1981200" y="1149989"/>
+            <a:ext cx="8229600" cy="5390567"/>
+          </a:xfrm>
+        </p:spPr>
+        <p:txBody>
+          <a:bodyPr>
+            <a:normAutofit/>
+          </a:bodyPr>
+          <a:lstStyle/>
+          <a:p>
+            <a:pPr marL="514350" indent="-514350">
+              <a:buAutoNum type="arabicPeriod"/>
+            </a:pPr>
+            <a:r>
+              <a:rPr lang="en-US" b="1" u="sng" dirty="0"/>
+              <a:t>Go Big or Go Home </a:t>
+            </a:r>
+            <a:r>
+              <a:rPr lang="en-US" sz="1200" u="sng" dirty="0"/>
+              <a:t>(pun intended)</a:t>
+            </a:r>
+          </a:p>
+          <a:p>
+            <a:pPr marL="0" indent="0">
+              <a:buNone/>
+            </a:pPr>
+            <a:r>
+              <a:rPr lang="en-US" sz="1200" dirty="0"/>
+              <a:t>	</a:t>
+            </a:r>
+          </a:p>
+          <a:p>
+            <a:r>
+              <a:rPr lang="en-US" sz="2200" dirty="0"/>
+              <a:t>Total Square Footage(using basement + living + garage space) average (mean) of homes in Ames cost 68 </a:t>
+            </a:r>
+            <a:r>
+              <a:rPr lang="en-US" sz="2200" dirty="0" err="1"/>
+              <a:t>sq</a:t>
+            </a:r>
+            <a:r>
+              <a:rPr lang="en-US" sz="2200" dirty="0"/>
+              <a:t>/ft.</a:t>
+            </a:r>
+          </a:p>
+          <a:p>
+            <a:r>
+              <a:rPr lang="en-US" sz="2200" dirty="0"/>
+              <a:t>73% of sales price is implied by attributes related to size (R-</a:t>
+            </a:r>
+            <a:r>
+              <a:rPr lang="en-US" sz="2200" dirty="0" err="1"/>
+              <a:t>sq</a:t>
+            </a:r>
+            <a:r>
+              <a:rPr lang="en-US" sz="2200" dirty="0"/>
+              <a:t>)</a:t>
+            </a:r>
+          </a:p>
+          <a:p>
+            <a:r>
+              <a:rPr lang="en-US" sz="2200" dirty="0"/>
+              <a:t>Sorry Guys, Size Matters!</a:t>
+            </a:r>
+          </a:p>
+          <a:p>
+            <a:pPr marL="0" indent="0">
+              <a:buNone/>
+            </a:pPr>
+            <a:r>
+              <a:rPr lang="en-US" dirty="0"/>
+              <a:t>2. </a:t>
+            </a:r>
+            <a:r>
+              <a:rPr lang="en-US" b="1" u="sng" dirty="0"/>
+              <a:t>Be Selective but not obsessive</a:t>
+            </a:r>
+          </a:p>
+          <a:p>
+            <a:r>
+              <a:rPr lang="en-US" sz="2200" dirty="0"/>
+              <a:t>6 variables including Size, Age (year built and year remodeled) , Location and Fireplaces account for 81% for price.</a:t>
+            </a:r>
+          </a:p>
+          <a:p>
+            <a:r>
+              <a:rPr lang="en-US" sz="2200" dirty="0"/>
+              <a:t>12 Variables that include  (Lot Area, Year Built, </a:t>
+            </a:r>
+            <a:r>
+              <a:rPr lang="en-US" sz="2200" dirty="0" err="1"/>
+              <a:t>YearRemodAdd</a:t>
+            </a:r>
+            <a:r>
+              <a:rPr lang="en-US" sz="2200" dirty="0"/>
+              <a:t>, </a:t>
+            </a:r>
+            <a:r>
+              <a:rPr lang="en-US" sz="2200" dirty="0" err="1"/>
+              <a:t>TotalBsmtSf</a:t>
+            </a:r>
+            <a:r>
+              <a:rPr lang="en-US" sz="2200" dirty="0"/>
+              <a:t>, </a:t>
+            </a:r>
+            <a:r>
+              <a:rPr lang="en-US" sz="2200" dirty="0" err="1"/>
+              <a:t>BsmtFinSFOne</a:t>
+            </a:r>
+            <a:r>
+              <a:rPr lang="en-US" sz="2200" dirty="0"/>
+              <a:t>, </a:t>
+            </a:r>
+            <a:r>
+              <a:rPr lang="en-US" sz="2200" dirty="0" err="1"/>
+              <a:t>GrLivArea</a:t>
+            </a:r>
+            <a:r>
+              <a:rPr lang="en-US" sz="2200" dirty="0"/>
+              <a:t>, </a:t>
+            </a:r>
+            <a:r>
+              <a:rPr lang="en-US" sz="2200" dirty="0" err="1"/>
+              <a:t>BedroomAbvGr</a:t>
+            </a:r>
+            <a:r>
+              <a:rPr lang="en-US" sz="2200" dirty="0"/>
+              <a:t>, </a:t>
+            </a:r>
+            <a:r>
+              <a:rPr lang="en-US" sz="2200" dirty="0" err="1"/>
+              <a:t>KitchenAbvGr</a:t>
+            </a:r>
+            <a:r>
+              <a:rPr lang="en-US" sz="2200" dirty="0"/>
+              <a:t>, Fireplaces, Garage Area, Good Neighborhood, Troubled Neighborhood) tells 88% of the story (based on R-</a:t>
+            </a:r>
+            <a:r>
+              <a:rPr lang="en-US" sz="2200" dirty="0" err="1"/>
+              <a:t>sq</a:t>
+            </a:r>
+            <a:r>
+              <a:rPr lang="en-US" sz="2200" dirty="0"/>
+              <a:t>).</a:t>
+            </a:r>
+          </a:p>
+          <a:p>
+            <a:pPr marL="0" indent="0">
+              <a:buNone/>
+            </a:pPr>
+            <a:endParaRPr lang="en-US" sz="2200" dirty="0"/>
+          </a:p>
+          <a:p>
+            <a:endParaRPr lang="en-US" b="1" u="sng" dirty="0"/>
+          </a:p>
+        </p:txBody>
+      </p:sp>
+    </p:spTree>
+    <p:extLst>
+      <p:ext uri="{BB962C8B-B14F-4D97-AF65-F5344CB8AC3E}">
+        <p14:creationId xmlns:p14="http://schemas.microsoft.com/office/powerpoint/2010/main" val="133671342"/>
+      </p:ext>
+    </p:extLst>
+  </p:cSld>
+  <p:clrMapOvr>
+    <a:masterClrMapping/>
+  </p:clrMapOvr>
+</p:sld>
+</file>
+
+<file path=ppt/slides/slide28.xml><?xml version="1.0" encoding="utf-8"?>
+<p:sld xmlns:a="http://schemas.openxmlformats.org/drawingml/2006/main" xmlns:r="http://schemas.openxmlformats.org/officeDocument/2006/relationships" xmlns:p="http://schemas.openxmlformats.org/presentationml/2006/main">
+  <p:cSld>
+    <p:spTree>
+      <p:nvGrpSpPr>
+        <p:cNvPr id="1" name=""/>
+        <p:cNvGrpSpPr/>
+        <p:nvPr/>
+      </p:nvGrpSpPr>
+      <p:grpSpPr>
+        <a:xfrm>
+          <a:off x="0" y="0"/>
+          <a:ext cx="0" cy="0"/>
+          <a:chOff x="0" y="0"/>
+          <a:chExt cx="0" cy="0"/>
+        </a:xfrm>
+      </p:grpSpPr>
+      <p:sp>
+        <p:nvSpPr>
+          <p:cNvPr id="2" name="Title 1"/>
+          <p:cNvSpPr>
+            <a:spLocks noGrp="1"/>
+          </p:cNvSpPr>
+          <p:nvPr>
+            <p:ph type="title"/>
+          </p:nvPr>
+        </p:nvSpPr>
+        <p:spPr/>
+        <p:txBody>
+          <a:bodyPr>
+            <a:normAutofit/>
+          </a:bodyPr>
+          <a:lstStyle/>
+          <a:p>
+            <a:r>
+              <a:rPr lang="en-US" dirty="0"/>
+              <a:t>Flip or Flop </a:t>
+            </a:r>
+            <a:r>
+              <a:rPr lang="mr-IN" dirty="0"/>
+              <a:t>–</a:t>
+            </a:r>
+            <a:r>
+              <a:rPr lang="en-US" dirty="0"/>
+              <a:t> Investment opportunities by renovating?</a:t>
+            </a:r>
+          </a:p>
+        </p:txBody>
+      </p:sp>
+      <p:sp>
+        <p:nvSpPr>
+          <p:cNvPr id="3" name="Content Placeholder 2"/>
+          <p:cNvSpPr>
+            <a:spLocks noGrp="1"/>
+          </p:cNvSpPr>
+          <p:nvPr>
+            <p:ph idx="1"/>
+          </p:nvPr>
+        </p:nvSpPr>
+        <p:spPr/>
+        <p:txBody>
+          <a:bodyPr>
+            <a:noAutofit/>
+          </a:bodyPr>
+          <a:lstStyle/>
+          <a:p>
+            <a:r>
+              <a:rPr lang="en-US" sz="2000" dirty="0"/>
+              <a:t>If 88% of price is accounted for by fixed features, only 12% (or $19k of house value) remains to other features which limits upside potential to add value via renovation and repairs using “Quality” (</a:t>
+            </a:r>
+            <a:r>
+              <a:rPr lang="en-US" sz="2000" dirty="0" err="1"/>
+              <a:t>ie</a:t>
+            </a:r>
+            <a:r>
+              <a:rPr lang="en-US" sz="2000" dirty="0"/>
+              <a:t> kitchen quality) and “Condition” (</a:t>
+            </a:r>
+            <a:r>
+              <a:rPr lang="en-US" sz="2000" dirty="0" err="1"/>
+              <a:t>ie</a:t>
+            </a:r>
+            <a:r>
+              <a:rPr lang="en-US" sz="2000" dirty="0"/>
+              <a:t> garage condition) metrics, including roof, exterior features, heating, electric components, etc.</a:t>
+            </a:r>
+          </a:p>
+          <a:p>
+            <a:r>
+              <a:rPr lang="en-US" sz="2000" dirty="0"/>
+              <a:t>If the goal is to add value via renovation, the most promising upside will come from:</a:t>
+            </a:r>
+          </a:p>
+          <a:p>
+            <a:pPr marL="857250" lvl="1" indent="-457200">
+              <a:buFont typeface="+mj-lt"/>
+              <a:buAutoNum type="arabicPeriod"/>
+            </a:pPr>
+            <a:r>
+              <a:rPr lang="en-US" sz="2000" dirty="0"/>
+              <a:t>Adding a garage if land and zoning eligibility permits (worth approximately $6k per car)</a:t>
+            </a:r>
+          </a:p>
+          <a:p>
+            <a:pPr marL="857250" lvl="1" indent="-457200">
+              <a:buFont typeface="+mj-lt"/>
+              <a:buAutoNum type="arabicPeriod"/>
+            </a:pPr>
+            <a:r>
+              <a:rPr lang="en-US" sz="2000" dirty="0"/>
+              <a:t>Complete and unfinished basement (amounts to $35/sq. ft.)</a:t>
+            </a:r>
+          </a:p>
+          <a:p>
+            <a:pPr marL="857250" lvl="1" indent="-457200">
+              <a:buFont typeface="+mj-lt"/>
+              <a:buAutoNum type="arabicPeriod"/>
+            </a:pPr>
+            <a:r>
+              <a:rPr lang="en-US" sz="2000" dirty="0"/>
+              <a:t>Remodel/Upgrade the kitchen.</a:t>
+            </a:r>
+          </a:p>
+          <a:p>
+            <a:r>
+              <a:rPr lang="en-US" sz="2000" dirty="0"/>
+              <a:t>Profit model relies on ability to source low cost contractors.</a:t>
+            </a:r>
+          </a:p>
+          <a:p>
+            <a:r>
+              <a:rPr lang="en-US" sz="2000" dirty="0"/>
+              <a:t>Analysis suggests that the most prudent investment strategy would be investing in underpriced listings based on the criteria in the linear model vs “flipping” houses by renovating features and making improvements.</a:t>
+            </a:r>
+          </a:p>
+        </p:txBody>
+      </p:sp>
+    </p:spTree>
+    <p:extLst>
+      <p:ext uri="{BB962C8B-B14F-4D97-AF65-F5344CB8AC3E}">
+        <p14:creationId xmlns:p14="http://schemas.microsoft.com/office/powerpoint/2010/main" val="1081167671"/>
+      </p:ext>
+    </p:extLst>
+  </p:cSld>
+  <p:clrMapOvr>
+    <a:masterClrMapping/>
+  </p:clrMapOvr>
+</p:sld>
+</file>
+
+<file path=ppt/slides/slide3.xml><?xml version="1.0" encoding="utf-8"?>
+<p:sld xmlns:a="http://schemas.openxmlformats.org/drawingml/2006/main" xmlns:r="http://schemas.openxmlformats.org/officeDocument/2006/relationships" xmlns:p="http://schemas.openxmlformats.org/presentationml/2006/main">
+  <p:cSld>
+    <p:spTree>
+      <p:nvGrpSpPr>
+        <p:cNvPr id="1" name=""/>
+        <p:cNvGrpSpPr/>
+        <p:nvPr/>
+      </p:nvGrpSpPr>
+      <p:grpSpPr>
+        <a:xfrm>
+          <a:off x="0" y="0"/>
+          <a:ext cx="0" cy="0"/>
+          <a:chOff x="0" y="0"/>
+          <a:chExt cx="0" cy="0"/>
+        </a:xfrm>
+      </p:grpSpPr>
+      <p:pic>
+        <p:nvPicPr>
+          <p:cNvPr id="5" name="Content Placeholder 4" descr="A picture containing person, text, newspaper, outdoor&#10;&#10;Description generated with very high confidence">
+            <a:extLst>
+              <a:ext uri="{FF2B5EF4-FFF2-40B4-BE49-F238E27FC236}">
+                <a16:creationId xmlns:a16="http://schemas.microsoft.com/office/drawing/2014/main" id="{15B056D5-F188-43AA-B66A-95B40BD85B5E}"/>
+              </a:ext>
+            </a:extLst>
+          </p:cNvPr>
+          <p:cNvPicPr>
+            <a:picLocks noGrp="1" noChangeAspect="1"/>
+          </p:cNvPicPr>
+          <p:nvPr>
+            <p:ph idx="1"/>
+          </p:nvPr>
+        </p:nvPicPr>
+        <p:blipFill>
+          <a:blip r:embed="rId2">
+            <a:extLst>
+              <a:ext uri="{28A0092B-C50C-407E-A947-70E740481C1C}">
+                <a14:useLocalDpi xmlns:a14="http://schemas.microsoft.com/office/drawing/2010/main" val="0"/>
+              </a:ext>
+            </a:extLst>
+          </a:blip>
+          <a:stretch>
+            <a:fillRect/>
+          </a:stretch>
+        </p:blipFill>
+        <p:spPr>
+          <a:xfrm>
+            <a:off x="2530068" y="435362"/>
+            <a:ext cx="6380175" cy="6380175"/>
+          </a:xfrm>
+        </p:spPr>
+      </p:pic>
+    </p:spTree>
+    <p:extLst>
+      <p:ext uri="{BB962C8B-B14F-4D97-AF65-F5344CB8AC3E}">
+        <p14:creationId xmlns:p14="http://schemas.microsoft.com/office/powerpoint/2010/main" val="918493522"/>
+      </p:ext>
+    </p:extLst>
+  </p:cSld>
+  <p:clrMapOvr>
+    <a:masterClrMapping/>
+  </p:clrMapOvr>
+</p:sld>
+</file>
+
+<file path=ppt/slides/slide4.xml><?xml version="1.0" encoding="utf-8"?>
+<p:sld xmlns:a="http://schemas.openxmlformats.org/drawingml/2006/main" xmlns:r="http://schemas.openxmlformats.org/officeDocument/2006/relationships" xmlns:p="http://schemas.openxmlformats.org/presentationml/2006/main">
+  <p:cSld>
+    <p:bg>
+      <p:bgPr>
+        <a:solidFill>
+          <a:schemeClr val="bg1">
+            <a:tint val="95000"/>
+            <a:satMod val="170000"/>
+          </a:schemeClr>
+        </a:solidFill>
+        <a:effectLst/>
+      </p:bgPr>
+    </p:bg>
+    <p:spTree>
+      <p:nvGrpSpPr>
+        <p:cNvPr id="1" name=""/>
+        <p:cNvGrpSpPr/>
+        <p:nvPr/>
+      </p:nvGrpSpPr>
+      <p:grpSpPr>
+        <a:xfrm>
+          <a:off x="0" y="0"/>
+          <a:ext cx="0" cy="0"/>
+          <a:chOff x="0" y="0"/>
+          <a:chExt cx="0" cy="0"/>
+        </a:xfrm>
+      </p:grpSpPr>
+      <p:grpSp>
+        <p:nvGrpSpPr>
+          <p:cNvPr id="8" name="Group 7" title="intersecting circles">
+            <a:extLst>
+              <a:ext uri="{FF2B5EF4-FFF2-40B4-BE49-F238E27FC236}">
+                <a16:creationId xmlns:a16="http://schemas.microsoft.com/office/drawing/2014/main" id="{D2C4BFA1-2075-4901-9E24-E41D1FDD51FD}"/>
+              </a:ext>
+            </a:extLst>
+          </p:cNvPr>
+          <p:cNvGrpSpPr>
+            <a:grpSpLocks noGrp="1" noUngrp="1" noRot="1" noChangeAspect="1" noMove="1" noResize="1"/>
+          </p:cNvGrpSpPr>
+          <p:nvPr>
+            <p:extLst>
+              <p:ext uri="{386F3935-93C4-4BCD-93E2-E3B085C9AB24}">
+                <p16:designElem xmlns:p16="http://schemas.microsoft.com/office/powerpoint/2015/main" val="1"/>
+              </p:ext>
+            </p:extLst>
+          </p:nvPr>
+        </p:nvGrpSpPr>
+        <p:grpSpPr>
+          <a:xfrm>
+            <a:off x="1155481" y="498348"/>
+            <a:ext cx="9902663" cy="5861304"/>
+            <a:chOff x="1155481" y="498348"/>
+            <a:chExt cx="9902663" cy="5861304"/>
+          </a:xfrm>
+        </p:grpSpPr>
+        <p:sp>
+          <p:nvSpPr>
+            <p:cNvPr id="9" name="Oval 5">
+              <a:extLst>
+                <a:ext uri="{FF2B5EF4-FFF2-40B4-BE49-F238E27FC236}">
+                  <a16:creationId xmlns:a16="http://schemas.microsoft.com/office/drawing/2014/main" id="{985A7375-E3AF-4F5C-85AE-17E8832952CA}"/>
+                </a:ext>
+              </a:extLst>
+            </p:cNvPr>
+            <p:cNvSpPr>
+              <a:spLocks noChangeArrowheads="1"/>
+            </p:cNvSpPr>
+            <p:nvPr>
+              <p:extLst>
+                <p:ext uri="{386F3935-93C4-4BCD-93E2-E3B085C9AB24}">
+                  <p16:designElem xmlns:p16="http://schemas.microsoft.com/office/powerpoint/2015/main" val="1"/>
+                </p:ext>
+              </p:extLst>
+            </p:nvPr>
+          </p:nvSpPr>
+          <p:spPr bwMode="auto">
+            <a:xfrm>
+              <a:off x="1155481" y="498348"/>
+              <a:ext cx="5861304" cy="5861304"/>
+            </a:xfrm>
+            <a:prstGeom prst="ellipse">
+              <a:avLst/>
+            </a:prstGeom>
+            <a:solidFill>
+              <a:schemeClr val="accent1">
+                <a:alpha val="55000"/>
+              </a:schemeClr>
+            </a:solidFill>
+            <a:ln>
+              <a:noFill/>
+            </a:ln>
+          </p:spPr>
+        </p:sp>
+        <p:sp>
+          <p:nvSpPr>
+            <p:cNvPr id="10" name="Oval 9">
+              <a:extLst>
+                <a:ext uri="{FF2B5EF4-FFF2-40B4-BE49-F238E27FC236}">
+                  <a16:creationId xmlns:a16="http://schemas.microsoft.com/office/drawing/2014/main" id="{F0307F65-8304-4FA8-A841-D4D7625411BE}"/>
+                </a:ext>
+              </a:extLst>
+            </p:cNvPr>
+            <p:cNvSpPr>
+              <a:spLocks noChangeArrowheads="1"/>
+            </p:cNvSpPr>
+            <p:nvPr>
+              <p:extLst>
+                <p:ext uri="{386F3935-93C4-4BCD-93E2-E3B085C9AB24}">
+                  <p16:designElem xmlns:p16="http://schemas.microsoft.com/office/powerpoint/2015/main" val="1"/>
+                </p:ext>
+              </p:extLst>
+            </p:nvPr>
+          </p:nvSpPr>
+          <p:spPr bwMode="auto">
+            <a:xfrm>
+              <a:off x="5196840" y="498348"/>
+              <a:ext cx="5861304" cy="5861304"/>
+            </a:xfrm>
+            <a:prstGeom prst="ellipse">
+              <a:avLst/>
+            </a:prstGeom>
+            <a:solidFill>
+              <a:schemeClr val="accent1">
+                <a:alpha val="55000"/>
+              </a:schemeClr>
+            </a:solidFill>
+            <a:ln>
+              <a:noFill/>
+            </a:ln>
+          </p:spPr>
+        </p:sp>
+        <p:sp>
+          <p:nvSpPr>
+            <p:cNvPr id="11" name="Oval 5">
+              <a:extLst>
+                <a:ext uri="{FF2B5EF4-FFF2-40B4-BE49-F238E27FC236}">
+                  <a16:creationId xmlns:a16="http://schemas.microsoft.com/office/drawing/2014/main" id="{C8B8394C-136F-4E05-A002-D93A5E79CD50}"/>
+                </a:ext>
+              </a:extLst>
+            </p:cNvPr>
+            <p:cNvSpPr>
+              <a:spLocks noChangeArrowheads="1"/>
+            </p:cNvSpPr>
+            <p:nvPr>
+              <p:extLst>
+                <p:ext uri="{386F3935-93C4-4BCD-93E2-E3B085C9AB24}">
+                  <p16:designElem xmlns:p16="http://schemas.microsoft.com/office/powerpoint/2015/main" val="1"/>
+                </p:ext>
+              </p:extLst>
+            </p:nvPr>
+          </p:nvSpPr>
+          <p:spPr bwMode="auto">
+            <a:xfrm>
+              <a:off x="3165348" y="498348"/>
+              <a:ext cx="5861304" cy="5861304"/>
+            </a:xfrm>
+            <a:prstGeom prst="ellipse">
+              <a:avLst/>
+            </a:prstGeom>
+            <a:solidFill>
+              <a:schemeClr val="accent1">
+                <a:alpha val="70000"/>
+              </a:schemeClr>
+            </a:solidFill>
+            <a:ln>
+              <a:noFill/>
+            </a:ln>
+          </p:spPr>
+        </p:sp>
+      </p:grpSp>
+      <p:sp>
+        <p:nvSpPr>
+          <p:cNvPr id="13" name="Rectangle 12" title="ribbon">
+            <a:extLst>
+              <a:ext uri="{FF2B5EF4-FFF2-40B4-BE49-F238E27FC236}">
+                <a16:creationId xmlns:a16="http://schemas.microsoft.com/office/drawing/2014/main" id="{053FB2EE-284F-4C87-AB3D-BBF87A9FAB97}"/>
+              </a:ext>
+            </a:extLst>
+          </p:cNvPr>
+          <p:cNvSpPr>
+            <a:spLocks noGrp="1" noRot="1" noChangeAspect="1" noMove="1" noResize="1" noEditPoints="1" noAdjustHandles="1" noChangeArrowheads="1" noChangeShapeType="1" noTextEdit="1"/>
+          </p:cNvSpPr>
+          <p:nvPr>
+            <p:extLst>
+              <p:ext uri="{386F3935-93C4-4BCD-93E2-E3B085C9AB24}">
+                <p16:designElem xmlns:p16="http://schemas.microsoft.com/office/powerpoint/2015/main" val="1"/>
+              </p:ext>
+            </p:extLst>
+          </p:nvPr>
+        </p:nvSpPr>
+        <p:spPr>
+          <a:xfrm>
+            <a:off x="0" y="2514600"/>
+            <a:ext cx="12192000" cy="1828800"/>
+          </a:xfrm>
+          <a:prstGeom prst="rect">
+            <a:avLst/>
+          </a:prstGeom>
+          <a:solidFill>
+            <a:schemeClr val="tx2"/>
+          </a:solidFill>
+          <a:ln>
+            <a:noFill/>
+          </a:ln>
+        </p:spPr>
+        <p:style>
+          <a:lnRef idx="2">
+            <a:schemeClr val="accent1">
+              <a:shade val="50000"/>
+            </a:schemeClr>
+          </a:lnRef>
+          <a:fillRef idx="1">
+            <a:schemeClr val="accent1"/>
+          </a:fillRef>
+          <a:effectRef idx="0">
+            <a:schemeClr val="accent1"/>
+          </a:effectRef>
+          <a:fontRef idx="minor">
+            <a:schemeClr val="lt1"/>
+          </a:fontRef>
+        </p:style>
+      </p:sp>
+      <p:sp>
+        <p:nvSpPr>
+          <p:cNvPr id="2" name="Title 1">
+            <a:extLst>
+              <a:ext uri="{FF2B5EF4-FFF2-40B4-BE49-F238E27FC236}">
+                <a16:creationId xmlns:a16="http://schemas.microsoft.com/office/drawing/2014/main" id="{32E0A578-CE27-410A-8933-52A270F02582}"/>
+              </a:ext>
+            </a:extLst>
+          </p:cNvPr>
+          <p:cNvSpPr>
+            <a:spLocks noGrp="1"/>
+          </p:cNvSpPr>
+          <p:nvPr>
+            <p:ph type="ctrTitle"/>
+          </p:nvPr>
+        </p:nvSpPr>
+        <p:spPr>
+          <a:xfrm>
+            <a:off x="1524000" y="2776538"/>
+            <a:ext cx="9144000" cy="1381188"/>
+          </a:xfrm>
+        </p:spPr>
+        <p:txBody>
+          <a:bodyPr anchor="ctr">
+            <a:normAutofit/>
+          </a:bodyPr>
+          <a:lstStyle/>
+          <a:p>
+            <a:r>
+              <a:rPr lang="en-US" sz="4000" b="1" dirty="0">
+                <a:solidFill>
+                  <a:srgbClr val="0070C0"/>
+                </a:solidFill>
+              </a:rPr>
+              <a:t>Data Exploration</a:t>
+            </a:r>
+            <a:endParaRPr lang="en-US" sz="4000" dirty="0">
+              <a:solidFill>
+                <a:schemeClr val="bg2"/>
+              </a:solidFill>
+            </a:endParaRPr>
+          </a:p>
+        </p:txBody>
+      </p:sp>
+    </p:spTree>
+    <p:extLst>
+      <p:ext uri="{BB962C8B-B14F-4D97-AF65-F5344CB8AC3E}">
+        <p14:creationId xmlns:p14="http://schemas.microsoft.com/office/powerpoint/2010/main" val="661467052"/>
+      </p:ext>
+    </p:extLst>
+  </p:cSld>
+  <p:clrMapOvr>
+    <a:overrideClrMapping bg1="dk1" tx1="lt1" bg2="dk2" tx2="lt2" accent1="accent1" accent2="accent2" accent3="accent3" accent4="accent4" accent5="accent5" accent6="accent6" hlink="hlink" folHlink="folHlink"/>
+  </p:clrMapOvr>
+</p:sld>
+</file>
+
+<file path=ppt/slides/slide5.xml><?xml version="1.0" encoding="utf-8"?>
+<p:sld xmlns:a="http://schemas.openxmlformats.org/drawingml/2006/main" xmlns:r="http://schemas.openxmlformats.org/officeDocument/2006/relationships" xmlns:p="http://schemas.openxmlformats.org/presentationml/2006/main">
+  <p:cSld>
+    <p:bg>
+      <p:bgPr>
+        <a:solidFill>
+          <a:schemeClr val="bg1"/>
+        </a:solidFill>
+        <a:effectLst/>
+      </p:bgPr>
+    </p:bg>
+    <p:spTree>
+      <p:nvGrpSpPr>
+        <p:cNvPr id="1" name=""/>
+        <p:cNvGrpSpPr/>
+        <p:nvPr/>
+      </p:nvGrpSpPr>
+      <p:grpSpPr>
+        <a:xfrm>
+          <a:off x="0" y="0"/>
+          <a:ext cx="0" cy="0"/>
+          <a:chOff x="0" y="0"/>
+          <a:chExt cx="0" cy="0"/>
+        </a:xfrm>
+      </p:grpSpPr>
+      <p:sp>
+        <p:nvSpPr>
+          <p:cNvPr id="2" name="Title 1">
+            <a:extLst>
+              <a:ext uri="{FF2B5EF4-FFF2-40B4-BE49-F238E27FC236}">
+                <a16:creationId xmlns:a16="http://schemas.microsoft.com/office/drawing/2014/main" id="{D6CDCB73-8593-4074-886F-EDED4E788813}"/>
+              </a:ext>
+            </a:extLst>
+          </p:cNvPr>
+          <p:cNvSpPr>
+            <a:spLocks noGrp="1"/>
+          </p:cNvSpPr>
+          <p:nvPr>
+            <p:ph type="title"/>
+          </p:nvPr>
+        </p:nvSpPr>
+        <p:spPr>
+          <a:xfrm>
+            <a:off x="234950" y="643467"/>
+            <a:ext cx="10471150" cy="690033"/>
+          </a:xfrm>
+          <a:solidFill>
+            <a:schemeClr val="bg1">
+              <a:lumMod val="95000"/>
+            </a:schemeClr>
+          </a:solidFill>
+        </p:spPr>
+        <p:txBody>
+          <a:bodyPr vert="horz" lIns="91440" tIns="45720" rIns="91440" bIns="45720" rtlCol="0" anchor="ctr">
+            <a:normAutofit fontScale="90000"/>
+          </a:bodyPr>
+          <a:lstStyle/>
+          <a:p>
+            <a:br>
+              <a:rPr lang="en-US" sz="3200" b="1" dirty="0">
+                <a:solidFill>
+                  <a:srgbClr val="0070C0"/>
+                </a:solidFill>
+              </a:rPr>
+            </a:br>
+            <a:r>
+              <a:rPr lang="en-US" sz="3200" b="1" dirty="0">
+                <a:solidFill>
+                  <a:srgbClr val="0070C0"/>
+                </a:solidFill>
+              </a:rPr>
+              <a:t>What factors do we believe to influence house prices?</a:t>
+            </a:r>
+            <a:br>
+              <a:rPr lang="en-US" sz="3200" b="1" dirty="0">
+                <a:solidFill>
+                  <a:srgbClr val="0070C0"/>
+                </a:solidFill>
+              </a:rPr>
+            </a:br>
+            <a:endParaRPr lang="en-US" sz="3200" b="1" u="sng" dirty="0">
+              <a:solidFill>
+                <a:srgbClr val="0070C0"/>
+              </a:solidFill>
+            </a:endParaRPr>
+          </a:p>
+        </p:txBody>
+      </p:sp>
+      <p:sp>
+        <p:nvSpPr>
+          <p:cNvPr id="4" name="TextBox 3">
+            <a:extLst>
+              <a:ext uri="{FF2B5EF4-FFF2-40B4-BE49-F238E27FC236}">
+                <a16:creationId xmlns:a16="http://schemas.microsoft.com/office/drawing/2014/main" id="{CC0F3D11-B31A-4DEE-BB5C-830CF453B203}"/>
+              </a:ext>
+            </a:extLst>
+          </p:cNvPr>
+          <p:cNvSpPr txBox="1"/>
+          <p:nvPr/>
+        </p:nvSpPr>
+        <p:spPr>
+          <a:xfrm>
+            <a:off x="1295400" y="2633197"/>
+            <a:ext cx="10176933" cy="1477328"/>
+          </a:xfrm>
+          <a:prstGeom prst="rect">
+            <a:avLst/>
+          </a:prstGeom>
+          <a:noFill/>
+        </p:spPr>
+        <p:txBody>
+          <a:bodyPr wrap="square" rtlCol="0">
+            <a:spAutoFit/>
+          </a:bodyPr>
+          <a:lstStyle/>
+          <a:p>
+            <a:pPr marL="285750" indent="-285750">
+              <a:buFont typeface="Arial" panose="020B0604020202020204" pitchFamily="34" charset="0"/>
+              <a:buChar char="•"/>
+            </a:pPr>
+            <a:r>
+              <a:rPr lang="en-US" dirty="0"/>
+              <a:t>The dataset contains 1460 observations in the training set and 1459 observations in the test set. </a:t>
+            </a:r>
+          </a:p>
+          <a:p>
+            <a:pPr marL="285750" indent="-285750">
+              <a:buFont typeface="Arial" panose="020B0604020202020204" pitchFamily="34" charset="0"/>
+              <a:buChar char="•"/>
+            </a:pPr>
+            <a:r>
+              <a:rPr lang="en-US" dirty="0"/>
+              <a:t>There are 46 categorical variables including 23 nominal and 23 ordinal ones, and 33 numeric variables in the dataset. </a:t>
+            </a:r>
+          </a:p>
+          <a:p>
+            <a:pPr marL="285750" indent="-285750">
+              <a:buFont typeface="Arial" panose="020B0604020202020204" pitchFamily="34" charset="0"/>
+              <a:buChar char="•"/>
+            </a:pPr>
+            <a:r>
+              <a:rPr lang="en-US" dirty="0"/>
+              <a:t>The training set has the sale price as response while the test set doesn’t.</a:t>
+            </a:r>
+          </a:p>
+          <a:p>
+            <a:endParaRPr lang="en-US" dirty="0"/>
+          </a:p>
+        </p:txBody>
+      </p:sp>
+    </p:spTree>
+    <p:extLst>
+      <p:ext uri="{BB962C8B-B14F-4D97-AF65-F5344CB8AC3E}">
+        <p14:creationId xmlns:p14="http://schemas.microsoft.com/office/powerpoint/2010/main" val="2092906711"/>
+      </p:ext>
+    </p:extLst>
+  </p:cSld>
+  <p:clrMapOvr>
+    <a:masterClrMapping/>
+  </p:clrMapOvr>
+</p:sld>
+</file>
+
+<file path=ppt/slides/slide6.xml><?xml version="1.0" encoding="utf-8"?>
+<p:sld xmlns:a="http://schemas.openxmlformats.org/drawingml/2006/main" xmlns:r="http://schemas.openxmlformats.org/officeDocument/2006/relationships" xmlns:p="http://schemas.openxmlformats.org/presentationml/2006/main">
+  <p:cSld>
+    <p:spTree>
+      <p:nvGrpSpPr>
+        <p:cNvPr id="1" name=""/>
+        <p:cNvGrpSpPr/>
+        <p:nvPr/>
+      </p:nvGrpSpPr>
+      <p:grpSpPr>
+        <a:xfrm>
+          <a:off x="0" y="0"/>
+          <a:ext cx="0" cy="0"/>
+          <a:chOff x="0" y="0"/>
+          <a:chExt cx="0" cy="0"/>
+        </a:xfrm>
+      </p:grpSpPr>
+      <p:sp>
+        <p:nvSpPr>
+          <p:cNvPr id="2" name="Title 1">
+            <a:extLst>
+              <a:ext uri="{FF2B5EF4-FFF2-40B4-BE49-F238E27FC236}">
+                <a16:creationId xmlns:a16="http://schemas.microsoft.com/office/drawing/2014/main" id="{94D1C4B0-CD8D-4273-AE80-7755E21858BF}"/>
+              </a:ext>
+            </a:extLst>
+          </p:cNvPr>
+          <p:cNvSpPr>
+            <a:spLocks noGrp="1"/>
+          </p:cNvSpPr>
+          <p:nvPr>
+            <p:ph type="title"/>
+          </p:nvPr>
+        </p:nvSpPr>
+        <p:spPr>
+          <a:xfrm>
+            <a:off x="139700" y="136525"/>
+            <a:ext cx="11169650" cy="511175"/>
+          </a:xfrm>
+          <a:solidFill>
+            <a:schemeClr val="bg1">
+              <a:lumMod val="95000"/>
+            </a:schemeClr>
+          </a:solidFill>
+        </p:spPr>
+        <p:txBody>
+          <a:bodyPr>
+            <a:normAutofit/>
+          </a:bodyPr>
+          <a:lstStyle/>
+          <a:p>
+            <a:r>
+              <a:rPr lang="en-US" sz="2800" b="1" dirty="0">
+                <a:solidFill>
+                  <a:srgbClr val="0070C0"/>
+                </a:solidFill>
+              </a:rPr>
+              <a:t>Univariate Analysis</a:t>
+            </a:r>
+          </a:p>
+        </p:txBody>
+      </p:sp>
+      <p:pic>
+        <p:nvPicPr>
+          <p:cNvPr id="5" name="Content Placeholder 4" descr="A train window with a large screen&#10;&#10;Description generated with high confidence">
+            <a:extLst>
+              <a:ext uri="{FF2B5EF4-FFF2-40B4-BE49-F238E27FC236}">
+                <a16:creationId xmlns:a16="http://schemas.microsoft.com/office/drawing/2014/main" id="{EDBBBAFC-B99B-4564-924E-2545FB4166E9}"/>
+              </a:ext>
+            </a:extLst>
+          </p:cNvPr>
+          <p:cNvPicPr>
+            <a:picLocks noGrp="1" noChangeAspect="1"/>
+          </p:cNvPicPr>
+          <p:nvPr>
+            <p:ph idx="1"/>
+          </p:nvPr>
+        </p:nvPicPr>
+        <p:blipFill>
+          <a:blip r:embed="rId2">
+            <a:extLst>
+              <a:ext uri="{28A0092B-C50C-407E-A947-70E740481C1C}">
+                <a14:useLocalDpi xmlns:a14="http://schemas.microsoft.com/office/drawing/2010/main" val="0"/>
+              </a:ext>
+            </a:extLst>
+          </a:blip>
+          <a:stretch>
+            <a:fillRect/>
+          </a:stretch>
+        </p:blipFill>
+        <p:spPr>
+          <a:xfrm>
+            <a:off x="1875563" y="723900"/>
+            <a:ext cx="7640773" cy="5619750"/>
+          </a:xfrm>
+        </p:spPr>
+      </p:pic>
+    </p:spTree>
+    <p:extLst>
+      <p:ext uri="{BB962C8B-B14F-4D97-AF65-F5344CB8AC3E}">
+        <p14:creationId xmlns:p14="http://schemas.microsoft.com/office/powerpoint/2010/main" val="2882788402"/>
+      </p:ext>
+    </p:extLst>
+  </p:cSld>
+  <p:clrMapOvr>
+    <a:masterClrMapping/>
+  </p:clrMapOvr>
+</p:sld>
+</file>
+
+<file path=ppt/slides/slide7.xml><?xml version="1.0" encoding="utf-8"?>
+<p:sld xmlns:a="http://schemas.openxmlformats.org/drawingml/2006/main" xmlns:r="http://schemas.openxmlformats.org/officeDocument/2006/relationships" xmlns:p="http://schemas.openxmlformats.org/presentationml/2006/main" showMasterSp="0">
+  <p:cSld>
+    <p:bg>
+      <p:bgPr>
+        <a:solidFill>
+          <a:schemeClr val="bg1"/>
+        </a:solidFill>
+        <a:effectLst/>
+      </p:bgPr>
+    </p:bg>
+    <p:spTree>
+      <p:nvGrpSpPr>
+        <p:cNvPr id="1" name=""/>
+        <p:cNvGrpSpPr/>
+        <p:nvPr/>
+      </p:nvGrpSpPr>
+      <p:grpSpPr>
+        <a:xfrm>
+          <a:off x="0" y="0"/>
+          <a:ext cx="0" cy="0"/>
+          <a:chOff x="0" y="0"/>
+          <a:chExt cx="0" cy="0"/>
+        </a:xfrm>
+      </p:grpSpPr>
+      <p:sp>
+        <p:nvSpPr>
+          <p:cNvPr id="88" name="Rectangle 83">
+            <a:extLst>
+              <a:ext uri="{FF2B5EF4-FFF2-40B4-BE49-F238E27FC236}">
+                <a16:creationId xmlns:a16="http://schemas.microsoft.com/office/drawing/2014/main" id="{EC12C61A-9558-4DE5-AFDB-898358AFB4CA}"/>
+              </a:ext>
+            </a:extLst>
+          </p:cNvPr>
+          <p:cNvSpPr>
+            <a:spLocks noGrp="1" noRot="1" noChangeAspect="1" noMove="1" noResize="1" noEditPoints="1" noAdjustHandles="1" noChangeArrowheads="1" noChangeShapeType="1" noTextEdit="1"/>
+          </p:cNvSpPr>
+          <p:nvPr>
+            <p:extLst>
+              <p:ext uri="{386F3935-93C4-4BCD-93E2-E3B085C9AB24}">
+                <p16:designElem xmlns:p16="http://schemas.microsoft.com/office/powerpoint/2015/main" val="1"/>
+              </p:ext>
+            </p:extLst>
+          </p:nvPr>
+        </p:nvSpPr>
+        <p:spPr bwMode="ltGray">
+          <a:xfrm>
+            <a:off x="336883" y="321176"/>
+            <a:ext cx="7174247" cy="5896743"/>
+          </a:xfrm>
+          <a:prstGeom prst="rect">
+            <a:avLst/>
+          </a:prstGeom>
+          <a:solidFill>
+            <a:schemeClr val="tx1">
+              <a:alpha val="15000"/>
+            </a:schemeClr>
+          </a:solidFill>
+          <a:ln w="127000" cap="sq" cmpd="thinThick">
+            <a:solidFill>
+              <a:schemeClr val="tx1">
+                <a:alpha val="10000"/>
+              </a:schemeClr>
+            </a:solidFill>
+          </a:ln>
+        </p:spPr>
+        <p:style>
+          <a:lnRef idx="2">
+            <a:schemeClr val="accent1">
+              <a:shade val="50000"/>
+            </a:schemeClr>
+          </a:lnRef>
+          <a:fillRef idx="1">
+            <a:schemeClr val="accent1"/>
+          </a:fillRef>
+          <a:effectRef idx="0">
+            <a:schemeClr val="accent1"/>
+          </a:effectRef>
+          <a:fontRef idx="minor">
+            <a:schemeClr val="lt1"/>
+          </a:fontRef>
+        </p:style>
+        <p:txBody>
+          <a:bodyPr rtlCol="0" anchor="ctr"/>
+          <a:lstStyle/>
+          <a:p>
+            <a:pPr algn="ctr"/>
+            <a:endParaRPr lang="en-US"/>
+          </a:p>
+        </p:txBody>
+      </p:sp>
+      <p:pic>
+        <p:nvPicPr>
+          <p:cNvPr id="89" name="Content Placeholder 11">
+            <a:extLst>
+              <a:ext uri="{FF2B5EF4-FFF2-40B4-BE49-F238E27FC236}">
+                <a16:creationId xmlns:a16="http://schemas.microsoft.com/office/drawing/2014/main" id="{80B08409-AFCA-4FBA-99D6-B1534164B404}"/>
+              </a:ext>
+            </a:extLst>
+          </p:cNvPr>
+          <p:cNvPicPr>
+            <a:picLocks noChangeAspect="1"/>
+          </p:cNvPicPr>
+          <p:nvPr/>
+        </p:nvPicPr>
+        <p:blipFill rotWithShape="1">
+          <a:blip r:embed="rId2">
+            <a:extLst>
+              <a:ext uri="{28A0092B-C50C-407E-A947-70E740481C1C}">
+                <a14:useLocalDpi xmlns:a14="http://schemas.microsoft.com/office/drawing/2010/main" val="0"/>
+              </a:ext>
+            </a:extLst>
+          </a:blip>
+          <a:srcRect t="23361" r="-9" b="-9"/>
+          <a:stretch/>
+        </p:blipFill>
+        <p:spPr>
+          <a:xfrm>
+            <a:off x="7829551" y="2330867"/>
+            <a:ext cx="4042410" cy="1863093"/>
+          </a:xfrm>
+          <a:prstGeom prst="rect">
+            <a:avLst/>
+          </a:prstGeom>
+        </p:spPr>
+      </p:pic>
+      <p:pic>
+        <p:nvPicPr>
+          <p:cNvPr id="14" name="Picture 13" descr="A close up of text on a white background&#10;&#10;Description generated with high confidence">
+            <a:extLst>
+              <a:ext uri="{FF2B5EF4-FFF2-40B4-BE49-F238E27FC236}">
+                <a16:creationId xmlns:a16="http://schemas.microsoft.com/office/drawing/2014/main" id="{1BB2A90C-877B-442D-A6FA-21612C428421}"/>
+              </a:ext>
+            </a:extLst>
+          </p:cNvPr>
+          <p:cNvPicPr>
+            <a:picLocks noChangeAspect="1"/>
+          </p:cNvPicPr>
+          <p:nvPr/>
+        </p:nvPicPr>
+        <p:blipFill rotWithShape="1">
+          <a:blip r:embed="rId3">
+            <a:extLst>
+              <a:ext uri="{28A0092B-C50C-407E-A947-70E740481C1C}">
+                <a14:useLocalDpi xmlns:a14="http://schemas.microsoft.com/office/drawing/2010/main" val="0"/>
+              </a:ext>
+            </a:extLst>
+          </a:blip>
+          <a:srcRect t="23361" r="-9" b="-9"/>
+          <a:stretch/>
+        </p:blipFill>
+        <p:spPr>
+          <a:xfrm>
+            <a:off x="7829551" y="306909"/>
+            <a:ext cx="4042409" cy="1863093"/>
+          </a:xfrm>
+          <a:prstGeom prst="rect">
+            <a:avLst/>
+          </a:prstGeom>
+        </p:spPr>
+      </p:pic>
+      <p:sp>
+        <p:nvSpPr>
+          <p:cNvPr id="2" name="Title 1">
+            <a:extLst>
+              <a:ext uri="{FF2B5EF4-FFF2-40B4-BE49-F238E27FC236}">
+                <a16:creationId xmlns:a16="http://schemas.microsoft.com/office/drawing/2014/main" id="{BD38A6AD-BF75-4389-9A42-7300E6B473AD}"/>
+              </a:ext>
+            </a:extLst>
+          </p:cNvPr>
+          <p:cNvSpPr>
+            <a:spLocks noGrp="1"/>
+          </p:cNvSpPr>
+          <p:nvPr>
+            <p:ph type="title"/>
+          </p:nvPr>
+        </p:nvSpPr>
+        <p:spPr>
+          <a:xfrm>
+            <a:off x="660400" y="419101"/>
+            <a:ext cx="6714066" cy="457200"/>
+          </a:xfrm>
+          <a:solidFill>
+            <a:schemeClr val="bg1"/>
+          </a:solidFill>
+        </p:spPr>
+        <p:txBody>
+          <a:bodyPr vert="horz" lIns="91440" tIns="45720" rIns="91440" bIns="45720" rtlCol="0" anchor="ctr">
+            <a:normAutofit/>
+          </a:bodyPr>
+          <a:lstStyle/>
+          <a:p>
+            <a:r>
+              <a:rPr lang="en-US" sz="2000" b="1" dirty="0"/>
+              <a:t>Qualitative</a:t>
+            </a:r>
+            <a:r>
+              <a:rPr lang="en-US" sz="2000" b="1" kern="1200" dirty="0">
+                <a:solidFill>
+                  <a:schemeClr val="tx1"/>
+                </a:solidFill>
+                <a:latin typeface="+mj-lt"/>
+                <a:ea typeface="+mj-ea"/>
+                <a:cs typeface="+mj-cs"/>
+              </a:rPr>
+              <a:t> vs Sale Price</a:t>
+            </a:r>
+          </a:p>
+        </p:txBody>
+      </p:sp>
+      <p:pic>
+        <p:nvPicPr>
+          <p:cNvPr id="17" name="Content Placeholder 16">
+            <a:extLst>
+              <a:ext uri="{FF2B5EF4-FFF2-40B4-BE49-F238E27FC236}">
+                <a16:creationId xmlns:a16="http://schemas.microsoft.com/office/drawing/2014/main" id="{5A4A2791-9B07-41F3-9C9C-0275AA503C23}"/>
+              </a:ext>
+            </a:extLst>
+          </p:cNvPr>
+          <p:cNvPicPr>
+            <a:picLocks noGrp="1" noChangeAspect="1"/>
+          </p:cNvPicPr>
+          <p:nvPr>
+            <p:ph sz="half" idx="1"/>
+          </p:nvPr>
+        </p:nvPicPr>
+        <p:blipFill>
+          <a:blip r:embed="rId4">
+            <a:extLst>
+              <a:ext uri="{28A0092B-C50C-407E-A947-70E740481C1C}">
+                <a14:useLocalDpi xmlns:a14="http://schemas.microsoft.com/office/drawing/2010/main" val="0"/>
+              </a:ext>
+            </a:extLst>
+          </a:blip>
+          <a:stretch>
+            <a:fillRect/>
+          </a:stretch>
+        </p:blipFill>
+        <p:spPr>
+          <a:xfrm>
+            <a:off x="464127" y="1438839"/>
+            <a:ext cx="6910339" cy="4216541"/>
+          </a:xfrm>
+        </p:spPr>
+      </p:pic>
+      <p:pic>
+        <p:nvPicPr>
+          <p:cNvPr id="6" name="Picture 5">
+            <a:extLst>
+              <a:ext uri="{FF2B5EF4-FFF2-40B4-BE49-F238E27FC236}">
+                <a16:creationId xmlns:a16="http://schemas.microsoft.com/office/drawing/2014/main" id="{08A2B321-BA8C-4A4B-91AA-BB56FF898896}"/>
+              </a:ext>
+            </a:extLst>
+          </p:cNvPr>
+          <p:cNvPicPr>
+            <a:picLocks noChangeAspect="1"/>
+          </p:cNvPicPr>
+          <p:nvPr/>
+        </p:nvPicPr>
+        <p:blipFill>
+          <a:blip r:embed="rId5">
+            <a:extLst>
+              <a:ext uri="{28A0092B-C50C-407E-A947-70E740481C1C}">
+                <a14:useLocalDpi xmlns:a14="http://schemas.microsoft.com/office/drawing/2010/main" val="0"/>
+              </a:ext>
+            </a:extLst>
+          </a:blip>
+          <a:stretch>
+            <a:fillRect/>
+          </a:stretch>
+        </p:blipFill>
+        <p:spPr>
+          <a:xfrm>
+            <a:off x="7829550" y="4298950"/>
+            <a:ext cx="4042409" cy="2330867"/>
+          </a:xfrm>
+          <a:prstGeom prst="rect">
+            <a:avLst/>
+          </a:prstGeom>
+        </p:spPr>
+      </p:pic>
+    </p:spTree>
+    <p:extLst>
+      <p:ext uri="{BB962C8B-B14F-4D97-AF65-F5344CB8AC3E}">
+        <p14:creationId xmlns:p14="http://schemas.microsoft.com/office/powerpoint/2010/main" val="4143015358"/>
+      </p:ext>
+    </p:extLst>
+  </p:cSld>
+  <p:clrMapOvr>
+    <a:masterClrMapping/>
+  </p:clrMapOvr>
+</p:sld>
+</file>
+
+<file path=ppt/slides/slide8.xml><?xml version="1.0" encoding="utf-8"?>
+<p:sld xmlns:a="http://schemas.openxmlformats.org/drawingml/2006/main" xmlns:r="http://schemas.openxmlformats.org/officeDocument/2006/relationships" xmlns:p="http://schemas.openxmlformats.org/presentationml/2006/main">
+  <p:cSld>
+    <p:bg>
+      <p:bgPr>
+        <a:solidFill>
+          <a:schemeClr val="bg1"/>
+        </a:solidFill>
+        <a:effectLst/>
+      </p:bgPr>
+    </p:bg>
+    <p:spTree>
+      <p:nvGrpSpPr>
+        <p:cNvPr id="1" name=""/>
+        <p:cNvGrpSpPr/>
+        <p:nvPr/>
+      </p:nvGrpSpPr>
+      <p:grpSpPr>
+        <a:xfrm>
+          <a:off x="0" y="0"/>
+          <a:ext cx="0" cy="0"/>
+          <a:chOff x="0" y="0"/>
+          <a:chExt cx="0" cy="0"/>
+        </a:xfrm>
+      </p:grpSpPr>
+      <p:sp>
+        <p:nvSpPr>
+          <p:cNvPr id="12" name="Rectangle 14">
+            <a:extLst>
+              <a:ext uri="{FF2B5EF4-FFF2-40B4-BE49-F238E27FC236}">
+                <a16:creationId xmlns:a16="http://schemas.microsoft.com/office/drawing/2014/main" id="{DAE885FA-583E-488C-A3B2-2647B84A8162}"/>
+              </a:ext>
+            </a:extLst>
+          </p:cNvPr>
+          <p:cNvSpPr>
+            <a:spLocks noGrp="1" noRot="1" noChangeAspect="1" noMove="1" noResize="1" noEditPoints="1" noAdjustHandles="1" noChangeArrowheads="1" noChangeShapeType="1" noTextEdit="1"/>
+          </p:cNvSpPr>
+          <p:nvPr>
+            <p:extLst>
+              <p:ext uri="{386F3935-93C4-4BCD-93E2-E3B085C9AB24}">
+                <p16:designElem xmlns:p16="http://schemas.microsoft.com/office/powerpoint/2015/main" val="1"/>
+              </p:ext>
+            </p:extLst>
+          </p:nvPr>
+        </p:nvSpPr>
+        <p:spPr>
+          <a:xfrm>
+            <a:off x="0" y="0"/>
+            <a:ext cx="12192000" cy="4572000"/>
+          </a:xfrm>
+          <a:prstGeom prst="rect">
+            <a:avLst/>
+          </a:prstGeom>
+          <a:solidFill>
+            <a:schemeClr val="bg2"/>
+          </a:solidFill>
+          <a:ln>
+            <a:noFill/>
+          </a:ln>
+        </p:spPr>
+        <p:style>
+          <a:lnRef idx="1">
+            <a:schemeClr val="accent1"/>
+          </a:lnRef>
+          <a:fillRef idx="3">
+            <a:schemeClr val="accent1"/>
+          </a:fillRef>
+          <a:effectRef idx="2">
+            <a:schemeClr val="accent1"/>
+          </a:effectRef>
+          <a:fontRef idx="minor">
+            <a:schemeClr val="lt1"/>
+          </a:fontRef>
+        </p:style>
+        <p:txBody>
+          <a:bodyPr rtlCol="0" anchor="ctr"/>
+          <a:lstStyle/>
+          <a:p>
+            <a:pPr algn="ctr"/>
+            <a:endParaRPr lang="en-US"/>
+          </a:p>
+        </p:txBody>
+      </p:sp>
+      <p:sp>
+        <p:nvSpPr>
+          <p:cNvPr id="13" name="Rounded Rectangle 26">
+            <a:extLst>
+              <a:ext uri="{FF2B5EF4-FFF2-40B4-BE49-F238E27FC236}">
+                <a16:creationId xmlns:a16="http://schemas.microsoft.com/office/drawing/2014/main" id="{87B1CEC7-C2CE-4440-A0F7-0BE6B3AADB72}"/>
+              </a:ext>
+            </a:extLst>
+          </p:cNvPr>
+          <p:cNvSpPr>
+            <a:spLocks noGrp="1" noRot="1" noChangeAspect="1" noMove="1" noResize="1" noEditPoints="1" noAdjustHandles="1" noChangeArrowheads="1" noChangeShapeType="1" noTextEdit="1"/>
+          </p:cNvSpPr>
+          <p:nvPr>
+            <p:extLst>
+              <p:ext uri="{386F3935-93C4-4BCD-93E2-E3B085C9AB24}">
+                <p16:designElem xmlns:p16="http://schemas.microsoft.com/office/powerpoint/2015/main" val="1"/>
+              </p:ext>
+            </p:extLst>
+          </p:nvPr>
+        </p:nvSpPr>
+        <p:spPr>
+          <a:xfrm>
+            <a:off x="321564" y="320843"/>
+            <a:ext cx="5613569" cy="3930315"/>
+          </a:xfrm>
+          <a:prstGeom prst="roundRect">
+            <a:avLst>
+              <a:gd name="adj" fmla="val 0"/>
+            </a:avLst>
+          </a:prstGeom>
+          <a:solidFill>
+            <a:srgbClr val="FFFFFF"/>
+          </a:solidFill>
+          <a:ln w="9525">
+            <a:solidFill>
+              <a:schemeClr val="bg2"/>
+            </a:solidFill>
+          </a:ln>
+          <a:effectLst>
+            <a:outerShdw blurRad="57150" dist="19050" dir="5400000" algn="t" rotWithShape="0">
+              <a:prstClr val="black">
+                <a:alpha val="63000"/>
+              </a:prstClr>
+            </a:outerShdw>
+          </a:effectLst>
+        </p:spPr>
+        <p:style>
+          <a:lnRef idx="2">
+            <a:schemeClr val="accent1">
+              <a:shade val="50000"/>
+            </a:schemeClr>
+          </a:lnRef>
+          <a:fillRef idx="1">
+            <a:schemeClr val="accent1"/>
+          </a:fillRef>
+          <a:effectRef idx="0">
+            <a:schemeClr val="accent1"/>
+          </a:effectRef>
+          <a:fontRef idx="minor">
+            <a:schemeClr val="lt1"/>
+          </a:fontRef>
+        </p:style>
+        <p:txBody>
+          <a:bodyPr rtlCol="0" anchor="ctr"/>
+          <a:lstStyle/>
+          <a:p>
+            <a:pPr algn="ctr"/>
+            <a:endParaRPr lang="en-US"/>
+          </a:p>
+        </p:txBody>
+      </p:sp>
+      <p:sp>
+        <p:nvSpPr>
+          <p:cNvPr id="14" name="Rounded Rectangle 16">
+            <a:extLst>
+              <a:ext uri="{FF2B5EF4-FFF2-40B4-BE49-F238E27FC236}">
+                <a16:creationId xmlns:a16="http://schemas.microsoft.com/office/drawing/2014/main" id="{7B0DBF0B-D7C2-4F15-94AE-315255824591}"/>
+              </a:ext>
+            </a:extLst>
+          </p:cNvPr>
+          <p:cNvSpPr>
+            <a:spLocks noGrp="1" noRot="1" noChangeAspect="1" noMove="1" noResize="1" noEditPoints="1" noAdjustHandles="1" noChangeArrowheads="1" noChangeShapeType="1" noTextEdit="1"/>
+          </p:cNvSpPr>
+          <p:nvPr>
+            <p:extLst>
+              <p:ext uri="{386F3935-93C4-4BCD-93E2-E3B085C9AB24}">
+                <p16:designElem xmlns:p16="http://schemas.microsoft.com/office/powerpoint/2015/main" val="1"/>
+              </p:ext>
+            </p:extLst>
+          </p:nvPr>
+        </p:nvSpPr>
+        <p:spPr>
+          <a:xfrm>
+            <a:off x="6254749" y="320843"/>
+            <a:ext cx="5613569" cy="3930315"/>
+          </a:xfrm>
+          <a:prstGeom prst="roundRect">
+            <a:avLst>
+              <a:gd name="adj" fmla="val 0"/>
+            </a:avLst>
+          </a:prstGeom>
+          <a:solidFill>
+            <a:srgbClr val="FFFFFF"/>
+          </a:solidFill>
+          <a:ln w="9525">
+            <a:solidFill>
+              <a:schemeClr val="bg2"/>
+            </a:solidFill>
+          </a:ln>
+          <a:effectLst>
+            <a:outerShdw blurRad="57150" dist="19050" dir="5400000" algn="t" rotWithShape="0">
+              <a:prstClr val="black">
+                <a:alpha val="63000"/>
+              </a:prstClr>
+            </a:outerShdw>
+          </a:effectLst>
+        </p:spPr>
+        <p:style>
+          <a:lnRef idx="2">
+            <a:schemeClr val="accent1">
+              <a:shade val="50000"/>
+            </a:schemeClr>
+          </a:lnRef>
+          <a:fillRef idx="1">
+            <a:schemeClr val="accent1"/>
+          </a:fillRef>
+          <a:effectRef idx="0">
+            <a:schemeClr val="accent1"/>
+          </a:effectRef>
+          <a:fontRef idx="minor">
+            <a:schemeClr val="lt1"/>
+          </a:fontRef>
+        </p:style>
+        <p:txBody>
+          <a:bodyPr rtlCol="0" anchor="ctr"/>
+          <a:lstStyle/>
+          <a:p>
+            <a:pPr algn="ctr"/>
+            <a:endParaRPr lang="en-US"/>
+          </a:p>
+        </p:txBody>
+      </p:sp>
+      <p:pic>
+        <p:nvPicPr>
+          <p:cNvPr id="10" name="Picture 9" descr="A picture containing boat&#10;&#10;Description generated with high confidence">
+            <a:extLst>
+              <a:ext uri="{FF2B5EF4-FFF2-40B4-BE49-F238E27FC236}">
+                <a16:creationId xmlns:a16="http://schemas.microsoft.com/office/drawing/2014/main" id="{A68D326E-8170-405A-9B88-5BBAC92DBBAB}"/>
+              </a:ext>
+            </a:extLst>
+          </p:cNvPr>
+          <p:cNvPicPr>
+            <a:picLocks noChangeAspect="1"/>
+          </p:cNvPicPr>
+          <p:nvPr/>
+        </p:nvPicPr>
+        <p:blipFill>
+          <a:blip r:embed="rId2">
+            <a:extLst>
+              <a:ext uri="{28A0092B-C50C-407E-A947-70E740481C1C}">
+                <a14:useLocalDpi xmlns:a14="http://schemas.microsoft.com/office/drawing/2010/main" val="0"/>
+              </a:ext>
+            </a:extLst>
+          </a:blip>
+          <a:stretch>
+            <a:fillRect/>
+          </a:stretch>
+        </p:blipFill>
+        <p:spPr>
+          <a:xfrm>
+            <a:off x="7304714" y="729457"/>
+            <a:ext cx="3637392" cy="3291840"/>
+          </a:xfrm>
+          <a:prstGeom prst="rect">
+            <a:avLst/>
+          </a:prstGeom>
+        </p:spPr>
+      </p:pic>
+      <p:pic>
+        <p:nvPicPr>
+          <p:cNvPr id="6" name="Content Placeholder 5" descr="A close up of a boat&#10;&#10;Description generated with high confidence">
+            <a:extLst>
+              <a:ext uri="{FF2B5EF4-FFF2-40B4-BE49-F238E27FC236}">
+                <a16:creationId xmlns:a16="http://schemas.microsoft.com/office/drawing/2014/main" id="{763AEB43-6609-49BD-B79B-3A4E4159972D}"/>
+              </a:ext>
+            </a:extLst>
+          </p:cNvPr>
+          <p:cNvPicPr>
+            <a:picLocks noGrp="1" noChangeAspect="1"/>
+          </p:cNvPicPr>
+          <p:nvPr>
+            <p:ph idx="1"/>
+          </p:nvPr>
+        </p:nvPicPr>
+        <p:blipFill>
+          <a:blip r:embed="rId3">
+            <a:extLst>
+              <a:ext uri="{28A0092B-C50C-407E-A947-70E740481C1C}">
+                <a14:useLocalDpi xmlns:a14="http://schemas.microsoft.com/office/drawing/2010/main" val="0"/>
+              </a:ext>
+            </a:extLst>
+          </a:blip>
+          <a:stretch>
+            <a:fillRect/>
+          </a:stretch>
+        </p:blipFill>
+        <p:spPr>
+          <a:xfrm>
+            <a:off x="1129195" y="675372"/>
+            <a:ext cx="3805595" cy="3291840"/>
+          </a:xfrm>
+          <a:prstGeom prst="rect">
+            <a:avLst/>
+          </a:prstGeom>
+        </p:spPr>
+      </p:pic>
+      <p:sp>
+        <p:nvSpPr>
+          <p:cNvPr id="8" name="Title 7">
+            <a:extLst>
+              <a:ext uri="{FF2B5EF4-FFF2-40B4-BE49-F238E27FC236}">
+                <a16:creationId xmlns:a16="http://schemas.microsoft.com/office/drawing/2014/main" id="{DF1FCE55-8066-4631-A74C-815B5A94A09E}"/>
+              </a:ext>
+            </a:extLst>
+          </p:cNvPr>
+          <p:cNvSpPr>
+            <a:spLocks noGrp="1"/>
+          </p:cNvSpPr>
+          <p:nvPr>
+            <p:ph type="title"/>
+          </p:nvPr>
+        </p:nvSpPr>
+        <p:spPr>
+          <a:xfrm>
+            <a:off x="1524000" y="4642583"/>
+            <a:ext cx="9144000" cy="1099845"/>
+          </a:xfrm>
+        </p:spPr>
+        <p:txBody>
+          <a:bodyPr vert="horz" lIns="91440" tIns="45720" rIns="91440" bIns="45720" rtlCol="0" anchor="b">
+            <a:normAutofit/>
+          </a:bodyPr>
+          <a:lstStyle/>
+          <a:p>
+            <a:pPr algn="ctr"/>
+            <a:r>
+              <a:rPr lang="en-US" sz="4000" b="1" dirty="0">
+                <a:solidFill>
+                  <a:srgbClr val="0070C0"/>
+                </a:solidFill>
+              </a:rPr>
+              <a:t>Log(Sale Price)</a:t>
+            </a:r>
+          </a:p>
+        </p:txBody>
+      </p:sp>
+    </p:spTree>
+    <p:extLst>
+      <p:ext uri="{BB962C8B-B14F-4D97-AF65-F5344CB8AC3E}">
+        <p14:creationId xmlns:p14="http://schemas.microsoft.com/office/powerpoint/2010/main" val="1294185089"/>
+      </p:ext>
+    </p:extLst>
+  </p:cSld>
+  <p:clrMapOvr>
+    <a:masterClrMapping/>
+  </p:clrMapOvr>
+</p:sld>
+</file>
+
+<file path=ppt/slides/slide9.xml><?xml version="1.0" encoding="utf-8"?>
+<p:sld xmlns:a="http://schemas.openxmlformats.org/drawingml/2006/main" xmlns:r="http://schemas.openxmlformats.org/officeDocument/2006/relationships" xmlns:p="http://schemas.openxmlformats.org/presentationml/2006/main">
+  <p:cSld>
     <p:bg>
       <p:bgPr>
         <a:solidFill>
@@ -3903,8 +9347,8 @@
         </p:blipFill>
         <p:spPr>
           <a:xfrm>
-            <a:off x="4639056" y="10"/>
-            <a:ext cx="7552944" cy="6756390"/>
+            <a:off x="4639056" y="0"/>
+            <a:ext cx="7552944" cy="6756400"/>
           </a:xfrm>
           <a:prstGeom prst="rect">
             <a:avLst/>
@@ -4365,3425 +9809,6 @@
     <p:extLst>
       <p:ext uri="{BB962C8B-B14F-4D97-AF65-F5344CB8AC3E}">
         <p14:creationId xmlns:p14="http://schemas.microsoft.com/office/powerpoint/2010/main" val="565979046"/>
-      </p:ext>
-    </p:extLst>
-  </p:cSld>
-  <p:clrMapOvr>
-    <a:masterClrMapping/>
-  </p:clrMapOvr>
-</p:sld>
-</file>
-
-<file path=ppt/slides/slide11.xml><?xml version="1.0" encoding="utf-8"?>
-<p:sld xmlns:a="http://schemas.openxmlformats.org/drawingml/2006/main" xmlns:r="http://schemas.openxmlformats.org/officeDocument/2006/relationships" xmlns:p="http://schemas.openxmlformats.org/presentationml/2006/main">
-  <p:cSld>
-    <p:bg>
-      <p:bgPr>
-        <a:solidFill>
-          <a:schemeClr val="bg1">
-            <a:tint val="95000"/>
-            <a:satMod val="170000"/>
-          </a:schemeClr>
-        </a:solidFill>
-        <a:effectLst/>
-      </p:bgPr>
-    </p:bg>
-    <p:spTree>
-      <p:nvGrpSpPr>
-        <p:cNvPr id="1" name=""/>
-        <p:cNvGrpSpPr/>
-        <p:nvPr/>
-      </p:nvGrpSpPr>
-      <p:grpSpPr>
-        <a:xfrm>
-          <a:off x="0" y="0"/>
-          <a:ext cx="0" cy="0"/>
-          <a:chOff x="0" y="0"/>
-          <a:chExt cx="0" cy="0"/>
-        </a:xfrm>
-      </p:grpSpPr>
-      <p:grpSp>
-        <p:nvGrpSpPr>
-          <p:cNvPr id="7" name="Group 6" title="intersecting circles">
-            <a:extLst>
-              <a:ext uri="{FF2B5EF4-FFF2-40B4-BE49-F238E27FC236}">
-                <a16:creationId xmlns:a16="http://schemas.microsoft.com/office/drawing/2014/main" id="{D2C4BFA1-2075-4901-9E24-E41D1FDD51FD}"/>
-              </a:ext>
-            </a:extLst>
-          </p:cNvPr>
-          <p:cNvGrpSpPr>
-            <a:grpSpLocks noGrp="1" noUngrp="1" noRot="1" noChangeAspect="1" noMove="1" noResize="1"/>
-          </p:cNvGrpSpPr>
-          <p:nvPr>
-            <p:extLst>
-              <p:ext uri="{386F3935-93C4-4BCD-93E2-E3B085C9AB24}">
-                <p16:designElem xmlns:p16="http://schemas.microsoft.com/office/powerpoint/2015/main" val="1"/>
-              </p:ext>
-            </p:extLst>
-          </p:nvPr>
-        </p:nvGrpSpPr>
-        <p:grpSpPr>
-          <a:xfrm>
-            <a:off x="1155481" y="498348"/>
-            <a:ext cx="9902663" cy="5861304"/>
-            <a:chOff x="1155481" y="498348"/>
-            <a:chExt cx="9902663" cy="5861304"/>
-          </a:xfrm>
-        </p:grpSpPr>
-        <p:sp>
-          <p:nvSpPr>
-            <p:cNvPr id="8" name="Oval 5">
-              <a:extLst>
-                <a:ext uri="{FF2B5EF4-FFF2-40B4-BE49-F238E27FC236}">
-                  <a16:creationId xmlns:a16="http://schemas.microsoft.com/office/drawing/2014/main" id="{985A7375-E3AF-4F5C-85AE-17E8832952CA}"/>
-                </a:ext>
-              </a:extLst>
-            </p:cNvPr>
-            <p:cNvSpPr>
-              <a:spLocks noChangeArrowheads="1"/>
-            </p:cNvSpPr>
-            <p:nvPr>
-              <p:extLst>
-                <p:ext uri="{386F3935-93C4-4BCD-93E2-E3B085C9AB24}">
-                  <p16:designElem xmlns:p16="http://schemas.microsoft.com/office/powerpoint/2015/main" val="1"/>
-                </p:ext>
-              </p:extLst>
-            </p:nvPr>
-          </p:nvSpPr>
-          <p:spPr bwMode="auto">
-            <a:xfrm>
-              <a:off x="1155481" y="498348"/>
-              <a:ext cx="5861304" cy="5861304"/>
-            </a:xfrm>
-            <a:prstGeom prst="ellipse">
-              <a:avLst/>
-            </a:prstGeom>
-            <a:solidFill>
-              <a:schemeClr val="accent1">
-                <a:alpha val="55000"/>
-              </a:schemeClr>
-            </a:solidFill>
-            <a:ln>
-              <a:noFill/>
-            </a:ln>
-          </p:spPr>
-        </p:sp>
-        <p:sp>
-          <p:nvSpPr>
-            <p:cNvPr id="9" name="Oval 8">
-              <a:extLst>
-                <a:ext uri="{FF2B5EF4-FFF2-40B4-BE49-F238E27FC236}">
-                  <a16:creationId xmlns:a16="http://schemas.microsoft.com/office/drawing/2014/main" id="{F0307F65-8304-4FA8-A841-D4D7625411BE}"/>
-                </a:ext>
-              </a:extLst>
-            </p:cNvPr>
-            <p:cNvSpPr>
-              <a:spLocks noChangeArrowheads="1"/>
-            </p:cNvSpPr>
-            <p:nvPr>
-              <p:extLst>
-                <p:ext uri="{386F3935-93C4-4BCD-93E2-E3B085C9AB24}">
-                  <p16:designElem xmlns:p16="http://schemas.microsoft.com/office/powerpoint/2015/main" val="1"/>
-                </p:ext>
-              </p:extLst>
-            </p:nvPr>
-          </p:nvSpPr>
-          <p:spPr bwMode="auto">
-            <a:xfrm>
-              <a:off x="5196840" y="498348"/>
-              <a:ext cx="5861304" cy="5861304"/>
-            </a:xfrm>
-            <a:prstGeom prst="ellipse">
-              <a:avLst/>
-            </a:prstGeom>
-            <a:solidFill>
-              <a:schemeClr val="accent1">
-                <a:alpha val="55000"/>
-              </a:schemeClr>
-            </a:solidFill>
-            <a:ln>
-              <a:noFill/>
-            </a:ln>
-          </p:spPr>
-        </p:sp>
-        <p:sp>
-          <p:nvSpPr>
-            <p:cNvPr id="10" name="Oval 5">
-              <a:extLst>
-                <a:ext uri="{FF2B5EF4-FFF2-40B4-BE49-F238E27FC236}">
-                  <a16:creationId xmlns:a16="http://schemas.microsoft.com/office/drawing/2014/main" id="{C8B8394C-136F-4E05-A002-D93A5E79CD50}"/>
-                </a:ext>
-              </a:extLst>
-            </p:cNvPr>
-            <p:cNvSpPr>
-              <a:spLocks noChangeArrowheads="1"/>
-            </p:cNvSpPr>
-            <p:nvPr>
-              <p:extLst>
-                <p:ext uri="{386F3935-93C4-4BCD-93E2-E3B085C9AB24}">
-                  <p16:designElem xmlns:p16="http://schemas.microsoft.com/office/powerpoint/2015/main" val="1"/>
-                </p:ext>
-              </p:extLst>
-            </p:nvPr>
-          </p:nvSpPr>
-          <p:spPr bwMode="auto">
-            <a:xfrm>
-              <a:off x="3165348" y="498348"/>
-              <a:ext cx="5861304" cy="5861304"/>
-            </a:xfrm>
-            <a:prstGeom prst="ellipse">
-              <a:avLst/>
-            </a:prstGeom>
-            <a:solidFill>
-              <a:schemeClr val="accent1">
-                <a:alpha val="70000"/>
-              </a:schemeClr>
-            </a:solidFill>
-            <a:ln>
-              <a:noFill/>
-            </a:ln>
-          </p:spPr>
-        </p:sp>
-      </p:grpSp>
-      <p:sp>
-        <p:nvSpPr>
-          <p:cNvPr id="12" name="Rectangle 11" title="ribbon">
-            <a:extLst>
-              <a:ext uri="{FF2B5EF4-FFF2-40B4-BE49-F238E27FC236}">
-                <a16:creationId xmlns:a16="http://schemas.microsoft.com/office/drawing/2014/main" id="{053FB2EE-284F-4C87-AB3D-BBF87A9FAB97}"/>
-              </a:ext>
-            </a:extLst>
-          </p:cNvPr>
-          <p:cNvSpPr>
-            <a:spLocks noGrp="1" noRot="1" noChangeAspect="1" noMove="1" noResize="1" noEditPoints="1" noAdjustHandles="1" noChangeArrowheads="1" noChangeShapeType="1" noTextEdit="1"/>
-          </p:cNvSpPr>
-          <p:nvPr>
-            <p:extLst>
-              <p:ext uri="{386F3935-93C4-4BCD-93E2-E3B085C9AB24}">
-                <p16:designElem xmlns:p16="http://schemas.microsoft.com/office/powerpoint/2015/main" val="1"/>
-              </p:ext>
-            </p:extLst>
-          </p:nvPr>
-        </p:nvSpPr>
-        <p:spPr>
-          <a:xfrm>
-            <a:off x="0" y="2514600"/>
-            <a:ext cx="12192000" cy="1828800"/>
-          </a:xfrm>
-          <a:prstGeom prst="rect">
-            <a:avLst/>
-          </a:prstGeom>
-          <a:solidFill>
-            <a:schemeClr val="tx2"/>
-          </a:solidFill>
-          <a:ln>
-            <a:noFill/>
-          </a:ln>
-        </p:spPr>
-        <p:style>
-          <a:lnRef idx="2">
-            <a:schemeClr val="accent1">
-              <a:shade val="50000"/>
-            </a:schemeClr>
-          </a:lnRef>
-          <a:fillRef idx="1">
-            <a:schemeClr val="accent1"/>
-          </a:fillRef>
-          <a:effectRef idx="0">
-            <a:schemeClr val="accent1"/>
-          </a:effectRef>
-          <a:fontRef idx="minor">
-            <a:schemeClr val="lt1"/>
-          </a:fontRef>
-        </p:style>
-      </p:sp>
-      <p:sp>
-        <p:nvSpPr>
-          <p:cNvPr id="2" name="Title 1">
-            <a:extLst>
-              <a:ext uri="{FF2B5EF4-FFF2-40B4-BE49-F238E27FC236}">
-                <a16:creationId xmlns:a16="http://schemas.microsoft.com/office/drawing/2014/main" id="{1A08BABF-A34D-4F9D-8649-2DF544A5B063}"/>
-              </a:ext>
-            </a:extLst>
-          </p:cNvPr>
-          <p:cNvSpPr>
-            <a:spLocks noGrp="1"/>
-          </p:cNvSpPr>
-          <p:nvPr>
-            <p:ph type="title"/>
-          </p:nvPr>
-        </p:nvSpPr>
-        <p:spPr>
-          <a:xfrm>
-            <a:off x="1524000" y="2776538"/>
-            <a:ext cx="9144000" cy="1381188"/>
-          </a:xfrm>
-        </p:spPr>
-        <p:txBody>
-          <a:bodyPr vert="horz" lIns="91440" tIns="45720" rIns="91440" bIns="45720" rtlCol="0" anchor="ctr">
-            <a:normAutofit/>
-          </a:bodyPr>
-          <a:lstStyle/>
-          <a:p>
-            <a:pPr algn="ctr"/>
-            <a:r>
-              <a:rPr lang="en-US" sz="4000" b="1" kern="1200">
-                <a:solidFill>
-                  <a:schemeClr val="bg2"/>
-                </a:solidFill>
-                <a:latin typeface="+mj-lt"/>
-                <a:ea typeface="+mj-ea"/>
-                <a:cs typeface="+mj-cs"/>
-              </a:rPr>
-              <a:t>Data Pre-Processing</a:t>
-            </a:r>
-          </a:p>
-        </p:txBody>
-      </p:sp>
-    </p:spTree>
-    <p:extLst>
-      <p:ext uri="{BB962C8B-B14F-4D97-AF65-F5344CB8AC3E}">
-        <p14:creationId xmlns:p14="http://schemas.microsoft.com/office/powerpoint/2010/main" val="3020018997"/>
-      </p:ext>
-    </p:extLst>
-  </p:cSld>
-  <p:clrMapOvr>
-    <a:overrideClrMapping bg1="dk1" tx1="lt1" bg2="dk2" tx2="lt2" accent1="accent1" accent2="accent2" accent3="accent3" accent4="accent4" accent5="accent5" accent6="accent6" hlink="hlink" folHlink="folHlink"/>
-  </p:clrMapOvr>
-</p:sld>
-</file>
-
-<file path=ppt/slides/slide12.xml><?xml version="1.0" encoding="utf-8"?>
-<p:sld xmlns:a="http://schemas.openxmlformats.org/drawingml/2006/main" xmlns:r="http://schemas.openxmlformats.org/officeDocument/2006/relationships" xmlns:p="http://schemas.openxmlformats.org/presentationml/2006/main">
-  <p:cSld>
-    <p:spTree>
-      <p:nvGrpSpPr>
-        <p:cNvPr id="1" name=""/>
-        <p:cNvGrpSpPr/>
-        <p:nvPr/>
-      </p:nvGrpSpPr>
-      <p:grpSpPr>
-        <a:xfrm>
-          <a:off x="0" y="0"/>
-          <a:ext cx="0" cy="0"/>
-          <a:chOff x="0" y="0"/>
-          <a:chExt cx="0" cy="0"/>
-        </a:xfrm>
-      </p:grpSpPr>
-      <p:sp>
-        <p:nvSpPr>
-          <p:cNvPr id="2" name="Title 1">
-            <a:extLst>
-              <a:ext uri="{FF2B5EF4-FFF2-40B4-BE49-F238E27FC236}">
-                <a16:creationId xmlns:a16="http://schemas.microsoft.com/office/drawing/2014/main" id="{D24D10A2-CB39-4524-897C-8B17689D7708}"/>
-              </a:ext>
-            </a:extLst>
-          </p:cNvPr>
-          <p:cNvSpPr>
-            <a:spLocks noGrp="1"/>
-          </p:cNvSpPr>
-          <p:nvPr>
-            <p:ph type="title"/>
-          </p:nvPr>
-        </p:nvSpPr>
-        <p:spPr>
-          <a:xfrm>
-            <a:off x="838200" y="365126"/>
-            <a:ext cx="10515600" cy="482368"/>
-          </a:xfrm>
-        </p:spPr>
-        <p:txBody>
-          <a:bodyPr>
-            <a:noAutofit/>
-          </a:bodyPr>
-          <a:lstStyle/>
-          <a:p>
-            <a:r>
-              <a:rPr lang="en-US" sz="2800" b="1" dirty="0">
-                <a:solidFill>
-                  <a:srgbClr val="0070C0"/>
-                </a:solidFill>
-              </a:rPr>
-              <a:t>Missing Values</a:t>
-            </a:r>
-          </a:p>
-        </p:txBody>
-      </p:sp>
-      <p:pic>
-        <p:nvPicPr>
-          <p:cNvPr id="6" name="Content Placeholder 5">
-            <a:extLst>
-              <a:ext uri="{FF2B5EF4-FFF2-40B4-BE49-F238E27FC236}">
-                <a16:creationId xmlns:a16="http://schemas.microsoft.com/office/drawing/2014/main" id="{A52B9559-BB9B-486F-8CE2-B9ED5EDD7C09}"/>
-              </a:ext>
-            </a:extLst>
-          </p:cNvPr>
-          <p:cNvPicPr>
-            <a:picLocks noGrp="1" noChangeAspect="1"/>
-          </p:cNvPicPr>
-          <p:nvPr>
-            <p:ph idx="1"/>
-          </p:nvPr>
-        </p:nvPicPr>
-        <p:blipFill>
-          <a:blip r:embed="rId2"/>
-          <a:stretch>
-            <a:fillRect/>
-          </a:stretch>
-        </p:blipFill>
-        <p:spPr>
-          <a:xfrm>
-            <a:off x="1600200" y="1291306"/>
-            <a:ext cx="9023582" cy="4864350"/>
-          </a:xfrm>
-          <a:prstGeom prst="rect">
-            <a:avLst/>
-          </a:prstGeom>
-        </p:spPr>
-      </p:pic>
-    </p:spTree>
-    <p:extLst>
-      <p:ext uri="{BB962C8B-B14F-4D97-AF65-F5344CB8AC3E}">
-        <p14:creationId xmlns:p14="http://schemas.microsoft.com/office/powerpoint/2010/main" val="2860511081"/>
-      </p:ext>
-    </p:extLst>
-  </p:cSld>
-  <p:clrMapOvr>
-    <a:masterClrMapping/>
-  </p:clrMapOvr>
-</p:sld>
-</file>
-
-<file path=ppt/slides/slide13.xml><?xml version="1.0" encoding="utf-8"?>
-<p:sld xmlns:a="http://schemas.openxmlformats.org/drawingml/2006/main" xmlns:r="http://schemas.openxmlformats.org/officeDocument/2006/relationships" xmlns:p="http://schemas.openxmlformats.org/presentationml/2006/main">
-  <p:cSld>
-    <p:spTree>
-      <p:nvGrpSpPr>
-        <p:cNvPr id="1" name=""/>
-        <p:cNvGrpSpPr/>
-        <p:nvPr/>
-      </p:nvGrpSpPr>
-      <p:grpSpPr>
-        <a:xfrm>
-          <a:off x="0" y="0"/>
-          <a:ext cx="0" cy="0"/>
-          <a:chOff x="0" y="0"/>
-          <a:chExt cx="0" cy="0"/>
-        </a:xfrm>
-      </p:grpSpPr>
-      <p:sp>
-        <p:nvSpPr>
-          <p:cNvPr id="2" name="Title 1">
-            <a:extLst>
-              <a:ext uri="{FF2B5EF4-FFF2-40B4-BE49-F238E27FC236}">
-                <a16:creationId xmlns:a16="http://schemas.microsoft.com/office/drawing/2014/main" id="{E872D2DD-859F-46D4-81CA-F13CE38FFB5B}"/>
-              </a:ext>
-            </a:extLst>
-          </p:cNvPr>
-          <p:cNvSpPr>
-            <a:spLocks noGrp="1"/>
-          </p:cNvSpPr>
-          <p:nvPr>
-            <p:ph type="title"/>
-          </p:nvPr>
-        </p:nvSpPr>
-        <p:spPr>
-          <a:xfrm>
-            <a:off x="839788" y="457200"/>
-            <a:ext cx="3932237" cy="825190"/>
-          </a:xfrm>
-        </p:spPr>
-        <p:txBody>
-          <a:bodyPr/>
-          <a:lstStyle/>
-          <a:p>
-            <a:r>
-              <a:rPr lang="en-US" dirty="0">
-                <a:solidFill>
-                  <a:schemeClr val="bg2">
-                    <a:lumMod val="10000"/>
-                  </a:schemeClr>
-                </a:solidFill>
-              </a:rPr>
-              <a:t>The Garage is a mess!</a:t>
-            </a:r>
-          </a:p>
-        </p:txBody>
-      </p:sp>
-      <p:sp>
-        <p:nvSpPr>
-          <p:cNvPr id="3" name="Content Placeholder 2">
-            <a:extLst>
-              <a:ext uri="{FF2B5EF4-FFF2-40B4-BE49-F238E27FC236}">
-                <a16:creationId xmlns:a16="http://schemas.microsoft.com/office/drawing/2014/main" id="{35FDA2E2-BFD5-41A5-95E9-9094837C0F13}"/>
-              </a:ext>
-            </a:extLst>
-          </p:cNvPr>
-          <p:cNvSpPr>
-            <a:spLocks noGrp="1"/>
-          </p:cNvSpPr>
-          <p:nvPr>
-            <p:ph idx="1"/>
-          </p:nvPr>
-        </p:nvSpPr>
-        <p:spPr/>
-        <p:txBody>
-          <a:bodyPr/>
-          <a:lstStyle/>
-          <a:p>
-            <a:endParaRPr lang="en-US" dirty="0"/>
-          </a:p>
-        </p:txBody>
-      </p:sp>
-      <p:sp>
-        <p:nvSpPr>
-          <p:cNvPr id="4" name="Text Placeholder 3">
-            <a:extLst>
-              <a:ext uri="{FF2B5EF4-FFF2-40B4-BE49-F238E27FC236}">
-                <a16:creationId xmlns:a16="http://schemas.microsoft.com/office/drawing/2014/main" id="{C9A449BD-488C-4D6A-8F4C-96EE6D5BD369}"/>
-              </a:ext>
-            </a:extLst>
-          </p:cNvPr>
-          <p:cNvSpPr>
-            <a:spLocks noGrp="1"/>
-          </p:cNvSpPr>
-          <p:nvPr>
-            <p:ph type="body" sz="half" idx="2"/>
-          </p:nvPr>
-        </p:nvSpPr>
-        <p:spPr>
-          <a:xfrm>
-            <a:off x="839788" y="1416205"/>
-            <a:ext cx="3932237" cy="4452783"/>
-          </a:xfrm>
-        </p:spPr>
-        <p:txBody>
-          <a:bodyPr/>
-          <a:lstStyle/>
-          <a:p>
-            <a:endParaRPr lang="en-US" dirty="0"/>
-          </a:p>
-        </p:txBody>
-      </p:sp>
-    </p:spTree>
-    <p:extLst>
-      <p:ext uri="{BB962C8B-B14F-4D97-AF65-F5344CB8AC3E}">
-        <p14:creationId xmlns:p14="http://schemas.microsoft.com/office/powerpoint/2010/main" val="80121496"/>
-      </p:ext>
-    </p:extLst>
-  </p:cSld>
-  <p:clrMapOvr>
-    <a:masterClrMapping/>
-  </p:clrMapOvr>
-</p:sld>
-</file>
-
-<file path=ppt/slides/slide14.xml><?xml version="1.0" encoding="utf-8"?>
-<p:sld xmlns:a="http://schemas.openxmlformats.org/drawingml/2006/main" xmlns:r="http://schemas.openxmlformats.org/officeDocument/2006/relationships" xmlns:p="http://schemas.openxmlformats.org/presentationml/2006/main">
-  <p:cSld>
-    <p:spTree>
-      <p:nvGrpSpPr>
-        <p:cNvPr id="1" name=""/>
-        <p:cNvGrpSpPr/>
-        <p:nvPr/>
-      </p:nvGrpSpPr>
-      <p:grpSpPr>
-        <a:xfrm>
-          <a:off x="0" y="0"/>
-          <a:ext cx="0" cy="0"/>
-          <a:chOff x="0" y="0"/>
-          <a:chExt cx="0" cy="0"/>
-        </a:xfrm>
-      </p:grpSpPr>
-      <p:sp>
-        <p:nvSpPr>
-          <p:cNvPr id="2" name="Title 1">
-            <a:extLst>
-              <a:ext uri="{FF2B5EF4-FFF2-40B4-BE49-F238E27FC236}">
-                <a16:creationId xmlns:a16="http://schemas.microsoft.com/office/drawing/2014/main" id="{5F5F52D5-F627-47E7-8DA6-4AEC5AEF2181}"/>
-              </a:ext>
-            </a:extLst>
-          </p:cNvPr>
-          <p:cNvSpPr>
-            <a:spLocks noGrp="1"/>
-          </p:cNvSpPr>
-          <p:nvPr>
-            <p:ph type="title"/>
-          </p:nvPr>
-        </p:nvSpPr>
-        <p:spPr/>
-        <p:txBody>
-          <a:bodyPr/>
-          <a:lstStyle/>
-          <a:p>
-            <a:endParaRPr lang="en-US"/>
-          </a:p>
-        </p:txBody>
-      </p:sp>
-      <p:sp>
-        <p:nvSpPr>
-          <p:cNvPr id="3" name="Content Placeholder 2">
-            <a:extLst>
-              <a:ext uri="{FF2B5EF4-FFF2-40B4-BE49-F238E27FC236}">
-                <a16:creationId xmlns:a16="http://schemas.microsoft.com/office/drawing/2014/main" id="{9A167EDC-842F-4B0A-AC6A-351F61630CAB}"/>
-              </a:ext>
-            </a:extLst>
-          </p:cNvPr>
-          <p:cNvSpPr>
-            <a:spLocks noGrp="1"/>
-          </p:cNvSpPr>
-          <p:nvPr>
-            <p:ph idx="1"/>
-          </p:nvPr>
-        </p:nvSpPr>
-        <p:spPr/>
-        <p:txBody>
-          <a:bodyPr/>
-          <a:lstStyle/>
-          <a:p>
-            <a:endParaRPr lang="en-US" dirty="0"/>
-          </a:p>
-          <a:p>
-            <a:r>
-              <a:rPr lang="en-US" dirty="0" err="1"/>
-              <a:t>SaleCondition</a:t>
-            </a:r>
-            <a:endParaRPr lang="en-US" dirty="0"/>
-          </a:p>
-          <a:p>
-            <a:r>
-              <a:rPr lang="en-US" dirty="0" err="1"/>
-              <a:t>SalePrice</a:t>
-            </a:r>
-            <a:r>
-              <a:rPr lang="en-US" dirty="0"/>
-              <a:t> normalization</a:t>
-            </a:r>
-          </a:p>
-          <a:p>
-            <a:endParaRPr lang="en-US" dirty="0"/>
-          </a:p>
-        </p:txBody>
-      </p:sp>
-    </p:spTree>
-    <p:extLst>
-      <p:ext uri="{BB962C8B-B14F-4D97-AF65-F5344CB8AC3E}">
-        <p14:creationId xmlns:p14="http://schemas.microsoft.com/office/powerpoint/2010/main" val="1649060649"/>
-      </p:ext>
-    </p:extLst>
-  </p:cSld>
-  <p:clrMapOvr>
-    <a:masterClrMapping/>
-  </p:clrMapOvr>
-</p:sld>
-</file>
-
-<file path=ppt/slides/slide15.xml><?xml version="1.0" encoding="utf-8"?>
-<p:sld xmlns:a="http://schemas.openxmlformats.org/drawingml/2006/main" xmlns:r="http://schemas.openxmlformats.org/officeDocument/2006/relationships" xmlns:p="http://schemas.openxmlformats.org/presentationml/2006/main">
-  <p:cSld>
-    <p:bg>
-      <p:bgPr>
-        <a:solidFill>
-          <a:schemeClr val="bg1">
-            <a:tint val="95000"/>
-            <a:satMod val="170000"/>
-          </a:schemeClr>
-        </a:solidFill>
-        <a:effectLst/>
-      </p:bgPr>
-    </p:bg>
-    <p:spTree>
-      <p:nvGrpSpPr>
-        <p:cNvPr id="1" name=""/>
-        <p:cNvGrpSpPr/>
-        <p:nvPr/>
-      </p:nvGrpSpPr>
-      <p:grpSpPr>
-        <a:xfrm>
-          <a:off x="0" y="0"/>
-          <a:ext cx="0" cy="0"/>
-          <a:chOff x="0" y="0"/>
-          <a:chExt cx="0" cy="0"/>
-        </a:xfrm>
-      </p:grpSpPr>
-      <p:grpSp>
-        <p:nvGrpSpPr>
-          <p:cNvPr id="7" name="Group 6" title="intersecting circles">
-            <a:extLst>
-              <a:ext uri="{FF2B5EF4-FFF2-40B4-BE49-F238E27FC236}">
-                <a16:creationId xmlns:a16="http://schemas.microsoft.com/office/drawing/2014/main" id="{D2C4BFA1-2075-4901-9E24-E41D1FDD51FD}"/>
-              </a:ext>
-            </a:extLst>
-          </p:cNvPr>
-          <p:cNvGrpSpPr>
-            <a:grpSpLocks noGrp="1" noUngrp="1" noRot="1" noChangeAspect="1" noMove="1" noResize="1"/>
-          </p:cNvGrpSpPr>
-          <p:nvPr>
-            <p:extLst>
-              <p:ext uri="{386F3935-93C4-4BCD-93E2-E3B085C9AB24}">
-                <p16:designElem xmlns:p16="http://schemas.microsoft.com/office/powerpoint/2015/main" val="1"/>
-              </p:ext>
-            </p:extLst>
-          </p:nvPr>
-        </p:nvGrpSpPr>
-        <p:grpSpPr>
-          <a:xfrm>
-            <a:off x="1155481" y="498348"/>
-            <a:ext cx="9902663" cy="5861304"/>
-            <a:chOff x="1155481" y="498348"/>
-            <a:chExt cx="9902663" cy="5861304"/>
-          </a:xfrm>
-        </p:grpSpPr>
-        <p:sp>
-          <p:nvSpPr>
-            <p:cNvPr id="8" name="Oval 5">
-              <a:extLst>
-                <a:ext uri="{FF2B5EF4-FFF2-40B4-BE49-F238E27FC236}">
-                  <a16:creationId xmlns:a16="http://schemas.microsoft.com/office/drawing/2014/main" id="{985A7375-E3AF-4F5C-85AE-17E8832952CA}"/>
-                </a:ext>
-              </a:extLst>
-            </p:cNvPr>
-            <p:cNvSpPr>
-              <a:spLocks noChangeArrowheads="1"/>
-            </p:cNvSpPr>
-            <p:nvPr>
-              <p:extLst>
-                <p:ext uri="{386F3935-93C4-4BCD-93E2-E3B085C9AB24}">
-                  <p16:designElem xmlns:p16="http://schemas.microsoft.com/office/powerpoint/2015/main" val="1"/>
-                </p:ext>
-              </p:extLst>
-            </p:nvPr>
-          </p:nvSpPr>
-          <p:spPr bwMode="auto">
-            <a:xfrm>
-              <a:off x="1155481" y="498348"/>
-              <a:ext cx="5861304" cy="5861304"/>
-            </a:xfrm>
-            <a:prstGeom prst="ellipse">
-              <a:avLst/>
-            </a:prstGeom>
-            <a:solidFill>
-              <a:schemeClr val="accent1">
-                <a:alpha val="55000"/>
-              </a:schemeClr>
-            </a:solidFill>
-            <a:ln>
-              <a:noFill/>
-            </a:ln>
-          </p:spPr>
-        </p:sp>
-        <p:sp>
-          <p:nvSpPr>
-            <p:cNvPr id="9" name="Oval 8">
-              <a:extLst>
-                <a:ext uri="{FF2B5EF4-FFF2-40B4-BE49-F238E27FC236}">
-                  <a16:creationId xmlns:a16="http://schemas.microsoft.com/office/drawing/2014/main" id="{F0307F65-8304-4FA8-A841-D4D7625411BE}"/>
-                </a:ext>
-              </a:extLst>
-            </p:cNvPr>
-            <p:cNvSpPr>
-              <a:spLocks noChangeArrowheads="1"/>
-            </p:cNvSpPr>
-            <p:nvPr>
-              <p:extLst>
-                <p:ext uri="{386F3935-93C4-4BCD-93E2-E3B085C9AB24}">
-                  <p16:designElem xmlns:p16="http://schemas.microsoft.com/office/powerpoint/2015/main" val="1"/>
-                </p:ext>
-              </p:extLst>
-            </p:nvPr>
-          </p:nvSpPr>
-          <p:spPr bwMode="auto">
-            <a:xfrm>
-              <a:off x="5196840" y="498348"/>
-              <a:ext cx="5861304" cy="5861304"/>
-            </a:xfrm>
-            <a:prstGeom prst="ellipse">
-              <a:avLst/>
-            </a:prstGeom>
-            <a:solidFill>
-              <a:schemeClr val="accent1">
-                <a:alpha val="55000"/>
-              </a:schemeClr>
-            </a:solidFill>
-            <a:ln>
-              <a:noFill/>
-            </a:ln>
-          </p:spPr>
-        </p:sp>
-        <p:sp>
-          <p:nvSpPr>
-            <p:cNvPr id="10" name="Oval 5">
-              <a:extLst>
-                <a:ext uri="{FF2B5EF4-FFF2-40B4-BE49-F238E27FC236}">
-                  <a16:creationId xmlns:a16="http://schemas.microsoft.com/office/drawing/2014/main" id="{C8B8394C-136F-4E05-A002-D93A5E79CD50}"/>
-                </a:ext>
-              </a:extLst>
-            </p:cNvPr>
-            <p:cNvSpPr>
-              <a:spLocks noChangeArrowheads="1"/>
-            </p:cNvSpPr>
-            <p:nvPr>
-              <p:extLst>
-                <p:ext uri="{386F3935-93C4-4BCD-93E2-E3B085C9AB24}">
-                  <p16:designElem xmlns:p16="http://schemas.microsoft.com/office/powerpoint/2015/main" val="1"/>
-                </p:ext>
-              </p:extLst>
-            </p:nvPr>
-          </p:nvSpPr>
-          <p:spPr bwMode="auto">
-            <a:xfrm>
-              <a:off x="3165348" y="498348"/>
-              <a:ext cx="5861304" cy="5861304"/>
-            </a:xfrm>
-            <a:prstGeom prst="ellipse">
-              <a:avLst/>
-            </a:prstGeom>
-            <a:solidFill>
-              <a:schemeClr val="accent1">
-                <a:alpha val="70000"/>
-              </a:schemeClr>
-            </a:solidFill>
-            <a:ln>
-              <a:noFill/>
-            </a:ln>
-          </p:spPr>
-        </p:sp>
-      </p:grpSp>
-      <p:sp>
-        <p:nvSpPr>
-          <p:cNvPr id="12" name="Rectangle 11" title="ribbon">
-            <a:extLst>
-              <a:ext uri="{FF2B5EF4-FFF2-40B4-BE49-F238E27FC236}">
-                <a16:creationId xmlns:a16="http://schemas.microsoft.com/office/drawing/2014/main" id="{053FB2EE-284F-4C87-AB3D-BBF87A9FAB97}"/>
-              </a:ext>
-            </a:extLst>
-          </p:cNvPr>
-          <p:cNvSpPr>
-            <a:spLocks noGrp="1" noRot="1" noChangeAspect="1" noMove="1" noResize="1" noEditPoints="1" noAdjustHandles="1" noChangeArrowheads="1" noChangeShapeType="1" noTextEdit="1"/>
-          </p:cNvSpPr>
-          <p:nvPr>
-            <p:extLst>
-              <p:ext uri="{386F3935-93C4-4BCD-93E2-E3B085C9AB24}">
-                <p16:designElem xmlns:p16="http://schemas.microsoft.com/office/powerpoint/2015/main" val="1"/>
-              </p:ext>
-            </p:extLst>
-          </p:nvPr>
-        </p:nvSpPr>
-        <p:spPr>
-          <a:xfrm>
-            <a:off x="0" y="2514600"/>
-            <a:ext cx="12192000" cy="1828800"/>
-          </a:xfrm>
-          <a:prstGeom prst="rect">
-            <a:avLst/>
-          </a:prstGeom>
-          <a:solidFill>
-            <a:schemeClr val="tx2"/>
-          </a:solidFill>
-          <a:ln>
-            <a:noFill/>
-          </a:ln>
-        </p:spPr>
-        <p:style>
-          <a:lnRef idx="2">
-            <a:schemeClr val="accent1">
-              <a:shade val="50000"/>
-            </a:schemeClr>
-          </a:lnRef>
-          <a:fillRef idx="1">
-            <a:schemeClr val="accent1"/>
-          </a:fillRef>
-          <a:effectRef idx="0">
-            <a:schemeClr val="accent1"/>
-          </a:effectRef>
-          <a:fontRef idx="minor">
-            <a:schemeClr val="lt1"/>
-          </a:fontRef>
-        </p:style>
-      </p:sp>
-      <p:sp>
-        <p:nvSpPr>
-          <p:cNvPr id="2" name="Title 1">
-            <a:extLst>
-              <a:ext uri="{FF2B5EF4-FFF2-40B4-BE49-F238E27FC236}">
-                <a16:creationId xmlns:a16="http://schemas.microsoft.com/office/drawing/2014/main" id="{D73EACD4-11B0-4C61-B08E-80EA74CE041B}"/>
-              </a:ext>
-            </a:extLst>
-          </p:cNvPr>
-          <p:cNvSpPr>
-            <a:spLocks noGrp="1"/>
-          </p:cNvSpPr>
-          <p:nvPr>
-            <p:ph type="title"/>
-          </p:nvPr>
-        </p:nvSpPr>
-        <p:spPr>
-          <a:xfrm>
-            <a:off x="1524000" y="2776538"/>
-            <a:ext cx="9144000" cy="1381188"/>
-          </a:xfrm>
-        </p:spPr>
-        <p:txBody>
-          <a:bodyPr vert="horz" lIns="91440" tIns="45720" rIns="91440" bIns="45720" rtlCol="0" anchor="ctr">
-            <a:normAutofit/>
-          </a:bodyPr>
-          <a:lstStyle/>
-          <a:p>
-            <a:pPr algn="ctr"/>
-            <a:r>
-              <a:rPr lang="en-US" sz="4000" b="1" kern="1200">
-                <a:solidFill>
-                  <a:schemeClr val="bg2"/>
-                </a:solidFill>
-                <a:latin typeface="+mj-lt"/>
-                <a:ea typeface="+mj-ea"/>
-                <a:cs typeface="+mj-cs"/>
-              </a:rPr>
-              <a:t>Features Engineering</a:t>
-            </a:r>
-          </a:p>
-        </p:txBody>
-      </p:sp>
-    </p:spTree>
-    <p:extLst>
-      <p:ext uri="{BB962C8B-B14F-4D97-AF65-F5344CB8AC3E}">
-        <p14:creationId xmlns:p14="http://schemas.microsoft.com/office/powerpoint/2010/main" val="2652359684"/>
-      </p:ext>
-    </p:extLst>
-  </p:cSld>
-  <p:clrMapOvr>
-    <a:overrideClrMapping bg1="dk1" tx1="lt1" bg2="dk2" tx2="lt2" accent1="accent1" accent2="accent2" accent3="accent3" accent4="accent4" accent5="accent5" accent6="accent6" hlink="hlink" folHlink="folHlink"/>
-  </p:clrMapOvr>
-</p:sld>
-</file>
-
-<file path=ppt/slides/slide16.xml><?xml version="1.0" encoding="utf-8"?>
-<p:sld xmlns:a="http://schemas.openxmlformats.org/drawingml/2006/main" xmlns:r="http://schemas.openxmlformats.org/officeDocument/2006/relationships" xmlns:p="http://schemas.openxmlformats.org/presentationml/2006/main">
-  <p:cSld>
-    <p:spTree>
-      <p:nvGrpSpPr>
-        <p:cNvPr id="1" name=""/>
-        <p:cNvGrpSpPr/>
-        <p:nvPr/>
-      </p:nvGrpSpPr>
-      <p:grpSpPr>
-        <a:xfrm>
-          <a:off x="0" y="0"/>
-          <a:ext cx="0" cy="0"/>
-          <a:chOff x="0" y="0"/>
-          <a:chExt cx="0" cy="0"/>
-        </a:xfrm>
-      </p:grpSpPr>
-      <p:sp>
-        <p:nvSpPr>
-          <p:cNvPr id="2" name="Title 1">
-            <a:extLst>
-              <a:ext uri="{FF2B5EF4-FFF2-40B4-BE49-F238E27FC236}">
-                <a16:creationId xmlns:a16="http://schemas.microsoft.com/office/drawing/2014/main" id="{2857359D-8E42-4E82-8425-9D60AB480CEB}"/>
-              </a:ext>
-            </a:extLst>
-          </p:cNvPr>
-          <p:cNvSpPr>
-            <a:spLocks noGrp="1"/>
-          </p:cNvSpPr>
-          <p:nvPr>
-            <p:ph type="title"/>
-          </p:nvPr>
-        </p:nvSpPr>
-        <p:spPr>
-          <a:xfrm>
-            <a:off x="838200" y="57150"/>
-            <a:ext cx="10515600" cy="623888"/>
-          </a:xfrm>
-        </p:spPr>
-        <p:txBody>
-          <a:bodyPr>
-            <a:normAutofit/>
-          </a:bodyPr>
-          <a:lstStyle/>
-          <a:p>
-            <a:r>
-              <a:rPr lang="en-US" sz="2800" b="1" dirty="0">
-                <a:solidFill>
-                  <a:srgbClr val="0070C0"/>
-                </a:solidFill>
-              </a:rPr>
-              <a:t>Ames, IA Neighborhood</a:t>
-            </a:r>
-          </a:p>
-        </p:txBody>
-      </p:sp>
-      <p:pic>
-        <p:nvPicPr>
-          <p:cNvPr id="5" name="Content Placeholder 4" descr="A picture containing text, map&#10;&#10;Description generated with very high confidence">
-            <a:extLst>
-              <a:ext uri="{FF2B5EF4-FFF2-40B4-BE49-F238E27FC236}">
-                <a16:creationId xmlns:a16="http://schemas.microsoft.com/office/drawing/2014/main" id="{3F79C98B-27F5-4E14-88F3-CB814C72F9F9}"/>
-              </a:ext>
-            </a:extLst>
-          </p:cNvPr>
-          <p:cNvPicPr>
-            <a:picLocks noGrp="1" noChangeAspect="1"/>
-          </p:cNvPicPr>
-          <p:nvPr>
-            <p:ph idx="1"/>
-          </p:nvPr>
-        </p:nvPicPr>
-        <p:blipFill>
-          <a:blip r:embed="rId2">
-            <a:extLst>
-              <a:ext uri="{28A0092B-C50C-407E-A947-70E740481C1C}">
-                <a14:useLocalDpi xmlns:a14="http://schemas.microsoft.com/office/drawing/2010/main" val="0"/>
-              </a:ext>
-            </a:extLst>
-          </a:blip>
-          <a:stretch>
-            <a:fillRect/>
-          </a:stretch>
-        </p:blipFill>
-        <p:spPr>
-          <a:xfrm>
-            <a:off x="2477558" y="749300"/>
-            <a:ext cx="7236884" cy="5427663"/>
-          </a:xfrm>
-        </p:spPr>
-      </p:pic>
-    </p:spTree>
-    <p:extLst>
-      <p:ext uri="{BB962C8B-B14F-4D97-AF65-F5344CB8AC3E}">
-        <p14:creationId xmlns:p14="http://schemas.microsoft.com/office/powerpoint/2010/main" val="3394999450"/>
-      </p:ext>
-    </p:extLst>
-  </p:cSld>
-  <p:clrMapOvr>
-    <a:masterClrMapping/>
-  </p:clrMapOvr>
-</p:sld>
-</file>
-
-<file path=ppt/slides/slide17.xml><?xml version="1.0" encoding="utf-8"?>
-<p:sld xmlns:a="http://schemas.openxmlformats.org/drawingml/2006/main" xmlns:r="http://schemas.openxmlformats.org/officeDocument/2006/relationships" xmlns:p="http://schemas.openxmlformats.org/presentationml/2006/main">
-  <p:cSld>
-    <p:spTree>
-      <p:nvGrpSpPr>
-        <p:cNvPr id="1" name=""/>
-        <p:cNvGrpSpPr/>
-        <p:nvPr/>
-      </p:nvGrpSpPr>
-      <p:grpSpPr>
-        <a:xfrm>
-          <a:off x="0" y="0"/>
-          <a:ext cx="0" cy="0"/>
-          <a:chOff x="0" y="0"/>
-          <a:chExt cx="0" cy="0"/>
-        </a:xfrm>
-      </p:grpSpPr>
-      <p:sp>
-        <p:nvSpPr>
-          <p:cNvPr id="2" name="Title 1">
-            <a:extLst>
-              <a:ext uri="{FF2B5EF4-FFF2-40B4-BE49-F238E27FC236}">
-                <a16:creationId xmlns:a16="http://schemas.microsoft.com/office/drawing/2014/main" id="{FEC2F345-E0E0-48D5-A931-9DDAA72683B2}"/>
-              </a:ext>
-            </a:extLst>
-          </p:cNvPr>
-          <p:cNvSpPr>
-            <a:spLocks noGrp="1"/>
-          </p:cNvSpPr>
-          <p:nvPr>
-            <p:ph type="title"/>
-          </p:nvPr>
-        </p:nvSpPr>
-        <p:spPr>
-          <a:xfrm>
-            <a:off x="838200" y="365125"/>
-            <a:ext cx="10515600" cy="1127125"/>
-          </a:xfrm>
-        </p:spPr>
-        <p:txBody>
-          <a:bodyPr>
-            <a:normAutofit/>
-          </a:bodyPr>
-          <a:lstStyle/>
-          <a:p>
-            <a:r>
-              <a:rPr lang="en-US" sz="2800" b="1" dirty="0">
-                <a:solidFill>
-                  <a:srgbClr val="0070C0"/>
-                </a:solidFill>
-              </a:rPr>
-              <a:t>Case-Shiller Housing Index</a:t>
-            </a:r>
-          </a:p>
-        </p:txBody>
-      </p:sp>
-      <p:pic>
-        <p:nvPicPr>
-          <p:cNvPr id="4" name="Content Placeholder 3">
-            <a:extLst>
-              <a:ext uri="{FF2B5EF4-FFF2-40B4-BE49-F238E27FC236}">
-                <a16:creationId xmlns:a16="http://schemas.microsoft.com/office/drawing/2014/main" id="{8B692D5B-5E47-45E3-8323-449AC468B800}"/>
-              </a:ext>
-            </a:extLst>
-          </p:cNvPr>
-          <p:cNvPicPr>
-            <a:picLocks noGrp="1" noChangeAspect="1"/>
-          </p:cNvPicPr>
-          <p:nvPr>
-            <p:ph idx="1"/>
-          </p:nvPr>
-        </p:nvPicPr>
-        <p:blipFill>
-          <a:blip r:embed="rId2"/>
-          <a:stretch>
-            <a:fillRect/>
-          </a:stretch>
-        </p:blipFill>
-        <p:spPr>
-          <a:xfrm>
-            <a:off x="1447799" y="1677194"/>
-            <a:ext cx="9355667" cy="4419600"/>
-          </a:xfrm>
-          <a:prstGeom prst="rect">
-            <a:avLst/>
-          </a:prstGeom>
-        </p:spPr>
-      </p:pic>
-    </p:spTree>
-    <p:extLst>
-      <p:ext uri="{BB962C8B-B14F-4D97-AF65-F5344CB8AC3E}">
-        <p14:creationId xmlns:p14="http://schemas.microsoft.com/office/powerpoint/2010/main" val="2346666255"/>
-      </p:ext>
-    </p:extLst>
-  </p:cSld>
-  <p:clrMapOvr>
-    <a:masterClrMapping/>
-  </p:clrMapOvr>
-</p:sld>
-</file>
-
-<file path=ppt/slides/slide18.xml><?xml version="1.0" encoding="utf-8"?>
-<p:sld xmlns:a="http://schemas.openxmlformats.org/drawingml/2006/main" xmlns:r="http://schemas.openxmlformats.org/officeDocument/2006/relationships" xmlns:p="http://schemas.openxmlformats.org/presentationml/2006/main">
-  <p:cSld>
-    <p:bg>
-      <p:bgPr>
-        <a:solidFill>
-          <a:schemeClr val="bg1">
-            <a:tint val="95000"/>
-            <a:satMod val="170000"/>
-          </a:schemeClr>
-        </a:solidFill>
-        <a:effectLst/>
-      </p:bgPr>
-    </p:bg>
-    <p:spTree>
-      <p:nvGrpSpPr>
-        <p:cNvPr id="1" name=""/>
-        <p:cNvGrpSpPr/>
-        <p:nvPr/>
-      </p:nvGrpSpPr>
-      <p:grpSpPr>
-        <a:xfrm>
-          <a:off x="0" y="0"/>
-          <a:ext cx="0" cy="0"/>
-          <a:chOff x="0" y="0"/>
-          <a:chExt cx="0" cy="0"/>
-        </a:xfrm>
-      </p:grpSpPr>
-      <p:grpSp>
-        <p:nvGrpSpPr>
-          <p:cNvPr id="44" name="Group 31" title="intersecting circles">
-            <a:extLst>
-              <a:ext uri="{FF2B5EF4-FFF2-40B4-BE49-F238E27FC236}">
-                <a16:creationId xmlns:a16="http://schemas.microsoft.com/office/drawing/2014/main" id="{D2C4BFA1-2075-4901-9E24-E41D1FDD51FD}"/>
-              </a:ext>
-            </a:extLst>
-          </p:cNvPr>
-          <p:cNvGrpSpPr>
-            <a:grpSpLocks noGrp="1" noUngrp="1" noRot="1" noChangeAspect="1" noMove="1" noResize="1"/>
-          </p:cNvGrpSpPr>
-          <p:nvPr>
-            <p:extLst>
-              <p:ext uri="{386F3935-93C4-4BCD-93E2-E3B085C9AB24}">
-                <p16:designElem xmlns:p16="http://schemas.microsoft.com/office/powerpoint/2015/main" val="1"/>
-              </p:ext>
-            </p:extLst>
-          </p:nvPr>
-        </p:nvGrpSpPr>
-        <p:grpSpPr>
-          <a:xfrm>
-            <a:off x="1155481" y="498348"/>
-            <a:ext cx="9902663" cy="5861304"/>
-            <a:chOff x="1155481" y="498348"/>
-            <a:chExt cx="9902663" cy="5861304"/>
-          </a:xfrm>
-        </p:grpSpPr>
-        <p:sp>
-          <p:nvSpPr>
-            <p:cNvPr id="33" name="Oval 5">
-              <a:extLst>
-                <a:ext uri="{FF2B5EF4-FFF2-40B4-BE49-F238E27FC236}">
-                  <a16:creationId xmlns:a16="http://schemas.microsoft.com/office/drawing/2014/main" id="{985A7375-E3AF-4F5C-85AE-17E8832952CA}"/>
-                </a:ext>
-              </a:extLst>
-            </p:cNvPr>
-            <p:cNvSpPr>
-              <a:spLocks noChangeArrowheads="1"/>
-            </p:cNvSpPr>
-            <p:nvPr>
-              <p:extLst>
-                <p:ext uri="{386F3935-93C4-4BCD-93E2-E3B085C9AB24}">
-                  <p16:designElem xmlns:p16="http://schemas.microsoft.com/office/powerpoint/2015/main" val="1"/>
-                </p:ext>
-              </p:extLst>
-            </p:nvPr>
-          </p:nvSpPr>
-          <p:spPr bwMode="auto">
-            <a:xfrm>
-              <a:off x="1155481" y="498348"/>
-              <a:ext cx="5861304" cy="5861304"/>
-            </a:xfrm>
-            <a:prstGeom prst="ellipse">
-              <a:avLst/>
-            </a:prstGeom>
-            <a:solidFill>
-              <a:schemeClr val="accent1">
-                <a:alpha val="55000"/>
-              </a:schemeClr>
-            </a:solidFill>
-            <a:ln>
-              <a:noFill/>
-            </a:ln>
-          </p:spPr>
-        </p:sp>
-        <p:sp>
-          <p:nvSpPr>
-            <p:cNvPr id="45" name="Oval 33">
-              <a:extLst>
-                <a:ext uri="{FF2B5EF4-FFF2-40B4-BE49-F238E27FC236}">
-                  <a16:creationId xmlns:a16="http://schemas.microsoft.com/office/drawing/2014/main" id="{F0307F65-8304-4FA8-A841-D4D7625411BE}"/>
-                </a:ext>
-              </a:extLst>
-            </p:cNvPr>
-            <p:cNvSpPr>
-              <a:spLocks noChangeArrowheads="1"/>
-            </p:cNvSpPr>
-            <p:nvPr>
-              <p:extLst>
-                <p:ext uri="{386F3935-93C4-4BCD-93E2-E3B085C9AB24}">
-                  <p16:designElem xmlns:p16="http://schemas.microsoft.com/office/powerpoint/2015/main" val="1"/>
-                </p:ext>
-              </p:extLst>
-            </p:nvPr>
-          </p:nvSpPr>
-          <p:spPr bwMode="auto">
-            <a:xfrm>
-              <a:off x="5196840" y="498348"/>
-              <a:ext cx="5861304" cy="5861304"/>
-            </a:xfrm>
-            <a:prstGeom prst="ellipse">
-              <a:avLst/>
-            </a:prstGeom>
-            <a:solidFill>
-              <a:schemeClr val="accent1">
-                <a:alpha val="55000"/>
-              </a:schemeClr>
-            </a:solidFill>
-            <a:ln>
-              <a:noFill/>
-            </a:ln>
-          </p:spPr>
-        </p:sp>
-        <p:sp>
-          <p:nvSpPr>
-            <p:cNvPr id="35" name="Oval 5">
-              <a:extLst>
-                <a:ext uri="{FF2B5EF4-FFF2-40B4-BE49-F238E27FC236}">
-                  <a16:creationId xmlns:a16="http://schemas.microsoft.com/office/drawing/2014/main" id="{C8B8394C-136F-4E05-A002-D93A5E79CD50}"/>
-                </a:ext>
-              </a:extLst>
-            </p:cNvPr>
-            <p:cNvSpPr>
-              <a:spLocks noChangeArrowheads="1"/>
-            </p:cNvSpPr>
-            <p:nvPr>
-              <p:extLst>
-                <p:ext uri="{386F3935-93C4-4BCD-93E2-E3B085C9AB24}">
-                  <p16:designElem xmlns:p16="http://schemas.microsoft.com/office/powerpoint/2015/main" val="1"/>
-                </p:ext>
-              </p:extLst>
-            </p:nvPr>
-          </p:nvSpPr>
-          <p:spPr bwMode="auto">
-            <a:xfrm>
-              <a:off x="3165348" y="498348"/>
-              <a:ext cx="5861304" cy="5861304"/>
-            </a:xfrm>
-            <a:prstGeom prst="ellipse">
-              <a:avLst/>
-            </a:prstGeom>
-            <a:solidFill>
-              <a:schemeClr val="accent1">
-                <a:alpha val="70000"/>
-              </a:schemeClr>
-            </a:solidFill>
-            <a:ln>
-              <a:noFill/>
-            </a:ln>
-          </p:spPr>
-        </p:sp>
-      </p:grpSp>
-      <p:sp>
-        <p:nvSpPr>
-          <p:cNvPr id="37" name="Rectangle 36" title="ribbon">
-            <a:extLst>
-              <a:ext uri="{FF2B5EF4-FFF2-40B4-BE49-F238E27FC236}">
-                <a16:creationId xmlns:a16="http://schemas.microsoft.com/office/drawing/2014/main" id="{053FB2EE-284F-4C87-AB3D-BBF87A9FAB97}"/>
-              </a:ext>
-            </a:extLst>
-          </p:cNvPr>
-          <p:cNvSpPr>
-            <a:spLocks noGrp="1" noRot="1" noChangeAspect="1" noMove="1" noResize="1" noEditPoints="1" noAdjustHandles="1" noChangeArrowheads="1" noChangeShapeType="1" noTextEdit="1"/>
-          </p:cNvSpPr>
-          <p:nvPr>
-            <p:extLst>
-              <p:ext uri="{386F3935-93C4-4BCD-93E2-E3B085C9AB24}">
-                <p16:designElem xmlns:p16="http://schemas.microsoft.com/office/powerpoint/2015/main" val="1"/>
-              </p:ext>
-            </p:extLst>
-          </p:nvPr>
-        </p:nvSpPr>
-        <p:spPr>
-          <a:xfrm>
-            <a:off x="0" y="2514600"/>
-            <a:ext cx="12192000" cy="1828800"/>
-          </a:xfrm>
-          <a:prstGeom prst="rect">
-            <a:avLst/>
-          </a:prstGeom>
-          <a:solidFill>
-            <a:schemeClr val="tx2"/>
-          </a:solidFill>
-          <a:ln>
-            <a:noFill/>
-          </a:ln>
-        </p:spPr>
-        <p:style>
-          <a:lnRef idx="2">
-            <a:schemeClr val="accent1">
-              <a:shade val="50000"/>
-            </a:schemeClr>
-          </a:lnRef>
-          <a:fillRef idx="1">
-            <a:schemeClr val="accent1"/>
-          </a:fillRef>
-          <a:effectRef idx="0">
-            <a:schemeClr val="accent1"/>
-          </a:effectRef>
-          <a:fontRef idx="minor">
-            <a:schemeClr val="lt1"/>
-          </a:fontRef>
-        </p:style>
-      </p:sp>
-      <p:sp>
-        <p:nvSpPr>
-          <p:cNvPr id="2" name="TextBox 1">
-            <a:extLst>
-              <a:ext uri="{FF2B5EF4-FFF2-40B4-BE49-F238E27FC236}">
-                <a16:creationId xmlns:a16="http://schemas.microsoft.com/office/drawing/2014/main" id="{49610B88-E565-495E-83FB-685D64857340}"/>
-              </a:ext>
-            </a:extLst>
-          </p:cNvPr>
-          <p:cNvSpPr txBox="1"/>
-          <p:nvPr/>
-        </p:nvSpPr>
-        <p:spPr>
-          <a:xfrm>
-            <a:off x="61877" y="2776538"/>
-            <a:ext cx="11639693" cy="1381188"/>
-          </a:xfrm>
-          <a:prstGeom prst="rect">
-            <a:avLst/>
-          </a:prstGeom>
-        </p:spPr>
-        <p:txBody>
-          <a:bodyPr vert="horz" lIns="91440" tIns="45720" rIns="91440" bIns="45720" rtlCol="0" anchor="ctr">
-            <a:normAutofit fontScale="77500" lnSpcReduction="20000"/>
-          </a:bodyPr>
-          <a:lstStyle/>
-          <a:p>
-            <a:pPr algn="ctr">
-              <a:lnSpc>
-                <a:spcPct val="90000"/>
-              </a:lnSpc>
-              <a:spcBef>
-                <a:spcPct val="0"/>
-              </a:spcBef>
-              <a:spcAft>
-                <a:spcPts val="600"/>
-              </a:spcAft>
-            </a:pPr>
-            <a:r>
-              <a:rPr lang="en-US" sz="5200" kern="1200" dirty="0">
-                <a:solidFill>
-                  <a:schemeClr val="bg2"/>
-                </a:solidFill>
-                <a:ea typeface="+mj-ea"/>
-                <a:cs typeface="+mj-cs"/>
-              </a:rPr>
-              <a:t>Model Selection</a:t>
-            </a:r>
-          </a:p>
-          <a:p>
-            <a:pPr algn="ctr">
-              <a:lnSpc>
-                <a:spcPct val="90000"/>
-              </a:lnSpc>
-              <a:spcBef>
-                <a:spcPct val="0"/>
-              </a:spcBef>
-              <a:spcAft>
-                <a:spcPts val="600"/>
-              </a:spcAft>
-            </a:pPr>
-            <a:r>
-              <a:rPr lang="en-US" sz="4000" kern="1200" dirty="0">
-                <a:solidFill>
-                  <a:schemeClr val="bg2"/>
-                </a:solidFill>
-                <a:latin typeface="Brush Script MT" panose="03060802040406070304" pitchFamily="66" charset="0"/>
-                <a:ea typeface="+mj-ea"/>
-                <a:cs typeface="+mj-cs"/>
-              </a:rPr>
-              <a:t>‘If you torture the data enough, </a:t>
-            </a:r>
-            <a:r>
-              <a:rPr lang="en-US" sz="4000" dirty="0">
-                <a:solidFill>
-                  <a:schemeClr val="bg2"/>
-                </a:solidFill>
-                <a:latin typeface="Brush Script MT" panose="03060802040406070304" pitchFamily="66" charset="0"/>
-                <a:ea typeface="+mj-ea"/>
-                <a:cs typeface="+mj-cs"/>
-              </a:rPr>
-              <a:t>it</a:t>
-            </a:r>
-            <a:r>
-              <a:rPr lang="en-US" sz="4000" kern="1200" dirty="0">
-                <a:solidFill>
-                  <a:schemeClr val="bg2"/>
-                </a:solidFill>
-                <a:latin typeface="Brush Script MT" panose="03060802040406070304" pitchFamily="66" charset="0"/>
-                <a:ea typeface="+mj-ea"/>
-                <a:cs typeface="+mj-cs"/>
-              </a:rPr>
-              <a:t> will always confess’  </a:t>
-            </a:r>
-          </a:p>
-          <a:p>
-            <a:pPr algn="r">
-              <a:lnSpc>
-                <a:spcPct val="90000"/>
-              </a:lnSpc>
-              <a:spcBef>
-                <a:spcPct val="0"/>
-              </a:spcBef>
-              <a:spcAft>
-                <a:spcPts val="600"/>
-              </a:spcAft>
-            </a:pPr>
-            <a:r>
-              <a:rPr lang="en-US" sz="4000" kern="1200" dirty="0">
-                <a:solidFill>
-                  <a:schemeClr val="bg2"/>
-                </a:solidFill>
-                <a:latin typeface="+mj-lt"/>
-                <a:ea typeface="+mj-ea"/>
-                <a:cs typeface="+mj-cs"/>
-              </a:rPr>
-              <a:t>- </a:t>
-            </a:r>
-            <a:r>
-              <a:rPr lang="en-US" sz="2000" kern="1200" dirty="0">
-                <a:solidFill>
-                  <a:schemeClr val="bg2"/>
-                </a:solidFill>
-                <a:latin typeface="+mj-lt"/>
-                <a:ea typeface="+mj-ea"/>
-                <a:cs typeface="+mj-cs"/>
-              </a:rPr>
-              <a:t>Ronald Coase, British Economist </a:t>
-            </a:r>
-          </a:p>
-        </p:txBody>
-      </p:sp>
-    </p:spTree>
-    <p:extLst>
-      <p:ext uri="{BB962C8B-B14F-4D97-AF65-F5344CB8AC3E}">
-        <p14:creationId xmlns:p14="http://schemas.microsoft.com/office/powerpoint/2010/main" val="2752339933"/>
-      </p:ext>
-    </p:extLst>
-  </p:cSld>
-  <p:clrMapOvr>
-    <a:overrideClrMapping bg1="dk1" tx1="lt1" bg2="dk2" tx2="lt2" accent1="accent1" accent2="accent2" accent3="accent3" accent4="accent4" accent5="accent5" accent6="accent6" hlink="hlink" folHlink="folHlink"/>
-  </p:clrMapOvr>
-</p:sld>
-</file>
-
-<file path=ppt/slides/slide19.xml><?xml version="1.0" encoding="utf-8"?>
-<p:sld xmlns:a="http://schemas.openxmlformats.org/drawingml/2006/main" xmlns:r="http://schemas.openxmlformats.org/officeDocument/2006/relationships" xmlns:p="http://schemas.openxmlformats.org/presentationml/2006/main">
-  <p:cSld>
-    <p:spTree>
-      <p:nvGrpSpPr>
-        <p:cNvPr id="1" name=""/>
-        <p:cNvGrpSpPr/>
-        <p:nvPr/>
-      </p:nvGrpSpPr>
-      <p:grpSpPr>
-        <a:xfrm>
-          <a:off x="0" y="0"/>
-          <a:ext cx="0" cy="0"/>
-          <a:chOff x="0" y="0"/>
-          <a:chExt cx="0" cy="0"/>
-        </a:xfrm>
-      </p:grpSpPr>
-      <p:sp>
-        <p:nvSpPr>
-          <p:cNvPr id="2" name="Title 1">
-            <a:extLst>
-              <a:ext uri="{FF2B5EF4-FFF2-40B4-BE49-F238E27FC236}">
-                <a16:creationId xmlns:a16="http://schemas.microsoft.com/office/drawing/2014/main" id="{9B78F177-1358-4CCC-A29F-A2C9AF12CA90}"/>
-              </a:ext>
-            </a:extLst>
-          </p:cNvPr>
-          <p:cNvSpPr>
-            <a:spLocks noGrp="1"/>
-          </p:cNvSpPr>
-          <p:nvPr>
-            <p:ph type="title"/>
-          </p:nvPr>
-        </p:nvSpPr>
-        <p:spPr/>
-        <p:txBody>
-          <a:bodyPr/>
-          <a:lstStyle/>
-          <a:p>
-            <a:endParaRPr lang="en-US"/>
-          </a:p>
-        </p:txBody>
-      </p:sp>
-      <p:sp>
-        <p:nvSpPr>
-          <p:cNvPr id="3" name="Content Placeholder 2">
-            <a:extLst>
-              <a:ext uri="{FF2B5EF4-FFF2-40B4-BE49-F238E27FC236}">
-                <a16:creationId xmlns:a16="http://schemas.microsoft.com/office/drawing/2014/main" id="{A590EC32-C3D2-4FAA-9B63-58302AC2AB3B}"/>
-              </a:ext>
-            </a:extLst>
-          </p:cNvPr>
-          <p:cNvSpPr>
-            <a:spLocks noGrp="1"/>
-          </p:cNvSpPr>
-          <p:nvPr>
-            <p:ph sz="half" idx="1"/>
-          </p:nvPr>
-        </p:nvSpPr>
-        <p:spPr/>
-        <p:txBody>
-          <a:bodyPr/>
-          <a:lstStyle/>
-          <a:p>
-            <a:endParaRPr lang="en-US"/>
-          </a:p>
-        </p:txBody>
-      </p:sp>
-      <p:sp>
-        <p:nvSpPr>
-          <p:cNvPr id="4" name="Content Placeholder 3">
-            <a:extLst>
-              <a:ext uri="{FF2B5EF4-FFF2-40B4-BE49-F238E27FC236}">
-                <a16:creationId xmlns:a16="http://schemas.microsoft.com/office/drawing/2014/main" id="{726E1ED7-56F8-44B2-B055-ED9366B21BE9}"/>
-              </a:ext>
-            </a:extLst>
-          </p:cNvPr>
-          <p:cNvSpPr>
-            <a:spLocks noGrp="1"/>
-          </p:cNvSpPr>
-          <p:nvPr>
-            <p:ph sz="half" idx="2"/>
-          </p:nvPr>
-        </p:nvSpPr>
-        <p:spPr/>
-        <p:txBody>
-          <a:bodyPr/>
-          <a:lstStyle/>
-          <a:p>
-            <a:endParaRPr lang="en-US"/>
-          </a:p>
-        </p:txBody>
-      </p:sp>
-    </p:spTree>
-    <p:extLst>
-      <p:ext uri="{BB962C8B-B14F-4D97-AF65-F5344CB8AC3E}">
-        <p14:creationId xmlns:p14="http://schemas.microsoft.com/office/powerpoint/2010/main" val="2659177866"/>
-      </p:ext>
-    </p:extLst>
-  </p:cSld>
-  <p:clrMapOvr>
-    <a:masterClrMapping/>
-  </p:clrMapOvr>
-</p:sld>
-</file>
-
-<file path=ppt/slides/slide2.xml><?xml version="1.0" encoding="utf-8"?>
-<p:sld xmlns:a="http://schemas.openxmlformats.org/drawingml/2006/main" xmlns:r="http://schemas.openxmlformats.org/officeDocument/2006/relationships" xmlns:p="http://schemas.openxmlformats.org/presentationml/2006/main">
-  <p:cSld>
-    <p:spTree>
-      <p:nvGrpSpPr>
-        <p:cNvPr id="1" name=""/>
-        <p:cNvGrpSpPr/>
-        <p:nvPr/>
-      </p:nvGrpSpPr>
-      <p:grpSpPr>
-        <a:xfrm>
-          <a:off x="0" y="0"/>
-          <a:ext cx="0" cy="0"/>
-          <a:chOff x="0" y="0"/>
-          <a:chExt cx="0" cy="0"/>
-        </a:xfrm>
-      </p:grpSpPr>
-      <p:sp>
-        <p:nvSpPr>
-          <p:cNvPr id="2" name="Title 1">
-            <a:extLst>
-              <a:ext uri="{FF2B5EF4-FFF2-40B4-BE49-F238E27FC236}">
-                <a16:creationId xmlns:a16="http://schemas.microsoft.com/office/drawing/2014/main" id="{78C2549D-3C9C-4E70-97DB-F3E7F6878DD1}"/>
-              </a:ext>
-            </a:extLst>
-          </p:cNvPr>
-          <p:cNvSpPr>
-            <a:spLocks noGrp="1"/>
-          </p:cNvSpPr>
-          <p:nvPr>
-            <p:ph type="title"/>
-          </p:nvPr>
-        </p:nvSpPr>
-        <p:spPr>
-          <a:xfrm>
-            <a:off x="838200" y="365125"/>
-            <a:ext cx="10515600" cy="631825"/>
-          </a:xfrm>
-        </p:spPr>
-        <p:txBody>
-          <a:bodyPr>
-            <a:normAutofit fontScale="90000"/>
-          </a:bodyPr>
-          <a:lstStyle/>
-          <a:p>
-            <a:r>
-              <a:rPr lang="en-US" b="1" dirty="0">
-                <a:solidFill>
-                  <a:srgbClr val="0070C0"/>
-                </a:solidFill>
-              </a:rPr>
-              <a:t>Agenda</a:t>
-            </a:r>
-          </a:p>
-        </p:txBody>
-      </p:sp>
-      <p:sp>
-        <p:nvSpPr>
-          <p:cNvPr id="3" name="Content Placeholder 2">
-            <a:extLst>
-              <a:ext uri="{FF2B5EF4-FFF2-40B4-BE49-F238E27FC236}">
-                <a16:creationId xmlns:a16="http://schemas.microsoft.com/office/drawing/2014/main" id="{9AD5DA06-32C0-4BB6-B574-482ECFA38830}"/>
-              </a:ext>
-            </a:extLst>
-          </p:cNvPr>
-          <p:cNvSpPr>
-            <a:spLocks noGrp="1"/>
-          </p:cNvSpPr>
-          <p:nvPr>
-            <p:ph idx="1"/>
-          </p:nvPr>
-        </p:nvSpPr>
-        <p:spPr>
-          <a:xfrm>
-            <a:off x="838200" y="1212850"/>
-            <a:ext cx="10515600" cy="4964113"/>
-          </a:xfrm>
-        </p:spPr>
-        <p:txBody>
-          <a:bodyPr/>
-          <a:lstStyle/>
-          <a:p>
-            <a:pPr marL="0" indent="0">
-              <a:buNone/>
-            </a:pPr>
-            <a:r>
-              <a:rPr lang="en-US" dirty="0"/>
-              <a:t>Project aims at predicting house prices (residential) in Ames, Iowa, USA based on data set provided by Kaggle between 2006 and 2010.</a:t>
-            </a:r>
-          </a:p>
-          <a:p>
-            <a:endParaRPr lang="en-US" dirty="0"/>
-          </a:p>
-          <a:p>
-            <a:pPr lvl="1"/>
-            <a:r>
-              <a:rPr lang="en-US" dirty="0"/>
-              <a:t>Data Exploration</a:t>
-            </a:r>
-          </a:p>
-          <a:p>
-            <a:pPr lvl="1"/>
-            <a:r>
-              <a:rPr lang="en-US" dirty="0"/>
-              <a:t>Data Pre-Processing</a:t>
-            </a:r>
-          </a:p>
-          <a:p>
-            <a:pPr lvl="1"/>
-            <a:r>
-              <a:rPr lang="en-US" dirty="0"/>
-              <a:t>Feature Engineering </a:t>
-            </a:r>
-          </a:p>
-          <a:p>
-            <a:pPr lvl="1"/>
-            <a:r>
-              <a:rPr lang="en-US" dirty="0"/>
-              <a:t>Model Training</a:t>
-            </a:r>
-          </a:p>
-          <a:p>
-            <a:pPr lvl="1"/>
-            <a:r>
-              <a:rPr lang="en-US" dirty="0"/>
-              <a:t>Model Evaluation</a:t>
-            </a:r>
-          </a:p>
-          <a:p>
-            <a:pPr marL="0" indent="0">
-              <a:buNone/>
-            </a:pPr>
-            <a:endParaRPr lang="en-US" dirty="0"/>
-          </a:p>
-          <a:p>
-            <a:pPr marL="0" indent="0">
-              <a:buNone/>
-            </a:pPr>
-            <a:endParaRPr lang="en-US" dirty="0"/>
-          </a:p>
-        </p:txBody>
-      </p:sp>
-    </p:spTree>
-    <p:extLst>
-      <p:ext uri="{BB962C8B-B14F-4D97-AF65-F5344CB8AC3E}">
-        <p14:creationId xmlns:p14="http://schemas.microsoft.com/office/powerpoint/2010/main" val="1915621482"/>
-      </p:ext>
-    </p:extLst>
-  </p:cSld>
-  <p:clrMapOvr>
-    <a:masterClrMapping/>
-  </p:clrMapOvr>
-</p:sld>
-</file>
-
-<file path=ppt/slides/slide20.xml><?xml version="1.0" encoding="utf-8"?>
-<p:sld xmlns:a="http://schemas.openxmlformats.org/drawingml/2006/main" xmlns:r="http://schemas.openxmlformats.org/officeDocument/2006/relationships" xmlns:p="http://schemas.openxmlformats.org/presentationml/2006/main">
-  <p:cSld>
-    <p:bg>
-      <p:bgPr>
-        <a:solidFill>
-          <a:schemeClr val="bg1">
-            <a:tint val="95000"/>
-            <a:satMod val="170000"/>
-          </a:schemeClr>
-        </a:solidFill>
-        <a:effectLst/>
-      </p:bgPr>
-    </p:bg>
-    <p:spTree>
-      <p:nvGrpSpPr>
-        <p:cNvPr id="1" name=""/>
-        <p:cNvGrpSpPr/>
-        <p:nvPr/>
-      </p:nvGrpSpPr>
-      <p:grpSpPr>
-        <a:xfrm>
-          <a:off x="0" y="0"/>
-          <a:ext cx="0" cy="0"/>
-          <a:chOff x="0" y="0"/>
-          <a:chExt cx="0" cy="0"/>
-        </a:xfrm>
-      </p:grpSpPr>
-      <p:grpSp>
-        <p:nvGrpSpPr>
-          <p:cNvPr id="8" name="Group 7" title="intersecting circles">
-            <a:extLst>
-              <a:ext uri="{FF2B5EF4-FFF2-40B4-BE49-F238E27FC236}">
-                <a16:creationId xmlns:a16="http://schemas.microsoft.com/office/drawing/2014/main" id="{D2C4BFA1-2075-4901-9E24-E41D1FDD51FD}"/>
-              </a:ext>
-            </a:extLst>
-          </p:cNvPr>
-          <p:cNvGrpSpPr>
-            <a:grpSpLocks noGrp="1" noUngrp="1" noRot="1" noChangeAspect="1" noMove="1" noResize="1"/>
-          </p:cNvGrpSpPr>
-          <p:nvPr>
-            <p:extLst>
-              <p:ext uri="{386F3935-93C4-4BCD-93E2-E3B085C9AB24}">
-                <p16:designElem xmlns:p16="http://schemas.microsoft.com/office/powerpoint/2015/main" val="1"/>
-              </p:ext>
-            </p:extLst>
-          </p:nvPr>
-        </p:nvGrpSpPr>
-        <p:grpSpPr>
-          <a:xfrm>
-            <a:off x="1155481" y="498348"/>
-            <a:ext cx="9902663" cy="5861304"/>
-            <a:chOff x="1155481" y="498348"/>
-            <a:chExt cx="9902663" cy="5861304"/>
-          </a:xfrm>
-        </p:grpSpPr>
-        <p:sp>
-          <p:nvSpPr>
-            <p:cNvPr id="9" name="Oval 5">
-              <a:extLst>
-                <a:ext uri="{FF2B5EF4-FFF2-40B4-BE49-F238E27FC236}">
-                  <a16:creationId xmlns:a16="http://schemas.microsoft.com/office/drawing/2014/main" id="{985A7375-E3AF-4F5C-85AE-17E8832952CA}"/>
-                </a:ext>
-              </a:extLst>
-            </p:cNvPr>
-            <p:cNvSpPr>
-              <a:spLocks noChangeArrowheads="1"/>
-            </p:cNvSpPr>
-            <p:nvPr>
-              <p:extLst>
-                <p:ext uri="{386F3935-93C4-4BCD-93E2-E3B085C9AB24}">
-                  <p16:designElem xmlns:p16="http://schemas.microsoft.com/office/powerpoint/2015/main" val="1"/>
-                </p:ext>
-              </p:extLst>
-            </p:nvPr>
-          </p:nvSpPr>
-          <p:spPr bwMode="auto">
-            <a:xfrm>
-              <a:off x="1155481" y="498348"/>
-              <a:ext cx="5861304" cy="5861304"/>
-            </a:xfrm>
-            <a:prstGeom prst="ellipse">
-              <a:avLst/>
-            </a:prstGeom>
-            <a:solidFill>
-              <a:schemeClr val="accent1">
-                <a:alpha val="55000"/>
-              </a:schemeClr>
-            </a:solidFill>
-            <a:ln>
-              <a:noFill/>
-            </a:ln>
-          </p:spPr>
-        </p:sp>
-        <p:sp>
-          <p:nvSpPr>
-            <p:cNvPr id="10" name="Oval 9">
-              <a:extLst>
-                <a:ext uri="{FF2B5EF4-FFF2-40B4-BE49-F238E27FC236}">
-                  <a16:creationId xmlns:a16="http://schemas.microsoft.com/office/drawing/2014/main" id="{F0307F65-8304-4FA8-A841-D4D7625411BE}"/>
-                </a:ext>
-              </a:extLst>
-            </p:cNvPr>
-            <p:cNvSpPr>
-              <a:spLocks noChangeArrowheads="1"/>
-            </p:cNvSpPr>
-            <p:nvPr>
-              <p:extLst>
-                <p:ext uri="{386F3935-93C4-4BCD-93E2-E3B085C9AB24}">
-                  <p16:designElem xmlns:p16="http://schemas.microsoft.com/office/powerpoint/2015/main" val="1"/>
-                </p:ext>
-              </p:extLst>
-            </p:nvPr>
-          </p:nvSpPr>
-          <p:spPr bwMode="auto">
-            <a:xfrm>
-              <a:off x="5196840" y="498348"/>
-              <a:ext cx="5861304" cy="5861304"/>
-            </a:xfrm>
-            <a:prstGeom prst="ellipse">
-              <a:avLst/>
-            </a:prstGeom>
-            <a:solidFill>
-              <a:schemeClr val="accent1">
-                <a:alpha val="55000"/>
-              </a:schemeClr>
-            </a:solidFill>
-            <a:ln>
-              <a:noFill/>
-            </a:ln>
-          </p:spPr>
-        </p:sp>
-        <p:sp>
-          <p:nvSpPr>
-            <p:cNvPr id="11" name="Oval 5">
-              <a:extLst>
-                <a:ext uri="{FF2B5EF4-FFF2-40B4-BE49-F238E27FC236}">
-                  <a16:creationId xmlns:a16="http://schemas.microsoft.com/office/drawing/2014/main" id="{C8B8394C-136F-4E05-A002-D93A5E79CD50}"/>
-                </a:ext>
-              </a:extLst>
-            </p:cNvPr>
-            <p:cNvSpPr>
-              <a:spLocks noChangeArrowheads="1"/>
-            </p:cNvSpPr>
-            <p:nvPr>
-              <p:extLst>
-                <p:ext uri="{386F3935-93C4-4BCD-93E2-E3B085C9AB24}">
-                  <p16:designElem xmlns:p16="http://schemas.microsoft.com/office/powerpoint/2015/main" val="1"/>
-                </p:ext>
-              </p:extLst>
-            </p:nvPr>
-          </p:nvSpPr>
-          <p:spPr bwMode="auto">
-            <a:xfrm>
-              <a:off x="3165348" y="498348"/>
-              <a:ext cx="5861304" cy="5861304"/>
-            </a:xfrm>
-            <a:prstGeom prst="ellipse">
-              <a:avLst/>
-            </a:prstGeom>
-            <a:solidFill>
-              <a:schemeClr val="accent1">
-                <a:alpha val="70000"/>
-              </a:schemeClr>
-            </a:solidFill>
-            <a:ln>
-              <a:noFill/>
-            </a:ln>
-          </p:spPr>
-        </p:sp>
-      </p:grpSp>
-      <p:sp>
-        <p:nvSpPr>
-          <p:cNvPr id="13" name="Rectangle 12" title="ribbon">
-            <a:extLst>
-              <a:ext uri="{FF2B5EF4-FFF2-40B4-BE49-F238E27FC236}">
-                <a16:creationId xmlns:a16="http://schemas.microsoft.com/office/drawing/2014/main" id="{053FB2EE-284F-4C87-AB3D-BBF87A9FAB97}"/>
-              </a:ext>
-            </a:extLst>
-          </p:cNvPr>
-          <p:cNvSpPr>
-            <a:spLocks noGrp="1" noRot="1" noChangeAspect="1" noMove="1" noResize="1" noEditPoints="1" noAdjustHandles="1" noChangeArrowheads="1" noChangeShapeType="1" noTextEdit="1"/>
-          </p:cNvSpPr>
-          <p:nvPr>
-            <p:extLst>
-              <p:ext uri="{386F3935-93C4-4BCD-93E2-E3B085C9AB24}">
-                <p16:designElem xmlns:p16="http://schemas.microsoft.com/office/powerpoint/2015/main" val="1"/>
-              </p:ext>
-            </p:extLst>
-          </p:nvPr>
-        </p:nvSpPr>
-        <p:spPr>
-          <a:xfrm>
-            <a:off x="0" y="2514600"/>
-            <a:ext cx="12192000" cy="1828800"/>
-          </a:xfrm>
-          <a:prstGeom prst="rect">
-            <a:avLst/>
-          </a:prstGeom>
-          <a:solidFill>
-            <a:schemeClr val="tx2"/>
-          </a:solidFill>
-          <a:ln>
-            <a:noFill/>
-          </a:ln>
-        </p:spPr>
-        <p:style>
-          <a:lnRef idx="2">
-            <a:schemeClr val="accent1">
-              <a:shade val="50000"/>
-            </a:schemeClr>
-          </a:lnRef>
-          <a:fillRef idx="1">
-            <a:schemeClr val="accent1"/>
-          </a:fillRef>
-          <a:effectRef idx="0">
-            <a:schemeClr val="accent1"/>
-          </a:effectRef>
-          <a:fontRef idx="minor">
-            <a:schemeClr val="lt1"/>
-          </a:fontRef>
-        </p:style>
-      </p:sp>
-      <p:sp>
-        <p:nvSpPr>
-          <p:cNvPr id="2" name="Title 1">
-            <a:extLst>
-              <a:ext uri="{FF2B5EF4-FFF2-40B4-BE49-F238E27FC236}">
-                <a16:creationId xmlns:a16="http://schemas.microsoft.com/office/drawing/2014/main" id="{7EBCB659-23B0-4542-B9AF-C8F4952A266B}"/>
-              </a:ext>
-            </a:extLst>
-          </p:cNvPr>
-          <p:cNvSpPr>
-            <a:spLocks noGrp="1"/>
-          </p:cNvSpPr>
-          <p:nvPr>
-            <p:ph type="title"/>
-          </p:nvPr>
-        </p:nvSpPr>
-        <p:spPr>
-          <a:xfrm>
-            <a:off x="1524000" y="2776538"/>
-            <a:ext cx="9144000" cy="1381188"/>
-          </a:xfrm>
-        </p:spPr>
-        <p:txBody>
-          <a:bodyPr vert="horz" lIns="91440" tIns="45720" rIns="91440" bIns="45720" rtlCol="0" anchor="ctr">
-            <a:normAutofit/>
-          </a:bodyPr>
-          <a:lstStyle/>
-          <a:p>
-            <a:pPr algn="ctr"/>
-            <a:r>
-              <a:rPr lang="en-US" sz="4000" b="1" kern="1200" dirty="0">
-                <a:solidFill>
-                  <a:schemeClr val="bg2"/>
-                </a:solidFill>
-                <a:latin typeface="+mj-lt"/>
-                <a:ea typeface="+mj-ea"/>
-                <a:cs typeface="+mj-cs"/>
-              </a:rPr>
-              <a:t>Model Evaluation</a:t>
-            </a:r>
-          </a:p>
-        </p:txBody>
-      </p:sp>
-    </p:spTree>
-    <p:extLst>
-      <p:ext uri="{BB962C8B-B14F-4D97-AF65-F5344CB8AC3E}">
-        <p14:creationId xmlns:p14="http://schemas.microsoft.com/office/powerpoint/2010/main" val="1839317052"/>
-      </p:ext>
-    </p:extLst>
-  </p:cSld>
-  <p:clrMapOvr>
-    <a:overrideClrMapping bg1="dk1" tx1="lt1" bg2="dk2" tx2="lt2" accent1="accent1" accent2="accent2" accent3="accent3" accent4="accent4" accent5="accent5" accent6="accent6" hlink="hlink" folHlink="folHlink"/>
-  </p:clrMapOvr>
-</p:sld>
-</file>
-
-<file path=ppt/slides/slide3.xml><?xml version="1.0" encoding="utf-8"?>
-<p:sld xmlns:a="http://schemas.openxmlformats.org/drawingml/2006/main" xmlns:r="http://schemas.openxmlformats.org/officeDocument/2006/relationships" xmlns:p="http://schemas.openxmlformats.org/presentationml/2006/main">
-  <p:cSld>
-    <p:spTree>
-      <p:nvGrpSpPr>
-        <p:cNvPr id="1" name=""/>
-        <p:cNvGrpSpPr/>
-        <p:nvPr/>
-      </p:nvGrpSpPr>
-      <p:grpSpPr>
-        <a:xfrm>
-          <a:off x="0" y="0"/>
-          <a:ext cx="0" cy="0"/>
-          <a:chOff x="0" y="0"/>
-          <a:chExt cx="0" cy="0"/>
-        </a:xfrm>
-      </p:grpSpPr>
-      <p:pic>
-        <p:nvPicPr>
-          <p:cNvPr id="5" name="Content Placeholder 4" descr="A picture containing person, text, newspaper, outdoor&#10;&#10;Description generated with very high confidence">
-            <a:extLst>
-              <a:ext uri="{FF2B5EF4-FFF2-40B4-BE49-F238E27FC236}">
-                <a16:creationId xmlns:a16="http://schemas.microsoft.com/office/drawing/2014/main" id="{15B056D5-F188-43AA-B66A-95B40BD85B5E}"/>
-              </a:ext>
-            </a:extLst>
-          </p:cNvPr>
-          <p:cNvPicPr>
-            <a:picLocks noGrp="1" noChangeAspect="1"/>
-          </p:cNvPicPr>
-          <p:nvPr>
-            <p:ph idx="1"/>
-          </p:nvPr>
-        </p:nvPicPr>
-        <p:blipFill>
-          <a:blip r:embed="rId2">
-            <a:extLst>
-              <a:ext uri="{28A0092B-C50C-407E-A947-70E740481C1C}">
-                <a14:useLocalDpi xmlns:a14="http://schemas.microsoft.com/office/drawing/2010/main" val="0"/>
-              </a:ext>
-            </a:extLst>
-          </a:blip>
-          <a:stretch>
-            <a:fillRect/>
-          </a:stretch>
-        </p:blipFill>
-        <p:spPr>
-          <a:xfrm>
-            <a:off x="2530068" y="435362"/>
-            <a:ext cx="6380175" cy="6380175"/>
-          </a:xfrm>
-        </p:spPr>
-      </p:pic>
-    </p:spTree>
-    <p:extLst>
-      <p:ext uri="{BB962C8B-B14F-4D97-AF65-F5344CB8AC3E}">
-        <p14:creationId xmlns:p14="http://schemas.microsoft.com/office/powerpoint/2010/main" val="918493522"/>
-      </p:ext>
-    </p:extLst>
-  </p:cSld>
-  <p:clrMapOvr>
-    <a:masterClrMapping/>
-  </p:clrMapOvr>
-</p:sld>
-</file>
-
-<file path=ppt/slides/slide4.xml><?xml version="1.0" encoding="utf-8"?>
-<p:sld xmlns:a="http://schemas.openxmlformats.org/drawingml/2006/main" xmlns:r="http://schemas.openxmlformats.org/officeDocument/2006/relationships" xmlns:p="http://schemas.openxmlformats.org/presentationml/2006/main">
-  <p:cSld>
-    <p:bg>
-      <p:bgPr>
-        <a:solidFill>
-          <a:schemeClr val="bg1">
-            <a:tint val="95000"/>
-            <a:satMod val="170000"/>
-          </a:schemeClr>
-        </a:solidFill>
-        <a:effectLst/>
-      </p:bgPr>
-    </p:bg>
-    <p:spTree>
-      <p:nvGrpSpPr>
-        <p:cNvPr id="1" name=""/>
-        <p:cNvGrpSpPr/>
-        <p:nvPr/>
-      </p:nvGrpSpPr>
-      <p:grpSpPr>
-        <a:xfrm>
-          <a:off x="0" y="0"/>
-          <a:ext cx="0" cy="0"/>
-          <a:chOff x="0" y="0"/>
-          <a:chExt cx="0" cy="0"/>
-        </a:xfrm>
-      </p:grpSpPr>
-      <p:grpSp>
-        <p:nvGrpSpPr>
-          <p:cNvPr id="8" name="Group 7" title="intersecting circles">
-            <a:extLst>
-              <a:ext uri="{FF2B5EF4-FFF2-40B4-BE49-F238E27FC236}">
-                <a16:creationId xmlns:a16="http://schemas.microsoft.com/office/drawing/2014/main" id="{D2C4BFA1-2075-4901-9E24-E41D1FDD51FD}"/>
-              </a:ext>
-            </a:extLst>
-          </p:cNvPr>
-          <p:cNvGrpSpPr>
-            <a:grpSpLocks noGrp="1" noUngrp="1" noRot="1" noChangeAspect="1" noMove="1" noResize="1"/>
-          </p:cNvGrpSpPr>
-          <p:nvPr>
-            <p:extLst>
-              <p:ext uri="{386F3935-93C4-4BCD-93E2-E3B085C9AB24}">
-                <p16:designElem xmlns:p16="http://schemas.microsoft.com/office/powerpoint/2015/main" val="1"/>
-              </p:ext>
-            </p:extLst>
-          </p:nvPr>
-        </p:nvGrpSpPr>
-        <p:grpSpPr>
-          <a:xfrm>
-            <a:off x="1155481" y="498348"/>
-            <a:ext cx="9902663" cy="5861304"/>
-            <a:chOff x="1155481" y="498348"/>
-            <a:chExt cx="9902663" cy="5861304"/>
-          </a:xfrm>
-        </p:grpSpPr>
-        <p:sp>
-          <p:nvSpPr>
-            <p:cNvPr id="9" name="Oval 5">
-              <a:extLst>
-                <a:ext uri="{FF2B5EF4-FFF2-40B4-BE49-F238E27FC236}">
-                  <a16:creationId xmlns:a16="http://schemas.microsoft.com/office/drawing/2014/main" id="{985A7375-E3AF-4F5C-85AE-17E8832952CA}"/>
-                </a:ext>
-              </a:extLst>
-            </p:cNvPr>
-            <p:cNvSpPr>
-              <a:spLocks noChangeArrowheads="1"/>
-            </p:cNvSpPr>
-            <p:nvPr>
-              <p:extLst>
-                <p:ext uri="{386F3935-93C4-4BCD-93E2-E3B085C9AB24}">
-                  <p16:designElem xmlns:p16="http://schemas.microsoft.com/office/powerpoint/2015/main" val="1"/>
-                </p:ext>
-              </p:extLst>
-            </p:nvPr>
-          </p:nvSpPr>
-          <p:spPr bwMode="auto">
-            <a:xfrm>
-              <a:off x="1155481" y="498348"/>
-              <a:ext cx="5861304" cy="5861304"/>
-            </a:xfrm>
-            <a:prstGeom prst="ellipse">
-              <a:avLst/>
-            </a:prstGeom>
-            <a:solidFill>
-              <a:schemeClr val="accent1">
-                <a:alpha val="55000"/>
-              </a:schemeClr>
-            </a:solidFill>
-            <a:ln>
-              <a:noFill/>
-            </a:ln>
-          </p:spPr>
-        </p:sp>
-        <p:sp>
-          <p:nvSpPr>
-            <p:cNvPr id="10" name="Oval 9">
-              <a:extLst>
-                <a:ext uri="{FF2B5EF4-FFF2-40B4-BE49-F238E27FC236}">
-                  <a16:creationId xmlns:a16="http://schemas.microsoft.com/office/drawing/2014/main" id="{F0307F65-8304-4FA8-A841-D4D7625411BE}"/>
-                </a:ext>
-              </a:extLst>
-            </p:cNvPr>
-            <p:cNvSpPr>
-              <a:spLocks noChangeArrowheads="1"/>
-            </p:cNvSpPr>
-            <p:nvPr>
-              <p:extLst>
-                <p:ext uri="{386F3935-93C4-4BCD-93E2-E3B085C9AB24}">
-                  <p16:designElem xmlns:p16="http://schemas.microsoft.com/office/powerpoint/2015/main" val="1"/>
-                </p:ext>
-              </p:extLst>
-            </p:nvPr>
-          </p:nvSpPr>
-          <p:spPr bwMode="auto">
-            <a:xfrm>
-              <a:off x="5196840" y="498348"/>
-              <a:ext cx="5861304" cy="5861304"/>
-            </a:xfrm>
-            <a:prstGeom prst="ellipse">
-              <a:avLst/>
-            </a:prstGeom>
-            <a:solidFill>
-              <a:schemeClr val="accent1">
-                <a:alpha val="55000"/>
-              </a:schemeClr>
-            </a:solidFill>
-            <a:ln>
-              <a:noFill/>
-            </a:ln>
-          </p:spPr>
-        </p:sp>
-        <p:sp>
-          <p:nvSpPr>
-            <p:cNvPr id="11" name="Oval 5">
-              <a:extLst>
-                <a:ext uri="{FF2B5EF4-FFF2-40B4-BE49-F238E27FC236}">
-                  <a16:creationId xmlns:a16="http://schemas.microsoft.com/office/drawing/2014/main" id="{C8B8394C-136F-4E05-A002-D93A5E79CD50}"/>
-                </a:ext>
-              </a:extLst>
-            </p:cNvPr>
-            <p:cNvSpPr>
-              <a:spLocks noChangeArrowheads="1"/>
-            </p:cNvSpPr>
-            <p:nvPr>
-              <p:extLst>
-                <p:ext uri="{386F3935-93C4-4BCD-93E2-E3B085C9AB24}">
-                  <p16:designElem xmlns:p16="http://schemas.microsoft.com/office/powerpoint/2015/main" val="1"/>
-                </p:ext>
-              </p:extLst>
-            </p:nvPr>
-          </p:nvSpPr>
-          <p:spPr bwMode="auto">
-            <a:xfrm>
-              <a:off x="3165348" y="498348"/>
-              <a:ext cx="5861304" cy="5861304"/>
-            </a:xfrm>
-            <a:prstGeom prst="ellipse">
-              <a:avLst/>
-            </a:prstGeom>
-            <a:solidFill>
-              <a:schemeClr val="accent1">
-                <a:alpha val="70000"/>
-              </a:schemeClr>
-            </a:solidFill>
-            <a:ln>
-              <a:noFill/>
-            </a:ln>
-          </p:spPr>
-        </p:sp>
-      </p:grpSp>
-      <p:sp>
-        <p:nvSpPr>
-          <p:cNvPr id="13" name="Rectangle 12" title="ribbon">
-            <a:extLst>
-              <a:ext uri="{FF2B5EF4-FFF2-40B4-BE49-F238E27FC236}">
-                <a16:creationId xmlns:a16="http://schemas.microsoft.com/office/drawing/2014/main" id="{053FB2EE-284F-4C87-AB3D-BBF87A9FAB97}"/>
-              </a:ext>
-            </a:extLst>
-          </p:cNvPr>
-          <p:cNvSpPr>
-            <a:spLocks noGrp="1" noRot="1" noChangeAspect="1" noMove="1" noResize="1" noEditPoints="1" noAdjustHandles="1" noChangeArrowheads="1" noChangeShapeType="1" noTextEdit="1"/>
-          </p:cNvSpPr>
-          <p:nvPr>
-            <p:extLst>
-              <p:ext uri="{386F3935-93C4-4BCD-93E2-E3B085C9AB24}">
-                <p16:designElem xmlns:p16="http://schemas.microsoft.com/office/powerpoint/2015/main" val="1"/>
-              </p:ext>
-            </p:extLst>
-          </p:nvPr>
-        </p:nvSpPr>
-        <p:spPr>
-          <a:xfrm>
-            <a:off x="0" y="2514600"/>
-            <a:ext cx="12192000" cy="1828800"/>
-          </a:xfrm>
-          <a:prstGeom prst="rect">
-            <a:avLst/>
-          </a:prstGeom>
-          <a:solidFill>
-            <a:schemeClr val="tx2"/>
-          </a:solidFill>
-          <a:ln>
-            <a:noFill/>
-          </a:ln>
-        </p:spPr>
-        <p:style>
-          <a:lnRef idx="2">
-            <a:schemeClr val="accent1">
-              <a:shade val="50000"/>
-            </a:schemeClr>
-          </a:lnRef>
-          <a:fillRef idx="1">
-            <a:schemeClr val="accent1"/>
-          </a:fillRef>
-          <a:effectRef idx="0">
-            <a:schemeClr val="accent1"/>
-          </a:effectRef>
-          <a:fontRef idx="minor">
-            <a:schemeClr val="lt1"/>
-          </a:fontRef>
-        </p:style>
-      </p:sp>
-      <p:sp>
-        <p:nvSpPr>
-          <p:cNvPr id="2" name="Title 1">
-            <a:extLst>
-              <a:ext uri="{FF2B5EF4-FFF2-40B4-BE49-F238E27FC236}">
-                <a16:creationId xmlns:a16="http://schemas.microsoft.com/office/drawing/2014/main" id="{32E0A578-CE27-410A-8933-52A270F02582}"/>
-              </a:ext>
-            </a:extLst>
-          </p:cNvPr>
-          <p:cNvSpPr>
-            <a:spLocks noGrp="1"/>
-          </p:cNvSpPr>
-          <p:nvPr>
-            <p:ph type="ctrTitle"/>
-          </p:nvPr>
-        </p:nvSpPr>
-        <p:spPr>
-          <a:xfrm>
-            <a:off x="1524000" y="2776538"/>
-            <a:ext cx="9144000" cy="1381188"/>
-          </a:xfrm>
-        </p:spPr>
-        <p:txBody>
-          <a:bodyPr anchor="ctr">
-            <a:normAutofit/>
-          </a:bodyPr>
-          <a:lstStyle/>
-          <a:p>
-            <a:r>
-              <a:rPr lang="en-US" sz="4000" b="1" dirty="0">
-                <a:solidFill>
-                  <a:srgbClr val="0070C0"/>
-                </a:solidFill>
-              </a:rPr>
-              <a:t>Data Exploration</a:t>
-            </a:r>
-            <a:endParaRPr lang="en-US" sz="4000" dirty="0">
-              <a:solidFill>
-                <a:schemeClr val="bg2"/>
-              </a:solidFill>
-            </a:endParaRPr>
-          </a:p>
-        </p:txBody>
-      </p:sp>
-    </p:spTree>
-    <p:extLst>
-      <p:ext uri="{BB962C8B-B14F-4D97-AF65-F5344CB8AC3E}">
-        <p14:creationId xmlns:p14="http://schemas.microsoft.com/office/powerpoint/2010/main" val="661467052"/>
-      </p:ext>
-    </p:extLst>
-  </p:cSld>
-  <p:clrMapOvr>
-    <a:overrideClrMapping bg1="dk1" tx1="lt1" bg2="dk2" tx2="lt2" accent1="accent1" accent2="accent2" accent3="accent3" accent4="accent4" accent5="accent5" accent6="accent6" hlink="hlink" folHlink="folHlink"/>
-  </p:clrMapOvr>
-</p:sld>
-</file>
-
-<file path=ppt/slides/slide5.xml><?xml version="1.0" encoding="utf-8"?>
-<p:sld xmlns:a="http://schemas.openxmlformats.org/drawingml/2006/main" xmlns:r="http://schemas.openxmlformats.org/officeDocument/2006/relationships" xmlns:p="http://schemas.openxmlformats.org/presentationml/2006/main">
-  <p:cSld>
-    <p:bg>
-      <p:bgPr>
-        <a:solidFill>
-          <a:schemeClr val="bg1"/>
-        </a:solidFill>
-        <a:effectLst/>
-      </p:bgPr>
-    </p:bg>
-    <p:spTree>
-      <p:nvGrpSpPr>
-        <p:cNvPr id="1" name=""/>
-        <p:cNvGrpSpPr/>
-        <p:nvPr/>
-      </p:nvGrpSpPr>
-      <p:grpSpPr>
-        <a:xfrm>
-          <a:off x="0" y="0"/>
-          <a:ext cx="0" cy="0"/>
-          <a:chOff x="0" y="0"/>
-          <a:chExt cx="0" cy="0"/>
-        </a:xfrm>
-      </p:grpSpPr>
-      <p:sp>
-        <p:nvSpPr>
-          <p:cNvPr id="2" name="Title 1">
-            <a:extLst>
-              <a:ext uri="{FF2B5EF4-FFF2-40B4-BE49-F238E27FC236}">
-                <a16:creationId xmlns:a16="http://schemas.microsoft.com/office/drawing/2014/main" id="{D6CDCB73-8593-4074-886F-EDED4E788813}"/>
-              </a:ext>
-            </a:extLst>
-          </p:cNvPr>
-          <p:cNvSpPr>
-            <a:spLocks noGrp="1"/>
-          </p:cNvSpPr>
-          <p:nvPr>
-            <p:ph type="title"/>
-          </p:nvPr>
-        </p:nvSpPr>
-        <p:spPr>
-          <a:xfrm>
-            <a:off x="965200" y="643467"/>
-            <a:ext cx="9260467" cy="1542843"/>
-          </a:xfrm>
-        </p:spPr>
-        <p:txBody>
-          <a:bodyPr vert="horz" lIns="91440" tIns="45720" rIns="91440" bIns="45720" rtlCol="0" anchor="ctr">
-            <a:normAutofit/>
-          </a:bodyPr>
-          <a:lstStyle/>
-          <a:p>
-            <a:r>
-              <a:rPr lang="en-US" sz="3200" b="1" dirty="0">
-                <a:solidFill>
-                  <a:srgbClr val="0070C0"/>
-                </a:solidFill>
-              </a:rPr>
-              <a:t>What factors do we believe to influence house prices?</a:t>
-            </a:r>
-            <a:br>
-              <a:rPr lang="en-US" sz="3200" b="1" dirty="0">
-                <a:solidFill>
-                  <a:srgbClr val="0070C0"/>
-                </a:solidFill>
-              </a:rPr>
-            </a:br>
-            <a:endParaRPr lang="en-US" sz="3200" b="1" u="sng" dirty="0">
-              <a:solidFill>
-                <a:srgbClr val="0070C0"/>
-              </a:solidFill>
-            </a:endParaRPr>
-          </a:p>
-        </p:txBody>
-      </p:sp>
-      <p:sp>
-        <p:nvSpPr>
-          <p:cNvPr id="4" name="TextBox 3">
-            <a:extLst>
-              <a:ext uri="{FF2B5EF4-FFF2-40B4-BE49-F238E27FC236}">
-                <a16:creationId xmlns:a16="http://schemas.microsoft.com/office/drawing/2014/main" id="{CC0F3D11-B31A-4DEE-BB5C-830CF453B203}"/>
-              </a:ext>
-            </a:extLst>
-          </p:cNvPr>
-          <p:cNvSpPr txBox="1"/>
-          <p:nvPr/>
-        </p:nvSpPr>
-        <p:spPr>
-          <a:xfrm>
-            <a:off x="1295400" y="2633197"/>
-            <a:ext cx="10176933" cy="1477328"/>
-          </a:xfrm>
-          <a:prstGeom prst="rect">
-            <a:avLst/>
-          </a:prstGeom>
-          <a:noFill/>
-        </p:spPr>
-        <p:txBody>
-          <a:bodyPr wrap="square" rtlCol="0">
-            <a:spAutoFit/>
-          </a:bodyPr>
-          <a:lstStyle/>
-          <a:p>
-            <a:pPr marL="285750" indent="-285750">
-              <a:buFont typeface="Arial" panose="020B0604020202020204" pitchFamily="34" charset="0"/>
-              <a:buChar char="•"/>
-            </a:pPr>
-            <a:r>
-              <a:rPr lang="en-US" dirty="0"/>
-              <a:t>The dataset contains 1460 observations in the training set and 1459 observations in the test set. </a:t>
-            </a:r>
-          </a:p>
-          <a:p>
-            <a:pPr marL="285750" indent="-285750">
-              <a:buFont typeface="Arial" panose="020B0604020202020204" pitchFamily="34" charset="0"/>
-              <a:buChar char="•"/>
-            </a:pPr>
-            <a:r>
-              <a:rPr lang="en-US" dirty="0"/>
-              <a:t>There are 46 categorical variables including 23 nominal and 23 ordinal ones, and 33 numeric variables in the dataset. </a:t>
-            </a:r>
-          </a:p>
-          <a:p>
-            <a:pPr marL="285750" indent="-285750">
-              <a:buFont typeface="Arial" panose="020B0604020202020204" pitchFamily="34" charset="0"/>
-              <a:buChar char="•"/>
-            </a:pPr>
-            <a:r>
-              <a:rPr lang="en-US" dirty="0"/>
-              <a:t>The training set has the sale price as response while the test set doesn’t.</a:t>
-            </a:r>
-          </a:p>
-          <a:p>
-            <a:endParaRPr lang="en-US" dirty="0"/>
-          </a:p>
-        </p:txBody>
-      </p:sp>
-    </p:spTree>
-    <p:extLst>
-      <p:ext uri="{BB962C8B-B14F-4D97-AF65-F5344CB8AC3E}">
-        <p14:creationId xmlns:p14="http://schemas.microsoft.com/office/powerpoint/2010/main" val="2092906711"/>
-      </p:ext>
-    </p:extLst>
-  </p:cSld>
-  <p:clrMapOvr>
-    <a:masterClrMapping/>
-  </p:clrMapOvr>
-</p:sld>
-</file>
-
-<file path=ppt/slides/slide6.xml><?xml version="1.0" encoding="utf-8"?>
-<p:sld xmlns:a="http://schemas.openxmlformats.org/drawingml/2006/main" xmlns:r="http://schemas.openxmlformats.org/officeDocument/2006/relationships" xmlns:p="http://schemas.openxmlformats.org/presentationml/2006/main">
-  <p:cSld>
-    <p:spTree>
-      <p:nvGrpSpPr>
-        <p:cNvPr id="1" name=""/>
-        <p:cNvGrpSpPr/>
-        <p:nvPr/>
-      </p:nvGrpSpPr>
-      <p:grpSpPr>
-        <a:xfrm>
-          <a:off x="0" y="0"/>
-          <a:ext cx="0" cy="0"/>
-          <a:chOff x="0" y="0"/>
-          <a:chExt cx="0" cy="0"/>
-        </a:xfrm>
-      </p:grpSpPr>
-      <p:sp>
-        <p:nvSpPr>
-          <p:cNvPr id="2" name="Title 1">
-            <a:extLst>
-              <a:ext uri="{FF2B5EF4-FFF2-40B4-BE49-F238E27FC236}">
-                <a16:creationId xmlns:a16="http://schemas.microsoft.com/office/drawing/2014/main" id="{94D1C4B0-CD8D-4273-AE80-7755E21858BF}"/>
-              </a:ext>
-            </a:extLst>
-          </p:cNvPr>
-          <p:cNvSpPr>
-            <a:spLocks noGrp="1"/>
-          </p:cNvSpPr>
-          <p:nvPr>
-            <p:ph type="title"/>
-          </p:nvPr>
-        </p:nvSpPr>
-        <p:spPr>
-          <a:xfrm>
-            <a:off x="139700" y="136525"/>
-            <a:ext cx="8788400" cy="511175"/>
-          </a:xfrm>
-        </p:spPr>
-        <p:txBody>
-          <a:bodyPr>
-            <a:normAutofit/>
-          </a:bodyPr>
-          <a:lstStyle/>
-          <a:p>
-            <a:r>
-              <a:rPr lang="en-US" sz="2800" b="1" dirty="0">
-                <a:solidFill>
-                  <a:srgbClr val="0070C0"/>
-                </a:solidFill>
-              </a:rPr>
-              <a:t>Univariate Analysis</a:t>
-            </a:r>
-          </a:p>
-        </p:txBody>
-      </p:sp>
-      <p:pic>
-        <p:nvPicPr>
-          <p:cNvPr id="5" name="Content Placeholder 4" descr="A train window with a large screen&#10;&#10;Description generated with high confidence">
-            <a:extLst>
-              <a:ext uri="{FF2B5EF4-FFF2-40B4-BE49-F238E27FC236}">
-                <a16:creationId xmlns:a16="http://schemas.microsoft.com/office/drawing/2014/main" id="{EDBBBAFC-B99B-4564-924E-2545FB4166E9}"/>
-              </a:ext>
-            </a:extLst>
-          </p:cNvPr>
-          <p:cNvPicPr>
-            <a:picLocks noGrp="1" noChangeAspect="1"/>
-          </p:cNvPicPr>
-          <p:nvPr>
-            <p:ph idx="1"/>
-          </p:nvPr>
-        </p:nvPicPr>
-        <p:blipFill>
-          <a:blip r:embed="rId2">
-            <a:extLst>
-              <a:ext uri="{28A0092B-C50C-407E-A947-70E740481C1C}">
-                <a14:useLocalDpi xmlns:a14="http://schemas.microsoft.com/office/drawing/2010/main" val="0"/>
-              </a:ext>
-            </a:extLst>
-          </a:blip>
-          <a:stretch>
-            <a:fillRect/>
-          </a:stretch>
-        </p:blipFill>
-        <p:spPr>
-          <a:xfrm>
-            <a:off x="1875563" y="723900"/>
-            <a:ext cx="7640773" cy="5619750"/>
-          </a:xfrm>
-        </p:spPr>
-      </p:pic>
-    </p:spTree>
-    <p:extLst>
-      <p:ext uri="{BB962C8B-B14F-4D97-AF65-F5344CB8AC3E}">
-        <p14:creationId xmlns:p14="http://schemas.microsoft.com/office/powerpoint/2010/main" val="2882788402"/>
-      </p:ext>
-    </p:extLst>
-  </p:cSld>
-  <p:clrMapOvr>
-    <a:masterClrMapping/>
-  </p:clrMapOvr>
-</p:sld>
-</file>
-
-<file path=ppt/slides/slide7.xml><?xml version="1.0" encoding="utf-8"?>
-<p:sld xmlns:a="http://schemas.openxmlformats.org/drawingml/2006/main" xmlns:r="http://schemas.openxmlformats.org/officeDocument/2006/relationships" xmlns:p="http://schemas.openxmlformats.org/presentationml/2006/main" showMasterSp="0">
-  <p:cSld>
-    <p:bg>
-      <p:bgPr>
-        <a:solidFill>
-          <a:schemeClr val="bg1"/>
-        </a:solidFill>
-        <a:effectLst/>
-      </p:bgPr>
-    </p:bg>
-    <p:spTree>
-      <p:nvGrpSpPr>
-        <p:cNvPr id="1" name=""/>
-        <p:cNvGrpSpPr/>
-        <p:nvPr/>
-      </p:nvGrpSpPr>
-      <p:grpSpPr>
-        <a:xfrm>
-          <a:off x="0" y="0"/>
-          <a:ext cx="0" cy="0"/>
-          <a:chOff x="0" y="0"/>
-          <a:chExt cx="0" cy="0"/>
-        </a:xfrm>
-      </p:grpSpPr>
-      <p:sp>
-        <p:nvSpPr>
-          <p:cNvPr id="88" name="Rectangle 83">
-            <a:extLst>
-              <a:ext uri="{FF2B5EF4-FFF2-40B4-BE49-F238E27FC236}">
-                <a16:creationId xmlns:a16="http://schemas.microsoft.com/office/drawing/2014/main" id="{EC12C61A-9558-4DE5-AFDB-898358AFB4CA}"/>
-              </a:ext>
-            </a:extLst>
-          </p:cNvPr>
-          <p:cNvSpPr>
-            <a:spLocks noGrp="1" noRot="1" noChangeAspect="1" noMove="1" noResize="1" noEditPoints="1" noAdjustHandles="1" noChangeArrowheads="1" noChangeShapeType="1" noTextEdit="1"/>
-          </p:cNvSpPr>
-          <p:nvPr>
-            <p:extLst>
-              <p:ext uri="{386F3935-93C4-4BCD-93E2-E3B085C9AB24}">
-                <p16:designElem xmlns:p16="http://schemas.microsoft.com/office/powerpoint/2015/main" val="1"/>
-              </p:ext>
-            </p:extLst>
-          </p:nvPr>
-        </p:nvSpPr>
-        <p:spPr bwMode="ltGray">
-          <a:xfrm>
-            <a:off x="336883" y="321176"/>
-            <a:ext cx="7174247" cy="5896743"/>
-          </a:xfrm>
-          <a:prstGeom prst="rect">
-            <a:avLst/>
-          </a:prstGeom>
-          <a:solidFill>
-            <a:schemeClr val="tx1">
-              <a:alpha val="15000"/>
-            </a:schemeClr>
-          </a:solidFill>
-          <a:ln w="127000" cap="sq" cmpd="thinThick">
-            <a:solidFill>
-              <a:schemeClr val="tx1">
-                <a:alpha val="10000"/>
-              </a:schemeClr>
-            </a:solidFill>
-          </a:ln>
-        </p:spPr>
-        <p:style>
-          <a:lnRef idx="2">
-            <a:schemeClr val="accent1">
-              <a:shade val="50000"/>
-            </a:schemeClr>
-          </a:lnRef>
-          <a:fillRef idx="1">
-            <a:schemeClr val="accent1"/>
-          </a:fillRef>
-          <a:effectRef idx="0">
-            <a:schemeClr val="accent1"/>
-          </a:effectRef>
-          <a:fontRef idx="minor">
-            <a:schemeClr val="lt1"/>
-          </a:fontRef>
-        </p:style>
-        <p:txBody>
-          <a:bodyPr rtlCol="0" anchor="ctr"/>
-          <a:lstStyle/>
-          <a:p>
-            <a:pPr algn="ctr"/>
-            <a:endParaRPr lang="en-US"/>
-          </a:p>
-        </p:txBody>
-      </p:sp>
-      <p:pic>
-        <p:nvPicPr>
-          <p:cNvPr id="89" name="Content Placeholder 11">
-            <a:extLst>
-              <a:ext uri="{FF2B5EF4-FFF2-40B4-BE49-F238E27FC236}">
-                <a16:creationId xmlns:a16="http://schemas.microsoft.com/office/drawing/2014/main" id="{80B08409-AFCA-4FBA-99D6-B1534164B404}"/>
-              </a:ext>
-            </a:extLst>
-          </p:cNvPr>
-          <p:cNvPicPr>
-            <a:picLocks noChangeAspect="1"/>
-          </p:cNvPicPr>
-          <p:nvPr/>
-        </p:nvPicPr>
-        <p:blipFill rotWithShape="1">
-          <a:blip r:embed="rId2">
-            <a:extLst>
-              <a:ext uri="{28A0092B-C50C-407E-A947-70E740481C1C}">
-                <a14:useLocalDpi xmlns:a14="http://schemas.microsoft.com/office/drawing/2010/main" val="0"/>
-              </a:ext>
-            </a:extLst>
-          </a:blip>
-          <a:srcRect t="23361" r="-9" b="-9"/>
-          <a:stretch/>
-        </p:blipFill>
-        <p:spPr>
-          <a:xfrm>
-            <a:off x="7829551" y="2330867"/>
-            <a:ext cx="4042410" cy="1863093"/>
-          </a:xfrm>
-          <a:prstGeom prst="rect">
-            <a:avLst/>
-          </a:prstGeom>
-        </p:spPr>
-      </p:pic>
-      <p:pic>
-        <p:nvPicPr>
-          <p:cNvPr id="14" name="Picture 13" descr="A close up of text on a white background&#10;&#10;Description generated with high confidence">
-            <a:extLst>
-              <a:ext uri="{FF2B5EF4-FFF2-40B4-BE49-F238E27FC236}">
-                <a16:creationId xmlns:a16="http://schemas.microsoft.com/office/drawing/2014/main" id="{1BB2A90C-877B-442D-A6FA-21612C428421}"/>
-              </a:ext>
-            </a:extLst>
-          </p:cNvPr>
-          <p:cNvPicPr>
-            <a:picLocks noChangeAspect="1"/>
-          </p:cNvPicPr>
-          <p:nvPr/>
-        </p:nvPicPr>
-        <p:blipFill rotWithShape="1">
-          <a:blip r:embed="rId3">
-            <a:extLst>
-              <a:ext uri="{28A0092B-C50C-407E-A947-70E740481C1C}">
-                <a14:useLocalDpi xmlns:a14="http://schemas.microsoft.com/office/drawing/2010/main" val="0"/>
-              </a:ext>
-            </a:extLst>
-          </a:blip>
-          <a:srcRect t="23361" r="-9" b="-9"/>
-          <a:stretch/>
-        </p:blipFill>
-        <p:spPr>
-          <a:xfrm>
-            <a:off x="7829551" y="306909"/>
-            <a:ext cx="4042409" cy="1863093"/>
-          </a:xfrm>
-          <a:prstGeom prst="rect">
-            <a:avLst/>
-          </a:prstGeom>
-        </p:spPr>
-      </p:pic>
-      <p:sp>
-        <p:nvSpPr>
-          <p:cNvPr id="2" name="Title 1">
-            <a:extLst>
-              <a:ext uri="{FF2B5EF4-FFF2-40B4-BE49-F238E27FC236}">
-                <a16:creationId xmlns:a16="http://schemas.microsoft.com/office/drawing/2014/main" id="{BD38A6AD-BF75-4389-9A42-7300E6B473AD}"/>
-              </a:ext>
-            </a:extLst>
-          </p:cNvPr>
-          <p:cNvSpPr>
-            <a:spLocks noGrp="1"/>
-          </p:cNvSpPr>
-          <p:nvPr>
-            <p:ph type="title"/>
-          </p:nvPr>
-        </p:nvSpPr>
-        <p:spPr>
-          <a:xfrm>
-            <a:off x="660400" y="419101"/>
-            <a:ext cx="6714066" cy="457200"/>
-          </a:xfrm>
-          <a:solidFill>
-            <a:schemeClr val="bg1"/>
-          </a:solidFill>
-        </p:spPr>
-        <p:txBody>
-          <a:bodyPr vert="horz" lIns="91440" tIns="45720" rIns="91440" bIns="45720" rtlCol="0" anchor="ctr">
-            <a:normAutofit/>
-          </a:bodyPr>
-          <a:lstStyle/>
-          <a:p>
-            <a:r>
-              <a:rPr lang="en-US" sz="2000" b="1" kern="1200" dirty="0">
-                <a:solidFill>
-                  <a:schemeClr val="tx1"/>
-                </a:solidFill>
-                <a:latin typeface="+mj-lt"/>
-                <a:ea typeface="+mj-ea"/>
-                <a:cs typeface="+mj-cs"/>
-              </a:rPr>
-              <a:t>Price Dispersion</a:t>
-            </a:r>
-          </a:p>
-        </p:txBody>
-      </p:sp>
-      <p:pic>
-        <p:nvPicPr>
-          <p:cNvPr id="17" name="Content Placeholder 16">
-            <a:extLst>
-              <a:ext uri="{FF2B5EF4-FFF2-40B4-BE49-F238E27FC236}">
-                <a16:creationId xmlns:a16="http://schemas.microsoft.com/office/drawing/2014/main" id="{5A4A2791-9B07-41F3-9C9C-0275AA503C23}"/>
-              </a:ext>
-            </a:extLst>
-          </p:cNvPr>
-          <p:cNvPicPr>
-            <a:picLocks noGrp="1" noChangeAspect="1"/>
-          </p:cNvPicPr>
-          <p:nvPr>
-            <p:ph sz="half" idx="1"/>
-          </p:nvPr>
-        </p:nvPicPr>
-        <p:blipFill>
-          <a:blip r:embed="rId4">
-            <a:extLst>
-              <a:ext uri="{28A0092B-C50C-407E-A947-70E740481C1C}">
-                <a14:useLocalDpi xmlns:a14="http://schemas.microsoft.com/office/drawing/2010/main" val="0"/>
-              </a:ext>
-            </a:extLst>
-          </a:blip>
-          <a:stretch>
-            <a:fillRect/>
-          </a:stretch>
-        </p:blipFill>
-        <p:spPr>
-          <a:xfrm>
-            <a:off x="660400" y="2330867"/>
-            <a:ext cx="6714066" cy="3625850"/>
-          </a:xfrm>
-        </p:spPr>
-      </p:pic>
-      <p:sp>
-        <p:nvSpPr>
-          <p:cNvPr id="4" name="TextBox 3">
-            <a:extLst>
-              <a:ext uri="{FF2B5EF4-FFF2-40B4-BE49-F238E27FC236}">
-                <a16:creationId xmlns:a16="http://schemas.microsoft.com/office/drawing/2014/main" id="{D780868B-98DB-4B1C-972B-1B62261E4905}"/>
-              </a:ext>
-            </a:extLst>
-          </p:cNvPr>
-          <p:cNvSpPr txBox="1"/>
-          <p:nvPr/>
-        </p:nvSpPr>
-        <p:spPr>
-          <a:xfrm>
-            <a:off x="660400" y="933450"/>
-            <a:ext cx="6714066" cy="1200329"/>
-          </a:xfrm>
-          <a:prstGeom prst="rect">
-            <a:avLst/>
-          </a:prstGeom>
-          <a:solidFill>
-            <a:schemeClr val="bg1"/>
-          </a:solidFill>
-        </p:spPr>
-        <p:txBody>
-          <a:bodyPr wrap="square" rtlCol="0">
-            <a:spAutoFit/>
-          </a:bodyPr>
-          <a:lstStyle/>
-          <a:p>
-            <a:r>
-              <a:rPr lang="en-US" dirty="0"/>
-              <a:t>They show consistency with our common sense that neighborhood, zoning, house quality and facility might distinguish the house value.</a:t>
-            </a:r>
-          </a:p>
-          <a:p>
-            <a:endParaRPr lang="en-US" dirty="0"/>
-          </a:p>
-          <a:p>
-            <a:endParaRPr lang="en-US" dirty="0"/>
-          </a:p>
-        </p:txBody>
-      </p:sp>
-      <p:pic>
-        <p:nvPicPr>
-          <p:cNvPr id="6" name="Picture 5">
-            <a:extLst>
-              <a:ext uri="{FF2B5EF4-FFF2-40B4-BE49-F238E27FC236}">
-                <a16:creationId xmlns:a16="http://schemas.microsoft.com/office/drawing/2014/main" id="{08A2B321-BA8C-4A4B-91AA-BB56FF898896}"/>
-              </a:ext>
-            </a:extLst>
-          </p:cNvPr>
-          <p:cNvPicPr>
-            <a:picLocks noChangeAspect="1"/>
-          </p:cNvPicPr>
-          <p:nvPr/>
-        </p:nvPicPr>
-        <p:blipFill>
-          <a:blip r:embed="rId5">
-            <a:extLst>
-              <a:ext uri="{28A0092B-C50C-407E-A947-70E740481C1C}">
-                <a14:useLocalDpi xmlns:a14="http://schemas.microsoft.com/office/drawing/2010/main" val="0"/>
-              </a:ext>
-            </a:extLst>
-          </a:blip>
-          <a:stretch>
-            <a:fillRect/>
-          </a:stretch>
-        </p:blipFill>
-        <p:spPr>
-          <a:xfrm>
-            <a:off x="7829550" y="4298950"/>
-            <a:ext cx="4042409" cy="2330867"/>
-          </a:xfrm>
-          <a:prstGeom prst="rect">
-            <a:avLst/>
-          </a:prstGeom>
-        </p:spPr>
-      </p:pic>
-    </p:spTree>
-    <p:extLst>
-      <p:ext uri="{BB962C8B-B14F-4D97-AF65-F5344CB8AC3E}">
-        <p14:creationId xmlns:p14="http://schemas.microsoft.com/office/powerpoint/2010/main" val="4143015358"/>
-      </p:ext>
-    </p:extLst>
-  </p:cSld>
-  <p:clrMapOvr>
-    <a:masterClrMapping/>
-  </p:clrMapOvr>
-</p:sld>
-</file>
-
-<file path=ppt/slides/slide8.xml><?xml version="1.0" encoding="utf-8"?>
-<p:sld xmlns:a="http://schemas.openxmlformats.org/drawingml/2006/main" xmlns:r="http://schemas.openxmlformats.org/officeDocument/2006/relationships" xmlns:p="http://schemas.openxmlformats.org/presentationml/2006/main">
-  <p:cSld>
-    <p:spTree>
-      <p:nvGrpSpPr>
-        <p:cNvPr id="1" name=""/>
-        <p:cNvGrpSpPr/>
-        <p:nvPr/>
-      </p:nvGrpSpPr>
-      <p:grpSpPr>
-        <a:xfrm>
-          <a:off x="0" y="0"/>
-          <a:ext cx="0" cy="0"/>
-          <a:chOff x="0" y="0"/>
-          <a:chExt cx="0" cy="0"/>
-        </a:xfrm>
-      </p:grpSpPr>
-      <p:sp>
-        <p:nvSpPr>
-          <p:cNvPr id="2" name="Title 1">
-            <a:extLst>
-              <a:ext uri="{FF2B5EF4-FFF2-40B4-BE49-F238E27FC236}">
-                <a16:creationId xmlns:a16="http://schemas.microsoft.com/office/drawing/2014/main" id="{A5844E39-6986-4FAA-9021-9EE41299F672}"/>
-              </a:ext>
-            </a:extLst>
-          </p:cNvPr>
-          <p:cNvSpPr>
-            <a:spLocks noGrp="1"/>
-          </p:cNvSpPr>
-          <p:nvPr>
-            <p:ph type="title"/>
-          </p:nvPr>
-        </p:nvSpPr>
-        <p:spPr>
-          <a:xfrm>
-            <a:off x="838200" y="365125"/>
-            <a:ext cx="10515600" cy="432397"/>
-          </a:xfrm>
-        </p:spPr>
-        <p:txBody>
-          <a:bodyPr>
-            <a:noAutofit/>
-          </a:bodyPr>
-          <a:lstStyle/>
-          <a:p>
-            <a:r>
-              <a:rPr lang="en-US" sz="3200" b="1" dirty="0">
-                <a:solidFill>
-                  <a:srgbClr val="0070C0"/>
-                </a:solidFill>
-              </a:rPr>
-              <a:t>Overall Quality &amp; Garage</a:t>
-            </a:r>
-          </a:p>
-        </p:txBody>
-      </p:sp>
-      <p:pic>
-        <p:nvPicPr>
-          <p:cNvPr id="6" name="Content Placeholder 5" descr="A screenshot of a cell phone&#10;&#10;Description generated with high confidence">
-            <a:extLst>
-              <a:ext uri="{FF2B5EF4-FFF2-40B4-BE49-F238E27FC236}">
-                <a16:creationId xmlns:a16="http://schemas.microsoft.com/office/drawing/2014/main" id="{1690824A-2836-43E3-BDBB-69560B6F04E1}"/>
-              </a:ext>
-            </a:extLst>
-          </p:cNvPr>
-          <p:cNvPicPr>
-            <a:picLocks noGrp="1" noChangeAspect="1"/>
-          </p:cNvPicPr>
-          <p:nvPr>
-            <p:ph sz="half" idx="1"/>
-          </p:nvPr>
-        </p:nvPicPr>
-        <p:blipFill>
-          <a:blip r:embed="rId2">
-            <a:extLst>
-              <a:ext uri="{28A0092B-C50C-407E-A947-70E740481C1C}">
-                <a14:useLocalDpi xmlns:a14="http://schemas.microsoft.com/office/drawing/2010/main" val="0"/>
-              </a:ext>
-            </a:extLst>
-          </a:blip>
-          <a:stretch>
-            <a:fillRect/>
-          </a:stretch>
-        </p:blipFill>
-        <p:spPr>
-          <a:xfrm>
-            <a:off x="335757" y="1382751"/>
-            <a:ext cx="5684043" cy="4995746"/>
-          </a:xfrm>
-        </p:spPr>
-      </p:pic>
-      <p:pic>
-        <p:nvPicPr>
-          <p:cNvPr id="8" name="Content Placeholder 7" descr="A screenshot of a cell phone&#10;&#10;Description generated with high confidence">
-            <a:extLst>
-              <a:ext uri="{FF2B5EF4-FFF2-40B4-BE49-F238E27FC236}">
-                <a16:creationId xmlns:a16="http://schemas.microsoft.com/office/drawing/2014/main" id="{6DD977E3-4D56-42A8-BDE4-A51C6EC5EEB5}"/>
-              </a:ext>
-            </a:extLst>
-          </p:cNvPr>
-          <p:cNvPicPr>
-            <a:picLocks noGrp="1" noChangeAspect="1"/>
-          </p:cNvPicPr>
-          <p:nvPr>
-            <p:ph sz="half" idx="2"/>
-          </p:nvPr>
-        </p:nvPicPr>
-        <p:blipFill>
-          <a:blip r:embed="rId3">
-            <a:extLst>
-              <a:ext uri="{28A0092B-C50C-407E-A947-70E740481C1C}">
-                <a14:useLocalDpi xmlns:a14="http://schemas.microsoft.com/office/drawing/2010/main" val="0"/>
-              </a:ext>
-            </a:extLst>
-          </a:blip>
-          <a:stretch>
-            <a:fillRect/>
-          </a:stretch>
-        </p:blipFill>
-        <p:spPr>
-          <a:xfrm>
-            <a:off x="5905500" y="1278054"/>
-            <a:ext cx="5448300" cy="4995746"/>
-          </a:xfrm>
-        </p:spPr>
-      </p:pic>
-    </p:spTree>
-    <p:extLst>
-      <p:ext uri="{BB962C8B-B14F-4D97-AF65-F5344CB8AC3E}">
-        <p14:creationId xmlns:p14="http://schemas.microsoft.com/office/powerpoint/2010/main" val="128635208"/>
-      </p:ext>
-    </p:extLst>
-  </p:cSld>
-  <p:clrMapOvr>
-    <a:masterClrMapping/>
-  </p:clrMapOvr>
-</p:sld>
-</file>
-
-<file path=ppt/slides/slide9.xml><?xml version="1.0" encoding="utf-8"?>
-<p:sld xmlns:a="http://schemas.openxmlformats.org/drawingml/2006/main" xmlns:r="http://schemas.openxmlformats.org/officeDocument/2006/relationships" xmlns:p="http://schemas.openxmlformats.org/presentationml/2006/main">
-  <p:cSld>
-    <p:bg>
-      <p:bgPr>
-        <a:solidFill>
-          <a:schemeClr val="bg1"/>
-        </a:solidFill>
-        <a:effectLst/>
-      </p:bgPr>
-    </p:bg>
-    <p:spTree>
-      <p:nvGrpSpPr>
-        <p:cNvPr id="1" name=""/>
-        <p:cNvGrpSpPr/>
-        <p:nvPr/>
-      </p:nvGrpSpPr>
-      <p:grpSpPr>
-        <a:xfrm>
-          <a:off x="0" y="0"/>
-          <a:ext cx="0" cy="0"/>
-          <a:chOff x="0" y="0"/>
-          <a:chExt cx="0" cy="0"/>
-        </a:xfrm>
-      </p:grpSpPr>
-      <p:sp>
-        <p:nvSpPr>
-          <p:cNvPr id="12" name="Rectangle 14">
-            <a:extLst>
-              <a:ext uri="{FF2B5EF4-FFF2-40B4-BE49-F238E27FC236}">
-                <a16:creationId xmlns:a16="http://schemas.microsoft.com/office/drawing/2014/main" id="{DAE885FA-583E-488C-A3B2-2647B84A8162}"/>
-              </a:ext>
-            </a:extLst>
-          </p:cNvPr>
-          <p:cNvSpPr>
-            <a:spLocks noGrp="1" noRot="1" noChangeAspect="1" noMove="1" noResize="1" noEditPoints="1" noAdjustHandles="1" noChangeArrowheads="1" noChangeShapeType="1" noTextEdit="1"/>
-          </p:cNvSpPr>
-          <p:nvPr>
-            <p:extLst>
-              <p:ext uri="{386F3935-93C4-4BCD-93E2-E3B085C9AB24}">
-                <p16:designElem xmlns:p16="http://schemas.microsoft.com/office/powerpoint/2015/main" val="1"/>
-              </p:ext>
-            </p:extLst>
-          </p:nvPr>
-        </p:nvSpPr>
-        <p:spPr>
-          <a:xfrm>
-            <a:off x="0" y="0"/>
-            <a:ext cx="12192000" cy="4572000"/>
-          </a:xfrm>
-          <a:prstGeom prst="rect">
-            <a:avLst/>
-          </a:prstGeom>
-          <a:solidFill>
-            <a:schemeClr val="bg2"/>
-          </a:solidFill>
-          <a:ln>
-            <a:noFill/>
-          </a:ln>
-        </p:spPr>
-        <p:style>
-          <a:lnRef idx="1">
-            <a:schemeClr val="accent1"/>
-          </a:lnRef>
-          <a:fillRef idx="3">
-            <a:schemeClr val="accent1"/>
-          </a:fillRef>
-          <a:effectRef idx="2">
-            <a:schemeClr val="accent1"/>
-          </a:effectRef>
-          <a:fontRef idx="minor">
-            <a:schemeClr val="lt1"/>
-          </a:fontRef>
-        </p:style>
-        <p:txBody>
-          <a:bodyPr rtlCol="0" anchor="ctr"/>
-          <a:lstStyle/>
-          <a:p>
-            <a:pPr algn="ctr"/>
-            <a:endParaRPr lang="en-US"/>
-          </a:p>
-        </p:txBody>
-      </p:sp>
-      <p:sp>
-        <p:nvSpPr>
-          <p:cNvPr id="13" name="Rounded Rectangle 26">
-            <a:extLst>
-              <a:ext uri="{FF2B5EF4-FFF2-40B4-BE49-F238E27FC236}">
-                <a16:creationId xmlns:a16="http://schemas.microsoft.com/office/drawing/2014/main" id="{87B1CEC7-C2CE-4440-A0F7-0BE6B3AADB72}"/>
-              </a:ext>
-            </a:extLst>
-          </p:cNvPr>
-          <p:cNvSpPr>
-            <a:spLocks noGrp="1" noRot="1" noChangeAspect="1" noMove="1" noResize="1" noEditPoints="1" noAdjustHandles="1" noChangeArrowheads="1" noChangeShapeType="1" noTextEdit="1"/>
-          </p:cNvSpPr>
-          <p:nvPr>
-            <p:extLst>
-              <p:ext uri="{386F3935-93C4-4BCD-93E2-E3B085C9AB24}">
-                <p16:designElem xmlns:p16="http://schemas.microsoft.com/office/powerpoint/2015/main" val="1"/>
-              </p:ext>
-            </p:extLst>
-          </p:nvPr>
-        </p:nvSpPr>
-        <p:spPr>
-          <a:xfrm>
-            <a:off x="321564" y="320843"/>
-            <a:ext cx="5613569" cy="3930315"/>
-          </a:xfrm>
-          <a:prstGeom prst="roundRect">
-            <a:avLst>
-              <a:gd name="adj" fmla="val 0"/>
-            </a:avLst>
-          </a:prstGeom>
-          <a:solidFill>
-            <a:srgbClr val="FFFFFF"/>
-          </a:solidFill>
-          <a:ln w="9525">
-            <a:solidFill>
-              <a:schemeClr val="bg2"/>
-            </a:solidFill>
-          </a:ln>
-          <a:effectLst>
-            <a:outerShdw blurRad="57150" dist="19050" dir="5400000" algn="t" rotWithShape="0">
-              <a:prstClr val="black">
-                <a:alpha val="63000"/>
-              </a:prstClr>
-            </a:outerShdw>
-          </a:effectLst>
-        </p:spPr>
-        <p:style>
-          <a:lnRef idx="2">
-            <a:schemeClr val="accent1">
-              <a:shade val="50000"/>
-            </a:schemeClr>
-          </a:lnRef>
-          <a:fillRef idx="1">
-            <a:schemeClr val="accent1"/>
-          </a:fillRef>
-          <a:effectRef idx="0">
-            <a:schemeClr val="accent1"/>
-          </a:effectRef>
-          <a:fontRef idx="minor">
-            <a:schemeClr val="lt1"/>
-          </a:fontRef>
-        </p:style>
-        <p:txBody>
-          <a:bodyPr rtlCol="0" anchor="ctr"/>
-          <a:lstStyle/>
-          <a:p>
-            <a:pPr algn="ctr"/>
-            <a:endParaRPr lang="en-US"/>
-          </a:p>
-        </p:txBody>
-      </p:sp>
-      <p:sp>
-        <p:nvSpPr>
-          <p:cNvPr id="14" name="Rounded Rectangle 16">
-            <a:extLst>
-              <a:ext uri="{FF2B5EF4-FFF2-40B4-BE49-F238E27FC236}">
-                <a16:creationId xmlns:a16="http://schemas.microsoft.com/office/drawing/2014/main" id="{7B0DBF0B-D7C2-4F15-94AE-315255824591}"/>
-              </a:ext>
-            </a:extLst>
-          </p:cNvPr>
-          <p:cNvSpPr>
-            <a:spLocks noGrp="1" noRot="1" noChangeAspect="1" noMove="1" noResize="1" noEditPoints="1" noAdjustHandles="1" noChangeArrowheads="1" noChangeShapeType="1" noTextEdit="1"/>
-          </p:cNvSpPr>
-          <p:nvPr>
-            <p:extLst>
-              <p:ext uri="{386F3935-93C4-4BCD-93E2-E3B085C9AB24}">
-                <p16:designElem xmlns:p16="http://schemas.microsoft.com/office/powerpoint/2015/main" val="1"/>
-              </p:ext>
-            </p:extLst>
-          </p:nvPr>
-        </p:nvSpPr>
-        <p:spPr>
-          <a:xfrm>
-            <a:off x="6254749" y="320843"/>
-            <a:ext cx="5613569" cy="3930315"/>
-          </a:xfrm>
-          <a:prstGeom prst="roundRect">
-            <a:avLst>
-              <a:gd name="adj" fmla="val 0"/>
-            </a:avLst>
-          </a:prstGeom>
-          <a:solidFill>
-            <a:srgbClr val="FFFFFF"/>
-          </a:solidFill>
-          <a:ln w="9525">
-            <a:solidFill>
-              <a:schemeClr val="bg2"/>
-            </a:solidFill>
-          </a:ln>
-          <a:effectLst>
-            <a:outerShdw blurRad="57150" dist="19050" dir="5400000" algn="t" rotWithShape="0">
-              <a:prstClr val="black">
-                <a:alpha val="63000"/>
-              </a:prstClr>
-            </a:outerShdw>
-          </a:effectLst>
-        </p:spPr>
-        <p:style>
-          <a:lnRef idx="2">
-            <a:schemeClr val="accent1">
-              <a:shade val="50000"/>
-            </a:schemeClr>
-          </a:lnRef>
-          <a:fillRef idx="1">
-            <a:schemeClr val="accent1"/>
-          </a:fillRef>
-          <a:effectRef idx="0">
-            <a:schemeClr val="accent1"/>
-          </a:effectRef>
-          <a:fontRef idx="minor">
-            <a:schemeClr val="lt1"/>
-          </a:fontRef>
-        </p:style>
-        <p:txBody>
-          <a:bodyPr rtlCol="0" anchor="ctr"/>
-          <a:lstStyle/>
-          <a:p>
-            <a:pPr algn="ctr"/>
-            <a:endParaRPr lang="en-US"/>
-          </a:p>
-        </p:txBody>
-      </p:sp>
-      <p:pic>
-        <p:nvPicPr>
-          <p:cNvPr id="10" name="Picture 9" descr="A picture containing boat&#10;&#10;Description generated with high confidence">
-            <a:extLst>
-              <a:ext uri="{FF2B5EF4-FFF2-40B4-BE49-F238E27FC236}">
-                <a16:creationId xmlns:a16="http://schemas.microsoft.com/office/drawing/2014/main" id="{A68D326E-8170-405A-9B88-5BBAC92DBBAB}"/>
-              </a:ext>
-            </a:extLst>
-          </p:cNvPr>
-          <p:cNvPicPr>
-            <a:picLocks noChangeAspect="1"/>
-          </p:cNvPicPr>
-          <p:nvPr/>
-        </p:nvPicPr>
-        <p:blipFill>
-          <a:blip r:embed="rId2">
-            <a:extLst>
-              <a:ext uri="{28A0092B-C50C-407E-A947-70E740481C1C}">
-                <a14:useLocalDpi xmlns:a14="http://schemas.microsoft.com/office/drawing/2010/main" val="0"/>
-              </a:ext>
-            </a:extLst>
-          </a:blip>
-          <a:stretch>
-            <a:fillRect/>
-          </a:stretch>
-        </p:blipFill>
-        <p:spPr>
-          <a:xfrm>
-            <a:off x="7304714" y="729457"/>
-            <a:ext cx="3637392" cy="3291840"/>
-          </a:xfrm>
-          <a:prstGeom prst="rect">
-            <a:avLst/>
-          </a:prstGeom>
-        </p:spPr>
-      </p:pic>
-      <p:pic>
-        <p:nvPicPr>
-          <p:cNvPr id="6" name="Content Placeholder 5" descr="A close up of a boat&#10;&#10;Description generated with high confidence">
-            <a:extLst>
-              <a:ext uri="{FF2B5EF4-FFF2-40B4-BE49-F238E27FC236}">
-                <a16:creationId xmlns:a16="http://schemas.microsoft.com/office/drawing/2014/main" id="{763AEB43-6609-49BD-B79B-3A4E4159972D}"/>
-              </a:ext>
-            </a:extLst>
-          </p:cNvPr>
-          <p:cNvPicPr>
-            <a:picLocks noGrp="1" noChangeAspect="1"/>
-          </p:cNvPicPr>
-          <p:nvPr>
-            <p:ph idx="1"/>
-          </p:nvPr>
-        </p:nvPicPr>
-        <p:blipFill>
-          <a:blip r:embed="rId3">
-            <a:extLst>
-              <a:ext uri="{28A0092B-C50C-407E-A947-70E740481C1C}">
-                <a14:useLocalDpi xmlns:a14="http://schemas.microsoft.com/office/drawing/2010/main" val="0"/>
-              </a:ext>
-            </a:extLst>
-          </a:blip>
-          <a:stretch>
-            <a:fillRect/>
-          </a:stretch>
-        </p:blipFill>
-        <p:spPr>
-          <a:xfrm>
-            <a:off x="1129195" y="675372"/>
-            <a:ext cx="3805595" cy="3291840"/>
-          </a:xfrm>
-          <a:prstGeom prst="rect">
-            <a:avLst/>
-          </a:prstGeom>
-        </p:spPr>
-      </p:pic>
-      <p:sp>
-        <p:nvSpPr>
-          <p:cNvPr id="8" name="Title 7">
-            <a:extLst>
-              <a:ext uri="{FF2B5EF4-FFF2-40B4-BE49-F238E27FC236}">
-                <a16:creationId xmlns:a16="http://schemas.microsoft.com/office/drawing/2014/main" id="{DF1FCE55-8066-4631-A74C-815B5A94A09E}"/>
-              </a:ext>
-            </a:extLst>
-          </p:cNvPr>
-          <p:cNvSpPr>
-            <a:spLocks noGrp="1"/>
-          </p:cNvSpPr>
-          <p:nvPr>
-            <p:ph type="title"/>
-          </p:nvPr>
-        </p:nvSpPr>
-        <p:spPr>
-          <a:xfrm>
-            <a:off x="1524000" y="4642583"/>
-            <a:ext cx="9144000" cy="1099845"/>
-          </a:xfrm>
-        </p:spPr>
-        <p:txBody>
-          <a:bodyPr vert="horz" lIns="91440" tIns="45720" rIns="91440" bIns="45720" rtlCol="0" anchor="b">
-            <a:normAutofit/>
-          </a:bodyPr>
-          <a:lstStyle/>
-          <a:p>
-            <a:pPr algn="ctr"/>
-            <a:r>
-              <a:rPr lang="en-US" sz="4000" b="1" dirty="0">
-                <a:solidFill>
-                  <a:srgbClr val="0070C0"/>
-                </a:solidFill>
-              </a:rPr>
-              <a:t>Log(Sale Price)</a:t>
-            </a:r>
-          </a:p>
-        </p:txBody>
-      </p:sp>
-    </p:spTree>
-    <p:extLst>
-      <p:ext uri="{BB962C8B-B14F-4D97-AF65-F5344CB8AC3E}">
-        <p14:creationId xmlns:p14="http://schemas.microsoft.com/office/powerpoint/2010/main" val="1294185089"/>
       </p:ext>
     </p:extLst>
   </p:cSld>

--- a/HousingPricesPresentations.pptx
+++ b/HousingPricesPresentations.pptx
@@ -5,7 +5,7 @@
     <p:sldMasterId id="2147483732" r:id="rId1"/>
   </p:sldMasterIdLst>
   <p:notesMasterIdLst>
-    <p:notesMasterId r:id="rId30"/>
+    <p:notesMasterId r:id="rId37"/>
   </p:notesMasterIdLst>
   <p:sldIdLst>
     <p:sldId id="256" r:id="rId2"/>
@@ -31,11 +31,18 @@
     <p:sldId id="280" r:id="rId22"/>
     <p:sldId id="289" r:id="rId23"/>
     <p:sldId id="278" r:id="rId24"/>
-    <p:sldId id="276" r:id="rId25"/>
-    <p:sldId id="282" r:id="rId26"/>
-    <p:sldId id="293" r:id="rId27"/>
-    <p:sldId id="294" r:id="rId28"/>
-    <p:sldId id="295" r:id="rId29"/>
+    <p:sldId id="297" r:id="rId25"/>
+    <p:sldId id="298" r:id="rId26"/>
+    <p:sldId id="299" r:id="rId27"/>
+    <p:sldId id="300" r:id="rId28"/>
+    <p:sldId id="301" r:id="rId29"/>
+    <p:sldId id="302" r:id="rId30"/>
+    <p:sldId id="303" r:id="rId31"/>
+    <p:sldId id="304" r:id="rId32"/>
+    <p:sldId id="305" r:id="rId33"/>
+    <p:sldId id="293" r:id="rId34"/>
+    <p:sldId id="294" r:id="rId35"/>
+    <p:sldId id="295" r:id="rId36"/>
   </p:sldIdLst>
   <p:sldSz cx="12192000" cy="6858000"/>
   <p:notesSz cx="6858000" cy="9144000"/>
@@ -136,7 +143,7 @@
   </p:defaultTextStyle>
   <p:extLst>
     <p:ext uri="{EFAFB233-063F-42B5-8137-9DF3F51BA10A}">
-      <p15:sldGuideLst xmlns:p15="http://schemas.microsoft.com/office/powerpoint/2012/main"/>
+      <p15:sldGuideLst xmlns:p15="http://schemas.microsoft.com/office/powerpoint/2012/main" xmlns=""/>
     </p:ext>
   </p:extLst>
 </p:presentation>
@@ -145,11 +152,7 @@
 <file path=ppt/commentAuthors.xml><?xml version="1.0" encoding="utf-8"?>
 <p:cmAuthorLst xmlns:a="http://schemas.openxmlformats.org/drawingml/2006/main" xmlns:r="http://schemas.openxmlformats.org/officeDocument/2006/relationships" xmlns:p="http://schemas.openxmlformats.org/presentationml/2006/main">
   <p:cmAuthor id="1" name="Lalith S" initials="LS" lastIdx="3" clrIdx="0">
-    <p:extLst>
-      <p:ext uri="{19B8F6BF-5375-455C-9EA6-DF929625EA0E}">
-        <p15:presenceInfo xmlns:p15="http://schemas.microsoft.com/office/powerpoint/2012/main" userId="d83bd6d440759617" providerId="Windows Live"/>
-      </p:ext>
-    </p:extLst>
+    <p:extLst/>
   </p:cmAuthor>
 </p:cmAuthorLst>
 </file>
@@ -525,7 +528,7 @@
           <p:cNvPr id="2" name="Title 1">
             <a:extLst>
               <a:ext uri="{FF2B5EF4-FFF2-40B4-BE49-F238E27FC236}">
-                <a16:creationId xmlns:a16="http://schemas.microsoft.com/office/drawing/2014/main" id="{29C95339-33C6-499B-BB73-82DD9B0228C1}"/>
+                <a16:creationId xmlns:a16="http://schemas.microsoft.com/office/drawing/2014/main" xmlns="" id="{29C95339-33C6-499B-BB73-82DD9B0228C1}"/>
               </a:ext>
             </a:extLst>
           </p:cNvPr>
@@ -562,7 +565,7 @@
           <p:cNvPr id="3" name="Subtitle 2">
             <a:extLst>
               <a:ext uri="{FF2B5EF4-FFF2-40B4-BE49-F238E27FC236}">
-                <a16:creationId xmlns:a16="http://schemas.microsoft.com/office/drawing/2014/main" id="{C316DC1D-7A76-4A94-A956-ACBF38B1ACDF}"/>
+                <a16:creationId xmlns:a16="http://schemas.microsoft.com/office/drawing/2014/main" xmlns="" id="{C316DC1D-7A76-4A94-A956-ACBF38B1ACDF}"/>
               </a:ext>
             </a:extLst>
           </p:cNvPr>
@@ -632,7 +635,7 @@
           <p:cNvPr id="4" name="Date Placeholder 3">
             <a:extLst>
               <a:ext uri="{FF2B5EF4-FFF2-40B4-BE49-F238E27FC236}">
-                <a16:creationId xmlns:a16="http://schemas.microsoft.com/office/drawing/2014/main" id="{AA17FE8C-10E4-4640-A474-072D6235B07C}"/>
+                <a16:creationId xmlns:a16="http://schemas.microsoft.com/office/drawing/2014/main" xmlns="" id="{AA17FE8C-10E4-4640-A474-072D6235B07C}"/>
               </a:ext>
             </a:extLst>
           </p:cNvPr>
@@ -661,7 +664,7 @@
           <p:cNvPr id="5" name="Footer Placeholder 4">
             <a:extLst>
               <a:ext uri="{FF2B5EF4-FFF2-40B4-BE49-F238E27FC236}">
-                <a16:creationId xmlns:a16="http://schemas.microsoft.com/office/drawing/2014/main" id="{EC914B29-C98C-46D0-A41A-0EBED3CEC29C}"/>
+                <a16:creationId xmlns:a16="http://schemas.microsoft.com/office/drawing/2014/main" xmlns="" id="{EC914B29-C98C-46D0-A41A-0EBED3CEC29C}"/>
               </a:ext>
             </a:extLst>
           </p:cNvPr>
@@ -686,7 +689,7 @@
           <p:cNvPr id="6" name="Slide Number Placeholder 5">
             <a:extLst>
               <a:ext uri="{FF2B5EF4-FFF2-40B4-BE49-F238E27FC236}">
-                <a16:creationId xmlns:a16="http://schemas.microsoft.com/office/drawing/2014/main" id="{77B936A5-54CD-425D-8EAE-5B806D47A74C}"/>
+                <a16:creationId xmlns:a16="http://schemas.microsoft.com/office/drawing/2014/main" xmlns="" id="{77B936A5-54CD-425D-8EAE-5B806D47A74C}"/>
               </a:ext>
             </a:extLst>
           </p:cNvPr>
@@ -745,7 +748,7 @@
           <p:cNvPr id="2" name="Title 1">
             <a:extLst>
               <a:ext uri="{FF2B5EF4-FFF2-40B4-BE49-F238E27FC236}">
-                <a16:creationId xmlns:a16="http://schemas.microsoft.com/office/drawing/2014/main" id="{21620800-1CB7-42B0-9E9A-9512CF430944}"/>
+                <a16:creationId xmlns:a16="http://schemas.microsoft.com/office/drawing/2014/main" xmlns="" id="{21620800-1CB7-42B0-9E9A-9512CF430944}"/>
               </a:ext>
             </a:extLst>
           </p:cNvPr>
@@ -773,7 +776,7 @@
           <p:cNvPr id="3" name="Vertical Text Placeholder 2">
             <a:extLst>
               <a:ext uri="{FF2B5EF4-FFF2-40B4-BE49-F238E27FC236}">
-                <a16:creationId xmlns:a16="http://schemas.microsoft.com/office/drawing/2014/main" id="{86F4EF9B-1374-4CDB-A93D-2E6472C5DF48}"/>
+                <a16:creationId xmlns:a16="http://schemas.microsoft.com/office/drawing/2014/main" xmlns="" id="{86F4EF9B-1374-4CDB-A93D-2E6472C5DF48}"/>
               </a:ext>
             </a:extLst>
           </p:cNvPr>
@@ -830,7 +833,7 @@
           <p:cNvPr id="4" name="Date Placeholder 3">
             <a:extLst>
               <a:ext uri="{FF2B5EF4-FFF2-40B4-BE49-F238E27FC236}">
-                <a16:creationId xmlns:a16="http://schemas.microsoft.com/office/drawing/2014/main" id="{7D5CA736-261D-4880-9E40-C0A612FB48FA}"/>
+                <a16:creationId xmlns:a16="http://schemas.microsoft.com/office/drawing/2014/main" xmlns="" id="{7D5CA736-261D-4880-9E40-C0A612FB48FA}"/>
               </a:ext>
             </a:extLst>
           </p:cNvPr>
@@ -859,7 +862,7 @@
           <p:cNvPr id="5" name="Footer Placeholder 4">
             <a:extLst>
               <a:ext uri="{FF2B5EF4-FFF2-40B4-BE49-F238E27FC236}">
-                <a16:creationId xmlns:a16="http://schemas.microsoft.com/office/drawing/2014/main" id="{96CB9544-87F0-4C77-99DB-536A1030DB02}"/>
+                <a16:creationId xmlns:a16="http://schemas.microsoft.com/office/drawing/2014/main" xmlns="" id="{96CB9544-87F0-4C77-99DB-536A1030DB02}"/>
               </a:ext>
             </a:extLst>
           </p:cNvPr>
@@ -884,7 +887,7 @@
           <p:cNvPr id="6" name="Slide Number Placeholder 5">
             <a:extLst>
               <a:ext uri="{FF2B5EF4-FFF2-40B4-BE49-F238E27FC236}">
-                <a16:creationId xmlns:a16="http://schemas.microsoft.com/office/drawing/2014/main" id="{1CA47AFA-8EA6-4F60-BAEE-CFB5C0898150}"/>
+                <a16:creationId xmlns:a16="http://schemas.microsoft.com/office/drawing/2014/main" xmlns="" id="{1CA47AFA-8EA6-4F60-BAEE-CFB5C0898150}"/>
               </a:ext>
             </a:extLst>
           </p:cNvPr>
@@ -943,7 +946,7 @@
           <p:cNvPr id="2" name="Vertical Title 1">
             <a:extLst>
               <a:ext uri="{FF2B5EF4-FFF2-40B4-BE49-F238E27FC236}">
-                <a16:creationId xmlns:a16="http://schemas.microsoft.com/office/drawing/2014/main" id="{707F0294-8B77-4842-8FEB-481823FE8BA4}"/>
+                <a16:creationId xmlns:a16="http://schemas.microsoft.com/office/drawing/2014/main" xmlns="" id="{707F0294-8B77-4842-8FEB-481823FE8BA4}"/>
               </a:ext>
             </a:extLst>
           </p:cNvPr>
@@ -976,7 +979,7 @@
           <p:cNvPr id="3" name="Vertical Text Placeholder 2">
             <a:extLst>
               <a:ext uri="{FF2B5EF4-FFF2-40B4-BE49-F238E27FC236}">
-                <a16:creationId xmlns:a16="http://schemas.microsoft.com/office/drawing/2014/main" id="{3E31CBCC-EA36-4967-AF6E-7123A43012EE}"/>
+                <a16:creationId xmlns:a16="http://schemas.microsoft.com/office/drawing/2014/main" xmlns="" id="{3E31CBCC-EA36-4967-AF6E-7123A43012EE}"/>
               </a:ext>
             </a:extLst>
           </p:cNvPr>
@@ -1038,7 +1041,7 @@
           <p:cNvPr id="4" name="Date Placeholder 3">
             <a:extLst>
               <a:ext uri="{FF2B5EF4-FFF2-40B4-BE49-F238E27FC236}">
-                <a16:creationId xmlns:a16="http://schemas.microsoft.com/office/drawing/2014/main" id="{D0061511-4B7F-4316-92EE-CC12D6B1965F}"/>
+                <a16:creationId xmlns:a16="http://schemas.microsoft.com/office/drawing/2014/main" xmlns="" id="{D0061511-4B7F-4316-92EE-CC12D6B1965F}"/>
               </a:ext>
             </a:extLst>
           </p:cNvPr>
@@ -1067,7 +1070,7 @@
           <p:cNvPr id="5" name="Footer Placeholder 4">
             <a:extLst>
               <a:ext uri="{FF2B5EF4-FFF2-40B4-BE49-F238E27FC236}">
-                <a16:creationId xmlns:a16="http://schemas.microsoft.com/office/drawing/2014/main" id="{3BF55390-5E11-4A01-BC26-46448FED1E4E}"/>
+                <a16:creationId xmlns:a16="http://schemas.microsoft.com/office/drawing/2014/main" xmlns="" id="{3BF55390-5E11-4A01-BC26-46448FED1E4E}"/>
               </a:ext>
             </a:extLst>
           </p:cNvPr>
@@ -1092,7 +1095,7 @@
           <p:cNvPr id="6" name="Slide Number Placeholder 5">
             <a:extLst>
               <a:ext uri="{FF2B5EF4-FFF2-40B4-BE49-F238E27FC236}">
-                <a16:creationId xmlns:a16="http://schemas.microsoft.com/office/drawing/2014/main" id="{54987D63-4F0E-478C-806A-7AB0335E596B}"/>
+                <a16:creationId xmlns:a16="http://schemas.microsoft.com/office/drawing/2014/main" xmlns="" id="{54987D63-4F0E-478C-806A-7AB0335E596B}"/>
               </a:ext>
             </a:extLst>
           </p:cNvPr>
@@ -1151,7 +1154,7 @@
           <p:cNvPr id="2" name="Title 1">
             <a:extLst>
               <a:ext uri="{FF2B5EF4-FFF2-40B4-BE49-F238E27FC236}">
-                <a16:creationId xmlns:a16="http://schemas.microsoft.com/office/drawing/2014/main" id="{CA0B87DD-6F8D-4217-84F0-10DDCE49E328}"/>
+                <a16:creationId xmlns:a16="http://schemas.microsoft.com/office/drawing/2014/main" xmlns="" id="{CA0B87DD-6F8D-4217-84F0-10DDCE49E328}"/>
               </a:ext>
             </a:extLst>
           </p:cNvPr>
@@ -1179,7 +1182,7 @@
           <p:cNvPr id="3" name="Content Placeholder 2">
             <a:extLst>
               <a:ext uri="{FF2B5EF4-FFF2-40B4-BE49-F238E27FC236}">
-                <a16:creationId xmlns:a16="http://schemas.microsoft.com/office/drawing/2014/main" id="{FDF1F821-95AD-414C-984C-B66716735017}"/>
+                <a16:creationId xmlns:a16="http://schemas.microsoft.com/office/drawing/2014/main" xmlns="" id="{FDF1F821-95AD-414C-984C-B66716735017}"/>
               </a:ext>
             </a:extLst>
           </p:cNvPr>
@@ -1236,7 +1239,7 @@
           <p:cNvPr id="4" name="Date Placeholder 3">
             <a:extLst>
               <a:ext uri="{FF2B5EF4-FFF2-40B4-BE49-F238E27FC236}">
-                <a16:creationId xmlns:a16="http://schemas.microsoft.com/office/drawing/2014/main" id="{7A1B5441-A72B-44CF-981F-43CAE0A30042}"/>
+                <a16:creationId xmlns:a16="http://schemas.microsoft.com/office/drawing/2014/main" xmlns="" id="{7A1B5441-A72B-44CF-981F-43CAE0A30042}"/>
               </a:ext>
             </a:extLst>
           </p:cNvPr>
@@ -1265,7 +1268,7 @@
           <p:cNvPr id="5" name="Footer Placeholder 4">
             <a:extLst>
               <a:ext uri="{FF2B5EF4-FFF2-40B4-BE49-F238E27FC236}">
-                <a16:creationId xmlns:a16="http://schemas.microsoft.com/office/drawing/2014/main" id="{C4D4D869-B407-4167-968A-4D35C6AA44D1}"/>
+                <a16:creationId xmlns:a16="http://schemas.microsoft.com/office/drawing/2014/main" xmlns="" id="{C4D4D869-B407-4167-968A-4D35C6AA44D1}"/>
               </a:ext>
             </a:extLst>
           </p:cNvPr>
@@ -1290,7 +1293,7 @@
           <p:cNvPr id="6" name="Slide Number Placeholder 5">
             <a:extLst>
               <a:ext uri="{FF2B5EF4-FFF2-40B4-BE49-F238E27FC236}">
-                <a16:creationId xmlns:a16="http://schemas.microsoft.com/office/drawing/2014/main" id="{4525D370-BF8E-40B6-BEEC-092D6287EA74}"/>
+                <a16:creationId xmlns:a16="http://schemas.microsoft.com/office/drawing/2014/main" xmlns="" id="{4525D370-BF8E-40B6-BEEC-092D6287EA74}"/>
               </a:ext>
             </a:extLst>
           </p:cNvPr>
@@ -1349,7 +1352,7 @@
           <p:cNvPr id="2" name="Title 1">
             <a:extLst>
               <a:ext uri="{FF2B5EF4-FFF2-40B4-BE49-F238E27FC236}">
-                <a16:creationId xmlns:a16="http://schemas.microsoft.com/office/drawing/2014/main" id="{87A8AEAC-669C-442B-9583-1CBE70D1D0F8}"/>
+                <a16:creationId xmlns:a16="http://schemas.microsoft.com/office/drawing/2014/main" xmlns="" id="{87A8AEAC-669C-442B-9583-1CBE70D1D0F8}"/>
               </a:ext>
             </a:extLst>
           </p:cNvPr>
@@ -1386,7 +1389,7 @@
           <p:cNvPr id="3" name="Text Placeholder 2">
             <a:extLst>
               <a:ext uri="{FF2B5EF4-FFF2-40B4-BE49-F238E27FC236}">
-                <a16:creationId xmlns:a16="http://schemas.microsoft.com/office/drawing/2014/main" id="{ABF74E99-2D04-41C4-8BEB-FC9AE8216607}"/>
+                <a16:creationId xmlns:a16="http://schemas.microsoft.com/office/drawing/2014/main" xmlns="" id="{ABF74E99-2D04-41C4-8BEB-FC9AE8216607}"/>
               </a:ext>
             </a:extLst>
           </p:cNvPr>
@@ -1511,7 +1514,7 @@
           <p:cNvPr id="4" name="Date Placeholder 3">
             <a:extLst>
               <a:ext uri="{FF2B5EF4-FFF2-40B4-BE49-F238E27FC236}">
-                <a16:creationId xmlns:a16="http://schemas.microsoft.com/office/drawing/2014/main" id="{4CA06E74-B901-4846-80D0-679CD4B22916}"/>
+                <a16:creationId xmlns:a16="http://schemas.microsoft.com/office/drawing/2014/main" xmlns="" id="{4CA06E74-B901-4846-80D0-679CD4B22916}"/>
               </a:ext>
             </a:extLst>
           </p:cNvPr>
@@ -1540,7 +1543,7 @@
           <p:cNvPr id="5" name="Footer Placeholder 4">
             <a:extLst>
               <a:ext uri="{FF2B5EF4-FFF2-40B4-BE49-F238E27FC236}">
-                <a16:creationId xmlns:a16="http://schemas.microsoft.com/office/drawing/2014/main" id="{05B191AC-5A01-4D6D-99BF-BAEE8C9FB18E}"/>
+                <a16:creationId xmlns:a16="http://schemas.microsoft.com/office/drawing/2014/main" xmlns="" id="{05B191AC-5A01-4D6D-99BF-BAEE8C9FB18E}"/>
               </a:ext>
             </a:extLst>
           </p:cNvPr>
@@ -1565,7 +1568,7 @@
           <p:cNvPr id="6" name="Slide Number Placeholder 5">
             <a:extLst>
               <a:ext uri="{FF2B5EF4-FFF2-40B4-BE49-F238E27FC236}">
-                <a16:creationId xmlns:a16="http://schemas.microsoft.com/office/drawing/2014/main" id="{072560B4-AFB0-4ED1-9B1E-08E59C623385}"/>
+                <a16:creationId xmlns:a16="http://schemas.microsoft.com/office/drawing/2014/main" xmlns="" id="{072560B4-AFB0-4ED1-9B1E-08E59C623385}"/>
               </a:ext>
             </a:extLst>
           </p:cNvPr>
@@ -1624,7 +1627,7 @@
           <p:cNvPr id="2" name="Title 1">
             <a:extLst>
               <a:ext uri="{FF2B5EF4-FFF2-40B4-BE49-F238E27FC236}">
-                <a16:creationId xmlns:a16="http://schemas.microsoft.com/office/drawing/2014/main" id="{314F71B3-4DBE-47C2-AB94-A5815EE4243A}"/>
+                <a16:creationId xmlns:a16="http://schemas.microsoft.com/office/drawing/2014/main" xmlns="" id="{314F71B3-4DBE-47C2-AB94-A5815EE4243A}"/>
               </a:ext>
             </a:extLst>
           </p:cNvPr>
@@ -1652,7 +1655,7 @@
           <p:cNvPr id="3" name="Content Placeholder 2">
             <a:extLst>
               <a:ext uri="{FF2B5EF4-FFF2-40B4-BE49-F238E27FC236}">
-                <a16:creationId xmlns:a16="http://schemas.microsoft.com/office/drawing/2014/main" id="{0B4CFA21-51E3-4FFF-B508-9DBEB2D7BF58}"/>
+                <a16:creationId xmlns:a16="http://schemas.microsoft.com/office/drawing/2014/main" xmlns="" id="{0B4CFA21-51E3-4FFF-B508-9DBEB2D7BF58}"/>
               </a:ext>
             </a:extLst>
           </p:cNvPr>
@@ -1714,7 +1717,7 @@
           <p:cNvPr id="4" name="Content Placeholder 3">
             <a:extLst>
               <a:ext uri="{FF2B5EF4-FFF2-40B4-BE49-F238E27FC236}">
-                <a16:creationId xmlns:a16="http://schemas.microsoft.com/office/drawing/2014/main" id="{F51420CF-D5F4-4AA7-9EF6-C304A8083430}"/>
+                <a16:creationId xmlns:a16="http://schemas.microsoft.com/office/drawing/2014/main" xmlns="" id="{F51420CF-D5F4-4AA7-9EF6-C304A8083430}"/>
               </a:ext>
             </a:extLst>
           </p:cNvPr>
@@ -1776,7 +1779,7 @@
           <p:cNvPr id="5" name="Date Placeholder 4">
             <a:extLst>
               <a:ext uri="{FF2B5EF4-FFF2-40B4-BE49-F238E27FC236}">
-                <a16:creationId xmlns:a16="http://schemas.microsoft.com/office/drawing/2014/main" id="{22575542-49D9-4857-A43D-60245A2D5B9A}"/>
+                <a16:creationId xmlns:a16="http://schemas.microsoft.com/office/drawing/2014/main" xmlns="" id="{22575542-49D9-4857-A43D-60245A2D5B9A}"/>
               </a:ext>
             </a:extLst>
           </p:cNvPr>
@@ -1805,7 +1808,7 @@
           <p:cNvPr id="6" name="Footer Placeholder 5">
             <a:extLst>
               <a:ext uri="{FF2B5EF4-FFF2-40B4-BE49-F238E27FC236}">
-                <a16:creationId xmlns:a16="http://schemas.microsoft.com/office/drawing/2014/main" id="{4D8100C9-B500-44B7-8E71-D962A899716B}"/>
+                <a16:creationId xmlns:a16="http://schemas.microsoft.com/office/drawing/2014/main" xmlns="" id="{4D8100C9-B500-44B7-8E71-D962A899716B}"/>
               </a:ext>
             </a:extLst>
           </p:cNvPr>
@@ -1830,7 +1833,7 @@
           <p:cNvPr id="7" name="Slide Number Placeholder 6">
             <a:extLst>
               <a:ext uri="{FF2B5EF4-FFF2-40B4-BE49-F238E27FC236}">
-                <a16:creationId xmlns:a16="http://schemas.microsoft.com/office/drawing/2014/main" id="{AE4D0FCE-FC1F-4CD2-9685-EBF52C3B7197}"/>
+                <a16:creationId xmlns:a16="http://schemas.microsoft.com/office/drawing/2014/main" xmlns="" id="{AE4D0FCE-FC1F-4CD2-9685-EBF52C3B7197}"/>
               </a:ext>
             </a:extLst>
           </p:cNvPr>
@@ -1889,7 +1892,7 @@
           <p:cNvPr id="2" name="Title 1">
             <a:extLst>
               <a:ext uri="{FF2B5EF4-FFF2-40B4-BE49-F238E27FC236}">
-                <a16:creationId xmlns:a16="http://schemas.microsoft.com/office/drawing/2014/main" id="{3F96F038-CAF7-4E15-BBB0-D9588A635521}"/>
+                <a16:creationId xmlns:a16="http://schemas.microsoft.com/office/drawing/2014/main" xmlns="" id="{3F96F038-CAF7-4E15-BBB0-D9588A635521}"/>
               </a:ext>
             </a:extLst>
           </p:cNvPr>
@@ -1922,7 +1925,7 @@
           <p:cNvPr id="3" name="Text Placeholder 2">
             <a:extLst>
               <a:ext uri="{FF2B5EF4-FFF2-40B4-BE49-F238E27FC236}">
-                <a16:creationId xmlns:a16="http://schemas.microsoft.com/office/drawing/2014/main" id="{A9323709-1FE8-4766-9A8D-D4D1C967C501}"/>
+                <a16:creationId xmlns:a16="http://schemas.microsoft.com/office/drawing/2014/main" xmlns="" id="{A9323709-1FE8-4766-9A8D-D4D1C967C501}"/>
               </a:ext>
             </a:extLst>
           </p:cNvPr>
@@ -1993,7 +1996,7 @@
           <p:cNvPr id="4" name="Content Placeholder 3">
             <a:extLst>
               <a:ext uri="{FF2B5EF4-FFF2-40B4-BE49-F238E27FC236}">
-                <a16:creationId xmlns:a16="http://schemas.microsoft.com/office/drawing/2014/main" id="{7D0AD4F2-8809-468A-BA87-F97E67B39ACD}"/>
+                <a16:creationId xmlns:a16="http://schemas.microsoft.com/office/drawing/2014/main" xmlns="" id="{7D0AD4F2-8809-468A-BA87-F97E67B39ACD}"/>
               </a:ext>
             </a:extLst>
           </p:cNvPr>
@@ -2055,7 +2058,7 @@
           <p:cNvPr id="5" name="Text Placeholder 4">
             <a:extLst>
               <a:ext uri="{FF2B5EF4-FFF2-40B4-BE49-F238E27FC236}">
-                <a16:creationId xmlns:a16="http://schemas.microsoft.com/office/drawing/2014/main" id="{BF877676-C99F-4893-867A-7B2C63A27E2A}"/>
+                <a16:creationId xmlns:a16="http://schemas.microsoft.com/office/drawing/2014/main" xmlns="" id="{BF877676-C99F-4893-867A-7B2C63A27E2A}"/>
               </a:ext>
             </a:extLst>
           </p:cNvPr>
@@ -2126,7 +2129,7 @@
           <p:cNvPr id="6" name="Content Placeholder 5">
             <a:extLst>
               <a:ext uri="{FF2B5EF4-FFF2-40B4-BE49-F238E27FC236}">
-                <a16:creationId xmlns:a16="http://schemas.microsoft.com/office/drawing/2014/main" id="{31ECFC54-E2DE-4E28-AAA6-E89CCC247FAB}"/>
+                <a16:creationId xmlns:a16="http://schemas.microsoft.com/office/drawing/2014/main" xmlns="" id="{31ECFC54-E2DE-4E28-AAA6-E89CCC247FAB}"/>
               </a:ext>
             </a:extLst>
           </p:cNvPr>
@@ -2188,7 +2191,7 @@
           <p:cNvPr id="7" name="Date Placeholder 6">
             <a:extLst>
               <a:ext uri="{FF2B5EF4-FFF2-40B4-BE49-F238E27FC236}">
-                <a16:creationId xmlns:a16="http://schemas.microsoft.com/office/drawing/2014/main" id="{9252362B-1EB8-4E96-B9E4-7A7005C2E482}"/>
+                <a16:creationId xmlns:a16="http://schemas.microsoft.com/office/drawing/2014/main" xmlns="" id="{9252362B-1EB8-4E96-B9E4-7A7005C2E482}"/>
               </a:ext>
             </a:extLst>
           </p:cNvPr>
@@ -2217,7 +2220,7 @@
           <p:cNvPr id="8" name="Footer Placeholder 7">
             <a:extLst>
               <a:ext uri="{FF2B5EF4-FFF2-40B4-BE49-F238E27FC236}">
-                <a16:creationId xmlns:a16="http://schemas.microsoft.com/office/drawing/2014/main" id="{50C34ABA-44B0-424F-B89E-6F4C555ABB91}"/>
+                <a16:creationId xmlns:a16="http://schemas.microsoft.com/office/drawing/2014/main" xmlns="" id="{50C34ABA-44B0-424F-B89E-6F4C555ABB91}"/>
               </a:ext>
             </a:extLst>
           </p:cNvPr>
@@ -2242,7 +2245,7 @@
           <p:cNvPr id="9" name="Slide Number Placeholder 8">
             <a:extLst>
               <a:ext uri="{FF2B5EF4-FFF2-40B4-BE49-F238E27FC236}">
-                <a16:creationId xmlns:a16="http://schemas.microsoft.com/office/drawing/2014/main" id="{4FB5F9FB-EF6E-4512-B1DC-005745AA8F68}"/>
+                <a16:creationId xmlns:a16="http://schemas.microsoft.com/office/drawing/2014/main" xmlns="" id="{4FB5F9FB-EF6E-4512-B1DC-005745AA8F68}"/>
               </a:ext>
             </a:extLst>
           </p:cNvPr>
@@ -2301,7 +2304,7 @@
           <p:cNvPr id="2" name="Title 1">
             <a:extLst>
               <a:ext uri="{FF2B5EF4-FFF2-40B4-BE49-F238E27FC236}">
-                <a16:creationId xmlns:a16="http://schemas.microsoft.com/office/drawing/2014/main" id="{3D71853F-143E-4199-9CAD-F942628A71A6}"/>
+                <a16:creationId xmlns:a16="http://schemas.microsoft.com/office/drawing/2014/main" xmlns="" id="{3D71853F-143E-4199-9CAD-F942628A71A6}"/>
               </a:ext>
             </a:extLst>
           </p:cNvPr>
@@ -2329,7 +2332,7 @@
           <p:cNvPr id="3" name="Date Placeholder 2">
             <a:extLst>
               <a:ext uri="{FF2B5EF4-FFF2-40B4-BE49-F238E27FC236}">
-                <a16:creationId xmlns:a16="http://schemas.microsoft.com/office/drawing/2014/main" id="{DD197A0F-5860-4104-BC0C-12C0ADC2276D}"/>
+                <a16:creationId xmlns:a16="http://schemas.microsoft.com/office/drawing/2014/main" xmlns="" id="{DD197A0F-5860-4104-BC0C-12C0ADC2276D}"/>
               </a:ext>
             </a:extLst>
           </p:cNvPr>
@@ -2358,7 +2361,7 @@
           <p:cNvPr id="4" name="Footer Placeholder 3">
             <a:extLst>
               <a:ext uri="{FF2B5EF4-FFF2-40B4-BE49-F238E27FC236}">
-                <a16:creationId xmlns:a16="http://schemas.microsoft.com/office/drawing/2014/main" id="{3D227909-4E6E-48EC-A116-F9F77BCF5C7C}"/>
+                <a16:creationId xmlns:a16="http://schemas.microsoft.com/office/drawing/2014/main" xmlns="" id="{3D227909-4E6E-48EC-A116-F9F77BCF5C7C}"/>
               </a:ext>
             </a:extLst>
           </p:cNvPr>
@@ -2383,7 +2386,7 @@
           <p:cNvPr id="5" name="Slide Number Placeholder 4">
             <a:extLst>
               <a:ext uri="{FF2B5EF4-FFF2-40B4-BE49-F238E27FC236}">
-                <a16:creationId xmlns:a16="http://schemas.microsoft.com/office/drawing/2014/main" id="{0C1C448C-C331-42D8-97D1-6E1CA13725A7}"/>
+                <a16:creationId xmlns:a16="http://schemas.microsoft.com/office/drawing/2014/main" xmlns="" id="{0C1C448C-C331-42D8-97D1-6E1CA13725A7}"/>
               </a:ext>
             </a:extLst>
           </p:cNvPr>
@@ -2442,7 +2445,7 @@
           <p:cNvPr id="2" name="Date Placeholder 1">
             <a:extLst>
               <a:ext uri="{FF2B5EF4-FFF2-40B4-BE49-F238E27FC236}">
-                <a16:creationId xmlns:a16="http://schemas.microsoft.com/office/drawing/2014/main" id="{C259B168-0F0B-47E4-AE23-22C4FDFC33C4}"/>
+                <a16:creationId xmlns:a16="http://schemas.microsoft.com/office/drawing/2014/main" xmlns="" id="{C259B168-0F0B-47E4-AE23-22C4FDFC33C4}"/>
               </a:ext>
             </a:extLst>
           </p:cNvPr>
@@ -2471,7 +2474,7 @@
           <p:cNvPr id="3" name="Footer Placeholder 2">
             <a:extLst>
               <a:ext uri="{FF2B5EF4-FFF2-40B4-BE49-F238E27FC236}">
-                <a16:creationId xmlns:a16="http://schemas.microsoft.com/office/drawing/2014/main" id="{A40C960F-0060-4C95-84A6-C3C05BF2F583}"/>
+                <a16:creationId xmlns:a16="http://schemas.microsoft.com/office/drawing/2014/main" xmlns="" id="{A40C960F-0060-4C95-84A6-C3C05BF2F583}"/>
               </a:ext>
             </a:extLst>
           </p:cNvPr>
@@ -2496,7 +2499,7 @@
           <p:cNvPr id="4" name="Slide Number Placeholder 3">
             <a:extLst>
               <a:ext uri="{FF2B5EF4-FFF2-40B4-BE49-F238E27FC236}">
-                <a16:creationId xmlns:a16="http://schemas.microsoft.com/office/drawing/2014/main" id="{119FC8C9-9D93-4FDF-8BAE-374C8D1C84B3}"/>
+                <a16:creationId xmlns:a16="http://schemas.microsoft.com/office/drawing/2014/main" xmlns="" id="{119FC8C9-9D93-4FDF-8BAE-374C8D1C84B3}"/>
               </a:ext>
             </a:extLst>
           </p:cNvPr>
@@ -2555,7 +2558,7 @@
           <p:cNvPr id="2" name="Title 1">
             <a:extLst>
               <a:ext uri="{FF2B5EF4-FFF2-40B4-BE49-F238E27FC236}">
-                <a16:creationId xmlns:a16="http://schemas.microsoft.com/office/drawing/2014/main" id="{D476ED69-E60F-427A-8F93-FB82212013AE}"/>
+                <a16:creationId xmlns:a16="http://schemas.microsoft.com/office/drawing/2014/main" xmlns="" id="{D476ED69-E60F-427A-8F93-FB82212013AE}"/>
               </a:ext>
             </a:extLst>
           </p:cNvPr>
@@ -2592,7 +2595,7 @@
           <p:cNvPr id="3" name="Content Placeholder 2">
             <a:extLst>
               <a:ext uri="{FF2B5EF4-FFF2-40B4-BE49-F238E27FC236}">
-                <a16:creationId xmlns:a16="http://schemas.microsoft.com/office/drawing/2014/main" id="{C412E860-504C-4D40-8520-D05CC5DD8494}"/>
+                <a16:creationId xmlns:a16="http://schemas.microsoft.com/office/drawing/2014/main" xmlns="" id="{C412E860-504C-4D40-8520-D05CC5DD8494}"/>
               </a:ext>
             </a:extLst>
           </p:cNvPr>
@@ -2682,7 +2685,7 @@
           <p:cNvPr id="4" name="Text Placeholder 3">
             <a:extLst>
               <a:ext uri="{FF2B5EF4-FFF2-40B4-BE49-F238E27FC236}">
-                <a16:creationId xmlns:a16="http://schemas.microsoft.com/office/drawing/2014/main" id="{7F7E585F-E442-496A-905A-FE3EF3752BED}"/>
+                <a16:creationId xmlns:a16="http://schemas.microsoft.com/office/drawing/2014/main" xmlns="" id="{7F7E585F-E442-496A-905A-FE3EF3752BED}"/>
               </a:ext>
             </a:extLst>
           </p:cNvPr>
@@ -2753,7 +2756,7 @@
           <p:cNvPr id="5" name="Date Placeholder 4">
             <a:extLst>
               <a:ext uri="{FF2B5EF4-FFF2-40B4-BE49-F238E27FC236}">
-                <a16:creationId xmlns:a16="http://schemas.microsoft.com/office/drawing/2014/main" id="{1640D771-4667-433F-B038-FB0DEBAF8386}"/>
+                <a16:creationId xmlns:a16="http://schemas.microsoft.com/office/drawing/2014/main" xmlns="" id="{1640D771-4667-433F-B038-FB0DEBAF8386}"/>
               </a:ext>
             </a:extLst>
           </p:cNvPr>
@@ -2782,7 +2785,7 @@
           <p:cNvPr id="6" name="Footer Placeholder 5">
             <a:extLst>
               <a:ext uri="{FF2B5EF4-FFF2-40B4-BE49-F238E27FC236}">
-                <a16:creationId xmlns:a16="http://schemas.microsoft.com/office/drawing/2014/main" id="{6C889426-C2B8-456B-B20F-16319DC0F414}"/>
+                <a16:creationId xmlns:a16="http://schemas.microsoft.com/office/drawing/2014/main" xmlns="" id="{6C889426-C2B8-456B-B20F-16319DC0F414}"/>
               </a:ext>
             </a:extLst>
           </p:cNvPr>
@@ -2807,7 +2810,7 @@
           <p:cNvPr id="7" name="Slide Number Placeholder 6">
             <a:extLst>
               <a:ext uri="{FF2B5EF4-FFF2-40B4-BE49-F238E27FC236}">
-                <a16:creationId xmlns:a16="http://schemas.microsoft.com/office/drawing/2014/main" id="{2AB00DDF-F5AC-47E3-95CD-9B6057518856}"/>
+                <a16:creationId xmlns:a16="http://schemas.microsoft.com/office/drawing/2014/main" xmlns="" id="{2AB00DDF-F5AC-47E3-95CD-9B6057518856}"/>
               </a:ext>
             </a:extLst>
           </p:cNvPr>
@@ -2866,7 +2869,7 @@
           <p:cNvPr id="2" name="Title 1">
             <a:extLst>
               <a:ext uri="{FF2B5EF4-FFF2-40B4-BE49-F238E27FC236}">
-                <a16:creationId xmlns:a16="http://schemas.microsoft.com/office/drawing/2014/main" id="{6BD91E77-A577-4702-B551-93B131924FEF}"/>
+                <a16:creationId xmlns:a16="http://schemas.microsoft.com/office/drawing/2014/main" xmlns="" id="{6BD91E77-A577-4702-B551-93B131924FEF}"/>
               </a:ext>
             </a:extLst>
           </p:cNvPr>
@@ -2903,7 +2906,7 @@
           <p:cNvPr id="3" name="Picture Placeholder 2">
             <a:extLst>
               <a:ext uri="{FF2B5EF4-FFF2-40B4-BE49-F238E27FC236}">
-                <a16:creationId xmlns:a16="http://schemas.microsoft.com/office/drawing/2014/main" id="{397564AD-41B0-420E-8801-1F0874BE23F1}"/>
+                <a16:creationId xmlns:a16="http://schemas.microsoft.com/office/drawing/2014/main" xmlns="" id="{397564AD-41B0-420E-8801-1F0874BE23F1}"/>
               </a:ext>
             </a:extLst>
           </p:cNvPr>
@@ -2970,7 +2973,7 @@
           <p:cNvPr id="4" name="Text Placeholder 3">
             <a:extLst>
               <a:ext uri="{FF2B5EF4-FFF2-40B4-BE49-F238E27FC236}">
-                <a16:creationId xmlns:a16="http://schemas.microsoft.com/office/drawing/2014/main" id="{2A79871D-8B38-4786-A51C-577F89471811}"/>
+                <a16:creationId xmlns:a16="http://schemas.microsoft.com/office/drawing/2014/main" xmlns="" id="{2A79871D-8B38-4786-A51C-577F89471811}"/>
               </a:ext>
             </a:extLst>
           </p:cNvPr>
@@ -3041,7 +3044,7 @@
           <p:cNvPr id="5" name="Date Placeholder 4">
             <a:extLst>
               <a:ext uri="{FF2B5EF4-FFF2-40B4-BE49-F238E27FC236}">
-                <a16:creationId xmlns:a16="http://schemas.microsoft.com/office/drawing/2014/main" id="{C404E6B4-1C4A-48ED-BE21-BE0618EC8822}"/>
+                <a16:creationId xmlns:a16="http://schemas.microsoft.com/office/drawing/2014/main" xmlns="" id="{C404E6B4-1C4A-48ED-BE21-BE0618EC8822}"/>
               </a:ext>
             </a:extLst>
           </p:cNvPr>
@@ -3070,7 +3073,7 @@
           <p:cNvPr id="6" name="Footer Placeholder 5">
             <a:extLst>
               <a:ext uri="{FF2B5EF4-FFF2-40B4-BE49-F238E27FC236}">
-                <a16:creationId xmlns:a16="http://schemas.microsoft.com/office/drawing/2014/main" id="{BDB6C3B7-F040-43B2-995A-CC2158E3B915}"/>
+                <a16:creationId xmlns:a16="http://schemas.microsoft.com/office/drawing/2014/main" xmlns="" id="{BDB6C3B7-F040-43B2-995A-CC2158E3B915}"/>
               </a:ext>
             </a:extLst>
           </p:cNvPr>
@@ -3095,7 +3098,7 @@
           <p:cNvPr id="7" name="Slide Number Placeholder 6">
             <a:extLst>
               <a:ext uri="{FF2B5EF4-FFF2-40B4-BE49-F238E27FC236}">
-                <a16:creationId xmlns:a16="http://schemas.microsoft.com/office/drawing/2014/main" id="{4AF59556-078F-4131-AEB3-59317B76114B}"/>
+                <a16:creationId xmlns:a16="http://schemas.microsoft.com/office/drawing/2014/main" xmlns="" id="{4AF59556-078F-4131-AEB3-59317B76114B}"/>
               </a:ext>
             </a:extLst>
           </p:cNvPr>
@@ -3159,7 +3162,7 @@
           <p:cNvPr id="2" name="Title Placeholder 1">
             <a:extLst>
               <a:ext uri="{FF2B5EF4-FFF2-40B4-BE49-F238E27FC236}">
-                <a16:creationId xmlns:a16="http://schemas.microsoft.com/office/drawing/2014/main" id="{6C09C225-39C5-4FBB-80F1-CDF35FA3375A}"/>
+                <a16:creationId xmlns:a16="http://schemas.microsoft.com/office/drawing/2014/main" xmlns="" id="{6C09C225-39C5-4FBB-80F1-CDF35FA3375A}"/>
               </a:ext>
             </a:extLst>
           </p:cNvPr>
@@ -3197,7 +3200,7 @@
           <p:cNvPr id="3" name="Text Placeholder 2">
             <a:extLst>
               <a:ext uri="{FF2B5EF4-FFF2-40B4-BE49-F238E27FC236}">
-                <a16:creationId xmlns:a16="http://schemas.microsoft.com/office/drawing/2014/main" id="{BCD1C5D0-0023-447F-A8C8-CB89E5A09CA1}"/>
+                <a16:creationId xmlns:a16="http://schemas.microsoft.com/office/drawing/2014/main" xmlns="" id="{BCD1C5D0-0023-447F-A8C8-CB89E5A09CA1}"/>
               </a:ext>
             </a:extLst>
           </p:cNvPr>
@@ -3264,7 +3267,7 @@
           <p:cNvPr id="4" name="Date Placeholder 3">
             <a:extLst>
               <a:ext uri="{FF2B5EF4-FFF2-40B4-BE49-F238E27FC236}">
-                <a16:creationId xmlns:a16="http://schemas.microsoft.com/office/drawing/2014/main" id="{E08E4AB1-2CCB-4FA0-B5A1-F32FB803D12A}"/>
+                <a16:creationId xmlns:a16="http://schemas.microsoft.com/office/drawing/2014/main" xmlns="" id="{E08E4AB1-2CCB-4FA0-B5A1-F32FB803D12A}"/>
               </a:ext>
             </a:extLst>
           </p:cNvPr>
@@ -3311,7 +3314,7 @@
           <p:cNvPr id="5" name="Footer Placeholder 4">
             <a:extLst>
               <a:ext uri="{FF2B5EF4-FFF2-40B4-BE49-F238E27FC236}">
-                <a16:creationId xmlns:a16="http://schemas.microsoft.com/office/drawing/2014/main" id="{6A8EC81C-7C47-4386-9E7C-78113E009C3A}"/>
+                <a16:creationId xmlns:a16="http://schemas.microsoft.com/office/drawing/2014/main" xmlns="" id="{6A8EC81C-7C47-4386-9E7C-78113E009C3A}"/>
               </a:ext>
             </a:extLst>
           </p:cNvPr>
@@ -3354,7 +3357,7 @@
           <p:cNvPr id="6" name="Slide Number Placeholder 5">
             <a:extLst>
               <a:ext uri="{FF2B5EF4-FFF2-40B4-BE49-F238E27FC236}">
-                <a16:creationId xmlns:a16="http://schemas.microsoft.com/office/drawing/2014/main" id="{BF76E127-A9F2-4D21-B694-3F7490F9A4C3}"/>
+                <a16:creationId xmlns:a16="http://schemas.microsoft.com/office/drawing/2014/main" xmlns="" id="{BF76E127-A9F2-4D21-B694-3F7490F9A4C3}"/>
               </a:ext>
             </a:extLst>
           </p:cNvPr>
@@ -3730,7 +3733,7 @@
           <p:cNvPr id="8" name="Picture 7">
             <a:extLst>
               <a:ext uri="{FF2B5EF4-FFF2-40B4-BE49-F238E27FC236}">
-                <a16:creationId xmlns:a16="http://schemas.microsoft.com/office/drawing/2014/main" id="{E7435DCF-8C11-4FA5-AEA8-8E98E7D46411}"/>
+                <a16:creationId xmlns:a16="http://schemas.microsoft.com/office/drawing/2014/main" xmlns="" id="{E7435DCF-8C11-4FA5-AEA8-8E98E7D46411}"/>
               </a:ext>
             </a:extLst>
           </p:cNvPr>
@@ -3765,7 +3768,7 @@
           <p:cNvPr id="2" name="Title 1">
             <a:extLst>
               <a:ext uri="{FF2B5EF4-FFF2-40B4-BE49-F238E27FC236}">
-                <a16:creationId xmlns:a16="http://schemas.microsoft.com/office/drawing/2014/main" id="{FBA4D502-952D-4071-8EF5-85FDF331E55D}"/>
+                <a16:creationId xmlns:a16="http://schemas.microsoft.com/office/drawing/2014/main" xmlns="" id="{FBA4D502-952D-4071-8EF5-85FDF331E55D}"/>
               </a:ext>
             </a:extLst>
           </p:cNvPr>
@@ -3807,7 +3810,7 @@
           <p:cNvPr id="3" name="Subtitle 2">
             <a:extLst>
               <a:ext uri="{FF2B5EF4-FFF2-40B4-BE49-F238E27FC236}">
-                <a16:creationId xmlns:a16="http://schemas.microsoft.com/office/drawing/2014/main" id="{A1DA883F-F3B2-4B2A-B55F-3DD4B2A12B7D}"/>
+                <a16:creationId xmlns:a16="http://schemas.microsoft.com/office/drawing/2014/main" xmlns="" id="{A1DA883F-F3B2-4B2A-B55F-3DD4B2A12B7D}"/>
               </a:ext>
             </a:extLst>
           </p:cNvPr>
@@ -3889,7 +3892,7 @@
           <p:cNvPr id="2" name="Title 1">
             <a:extLst>
               <a:ext uri="{FF2B5EF4-FFF2-40B4-BE49-F238E27FC236}">
-                <a16:creationId xmlns:a16="http://schemas.microsoft.com/office/drawing/2014/main" id="{A5844E39-6986-4FAA-9021-9EE41299F672}"/>
+                <a16:creationId xmlns:a16="http://schemas.microsoft.com/office/drawing/2014/main" xmlns="" id="{A5844E39-6986-4FAA-9021-9EE41299F672}"/>
               </a:ext>
             </a:extLst>
           </p:cNvPr>
@@ -3933,7 +3936,7 @@
           <p:cNvPr id="6" name="Content Placeholder 5" descr="A screenshot of a cell phone&#10;&#10;Description generated with high confidence">
             <a:extLst>
               <a:ext uri="{FF2B5EF4-FFF2-40B4-BE49-F238E27FC236}">
-                <a16:creationId xmlns:a16="http://schemas.microsoft.com/office/drawing/2014/main" id="{1690824A-2836-43E3-BDBB-69560B6F04E1}"/>
+                <a16:creationId xmlns:a16="http://schemas.microsoft.com/office/drawing/2014/main" xmlns="" id="{1690824A-2836-43E3-BDBB-69560B6F04E1}"/>
               </a:ext>
             </a:extLst>
           </p:cNvPr>
@@ -3968,7 +3971,7 @@
           <p:cNvPr id="8" name="Content Placeholder 7" descr="A screenshot of a cell phone&#10;&#10;Description generated with high confidence">
             <a:extLst>
               <a:ext uri="{FF2B5EF4-FFF2-40B4-BE49-F238E27FC236}">
-                <a16:creationId xmlns:a16="http://schemas.microsoft.com/office/drawing/2014/main" id="{6DD977E3-4D56-42A8-BDE4-A51C6EC5EEB5}"/>
+                <a16:creationId xmlns:a16="http://schemas.microsoft.com/office/drawing/2014/main" xmlns="" id="{6DD977E3-4D56-42A8-BDE4-A51C6EC5EEB5}"/>
               </a:ext>
             </a:extLst>
           </p:cNvPr>
@@ -4044,7 +4047,7 @@
           <p:cNvPr id="7" name="Group 6" title="intersecting circles">
             <a:extLst>
               <a:ext uri="{FF2B5EF4-FFF2-40B4-BE49-F238E27FC236}">
-                <a16:creationId xmlns:a16="http://schemas.microsoft.com/office/drawing/2014/main" id="{D2C4BFA1-2075-4901-9E24-E41D1FDD51FD}"/>
+                <a16:creationId xmlns:a16="http://schemas.microsoft.com/office/drawing/2014/main" xmlns="" id="{D2C4BFA1-2075-4901-9E24-E41D1FDD51FD}"/>
               </a:ext>
             </a:extLst>
           </p:cNvPr>
@@ -4054,7 +4057,7 @@
           <p:nvPr>
             <p:extLst>
               <p:ext uri="{386F3935-93C4-4BCD-93E2-E3B085C9AB24}">
-                <p16:designElem xmlns:p16="http://schemas.microsoft.com/office/powerpoint/2015/main" val="1"/>
+                <p16:designElem xmlns:p16="http://schemas.microsoft.com/office/powerpoint/2015/main" xmlns="" val="1"/>
               </p:ext>
             </p:extLst>
           </p:nvPr>
@@ -4072,7 +4075,7 @@
             <p:cNvPr id="8" name="Oval 5">
               <a:extLst>
                 <a:ext uri="{FF2B5EF4-FFF2-40B4-BE49-F238E27FC236}">
-                  <a16:creationId xmlns:a16="http://schemas.microsoft.com/office/drawing/2014/main" id="{985A7375-E3AF-4F5C-85AE-17E8832952CA}"/>
+                  <a16:creationId xmlns:a16="http://schemas.microsoft.com/office/drawing/2014/main" xmlns="" id="{985A7375-E3AF-4F5C-85AE-17E8832952CA}"/>
                 </a:ext>
               </a:extLst>
             </p:cNvPr>
@@ -4082,7 +4085,7 @@
             <p:nvPr>
               <p:extLst>
                 <p:ext uri="{386F3935-93C4-4BCD-93E2-E3B085C9AB24}">
-                  <p16:designElem xmlns:p16="http://schemas.microsoft.com/office/powerpoint/2015/main" val="1"/>
+                  <p16:designElem xmlns:p16="http://schemas.microsoft.com/office/powerpoint/2015/main" xmlns="" val="1"/>
                 </p:ext>
               </p:extLst>
             </p:nvPr>
@@ -4110,7 +4113,7 @@
             <p:cNvPr id="9" name="Oval 8">
               <a:extLst>
                 <a:ext uri="{FF2B5EF4-FFF2-40B4-BE49-F238E27FC236}">
-                  <a16:creationId xmlns:a16="http://schemas.microsoft.com/office/drawing/2014/main" id="{F0307F65-8304-4FA8-A841-D4D7625411BE}"/>
+                  <a16:creationId xmlns:a16="http://schemas.microsoft.com/office/drawing/2014/main" xmlns="" id="{F0307F65-8304-4FA8-A841-D4D7625411BE}"/>
                 </a:ext>
               </a:extLst>
             </p:cNvPr>
@@ -4120,7 +4123,7 @@
             <p:nvPr>
               <p:extLst>
                 <p:ext uri="{386F3935-93C4-4BCD-93E2-E3B085C9AB24}">
-                  <p16:designElem xmlns:p16="http://schemas.microsoft.com/office/powerpoint/2015/main" val="1"/>
+                  <p16:designElem xmlns:p16="http://schemas.microsoft.com/office/powerpoint/2015/main" xmlns="" val="1"/>
                 </p:ext>
               </p:extLst>
             </p:nvPr>
@@ -4148,7 +4151,7 @@
             <p:cNvPr id="10" name="Oval 5">
               <a:extLst>
                 <a:ext uri="{FF2B5EF4-FFF2-40B4-BE49-F238E27FC236}">
-                  <a16:creationId xmlns:a16="http://schemas.microsoft.com/office/drawing/2014/main" id="{C8B8394C-136F-4E05-A002-D93A5E79CD50}"/>
+                  <a16:creationId xmlns:a16="http://schemas.microsoft.com/office/drawing/2014/main" xmlns="" id="{C8B8394C-136F-4E05-A002-D93A5E79CD50}"/>
                 </a:ext>
               </a:extLst>
             </p:cNvPr>
@@ -4158,7 +4161,7 @@
             <p:nvPr>
               <p:extLst>
                 <p:ext uri="{386F3935-93C4-4BCD-93E2-E3B085C9AB24}">
-                  <p16:designElem xmlns:p16="http://schemas.microsoft.com/office/powerpoint/2015/main" val="1"/>
+                  <p16:designElem xmlns:p16="http://schemas.microsoft.com/office/powerpoint/2015/main" xmlns="" val="1"/>
                 </p:ext>
               </p:extLst>
             </p:nvPr>
@@ -4187,7 +4190,7 @@
           <p:cNvPr id="12" name="Rectangle 11" title="ribbon">
             <a:extLst>
               <a:ext uri="{FF2B5EF4-FFF2-40B4-BE49-F238E27FC236}">
-                <a16:creationId xmlns:a16="http://schemas.microsoft.com/office/drawing/2014/main" id="{053FB2EE-284F-4C87-AB3D-BBF87A9FAB97}"/>
+                <a16:creationId xmlns:a16="http://schemas.microsoft.com/office/drawing/2014/main" xmlns="" id="{053FB2EE-284F-4C87-AB3D-BBF87A9FAB97}"/>
               </a:ext>
             </a:extLst>
           </p:cNvPr>
@@ -4197,7 +4200,7 @@
           <p:nvPr>
             <p:extLst>
               <p:ext uri="{386F3935-93C4-4BCD-93E2-E3B085C9AB24}">
-                <p16:designElem xmlns:p16="http://schemas.microsoft.com/office/powerpoint/2015/main" val="1"/>
+                <p16:designElem xmlns:p16="http://schemas.microsoft.com/office/powerpoint/2015/main" xmlns="" val="1"/>
               </p:ext>
             </p:extLst>
           </p:nvPr>
@@ -4239,7 +4242,7 @@
           <p:cNvPr id="2" name="Title 1">
             <a:extLst>
               <a:ext uri="{FF2B5EF4-FFF2-40B4-BE49-F238E27FC236}">
-                <a16:creationId xmlns:a16="http://schemas.microsoft.com/office/drawing/2014/main" id="{1A08BABF-A34D-4F9D-8649-2DF544A5B063}"/>
+                <a16:creationId xmlns:a16="http://schemas.microsoft.com/office/drawing/2014/main" xmlns="" id="{1A08BABF-A34D-4F9D-8649-2DF544A5B063}"/>
               </a:ext>
             </a:extLst>
           </p:cNvPr>
@@ -4273,6 +4276,14 @@
                 <a:cs typeface="+mj-cs"/>
               </a:rPr>
               <a:t>Data Pre-processing</a:t>
+            </a:r>
+            <a:r>
+              <a:rPr lang="en-US" sz="4000" dirty="0">
+                <a:solidFill>
+                  <a:schemeClr val="bg2"/>
+                </a:solidFill>
+              </a:rPr>
+              <a:t/>
             </a:r>
             <a:br>
               <a:rPr lang="en-US" sz="4000" dirty="0">
@@ -4336,7 +4347,7 @@
           <p:cNvPr id="2" name="Title 1">
             <a:extLst>
               <a:ext uri="{FF2B5EF4-FFF2-40B4-BE49-F238E27FC236}">
-                <a16:creationId xmlns:a16="http://schemas.microsoft.com/office/drawing/2014/main" id="{B678A683-798F-42EA-B43A-89EB3462EF45}"/>
+                <a16:creationId xmlns:a16="http://schemas.microsoft.com/office/drawing/2014/main" xmlns="" id="{B678A683-798F-42EA-B43A-89EB3462EF45}"/>
               </a:ext>
             </a:extLst>
           </p:cNvPr>
@@ -4380,7 +4391,7 @@
           <p:cNvPr id="8" name="Content Placeholder 5">
             <a:extLst>
               <a:ext uri="{FF2B5EF4-FFF2-40B4-BE49-F238E27FC236}">
-                <a16:creationId xmlns:a16="http://schemas.microsoft.com/office/drawing/2014/main" id="{ABA6BD62-2713-4BED-8588-5A5018EA8BA7}"/>
+                <a16:creationId xmlns:a16="http://schemas.microsoft.com/office/drawing/2014/main" xmlns="" id="{ABA6BD62-2713-4BED-8588-5A5018EA8BA7}"/>
               </a:ext>
             </a:extLst>
           </p:cNvPr>
@@ -4412,7 +4423,7 @@
           <p:cNvPr id="15" name="TextBox 14">
             <a:extLst>
               <a:ext uri="{FF2B5EF4-FFF2-40B4-BE49-F238E27FC236}">
-                <a16:creationId xmlns:a16="http://schemas.microsoft.com/office/drawing/2014/main" id="{F4583FDA-BE0C-434F-9B5D-77E504E336B0}"/>
+                <a16:creationId xmlns:a16="http://schemas.microsoft.com/office/drawing/2014/main" xmlns="" id="{F4583FDA-BE0C-434F-9B5D-77E504E336B0}"/>
               </a:ext>
             </a:extLst>
           </p:cNvPr>
@@ -4461,7 +4472,7 @@
           <p:cNvPr id="16" name="Table 15">
             <a:extLst>
               <a:ext uri="{FF2B5EF4-FFF2-40B4-BE49-F238E27FC236}">
-                <a16:creationId xmlns:a16="http://schemas.microsoft.com/office/drawing/2014/main" id="{ABECE236-5DC7-48D2-9B78-C40A29238D93}"/>
+                <a16:creationId xmlns:a16="http://schemas.microsoft.com/office/drawing/2014/main" xmlns="" id="{ABECE236-5DC7-48D2-9B78-C40A29238D93}"/>
               </a:ext>
             </a:extLst>
           </p:cNvPr>
@@ -4490,14 +4501,14 @@
                 <a:gridCol w="1094832">
                   <a:extLst>
                     <a:ext uri="{9D8B030D-6E8A-4147-A177-3AD203B41FA5}">
-                      <a16:colId xmlns:a16="http://schemas.microsoft.com/office/drawing/2014/main" val="3815070845"/>
+                      <a16:colId xmlns:a16="http://schemas.microsoft.com/office/drawing/2014/main" xmlns="" val="3815070845"/>
                     </a:ext>
                   </a:extLst>
                 </a:gridCol>
                 <a:gridCol w="887972">
                   <a:extLst>
                     <a:ext uri="{9D8B030D-6E8A-4147-A177-3AD203B41FA5}">
-                      <a16:colId xmlns:a16="http://schemas.microsoft.com/office/drawing/2014/main" val="761188252"/>
+                      <a16:colId xmlns:a16="http://schemas.microsoft.com/office/drawing/2014/main" xmlns="" val="761188252"/>
                     </a:ext>
                   </a:extLst>
                 </a:gridCol>
@@ -4551,7 +4562,7 @@
                 </a:tc>
                 <a:extLst>
                   <a:ext uri="{0D108BD9-81ED-4DB2-BD59-A6C34878D82A}">
-                    <a16:rowId xmlns:a16="http://schemas.microsoft.com/office/drawing/2014/main" val="3492616102"/>
+                    <a16:rowId xmlns:a16="http://schemas.microsoft.com/office/drawing/2014/main" xmlns="" val="3492616102"/>
                   </a:ext>
                 </a:extLst>
               </a:tr>
@@ -4563,7 +4574,7 @@
                     <a:p>
                       <a:pPr algn="l" fontAlgn="b"/>
                       <a:r>
-                        <a:rPr lang="en-US" sz="1100" u="none" strike="noStrike">
+                        <a:rPr lang="en-US" sz="1100" u="none" strike="noStrike" dirty="0" err="1">
                           <a:effectLst/>
                         </a:rPr>
                         <a:t>PoolQC</a:t>
@@ -4604,7 +4615,7 @@
                 </a:tc>
                 <a:extLst>
                   <a:ext uri="{0D108BD9-81ED-4DB2-BD59-A6C34878D82A}">
-                    <a16:rowId xmlns:a16="http://schemas.microsoft.com/office/drawing/2014/main" val="3276062966"/>
+                    <a16:rowId xmlns:a16="http://schemas.microsoft.com/office/drawing/2014/main" xmlns="" val="3276062966"/>
                   </a:ext>
                 </a:extLst>
               </a:tr>
@@ -4657,7 +4668,7 @@
                 </a:tc>
                 <a:extLst>
                   <a:ext uri="{0D108BD9-81ED-4DB2-BD59-A6C34878D82A}">
-                    <a16:rowId xmlns:a16="http://schemas.microsoft.com/office/drawing/2014/main" val="3920938786"/>
+                    <a16:rowId xmlns:a16="http://schemas.microsoft.com/office/drawing/2014/main" xmlns="" val="3920938786"/>
                   </a:ext>
                 </a:extLst>
               </a:tr>
@@ -4710,7 +4721,7 @@
                 </a:tc>
                 <a:extLst>
                   <a:ext uri="{0D108BD9-81ED-4DB2-BD59-A6C34878D82A}">
-                    <a16:rowId xmlns:a16="http://schemas.microsoft.com/office/drawing/2014/main" val="2045851911"/>
+                    <a16:rowId xmlns:a16="http://schemas.microsoft.com/office/drawing/2014/main" xmlns="" val="2045851911"/>
                   </a:ext>
                 </a:extLst>
               </a:tr>
@@ -4763,7 +4774,7 @@
                 </a:tc>
                 <a:extLst>
                   <a:ext uri="{0D108BD9-81ED-4DB2-BD59-A6C34878D82A}">
-                    <a16:rowId xmlns:a16="http://schemas.microsoft.com/office/drawing/2014/main" val="739765717"/>
+                    <a16:rowId xmlns:a16="http://schemas.microsoft.com/office/drawing/2014/main" xmlns="" val="739765717"/>
                   </a:ext>
                 </a:extLst>
               </a:tr>
@@ -4816,7 +4827,7 @@
                 </a:tc>
                 <a:extLst>
                   <a:ext uri="{0D108BD9-81ED-4DB2-BD59-A6C34878D82A}">
-                    <a16:rowId xmlns:a16="http://schemas.microsoft.com/office/drawing/2014/main" val="3682230653"/>
+                    <a16:rowId xmlns:a16="http://schemas.microsoft.com/office/drawing/2014/main" xmlns="" val="3682230653"/>
                   </a:ext>
                 </a:extLst>
               </a:tr>
@@ -4869,7 +4880,7 @@
                 </a:tc>
                 <a:extLst>
                   <a:ext uri="{0D108BD9-81ED-4DB2-BD59-A6C34878D82A}">
-                    <a16:rowId xmlns:a16="http://schemas.microsoft.com/office/drawing/2014/main" val="3731108153"/>
+                    <a16:rowId xmlns:a16="http://schemas.microsoft.com/office/drawing/2014/main" xmlns="" val="3731108153"/>
                   </a:ext>
                 </a:extLst>
               </a:tr>
@@ -4922,7 +4933,7 @@
                 </a:tc>
                 <a:extLst>
                   <a:ext uri="{0D108BD9-81ED-4DB2-BD59-A6C34878D82A}">
-                    <a16:rowId xmlns:a16="http://schemas.microsoft.com/office/drawing/2014/main" val="452638788"/>
+                    <a16:rowId xmlns:a16="http://schemas.microsoft.com/office/drawing/2014/main" xmlns="" val="452638788"/>
                   </a:ext>
                 </a:extLst>
               </a:tr>
@@ -4965,7 +4976,7 @@
           <p:cNvPr id="2" name="Title 1">
             <a:extLst>
               <a:ext uri="{FF2B5EF4-FFF2-40B4-BE49-F238E27FC236}">
-                <a16:creationId xmlns:a16="http://schemas.microsoft.com/office/drawing/2014/main" id="{B678A683-798F-42EA-B43A-89EB3462EF45}"/>
+                <a16:creationId xmlns:a16="http://schemas.microsoft.com/office/drawing/2014/main" xmlns="" id="{B678A683-798F-42EA-B43A-89EB3462EF45}"/>
               </a:ext>
             </a:extLst>
           </p:cNvPr>
@@ -5009,7 +5020,7 @@
           <p:cNvPr id="3" name="Text Placeholder 2">
             <a:extLst>
               <a:ext uri="{FF2B5EF4-FFF2-40B4-BE49-F238E27FC236}">
-                <a16:creationId xmlns:a16="http://schemas.microsoft.com/office/drawing/2014/main" id="{8B281D6B-49B4-4844-BE3F-BEAB4D279AFB}"/>
+                <a16:creationId xmlns:a16="http://schemas.microsoft.com/office/drawing/2014/main" xmlns="" id="{8B281D6B-49B4-4844-BE3F-BEAB4D279AFB}"/>
               </a:ext>
             </a:extLst>
           </p:cNvPr>
@@ -5054,7 +5065,7 @@
           <p:cNvPr id="5" name="Text Placeholder 4">
             <a:extLst>
               <a:ext uri="{FF2B5EF4-FFF2-40B4-BE49-F238E27FC236}">
-                <a16:creationId xmlns:a16="http://schemas.microsoft.com/office/drawing/2014/main" id="{F16C53F2-C53D-4DCD-BB4C-BA65D4B784E2}"/>
+                <a16:creationId xmlns:a16="http://schemas.microsoft.com/office/drawing/2014/main" xmlns="" id="{F16C53F2-C53D-4DCD-BB4C-BA65D4B784E2}"/>
               </a:ext>
             </a:extLst>
           </p:cNvPr>
@@ -5099,7 +5110,7 @@
           <p:cNvPr id="8" name="Content Placeholder 5">
             <a:extLst>
               <a:ext uri="{FF2B5EF4-FFF2-40B4-BE49-F238E27FC236}">
-                <a16:creationId xmlns:a16="http://schemas.microsoft.com/office/drawing/2014/main" id="{ABA6BD62-2713-4BED-8588-5A5018EA8BA7}"/>
+                <a16:creationId xmlns:a16="http://schemas.microsoft.com/office/drawing/2014/main" xmlns="" id="{ABA6BD62-2713-4BED-8588-5A5018EA8BA7}"/>
               </a:ext>
             </a:extLst>
           </p:cNvPr>
@@ -5131,7 +5142,7 @@
           <p:cNvPr id="6" name="Content Placeholder 5">
             <a:extLst>
               <a:ext uri="{FF2B5EF4-FFF2-40B4-BE49-F238E27FC236}">
-                <a16:creationId xmlns:a16="http://schemas.microsoft.com/office/drawing/2014/main" id="{105D9244-2480-4081-A63A-05EE107068A0}"/>
+                <a16:creationId xmlns:a16="http://schemas.microsoft.com/office/drawing/2014/main" xmlns="" id="{105D9244-2480-4081-A63A-05EE107068A0}"/>
               </a:ext>
             </a:extLst>
           </p:cNvPr>
@@ -5156,7 +5167,7 @@
           <p:cNvPr id="10" name="Picture 9">
             <a:extLst>
               <a:ext uri="{FF2B5EF4-FFF2-40B4-BE49-F238E27FC236}">
-                <a16:creationId xmlns:a16="http://schemas.microsoft.com/office/drawing/2014/main" id="{274335FC-E5A9-467C-A907-5096E7D5A685}"/>
+                <a16:creationId xmlns:a16="http://schemas.microsoft.com/office/drawing/2014/main" xmlns="" id="{274335FC-E5A9-467C-A907-5096E7D5A685}"/>
               </a:ext>
             </a:extLst>
           </p:cNvPr>
@@ -5216,7 +5227,7 @@
           <p:cNvPr id="2" name="Title 1">
             <a:extLst>
               <a:ext uri="{FF2B5EF4-FFF2-40B4-BE49-F238E27FC236}">
-                <a16:creationId xmlns:a16="http://schemas.microsoft.com/office/drawing/2014/main" id="{1400270B-B8E8-43F5-873B-012CA55CB05F}"/>
+                <a16:creationId xmlns:a16="http://schemas.microsoft.com/office/drawing/2014/main" xmlns="" id="{1400270B-B8E8-43F5-873B-012CA55CB05F}"/>
               </a:ext>
             </a:extLst>
           </p:cNvPr>
@@ -5260,7 +5271,7 @@
           <p:cNvPr id="7" name="Picture 6">
             <a:extLst>
               <a:ext uri="{FF2B5EF4-FFF2-40B4-BE49-F238E27FC236}">
-                <a16:creationId xmlns:a16="http://schemas.microsoft.com/office/drawing/2014/main" id="{CE9A7683-F99B-4BB9-9D5B-35E7978E378E}"/>
+                <a16:creationId xmlns:a16="http://schemas.microsoft.com/office/drawing/2014/main" xmlns="" id="{CE9A7683-F99B-4BB9-9D5B-35E7978E378E}"/>
               </a:ext>
             </a:extLst>
           </p:cNvPr>
@@ -5290,7 +5301,7 @@
           <p:cNvPr id="8" name="Picture 7">
             <a:extLst>
               <a:ext uri="{FF2B5EF4-FFF2-40B4-BE49-F238E27FC236}">
-                <a16:creationId xmlns:a16="http://schemas.microsoft.com/office/drawing/2014/main" id="{AF727EA7-E212-44DB-9F3D-B2D87E3B9E1C}"/>
+                <a16:creationId xmlns:a16="http://schemas.microsoft.com/office/drawing/2014/main" xmlns="" id="{AF727EA7-E212-44DB-9F3D-B2D87E3B9E1C}"/>
               </a:ext>
             </a:extLst>
           </p:cNvPr>
@@ -5350,7 +5361,7 @@
           <p:cNvPr id="2" name="Title 1">
             <a:extLst>
               <a:ext uri="{FF2B5EF4-FFF2-40B4-BE49-F238E27FC236}">
-                <a16:creationId xmlns:a16="http://schemas.microsoft.com/office/drawing/2014/main" id="{0079591C-C7CF-465A-8B80-4916BF201AB3}"/>
+                <a16:creationId xmlns:a16="http://schemas.microsoft.com/office/drawing/2014/main" xmlns="" id="{0079591C-C7CF-465A-8B80-4916BF201AB3}"/>
               </a:ext>
             </a:extLst>
           </p:cNvPr>
@@ -5394,7 +5405,7 @@
           <p:cNvPr id="3" name="Content Placeholder 2">
             <a:extLst>
               <a:ext uri="{FF2B5EF4-FFF2-40B4-BE49-F238E27FC236}">
-                <a16:creationId xmlns:a16="http://schemas.microsoft.com/office/drawing/2014/main" id="{17EB445F-F04E-451B-ABD1-6479155518B6}"/>
+                <a16:creationId xmlns:a16="http://schemas.microsoft.com/office/drawing/2014/main" xmlns="" id="{17EB445F-F04E-451B-ABD1-6479155518B6}"/>
               </a:ext>
             </a:extLst>
           </p:cNvPr>
@@ -5424,7 +5435,7 @@
           <p:cNvPr id="4" name="Content Placeholder 3">
             <a:extLst>
               <a:ext uri="{FF2B5EF4-FFF2-40B4-BE49-F238E27FC236}">
-                <a16:creationId xmlns:a16="http://schemas.microsoft.com/office/drawing/2014/main" id="{1F42EE73-685A-4DD2-9931-1D1B821AF3BD}"/>
+                <a16:creationId xmlns:a16="http://schemas.microsoft.com/office/drawing/2014/main" xmlns="" id="{1F42EE73-685A-4DD2-9931-1D1B821AF3BD}"/>
               </a:ext>
             </a:extLst>
           </p:cNvPr>
@@ -5484,7 +5495,7 @@
           <p:cNvPr id="2" name="Title 1">
             <a:extLst>
               <a:ext uri="{FF2B5EF4-FFF2-40B4-BE49-F238E27FC236}">
-                <a16:creationId xmlns:a16="http://schemas.microsoft.com/office/drawing/2014/main" id="{5F5F52D5-F627-47E7-8DA6-4AEC5AEF2181}"/>
+                <a16:creationId xmlns:a16="http://schemas.microsoft.com/office/drawing/2014/main" xmlns="" id="{5F5F52D5-F627-47E7-8DA6-4AEC5AEF2181}"/>
               </a:ext>
             </a:extLst>
           </p:cNvPr>
@@ -5523,7 +5534,7 @@
           <p:cNvPr id="3" name="Content Placeholder 2">
             <a:extLst>
               <a:ext uri="{FF2B5EF4-FFF2-40B4-BE49-F238E27FC236}">
-                <a16:creationId xmlns:a16="http://schemas.microsoft.com/office/drawing/2014/main" id="{9A167EDC-842F-4B0A-AC6A-351F61630CAB}"/>
+                <a16:creationId xmlns:a16="http://schemas.microsoft.com/office/drawing/2014/main" xmlns="" id="{9A167EDC-842F-4B0A-AC6A-351F61630CAB}"/>
               </a:ext>
             </a:extLst>
           </p:cNvPr>
@@ -5650,7 +5661,7 @@
           <p:cNvPr id="7" name="Group 6" title="intersecting circles">
             <a:extLst>
               <a:ext uri="{FF2B5EF4-FFF2-40B4-BE49-F238E27FC236}">
-                <a16:creationId xmlns:a16="http://schemas.microsoft.com/office/drawing/2014/main" id="{D2C4BFA1-2075-4901-9E24-E41D1FDD51FD}"/>
+                <a16:creationId xmlns:a16="http://schemas.microsoft.com/office/drawing/2014/main" xmlns="" id="{D2C4BFA1-2075-4901-9E24-E41D1FDD51FD}"/>
               </a:ext>
             </a:extLst>
           </p:cNvPr>
@@ -5660,7 +5671,7 @@
           <p:nvPr>
             <p:extLst>
               <p:ext uri="{386F3935-93C4-4BCD-93E2-E3B085C9AB24}">
-                <p16:designElem xmlns:p16="http://schemas.microsoft.com/office/powerpoint/2015/main" val="1"/>
+                <p16:designElem xmlns:p16="http://schemas.microsoft.com/office/powerpoint/2015/main" xmlns="" val="1"/>
               </p:ext>
             </p:extLst>
           </p:nvPr>
@@ -5678,7 +5689,7 @@
             <p:cNvPr id="8" name="Oval 5">
               <a:extLst>
                 <a:ext uri="{FF2B5EF4-FFF2-40B4-BE49-F238E27FC236}">
-                  <a16:creationId xmlns:a16="http://schemas.microsoft.com/office/drawing/2014/main" id="{985A7375-E3AF-4F5C-85AE-17E8832952CA}"/>
+                  <a16:creationId xmlns:a16="http://schemas.microsoft.com/office/drawing/2014/main" xmlns="" id="{985A7375-E3AF-4F5C-85AE-17E8832952CA}"/>
                 </a:ext>
               </a:extLst>
             </p:cNvPr>
@@ -5688,7 +5699,7 @@
             <p:nvPr>
               <p:extLst>
                 <p:ext uri="{386F3935-93C4-4BCD-93E2-E3B085C9AB24}">
-                  <p16:designElem xmlns:p16="http://schemas.microsoft.com/office/powerpoint/2015/main" val="1"/>
+                  <p16:designElem xmlns:p16="http://schemas.microsoft.com/office/powerpoint/2015/main" xmlns="" val="1"/>
                 </p:ext>
               </p:extLst>
             </p:nvPr>
@@ -5716,7 +5727,7 @@
             <p:cNvPr id="9" name="Oval 8">
               <a:extLst>
                 <a:ext uri="{FF2B5EF4-FFF2-40B4-BE49-F238E27FC236}">
-                  <a16:creationId xmlns:a16="http://schemas.microsoft.com/office/drawing/2014/main" id="{F0307F65-8304-4FA8-A841-D4D7625411BE}"/>
+                  <a16:creationId xmlns:a16="http://schemas.microsoft.com/office/drawing/2014/main" xmlns="" id="{F0307F65-8304-4FA8-A841-D4D7625411BE}"/>
                 </a:ext>
               </a:extLst>
             </p:cNvPr>
@@ -5726,7 +5737,7 @@
             <p:nvPr>
               <p:extLst>
                 <p:ext uri="{386F3935-93C4-4BCD-93E2-E3B085C9AB24}">
-                  <p16:designElem xmlns:p16="http://schemas.microsoft.com/office/powerpoint/2015/main" val="1"/>
+                  <p16:designElem xmlns:p16="http://schemas.microsoft.com/office/powerpoint/2015/main" xmlns="" val="1"/>
                 </p:ext>
               </p:extLst>
             </p:nvPr>
@@ -5754,7 +5765,7 @@
             <p:cNvPr id="10" name="Oval 5">
               <a:extLst>
                 <a:ext uri="{FF2B5EF4-FFF2-40B4-BE49-F238E27FC236}">
-                  <a16:creationId xmlns:a16="http://schemas.microsoft.com/office/drawing/2014/main" id="{C8B8394C-136F-4E05-A002-D93A5E79CD50}"/>
+                  <a16:creationId xmlns:a16="http://schemas.microsoft.com/office/drawing/2014/main" xmlns="" id="{C8B8394C-136F-4E05-A002-D93A5E79CD50}"/>
                 </a:ext>
               </a:extLst>
             </p:cNvPr>
@@ -5764,7 +5775,7 @@
             <p:nvPr>
               <p:extLst>
                 <p:ext uri="{386F3935-93C4-4BCD-93E2-E3B085C9AB24}">
-                  <p16:designElem xmlns:p16="http://schemas.microsoft.com/office/powerpoint/2015/main" val="1"/>
+                  <p16:designElem xmlns:p16="http://schemas.microsoft.com/office/powerpoint/2015/main" xmlns="" val="1"/>
                 </p:ext>
               </p:extLst>
             </p:nvPr>
@@ -5793,7 +5804,7 @@
           <p:cNvPr id="12" name="Rectangle 11" title="ribbon">
             <a:extLst>
               <a:ext uri="{FF2B5EF4-FFF2-40B4-BE49-F238E27FC236}">
-                <a16:creationId xmlns:a16="http://schemas.microsoft.com/office/drawing/2014/main" id="{053FB2EE-284F-4C87-AB3D-BBF87A9FAB97}"/>
+                <a16:creationId xmlns:a16="http://schemas.microsoft.com/office/drawing/2014/main" xmlns="" id="{053FB2EE-284F-4C87-AB3D-BBF87A9FAB97}"/>
               </a:ext>
             </a:extLst>
           </p:cNvPr>
@@ -5803,7 +5814,7 @@
           <p:nvPr>
             <p:extLst>
               <p:ext uri="{386F3935-93C4-4BCD-93E2-E3B085C9AB24}">
-                <p16:designElem xmlns:p16="http://schemas.microsoft.com/office/powerpoint/2015/main" val="1"/>
+                <p16:designElem xmlns:p16="http://schemas.microsoft.com/office/powerpoint/2015/main" xmlns="" val="1"/>
               </p:ext>
             </p:extLst>
           </p:nvPr>
@@ -5845,7 +5856,7 @@
           <p:cNvPr id="2" name="Title 1">
             <a:extLst>
               <a:ext uri="{FF2B5EF4-FFF2-40B4-BE49-F238E27FC236}">
-                <a16:creationId xmlns:a16="http://schemas.microsoft.com/office/drawing/2014/main" id="{D73EACD4-11B0-4C61-B08E-80EA74CE041B}"/>
+                <a16:creationId xmlns:a16="http://schemas.microsoft.com/office/drawing/2014/main" xmlns="" id="{D73EACD4-11B0-4C61-B08E-80EA74CE041B}"/>
               </a:ext>
             </a:extLst>
           </p:cNvPr>
@@ -5918,7 +5929,7 @@
           <p:cNvPr id="2" name="Title 1">
             <a:extLst>
               <a:ext uri="{FF2B5EF4-FFF2-40B4-BE49-F238E27FC236}">
-                <a16:creationId xmlns:a16="http://schemas.microsoft.com/office/drawing/2014/main" id="{2857359D-8E42-4E82-8425-9D60AB480CEB}"/>
+                <a16:creationId xmlns:a16="http://schemas.microsoft.com/office/drawing/2014/main" xmlns="" id="{2857359D-8E42-4E82-8425-9D60AB480CEB}"/>
               </a:ext>
             </a:extLst>
           </p:cNvPr>
@@ -5957,7 +5968,7 @@
           <p:cNvPr id="5" name="Content Placeholder 4" descr="A picture containing text, map&#10;&#10;Description generated with very high confidence">
             <a:extLst>
               <a:ext uri="{FF2B5EF4-FFF2-40B4-BE49-F238E27FC236}">
-                <a16:creationId xmlns:a16="http://schemas.microsoft.com/office/drawing/2014/main" id="{3F79C98B-27F5-4E14-88F3-CB814C72F9F9}"/>
+                <a16:creationId xmlns:a16="http://schemas.microsoft.com/office/drawing/2014/main" xmlns="" id="{3F79C98B-27F5-4E14-88F3-CB814C72F9F9}"/>
               </a:ext>
             </a:extLst>
           </p:cNvPr>
@@ -6022,7 +6033,7 @@
           <p:cNvPr id="2" name="Title 1">
             <a:extLst>
               <a:ext uri="{FF2B5EF4-FFF2-40B4-BE49-F238E27FC236}">
-                <a16:creationId xmlns:a16="http://schemas.microsoft.com/office/drawing/2014/main" id="{81143400-17C2-46C3-B542-3A5E93B82BAF}"/>
+                <a16:creationId xmlns:a16="http://schemas.microsoft.com/office/drawing/2014/main" xmlns="" id="{81143400-17C2-46C3-B542-3A5E93B82BAF}"/>
               </a:ext>
             </a:extLst>
           </p:cNvPr>
@@ -6052,7 +6063,7 @@
           <p:cNvPr id="3" name="Content Placeholder 2">
             <a:extLst>
               <a:ext uri="{FF2B5EF4-FFF2-40B4-BE49-F238E27FC236}">
-                <a16:creationId xmlns:a16="http://schemas.microsoft.com/office/drawing/2014/main" id="{86B482C9-595C-4996-BC26-73FABEB73EBA}"/>
+                <a16:creationId xmlns:a16="http://schemas.microsoft.com/office/drawing/2014/main" xmlns="" id="{86B482C9-595C-4996-BC26-73FABEB73EBA}"/>
               </a:ext>
             </a:extLst>
           </p:cNvPr>
@@ -6077,7 +6088,7 @@
           <p:cNvPr id="4" name="Content Placeholder 3">
             <a:extLst>
               <a:ext uri="{FF2B5EF4-FFF2-40B4-BE49-F238E27FC236}">
-                <a16:creationId xmlns:a16="http://schemas.microsoft.com/office/drawing/2014/main" id="{1FB9EF3B-5739-449C-8F2F-689564A71AA6}"/>
+                <a16:creationId xmlns:a16="http://schemas.microsoft.com/office/drawing/2014/main" xmlns="" id="{1FB9EF3B-5739-449C-8F2F-689564A71AA6}"/>
               </a:ext>
             </a:extLst>
           </p:cNvPr>
@@ -6132,7 +6143,7 @@
           <p:cNvPr id="2" name="Title 1">
             <a:extLst>
               <a:ext uri="{FF2B5EF4-FFF2-40B4-BE49-F238E27FC236}">
-                <a16:creationId xmlns:a16="http://schemas.microsoft.com/office/drawing/2014/main" id="{78C2549D-3C9C-4E70-97DB-F3E7F6878DD1}"/>
+                <a16:creationId xmlns:a16="http://schemas.microsoft.com/office/drawing/2014/main" xmlns="" id="{78C2549D-3C9C-4E70-97DB-F3E7F6878DD1}"/>
               </a:ext>
             </a:extLst>
           </p:cNvPr>
@@ -6171,7 +6182,7 @@
           <p:cNvPr id="3" name="Content Placeholder 2">
             <a:extLst>
               <a:ext uri="{FF2B5EF4-FFF2-40B4-BE49-F238E27FC236}">
-                <a16:creationId xmlns:a16="http://schemas.microsoft.com/office/drawing/2014/main" id="{9AD5DA06-32C0-4BB6-B574-482ECFA38830}"/>
+                <a16:creationId xmlns:a16="http://schemas.microsoft.com/office/drawing/2014/main" xmlns="" id="{9AD5DA06-32C0-4BB6-B574-482ECFA38830}"/>
               </a:ext>
             </a:extLst>
           </p:cNvPr>
@@ -6287,7 +6298,7 @@
           <p:cNvPr id="2" name="Title 1">
             <a:extLst>
               <a:ext uri="{FF2B5EF4-FFF2-40B4-BE49-F238E27FC236}">
-                <a16:creationId xmlns:a16="http://schemas.microsoft.com/office/drawing/2014/main" id="{031A250B-903B-4C2F-BBB0-E0E0E9895EAE}"/>
+                <a16:creationId xmlns:a16="http://schemas.microsoft.com/office/drawing/2014/main" xmlns="" id="{031A250B-903B-4C2F-BBB0-E0E0E9895EAE}"/>
               </a:ext>
             </a:extLst>
           </p:cNvPr>
@@ -6326,7 +6337,7 @@
           <p:cNvPr id="4" name="Content Placeholder 3">
             <a:extLst>
               <a:ext uri="{FF2B5EF4-FFF2-40B4-BE49-F238E27FC236}">
-                <a16:creationId xmlns:a16="http://schemas.microsoft.com/office/drawing/2014/main" id="{1A2CE107-84F2-49D3-8FEA-2C66BF7024A5}"/>
+                <a16:creationId xmlns:a16="http://schemas.microsoft.com/office/drawing/2014/main" xmlns="" id="{1A2CE107-84F2-49D3-8FEA-2C66BF7024A5}"/>
               </a:ext>
             </a:extLst>
           </p:cNvPr>
@@ -6358,7 +6369,7 @@
           <p:cNvPr id="6" name="Picture 5">
             <a:extLst>
               <a:ext uri="{FF2B5EF4-FFF2-40B4-BE49-F238E27FC236}">
-                <a16:creationId xmlns:a16="http://schemas.microsoft.com/office/drawing/2014/main" id="{630FABA8-E3EA-433B-B06B-D1AEEC2D1AE9}"/>
+                <a16:creationId xmlns:a16="http://schemas.microsoft.com/office/drawing/2014/main" xmlns="" id="{630FABA8-E3EA-433B-B06B-D1AEEC2D1AE9}"/>
               </a:ext>
             </a:extLst>
           </p:cNvPr>
@@ -6387,7 +6398,7 @@
           <p:cNvPr id="15" name="TextBox 14">
             <a:extLst>
               <a:ext uri="{FF2B5EF4-FFF2-40B4-BE49-F238E27FC236}">
-                <a16:creationId xmlns:a16="http://schemas.microsoft.com/office/drawing/2014/main" id="{32761442-04F3-4CB3-BA2C-C8547148D556}"/>
+                <a16:creationId xmlns:a16="http://schemas.microsoft.com/office/drawing/2014/main" xmlns="" id="{32761442-04F3-4CB3-BA2C-C8547148D556}"/>
               </a:ext>
             </a:extLst>
           </p:cNvPr>
@@ -6464,7 +6475,7 @@
           <p:cNvPr id="2" name="Title 1">
             <a:extLst>
               <a:ext uri="{FF2B5EF4-FFF2-40B4-BE49-F238E27FC236}">
-                <a16:creationId xmlns:a16="http://schemas.microsoft.com/office/drawing/2014/main" id="{FEC2F345-E0E0-48D5-A931-9DDAA72683B2}"/>
+                <a16:creationId xmlns:a16="http://schemas.microsoft.com/office/drawing/2014/main" xmlns="" id="{FEC2F345-E0E0-48D5-A931-9DDAA72683B2}"/>
               </a:ext>
             </a:extLst>
           </p:cNvPr>
@@ -6503,7 +6514,7 @@
           <p:cNvPr id="3" name="Rectangle 2">
             <a:extLst>
               <a:ext uri="{FF2B5EF4-FFF2-40B4-BE49-F238E27FC236}">
-                <a16:creationId xmlns:a16="http://schemas.microsoft.com/office/drawing/2014/main" id="{F011FC70-54BD-468D-8091-43615AB87158}"/>
+                <a16:creationId xmlns:a16="http://schemas.microsoft.com/office/drawing/2014/main" xmlns="" id="{F011FC70-54BD-468D-8091-43615AB87158}"/>
               </a:ext>
             </a:extLst>
           </p:cNvPr>
@@ -6553,7 +6564,7 @@
           <p:cNvPr id="4" name="Content Placeholder 3">
             <a:extLst>
               <a:ext uri="{FF2B5EF4-FFF2-40B4-BE49-F238E27FC236}">
-                <a16:creationId xmlns:a16="http://schemas.microsoft.com/office/drawing/2014/main" id="{8B692D5B-5E47-45E3-8323-449AC468B800}"/>
+                <a16:creationId xmlns:a16="http://schemas.microsoft.com/office/drawing/2014/main" xmlns="" id="{8B692D5B-5E47-45E3-8323-449AC468B800}"/>
               </a:ext>
             </a:extLst>
           </p:cNvPr>
@@ -6585,7 +6596,7 @@
           <p:cNvPr id="6" name="Rectangle 5">
             <a:extLst>
               <a:ext uri="{FF2B5EF4-FFF2-40B4-BE49-F238E27FC236}">
-                <a16:creationId xmlns:a16="http://schemas.microsoft.com/office/drawing/2014/main" id="{AA8C6DB7-4967-4826-96C6-F1FD38E38E53}"/>
+                <a16:creationId xmlns:a16="http://schemas.microsoft.com/office/drawing/2014/main" xmlns="" id="{AA8C6DB7-4967-4826-96C6-F1FD38E38E53}"/>
               </a:ext>
             </a:extLst>
           </p:cNvPr>
@@ -6666,7 +6677,7 @@
           <p:cNvPr id="2" name="Title 1">
             <a:extLst>
               <a:ext uri="{FF2B5EF4-FFF2-40B4-BE49-F238E27FC236}">
-                <a16:creationId xmlns:a16="http://schemas.microsoft.com/office/drawing/2014/main" id="{26BC1230-2632-4DEC-8F68-1A3083145C23}"/>
+                <a16:creationId xmlns:a16="http://schemas.microsoft.com/office/drawing/2014/main" xmlns="" id="{26BC1230-2632-4DEC-8F68-1A3083145C23}"/>
               </a:ext>
             </a:extLst>
           </p:cNvPr>
@@ -6705,7 +6716,7 @@
           <p:cNvPr id="5" name="Content Placeholder 4" descr="A screenshot of a computer&#10;&#10;Description generated with very high confidence">
             <a:extLst>
               <a:ext uri="{FF2B5EF4-FFF2-40B4-BE49-F238E27FC236}">
-                <a16:creationId xmlns:a16="http://schemas.microsoft.com/office/drawing/2014/main" id="{176E34E8-482E-4865-9492-04C3D531F08B}"/>
+                <a16:creationId xmlns:a16="http://schemas.microsoft.com/office/drawing/2014/main" xmlns="" id="{176E34E8-482E-4865-9492-04C3D531F08B}"/>
               </a:ext>
             </a:extLst>
           </p:cNvPr>
@@ -6780,7 +6791,7 @@
           <p:cNvPr id="44" name="Group 31" title="intersecting circles">
             <a:extLst>
               <a:ext uri="{FF2B5EF4-FFF2-40B4-BE49-F238E27FC236}">
-                <a16:creationId xmlns:a16="http://schemas.microsoft.com/office/drawing/2014/main" id="{D2C4BFA1-2075-4901-9E24-E41D1FDD51FD}"/>
+                <a16:creationId xmlns:a16="http://schemas.microsoft.com/office/drawing/2014/main" xmlns="" id="{D2C4BFA1-2075-4901-9E24-E41D1FDD51FD}"/>
               </a:ext>
             </a:extLst>
           </p:cNvPr>
@@ -6790,7 +6801,7 @@
           <p:nvPr>
             <p:extLst>
               <p:ext uri="{386F3935-93C4-4BCD-93E2-E3B085C9AB24}">
-                <p16:designElem xmlns:p16="http://schemas.microsoft.com/office/powerpoint/2015/main" val="1"/>
+                <p16:designElem xmlns:p16="http://schemas.microsoft.com/office/powerpoint/2015/main" xmlns="" val="1"/>
               </p:ext>
             </p:extLst>
           </p:nvPr>
@@ -6808,7 +6819,7 @@
             <p:cNvPr id="33" name="Oval 5">
               <a:extLst>
                 <a:ext uri="{FF2B5EF4-FFF2-40B4-BE49-F238E27FC236}">
-                  <a16:creationId xmlns:a16="http://schemas.microsoft.com/office/drawing/2014/main" id="{985A7375-E3AF-4F5C-85AE-17E8832952CA}"/>
+                  <a16:creationId xmlns:a16="http://schemas.microsoft.com/office/drawing/2014/main" xmlns="" id="{985A7375-E3AF-4F5C-85AE-17E8832952CA}"/>
                 </a:ext>
               </a:extLst>
             </p:cNvPr>
@@ -6818,7 +6829,7 @@
             <p:nvPr>
               <p:extLst>
                 <p:ext uri="{386F3935-93C4-4BCD-93E2-E3B085C9AB24}">
-                  <p16:designElem xmlns:p16="http://schemas.microsoft.com/office/powerpoint/2015/main" val="1"/>
+                  <p16:designElem xmlns:p16="http://schemas.microsoft.com/office/powerpoint/2015/main" xmlns="" val="1"/>
                 </p:ext>
               </p:extLst>
             </p:nvPr>
@@ -6846,7 +6857,7 @@
             <p:cNvPr id="45" name="Oval 33">
               <a:extLst>
                 <a:ext uri="{FF2B5EF4-FFF2-40B4-BE49-F238E27FC236}">
-                  <a16:creationId xmlns:a16="http://schemas.microsoft.com/office/drawing/2014/main" id="{F0307F65-8304-4FA8-A841-D4D7625411BE}"/>
+                  <a16:creationId xmlns:a16="http://schemas.microsoft.com/office/drawing/2014/main" xmlns="" id="{F0307F65-8304-4FA8-A841-D4D7625411BE}"/>
                 </a:ext>
               </a:extLst>
             </p:cNvPr>
@@ -6856,7 +6867,7 @@
             <p:nvPr>
               <p:extLst>
                 <p:ext uri="{386F3935-93C4-4BCD-93E2-E3B085C9AB24}">
-                  <p16:designElem xmlns:p16="http://schemas.microsoft.com/office/powerpoint/2015/main" val="1"/>
+                  <p16:designElem xmlns:p16="http://schemas.microsoft.com/office/powerpoint/2015/main" xmlns="" val="1"/>
                 </p:ext>
               </p:extLst>
             </p:nvPr>
@@ -6884,7 +6895,7 @@
             <p:cNvPr id="35" name="Oval 5">
               <a:extLst>
                 <a:ext uri="{FF2B5EF4-FFF2-40B4-BE49-F238E27FC236}">
-                  <a16:creationId xmlns:a16="http://schemas.microsoft.com/office/drawing/2014/main" id="{C8B8394C-136F-4E05-A002-D93A5E79CD50}"/>
+                  <a16:creationId xmlns:a16="http://schemas.microsoft.com/office/drawing/2014/main" xmlns="" id="{C8B8394C-136F-4E05-A002-D93A5E79CD50}"/>
                 </a:ext>
               </a:extLst>
             </p:cNvPr>
@@ -6894,7 +6905,7 @@
             <p:nvPr>
               <p:extLst>
                 <p:ext uri="{386F3935-93C4-4BCD-93E2-E3B085C9AB24}">
-                  <p16:designElem xmlns:p16="http://schemas.microsoft.com/office/powerpoint/2015/main" val="1"/>
+                  <p16:designElem xmlns:p16="http://schemas.microsoft.com/office/powerpoint/2015/main" xmlns="" val="1"/>
                 </p:ext>
               </p:extLst>
             </p:nvPr>
@@ -6923,7 +6934,7 @@
           <p:cNvPr id="37" name="Rectangle 36" title="ribbon">
             <a:extLst>
               <a:ext uri="{FF2B5EF4-FFF2-40B4-BE49-F238E27FC236}">
-                <a16:creationId xmlns:a16="http://schemas.microsoft.com/office/drawing/2014/main" id="{053FB2EE-284F-4C87-AB3D-BBF87A9FAB97}"/>
+                <a16:creationId xmlns:a16="http://schemas.microsoft.com/office/drawing/2014/main" xmlns="" id="{053FB2EE-284F-4C87-AB3D-BBF87A9FAB97}"/>
               </a:ext>
             </a:extLst>
           </p:cNvPr>
@@ -6933,7 +6944,7 @@
           <p:nvPr>
             <p:extLst>
               <p:ext uri="{386F3935-93C4-4BCD-93E2-E3B085C9AB24}">
-                <p16:designElem xmlns:p16="http://schemas.microsoft.com/office/powerpoint/2015/main" val="1"/>
+                <p16:designElem xmlns:p16="http://schemas.microsoft.com/office/powerpoint/2015/main" xmlns="" val="1"/>
               </p:ext>
             </p:extLst>
           </p:nvPr>
@@ -6975,7 +6986,7 @@
           <p:cNvPr id="2" name="TextBox 1">
             <a:extLst>
               <a:ext uri="{FF2B5EF4-FFF2-40B4-BE49-F238E27FC236}">
-                <a16:creationId xmlns:a16="http://schemas.microsoft.com/office/drawing/2014/main" id="{49610B88-E565-495E-83FB-685D64857340}"/>
+                <a16:creationId xmlns:a16="http://schemas.microsoft.com/office/drawing/2014/main" xmlns="" id="{49610B88-E565-495E-83FB-685D64857340}"/>
               </a:ext>
             </a:extLst>
           </p:cNvPr>
@@ -6993,7 +7004,7 @@
         </p:spPr>
         <p:txBody>
           <a:bodyPr vert="horz" lIns="91440" tIns="45720" rIns="91440" bIns="45720" rtlCol="0" anchor="ctr">
-            <a:normAutofit fontScale="77500" lnSpcReduction="20000"/>
+            <a:normAutofit/>
           </a:bodyPr>
           <a:lstStyle/>
           <a:p>
@@ -7016,8 +7027,25 @@
                 <a:ea typeface="+mj-ea"/>
                 <a:cs typeface="+mj-cs"/>
               </a:rPr>
-              <a:t>Model Selection</a:t>
-            </a:r>
+              <a:t>Model </a:t>
+            </a:r>
+            <a:r>
+              <a:rPr lang="en-US" sz="5200" kern="1200" dirty="0" smtClean="0">
+                <a:solidFill>
+                  <a:schemeClr val="bg2"/>
+                </a:solidFill>
+                <a:ea typeface="+mj-ea"/>
+                <a:cs typeface="+mj-cs"/>
+              </a:rPr>
+              <a:t>Training and Evaluation</a:t>
+            </a:r>
+            <a:endParaRPr lang="en-US" sz="5200" kern="1200" dirty="0">
+              <a:solidFill>
+                <a:schemeClr val="bg2"/>
+              </a:solidFill>
+              <a:ea typeface="+mj-ea"/>
+              <a:cs typeface="+mj-cs"/>
+            </a:endParaRPr>
           </a:p>
           <a:p>
             <a:pPr algn="ctr">
@@ -7031,74 +7059,14 @@
                 <a:spcPts val="600"/>
               </a:spcAft>
             </a:pPr>
-            <a:r>
-              <a:rPr lang="en-US" sz="4000" kern="1200" dirty="0">
-                <a:solidFill>
-                  <a:schemeClr val="bg2"/>
-                </a:solidFill>
-                <a:latin typeface="Brush Script MT" panose="03060802040406070304" pitchFamily="66" charset="0"/>
-                <a:ea typeface="+mj-ea"/>
-                <a:cs typeface="+mj-cs"/>
-              </a:rPr>
-              <a:t>‘If you torture the data enough, </a:t>
-            </a:r>
-            <a:r>
-              <a:rPr lang="en-US" sz="4000" dirty="0">
-                <a:solidFill>
-                  <a:schemeClr val="bg2"/>
-                </a:solidFill>
-                <a:latin typeface="Brush Script MT" panose="03060802040406070304" pitchFamily="66" charset="0"/>
-                <a:ea typeface="+mj-ea"/>
-                <a:cs typeface="+mj-cs"/>
-              </a:rPr>
-              <a:t>it</a:t>
-            </a:r>
-            <a:r>
-              <a:rPr lang="en-US" sz="4000" kern="1200" dirty="0">
-                <a:solidFill>
-                  <a:schemeClr val="bg2"/>
-                </a:solidFill>
-                <a:latin typeface="Brush Script MT" panose="03060802040406070304" pitchFamily="66" charset="0"/>
-                <a:ea typeface="+mj-ea"/>
-                <a:cs typeface="+mj-cs"/>
-              </a:rPr>
-              <a:t> will always confess’  </a:t>
-            </a:r>
-          </a:p>
-          <a:p>
-            <a:pPr algn="r">
-              <a:lnSpc>
-                <a:spcPct val="90000"/>
-              </a:lnSpc>
-              <a:spcBef>
-                <a:spcPct val="0"/>
-              </a:spcBef>
-              <a:spcAft>
-                <a:spcPts val="600"/>
-              </a:spcAft>
-            </a:pPr>
-            <a:r>
-              <a:rPr lang="en-US" sz="4000" kern="1200" dirty="0">
-                <a:solidFill>
-                  <a:schemeClr val="bg2"/>
-                </a:solidFill>
-                <a:latin typeface="+mj-lt"/>
-                <a:ea typeface="+mj-ea"/>
-                <a:cs typeface="+mj-cs"/>
-              </a:rPr>
-              <a:t>- </a:t>
-            </a:r>
-            <a:r>
-              <a:rPr lang="en-US" sz="2000" kern="1200" dirty="0">
-                <a:solidFill>
-                  <a:schemeClr val="bg2"/>
-                </a:solidFill>
-                <a:latin typeface="+mj-lt"/>
-                <a:ea typeface="+mj-ea"/>
-                <a:cs typeface="+mj-cs"/>
-              </a:rPr>
-              <a:t>Ronald Coase, British Economist </a:t>
-            </a:r>
+            <a:endParaRPr lang="en-US" sz="2000" kern="1200" dirty="0">
+              <a:solidFill>
+                <a:schemeClr val="bg2"/>
+              </a:solidFill>
+              <a:latin typeface="+mj-lt"/>
+              <a:ea typeface="+mj-ea"/>
+              <a:cs typeface="+mj-cs"/>
+            </a:endParaRPr>
           </a:p>
         </p:txBody>
       </p:sp>
@@ -7134,106 +7102,61 @@
       </p:grpSpPr>
       <p:sp>
         <p:nvSpPr>
-          <p:cNvPr id="2" name="Title 1">
-            <a:extLst>
-              <a:ext uri="{FF2B5EF4-FFF2-40B4-BE49-F238E27FC236}">
-                <a16:creationId xmlns:a16="http://schemas.microsoft.com/office/drawing/2014/main" id="{9B78F177-1358-4CCC-A29F-A2C9AF12CA90}"/>
-              </a:ext>
-            </a:extLst>
-          </p:cNvPr>
+          <p:cNvPr id="2" name="Title 1"/>
           <p:cNvSpPr>
             <a:spLocks noGrp="1"/>
           </p:cNvSpPr>
           <p:nvPr>
-            <p:ph type="title"/>
+            <p:ph type="ctrTitle"/>
           </p:nvPr>
         </p:nvSpPr>
-        <p:spPr/>
+        <p:spPr>
+          <a:xfrm>
+            <a:off x="655982" y="2093844"/>
+            <a:ext cx="10363200" cy="1470025"/>
+          </a:xfrm>
+        </p:spPr>
         <p:txBody>
-          <a:bodyPr/>
+          <a:bodyPr>
+            <a:normAutofit/>
+          </a:bodyPr>
           <a:lstStyle/>
           <a:p>
-            <a:endParaRPr lang="en-US"/>
-          </a:p>
-        </p:txBody>
-      </p:sp>
-      <p:sp>
-        <p:nvSpPr>
-          <p:cNvPr id="3" name="Content Placeholder 2">
-            <a:extLst>
-              <a:ext uri="{FF2B5EF4-FFF2-40B4-BE49-F238E27FC236}">
-                <a16:creationId xmlns:a16="http://schemas.microsoft.com/office/drawing/2014/main" id="{A590EC32-C3D2-4FAA-9B63-58302AC2AB3B}"/>
-              </a:ext>
-            </a:extLst>
-          </p:cNvPr>
-          <p:cNvSpPr>
-            <a:spLocks noGrp="1"/>
-          </p:cNvSpPr>
-          <p:nvPr>
-            <p:ph sz="half" idx="1"/>
-          </p:nvPr>
-        </p:nvSpPr>
-        <p:spPr/>
-        <p:txBody>
-          <a:bodyPr/>
-          <a:lstStyle/>
-          <a:p>
-            <a:endParaRPr lang="en-US"/>
-          </a:p>
-        </p:txBody>
-      </p:sp>
-      <p:sp>
-        <p:nvSpPr>
-          <p:cNvPr id="4" name="Content Placeholder 3">
-            <a:extLst>
-              <a:ext uri="{FF2B5EF4-FFF2-40B4-BE49-F238E27FC236}">
-                <a16:creationId xmlns:a16="http://schemas.microsoft.com/office/drawing/2014/main" id="{726E1ED7-56F8-44B2-B055-ED9366B21BE9}"/>
-              </a:ext>
-            </a:extLst>
-          </p:cNvPr>
-          <p:cNvSpPr>
-            <a:spLocks noGrp="1"/>
-          </p:cNvSpPr>
-          <p:nvPr>
-            <p:ph sz="half" idx="2"/>
-          </p:nvPr>
-        </p:nvSpPr>
-        <p:spPr/>
-        <p:txBody>
-          <a:bodyPr/>
-          <a:lstStyle/>
-          <a:p>
-            <a:endParaRPr lang="en-US"/>
+            <a:r>
+              <a:rPr lang="en-US" sz="4400" b="1" dirty="0" smtClean="0">
+                <a:solidFill>
+                  <a:srgbClr val="0070C0"/>
+                </a:solidFill>
+              </a:rPr>
+              <a:t>Multiple Linear Regression</a:t>
+            </a:r>
+            <a:endParaRPr lang="en-US" sz="2800" b="1" dirty="0"/>
           </a:p>
         </p:txBody>
       </p:sp>
     </p:spTree>
     <p:extLst>
       <p:ext uri="{BB962C8B-B14F-4D97-AF65-F5344CB8AC3E}">
-        <p14:creationId xmlns:p14="http://schemas.microsoft.com/office/powerpoint/2010/main" val="2659177866"/>
+        <p14:creationId xmlns:p14="http://schemas.microsoft.com/office/powerpoint/2010/main" val="2868657366"/>
       </p:ext>
     </p:extLst>
   </p:cSld>
   <p:clrMapOvr>
     <a:masterClrMapping/>
   </p:clrMapOvr>
+  <p:timing>
+    <p:tnLst>
+      <p:par>
+        <p:cTn id="1" dur="indefinite" restart="never" nodeType="tmRoot"/>
+      </p:par>
+    </p:tnLst>
+  </p:timing>
 </p:sld>
 </file>
 
 <file path=ppt/slides/slide25.xml><?xml version="1.0" encoding="utf-8"?>
 <p:sld xmlns:a="http://schemas.openxmlformats.org/drawingml/2006/main" xmlns:r="http://schemas.openxmlformats.org/officeDocument/2006/relationships" xmlns:p="http://schemas.openxmlformats.org/presentationml/2006/main">
   <p:cSld>
-    <p:bg>
-      <p:bgPr>
-        <a:solidFill>
-          <a:schemeClr val="bg1">
-            <a:tint val="95000"/>
-            <a:satMod val="170000"/>
-          </a:schemeClr>
-        </a:solidFill>
-        <a:effectLst/>
-      </p:bgPr>
-    </p:bg>
     <p:spTree>
       <p:nvGrpSpPr>
         <p:cNvPr id="1" name=""/>
@@ -7248,254 +7171,2425 @@
           <a:chExt cx="0" cy="0"/>
         </a:xfrm>
       </p:grpSpPr>
-      <p:grpSp>
-        <p:nvGrpSpPr>
-          <p:cNvPr id="8" name="Group 7" title="intersecting circles">
-            <a:extLst>
-              <a:ext uri="{FF2B5EF4-FFF2-40B4-BE49-F238E27FC236}">
-                <a16:creationId xmlns:a16="http://schemas.microsoft.com/office/drawing/2014/main" id="{D2C4BFA1-2075-4901-9E24-E41D1FDD51FD}"/>
-              </a:ext>
-            </a:extLst>
-          </p:cNvPr>
-          <p:cNvGrpSpPr>
-            <a:grpSpLocks noGrp="1" noUngrp="1" noRot="1" noChangeAspect="1" noMove="1" noResize="1"/>
-          </p:cNvGrpSpPr>
-          <p:nvPr>
-            <p:extLst>
-              <p:ext uri="{386F3935-93C4-4BCD-93E2-E3B085C9AB24}">
-                <p16:designElem xmlns:p16="http://schemas.microsoft.com/office/powerpoint/2015/main" val="1"/>
-              </p:ext>
-            </p:extLst>
-          </p:nvPr>
-        </p:nvGrpSpPr>
-        <p:grpSpPr>
-          <a:xfrm>
-            <a:off x="1155481" y="498348"/>
-            <a:ext cx="9902663" cy="5861304"/>
-            <a:chOff x="1155481" y="498348"/>
-            <a:chExt cx="9902663" cy="5861304"/>
-          </a:xfrm>
-        </p:grpSpPr>
-        <p:sp>
-          <p:nvSpPr>
-            <p:cNvPr id="9" name="Oval 5">
-              <a:extLst>
-                <a:ext uri="{FF2B5EF4-FFF2-40B4-BE49-F238E27FC236}">
-                  <a16:creationId xmlns:a16="http://schemas.microsoft.com/office/drawing/2014/main" id="{985A7375-E3AF-4F5C-85AE-17E8832952CA}"/>
-                </a:ext>
-              </a:extLst>
-            </p:cNvPr>
-            <p:cNvSpPr>
-              <a:spLocks noChangeArrowheads="1"/>
-            </p:cNvSpPr>
-            <p:nvPr>
-              <p:extLst>
-                <p:ext uri="{386F3935-93C4-4BCD-93E2-E3B085C9AB24}">
-                  <p16:designElem xmlns:p16="http://schemas.microsoft.com/office/powerpoint/2015/main" val="1"/>
-                </p:ext>
-              </p:extLst>
-            </p:nvPr>
-          </p:nvSpPr>
-          <p:spPr bwMode="auto">
-            <a:xfrm>
-              <a:off x="1155481" y="498348"/>
-              <a:ext cx="5861304" cy="5861304"/>
-            </a:xfrm>
-            <a:prstGeom prst="ellipse">
-              <a:avLst/>
-            </a:prstGeom>
-            <a:solidFill>
-              <a:schemeClr val="accent1">
-                <a:alpha val="55000"/>
-              </a:schemeClr>
-            </a:solidFill>
-            <a:ln>
-              <a:noFill/>
-            </a:ln>
-          </p:spPr>
-        </p:sp>
-        <p:sp>
-          <p:nvSpPr>
-            <p:cNvPr id="10" name="Oval 9">
-              <a:extLst>
-                <a:ext uri="{FF2B5EF4-FFF2-40B4-BE49-F238E27FC236}">
-                  <a16:creationId xmlns:a16="http://schemas.microsoft.com/office/drawing/2014/main" id="{F0307F65-8304-4FA8-A841-D4D7625411BE}"/>
-                </a:ext>
-              </a:extLst>
-            </p:cNvPr>
-            <p:cNvSpPr>
-              <a:spLocks noChangeArrowheads="1"/>
-            </p:cNvSpPr>
-            <p:nvPr>
-              <p:extLst>
-                <p:ext uri="{386F3935-93C4-4BCD-93E2-E3B085C9AB24}">
-                  <p16:designElem xmlns:p16="http://schemas.microsoft.com/office/powerpoint/2015/main" val="1"/>
-                </p:ext>
-              </p:extLst>
-            </p:nvPr>
-          </p:nvSpPr>
-          <p:spPr bwMode="auto">
-            <a:xfrm>
-              <a:off x="5196840" y="498348"/>
-              <a:ext cx="5861304" cy="5861304"/>
-            </a:xfrm>
-            <a:prstGeom prst="ellipse">
-              <a:avLst/>
-            </a:prstGeom>
-            <a:solidFill>
-              <a:schemeClr val="accent1">
-                <a:alpha val="55000"/>
-              </a:schemeClr>
-            </a:solidFill>
-            <a:ln>
-              <a:noFill/>
-            </a:ln>
-          </p:spPr>
-        </p:sp>
-        <p:sp>
-          <p:nvSpPr>
-            <p:cNvPr id="11" name="Oval 5">
-              <a:extLst>
-                <a:ext uri="{FF2B5EF4-FFF2-40B4-BE49-F238E27FC236}">
-                  <a16:creationId xmlns:a16="http://schemas.microsoft.com/office/drawing/2014/main" id="{C8B8394C-136F-4E05-A002-D93A5E79CD50}"/>
-                </a:ext>
-              </a:extLst>
-            </p:cNvPr>
-            <p:cNvSpPr>
-              <a:spLocks noChangeArrowheads="1"/>
-            </p:cNvSpPr>
-            <p:nvPr>
-              <p:extLst>
-                <p:ext uri="{386F3935-93C4-4BCD-93E2-E3B085C9AB24}">
-                  <p16:designElem xmlns:p16="http://schemas.microsoft.com/office/powerpoint/2015/main" val="1"/>
-                </p:ext>
-              </p:extLst>
-            </p:nvPr>
-          </p:nvSpPr>
-          <p:spPr bwMode="auto">
-            <a:xfrm>
-              <a:off x="3165348" y="498348"/>
-              <a:ext cx="5861304" cy="5861304"/>
-            </a:xfrm>
-            <a:prstGeom prst="ellipse">
-              <a:avLst/>
-            </a:prstGeom>
-            <a:solidFill>
-              <a:schemeClr val="accent1">
-                <a:alpha val="70000"/>
-              </a:schemeClr>
-            </a:solidFill>
-            <a:ln>
-              <a:noFill/>
-            </a:ln>
-          </p:spPr>
-        </p:sp>
-      </p:grpSp>
       <p:sp>
         <p:nvSpPr>
-          <p:cNvPr id="13" name="Rectangle 12" title="ribbon">
-            <a:extLst>
-              <a:ext uri="{FF2B5EF4-FFF2-40B4-BE49-F238E27FC236}">
-                <a16:creationId xmlns:a16="http://schemas.microsoft.com/office/drawing/2014/main" id="{053FB2EE-284F-4C87-AB3D-BBF87A9FAB97}"/>
-              </a:ext>
-            </a:extLst>
-          </p:cNvPr>
+          <p:cNvPr id="2" name="Title 1"/>
           <p:cNvSpPr>
-            <a:spLocks noGrp="1" noRot="1" noChangeAspect="1" noMove="1" noResize="1" noEditPoints="1" noAdjustHandles="1" noChangeArrowheads="1" noChangeShapeType="1" noTextEdit="1"/>
+            <a:spLocks noGrp="1"/>
           </p:cNvSpPr>
           <p:nvPr>
-            <p:extLst>
-              <p:ext uri="{386F3935-93C4-4BCD-93E2-E3B085C9AB24}">
-                <p16:designElem xmlns:p16="http://schemas.microsoft.com/office/powerpoint/2015/main" val="1"/>
-              </p:ext>
-            </p:extLst>
+            <p:ph type="title"/>
           </p:nvPr>
         </p:nvSpPr>
         <p:spPr>
           <a:xfrm>
-            <a:off x="0" y="2514600"/>
-            <a:ext cx="12192000" cy="1828800"/>
-          </a:xfrm>
-          <a:prstGeom prst="rect">
-            <a:avLst/>
-          </a:prstGeom>
-          <a:solidFill>
-            <a:schemeClr val="tx2"/>
-          </a:solidFill>
-          <a:ln>
-            <a:noFill/>
-          </a:ln>
-        </p:spPr>
-        <p:style>
-          <a:lnRef idx="2">
-            <a:schemeClr val="accent1">
-              <a:shade val="50000"/>
-            </a:schemeClr>
-          </a:lnRef>
-          <a:fillRef idx="1">
-            <a:schemeClr val="accent1"/>
-          </a:fillRef>
-          <a:effectRef idx="0">
-            <a:schemeClr val="accent1"/>
-          </a:effectRef>
-          <a:fontRef idx="minor">
-            <a:schemeClr val="lt1"/>
-          </a:fontRef>
-        </p:style>
-      </p:sp>
-      <p:sp>
-        <p:nvSpPr>
-          <p:cNvPr id="2" name="Title 1">
-            <a:extLst>
-              <a:ext uri="{FF2B5EF4-FFF2-40B4-BE49-F238E27FC236}">
-                <a16:creationId xmlns:a16="http://schemas.microsoft.com/office/drawing/2014/main" id="{7EBCB659-23B0-4542-B9AF-C8F4952A266B}"/>
-              </a:ext>
-            </a:extLst>
-          </p:cNvPr>
-          <p:cNvSpPr>
-            <a:spLocks noGrp="1"/>
-          </p:cNvSpPr>
-          <p:nvPr>
-            <p:ph type="title"/>
-          </p:nvPr>
-        </p:nvSpPr>
-        <p:spPr>
-          <a:xfrm>
-            <a:off x="1524000" y="2776538"/>
-            <a:ext cx="9144000" cy="1381188"/>
+            <a:off x="0" y="0"/>
+            <a:ext cx="3352800" cy="457200"/>
           </a:xfrm>
         </p:spPr>
         <p:txBody>
-          <a:bodyPr vert="horz" lIns="91440" tIns="45720" rIns="91440" bIns="45720" rtlCol="0" anchor="ctr">
-            <a:normAutofit/>
+          <a:bodyPr>
+            <a:noAutofit/>
           </a:bodyPr>
           <a:lstStyle/>
           <a:p>
-            <a:pPr algn="ctr"/>
-            <a:r>
-              <a:rPr lang="en-US" sz="4000" b="1" kern="1200" dirty="0">
+            <a:r>
+              <a:rPr lang="en-US" sz="2800" b="1" dirty="0" smtClean="0">
                 <a:solidFill>
-                  <a:schemeClr val="bg2"/>
+                  <a:srgbClr val="0070C0"/>
                 </a:solidFill>
-                <a:latin typeface="+mj-lt"/>
-                <a:ea typeface="+mj-ea"/>
-                <a:cs typeface="+mj-cs"/>
               </a:rPr>
-              <a:t>Model Evaluation</a:t>
-            </a:r>
+              <a:t>Summary Statistics</a:t>
+            </a:r>
+            <a:endParaRPr lang="en-US" sz="2800" dirty="0"/>
           </a:p>
         </p:txBody>
       </p:sp>
+      <p:graphicFrame>
+        <p:nvGraphicFramePr>
+          <p:cNvPr id="19" name="Table 18"/>
+          <p:cNvGraphicFramePr>
+            <a:graphicFrameLocks noGrp="1"/>
+          </p:cNvGraphicFramePr>
+          <p:nvPr>
+            <p:extLst>
+              <p:ext uri="{D42A27DB-BD31-4B8C-83A1-F6EECF244321}">
+                <p14:modId xmlns:p14="http://schemas.microsoft.com/office/powerpoint/2010/main" val="365240754"/>
+              </p:ext>
+            </p:extLst>
+          </p:nvPr>
+        </p:nvGraphicFramePr>
+        <p:xfrm>
+          <a:off x="4165573" y="6"/>
+          <a:ext cx="5772759" cy="6850004"/>
+        </p:xfrm>
+        <a:graphic>
+          <a:graphicData uri="http://schemas.openxmlformats.org/drawingml/2006/table">
+            <a:tbl>
+              <a:tblPr/>
+              <a:tblGrid>
+                <a:gridCol w="5772759"/>
+              </a:tblGrid>
+              <a:tr h="92259">
+                <a:tc>
+                  <a:txBody>
+                    <a:bodyPr/>
+                    <a:lstStyle/>
+                    <a:p>
+                      <a:pPr algn="l" fontAlgn="ctr"/>
+                      <a:r>
+                        <a:rPr lang="en-US" sz="900" b="0" i="0" u="none" strike="noStrike" dirty="0">
+                          <a:solidFill>
+                            <a:srgbClr val="000000"/>
+                          </a:solidFill>
+                          <a:effectLst/>
+                          <a:latin typeface="Lucida Console"/>
+                        </a:rPr>
+                        <a:t>Coefficients:</a:t>
+                      </a:r>
+                    </a:p>
+                  </a:txBody>
+                  <a:tcPr marL="3515" marR="3515" marT="2636" marB="0" anchor="ctr">
+                    <a:lnL w="6350" cap="flat" cmpd="sng" algn="ctr">
+                      <a:solidFill>
+                        <a:srgbClr val="000000"/>
+                      </a:solidFill>
+                      <a:prstDash val="solid"/>
+                      <a:round/>
+                      <a:headEnd type="none" w="med" len="med"/>
+                      <a:tailEnd type="none" w="med" len="med"/>
+                    </a:lnL>
+                    <a:lnR w="6350" cap="flat" cmpd="sng" algn="ctr">
+                      <a:solidFill>
+                        <a:srgbClr val="000000"/>
+                      </a:solidFill>
+                      <a:prstDash val="solid"/>
+                      <a:round/>
+                      <a:headEnd type="none" w="med" len="med"/>
+                      <a:tailEnd type="none" w="med" len="med"/>
+                    </a:lnR>
+                    <a:lnT w="6350" cap="flat" cmpd="sng" algn="ctr">
+                      <a:solidFill>
+                        <a:srgbClr val="000000"/>
+                      </a:solidFill>
+                      <a:prstDash val="solid"/>
+                      <a:round/>
+                      <a:headEnd type="none" w="med" len="med"/>
+                      <a:tailEnd type="none" w="med" len="med"/>
+                    </a:lnT>
+                    <a:lnB>
+                      <a:noFill/>
+                    </a:lnB>
+                  </a:tcPr>
+                </a:tc>
+              </a:tr>
+              <a:tr h="92259">
+                <a:tc>
+                  <a:txBody>
+                    <a:bodyPr/>
+                    <a:lstStyle/>
+                    <a:p>
+                      <a:pPr algn="l" fontAlgn="ctr"/>
+                      <a:r>
+                        <a:rPr lang="en-US" sz="900" b="0" i="0" u="none" strike="noStrike" dirty="0">
+                          <a:solidFill>
+                            <a:srgbClr val="000000"/>
+                          </a:solidFill>
+                          <a:effectLst/>
+                          <a:latin typeface="Lucida Console"/>
+                        </a:rPr>
+                        <a:t>                     Estimate Std. Error t value Pr(&gt;|t|)    </a:t>
+                      </a:r>
+                    </a:p>
+                  </a:txBody>
+                  <a:tcPr marL="3515" marR="3515" marT="2636" marB="0" anchor="ctr">
+                    <a:lnL w="6350" cap="flat" cmpd="sng" algn="ctr">
+                      <a:solidFill>
+                        <a:srgbClr val="000000"/>
+                      </a:solidFill>
+                      <a:prstDash val="solid"/>
+                      <a:round/>
+                      <a:headEnd type="none" w="med" len="med"/>
+                      <a:tailEnd type="none" w="med" len="med"/>
+                    </a:lnL>
+                    <a:lnR w="6350" cap="flat" cmpd="sng" algn="ctr">
+                      <a:solidFill>
+                        <a:srgbClr val="000000"/>
+                      </a:solidFill>
+                      <a:prstDash val="solid"/>
+                      <a:round/>
+                      <a:headEnd type="none" w="med" len="med"/>
+                      <a:tailEnd type="none" w="med" len="med"/>
+                    </a:lnR>
+                    <a:lnT>
+                      <a:noFill/>
+                    </a:lnT>
+                    <a:lnB>
+                      <a:noFill/>
+                    </a:lnB>
+                  </a:tcPr>
+                </a:tc>
+              </a:tr>
+              <a:tr h="92259">
+                <a:tc>
+                  <a:txBody>
+                    <a:bodyPr/>
+                    <a:lstStyle/>
+                    <a:p>
+                      <a:pPr algn="l" fontAlgn="ctr"/>
+                      <a:r>
+                        <a:rPr lang="pt-BR" sz="900" b="0" i="0" u="none" strike="noStrike">
+                          <a:solidFill>
+                            <a:srgbClr val="000000"/>
+                          </a:solidFill>
+                          <a:effectLst/>
+                          <a:latin typeface="Lucida Console"/>
+                        </a:rPr>
+                        <a:t>(Intercept)          1.12e+01   6.23e-02  179.81  &lt; 2e-16 ***</a:t>
+                      </a:r>
+                    </a:p>
+                  </a:txBody>
+                  <a:tcPr marL="3515" marR="3515" marT="2636" marB="0" anchor="ctr">
+                    <a:lnL w="6350" cap="flat" cmpd="sng" algn="ctr">
+                      <a:solidFill>
+                        <a:srgbClr val="000000"/>
+                      </a:solidFill>
+                      <a:prstDash val="solid"/>
+                      <a:round/>
+                      <a:headEnd type="none" w="med" len="med"/>
+                      <a:tailEnd type="none" w="med" len="med"/>
+                    </a:lnL>
+                    <a:lnR w="6350" cap="flat" cmpd="sng" algn="ctr">
+                      <a:solidFill>
+                        <a:srgbClr val="000000"/>
+                      </a:solidFill>
+                      <a:prstDash val="solid"/>
+                      <a:round/>
+                      <a:headEnd type="none" w="med" len="med"/>
+                      <a:tailEnd type="none" w="med" len="med"/>
+                    </a:lnR>
+                    <a:lnT>
+                      <a:noFill/>
+                    </a:lnT>
+                    <a:lnB>
+                      <a:noFill/>
+                    </a:lnB>
+                  </a:tcPr>
+                </a:tc>
+              </a:tr>
+              <a:tr h="92259">
+                <a:tc>
+                  <a:txBody>
+                    <a:bodyPr/>
+                    <a:lstStyle/>
+                    <a:p>
+                      <a:pPr algn="l" fontAlgn="ctr"/>
+                      <a:r>
+                        <a:rPr lang="en-US" sz="900" b="0" i="0" u="none" strike="noStrike" dirty="0">
+                          <a:solidFill>
+                            <a:srgbClr val="000000"/>
+                          </a:solidFill>
+                          <a:effectLst/>
+                          <a:latin typeface="Lucida Console"/>
+                        </a:rPr>
+                        <a:t>NeighborhoodBlueste -1.53e-01   9.97e-02   -1.53  0.12562    </a:t>
+                      </a:r>
+                    </a:p>
+                  </a:txBody>
+                  <a:tcPr marL="3515" marR="3515" marT="2636" marB="0" anchor="ctr">
+                    <a:lnL w="6350" cap="flat" cmpd="sng" algn="ctr">
+                      <a:solidFill>
+                        <a:srgbClr val="000000"/>
+                      </a:solidFill>
+                      <a:prstDash val="solid"/>
+                      <a:round/>
+                      <a:headEnd type="none" w="med" len="med"/>
+                      <a:tailEnd type="none" w="med" len="med"/>
+                    </a:lnL>
+                    <a:lnR w="6350" cap="flat" cmpd="sng" algn="ctr">
+                      <a:solidFill>
+                        <a:srgbClr val="000000"/>
+                      </a:solidFill>
+                      <a:prstDash val="solid"/>
+                      <a:round/>
+                      <a:headEnd type="none" w="med" len="med"/>
+                      <a:tailEnd type="none" w="med" len="med"/>
+                    </a:lnR>
+                    <a:lnT>
+                      <a:noFill/>
+                    </a:lnT>
+                    <a:lnB>
+                      <a:noFill/>
+                    </a:lnB>
+                  </a:tcPr>
+                </a:tc>
+              </a:tr>
+              <a:tr h="92259">
+                <a:tc>
+                  <a:txBody>
+                    <a:bodyPr/>
+                    <a:lstStyle/>
+                    <a:p>
+                      <a:pPr algn="l" fontAlgn="ctr"/>
+                      <a:r>
+                        <a:rPr lang="it-IT" sz="900" b="0" i="0" u="none" strike="noStrike">
+                          <a:solidFill>
+                            <a:srgbClr val="000000"/>
+                          </a:solidFill>
+                          <a:effectLst/>
+                          <a:latin typeface="Lucida Console"/>
+                        </a:rPr>
+                        <a:t>NeighborhoodBrDale  -2.44e-01   6.58e-02   -3.70  0.00023 ***</a:t>
+                      </a:r>
+                    </a:p>
+                  </a:txBody>
+                  <a:tcPr marL="3515" marR="3515" marT="2636" marB="0" anchor="ctr">
+                    <a:lnL w="6350" cap="flat" cmpd="sng" algn="ctr">
+                      <a:solidFill>
+                        <a:srgbClr val="000000"/>
+                      </a:solidFill>
+                      <a:prstDash val="solid"/>
+                      <a:round/>
+                      <a:headEnd type="none" w="med" len="med"/>
+                      <a:tailEnd type="none" w="med" len="med"/>
+                    </a:lnL>
+                    <a:lnR w="6350" cap="flat" cmpd="sng" algn="ctr">
+                      <a:solidFill>
+                        <a:srgbClr val="000000"/>
+                      </a:solidFill>
+                      <a:prstDash val="solid"/>
+                      <a:round/>
+                      <a:headEnd type="none" w="med" len="med"/>
+                      <a:tailEnd type="none" w="med" len="med"/>
+                    </a:lnR>
+                    <a:lnT>
+                      <a:noFill/>
+                    </a:lnT>
+                    <a:lnB>
+                      <a:noFill/>
+                    </a:lnB>
+                  </a:tcPr>
+                </a:tc>
+              </a:tr>
+              <a:tr h="92259">
+                <a:tc>
+                  <a:txBody>
+                    <a:bodyPr/>
+                    <a:lstStyle/>
+                    <a:p>
+                      <a:pPr algn="l" fontAlgn="ctr"/>
+                      <a:r>
+                        <a:rPr lang="en-US" sz="900" b="0" i="0" u="none" strike="noStrike" dirty="0">
+                          <a:solidFill>
+                            <a:srgbClr val="000000"/>
+                          </a:solidFill>
+                          <a:effectLst/>
+                          <a:latin typeface="Lucida Console"/>
+                        </a:rPr>
+                        <a:t>NeighborhoodBrkSide -2.11e-01   4.88e-02   -4.33  1.7e-05 ***</a:t>
+                      </a:r>
+                    </a:p>
+                  </a:txBody>
+                  <a:tcPr marL="3515" marR="3515" marT="2636" marB="0" anchor="ctr">
+                    <a:lnL w="6350" cap="flat" cmpd="sng" algn="ctr">
+                      <a:solidFill>
+                        <a:srgbClr val="000000"/>
+                      </a:solidFill>
+                      <a:prstDash val="solid"/>
+                      <a:round/>
+                      <a:headEnd type="none" w="med" len="med"/>
+                      <a:tailEnd type="none" w="med" len="med"/>
+                    </a:lnL>
+                    <a:lnR w="6350" cap="flat" cmpd="sng" algn="ctr">
+                      <a:solidFill>
+                        <a:srgbClr val="000000"/>
+                      </a:solidFill>
+                      <a:prstDash val="solid"/>
+                      <a:round/>
+                      <a:headEnd type="none" w="med" len="med"/>
+                      <a:tailEnd type="none" w="med" len="med"/>
+                    </a:lnR>
+                    <a:lnT>
+                      <a:noFill/>
+                    </a:lnT>
+                    <a:lnB>
+                      <a:noFill/>
+                    </a:lnB>
+                  </a:tcPr>
+                </a:tc>
+              </a:tr>
+              <a:tr h="92259">
+                <a:tc>
+                  <a:txBody>
+                    <a:bodyPr/>
+                    <a:lstStyle/>
+                    <a:p>
+                      <a:pPr algn="l" fontAlgn="ctr"/>
+                      <a:r>
+                        <a:rPr lang="en-US" sz="900" b="0" i="0" u="none" strike="noStrike" dirty="0">
+                          <a:solidFill>
+                            <a:srgbClr val="000000"/>
+                          </a:solidFill>
+                          <a:effectLst/>
+                          <a:latin typeface="Lucida Console"/>
+                        </a:rPr>
+                        <a:t>NeighborhoodClearCr -5.13e-02   5.42e-02   -0.95  0.34431    </a:t>
+                      </a:r>
+                    </a:p>
+                  </a:txBody>
+                  <a:tcPr marL="3515" marR="3515" marT="2636" marB="0" anchor="ctr">
+                    <a:lnL w="6350" cap="flat" cmpd="sng" algn="ctr">
+                      <a:solidFill>
+                        <a:srgbClr val="000000"/>
+                      </a:solidFill>
+                      <a:prstDash val="solid"/>
+                      <a:round/>
+                      <a:headEnd type="none" w="med" len="med"/>
+                      <a:tailEnd type="none" w="med" len="med"/>
+                    </a:lnL>
+                    <a:lnR w="6350" cap="flat" cmpd="sng" algn="ctr">
+                      <a:solidFill>
+                        <a:srgbClr val="000000"/>
+                      </a:solidFill>
+                      <a:prstDash val="solid"/>
+                      <a:round/>
+                      <a:headEnd type="none" w="med" len="med"/>
+                      <a:tailEnd type="none" w="med" len="med"/>
+                    </a:lnR>
+                    <a:lnT>
+                      <a:noFill/>
+                    </a:lnT>
+                    <a:lnB>
+                      <a:noFill/>
+                    </a:lnB>
+                  </a:tcPr>
+                </a:tc>
+              </a:tr>
+              <a:tr h="92259">
+                <a:tc>
+                  <a:txBody>
+                    <a:bodyPr/>
+                    <a:lstStyle/>
+                    <a:p>
+                      <a:pPr algn="l" fontAlgn="ctr"/>
+                      <a:r>
+                        <a:rPr lang="en-US" sz="900" b="0" i="0" u="none" strike="noStrike" dirty="0">
+                          <a:solidFill>
+                            <a:srgbClr val="000000"/>
+                          </a:solidFill>
+                          <a:effectLst/>
+                          <a:latin typeface="Lucida Console"/>
+                        </a:rPr>
+                        <a:t>NeighborhoodCollgCr -4.21e-02   4.45e-02   -0.95  0.34405    </a:t>
+                      </a:r>
+                    </a:p>
+                  </a:txBody>
+                  <a:tcPr marL="3515" marR="3515" marT="2636" marB="0" anchor="ctr">
+                    <a:lnL w="6350" cap="flat" cmpd="sng" algn="ctr">
+                      <a:solidFill>
+                        <a:srgbClr val="000000"/>
+                      </a:solidFill>
+                      <a:prstDash val="solid"/>
+                      <a:round/>
+                      <a:headEnd type="none" w="med" len="med"/>
+                      <a:tailEnd type="none" w="med" len="med"/>
+                    </a:lnL>
+                    <a:lnR w="6350" cap="flat" cmpd="sng" algn="ctr">
+                      <a:solidFill>
+                        <a:srgbClr val="000000"/>
+                      </a:solidFill>
+                      <a:prstDash val="solid"/>
+                      <a:round/>
+                      <a:headEnd type="none" w="med" len="med"/>
+                      <a:tailEnd type="none" w="med" len="med"/>
+                    </a:lnR>
+                    <a:lnT>
+                      <a:noFill/>
+                    </a:lnT>
+                    <a:lnB>
+                      <a:noFill/>
+                    </a:lnB>
+                  </a:tcPr>
+                </a:tc>
+              </a:tr>
+              <a:tr h="92259">
+                <a:tc>
+                  <a:txBody>
+                    <a:bodyPr/>
+                    <a:lstStyle/>
+                    <a:p>
+                      <a:pPr algn="l" fontAlgn="ctr"/>
+                      <a:r>
+                        <a:rPr lang="en-US" sz="900" b="0" i="0" u="none" strike="noStrike" dirty="0">
+                          <a:solidFill>
+                            <a:srgbClr val="000000"/>
+                          </a:solidFill>
+                          <a:effectLst/>
+                          <a:latin typeface="Lucida Console"/>
+                        </a:rPr>
+                        <a:t>NeighborhoodCrawfor -3.49e-02   4.92e-02   -0.71  0.47829    </a:t>
+                      </a:r>
+                    </a:p>
+                  </a:txBody>
+                  <a:tcPr marL="3515" marR="3515" marT="2636" marB="0" anchor="ctr">
+                    <a:lnL w="6350" cap="flat" cmpd="sng" algn="ctr">
+                      <a:solidFill>
+                        <a:srgbClr val="000000"/>
+                      </a:solidFill>
+                      <a:prstDash val="solid"/>
+                      <a:round/>
+                      <a:headEnd type="none" w="med" len="med"/>
+                      <a:tailEnd type="none" w="med" len="med"/>
+                    </a:lnL>
+                    <a:lnR w="6350" cap="flat" cmpd="sng" algn="ctr">
+                      <a:solidFill>
+                        <a:srgbClr val="000000"/>
+                      </a:solidFill>
+                      <a:prstDash val="solid"/>
+                      <a:round/>
+                      <a:headEnd type="none" w="med" len="med"/>
+                      <a:tailEnd type="none" w="med" len="med"/>
+                    </a:lnR>
+                    <a:lnT>
+                      <a:noFill/>
+                    </a:lnT>
+                    <a:lnB>
+                      <a:noFill/>
+                    </a:lnB>
+                  </a:tcPr>
+                </a:tc>
+              </a:tr>
+              <a:tr h="92259">
+                <a:tc>
+                  <a:txBody>
+                    <a:bodyPr/>
+                    <a:lstStyle/>
+                    <a:p>
+                      <a:pPr algn="l" fontAlgn="ctr"/>
+                      <a:r>
+                        <a:rPr lang="en-US" sz="900" b="0" i="0" u="none" strike="noStrike" dirty="0">
+                          <a:solidFill>
+                            <a:srgbClr val="000000"/>
+                          </a:solidFill>
+                          <a:effectLst/>
+                          <a:latin typeface="Lucida Console"/>
+                        </a:rPr>
+                        <a:t>NeighborhoodEdwards -2.24e-01   4.68e-02   -4.79  1.9e-06 ***</a:t>
+                      </a:r>
+                    </a:p>
+                  </a:txBody>
+                  <a:tcPr marL="3515" marR="3515" marT="2636" marB="0" anchor="ctr">
+                    <a:lnL w="6350" cap="flat" cmpd="sng" algn="ctr">
+                      <a:solidFill>
+                        <a:srgbClr val="000000"/>
+                      </a:solidFill>
+                      <a:prstDash val="solid"/>
+                      <a:round/>
+                      <a:headEnd type="none" w="med" len="med"/>
+                      <a:tailEnd type="none" w="med" len="med"/>
+                    </a:lnL>
+                    <a:lnR w="6350" cap="flat" cmpd="sng" algn="ctr">
+                      <a:solidFill>
+                        <a:srgbClr val="000000"/>
+                      </a:solidFill>
+                      <a:prstDash val="solid"/>
+                      <a:round/>
+                      <a:headEnd type="none" w="med" len="med"/>
+                      <a:tailEnd type="none" w="med" len="med"/>
+                    </a:lnR>
+                    <a:lnT>
+                      <a:noFill/>
+                    </a:lnT>
+                    <a:lnB>
+                      <a:noFill/>
+                    </a:lnB>
+                  </a:tcPr>
+                </a:tc>
+              </a:tr>
+              <a:tr h="92259">
+                <a:tc>
+                  <a:txBody>
+                    <a:bodyPr/>
+                    <a:lstStyle/>
+                    <a:p>
+                      <a:pPr algn="l" fontAlgn="ctr"/>
+                      <a:r>
+                        <a:rPr lang="en-US" sz="900" b="0" i="0" u="none" strike="noStrike" dirty="0">
+                          <a:solidFill>
+                            <a:srgbClr val="000000"/>
+                          </a:solidFill>
+                          <a:effectLst/>
+                          <a:latin typeface="Lucida Console"/>
+                        </a:rPr>
+                        <a:t>NeighborhoodGilbert  3.32e-02   4.74e-02    0.70  0.48435    </a:t>
+                      </a:r>
+                    </a:p>
+                  </a:txBody>
+                  <a:tcPr marL="3515" marR="3515" marT="2636" marB="0" anchor="ctr">
+                    <a:lnL w="6350" cap="flat" cmpd="sng" algn="ctr">
+                      <a:solidFill>
+                        <a:srgbClr val="000000"/>
+                      </a:solidFill>
+                      <a:prstDash val="solid"/>
+                      <a:round/>
+                      <a:headEnd type="none" w="med" len="med"/>
+                      <a:tailEnd type="none" w="med" len="med"/>
+                    </a:lnL>
+                    <a:lnR w="6350" cap="flat" cmpd="sng" algn="ctr">
+                      <a:solidFill>
+                        <a:srgbClr val="000000"/>
+                      </a:solidFill>
+                      <a:prstDash val="solid"/>
+                      <a:round/>
+                      <a:headEnd type="none" w="med" len="med"/>
+                      <a:tailEnd type="none" w="med" len="med"/>
+                    </a:lnR>
+                    <a:lnT>
+                      <a:noFill/>
+                    </a:lnT>
+                    <a:lnB>
+                      <a:noFill/>
+                    </a:lnB>
+                  </a:tcPr>
+                </a:tc>
+              </a:tr>
+              <a:tr h="92259">
+                <a:tc>
+                  <a:txBody>
+                    <a:bodyPr/>
+                    <a:lstStyle/>
+                    <a:p>
+                      <a:pPr algn="l" fontAlgn="ctr"/>
+                      <a:r>
+                        <a:rPr lang="it-IT" sz="900" b="0" i="0" u="none" strike="noStrike">
+                          <a:solidFill>
+                            <a:srgbClr val="000000"/>
+                          </a:solidFill>
+                          <a:effectLst/>
+                          <a:latin typeface="Lucida Console"/>
+                        </a:rPr>
+                        <a:t>NeighborhoodIDOTRR  -3.58e-01   5.35e-02   -6.69  3.8e-11 ***</a:t>
+                      </a:r>
+                    </a:p>
+                  </a:txBody>
+                  <a:tcPr marL="3515" marR="3515" marT="2636" marB="0" anchor="ctr">
+                    <a:lnL w="6350" cap="flat" cmpd="sng" algn="ctr">
+                      <a:solidFill>
+                        <a:srgbClr val="000000"/>
+                      </a:solidFill>
+                      <a:prstDash val="solid"/>
+                      <a:round/>
+                      <a:headEnd type="none" w="med" len="med"/>
+                      <a:tailEnd type="none" w="med" len="med"/>
+                    </a:lnL>
+                    <a:lnR w="6350" cap="flat" cmpd="sng" algn="ctr">
+                      <a:solidFill>
+                        <a:srgbClr val="000000"/>
+                      </a:solidFill>
+                      <a:prstDash val="solid"/>
+                      <a:round/>
+                      <a:headEnd type="none" w="med" len="med"/>
+                      <a:tailEnd type="none" w="med" len="med"/>
+                    </a:lnR>
+                    <a:lnT>
+                      <a:noFill/>
+                    </a:lnT>
+                    <a:lnB>
+                      <a:noFill/>
+                    </a:lnB>
+                  </a:tcPr>
+                </a:tc>
+              </a:tr>
+              <a:tr h="92259">
+                <a:tc>
+                  <a:txBody>
+                    <a:bodyPr/>
+                    <a:lstStyle/>
+                    <a:p>
+                      <a:pPr algn="l" fontAlgn="ctr"/>
+                      <a:r>
+                        <a:rPr lang="en-US" sz="900" b="0" i="0" u="none" strike="noStrike" dirty="0">
+                          <a:solidFill>
+                            <a:srgbClr val="000000"/>
+                          </a:solidFill>
+                          <a:effectLst/>
+                          <a:latin typeface="Lucida Console"/>
+                        </a:rPr>
+                        <a:t>NeighborhoodMeadowV -3.45e-01   5.96e-02   -5.79  9.7e-09 ***</a:t>
+                      </a:r>
+                    </a:p>
+                  </a:txBody>
+                  <a:tcPr marL="3515" marR="3515" marT="2636" marB="0" anchor="ctr">
+                    <a:lnL w="6350" cap="flat" cmpd="sng" algn="ctr">
+                      <a:solidFill>
+                        <a:srgbClr val="000000"/>
+                      </a:solidFill>
+                      <a:prstDash val="solid"/>
+                      <a:round/>
+                      <a:headEnd type="none" w="med" len="med"/>
+                      <a:tailEnd type="none" w="med" len="med"/>
+                    </a:lnL>
+                    <a:lnR w="6350" cap="flat" cmpd="sng" algn="ctr">
+                      <a:solidFill>
+                        <a:srgbClr val="000000"/>
+                      </a:solidFill>
+                      <a:prstDash val="solid"/>
+                      <a:round/>
+                      <a:headEnd type="none" w="med" len="med"/>
+                      <a:tailEnd type="none" w="med" len="med"/>
+                    </a:lnR>
+                    <a:lnT>
+                      <a:noFill/>
+                    </a:lnT>
+                    <a:lnB>
+                      <a:noFill/>
+                    </a:lnB>
+                  </a:tcPr>
+                </a:tc>
+              </a:tr>
+              <a:tr h="92259">
+                <a:tc>
+                  <a:txBody>
+                    <a:bodyPr/>
+                    <a:lstStyle/>
+                    <a:p>
+                      <a:pPr algn="l" fontAlgn="ctr"/>
+                      <a:r>
+                        <a:rPr lang="en-US" sz="900" b="0" i="0" u="none" strike="noStrike" dirty="0">
+                          <a:solidFill>
+                            <a:srgbClr val="000000"/>
+                          </a:solidFill>
+                          <a:effectLst/>
+                          <a:latin typeface="Lucida Console"/>
+                        </a:rPr>
+                        <a:t>NeighborhoodMitchel -1.36e-01   4.88e-02   -2.78  0.00561 ** </a:t>
+                      </a:r>
+                    </a:p>
+                  </a:txBody>
+                  <a:tcPr marL="3515" marR="3515" marT="2636" marB="0" anchor="ctr">
+                    <a:lnL w="6350" cap="flat" cmpd="sng" algn="ctr">
+                      <a:solidFill>
+                        <a:srgbClr val="000000"/>
+                      </a:solidFill>
+                      <a:prstDash val="solid"/>
+                      <a:round/>
+                      <a:headEnd type="none" w="med" len="med"/>
+                      <a:tailEnd type="none" w="med" len="med"/>
+                    </a:lnL>
+                    <a:lnR w="6350" cap="flat" cmpd="sng" algn="ctr">
+                      <a:solidFill>
+                        <a:srgbClr val="000000"/>
+                      </a:solidFill>
+                      <a:prstDash val="solid"/>
+                      <a:round/>
+                      <a:headEnd type="none" w="med" len="med"/>
+                      <a:tailEnd type="none" w="med" len="med"/>
+                    </a:lnR>
+                    <a:lnT>
+                      <a:noFill/>
+                    </a:lnT>
+                    <a:lnB>
+                      <a:noFill/>
+                    </a:lnB>
+                  </a:tcPr>
+                </a:tc>
+              </a:tr>
+              <a:tr h="92259">
+                <a:tc>
+                  <a:txBody>
+                    <a:bodyPr/>
+                    <a:lstStyle/>
+                    <a:p>
+                      <a:pPr algn="l" fontAlgn="ctr"/>
+                      <a:r>
+                        <a:rPr lang="en-US" sz="900" b="0" i="0" u="none" strike="noStrike" dirty="0">
+                          <a:solidFill>
+                            <a:srgbClr val="000000"/>
+                          </a:solidFill>
+                          <a:effectLst/>
+                          <a:latin typeface="Lucida Console"/>
+                        </a:rPr>
+                        <a:t>NeighborhoodNAmes   -1.69e-01   4.52e-02   -3.74  0.00020 ***</a:t>
+                      </a:r>
+                    </a:p>
+                  </a:txBody>
+                  <a:tcPr marL="3515" marR="3515" marT="2636" marB="0" anchor="ctr">
+                    <a:lnL w="6350" cap="flat" cmpd="sng" algn="ctr">
+                      <a:solidFill>
+                        <a:srgbClr val="000000"/>
+                      </a:solidFill>
+                      <a:prstDash val="solid"/>
+                      <a:round/>
+                      <a:headEnd type="none" w="med" len="med"/>
+                      <a:tailEnd type="none" w="med" len="med"/>
+                    </a:lnL>
+                    <a:lnR w="6350" cap="flat" cmpd="sng" algn="ctr">
+                      <a:solidFill>
+                        <a:srgbClr val="000000"/>
+                      </a:solidFill>
+                      <a:prstDash val="solid"/>
+                      <a:round/>
+                      <a:headEnd type="none" w="med" len="med"/>
+                      <a:tailEnd type="none" w="med" len="med"/>
+                    </a:lnR>
+                    <a:lnT>
+                      <a:noFill/>
+                    </a:lnT>
+                    <a:lnB>
+                      <a:noFill/>
+                    </a:lnB>
+                  </a:tcPr>
+                </a:tc>
+              </a:tr>
+              <a:tr h="92259">
+                <a:tc>
+                  <a:txBody>
+                    <a:bodyPr/>
+                    <a:lstStyle/>
+                    <a:p>
+                      <a:pPr algn="l" fontAlgn="ctr"/>
+                      <a:r>
+                        <a:rPr lang="en-US" sz="900" b="0" i="0" u="none" strike="noStrike" dirty="0">
+                          <a:solidFill>
+                            <a:srgbClr val="000000"/>
+                          </a:solidFill>
+                          <a:effectLst/>
+                          <a:latin typeface="Lucida Console"/>
+                        </a:rPr>
+                        <a:t>NeighborhoodNoRidge  1.13e-02   5.01e-02    0.23  0.82087    </a:t>
+                      </a:r>
+                    </a:p>
+                  </a:txBody>
+                  <a:tcPr marL="3515" marR="3515" marT="2636" marB="0" anchor="ctr">
+                    <a:lnL w="6350" cap="flat" cmpd="sng" algn="ctr">
+                      <a:solidFill>
+                        <a:srgbClr val="000000"/>
+                      </a:solidFill>
+                      <a:prstDash val="solid"/>
+                      <a:round/>
+                      <a:headEnd type="none" w="med" len="med"/>
+                      <a:tailEnd type="none" w="med" len="med"/>
+                    </a:lnL>
+                    <a:lnR w="6350" cap="flat" cmpd="sng" algn="ctr">
+                      <a:solidFill>
+                        <a:srgbClr val="000000"/>
+                      </a:solidFill>
+                      <a:prstDash val="solid"/>
+                      <a:round/>
+                      <a:headEnd type="none" w="med" len="med"/>
+                      <a:tailEnd type="none" w="med" len="med"/>
+                    </a:lnR>
+                    <a:lnT>
+                      <a:noFill/>
+                    </a:lnT>
+                    <a:lnB>
+                      <a:noFill/>
+                    </a:lnB>
+                  </a:tcPr>
+                </a:tc>
+              </a:tr>
+              <a:tr h="92259">
+                <a:tc>
+                  <a:txBody>
+                    <a:bodyPr/>
+                    <a:lstStyle/>
+                    <a:p>
+                      <a:pPr algn="l" fontAlgn="ctr"/>
+                      <a:r>
+                        <a:rPr lang="en-US" sz="900" b="0" i="0" u="none" strike="noStrike" dirty="0">
+                          <a:solidFill>
+                            <a:srgbClr val="000000"/>
+                          </a:solidFill>
+                          <a:effectLst/>
+                          <a:latin typeface="Lucida Console"/>
+                        </a:rPr>
+                        <a:t>NeighborhoodNPkVill -1.24e-01   6.51e-02   -1.90  0.05725 .  </a:t>
+                      </a:r>
+                    </a:p>
+                  </a:txBody>
+                  <a:tcPr marL="3515" marR="3515" marT="2636" marB="0" anchor="ctr">
+                    <a:lnL w="6350" cap="flat" cmpd="sng" algn="ctr">
+                      <a:solidFill>
+                        <a:srgbClr val="000000"/>
+                      </a:solidFill>
+                      <a:prstDash val="solid"/>
+                      <a:round/>
+                      <a:headEnd type="none" w="med" len="med"/>
+                      <a:tailEnd type="none" w="med" len="med"/>
+                    </a:lnL>
+                    <a:lnR w="6350" cap="flat" cmpd="sng" algn="ctr">
+                      <a:solidFill>
+                        <a:srgbClr val="000000"/>
+                      </a:solidFill>
+                      <a:prstDash val="solid"/>
+                      <a:round/>
+                      <a:headEnd type="none" w="med" len="med"/>
+                      <a:tailEnd type="none" w="med" len="med"/>
+                    </a:lnR>
+                    <a:lnT>
+                      <a:noFill/>
+                    </a:lnT>
+                    <a:lnB>
+                      <a:noFill/>
+                    </a:lnB>
+                  </a:tcPr>
+                </a:tc>
+              </a:tr>
+              <a:tr h="92259">
+                <a:tc>
+                  <a:txBody>
+                    <a:bodyPr/>
+                    <a:lstStyle/>
+                    <a:p>
+                      <a:pPr algn="l" fontAlgn="ctr"/>
+                      <a:r>
+                        <a:rPr lang="en-US" sz="900" b="0" i="0" u="none" strike="noStrike" dirty="0">
+                          <a:solidFill>
+                            <a:srgbClr val="000000"/>
+                          </a:solidFill>
+                          <a:effectLst/>
+                          <a:latin typeface="Lucida Console"/>
+                        </a:rPr>
+                        <a:t>NeighborhoodNridgHt  2.72e-02   4.88e-02    0.56  0.57705    </a:t>
+                      </a:r>
+                    </a:p>
+                  </a:txBody>
+                  <a:tcPr marL="3515" marR="3515" marT="2636" marB="0" anchor="ctr">
+                    <a:lnL w="6350" cap="flat" cmpd="sng" algn="ctr">
+                      <a:solidFill>
+                        <a:srgbClr val="000000"/>
+                      </a:solidFill>
+                      <a:prstDash val="solid"/>
+                      <a:round/>
+                      <a:headEnd type="none" w="med" len="med"/>
+                      <a:tailEnd type="none" w="med" len="med"/>
+                    </a:lnL>
+                    <a:lnR w="6350" cap="flat" cmpd="sng" algn="ctr">
+                      <a:solidFill>
+                        <a:srgbClr val="000000"/>
+                      </a:solidFill>
+                      <a:prstDash val="solid"/>
+                      <a:round/>
+                      <a:headEnd type="none" w="med" len="med"/>
+                      <a:tailEnd type="none" w="med" len="med"/>
+                    </a:lnR>
+                    <a:lnT>
+                      <a:noFill/>
+                    </a:lnT>
+                    <a:lnB w="6350" cap="flat" cmpd="sng" algn="ctr">
+                      <a:solidFill>
+                        <a:srgbClr val="000000"/>
+                      </a:solidFill>
+                      <a:prstDash val="solid"/>
+                      <a:round/>
+                      <a:headEnd type="none" w="med" len="med"/>
+                      <a:tailEnd type="none" w="med" len="med"/>
+                    </a:lnB>
+                  </a:tcPr>
+                </a:tc>
+              </a:tr>
+              <a:tr h="92259">
+                <a:tc>
+                  <a:txBody>
+                    <a:bodyPr/>
+                    <a:lstStyle/>
+                    <a:p>
+                      <a:pPr algn="l" fontAlgn="ctr"/>
+                      <a:r>
+                        <a:rPr lang="en-US" sz="900" b="0" i="0" u="none" strike="noStrike" dirty="0">
+                          <a:solidFill>
+                            <a:srgbClr val="000000"/>
+                          </a:solidFill>
+                          <a:effectLst/>
+                          <a:latin typeface="Lucida Console"/>
+                        </a:rPr>
+                        <a:t>NeighborhoodNWAmes  -1.09e-01   4.71e-02   -2.30  0.02152 *  </a:t>
+                      </a:r>
+                    </a:p>
+                  </a:txBody>
+                  <a:tcPr marL="3515" marR="3515" marT="2636" marB="0" anchor="ctr">
+                    <a:lnL w="6350" cap="flat" cmpd="sng" algn="ctr">
+                      <a:solidFill>
+                        <a:srgbClr val="000000"/>
+                      </a:solidFill>
+                      <a:prstDash val="solid"/>
+                      <a:round/>
+                      <a:headEnd type="none" w="med" len="med"/>
+                      <a:tailEnd type="none" w="med" len="med"/>
+                    </a:lnL>
+                    <a:lnR w="6350" cap="flat" cmpd="sng" algn="ctr">
+                      <a:solidFill>
+                        <a:srgbClr val="000000"/>
+                      </a:solidFill>
+                      <a:prstDash val="solid"/>
+                      <a:round/>
+                      <a:headEnd type="none" w="med" len="med"/>
+                      <a:tailEnd type="none" w="med" len="med"/>
+                    </a:lnR>
+                    <a:lnT w="6350" cap="flat" cmpd="sng" algn="ctr">
+                      <a:solidFill>
+                        <a:srgbClr val="000000"/>
+                      </a:solidFill>
+                      <a:prstDash val="solid"/>
+                      <a:round/>
+                      <a:headEnd type="none" w="med" len="med"/>
+                      <a:tailEnd type="none" w="med" len="med"/>
+                    </a:lnT>
+                    <a:lnB w="6350" cap="flat" cmpd="sng" algn="ctr">
+                      <a:solidFill>
+                        <a:srgbClr val="000000"/>
+                      </a:solidFill>
+                      <a:prstDash val="solid"/>
+                      <a:round/>
+                      <a:headEnd type="none" w="med" len="med"/>
+                      <a:tailEnd type="none" w="med" len="med"/>
+                    </a:lnB>
+                  </a:tcPr>
+                </a:tc>
+              </a:tr>
+              <a:tr h="92259">
+                <a:tc>
+                  <a:txBody>
+                    <a:bodyPr/>
+                    <a:lstStyle/>
+                    <a:p>
+                      <a:pPr algn="l" fontAlgn="ctr"/>
+                      <a:r>
+                        <a:rPr lang="it-IT" sz="900" b="0" i="0" u="none" strike="noStrike" dirty="0">
+                          <a:solidFill>
+                            <a:srgbClr val="000000"/>
+                          </a:solidFill>
+                          <a:effectLst/>
+                          <a:latin typeface="Lucida Console"/>
+                        </a:rPr>
+                        <a:t>NeighborhoodOldTown -3.35e-01   4.70e-02   -7.12  2.2e-12 ***</a:t>
+                      </a:r>
+                    </a:p>
+                  </a:txBody>
+                  <a:tcPr marL="3515" marR="3515" marT="2636" marB="0" anchor="ctr">
+                    <a:lnL w="6350" cap="flat" cmpd="sng" algn="ctr">
+                      <a:solidFill>
+                        <a:srgbClr val="000000"/>
+                      </a:solidFill>
+                      <a:prstDash val="solid"/>
+                      <a:round/>
+                      <a:headEnd type="none" w="med" len="med"/>
+                      <a:tailEnd type="none" w="med" len="med"/>
+                    </a:lnL>
+                    <a:lnR w="6350" cap="flat" cmpd="sng" algn="ctr">
+                      <a:solidFill>
+                        <a:srgbClr val="000000"/>
+                      </a:solidFill>
+                      <a:prstDash val="solid"/>
+                      <a:round/>
+                      <a:headEnd type="none" w="med" len="med"/>
+                      <a:tailEnd type="none" w="med" len="med"/>
+                    </a:lnR>
+                    <a:lnT w="6350" cap="flat" cmpd="sng" algn="ctr">
+                      <a:solidFill>
+                        <a:srgbClr val="000000"/>
+                      </a:solidFill>
+                      <a:prstDash val="solid"/>
+                      <a:round/>
+                      <a:headEnd type="none" w="med" len="med"/>
+                      <a:tailEnd type="none" w="med" len="med"/>
+                    </a:lnT>
+                    <a:lnB>
+                      <a:noFill/>
+                    </a:lnB>
+                  </a:tcPr>
+                </a:tc>
+              </a:tr>
+              <a:tr h="92259">
+                <a:tc>
+                  <a:txBody>
+                    <a:bodyPr/>
+                    <a:lstStyle/>
+                    <a:p>
+                      <a:pPr algn="l" fontAlgn="ctr"/>
+                      <a:r>
+                        <a:rPr lang="en-US" sz="900" b="0" i="0" u="none" strike="noStrike" dirty="0">
+                          <a:solidFill>
+                            <a:srgbClr val="000000"/>
+                          </a:solidFill>
+                          <a:effectLst/>
+                          <a:latin typeface="Lucida Console"/>
+                        </a:rPr>
+                        <a:t>NeighborhoodSawyer  -1.74e-01   4.72e-02   -3.68  0.00025 ***</a:t>
+                      </a:r>
+                    </a:p>
+                  </a:txBody>
+                  <a:tcPr marL="3515" marR="3515" marT="2636" marB="0" anchor="ctr">
+                    <a:lnL w="6350" cap="flat" cmpd="sng" algn="ctr">
+                      <a:solidFill>
+                        <a:srgbClr val="000000"/>
+                      </a:solidFill>
+                      <a:prstDash val="solid"/>
+                      <a:round/>
+                      <a:headEnd type="none" w="med" len="med"/>
+                      <a:tailEnd type="none" w="med" len="med"/>
+                    </a:lnL>
+                    <a:lnR w="6350" cap="flat" cmpd="sng" algn="ctr">
+                      <a:solidFill>
+                        <a:srgbClr val="000000"/>
+                      </a:solidFill>
+                      <a:prstDash val="solid"/>
+                      <a:round/>
+                      <a:headEnd type="none" w="med" len="med"/>
+                      <a:tailEnd type="none" w="med" len="med"/>
+                    </a:lnR>
+                    <a:lnT>
+                      <a:noFill/>
+                    </a:lnT>
+                    <a:lnB>
+                      <a:noFill/>
+                    </a:lnB>
+                  </a:tcPr>
+                </a:tc>
+              </a:tr>
+              <a:tr h="92259">
+                <a:tc>
+                  <a:txBody>
+                    <a:bodyPr/>
+                    <a:lstStyle/>
+                    <a:p>
+                      <a:pPr algn="l" fontAlgn="ctr"/>
+                      <a:r>
+                        <a:rPr lang="en-US" sz="900" b="0" i="0" u="none" strike="noStrike" dirty="0">
+                          <a:solidFill>
+                            <a:srgbClr val="000000"/>
+                          </a:solidFill>
+                          <a:effectLst/>
+                          <a:latin typeface="Lucida Console"/>
+                        </a:rPr>
+                        <a:t>NeighborhoodSawyerW -1.02e-01   4.75e-02   -2.16  0.03115 *  </a:t>
+                      </a:r>
+                    </a:p>
+                  </a:txBody>
+                  <a:tcPr marL="3515" marR="3515" marT="2636" marB="0" anchor="ctr">
+                    <a:lnL w="6350" cap="flat" cmpd="sng" algn="ctr">
+                      <a:solidFill>
+                        <a:srgbClr val="000000"/>
+                      </a:solidFill>
+                      <a:prstDash val="solid"/>
+                      <a:round/>
+                      <a:headEnd type="none" w="med" len="med"/>
+                      <a:tailEnd type="none" w="med" len="med"/>
+                    </a:lnL>
+                    <a:lnR w="6350" cap="flat" cmpd="sng" algn="ctr">
+                      <a:solidFill>
+                        <a:srgbClr val="000000"/>
+                      </a:solidFill>
+                      <a:prstDash val="solid"/>
+                      <a:round/>
+                      <a:headEnd type="none" w="med" len="med"/>
+                      <a:tailEnd type="none" w="med" len="med"/>
+                    </a:lnR>
+                    <a:lnT>
+                      <a:noFill/>
+                    </a:lnT>
+                    <a:lnB>
+                      <a:noFill/>
+                    </a:lnB>
+                  </a:tcPr>
+                </a:tc>
+              </a:tr>
+              <a:tr h="92259">
+                <a:tc>
+                  <a:txBody>
+                    <a:bodyPr/>
+                    <a:lstStyle/>
+                    <a:p>
+                      <a:pPr algn="l" fontAlgn="ctr"/>
+                      <a:r>
+                        <a:rPr lang="en-US" sz="900" b="0" i="0" u="none" strike="noStrike" dirty="0">
+                          <a:solidFill>
+                            <a:srgbClr val="000000"/>
+                          </a:solidFill>
+                          <a:effectLst/>
+                          <a:latin typeface="Lucida Console"/>
+                        </a:rPr>
+                        <a:t>NeighborhoodSomerst  3.97e-02   4.74e-02    0.84  0.40226    </a:t>
+                      </a:r>
+                    </a:p>
+                  </a:txBody>
+                  <a:tcPr marL="3515" marR="3515" marT="2636" marB="0" anchor="ctr">
+                    <a:lnL w="6350" cap="flat" cmpd="sng" algn="ctr">
+                      <a:solidFill>
+                        <a:srgbClr val="000000"/>
+                      </a:solidFill>
+                      <a:prstDash val="solid"/>
+                      <a:round/>
+                      <a:headEnd type="none" w="med" len="med"/>
+                      <a:tailEnd type="none" w="med" len="med"/>
+                    </a:lnL>
+                    <a:lnR w="6350" cap="flat" cmpd="sng" algn="ctr">
+                      <a:solidFill>
+                        <a:srgbClr val="000000"/>
+                      </a:solidFill>
+                      <a:prstDash val="solid"/>
+                      <a:round/>
+                      <a:headEnd type="none" w="med" len="med"/>
+                      <a:tailEnd type="none" w="med" len="med"/>
+                    </a:lnR>
+                    <a:lnT>
+                      <a:noFill/>
+                    </a:lnT>
+                    <a:lnB>
+                      <a:noFill/>
+                    </a:lnB>
+                  </a:tcPr>
+                </a:tc>
+              </a:tr>
+              <a:tr h="92259">
+                <a:tc>
+                  <a:txBody>
+                    <a:bodyPr/>
+                    <a:lstStyle/>
+                    <a:p>
+                      <a:pPr algn="l" fontAlgn="ctr"/>
+                      <a:r>
+                        <a:rPr lang="en-US" sz="900" b="0" i="0" u="none" strike="noStrike" dirty="0">
+                          <a:solidFill>
+                            <a:srgbClr val="000000"/>
+                          </a:solidFill>
+                          <a:effectLst/>
+                          <a:latin typeface="Lucida Console"/>
+                        </a:rPr>
+                        <a:t>NeighborhoodStoneBr  4.00e-02   5.76e-02    0.69  0.48735    </a:t>
+                      </a:r>
+                    </a:p>
+                  </a:txBody>
+                  <a:tcPr marL="3515" marR="3515" marT="2636" marB="0" anchor="ctr">
+                    <a:lnL w="6350" cap="flat" cmpd="sng" algn="ctr">
+                      <a:solidFill>
+                        <a:srgbClr val="000000"/>
+                      </a:solidFill>
+                      <a:prstDash val="solid"/>
+                      <a:round/>
+                      <a:headEnd type="none" w="med" len="med"/>
+                      <a:tailEnd type="none" w="med" len="med"/>
+                    </a:lnL>
+                    <a:lnR w="6350" cap="flat" cmpd="sng" algn="ctr">
+                      <a:solidFill>
+                        <a:srgbClr val="000000"/>
+                      </a:solidFill>
+                      <a:prstDash val="solid"/>
+                      <a:round/>
+                      <a:headEnd type="none" w="med" len="med"/>
+                      <a:tailEnd type="none" w="med" len="med"/>
+                    </a:lnR>
+                    <a:lnT>
+                      <a:noFill/>
+                    </a:lnT>
+                    <a:lnB>
+                      <a:noFill/>
+                    </a:lnB>
+                  </a:tcPr>
+                </a:tc>
+              </a:tr>
+              <a:tr h="92259">
+                <a:tc>
+                  <a:txBody>
+                    <a:bodyPr/>
+                    <a:lstStyle/>
+                    <a:p>
+                      <a:pPr algn="l" fontAlgn="ctr"/>
+                      <a:r>
+                        <a:rPr lang="it-IT" sz="900" b="0" i="0" u="none" strike="noStrike">
+                          <a:solidFill>
+                            <a:srgbClr val="000000"/>
+                          </a:solidFill>
+                          <a:effectLst/>
+                          <a:latin typeface="Lucida Console"/>
+                        </a:rPr>
+                        <a:t>NeighborhoodSWISU   -2.51e-01   5.27e-02   -4.77  2.1e-06 ***</a:t>
+                      </a:r>
+                    </a:p>
+                  </a:txBody>
+                  <a:tcPr marL="3515" marR="3515" marT="2636" marB="0" anchor="ctr">
+                    <a:lnL w="6350" cap="flat" cmpd="sng" algn="ctr">
+                      <a:solidFill>
+                        <a:srgbClr val="000000"/>
+                      </a:solidFill>
+                      <a:prstDash val="solid"/>
+                      <a:round/>
+                      <a:headEnd type="none" w="med" len="med"/>
+                      <a:tailEnd type="none" w="med" len="med"/>
+                    </a:lnL>
+                    <a:lnR w="6350" cap="flat" cmpd="sng" algn="ctr">
+                      <a:solidFill>
+                        <a:srgbClr val="000000"/>
+                      </a:solidFill>
+                      <a:prstDash val="solid"/>
+                      <a:round/>
+                      <a:headEnd type="none" w="med" len="med"/>
+                      <a:tailEnd type="none" w="med" len="med"/>
+                    </a:lnR>
+                    <a:lnT>
+                      <a:noFill/>
+                    </a:lnT>
+                    <a:lnB>
+                      <a:noFill/>
+                    </a:lnB>
+                  </a:tcPr>
+                </a:tc>
+              </a:tr>
+              <a:tr h="92259">
+                <a:tc>
+                  <a:txBody>
+                    <a:bodyPr/>
+                    <a:lstStyle/>
+                    <a:p>
+                      <a:pPr algn="l" fontAlgn="ctr"/>
+                      <a:r>
+                        <a:rPr lang="en-US" sz="900" b="0" i="0" u="none" strike="noStrike" dirty="0">
+                          <a:solidFill>
+                            <a:srgbClr val="000000"/>
+                          </a:solidFill>
+                          <a:effectLst/>
+                          <a:latin typeface="Lucida Console"/>
+                        </a:rPr>
+                        <a:t>NeighborhoodTimber  -3.97e-02   5.44e-02   -0.73  0.46590    </a:t>
+                      </a:r>
+                    </a:p>
+                  </a:txBody>
+                  <a:tcPr marL="3515" marR="3515" marT="2636" marB="0" anchor="ctr">
+                    <a:lnL w="6350" cap="flat" cmpd="sng" algn="ctr">
+                      <a:solidFill>
+                        <a:srgbClr val="000000"/>
+                      </a:solidFill>
+                      <a:prstDash val="solid"/>
+                      <a:round/>
+                      <a:headEnd type="none" w="med" len="med"/>
+                      <a:tailEnd type="none" w="med" len="med"/>
+                    </a:lnL>
+                    <a:lnR w="6350" cap="flat" cmpd="sng" algn="ctr">
+                      <a:solidFill>
+                        <a:srgbClr val="000000"/>
+                      </a:solidFill>
+                      <a:prstDash val="solid"/>
+                      <a:round/>
+                      <a:headEnd type="none" w="med" len="med"/>
+                      <a:tailEnd type="none" w="med" len="med"/>
+                    </a:lnR>
+                    <a:lnT>
+                      <a:noFill/>
+                    </a:lnT>
+                    <a:lnB>
+                      <a:noFill/>
+                    </a:lnB>
+                  </a:tcPr>
+                </a:tc>
+              </a:tr>
+              <a:tr h="92259">
+                <a:tc>
+                  <a:txBody>
+                    <a:bodyPr/>
+                    <a:lstStyle/>
+                    <a:p>
+                      <a:pPr algn="l" fontAlgn="ctr"/>
+                      <a:r>
+                        <a:rPr lang="en-US" sz="900" b="0" i="0" u="none" strike="noStrike" dirty="0">
+                          <a:solidFill>
+                            <a:srgbClr val="000000"/>
+                          </a:solidFill>
+                          <a:effectLst/>
+                          <a:latin typeface="Lucida Console"/>
+                        </a:rPr>
+                        <a:t>NeighborhoodVeenker  2.16e-02   6.08e-02    0.36  0.72266    </a:t>
+                      </a:r>
+                    </a:p>
+                  </a:txBody>
+                  <a:tcPr marL="3515" marR="3515" marT="2636" marB="0" anchor="ctr">
+                    <a:lnL w="6350" cap="flat" cmpd="sng" algn="ctr">
+                      <a:solidFill>
+                        <a:srgbClr val="000000"/>
+                      </a:solidFill>
+                      <a:prstDash val="solid"/>
+                      <a:round/>
+                      <a:headEnd type="none" w="med" len="med"/>
+                      <a:tailEnd type="none" w="med" len="med"/>
+                    </a:lnL>
+                    <a:lnR w="6350" cap="flat" cmpd="sng" algn="ctr">
+                      <a:solidFill>
+                        <a:srgbClr val="000000"/>
+                      </a:solidFill>
+                      <a:prstDash val="solid"/>
+                      <a:round/>
+                      <a:headEnd type="none" w="med" len="med"/>
+                      <a:tailEnd type="none" w="med" len="med"/>
+                    </a:lnR>
+                    <a:lnT>
+                      <a:noFill/>
+                    </a:lnT>
+                    <a:lnB>
+                      <a:noFill/>
+                    </a:lnB>
+                  </a:tcPr>
+                </a:tc>
+              </a:tr>
+              <a:tr h="92259">
+                <a:tc>
+                  <a:txBody>
+                    <a:bodyPr/>
+                    <a:lstStyle/>
+                    <a:p>
+                      <a:pPr algn="l" fontAlgn="ctr"/>
+                      <a:r>
+                        <a:rPr lang="en-US" sz="900" b="0" i="0" u="none" strike="noStrike" dirty="0">
+                          <a:solidFill>
+                            <a:srgbClr val="000000"/>
+                          </a:solidFill>
+                          <a:effectLst/>
+                          <a:latin typeface="Lucida Console"/>
+                        </a:rPr>
+                        <a:t>TotalBsmtSF          1.93e-04   2.43e-05    7.94  6.1e-15 ***</a:t>
+                      </a:r>
+                    </a:p>
+                  </a:txBody>
+                  <a:tcPr marL="3515" marR="3515" marT="2636" marB="0" anchor="ctr">
+                    <a:lnL w="6350" cap="flat" cmpd="sng" algn="ctr">
+                      <a:solidFill>
+                        <a:srgbClr val="000000"/>
+                      </a:solidFill>
+                      <a:prstDash val="solid"/>
+                      <a:round/>
+                      <a:headEnd type="none" w="med" len="med"/>
+                      <a:tailEnd type="none" w="med" len="med"/>
+                    </a:lnL>
+                    <a:lnR w="6350" cap="flat" cmpd="sng" algn="ctr">
+                      <a:solidFill>
+                        <a:srgbClr val="000000"/>
+                      </a:solidFill>
+                      <a:prstDash val="solid"/>
+                      <a:round/>
+                      <a:headEnd type="none" w="med" len="med"/>
+                      <a:tailEnd type="none" w="med" len="med"/>
+                    </a:lnR>
+                    <a:lnT>
+                      <a:noFill/>
+                    </a:lnT>
+                    <a:lnB>
+                      <a:noFill/>
+                    </a:lnB>
+                  </a:tcPr>
+                </a:tc>
+              </a:tr>
+              <a:tr h="92259">
+                <a:tc>
+                  <a:txBody>
+                    <a:bodyPr/>
+                    <a:lstStyle/>
+                    <a:p>
+                      <a:pPr algn="l" fontAlgn="ctr"/>
+                      <a:r>
+                        <a:rPr lang="it-IT" sz="900" b="0" i="0" u="none" strike="noStrike" dirty="0">
+                          <a:solidFill>
+                            <a:srgbClr val="000000"/>
+                          </a:solidFill>
+                          <a:effectLst/>
+                          <a:latin typeface="Lucida Console"/>
+                        </a:rPr>
+                        <a:t>GrLivArea            3.08e-04   1.20e-05   25.64  &lt; 2e-16 ***</a:t>
+                      </a:r>
+                    </a:p>
+                  </a:txBody>
+                  <a:tcPr marL="3515" marR="3515" marT="2636" marB="0" anchor="ctr">
+                    <a:lnL w="6350" cap="flat" cmpd="sng" algn="ctr">
+                      <a:solidFill>
+                        <a:srgbClr val="000000"/>
+                      </a:solidFill>
+                      <a:prstDash val="solid"/>
+                      <a:round/>
+                      <a:headEnd type="none" w="med" len="med"/>
+                      <a:tailEnd type="none" w="med" len="med"/>
+                    </a:lnL>
+                    <a:lnR w="6350" cap="flat" cmpd="sng" algn="ctr">
+                      <a:solidFill>
+                        <a:srgbClr val="000000"/>
+                      </a:solidFill>
+                      <a:prstDash val="solid"/>
+                      <a:round/>
+                      <a:headEnd type="none" w="med" len="med"/>
+                      <a:tailEnd type="none" w="med" len="med"/>
+                    </a:lnR>
+                    <a:lnT>
+                      <a:noFill/>
+                    </a:lnT>
+                    <a:lnB>
+                      <a:noFill/>
+                    </a:lnB>
+                  </a:tcPr>
+                </a:tc>
+              </a:tr>
+              <a:tr h="92259">
+                <a:tc>
+                  <a:txBody>
+                    <a:bodyPr/>
+                    <a:lstStyle/>
+                    <a:p>
+                      <a:pPr algn="l" fontAlgn="ctr"/>
+                      <a:r>
+                        <a:rPr lang="en-US" sz="900" b="0" i="0" u="none" strike="noStrike" dirty="0">
+                          <a:solidFill>
+                            <a:srgbClr val="000000"/>
+                          </a:solidFill>
+                          <a:effectLst/>
+                          <a:latin typeface="Lucida Console"/>
+                        </a:rPr>
+                        <a:t>KitchenQualFa       -2.98e-01   3.53e-02   -8.46  &lt; 2e-16 ***</a:t>
+                      </a:r>
+                    </a:p>
+                  </a:txBody>
+                  <a:tcPr marL="3515" marR="3515" marT="2636" marB="0" anchor="ctr">
+                    <a:lnL w="6350" cap="flat" cmpd="sng" algn="ctr">
+                      <a:solidFill>
+                        <a:srgbClr val="000000"/>
+                      </a:solidFill>
+                      <a:prstDash val="solid"/>
+                      <a:round/>
+                      <a:headEnd type="none" w="med" len="med"/>
+                      <a:tailEnd type="none" w="med" len="med"/>
+                    </a:lnL>
+                    <a:lnR w="6350" cap="flat" cmpd="sng" algn="ctr">
+                      <a:solidFill>
+                        <a:srgbClr val="000000"/>
+                      </a:solidFill>
+                      <a:prstDash val="solid"/>
+                      <a:round/>
+                      <a:headEnd type="none" w="med" len="med"/>
+                      <a:tailEnd type="none" w="med" len="med"/>
+                    </a:lnR>
+                    <a:lnT>
+                      <a:noFill/>
+                    </a:lnT>
+                    <a:lnB>
+                      <a:noFill/>
+                    </a:lnB>
+                  </a:tcPr>
+                </a:tc>
+              </a:tr>
+              <a:tr h="92259">
+                <a:tc>
+                  <a:txBody>
+                    <a:bodyPr/>
+                    <a:lstStyle/>
+                    <a:p>
+                      <a:pPr algn="l" fontAlgn="ctr"/>
+                      <a:r>
+                        <a:rPr lang="en-US" sz="900" b="0" i="0" u="none" strike="noStrike" dirty="0">
+                          <a:solidFill>
+                            <a:srgbClr val="000000"/>
+                          </a:solidFill>
+                          <a:effectLst/>
+                          <a:latin typeface="Lucida Console"/>
+                        </a:rPr>
+                        <a:t>KitchenQualGd       -1.34e-01   2.20e-02   -6.09  1.6e-09 ***</a:t>
+                      </a:r>
+                    </a:p>
+                  </a:txBody>
+                  <a:tcPr marL="3515" marR="3515" marT="2636" marB="0" anchor="ctr">
+                    <a:lnL w="6350" cap="flat" cmpd="sng" algn="ctr">
+                      <a:solidFill>
+                        <a:srgbClr val="000000"/>
+                      </a:solidFill>
+                      <a:prstDash val="solid"/>
+                      <a:round/>
+                      <a:headEnd type="none" w="med" len="med"/>
+                      <a:tailEnd type="none" w="med" len="med"/>
+                    </a:lnL>
+                    <a:lnR w="6350" cap="flat" cmpd="sng" algn="ctr">
+                      <a:solidFill>
+                        <a:srgbClr val="000000"/>
+                      </a:solidFill>
+                      <a:prstDash val="solid"/>
+                      <a:round/>
+                      <a:headEnd type="none" w="med" len="med"/>
+                      <a:tailEnd type="none" w="med" len="med"/>
+                    </a:lnR>
+                    <a:lnT>
+                      <a:noFill/>
+                    </a:lnT>
+                    <a:lnB>
+                      <a:noFill/>
+                    </a:lnB>
+                  </a:tcPr>
+                </a:tc>
+              </a:tr>
+              <a:tr h="92259">
+                <a:tc>
+                  <a:txBody>
+                    <a:bodyPr/>
+                    <a:lstStyle/>
+                    <a:p>
+                      <a:pPr algn="l" fontAlgn="ctr"/>
+                      <a:r>
+                        <a:rPr lang="en-US" sz="900" b="0" i="0" u="none" strike="noStrike" dirty="0">
+                          <a:solidFill>
+                            <a:srgbClr val="000000"/>
+                          </a:solidFill>
+                          <a:effectLst/>
+                          <a:latin typeface="Lucida Console"/>
+                        </a:rPr>
+                        <a:t>KitchenQualTA       -2.11e-01   2.38e-02   -8.88  &lt; 2e-16 ***</a:t>
+                      </a:r>
+                    </a:p>
+                  </a:txBody>
+                  <a:tcPr marL="3515" marR="3515" marT="2636" marB="0" anchor="ctr">
+                    <a:lnL w="6350" cap="flat" cmpd="sng" algn="ctr">
+                      <a:solidFill>
+                        <a:srgbClr val="000000"/>
+                      </a:solidFill>
+                      <a:prstDash val="solid"/>
+                      <a:round/>
+                      <a:headEnd type="none" w="med" len="med"/>
+                      <a:tailEnd type="none" w="med" len="med"/>
+                    </a:lnL>
+                    <a:lnR w="6350" cap="flat" cmpd="sng" algn="ctr">
+                      <a:solidFill>
+                        <a:srgbClr val="000000"/>
+                      </a:solidFill>
+                      <a:prstDash val="solid"/>
+                      <a:round/>
+                      <a:headEnd type="none" w="med" len="med"/>
+                      <a:tailEnd type="none" w="med" len="med"/>
+                    </a:lnR>
+                    <a:lnT>
+                      <a:noFill/>
+                    </a:lnT>
+                    <a:lnB>
+                      <a:noFill/>
+                    </a:lnB>
+                  </a:tcPr>
+                </a:tc>
+              </a:tr>
+              <a:tr h="92259">
+                <a:tc>
+                  <a:txBody>
+                    <a:bodyPr/>
+                    <a:lstStyle/>
+                    <a:p>
+                      <a:pPr algn="l" fontAlgn="ctr"/>
+                      <a:r>
+                        <a:rPr lang="en-US" sz="900" b="0" i="0" u="none" strike="noStrike" dirty="0">
+                          <a:solidFill>
+                            <a:srgbClr val="000000"/>
+                          </a:solidFill>
+                          <a:effectLst/>
+                          <a:latin typeface="Lucida Console"/>
+                        </a:rPr>
+                        <a:t>GarageArea           3.02e-04   2.73e-05   11.04  &lt; 2e-16 ***</a:t>
+                      </a:r>
+                    </a:p>
+                  </a:txBody>
+                  <a:tcPr marL="3515" marR="3515" marT="2636" marB="0" anchor="ctr">
+                    <a:lnL w="6350" cap="flat" cmpd="sng" algn="ctr">
+                      <a:solidFill>
+                        <a:srgbClr val="000000"/>
+                      </a:solidFill>
+                      <a:prstDash val="solid"/>
+                      <a:round/>
+                      <a:headEnd type="none" w="med" len="med"/>
+                      <a:tailEnd type="none" w="med" len="med"/>
+                    </a:lnL>
+                    <a:lnR w="6350" cap="flat" cmpd="sng" algn="ctr">
+                      <a:solidFill>
+                        <a:srgbClr val="000000"/>
+                      </a:solidFill>
+                      <a:prstDash val="solid"/>
+                      <a:round/>
+                      <a:headEnd type="none" w="med" len="med"/>
+                      <a:tailEnd type="none" w="med" len="med"/>
+                    </a:lnR>
+                    <a:lnT>
+                      <a:noFill/>
+                    </a:lnT>
+                    <a:lnB>
+                      <a:noFill/>
+                    </a:lnB>
+                  </a:tcPr>
+                </a:tc>
+              </a:tr>
+              <a:tr h="92259">
+                <a:tc>
+                  <a:txBody>
+                    <a:bodyPr/>
+                    <a:lstStyle/>
+                    <a:p>
+                      <a:pPr algn="l" fontAlgn="ctr"/>
+                      <a:r>
+                        <a:rPr lang="pt-BR" sz="900" b="0" i="0" u="none" strike="noStrike" dirty="0">
+                          <a:solidFill>
+                            <a:srgbClr val="000000"/>
+                          </a:solidFill>
+                          <a:effectLst/>
+                          <a:latin typeface="Lucida Console"/>
+                        </a:rPr>
+                        <a:t>BsmtFinSF1           5.58e-05   1.70e-05    3.28  0.00108 ** </a:t>
+                      </a:r>
+                    </a:p>
+                  </a:txBody>
+                  <a:tcPr marL="3515" marR="3515" marT="2636" marB="0" anchor="ctr">
+                    <a:lnL w="6350" cap="flat" cmpd="sng" algn="ctr">
+                      <a:solidFill>
+                        <a:srgbClr val="000000"/>
+                      </a:solidFill>
+                      <a:prstDash val="solid"/>
+                      <a:round/>
+                      <a:headEnd type="none" w="med" len="med"/>
+                      <a:tailEnd type="none" w="med" len="med"/>
+                    </a:lnL>
+                    <a:lnR w="6350" cap="flat" cmpd="sng" algn="ctr">
+                      <a:solidFill>
+                        <a:srgbClr val="000000"/>
+                      </a:solidFill>
+                      <a:prstDash val="solid"/>
+                      <a:round/>
+                      <a:headEnd type="none" w="med" len="med"/>
+                      <a:tailEnd type="none" w="med" len="med"/>
+                    </a:lnR>
+                    <a:lnT>
+                      <a:noFill/>
+                    </a:lnT>
+                    <a:lnB>
+                      <a:noFill/>
+                    </a:lnB>
+                  </a:tcPr>
+                </a:tc>
+              </a:tr>
+              <a:tr h="92259">
+                <a:tc>
+                  <a:txBody>
+                    <a:bodyPr/>
+                    <a:lstStyle/>
+                    <a:p>
+                      <a:pPr algn="l" fontAlgn="ctr"/>
+                      <a:r>
+                        <a:rPr lang="en-US" sz="900" b="0" i="0" u="none" strike="noStrike" dirty="0">
+                          <a:solidFill>
+                            <a:srgbClr val="000000"/>
+                          </a:solidFill>
+                          <a:effectLst/>
+                          <a:latin typeface="Lucida Console"/>
+                        </a:rPr>
+                        <a:t>BsmtFinType1BLQ     -2.83e-03   1.64e-02   -0.17  0.86338    </a:t>
+                      </a:r>
+                    </a:p>
+                  </a:txBody>
+                  <a:tcPr marL="3515" marR="3515" marT="2636" marB="0" anchor="ctr">
+                    <a:lnL w="6350" cap="flat" cmpd="sng" algn="ctr">
+                      <a:solidFill>
+                        <a:srgbClr val="000000"/>
+                      </a:solidFill>
+                      <a:prstDash val="solid"/>
+                      <a:round/>
+                      <a:headEnd type="none" w="med" len="med"/>
+                      <a:tailEnd type="none" w="med" len="med"/>
+                    </a:lnL>
+                    <a:lnR w="6350" cap="flat" cmpd="sng" algn="ctr">
+                      <a:solidFill>
+                        <a:srgbClr val="000000"/>
+                      </a:solidFill>
+                      <a:prstDash val="solid"/>
+                      <a:round/>
+                      <a:headEnd type="none" w="med" len="med"/>
+                      <a:tailEnd type="none" w="med" len="med"/>
+                    </a:lnR>
+                    <a:lnT>
+                      <a:noFill/>
+                    </a:lnT>
+                    <a:lnB>
+                      <a:noFill/>
+                    </a:lnB>
+                  </a:tcPr>
+                </a:tc>
+              </a:tr>
+              <a:tr h="92259">
+                <a:tc>
+                  <a:txBody>
+                    <a:bodyPr/>
+                    <a:lstStyle/>
+                    <a:p>
+                      <a:pPr algn="l" fontAlgn="ctr"/>
+                      <a:r>
+                        <a:rPr lang="en-US" sz="900" b="0" i="0" u="none" strike="noStrike" dirty="0">
+                          <a:solidFill>
+                            <a:srgbClr val="000000"/>
+                          </a:solidFill>
+                          <a:effectLst/>
+                          <a:latin typeface="Lucida Console"/>
+                        </a:rPr>
+                        <a:t>BsmtFinType1GLQ      4.30e-02   1.47e-02    2.94  0.00341 ** </a:t>
+                      </a:r>
+                    </a:p>
+                  </a:txBody>
+                  <a:tcPr marL="3515" marR="3515" marT="2636" marB="0" anchor="ctr">
+                    <a:lnL w="6350" cap="flat" cmpd="sng" algn="ctr">
+                      <a:solidFill>
+                        <a:srgbClr val="000000"/>
+                      </a:solidFill>
+                      <a:prstDash val="solid"/>
+                      <a:round/>
+                      <a:headEnd type="none" w="med" len="med"/>
+                      <a:tailEnd type="none" w="med" len="med"/>
+                    </a:lnL>
+                    <a:lnR w="6350" cap="flat" cmpd="sng" algn="ctr">
+                      <a:solidFill>
+                        <a:srgbClr val="000000"/>
+                      </a:solidFill>
+                      <a:prstDash val="solid"/>
+                      <a:round/>
+                      <a:headEnd type="none" w="med" len="med"/>
+                      <a:tailEnd type="none" w="med" len="med"/>
+                    </a:lnR>
+                    <a:lnT>
+                      <a:noFill/>
+                    </a:lnT>
+                    <a:lnB>
+                      <a:noFill/>
+                    </a:lnB>
+                  </a:tcPr>
+                </a:tc>
+              </a:tr>
+              <a:tr h="92259">
+                <a:tc>
+                  <a:txBody>
+                    <a:bodyPr/>
+                    <a:lstStyle/>
+                    <a:p>
+                      <a:pPr algn="l" fontAlgn="ctr"/>
+                      <a:r>
+                        <a:rPr lang="en-US" sz="900" b="0" i="0" u="none" strike="noStrike" dirty="0">
+                          <a:solidFill>
+                            <a:srgbClr val="000000"/>
+                          </a:solidFill>
+                          <a:effectLst/>
+                          <a:latin typeface="Lucida Console"/>
+                        </a:rPr>
+                        <a:t>BsmtFinType1LwQ     -2.49e-02   2.13e-02   -1.17  0.24250    </a:t>
+                      </a:r>
+                    </a:p>
+                  </a:txBody>
+                  <a:tcPr marL="3515" marR="3515" marT="2636" marB="0" anchor="ctr">
+                    <a:lnL w="6350" cap="flat" cmpd="sng" algn="ctr">
+                      <a:solidFill>
+                        <a:srgbClr val="000000"/>
+                      </a:solidFill>
+                      <a:prstDash val="solid"/>
+                      <a:round/>
+                      <a:headEnd type="none" w="med" len="med"/>
+                      <a:tailEnd type="none" w="med" len="med"/>
+                    </a:lnL>
+                    <a:lnR w="6350" cap="flat" cmpd="sng" algn="ctr">
+                      <a:solidFill>
+                        <a:srgbClr val="000000"/>
+                      </a:solidFill>
+                      <a:prstDash val="solid"/>
+                      <a:round/>
+                      <a:headEnd type="none" w="med" len="med"/>
+                      <a:tailEnd type="none" w="med" len="med"/>
+                    </a:lnR>
+                    <a:lnT>
+                      <a:noFill/>
+                    </a:lnT>
+                    <a:lnB>
+                      <a:noFill/>
+                    </a:lnB>
+                  </a:tcPr>
+                </a:tc>
+              </a:tr>
+              <a:tr h="92259">
+                <a:tc>
+                  <a:txBody>
+                    <a:bodyPr/>
+                    <a:lstStyle/>
+                    <a:p>
+                      <a:pPr algn="l" fontAlgn="ctr"/>
+                      <a:r>
+                        <a:rPr lang="en-US" sz="900" b="0" i="0" u="none" strike="noStrike" dirty="0">
+                          <a:solidFill>
+                            <a:srgbClr val="000000"/>
+                          </a:solidFill>
+                          <a:effectLst/>
+                          <a:latin typeface="Lucida Console"/>
+                        </a:rPr>
+                        <a:t>BsmtFinType1NB      -1.38e-02   3.79e-02   -0.37  0.71505    </a:t>
+                      </a:r>
+                    </a:p>
+                  </a:txBody>
+                  <a:tcPr marL="3515" marR="3515" marT="2636" marB="0" anchor="ctr">
+                    <a:lnL w="6350" cap="flat" cmpd="sng" algn="ctr">
+                      <a:solidFill>
+                        <a:srgbClr val="000000"/>
+                      </a:solidFill>
+                      <a:prstDash val="solid"/>
+                      <a:round/>
+                      <a:headEnd type="none" w="med" len="med"/>
+                      <a:tailEnd type="none" w="med" len="med"/>
+                    </a:lnL>
+                    <a:lnR w="6350" cap="flat" cmpd="sng" algn="ctr">
+                      <a:solidFill>
+                        <a:srgbClr val="000000"/>
+                      </a:solidFill>
+                      <a:prstDash val="solid"/>
+                      <a:round/>
+                      <a:headEnd type="none" w="med" len="med"/>
+                      <a:tailEnd type="none" w="med" len="med"/>
+                    </a:lnR>
+                    <a:lnT>
+                      <a:noFill/>
+                    </a:lnT>
+                    <a:lnB>
+                      <a:noFill/>
+                    </a:lnB>
+                  </a:tcPr>
+                </a:tc>
+              </a:tr>
+              <a:tr h="92259">
+                <a:tc>
+                  <a:txBody>
+                    <a:bodyPr/>
+                    <a:lstStyle/>
+                    <a:p>
+                      <a:pPr algn="l" fontAlgn="ctr"/>
+                      <a:r>
+                        <a:rPr lang="en-US" sz="900" b="0" i="0" u="none" strike="noStrike" dirty="0">
+                          <a:solidFill>
+                            <a:srgbClr val="000000"/>
+                          </a:solidFill>
+                          <a:effectLst/>
+                          <a:latin typeface="Lucida Console"/>
+                        </a:rPr>
+                        <a:t>BsmtFinType1Rec     -2.76e-02   1.71e-02   -1.61  0.10823    </a:t>
+                      </a:r>
+                    </a:p>
+                  </a:txBody>
+                  <a:tcPr marL="3515" marR="3515" marT="2636" marB="0" anchor="ctr">
+                    <a:lnL w="6350" cap="flat" cmpd="sng" algn="ctr">
+                      <a:solidFill>
+                        <a:srgbClr val="000000"/>
+                      </a:solidFill>
+                      <a:prstDash val="solid"/>
+                      <a:round/>
+                      <a:headEnd type="none" w="med" len="med"/>
+                      <a:tailEnd type="none" w="med" len="med"/>
+                    </a:lnL>
+                    <a:lnR w="6350" cap="flat" cmpd="sng" algn="ctr">
+                      <a:solidFill>
+                        <a:srgbClr val="000000"/>
+                      </a:solidFill>
+                      <a:prstDash val="solid"/>
+                      <a:round/>
+                      <a:headEnd type="none" w="med" len="med"/>
+                      <a:tailEnd type="none" w="med" len="med"/>
+                    </a:lnR>
+                    <a:lnT>
+                      <a:noFill/>
+                    </a:lnT>
+                    <a:lnB>
+                      <a:noFill/>
+                    </a:lnB>
+                  </a:tcPr>
+                </a:tc>
+              </a:tr>
+              <a:tr h="92259">
+                <a:tc>
+                  <a:txBody>
+                    <a:bodyPr/>
+                    <a:lstStyle/>
+                    <a:p>
+                      <a:pPr algn="l" fontAlgn="ctr"/>
+                      <a:r>
+                        <a:rPr lang="it-IT" sz="900" b="0" i="0" u="none" strike="noStrike">
+                          <a:solidFill>
+                            <a:srgbClr val="000000"/>
+                          </a:solidFill>
+                          <a:effectLst/>
+                          <a:latin typeface="Lucida Console"/>
+                        </a:rPr>
+                        <a:t>BsmtFinType1Unf     -2.14e-02   1.75e-02   -1.23  0.21997    </a:t>
+                      </a:r>
+                    </a:p>
+                  </a:txBody>
+                  <a:tcPr marL="3515" marR="3515" marT="2636" marB="0" anchor="ctr">
+                    <a:lnL w="6350" cap="flat" cmpd="sng" algn="ctr">
+                      <a:solidFill>
+                        <a:srgbClr val="000000"/>
+                      </a:solidFill>
+                      <a:prstDash val="solid"/>
+                      <a:round/>
+                      <a:headEnd type="none" w="med" len="med"/>
+                      <a:tailEnd type="none" w="med" len="med"/>
+                    </a:lnL>
+                    <a:lnR w="6350" cap="flat" cmpd="sng" algn="ctr">
+                      <a:solidFill>
+                        <a:srgbClr val="000000"/>
+                      </a:solidFill>
+                      <a:prstDash val="solid"/>
+                      <a:round/>
+                      <a:headEnd type="none" w="med" len="med"/>
+                      <a:tailEnd type="none" w="med" len="med"/>
+                    </a:lnR>
+                    <a:lnT>
+                      <a:noFill/>
+                    </a:lnT>
+                    <a:lnB>
+                      <a:noFill/>
+                    </a:lnB>
+                  </a:tcPr>
+                </a:tc>
+              </a:tr>
+              <a:tr h="92259">
+                <a:tc>
+                  <a:txBody>
+                    <a:bodyPr/>
+                    <a:lstStyle/>
+                    <a:p>
+                      <a:pPr algn="l" fontAlgn="ctr"/>
+                      <a:r>
+                        <a:rPr lang="it-IT" sz="900" b="0" i="0" u="none" strike="noStrike">
+                          <a:solidFill>
+                            <a:srgbClr val="000000"/>
+                          </a:solidFill>
+                          <a:effectLst/>
+                          <a:latin typeface="Lucida Console"/>
+                        </a:rPr>
+                        <a:t>OverallCond          5.47e-02   4.22e-03   12.96  &lt; 2e-16 ***</a:t>
+                      </a:r>
+                    </a:p>
+                  </a:txBody>
+                  <a:tcPr marL="3515" marR="3515" marT="2636" marB="0" anchor="ctr">
+                    <a:lnL w="6350" cap="flat" cmpd="sng" algn="ctr">
+                      <a:solidFill>
+                        <a:srgbClr val="000000"/>
+                      </a:solidFill>
+                      <a:prstDash val="solid"/>
+                      <a:round/>
+                      <a:headEnd type="none" w="med" len="med"/>
+                      <a:tailEnd type="none" w="med" len="med"/>
+                    </a:lnL>
+                    <a:lnR w="6350" cap="flat" cmpd="sng" algn="ctr">
+                      <a:solidFill>
+                        <a:srgbClr val="000000"/>
+                      </a:solidFill>
+                      <a:prstDash val="solid"/>
+                      <a:round/>
+                      <a:headEnd type="none" w="med" len="med"/>
+                      <a:tailEnd type="none" w="med" len="med"/>
+                    </a:lnR>
+                    <a:lnT>
+                      <a:noFill/>
+                    </a:lnT>
+                    <a:lnB>
+                      <a:noFill/>
+                    </a:lnB>
+                  </a:tcPr>
+                </a:tc>
+              </a:tr>
+              <a:tr h="92259">
+                <a:tc>
+                  <a:txBody>
+                    <a:bodyPr/>
+                    <a:lstStyle/>
+                    <a:p>
+                      <a:pPr algn="l" fontAlgn="ctr"/>
+                      <a:r>
+                        <a:rPr lang="en-US" sz="900" b="0" i="0" u="none" strike="noStrike" dirty="0">
+                          <a:solidFill>
+                            <a:srgbClr val="000000"/>
+                          </a:solidFill>
+                          <a:effectLst/>
+                          <a:latin typeface="Lucida Console"/>
+                        </a:rPr>
+                        <a:t>LotArea              1.79e-06   4.12e-07    4.34  1.6e-05 ***</a:t>
+                      </a:r>
+                    </a:p>
+                  </a:txBody>
+                  <a:tcPr marL="3515" marR="3515" marT="2636" marB="0" anchor="ctr">
+                    <a:lnL w="6350" cap="flat" cmpd="sng" algn="ctr">
+                      <a:solidFill>
+                        <a:srgbClr val="000000"/>
+                      </a:solidFill>
+                      <a:prstDash val="solid"/>
+                      <a:round/>
+                      <a:headEnd type="none" w="med" len="med"/>
+                      <a:tailEnd type="none" w="med" len="med"/>
+                    </a:lnL>
+                    <a:lnR w="6350" cap="flat" cmpd="sng" algn="ctr">
+                      <a:solidFill>
+                        <a:srgbClr val="000000"/>
+                      </a:solidFill>
+                      <a:prstDash val="solid"/>
+                      <a:round/>
+                      <a:headEnd type="none" w="med" len="med"/>
+                      <a:tailEnd type="none" w="med" len="med"/>
+                    </a:lnR>
+                    <a:lnT>
+                      <a:noFill/>
+                    </a:lnT>
+                    <a:lnB>
+                      <a:noFill/>
+                    </a:lnB>
+                  </a:tcPr>
+                </a:tc>
+              </a:tr>
+              <a:tr h="92259">
+                <a:tc>
+                  <a:txBody>
+                    <a:bodyPr/>
+                    <a:lstStyle/>
+                    <a:p>
+                      <a:pPr algn="l" fontAlgn="ctr"/>
+                      <a:r>
+                        <a:rPr lang="en-US" sz="900" b="0" i="0" u="none" strike="noStrike" dirty="0">
+                          <a:solidFill>
+                            <a:srgbClr val="000000"/>
+                          </a:solidFill>
+                          <a:effectLst/>
+                          <a:latin typeface="Lucida Console"/>
+                        </a:rPr>
+                        <a:t>X1stFlrSF           -3.97e-05   2.59e-05   -1.53  0.12561    </a:t>
+                      </a:r>
+                    </a:p>
+                  </a:txBody>
+                  <a:tcPr marL="3515" marR="3515" marT="2636" marB="0" anchor="ctr">
+                    <a:lnL w="6350" cap="flat" cmpd="sng" algn="ctr">
+                      <a:solidFill>
+                        <a:srgbClr val="000000"/>
+                      </a:solidFill>
+                      <a:prstDash val="solid"/>
+                      <a:round/>
+                      <a:headEnd type="none" w="med" len="med"/>
+                      <a:tailEnd type="none" w="med" len="med"/>
+                    </a:lnL>
+                    <a:lnR w="6350" cap="flat" cmpd="sng" algn="ctr">
+                      <a:solidFill>
+                        <a:srgbClr val="000000"/>
+                      </a:solidFill>
+                      <a:prstDash val="solid"/>
+                      <a:round/>
+                      <a:headEnd type="none" w="med" len="med"/>
+                      <a:tailEnd type="none" w="med" len="med"/>
+                    </a:lnR>
+                    <a:lnT>
+                      <a:noFill/>
+                    </a:lnT>
+                    <a:lnB>
+                      <a:noFill/>
+                    </a:lnB>
+                  </a:tcPr>
+                </a:tc>
+              </a:tr>
+              <a:tr h="92259">
+                <a:tc>
+                  <a:txBody>
+                    <a:bodyPr/>
+                    <a:lstStyle/>
+                    <a:p>
+                      <a:pPr algn="l" fontAlgn="ctr"/>
+                      <a:r>
+                        <a:rPr lang="en-US" sz="900" b="0" i="0" u="none" strike="noStrike" dirty="0">
+                          <a:solidFill>
+                            <a:srgbClr val="000000"/>
+                          </a:solidFill>
+                          <a:effectLst/>
+                          <a:latin typeface="Lucida Console"/>
+                        </a:rPr>
+                        <a:t>---</a:t>
+                      </a:r>
+                    </a:p>
+                  </a:txBody>
+                  <a:tcPr marL="3515" marR="3515" marT="2636" marB="0" anchor="ctr">
+                    <a:lnL w="6350" cap="flat" cmpd="sng" algn="ctr">
+                      <a:solidFill>
+                        <a:srgbClr val="000000"/>
+                      </a:solidFill>
+                      <a:prstDash val="solid"/>
+                      <a:round/>
+                      <a:headEnd type="none" w="med" len="med"/>
+                      <a:tailEnd type="none" w="med" len="med"/>
+                    </a:lnL>
+                    <a:lnR w="6350" cap="flat" cmpd="sng" algn="ctr">
+                      <a:solidFill>
+                        <a:srgbClr val="000000"/>
+                      </a:solidFill>
+                      <a:prstDash val="solid"/>
+                      <a:round/>
+                      <a:headEnd type="none" w="med" len="med"/>
+                      <a:tailEnd type="none" w="med" len="med"/>
+                    </a:lnR>
+                    <a:lnT>
+                      <a:noFill/>
+                    </a:lnT>
+                    <a:lnB>
+                      <a:noFill/>
+                    </a:lnB>
+                  </a:tcPr>
+                </a:tc>
+              </a:tr>
+              <a:tr h="92259">
+                <a:tc>
+                  <a:txBody>
+                    <a:bodyPr/>
+                    <a:lstStyle/>
+                    <a:p>
+                      <a:pPr algn="l" fontAlgn="ctr"/>
+                      <a:r>
+                        <a:rPr lang="fr-FR" sz="900" b="0" i="0" u="none" strike="noStrike" dirty="0">
+                          <a:solidFill>
+                            <a:srgbClr val="000000"/>
+                          </a:solidFill>
+                          <a:effectLst/>
+                          <a:latin typeface="Lucida Console"/>
+                        </a:rPr>
+                        <a:t>Signif. codes:  0 ‘***’ 0.001 ‘**’ 0.01 ‘*’ 0.05 ‘.’ 0.1 ‘ ’ 1</a:t>
+                      </a:r>
+                    </a:p>
+                  </a:txBody>
+                  <a:tcPr marL="3515" marR="3515" marT="2636" marB="0" anchor="ctr">
+                    <a:lnL w="6350" cap="flat" cmpd="sng" algn="ctr">
+                      <a:solidFill>
+                        <a:srgbClr val="000000"/>
+                      </a:solidFill>
+                      <a:prstDash val="solid"/>
+                      <a:round/>
+                      <a:headEnd type="none" w="med" len="med"/>
+                      <a:tailEnd type="none" w="med" len="med"/>
+                    </a:lnL>
+                    <a:lnR w="6350" cap="flat" cmpd="sng" algn="ctr">
+                      <a:solidFill>
+                        <a:srgbClr val="000000"/>
+                      </a:solidFill>
+                      <a:prstDash val="solid"/>
+                      <a:round/>
+                      <a:headEnd type="none" w="med" len="med"/>
+                      <a:tailEnd type="none" w="med" len="med"/>
+                    </a:lnR>
+                    <a:lnT>
+                      <a:noFill/>
+                    </a:lnT>
+                    <a:lnB>
+                      <a:noFill/>
+                    </a:lnB>
+                  </a:tcPr>
+                </a:tc>
+              </a:tr>
+              <a:tr h="97531">
+                <a:tc>
+                  <a:txBody>
+                    <a:bodyPr/>
+                    <a:lstStyle/>
+                    <a:p>
+                      <a:pPr algn="l" fontAlgn="ctr"/>
+                      <a:r>
+                        <a:rPr lang="en-US" sz="900" b="0" i="0" u="none" strike="noStrike" dirty="0">
+                          <a:solidFill>
+                            <a:srgbClr val="000000"/>
+                          </a:solidFill>
+                          <a:effectLst/>
+                          <a:latin typeface="Calibri"/>
+                        </a:rPr>
+                        <a:t> </a:t>
+                      </a:r>
+                    </a:p>
+                  </a:txBody>
+                  <a:tcPr marL="3515" marR="3515" marT="2636" marB="0" anchor="ctr">
+                    <a:lnL w="6350" cap="flat" cmpd="sng" algn="ctr">
+                      <a:solidFill>
+                        <a:srgbClr val="000000"/>
+                      </a:solidFill>
+                      <a:prstDash val="solid"/>
+                      <a:round/>
+                      <a:headEnd type="none" w="med" len="med"/>
+                      <a:tailEnd type="none" w="med" len="med"/>
+                    </a:lnL>
+                    <a:lnR w="6350" cap="flat" cmpd="sng" algn="ctr">
+                      <a:solidFill>
+                        <a:srgbClr val="000000"/>
+                      </a:solidFill>
+                      <a:prstDash val="solid"/>
+                      <a:round/>
+                      <a:headEnd type="none" w="med" len="med"/>
+                      <a:tailEnd type="none" w="med" len="med"/>
+                    </a:lnR>
+                    <a:lnT>
+                      <a:noFill/>
+                    </a:lnT>
+                    <a:lnB>
+                      <a:noFill/>
+                    </a:lnB>
+                  </a:tcPr>
+                </a:tc>
+              </a:tr>
+              <a:tr h="92259">
+                <a:tc>
+                  <a:txBody>
+                    <a:bodyPr/>
+                    <a:lstStyle/>
+                    <a:p>
+                      <a:pPr algn="l" fontAlgn="ctr"/>
+                      <a:r>
+                        <a:rPr lang="en-US" sz="900" b="0" i="0" u="none" strike="noStrike" dirty="0">
+                          <a:solidFill>
+                            <a:srgbClr val="000000"/>
+                          </a:solidFill>
+                          <a:effectLst/>
+                          <a:latin typeface="Lucida Console"/>
+                        </a:rPr>
+                        <a:t>Residual standard error: 0.125 on 916 degrees of freedom</a:t>
+                      </a:r>
+                    </a:p>
+                  </a:txBody>
+                  <a:tcPr marL="3515" marR="3515" marT="2636" marB="0" anchor="ctr">
+                    <a:lnL w="6350" cap="flat" cmpd="sng" algn="ctr">
+                      <a:solidFill>
+                        <a:srgbClr val="000000"/>
+                      </a:solidFill>
+                      <a:prstDash val="solid"/>
+                      <a:round/>
+                      <a:headEnd type="none" w="med" len="med"/>
+                      <a:tailEnd type="none" w="med" len="med"/>
+                    </a:lnL>
+                    <a:lnR w="6350" cap="flat" cmpd="sng" algn="ctr">
+                      <a:solidFill>
+                        <a:srgbClr val="000000"/>
+                      </a:solidFill>
+                      <a:prstDash val="solid"/>
+                      <a:round/>
+                      <a:headEnd type="none" w="med" len="med"/>
+                      <a:tailEnd type="none" w="med" len="med"/>
+                    </a:lnR>
+                    <a:lnT>
+                      <a:noFill/>
+                    </a:lnT>
+                    <a:lnB>
+                      <a:noFill/>
+                    </a:lnB>
+                  </a:tcPr>
+                </a:tc>
+              </a:tr>
+              <a:tr h="92259">
+                <a:tc>
+                  <a:txBody>
+                    <a:bodyPr/>
+                    <a:lstStyle/>
+                    <a:p>
+                      <a:pPr algn="l" fontAlgn="ctr"/>
+                      <a:r>
+                        <a:rPr lang="en-US" sz="900" b="0" i="0" u="none" strike="noStrike" dirty="0">
+                          <a:solidFill>
+                            <a:srgbClr val="000000"/>
+                          </a:solidFill>
+                          <a:effectLst/>
+                          <a:latin typeface="Lucida Console"/>
+                        </a:rPr>
+                        <a:t>Multiple R-squared:  0.887,     Adjusted R-squared:  0.882 </a:t>
+                      </a:r>
+                    </a:p>
+                  </a:txBody>
+                  <a:tcPr marL="3515" marR="3515" marT="2636" marB="0" anchor="ctr">
+                    <a:lnL w="6350" cap="flat" cmpd="sng" algn="ctr">
+                      <a:solidFill>
+                        <a:srgbClr val="000000"/>
+                      </a:solidFill>
+                      <a:prstDash val="solid"/>
+                      <a:round/>
+                      <a:headEnd type="none" w="med" len="med"/>
+                      <a:tailEnd type="none" w="med" len="med"/>
+                    </a:lnL>
+                    <a:lnR w="6350" cap="flat" cmpd="sng" algn="ctr">
+                      <a:solidFill>
+                        <a:srgbClr val="000000"/>
+                      </a:solidFill>
+                      <a:prstDash val="solid"/>
+                      <a:round/>
+                      <a:headEnd type="none" w="med" len="med"/>
+                      <a:tailEnd type="none" w="med" len="med"/>
+                    </a:lnR>
+                    <a:lnT>
+                      <a:noFill/>
+                    </a:lnT>
+                    <a:lnB>
+                      <a:noFill/>
+                    </a:lnB>
+                  </a:tcPr>
+                </a:tc>
+              </a:tr>
+              <a:tr h="92259">
+                <a:tc>
+                  <a:txBody>
+                    <a:bodyPr/>
+                    <a:lstStyle/>
+                    <a:p>
+                      <a:pPr algn="l" fontAlgn="ctr"/>
+                      <a:r>
+                        <a:rPr lang="en-US" sz="900" b="0" i="0" u="none" strike="noStrike" dirty="0">
+                          <a:solidFill>
+                            <a:srgbClr val="000000"/>
+                          </a:solidFill>
+                          <a:effectLst/>
+                          <a:latin typeface="Lucida Console"/>
+                        </a:rPr>
+                        <a:t>F-statistic:  180 on 40 and 916 DF,  p-value: &lt;2e-16</a:t>
+                      </a:r>
+                    </a:p>
+                  </a:txBody>
+                  <a:tcPr marL="3515" marR="3515" marT="2636" marB="0" anchor="ctr">
+                    <a:lnL w="6350" cap="flat" cmpd="sng" algn="ctr">
+                      <a:solidFill>
+                        <a:srgbClr val="000000"/>
+                      </a:solidFill>
+                      <a:prstDash val="solid"/>
+                      <a:round/>
+                      <a:headEnd type="none" w="med" len="med"/>
+                      <a:tailEnd type="none" w="med" len="med"/>
+                    </a:lnL>
+                    <a:lnR w="6350" cap="flat" cmpd="sng" algn="ctr">
+                      <a:solidFill>
+                        <a:srgbClr val="000000"/>
+                      </a:solidFill>
+                      <a:prstDash val="solid"/>
+                      <a:round/>
+                      <a:headEnd type="none" w="med" len="med"/>
+                      <a:tailEnd type="none" w="med" len="med"/>
+                    </a:lnR>
+                    <a:lnT>
+                      <a:noFill/>
+                    </a:lnT>
+                    <a:lnB w="6350" cap="flat" cmpd="sng" algn="ctr">
+                      <a:solidFill>
+                        <a:srgbClr val="000000"/>
+                      </a:solidFill>
+                      <a:prstDash val="solid"/>
+                      <a:round/>
+                      <a:headEnd type="none" w="med" len="med"/>
+                      <a:tailEnd type="none" w="med" len="med"/>
+                    </a:lnB>
+                  </a:tcPr>
+                </a:tc>
+              </a:tr>
+            </a:tbl>
+          </a:graphicData>
+        </a:graphic>
+      </p:graphicFrame>
     </p:spTree>
     <p:extLst>
       <p:ext uri="{BB962C8B-B14F-4D97-AF65-F5344CB8AC3E}">
-        <p14:creationId xmlns:p14="http://schemas.microsoft.com/office/powerpoint/2010/main" val="1839317052"/>
+        <p14:creationId xmlns:p14="http://schemas.microsoft.com/office/powerpoint/2010/main" val="2113545856"/>
       </p:ext>
     </p:extLst>
   </p:cSld>
   <p:clrMapOvr>
-    <a:overrideClrMapping bg1="dk1" tx1="lt1" bg2="dk2" tx2="lt2" accent1="accent1" accent2="accent2" accent3="accent3" accent4="accent4" accent5="accent5" accent6="accent6" hlink="hlink" folHlink="folHlink"/>
+    <a:masterClrMapping/>
   </p:clrMapOvr>
+  <p:timing>
+    <p:tnLst>
+      <p:par>
+        <p:cTn id="1" dur="indefinite" restart="never" nodeType="tmRoot"/>
+      </p:par>
+    </p:tnLst>
+  </p:timing>
 </p:sld>
 </file>
 
@@ -7518,18 +9612,18 @@
       </p:grpSpPr>
       <p:sp>
         <p:nvSpPr>
-          <p:cNvPr id="4" name="Title 3"/>
+          <p:cNvPr id="3" name="Text Placeholder 2"/>
           <p:cNvSpPr>
             <a:spLocks noGrp="1"/>
           </p:cNvSpPr>
           <p:nvPr>
-            <p:ph type="ctrTitle"/>
+            <p:ph type="body" idx="1"/>
           </p:nvPr>
         </p:nvSpPr>
         <p:spPr>
           <a:xfrm>
-            <a:off x="430696" y="287498"/>
-            <a:ext cx="11277600" cy="693163"/>
+            <a:off x="2104887" y="2431774"/>
+            <a:ext cx="6400800" cy="825500"/>
           </a:xfrm>
         </p:spPr>
         <p:txBody>
@@ -7538,119 +9632,66 @@
           </a:bodyPr>
           <a:lstStyle/>
           <a:p>
-            <a:r>
-              <a:rPr lang="en-US" sz="2800" dirty="0">
+            <a:pPr algn="ctr"/>
+            <a:r>
+              <a:rPr lang="en-US" sz="4000" b="1" dirty="0" smtClean="0">
                 <a:solidFill>
                   <a:srgbClr val="0070C0"/>
                 </a:solidFill>
               </a:rPr>
-              <a:t>Extracting Additional Value from the Models</a:t>
-            </a:r>
+              <a:t>Assumptions</a:t>
+            </a:r>
+            <a:endParaRPr lang="en-US" sz="4000" b="1" dirty="0">
+              <a:solidFill>
+                <a:schemeClr val="tx1"/>
+              </a:solidFill>
+            </a:endParaRPr>
           </a:p>
         </p:txBody>
       </p:sp>
       <p:sp>
         <p:nvSpPr>
-          <p:cNvPr id="5" name="Subtitle 4"/>
-          <p:cNvSpPr>
-            <a:spLocks noGrp="1"/>
-          </p:cNvSpPr>
-          <p:nvPr>
-            <p:ph type="subTitle" idx="1"/>
-          </p:nvPr>
+          <p:cNvPr id="4" name="TextBox 3"/>
+          <p:cNvSpPr txBox="1"/>
+          <p:nvPr/>
         </p:nvSpPr>
         <p:spPr>
           <a:xfrm>
-            <a:off x="2895600" y="1988522"/>
-            <a:ext cx="6400800" cy="3650279"/>
+            <a:off x="1320800" y="1447800"/>
+            <a:ext cx="9753600" cy="369332"/>
           </a:xfrm>
+          <a:prstGeom prst="rect">
+            <a:avLst/>
+          </a:prstGeom>
+          <a:noFill/>
         </p:spPr>
         <p:txBody>
-          <a:bodyPr>
-            <a:normAutofit/>
+          <a:bodyPr wrap="square" rtlCol="0">
+            <a:spAutoFit/>
           </a:bodyPr>
           <a:lstStyle/>
           <a:p>
-            <a:pPr marL="342900" indent="-342900" algn="l">
-              <a:buFont typeface="Arial"/>
-              <a:buChar char="•"/>
-            </a:pPr>
-            <a:r>
-              <a:rPr lang="en-US" sz="2000" dirty="0"/>
-              <a:t>Key Stakeholders: individuals (home seekers, investors), real estate developers, asset managers, realtors, contractors, creditors/banks</a:t>
-            </a:r>
-          </a:p>
-          <a:p>
-            <a:pPr marL="342900" indent="-342900" algn="l">
-              <a:buFont typeface="Arial"/>
-              <a:buChar char="•"/>
-            </a:pPr>
-            <a:r>
-              <a:rPr lang="en-US" sz="2000" dirty="0"/>
-              <a:t>Discovering investment opportunities by comparing fixed features    </a:t>
-            </a:r>
-            <a:r>
-              <a:rPr lang="en-US" sz="2000" dirty="0" err="1"/>
-              <a:t>vs</a:t>
-            </a:r>
-            <a:r>
-              <a:rPr lang="en-US" sz="2000" dirty="0"/>
-              <a:t> changeable features</a:t>
-            </a:r>
-          </a:p>
-          <a:p>
-            <a:pPr marL="342900" indent="-342900" algn="l">
-              <a:buFont typeface="Arial"/>
-              <a:buChar char="•"/>
-            </a:pPr>
-            <a:r>
-              <a:rPr lang="en-US" sz="2000" dirty="0"/>
-              <a:t>Considering macro/micro economic factors </a:t>
-            </a:r>
-          </a:p>
-          <a:p>
-            <a:pPr marL="342900" indent="-342900" algn="l">
-              <a:buFont typeface="Arial"/>
-              <a:buChar char="•"/>
-            </a:pPr>
-            <a:r>
-              <a:rPr lang="en-US" sz="2000" dirty="0"/>
-              <a:t>Quantifying the opportunity and deriving actionable insights and conclusions</a:t>
-            </a:r>
-          </a:p>
-          <a:p>
-            <a:pPr marL="342900" indent="-342900" algn="l">
-              <a:buFont typeface="Arial"/>
-              <a:buChar char="•"/>
-            </a:pPr>
-            <a:endParaRPr lang="en-US" sz="2000" dirty="0"/>
-          </a:p>
-          <a:p>
-            <a:pPr marL="342900" indent="-342900" algn="l">
-              <a:buFont typeface="Arial"/>
-              <a:buChar char="•"/>
-            </a:pPr>
-            <a:endParaRPr lang="en-US" sz="2000" dirty="0"/>
-          </a:p>
-          <a:p>
-            <a:pPr marL="342900" indent="-342900" algn="l">
-              <a:buFont typeface="Arial"/>
-              <a:buChar char="•"/>
-            </a:pPr>
-            <a:endParaRPr lang="en-US" sz="2000" dirty="0"/>
+            <a:endParaRPr lang="en-US" dirty="0"/>
           </a:p>
         </p:txBody>
       </p:sp>
     </p:spTree>
     <p:extLst>
       <p:ext uri="{BB962C8B-B14F-4D97-AF65-F5344CB8AC3E}">
-        <p14:creationId xmlns:p14="http://schemas.microsoft.com/office/powerpoint/2010/main" val="1306191667"/>
+        <p14:creationId xmlns:p14="http://schemas.microsoft.com/office/powerpoint/2010/main" val="1295523232"/>
       </p:ext>
     </p:extLst>
   </p:cSld>
   <p:clrMapOvr>
     <a:masterClrMapping/>
   </p:clrMapOvr>
+  <p:timing>
+    <p:tnLst>
+      <p:par>
+        <p:cTn id="1" dur="indefinite" restart="never" nodeType="tmRoot"/>
+      </p:par>
+    </p:tnLst>
+  </p:timing>
 </p:sld>
 </file>
 
@@ -7683,8 +9724,8 @@
         </p:nvSpPr>
         <p:spPr>
           <a:xfrm>
-            <a:off x="1981200" y="274639"/>
-            <a:ext cx="8229600" cy="707643"/>
+            <a:off x="0" y="0"/>
+            <a:ext cx="5486400" cy="838200"/>
           </a:xfrm>
         </p:spPr>
         <p:txBody>
@@ -7694,191 +9735,60 @@
           <a:lstStyle/>
           <a:p>
             <a:r>
-              <a:rPr lang="en-US" dirty="0"/>
-              <a:t>Statistically supported conclusions</a:t>
-            </a:r>
+              <a:rPr lang="en-US" sz="2800" b="1" dirty="0" smtClean="0">
+                <a:solidFill>
+                  <a:srgbClr val="0070C0"/>
+                </a:solidFill>
+              </a:rPr>
+              <a:t>Constant Variance</a:t>
+            </a:r>
+            <a:endParaRPr lang="en-US" sz="2800" dirty="0"/>
           </a:p>
         </p:txBody>
       </p:sp>
-      <p:sp>
-        <p:nvSpPr>
-          <p:cNvPr id="3" name="Content Placeholder 2"/>
-          <p:cNvSpPr>
-            <a:spLocks noGrp="1"/>
-          </p:cNvSpPr>
+      <p:pic>
+        <p:nvPicPr>
+          <p:cNvPr id="4" name="Content Placeholder 3"/>
+          <p:cNvPicPr>
+            <a:picLocks noGrp="1"/>
+          </p:cNvPicPr>
           <p:nvPr>
             <p:ph idx="1"/>
           </p:nvPr>
-        </p:nvSpPr>
+        </p:nvPicPr>
+        <p:blipFill>
+          <a:blip r:embed="rId2"/>
+          <a:stretch>
+            <a:fillRect/>
+          </a:stretch>
+        </p:blipFill>
         <p:spPr>
           <a:xfrm>
-            <a:off x="1981200" y="1149989"/>
-            <a:ext cx="8229600" cy="5390567"/>
+            <a:off x="508000" y="762000"/>
+            <a:ext cx="10972800" cy="5029200"/>
           </a:xfrm>
+          <a:prstGeom prst="rect">
+            <a:avLst/>
+          </a:prstGeom>
         </p:spPr>
-        <p:txBody>
-          <a:bodyPr>
-            <a:normAutofit/>
-          </a:bodyPr>
-          <a:lstStyle/>
-          <a:p>
-            <a:pPr marL="514350" indent="-514350">
-              <a:buAutoNum type="arabicPeriod"/>
-            </a:pPr>
-            <a:r>
-              <a:rPr lang="en-US" b="1" u="sng" dirty="0"/>
-              <a:t>Go Big or Go Home </a:t>
-            </a:r>
-            <a:r>
-              <a:rPr lang="en-US" sz="1200" u="sng" dirty="0"/>
-              <a:t>(pun intended)</a:t>
-            </a:r>
-          </a:p>
-          <a:p>
-            <a:pPr marL="0" indent="0">
-              <a:buNone/>
-            </a:pPr>
-            <a:r>
-              <a:rPr lang="en-US" sz="1200" dirty="0"/>
-              <a:t>	</a:t>
-            </a:r>
-          </a:p>
-          <a:p>
-            <a:r>
-              <a:rPr lang="en-US" sz="2200" dirty="0"/>
-              <a:t>Total Square Footage(using basement + living + garage space) average (mean) of homes in Ames cost 68 </a:t>
-            </a:r>
-            <a:r>
-              <a:rPr lang="en-US" sz="2200" dirty="0" err="1"/>
-              <a:t>sq</a:t>
-            </a:r>
-            <a:r>
-              <a:rPr lang="en-US" sz="2200" dirty="0"/>
-              <a:t>/ft.</a:t>
-            </a:r>
-          </a:p>
-          <a:p>
-            <a:r>
-              <a:rPr lang="en-US" sz="2200" dirty="0"/>
-              <a:t>73% of sales price is implied by attributes related to size (R-</a:t>
-            </a:r>
-            <a:r>
-              <a:rPr lang="en-US" sz="2200" dirty="0" err="1"/>
-              <a:t>sq</a:t>
-            </a:r>
-            <a:r>
-              <a:rPr lang="en-US" sz="2200" dirty="0"/>
-              <a:t>)</a:t>
-            </a:r>
-          </a:p>
-          <a:p>
-            <a:r>
-              <a:rPr lang="en-US" sz="2200" dirty="0"/>
-              <a:t>Sorry Guys, Size Matters!</a:t>
-            </a:r>
-          </a:p>
-          <a:p>
-            <a:pPr marL="0" indent="0">
-              <a:buNone/>
-            </a:pPr>
-            <a:r>
-              <a:rPr lang="en-US" dirty="0"/>
-              <a:t>2. </a:t>
-            </a:r>
-            <a:r>
-              <a:rPr lang="en-US" b="1" u="sng" dirty="0"/>
-              <a:t>Be Selective but not obsessive</a:t>
-            </a:r>
-          </a:p>
-          <a:p>
-            <a:r>
-              <a:rPr lang="en-US" sz="2200" dirty="0"/>
-              <a:t>6 variables including Size, Age (year built and year remodeled) , Location and Fireplaces account for 81% for price.</a:t>
-            </a:r>
-          </a:p>
-          <a:p>
-            <a:r>
-              <a:rPr lang="en-US" sz="2200" dirty="0"/>
-              <a:t>12 Variables that include  (Lot Area, Year Built, </a:t>
-            </a:r>
-            <a:r>
-              <a:rPr lang="en-US" sz="2200" dirty="0" err="1"/>
-              <a:t>YearRemodAdd</a:t>
-            </a:r>
-            <a:r>
-              <a:rPr lang="en-US" sz="2200" dirty="0"/>
-              <a:t>, </a:t>
-            </a:r>
-            <a:r>
-              <a:rPr lang="en-US" sz="2200" dirty="0" err="1"/>
-              <a:t>TotalBsmtSf</a:t>
-            </a:r>
-            <a:r>
-              <a:rPr lang="en-US" sz="2200" dirty="0"/>
-              <a:t>, </a:t>
-            </a:r>
-            <a:r>
-              <a:rPr lang="en-US" sz="2200" dirty="0" err="1"/>
-              <a:t>BsmtFinSFOne</a:t>
-            </a:r>
-            <a:r>
-              <a:rPr lang="en-US" sz="2200" dirty="0"/>
-              <a:t>, </a:t>
-            </a:r>
-            <a:r>
-              <a:rPr lang="en-US" sz="2200" dirty="0" err="1"/>
-              <a:t>GrLivArea</a:t>
-            </a:r>
-            <a:r>
-              <a:rPr lang="en-US" sz="2200" dirty="0"/>
-              <a:t>, </a:t>
-            </a:r>
-            <a:r>
-              <a:rPr lang="en-US" sz="2200" dirty="0" err="1"/>
-              <a:t>BedroomAbvGr</a:t>
-            </a:r>
-            <a:r>
-              <a:rPr lang="en-US" sz="2200" dirty="0"/>
-              <a:t>, </a:t>
-            </a:r>
-            <a:r>
-              <a:rPr lang="en-US" sz="2200" dirty="0" err="1"/>
-              <a:t>KitchenAbvGr</a:t>
-            </a:r>
-            <a:r>
-              <a:rPr lang="en-US" sz="2200" dirty="0"/>
-              <a:t>, Fireplaces, Garage Area, Good Neighborhood, Troubled Neighborhood) tells 88% of the story (based on R-</a:t>
-            </a:r>
-            <a:r>
-              <a:rPr lang="en-US" sz="2200" dirty="0" err="1"/>
-              <a:t>sq</a:t>
-            </a:r>
-            <a:r>
-              <a:rPr lang="en-US" sz="2200" dirty="0"/>
-              <a:t>).</a:t>
-            </a:r>
-          </a:p>
-          <a:p>
-            <a:pPr marL="0" indent="0">
-              <a:buNone/>
-            </a:pPr>
-            <a:endParaRPr lang="en-US" sz="2200" dirty="0"/>
-          </a:p>
-          <a:p>
-            <a:endParaRPr lang="en-US" b="1" u="sng" dirty="0"/>
-          </a:p>
-        </p:txBody>
-      </p:sp>
+      </p:pic>
     </p:spTree>
     <p:extLst>
       <p:ext uri="{BB962C8B-B14F-4D97-AF65-F5344CB8AC3E}">
-        <p14:creationId xmlns:p14="http://schemas.microsoft.com/office/powerpoint/2010/main" val="133671342"/>
+        <p14:creationId xmlns:p14="http://schemas.microsoft.com/office/powerpoint/2010/main" val="3545855892"/>
       </p:ext>
     </p:extLst>
   </p:cSld>
   <p:clrMapOvr>
     <a:masterClrMapping/>
   </p:clrMapOvr>
+  <p:timing>
+    <p:tnLst>
+      <p:par>
+        <p:cTn id="1" dur="indefinite" restart="never" nodeType="tmRoot"/>
+      </p:par>
+    </p:tnLst>
+  </p:timing>
 </p:sld>
 </file>
 
@@ -7909,7 +9819,12 @@
             <p:ph type="title"/>
           </p:nvPr>
         </p:nvSpPr>
-        <p:spPr/>
+        <p:spPr>
+          <a:xfrm>
+            <a:off x="0" y="0"/>
+            <a:ext cx="5080000" cy="685800"/>
+          </a:xfrm>
+        </p:spPr>
         <p:txBody>
           <a:bodyPr>
             <a:normAutofit/>
@@ -7917,118 +9832,163 @@
           <a:lstStyle/>
           <a:p>
             <a:r>
-              <a:rPr lang="en-US" dirty="0"/>
-              <a:t>Flip or Flop </a:t>
-            </a:r>
-            <a:r>
-              <a:rPr lang="mr-IN" dirty="0"/>
-              <a:t>–</a:t>
-            </a:r>
-            <a:r>
-              <a:rPr lang="en-US" dirty="0"/>
-              <a:t> Investment opportunities by renovating?</a:t>
-            </a:r>
+              <a:rPr lang="en-US" sz="2400" b="1" dirty="0" smtClean="0">
+                <a:solidFill>
+                  <a:srgbClr val="0070C0"/>
+                </a:solidFill>
+              </a:rPr>
+              <a:t>Normality</a:t>
+            </a:r>
+            <a:endParaRPr lang="en-US" sz="2400" dirty="0"/>
           </a:p>
         </p:txBody>
       </p:sp>
-      <p:sp>
-        <p:nvSpPr>
-          <p:cNvPr id="3" name="Content Placeholder 2"/>
-          <p:cNvSpPr>
-            <a:spLocks noGrp="1"/>
-          </p:cNvSpPr>
+      <p:pic>
+        <p:nvPicPr>
+          <p:cNvPr id="4" name="Content Placeholder 3"/>
+          <p:cNvPicPr>
+            <a:picLocks noGrp="1" noChangeAspect="1"/>
+          </p:cNvPicPr>
           <p:nvPr>
             <p:ph idx="1"/>
           </p:nvPr>
-        </p:nvSpPr>
-        <p:spPr/>
-        <p:txBody>
-          <a:bodyPr>
-            <a:noAutofit/>
-          </a:bodyPr>
-          <a:lstStyle/>
-          <a:p>
-            <a:r>
-              <a:rPr lang="en-US" sz="2000" dirty="0"/>
-              <a:t>If 88% of price is accounted for by fixed features, only 12% (or $19k of house value) remains to other features which limits upside potential to add value via renovation and repairs using “Quality” (</a:t>
-            </a:r>
-            <a:r>
-              <a:rPr lang="en-US" sz="2000" dirty="0" err="1"/>
-              <a:t>ie</a:t>
-            </a:r>
-            <a:r>
-              <a:rPr lang="en-US" sz="2000" dirty="0"/>
-              <a:t> kitchen quality) and “Condition” (</a:t>
-            </a:r>
-            <a:r>
-              <a:rPr lang="en-US" sz="2000" dirty="0" err="1"/>
-              <a:t>ie</a:t>
-            </a:r>
-            <a:r>
-              <a:rPr lang="en-US" sz="2000" dirty="0"/>
-              <a:t> garage condition) metrics, including roof, exterior features, heating, electric components, etc.</a:t>
-            </a:r>
-          </a:p>
-          <a:p>
-            <a:r>
-              <a:rPr lang="en-US" sz="2000" dirty="0"/>
-              <a:t>If the goal is to add value via renovation, the most promising upside will come from:</a:t>
-            </a:r>
-          </a:p>
-          <a:p>
-            <a:pPr marL="857250" lvl="1" indent="-457200">
-              <a:buFont typeface="+mj-lt"/>
-              <a:buAutoNum type="arabicPeriod"/>
-            </a:pPr>
-            <a:r>
-              <a:rPr lang="en-US" sz="2000" dirty="0"/>
-              <a:t>Adding a garage if land and zoning eligibility permits (worth approximately $6k per car)</a:t>
-            </a:r>
-          </a:p>
-          <a:p>
-            <a:pPr marL="857250" lvl="1" indent="-457200">
-              <a:buFont typeface="+mj-lt"/>
-              <a:buAutoNum type="arabicPeriod"/>
-            </a:pPr>
-            <a:r>
-              <a:rPr lang="en-US" sz="2000" dirty="0"/>
-              <a:t>Complete and unfinished basement (amounts to $35/sq. ft.)</a:t>
-            </a:r>
-          </a:p>
-          <a:p>
-            <a:pPr marL="857250" lvl="1" indent="-457200">
-              <a:buFont typeface="+mj-lt"/>
-              <a:buAutoNum type="arabicPeriod"/>
-            </a:pPr>
-            <a:r>
-              <a:rPr lang="en-US" sz="2000" dirty="0"/>
-              <a:t>Remodel/Upgrade the kitchen.</a:t>
-            </a:r>
-          </a:p>
-          <a:p>
-            <a:r>
-              <a:rPr lang="en-US" sz="2000" dirty="0"/>
-              <a:t>Profit model relies on ability to source low cost contractors.</a:t>
-            </a:r>
-          </a:p>
-          <a:p>
-            <a:r>
-              <a:rPr lang="en-US" sz="2000" dirty="0"/>
-              <a:t>Analysis suggests that the most prudent investment strategy would be investing in underpriced listings based on the criteria in the linear model vs “flipping” houses by renovating features and making improvements.</a:t>
-            </a:r>
-          </a:p>
-        </p:txBody>
-      </p:sp>
+        </p:nvPicPr>
+        <p:blipFill>
+          <a:blip r:embed="rId2">
+            <a:extLst>
+              <a:ext uri="{28A0092B-C50C-407E-A947-70E740481C1C}">
+                <a14:useLocalDpi xmlns:a14="http://schemas.microsoft.com/office/drawing/2010/main" val="0"/>
+              </a:ext>
+            </a:extLst>
+          </a:blip>
+          <a:stretch>
+            <a:fillRect/>
+          </a:stretch>
+        </p:blipFill>
+        <p:spPr>
+          <a:xfrm>
+            <a:off x="1219200" y="1243807"/>
+            <a:ext cx="9956800" cy="5133974"/>
+          </a:xfrm>
+        </p:spPr>
+      </p:pic>
     </p:spTree>
     <p:extLst>
       <p:ext uri="{BB962C8B-B14F-4D97-AF65-F5344CB8AC3E}">
-        <p14:creationId xmlns:p14="http://schemas.microsoft.com/office/powerpoint/2010/main" val="1081167671"/>
+        <p14:creationId xmlns:p14="http://schemas.microsoft.com/office/powerpoint/2010/main" val="1346729731"/>
       </p:ext>
     </p:extLst>
   </p:cSld>
   <p:clrMapOvr>
     <a:masterClrMapping/>
   </p:clrMapOvr>
+  <p:timing>
+    <p:tnLst>
+      <p:par>
+        <p:cTn id="1" dur="indefinite" restart="never" nodeType="tmRoot"/>
+      </p:par>
+    </p:tnLst>
+  </p:timing>
+</p:sld>
+</file>
+
+<file path=ppt/slides/slide29.xml><?xml version="1.0" encoding="utf-8"?>
+<p:sld xmlns:a="http://schemas.openxmlformats.org/drawingml/2006/main" xmlns:r="http://schemas.openxmlformats.org/officeDocument/2006/relationships" xmlns:p="http://schemas.openxmlformats.org/presentationml/2006/main">
+  <p:cSld>
+    <p:spTree>
+      <p:nvGrpSpPr>
+        <p:cNvPr id="1" name=""/>
+        <p:cNvGrpSpPr/>
+        <p:nvPr/>
+      </p:nvGrpSpPr>
+      <p:grpSpPr>
+        <a:xfrm>
+          <a:off x="0" y="0"/>
+          <a:ext cx="0" cy="0"/>
+          <a:chOff x="0" y="0"/>
+          <a:chExt cx="0" cy="0"/>
+        </a:xfrm>
+      </p:grpSpPr>
+      <p:sp>
+        <p:nvSpPr>
+          <p:cNvPr id="2" name="Title 1"/>
+          <p:cNvSpPr>
+            <a:spLocks noGrp="1"/>
+          </p:cNvSpPr>
+          <p:nvPr>
+            <p:ph type="title"/>
+          </p:nvPr>
+        </p:nvSpPr>
+        <p:spPr>
+          <a:xfrm>
+            <a:off x="0" y="0"/>
+            <a:ext cx="4267200" cy="914400"/>
+          </a:xfrm>
+        </p:spPr>
+        <p:txBody>
+          <a:bodyPr>
+            <a:normAutofit/>
+          </a:bodyPr>
+          <a:lstStyle/>
+          <a:p>
+            <a:r>
+              <a:rPr lang="en-US" sz="2400" b="1" dirty="0" smtClean="0">
+                <a:solidFill>
+                  <a:srgbClr val="0070C0"/>
+                </a:solidFill>
+              </a:rPr>
+              <a:t>Independent Error</a:t>
+            </a:r>
+            <a:endParaRPr lang="en-US" sz="2400" dirty="0"/>
+          </a:p>
+        </p:txBody>
+      </p:sp>
+      <p:pic>
+        <p:nvPicPr>
+          <p:cNvPr id="4" name="Content Placeholder 3"/>
+          <p:cNvPicPr>
+            <a:picLocks noGrp="1" noChangeAspect="1"/>
+          </p:cNvPicPr>
+          <p:nvPr>
+            <p:ph idx="1"/>
+          </p:nvPr>
+        </p:nvPicPr>
+        <p:blipFill>
+          <a:blip r:embed="rId2">
+            <a:extLst>
+              <a:ext uri="{28A0092B-C50C-407E-A947-70E740481C1C}">
+                <a14:useLocalDpi xmlns:a14="http://schemas.microsoft.com/office/drawing/2010/main" val="0"/>
+              </a:ext>
+            </a:extLst>
+          </a:blip>
+          <a:stretch>
+            <a:fillRect/>
+          </a:stretch>
+        </p:blipFill>
+        <p:spPr>
+          <a:xfrm>
+            <a:off x="1422400" y="1066800"/>
+            <a:ext cx="9956800" cy="5133974"/>
+          </a:xfrm>
+        </p:spPr>
+      </p:pic>
+    </p:spTree>
+    <p:extLst>
+      <p:ext uri="{BB962C8B-B14F-4D97-AF65-F5344CB8AC3E}">
+        <p14:creationId xmlns:p14="http://schemas.microsoft.com/office/powerpoint/2010/main" val="1509438979"/>
+      </p:ext>
+    </p:extLst>
+  </p:cSld>
+  <p:clrMapOvr>
+    <a:masterClrMapping/>
+  </p:clrMapOvr>
+  <p:timing>
+    <p:tnLst>
+      <p:par>
+        <p:cTn id="1" dur="indefinite" restart="never" nodeType="tmRoot"/>
+      </p:par>
+    </p:tnLst>
+  </p:timing>
 </p:sld>
 </file>
 
@@ -8054,7 +10014,7 @@
           <p:cNvPr id="5" name="Content Placeholder 4" descr="A picture containing person, text, newspaper, outdoor&#10;&#10;Description generated with very high confidence">
             <a:extLst>
               <a:ext uri="{FF2B5EF4-FFF2-40B4-BE49-F238E27FC236}">
-                <a16:creationId xmlns:a16="http://schemas.microsoft.com/office/drawing/2014/main" id="{15B056D5-F188-43AA-B66A-95B40BD85B5E}"/>
+                <a16:creationId xmlns:a16="http://schemas.microsoft.com/office/drawing/2014/main" xmlns="" id="{15B056D5-F188-43AA-B66A-95B40BD85B5E}"/>
               </a:ext>
             </a:extLst>
           </p:cNvPr>
@@ -8088,6 +10048,826 @@
     <p:extLst>
       <p:ext uri="{BB962C8B-B14F-4D97-AF65-F5344CB8AC3E}">
         <p14:creationId xmlns:p14="http://schemas.microsoft.com/office/powerpoint/2010/main" val="918493522"/>
+      </p:ext>
+    </p:extLst>
+  </p:cSld>
+  <p:clrMapOvr>
+    <a:masterClrMapping/>
+  </p:clrMapOvr>
+</p:sld>
+</file>
+
+<file path=ppt/slides/slide30.xml><?xml version="1.0" encoding="utf-8"?>
+<p:sld xmlns:a="http://schemas.openxmlformats.org/drawingml/2006/main" xmlns:r="http://schemas.openxmlformats.org/officeDocument/2006/relationships" xmlns:p="http://schemas.openxmlformats.org/presentationml/2006/main">
+  <p:cSld>
+    <p:spTree>
+      <p:nvGrpSpPr>
+        <p:cNvPr id="1" name=""/>
+        <p:cNvGrpSpPr/>
+        <p:nvPr/>
+      </p:nvGrpSpPr>
+      <p:grpSpPr>
+        <a:xfrm>
+          <a:off x="0" y="0"/>
+          <a:ext cx="0" cy="0"/>
+          <a:chOff x="0" y="0"/>
+          <a:chExt cx="0" cy="0"/>
+        </a:xfrm>
+      </p:grpSpPr>
+      <p:sp>
+        <p:nvSpPr>
+          <p:cNvPr id="2" name="Title 1"/>
+          <p:cNvSpPr>
+            <a:spLocks noGrp="1"/>
+          </p:cNvSpPr>
+          <p:nvPr>
+            <p:ph type="title"/>
+          </p:nvPr>
+        </p:nvSpPr>
+        <p:spPr>
+          <a:xfrm>
+            <a:off x="0" y="0"/>
+            <a:ext cx="4673600" cy="715962"/>
+          </a:xfrm>
+        </p:spPr>
+        <p:txBody>
+          <a:bodyPr>
+            <a:normAutofit/>
+          </a:bodyPr>
+          <a:lstStyle/>
+          <a:p>
+            <a:r>
+              <a:rPr lang="en-US" sz="2800" b="1" dirty="0" smtClean="0">
+                <a:solidFill>
+                  <a:srgbClr val="0070C0"/>
+                </a:solidFill>
+              </a:rPr>
+              <a:t>Residuals and Leverage</a:t>
+            </a:r>
+            <a:endParaRPr lang="en-US" sz="2800" dirty="0"/>
+          </a:p>
+        </p:txBody>
+      </p:sp>
+      <p:pic>
+        <p:nvPicPr>
+          <p:cNvPr id="4" name="Content Placeholder 3"/>
+          <p:cNvPicPr>
+            <a:picLocks noGrp="1" noChangeAspect="1"/>
+          </p:cNvPicPr>
+          <p:nvPr>
+            <p:ph idx="1"/>
+          </p:nvPr>
+        </p:nvPicPr>
+        <p:blipFill>
+          <a:blip r:embed="rId2">
+            <a:extLst>
+              <a:ext uri="{28A0092B-C50C-407E-A947-70E740481C1C}">
+                <a14:useLocalDpi xmlns:a14="http://schemas.microsoft.com/office/drawing/2010/main" val="0"/>
+              </a:ext>
+            </a:extLst>
+          </a:blip>
+          <a:stretch>
+            <a:fillRect/>
+          </a:stretch>
+        </p:blipFill>
+        <p:spPr>
+          <a:xfrm>
+            <a:off x="914401" y="962820"/>
+            <a:ext cx="10261599" cy="5291136"/>
+          </a:xfrm>
+        </p:spPr>
+      </p:pic>
+    </p:spTree>
+    <p:extLst>
+      <p:ext uri="{BB962C8B-B14F-4D97-AF65-F5344CB8AC3E}">
+        <p14:creationId xmlns:p14="http://schemas.microsoft.com/office/powerpoint/2010/main" val="860835420"/>
+      </p:ext>
+    </p:extLst>
+  </p:cSld>
+  <p:clrMapOvr>
+    <a:masterClrMapping/>
+  </p:clrMapOvr>
+  <p:timing>
+    <p:tnLst>
+      <p:par>
+        <p:cTn id="1" dur="indefinite" restart="never" nodeType="tmRoot"/>
+      </p:par>
+    </p:tnLst>
+  </p:timing>
+</p:sld>
+</file>
+
+<file path=ppt/slides/slide31.xml><?xml version="1.0" encoding="utf-8"?>
+<p:sld xmlns:a="http://schemas.openxmlformats.org/drawingml/2006/main" xmlns:r="http://schemas.openxmlformats.org/officeDocument/2006/relationships" xmlns:p="http://schemas.openxmlformats.org/presentationml/2006/main">
+  <p:cSld>
+    <p:spTree>
+      <p:nvGrpSpPr>
+        <p:cNvPr id="1" name=""/>
+        <p:cNvGrpSpPr/>
+        <p:nvPr/>
+      </p:nvGrpSpPr>
+      <p:grpSpPr>
+        <a:xfrm>
+          <a:off x="0" y="0"/>
+          <a:ext cx="0" cy="0"/>
+          <a:chOff x="0" y="0"/>
+          <a:chExt cx="0" cy="0"/>
+        </a:xfrm>
+      </p:grpSpPr>
+      <p:sp>
+        <p:nvSpPr>
+          <p:cNvPr id="2" name="Title 1"/>
+          <p:cNvSpPr>
+            <a:spLocks noGrp="1"/>
+          </p:cNvSpPr>
+          <p:nvPr>
+            <p:ph type="title"/>
+          </p:nvPr>
+        </p:nvSpPr>
+        <p:spPr>
+          <a:xfrm>
+            <a:off x="1547707" y="2854960"/>
+            <a:ext cx="5384800" cy="868362"/>
+          </a:xfrm>
+        </p:spPr>
+        <p:txBody>
+          <a:bodyPr>
+            <a:normAutofit fontScale="90000"/>
+          </a:bodyPr>
+          <a:lstStyle/>
+          <a:p>
+            <a:r>
+              <a:rPr lang="en-US" sz="3200" b="1" dirty="0" smtClean="0">
+                <a:solidFill>
+                  <a:srgbClr val="0070C0"/>
+                </a:solidFill>
+              </a:rPr>
+              <a:t>Model </a:t>
+            </a:r>
+            <a:r>
+              <a:rPr lang="en-US" sz="3100" b="1" dirty="0" smtClean="0">
+                <a:solidFill>
+                  <a:srgbClr val="0070C0"/>
+                </a:solidFill>
+              </a:rPr>
+              <a:t>Evaluation</a:t>
+            </a:r>
+            <a:r>
+              <a:rPr lang="en-US" sz="3200" b="1" dirty="0" smtClean="0">
+                <a:solidFill>
+                  <a:srgbClr val="0070C0"/>
+                </a:solidFill>
+              </a:rPr>
+              <a:t> (Cross Validation)</a:t>
+            </a:r>
+            <a:endParaRPr lang="en-US" sz="3200" dirty="0"/>
+          </a:p>
+        </p:txBody>
+      </p:sp>
+    </p:spTree>
+    <p:extLst>
+      <p:ext uri="{BB962C8B-B14F-4D97-AF65-F5344CB8AC3E}">
+        <p14:creationId xmlns:p14="http://schemas.microsoft.com/office/powerpoint/2010/main" val="1488290667"/>
+      </p:ext>
+    </p:extLst>
+  </p:cSld>
+  <p:clrMapOvr>
+    <a:masterClrMapping/>
+  </p:clrMapOvr>
+  <p:timing>
+    <p:tnLst>
+      <p:par>
+        <p:cTn id="1" dur="indefinite" restart="never" nodeType="tmRoot"/>
+      </p:par>
+    </p:tnLst>
+  </p:timing>
+</p:sld>
+</file>
+
+<file path=ppt/slides/slide32.xml><?xml version="1.0" encoding="utf-8"?>
+<p:sld xmlns:a="http://schemas.openxmlformats.org/drawingml/2006/main" xmlns:r="http://schemas.openxmlformats.org/officeDocument/2006/relationships" xmlns:p="http://schemas.openxmlformats.org/presentationml/2006/main">
+  <p:cSld>
+    <p:spTree>
+      <p:nvGrpSpPr>
+        <p:cNvPr id="1" name=""/>
+        <p:cNvGrpSpPr/>
+        <p:nvPr/>
+      </p:nvGrpSpPr>
+      <p:grpSpPr>
+        <a:xfrm>
+          <a:off x="0" y="0"/>
+          <a:ext cx="0" cy="0"/>
+          <a:chOff x="0" y="0"/>
+          <a:chExt cx="0" cy="0"/>
+        </a:xfrm>
+      </p:grpSpPr>
+      <p:sp>
+        <p:nvSpPr>
+          <p:cNvPr id="3" name="Content Placeholder 2"/>
+          <p:cNvSpPr>
+            <a:spLocks noGrp="1"/>
+          </p:cNvSpPr>
+          <p:nvPr>
+            <p:ph idx="1"/>
+          </p:nvPr>
+        </p:nvSpPr>
+        <p:spPr>
+          <a:xfrm>
+            <a:off x="609600" y="304801"/>
+            <a:ext cx="10972800" cy="5821363"/>
+          </a:xfrm>
+        </p:spPr>
+        <p:txBody>
+          <a:bodyPr/>
+          <a:lstStyle/>
+          <a:p>
+            <a:pPr marL="0" indent="0">
+              <a:buNone/>
+            </a:pPr>
+            <a:r>
+              <a:rPr lang="en-US" sz="2000" b="1" dirty="0" smtClean="0">
+                <a:solidFill>
+                  <a:srgbClr val="0070C0"/>
+                </a:solidFill>
+              </a:rPr>
+              <a:t>Predicted vs Actuals</a:t>
+            </a:r>
+            <a:endParaRPr lang="en-US" sz="2000" dirty="0"/>
+          </a:p>
+          <a:p>
+            <a:pPr marL="0" indent="0">
+              <a:buNone/>
+            </a:pPr>
+            <a:endParaRPr lang="en-US" dirty="0"/>
+          </a:p>
+        </p:txBody>
+      </p:sp>
+      <p:pic>
+        <p:nvPicPr>
+          <p:cNvPr id="4" name="Picture 3"/>
+          <p:cNvPicPr>
+            <a:picLocks noChangeAspect="1"/>
+          </p:cNvPicPr>
+          <p:nvPr/>
+        </p:nvPicPr>
+        <p:blipFill>
+          <a:blip r:embed="rId2">
+            <a:extLst>
+              <a:ext uri="{28A0092B-C50C-407E-A947-70E740481C1C}">
+                <a14:useLocalDpi xmlns:a14="http://schemas.microsoft.com/office/drawing/2010/main" val="0"/>
+              </a:ext>
+            </a:extLst>
+          </a:blip>
+          <a:stretch>
+            <a:fillRect/>
+          </a:stretch>
+        </p:blipFill>
+        <p:spPr>
+          <a:xfrm>
+            <a:off x="711200" y="1290636"/>
+            <a:ext cx="10797312" cy="5567364"/>
+          </a:xfrm>
+          <a:prstGeom prst="rect">
+            <a:avLst/>
+          </a:prstGeom>
+        </p:spPr>
+      </p:pic>
+    </p:spTree>
+    <p:extLst>
+      <p:ext uri="{BB962C8B-B14F-4D97-AF65-F5344CB8AC3E}">
+        <p14:creationId xmlns:p14="http://schemas.microsoft.com/office/powerpoint/2010/main" val="2524220422"/>
+      </p:ext>
+    </p:extLst>
+  </p:cSld>
+  <p:clrMapOvr>
+    <a:masterClrMapping/>
+  </p:clrMapOvr>
+  <p:timing>
+    <p:tnLst>
+      <p:par>
+        <p:cTn id="1" dur="indefinite" restart="never" nodeType="tmRoot"/>
+      </p:par>
+    </p:tnLst>
+  </p:timing>
+</p:sld>
+</file>
+
+<file path=ppt/slides/slide33.xml><?xml version="1.0" encoding="utf-8"?>
+<p:sld xmlns:a="http://schemas.openxmlformats.org/drawingml/2006/main" xmlns:r="http://schemas.openxmlformats.org/officeDocument/2006/relationships" xmlns:p="http://schemas.openxmlformats.org/presentationml/2006/main">
+  <p:cSld>
+    <p:spTree>
+      <p:nvGrpSpPr>
+        <p:cNvPr id="1" name=""/>
+        <p:cNvGrpSpPr/>
+        <p:nvPr/>
+      </p:nvGrpSpPr>
+      <p:grpSpPr>
+        <a:xfrm>
+          <a:off x="0" y="0"/>
+          <a:ext cx="0" cy="0"/>
+          <a:chOff x="0" y="0"/>
+          <a:chExt cx="0" cy="0"/>
+        </a:xfrm>
+      </p:grpSpPr>
+      <p:sp>
+        <p:nvSpPr>
+          <p:cNvPr id="4" name="Title 3"/>
+          <p:cNvSpPr>
+            <a:spLocks noGrp="1"/>
+          </p:cNvSpPr>
+          <p:nvPr>
+            <p:ph type="ctrTitle"/>
+          </p:nvPr>
+        </p:nvSpPr>
+        <p:spPr>
+          <a:xfrm>
+            <a:off x="430696" y="287498"/>
+            <a:ext cx="11277600" cy="693163"/>
+          </a:xfrm>
+        </p:spPr>
+        <p:txBody>
+          <a:bodyPr>
+            <a:normAutofit/>
+          </a:bodyPr>
+          <a:lstStyle/>
+          <a:p>
+            <a:r>
+              <a:rPr lang="en-US" sz="2800" dirty="0">
+                <a:solidFill>
+                  <a:srgbClr val="0070C0"/>
+                </a:solidFill>
+              </a:rPr>
+              <a:t>Extracting Additional Value from the Models</a:t>
+            </a:r>
+          </a:p>
+        </p:txBody>
+      </p:sp>
+      <p:sp>
+        <p:nvSpPr>
+          <p:cNvPr id="5" name="Subtitle 4"/>
+          <p:cNvSpPr>
+            <a:spLocks noGrp="1"/>
+          </p:cNvSpPr>
+          <p:nvPr>
+            <p:ph type="subTitle" idx="1"/>
+          </p:nvPr>
+        </p:nvSpPr>
+        <p:spPr>
+          <a:xfrm>
+            <a:off x="2895600" y="1988522"/>
+            <a:ext cx="6400800" cy="3650279"/>
+          </a:xfrm>
+        </p:spPr>
+        <p:txBody>
+          <a:bodyPr>
+            <a:normAutofit/>
+          </a:bodyPr>
+          <a:lstStyle/>
+          <a:p>
+            <a:pPr marL="342900" indent="-342900" algn="l">
+              <a:buFont typeface="Arial"/>
+              <a:buChar char="•"/>
+            </a:pPr>
+            <a:r>
+              <a:rPr lang="en-US" sz="2000" dirty="0"/>
+              <a:t>Key Stakeholders: individuals (home seekers, investors), real estate developers, asset managers, realtors, contractors, creditors/banks</a:t>
+            </a:r>
+          </a:p>
+          <a:p>
+            <a:pPr marL="342900" indent="-342900" algn="l">
+              <a:buFont typeface="Arial"/>
+              <a:buChar char="•"/>
+            </a:pPr>
+            <a:r>
+              <a:rPr lang="en-US" sz="2000" dirty="0"/>
+              <a:t>Discovering investment opportunities by comparing fixed features    vs changeable features</a:t>
+            </a:r>
+          </a:p>
+          <a:p>
+            <a:pPr marL="342900" indent="-342900" algn="l">
+              <a:buFont typeface="Arial"/>
+              <a:buChar char="•"/>
+            </a:pPr>
+            <a:r>
+              <a:rPr lang="en-US" sz="2000" dirty="0"/>
+              <a:t>Considering macro/micro economic factors </a:t>
+            </a:r>
+          </a:p>
+          <a:p>
+            <a:pPr marL="342900" indent="-342900" algn="l">
+              <a:buFont typeface="Arial"/>
+              <a:buChar char="•"/>
+            </a:pPr>
+            <a:r>
+              <a:rPr lang="en-US" sz="2000" dirty="0"/>
+              <a:t>Quantifying the opportunity and deriving actionable insights and conclusions</a:t>
+            </a:r>
+          </a:p>
+          <a:p>
+            <a:pPr marL="342900" indent="-342900" algn="l">
+              <a:buFont typeface="Arial"/>
+              <a:buChar char="•"/>
+            </a:pPr>
+            <a:endParaRPr lang="en-US" sz="2000" dirty="0"/>
+          </a:p>
+          <a:p>
+            <a:pPr marL="342900" indent="-342900" algn="l">
+              <a:buFont typeface="Arial"/>
+              <a:buChar char="•"/>
+            </a:pPr>
+            <a:endParaRPr lang="en-US" sz="2000" dirty="0"/>
+          </a:p>
+          <a:p>
+            <a:pPr marL="342900" indent="-342900" algn="l">
+              <a:buFont typeface="Arial"/>
+              <a:buChar char="•"/>
+            </a:pPr>
+            <a:endParaRPr lang="en-US" sz="2000" dirty="0"/>
+          </a:p>
+        </p:txBody>
+      </p:sp>
+    </p:spTree>
+    <p:extLst>
+      <p:ext uri="{BB962C8B-B14F-4D97-AF65-F5344CB8AC3E}">
+        <p14:creationId xmlns:p14="http://schemas.microsoft.com/office/powerpoint/2010/main" val="1306191667"/>
+      </p:ext>
+    </p:extLst>
+  </p:cSld>
+  <p:clrMapOvr>
+    <a:masterClrMapping/>
+  </p:clrMapOvr>
+</p:sld>
+</file>
+
+<file path=ppt/slides/slide34.xml><?xml version="1.0" encoding="utf-8"?>
+<p:sld xmlns:a="http://schemas.openxmlformats.org/drawingml/2006/main" xmlns:r="http://schemas.openxmlformats.org/officeDocument/2006/relationships" xmlns:p="http://schemas.openxmlformats.org/presentationml/2006/main">
+  <p:cSld>
+    <p:spTree>
+      <p:nvGrpSpPr>
+        <p:cNvPr id="1" name=""/>
+        <p:cNvGrpSpPr/>
+        <p:nvPr/>
+      </p:nvGrpSpPr>
+      <p:grpSpPr>
+        <a:xfrm>
+          <a:off x="0" y="0"/>
+          <a:ext cx="0" cy="0"/>
+          <a:chOff x="0" y="0"/>
+          <a:chExt cx="0" cy="0"/>
+        </a:xfrm>
+      </p:grpSpPr>
+      <p:sp>
+        <p:nvSpPr>
+          <p:cNvPr id="2" name="Title 1"/>
+          <p:cNvSpPr>
+            <a:spLocks noGrp="1"/>
+          </p:cNvSpPr>
+          <p:nvPr>
+            <p:ph type="title"/>
+          </p:nvPr>
+        </p:nvSpPr>
+        <p:spPr>
+          <a:xfrm>
+            <a:off x="1981200" y="274639"/>
+            <a:ext cx="8229600" cy="707643"/>
+          </a:xfrm>
+        </p:spPr>
+        <p:txBody>
+          <a:bodyPr>
+            <a:normAutofit/>
+          </a:bodyPr>
+          <a:lstStyle/>
+          <a:p>
+            <a:r>
+              <a:rPr lang="en-US" dirty="0"/>
+              <a:t>Statistically supported conclusions</a:t>
+            </a:r>
+          </a:p>
+        </p:txBody>
+      </p:sp>
+      <p:sp>
+        <p:nvSpPr>
+          <p:cNvPr id="3" name="Content Placeholder 2"/>
+          <p:cNvSpPr>
+            <a:spLocks noGrp="1"/>
+          </p:cNvSpPr>
+          <p:nvPr>
+            <p:ph idx="1"/>
+          </p:nvPr>
+        </p:nvSpPr>
+        <p:spPr>
+          <a:xfrm>
+            <a:off x="1981200" y="1149989"/>
+            <a:ext cx="8229600" cy="5390567"/>
+          </a:xfrm>
+        </p:spPr>
+        <p:txBody>
+          <a:bodyPr>
+            <a:normAutofit/>
+          </a:bodyPr>
+          <a:lstStyle/>
+          <a:p>
+            <a:pPr marL="514350" indent="-514350">
+              <a:buAutoNum type="arabicPeriod"/>
+            </a:pPr>
+            <a:r>
+              <a:rPr lang="en-US" b="1" u="sng" dirty="0"/>
+              <a:t>Go Big or Go Home </a:t>
+            </a:r>
+            <a:r>
+              <a:rPr lang="en-US" sz="1200" u="sng" dirty="0"/>
+              <a:t>(pun intended)</a:t>
+            </a:r>
+          </a:p>
+          <a:p>
+            <a:pPr marL="0" indent="0">
+              <a:buNone/>
+            </a:pPr>
+            <a:r>
+              <a:rPr lang="en-US" sz="1200" dirty="0"/>
+              <a:t>	</a:t>
+            </a:r>
+          </a:p>
+          <a:p>
+            <a:r>
+              <a:rPr lang="en-US" sz="2200" dirty="0"/>
+              <a:t>Total Square Footage(using basement + living + garage space) average (mean) of homes in Ames cost 68 </a:t>
+            </a:r>
+            <a:r>
+              <a:rPr lang="en-US" sz="2200" dirty="0" err="1"/>
+              <a:t>sq</a:t>
+            </a:r>
+            <a:r>
+              <a:rPr lang="en-US" sz="2200" dirty="0"/>
+              <a:t>/ft.</a:t>
+            </a:r>
+          </a:p>
+          <a:p>
+            <a:r>
+              <a:rPr lang="en-US" sz="2200" dirty="0"/>
+              <a:t>73% of sales price is implied by attributes related to size (R-</a:t>
+            </a:r>
+            <a:r>
+              <a:rPr lang="en-US" sz="2200" dirty="0" err="1"/>
+              <a:t>sq</a:t>
+            </a:r>
+            <a:r>
+              <a:rPr lang="en-US" sz="2200" dirty="0"/>
+              <a:t>)</a:t>
+            </a:r>
+          </a:p>
+          <a:p>
+            <a:r>
+              <a:rPr lang="en-US" sz="2200" dirty="0"/>
+              <a:t>Sorry Guys, Size Matters!</a:t>
+            </a:r>
+          </a:p>
+          <a:p>
+            <a:pPr marL="0" indent="0">
+              <a:buNone/>
+            </a:pPr>
+            <a:r>
+              <a:rPr lang="en-US" dirty="0"/>
+              <a:t>2. </a:t>
+            </a:r>
+            <a:r>
+              <a:rPr lang="en-US" b="1" u="sng" dirty="0"/>
+              <a:t>Be Selective but not obsessive</a:t>
+            </a:r>
+          </a:p>
+          <a:p>
+            <a:r>
+              <a:rPr lang="en-US" sz="2200" dirty="0"/>
+              <a:t>6 variables including Size, Age (year built and year remodeled) , Location and Fireplaces account for 81% for price.</a:t>
+            </a:r>
+          </a:p>
+          <a:p>
+            <a:r>
+              <a:rPr lang="en-US" sz="2200" dirty="0"/>
+              <a:t>12 Variables that include  (Lot Area, Year Built, </a:t>
+            </a:r>
+            <a:r>
+              <a:rPr lang="en-US" sz="2200" dirty="0" err="1"/>
+              <a:t>YearRemodAdd</a:t>
+            </a:r>
+            <a:r>
+              <a:rPr lang="en-US" sz="2200" dirty="0"/>
+              <a:t>, </a:t>
+            </a:r>
+            <a:r>
+              <a:rPr lang="en-US" sz="2200" dirty="0" err="1"/>
+              <a:t>TotalBsmtSf</a:t>
+            </a:r>
+            <a:r>
+              <a:rPr lang="en-US" sz="2200" dirty="0"/>
+              <a:t>, </a:t>
+            </a:r>
+            <a:r>
+              <a:rPr lang="en-US" sz="2200" dirty="0" err="1"/>
+              <a:t>BsmtFinSFOne</a:t>
+            </a:r>
+            <a:r>
+              <a:rPr lang="en-US" sz="2200" dirty="0"/>
+              <a:t>, </a:t>
+            </a:r>
+            <a:r>
+              <a:rPr lang="en-US" sz="2200" dirty="0" err="1"/>
+              <a:t>GrLivArea</a:t>
+            </a:r>
+            <a:r>
+              <a:rPr lang="en-US" sz="2200" dirty="0"/>
+              <a:t>, </a:t>
+            </a:r>
+            <a:r>
+              <a:rPr lang="en-US" sz="2200" dirty="0" err="1"/>
+              <a:t>BedroomAbvGr</a:t>
+            </a:r>
+            <a:r>
+              <a:rPr lang="en-US" sz="2200" dirty="0"/>
+              <a:t>, </a:t>
+            </a:r>
+            <a:r>
+              <a:rPr lang="en-US" sz="2200" dirty="0" err="1"/>
+              <a:t>KitchenAbvGr</a:t>
+            </a:r>
+            <a:r>
+              <a:rPr lang="en-US" sz="2200" dirty="0"/>
+              <a:t>, Fireplaces, Garage Area, Good Neighborhood, Troubled Neighborhood) tells 88% of the story (based on R-</a:t>
+            </a:r>
+            <a:r>
+              <a:rPr lang="en-US" sz="2200" dirty="0" err="1"/>
+              <a:t>sq</a:t>
+            </a:r>
+            <a:r>
+              <a:rPr lang="en-US" sz="2200" dirty="0"/>
+              <a:t>).</a:t>
+            </a:r>
+          </a:p>
+          <a:p>
+            <a:pPr marL="0" indent="0">
+              <a:buNone/>
+            </a:pPr>
+            <a:endParaRPr lang="en-US" sz="2200" dirty="0"/>
+          </a:p>
+          <a:p>
+            <a:endParaRPr lang="en-US" b="1" u="sng" dirty="0"/>
+          </a:p>
+        </p:txBody>
+      </p:sp>
+    </p:spTree>
+    <p:extLst>
+      <p:ext uri="{BB962C8B-B14F-4D97-AF65-F5344CB8AC3E}">
+        <p14:creationId xmlns:p14="http://schemas.microsoft.com/office/powerpoint/2010/main" val="133671342"/>
+      </p:ext>
+    </p:extLst>
+  </p:cSld>
+  <p:clrMapOvr>
+    <a:masterClrMapping/>
+  </p:clrMapOvr>
+</p:sld>
+</file>
+
+<file path=ppt/slides/slide35.xml><?xml version="1.0" encoding="utf-8"?>
+<p:sld xmlns:a="http://schemas.openxmlformats.org/drawingml/2006/main" xmlns:r="http://schemas.openxmlformats.org/officeDocument/2006/relationships" xmlns:p="http://schemas.openxmlformats.org/presentationml/2006/main">
+  <p:cSld>
+    <p:spTree>
+      <p:nvGrpSpPr>
+        <p:cNvPr id="1" name=""/>
+        <p:cNvGrpSpPr/>
+        <p:nvPr/>
+      </p:nvGrpSpPr>
+      <p:grpSpPr>
+        <a:xfrm>
+          <a:off x="0" y="0"/>
+          <a:ext cx="0" cy="0"/>
+          <a:chOff x="0" y="0"/>
+          <a:chExt cx="0" cy="0"/>
+        </a:xfrm>
+      </p:grpSpPr>
+      <p:sp>
+        <p:nvSpPr>
+          <p:cNvPr id="2" name="Title 1"/>
+          <p:cNvSpPr>
+            <a:spLocks noGrp="1"/>
+          </p:cNvSpPr>
+          <p:nvPr>
+            <p:ph type="title"/>
+          </p:nvPr>
+        </p:nvSpPr>
+        <p:spPr/>
+        <p:txBody>
+          <a:bodyPr>
+            <a:normAutofit/>
+          </a:bodyPr>
+          <a:lstStyle/>
+          <a:p>
+            <a:r>
+              <a:rPr lang="en-US" dirty="0"/>
+              <a:t>Flip or Flop </a:t>
+            </a:r>
+            <a:r>
+              <a:rPr lang="mr-IN" dirty="0"/>
+              <a:t>–</a:t>
+            </a:r>
+            <a:r>
+              <a:rPr lang="en-US" dirty="0"/>
+              <a:t> Investment opportunities by renovating?</a:t>
+            </a:r>
+          </a:p>
+        </p:txBody>
+      </p:sp>
+      <p:sp>
+        <p:nvSpPr>
+          <p:cNvPr id="3" name="Content Placeholder 2"/>
+          <p:cNvSpPr>
+            <a:spLocks noGrp="1"/>
+          </p:cNvSpPr>
+          <p:nvPr>
+            <p:ph idx="1"/>
+          </p:nvPr>
+        </p:nvSpPr>
+        <p:spPr/>
+        <p:txBody>
+          <a:bodyPr>
+            <a:noAutofit/>
+          </a:bodyPr>
+          <a:lstStyle/>
+          <a:p>
+            <a:r>
+              <a:rPr lang="en-US" sz="2000" dirty="0"/>
+              <a:t>If 88% of price is accounted for by fixed features, only 12% (or $19k of house value) remains to other features which limits upside potential to add value via renovation and repairs using “Quality” (</a:t>
+            </a:r>
+            <a:r>
+              <a:rPr lang="en-US" sz="2000" dirty="0" err="1"/>
+              <a:t>ie</a:t>
+            </a:r>
+            <a:r>
+              <a:rPr lang="en-US" sz="2000" dirty="0"/>
+              <a:t> kitchen quality) and “Condition” (</a:t>
+            </a:r>
+            <a:r>
+              <a:rPr lang="en-US" sz="2000" dirty="0" err="1"/>
+              <a:t>ie</a:t>
+            </a:r>
+            <a:r>
+              <a:rPr lang="en-US" sz="2000" dirty="0"/>
+              <a:t> garage condition) metrics, including roof, exterior features, heating, electric components, etc.</a:t>
+            </a:r>
+          </a:p>
+          <a:p>
+            <a:r>
+              <a:rPr lang="en-US" sz="2000" dirty="0"/>
+              <a:t>If the goal is to add value via renovation, the most promising upside will come from:</a:t>
+            </a:r>
+          </a:p>
+          <a:p>
+            <a:pPr marL="857250" lvl="1" indent="-457200">
+              <a:buFont typeface="+mj-lt"/>
+              <a:buAutoNum type="arabicPeriod"/>
+            </a:pPr>
+            <a:r>
+              <a:rPr lang="en-US" sz="2000" dirty="0"/>
+              <a:t>Adding a garage if land and zoning eligibility permits (worth approximately $6k per car)</a:t>
+            </a:r>
+          </a:p>
+          <a:p>
+            <a:pPr marL="857250" lvl="1" indent="-457200">
+              <a:buFont typeface="+mj-lt"/>
+              <a:buAutoNum type="arabicPeriod"/>
+            </a:pPr>
+            <a:r>
+              <a:rPr lang="en-US" sz="2000" dirty="0"/>
+              <a:t>Complete and unfinished basement (amounts to $35/sq. ft.)</a:t>
+            </a:r>
+          </a:p>
+          <a:p>
+            <a:pPr marL="857250" lvl="1" indent="-457200">
+              <a:buFont typeface="+mj-lt"/>
+              <a:buAutoNum type="arabicPeriod"/>
+            </a:pPr>
+            <a:r>
+              <a:rPr lang="en-US" sz="2000" dirty="0"/>
+              <a:t>Remodel/Upgrade the kitchen.</a:t>
+            </a:r>
+          </a:p>
+          <a:p>
+            <a:r>
+              <a:rPr lang="en-US" sz="2000" dirty="0"/>
+              <a:t>Profit model relies on ability to source low cost contractors.</a:t>
+            </a:r>
+          </a:p>
+          <a:p>
+            <a:r>
+              <a:rPr lang="en-US" sz="2000" dirty="0"/>
+              <a:t>Analysis suggests that the most prudent investment strategy would be investing in underpriced listings based on the criteria in the linear model vs “flipping” houses by renovating features and making improvements.</a:t>
+            </a:r>
+          </a:p>
+        </p:txBody>
+      </p:sp>
+    </p:spTree>
+    <p:extLst>
+      <p:ext uri="{BB962C8B-B14F-4D97-AF65-F5344CB8AC3E}">
+        <p14:creationId xmlns:p14="http://schemas.microsoft.com/office/powerpoint/2010/main" val="1081167671"/>
       </p:ext>
     </p:extLst>
   </p:cSld>
@@ -8130,7 +10910,7 @@
           <p:cNvPr id="8" name="Group 7" title="intersecting circles">
             <a:extLst>
               <a:ext uri="{FF2B5EF4-FFF2-40B4-BE49-F238E27FC236}">
-                <a16:creationId xmlns:a16="http://schemas.microsoft.com/office/drawing/2014/main" id="{D2C4BFA1-2075-4901-9E24-E41D1FDD51FD}"/>
+                <a16:creationId xmlns:a16="http://schemas.microsoft.com/office/drawing/2014/main" xmlns="" id="{D2C4BFA1-2075-4901-9E24-E41D1FDD51FD}"/>
               </a:ext>
             </a:extLst>
           </p:cNvPr>
@@ -8140,7 +10920,7 @@
           <p:nvPr>
             <p:extLst>
               <p:ext uri="{386F3935-93C4-4BCD-93E2-E3B085C9AB24}">
-                <p16:designElem xmlns:p16="http://schemas.microsoft.com/office/powerpoint/2015/main" val="1"/>
+                <p16:designElem xmlns:p16="http://schemas.microsoft.com/office/powerpoint/2015/main" xmlns="" val="1"/>
               </p:ext>
             </p:extLst>
           </p:nvPr>
@@ -8158,7 +10938,7 @@
             <p:cNvPr id="9" name="Oval 5">
               <a:extLst>
                 <a:ext uri="{FF2B5EF4-FFF2-40B4-BE49-F238E27FC236}">
-                  <a16:creationId xmlns:a16="http://schemas.microsoft.com/office/drawing/2014/main" id="{985A7375-E3AF-4F5C-85AE-17E8832952CA}"/>
+                  <a16:creationId xmlns:a16="http://schemas.microsoft.com/office/drawing/2014/main" xmlns="" id="{985A7375-E3AF-4F5C-85AE-17E8832952CA}"/>
                 </a:ext>
               </a:extLst>
             </p:cNvPr>
@@ -8168,7 +10948,7 @@
             <p:nvPr>
               <p:extLst>
                 <p:ext uri="{386F3935-93C4-4BCD-93E2-E3B085C9AB24}">
-                  <p16:designElem xmlns:p16="http://schemas.microsoft.com/office/powerpoint/2015/main" val="1"/>
+                  <p16:designElem xmlns:p16="http://schemas.microsoft.com/office/powerpoint/2015/main" xmlns="" val="1"/>
                 </p:ext>
               </p:extLst>
             </p:nvPr>
@@ -8196,7 +10976,7 @@
             <p:cNvPr id="10" name="Oval 9">
               <a:extLst>
                 <a:ext uri="{FF2B5EF4-FFF2-40B4-BE49-F238E27FC236}">
-                  <a16:creationId xmlns:a16="http://schemas.microsoft.com/office/drawing/2014/main" id="{F0307F65-8304-4FA8-A841-D4D7625411BE}"/>
+                  <a16:creationId xmlns:a16="http://schemas.microsoft.com/office/drawing/2014/main" xmlns="" id="{F0307F65-8304-4FA8-A841-D4D7625411BE}"/>
                 </a:ext>
               </a:extLst>
             </p:cNvPr>
@@ -8206,7 +10986,7 @@
             <p:nvPr>
               <p:extLst>
                 <p:ext uri="{386F3935-93C4-4BCD-93E2-E3B085C9AB24}">
-                  <p16:designElem xmlns:p16="http://schemas.microsoft.com/office/powerpoint/2015/main" val="1"/>
+                  <p16:designElem xmlns:p16="http://schemas.microsoft.com/office/powerpoint/2015/main" xmlns="" val="1"/>
                 </p:ext>
               </p:extLst>
             </p:nvPr>
@@ -8234,7 +11014,7 @@
             <p:cNvPr id="11" name="Oval 5">
               <a:extLst>
                 <a:ext uri="{FF2B5EF4-FFF2-40B4-BE49-F238E27FC236}">
-                  <a16:creationId xmlns:a16="http://schemas.microsoft.com/office/drawing/2014/main" id="{C8B8394C-136F-4E05-A002-D93A5E79CD50}"/>
+                  <a16:creationId xmlns:a16="http://schemas.microsoft.com/office/drawing/2014/main" xmlns="" id="{C8B8394C-136F-4E05-A002-D93A5E79CD50}"/>
                 </a:ext>
               </a:extLst>
             </p:cNvPr>
@@ -8244,7 +11024,7 @@
             <p:nvPr>
               <p:extLst>
                 <p:ext uri="{386F3935-93C4-4BCD-93E2-E3B085C9AB24}">
-                  <p16:designElem xmlns:p16="http://schemas.microsoft.com/office/powerpoint/2015/main" val="1"/>
+                  <p16:designElem xmlns:p16="http://schemas.microsoft.com/office/powerpoint/2015/main" xmlns="" val="1"/>
                 </p:ext>
               </p:extLst>
             </p:nvPr>
@@ -8273,7 +11053,7 @@
           <p:cNvPr id="13" name="Rectangle 12" title="ribbon">
             <a:extLst>
               <a:ext uri="{FF2B5EF4-FFF2-40B4-BE49-F238E27FC236}">
-                <a16:creationId xmlns:a16="http://schemas.microsoft.com/office/drawing/2014/main" id="{053FB2EE-284F-4C87-AB3D-BBF87A9FAB97}"/>
+                <a16:creationId xmlns:a16="http://schemas.microsoft.com/office/drawing/2014/main" xmlns="" id="{053FB2EE-284F-4C87-AB3D-BBF87A9FAB97}"/>
               </a:ext>
             </a:extLst>
           </p:cNvPr>
@@ -8283,7 +11063,7 @@
           <p:nvPr>
             <p:extLst>
               <p:ext uri="{386F3935-93C4-4BCD-93E2-E3B085C9AB24}">
-                <p16:designElem xmlns:p16="http://schemas.microsoft.com/office/powerpoint/2015/main" val="1"/>
+                <p16:designElem xmlns:p16="http://schemas.microsoft.com/office/powerpoint/2015/main" xmlns="" val="1"/>
               </p:ext>
             </p:extLst>
           </p:nvPr>
@@ -8325,7 +11105,7 @@
           <p:cNvPr id="2" name="Title 1">
             <a:extLst>
               <a:ext uri="{FF2B5EF4-FFF2-40B4-BE49-F238E27FC236}">
-                <a16:creationId xmlns:a16="http://schemas.microsoft.com/office/drawing/2014/main" id="{32E0A578-CE27-410A-8933-52A270F02582}"/>
+                <a16:creationId xmlns:a16="http://schemas.microsoft.com/office/drawing/2014/main" xmlns="" id="{32E0A578-CE27-410A-8933-52A270F02582}"/>
               </a:ext>
             </a:extLst>
           </p:cNvPr>
@@ -8407,7 +11187,7 @@
           <p:cNvPr id="2" name="Title 1">
             <a:extLst>
               <a:ext uri="{FF2B5EF4-FFF2-40B4-BE49-F238E27FC236}">
-                <a16:creationId xmlns:a16="http://schemas.microsoft.com/office/drawing/2014/main" id="{D6CDCB73-8593-4074-886F-EDED4E788813}"/>
+                <a16:creationId xmlns:a16="http://schemas.microsoft.com/office/drawing/2014/main" xmlns="" id="{D6CDCB73-8593-4074-886F-EDED4E788813}"/>
               </a:ext>
             </a:extLst>
           </p:cNvPr>
@@ -8435,6 +11215,14 @@
           </a:bodyPr>
           <a:lstStyle/>
           <a:p>
+            <a:r>
+              <a:rPr lang="en-US" sz="3200" b="1" dirty="0">
+                <a:solidFill>
+                  <a:srgbClr val="0070C0"/>
+                </a:solidFill>
+              </a:rPr>
+              <a:t/>
+            </a:r>
             <a:br>
               <a:rPr lang="en-US" sz="3200" b="1" dirty="0">
                 <a:solidFill>
@@ -8470,7 +11258,7 @@
           <p:cNvPr id="4" name="TextBox 3">
             <a:extLst>
               <a:ext uri="{FF2B5EF4-FFF2-40B4-BE49-F238E27FC236}">
-                <a16:creationId xmlns:a16="http://schemas.microsoft.com/office/drawing/2014/main" id="{CC0F3D11-B31A-4DEE-BB5C-830CF453B203}"/>
+                <a16:creationId xmlns:a16="http://schemas.microsoft.com/office/drawing/2014/main" xmlns="" id="{CC0F3D11-B31A-4DEE-BB5C-830CF453B203}"/>
               </a:ext>
             </a:extLst>
           </p:cNvPr>
@@ -8562,7 +11350,7 @@
           <p:cNvPr id="2" name="Title 1">
             <a:extLst>
               <a:ext uri="{FF2B5EF4-FFF2-40B4-BE49-F238E27FC236}">
-                <a16:creationId xmlns:a16="http://schemas.microsoft.com/office/drawing/2014/main" id="{94D1C4B0-CD8D-4273-AE80-7755E21858BF}"/>
+                <a16:creationId xmlns:a16="http://schemas.microsoft.com/office/drawing/2014/main" xmlns="" id="{94D1C4B0-CD8D-4273-AE80-7755E21858BF}"/>
               </a:ext>
             </a:extLst>
           </p:cNvPr>
@@ -8606,7 +11394,7 @@
           <p:cNvPr id="5" name="Content Placeholder 4" descr="A train window with a large screen&#10;&#10;Description generated with high confidence">
             <a:extLst>
               <a:ext uri="{FF2B5EF4-FFF2-40B4-BE49-F238E27FC236}">
-                <a16:creationId xmlns:a16="http://schemas.microsoft.com/office/drawing/2014/main" id="{EDBBBAFC-B99B-4564-924E-2545FB4166E9}"/>
+                <a16:creationId xmlns:a16="http://schemas.microsoft.com/office/drawing/2014/main" xmlns="" id="{EDBBBAFC-B99B-4564-924E-2545FB4166E9}"/>
               </a:ext>
             </a:extLst>
           </p:cNvPr>
@@ -8679,7 +11467,7 @@
           <p:cNvPr id="88" name="Rectangle 83">
             <a:extLst>
               <a:ext uri="{FF2B5EF4-FFF2-40B4-BE49-F238E27FC236}">
-                <a16:creationId xmlns:a16="http://schemas.microsoft.com/office/drawing/2014/main" id="{EC12C61A-9558-4DE5-AFDB-898358AFB4CA}"/>
+                <a16:creationId xmlns:a16="http://schemas.microsoft.com/office/drawing/2014/main" xmlns="" id="{EC12C61A-9558-4DE5-AFDB-898358AFB4CA}"/>
               </a:ext>
             </a:extLst>
           </p:cNvPr>
@@ -8689,7 +11477,7 @@
           <p:nvPr>
             <p:extLst>
               <p:ext uri="{386F3935-93C4-4BCD-93E2-E3B085C9AB24}">
-                <p16:designElem xmlns:p16="http://schemas.microsoft.com/office/powerpoint/2015/main" val="1"/>
+                <p16:designElem xmlns:p16="http://schemas.microsoft.com/office/powerpoint/2015/main" xmlns="" val="1"/>
               </p:ext>
             </p:extLst>
           </p:nvPr>
@@ -8736,7 +11524,7 @@
           <a:lstStyle/>
           <a:p>
             <a:pPr algn="ctr"/>
-            <a:endParaRPr lang="en-US"/>
+            <a:endParaRPr lang="en-US" dirty="0"/>
           </a:p>
         </p:txBody>
       </p:sp>
@@ -8745,7 +11533,7 @@
           <p:cNvPr id="89" name="Content Placeholder 11">
             <a:extLst>
               <a:ext uri="{FF2B5EF4-FFF2-40B4-BE49-F238E27FC236}">
-                <a16:creationId xmlns:a16="http://schemas.microsoft.com/office/drawing/2014/main" id="{80B08409-AFCA-4FBA-99D6-B1534164B404}"/>
+                <a16:creationId xmlns:a16="http://schemas.microsoft.com/office/drawing/2014/main" xmlns="" id="{80B08409-AFCA-4FBA-99D6-B1534164B404}"/>
               </a:ext>
             </a:extLst>
           </p:cNvPr>
@@ -8755,7 +11543,7 @@
           <p:nvPr/>
         </p:nvPicPr>
         <p:blipFill rotWithShape="1">
-          <a:blip r:embed="rId2">
+          <a:blip r:embed="rId2" cstate="print">
             <a:extLst>
               <a:ext uri="{28A0092B-C50C-407E-A947-70E740481C1C}">
                 <a14:useLocalDpi xmlns:a14="http://schemas.microsoft.com/office/drawing/2010/main" val="0"/>
@@ -8780,7 +11568,7 @@
           <p:cNvPr id="14" name="Picture 13" descr="A close up of text on a white background&#10;&#10;Description generated with high confidence">
             <a:extLst>
               <a:ext uri="{FF2B5EF4-FFF2-40B4-BE49-F238E27FC236}">
-                <a16:creationId xmlns:a16="http://schemas.microsoft.com/office/drawing/2014/main" id="{1BB2A90C-877B-442D-A6FA-21612C428421}"/>
+                <a16:creationId xmlns:a16="http://schemas.microsoft.com/office/drawing/2014/main" xmlns="" id="{1BB2A90C-877B-442D-A6FA-21612C428421}"/>
               </a:ext>
             </a:extLst>
           </p:cNvPr>
@@ -8790,7 +11578,7 @@
           <p:nvPr/>
         </p:nvPicPr>
         <p:blipFill rotWithShape="1">
-          <a:blip r:embed="rId3">
+          <a:blip r:embed="rId3" cstate="print">
             <a:extLst>
               <a:ext uri="{28A0092B-C50C-407E-A947-70E740481C1C}">
                 <a14:useLocalDpi xmlns:a14="http://schemas.microsoft.com/office/drawing/2010/main" val="0"/>
@@ -8815,7 +11603,7 @@
           <p:cNvPr id="2" name="Title 1">
             <a:extLst>
               <a:ext uri="{FF2B5EF4-FFF2-40B4-BE49-F238E27FC236}">
-                <a16:creationId xmlns:a16="http://schemas.microsoft.com/office/drawing/2014/main" id="{BD38A6AD-BF75-4389-9A42-7300E6B473AD}"/>
+                <a16:creationId xmlns:a16="http://schemas.microsoft.com/office/drawing/2014/main" xmlns="" id="{BD38A6AD-BF75-4389-9A42-7300E6B473AD}"/>
               </a:ext>
             </a:extLst>
           </p:cNvPr>
@@ -8864,7 +11652,7 @@
           <p:cNvPr id="17" name="Content Placeholder 16">
             <a:extLst>
               <a:ext uri="{FF2B5EF4-FFF2-40B4-BE49-F238E27FC236}">
-                <a16:creationId xmlns:a16="http://schemas.microsoft.com/office/drawing/2014/main" id="{5A4A2791-9B07-41F3-9C9C-0275AA503C23}"/>
+                <a16:creationId xmlns:a16="http://schemas.microsoft.com/office/drawing/2014/main" xmlns="" id="{5A4A2791-9B07-41F3-9C9C-0275AA503C23}"/>
               </a:ext>
             </a:extLst>
           </p:cNvPr>
@@ -8899,7 +11687,7 @@
           <p:cNvPr id="6" name="Picture 5">
             <a:extLst>
               <a:ext uri="{FF2B5EF4-FFF2-40B4-BE49-F238E27FC236}">
-                <a16:creationId xmlns:a16="http://schemas.microsoft.com/office/drawing/2014/main" id="{08A2B321-BA8C-4A4B-91AA-BB56FF898896}"/>
+                <a16:creationId xmlns:a16="http://schemas.microsoft.com/office/drawing/2014/main" xmlns="" id="{08A2B321-BA8C-4A4B-91AA-BB56FF898896}"/>
               </a:ext>
             </a:extLst>
           </p:cNvPr>
@@ -8909,7 +11697,7 @@
           <p:nvPr/>
         </p:nvPicPr>
         <p:blipFill>
-          <a:blip r:embed="rId5">
+          <a:blip r:embed="rId5" cstate="print">
             <a:extLst>
               <a:ext uri="{28A0092B-C50C-407E-A947-70E740481C1C}">
                 <a14:useLocalDpi xmlns:a14="http://schemas.microsoft.com/office/drawing/2010/main" val="0"/>
@@ -8973,7 +11761,7 @@
           <p:cNvPr id="12" name="Rectangle 14">
             <a:extLst>
               <a:ext uri="{FF2B5EF4-FFF2-40B4-BE49-F238E27FC236}">
-                <a16:creationId xmlns:a16="http://schemas.microsoft.com/office/drawing/2014/main" id="{DAE885FA-583E-488C-A3B2-2647B84A8162}"/>
+                <a16:creationId xmlns:a16="http://schemas.microsoft.com/office/drawing/2014/main" xmlns="" id="{DAE885FA-583E-488C-A3B2-2647B84A8162}"/>
               </a:ext>
             </a:extLst>
           </p:cNvPr>
@@ -8983,7 +11771,7 @@
           <p:nvPr>
             <p:extLst>
               <p:ext uri="{386F3935-93C4-4BCD-93E2-E3B085C9AB24}">
-                <p16:designElem xmlns:p16="http://schemas.microsoft.com/office/powerpoint/2015/main" val="1"/>
+                <p16:designElem xmlns:p16="http://schemas.microsoft.com/office/powerpoint/2015/main" xmlns="" val="1"/>
               </p:ext>
             </p:extLst>
           </p:nvPr>
@@ -9022,7 +11810,7 @@
           <a:lstStyle/>
           <a:p>
             <a:pPr algn="ctr"/>
-            <a:endParaRPr lang="en-US"/>
+            <a:endParaRPr lang="en-US" dirty="0"/>
           </a:p>
         </p:txBody>
       </p:sp>
@@ -9031,7 +11819,7 @@
           <p:cNvPr id="13" name="Rounded Rectangle 26">
             <a:extLst>
               <a:ext uri="{FF2B5EF4-FFF2-40B4-BE49-F238E27FC236}">
-                <a16:creationId xmlns:a16="http://schemas.microsoft.com/office/drawing/2014/main" id="{87B1CEC7-C2CE-4440-A0F7-0BE6B3AADB72}"/>
+                <a16:creationId xmlns:a16="http://schemas.microsoft.com/office/drawing/2014/main" xmlns="" id="{87B1CEC7-C2CE-4440-A0F7-0BE6B3AADB72}"/>
               </a:ext>
             </a:extLst>
           </p:cNvPr>
@@ -9041,7 +11829,7 @@
           <p:nvPr>
             <p:extLst>
               <p:ext uri="{386F3935-93C4-4BCD-93E2-E3B085C9AB24}">
-                <p16:designElem xmlns:p16="http://schemas.microsoft.com/office/powerpoint/2015/main" val="1"/>
+                <p16:designElem xmlns:p16="http://schemas.microsoft.com/office/powerpoint/2015/main" xmlns="" val="1"/>
               </p:ext>
             </p:extLst>
           </p:nvPr>
@@ -9093,7 +11881,7 @@
           <a:lstStyle/>
           <a:p>
             <a:pPr algn="ctr"/>
-            <a:endParaRPr lang="en-US"/>
+            <a:endParaRPr lang="en-US" dirty="0"/>
           </a:p>
         </p:txBody>
       </p:sp>
@@ -9102,7 +11890,7 @@
           <p:cNvPr id="14" name="Rounded Rectangle 16">
             <a:extLst>
               <a:ext uri="{FF2B5EF4-FFF2-40B4-BE49-F238E27FC236}">
-                <a16:creationId xmlns:a16="http://schemas.microsoft.com/office/drawing/2014/main" id="{7B0DBF0B-D7C2-4F15-94AE-315255824591}"/>
+                <a16:creationId xmlns:a16="http://schemas.microsoft.com/office/drawing/2014/main" xmlns="" id="{7B0DBF0B-D7C2-4F15-94AE-315255824591}"/>
               </a:ext>
             </a:extLst>
           </p:cNvPr>
@@ -9112,7 +11900,7 @@
           <p:nvPr>
             <p:extLst>
               <p:ext uri="{386F3935-93C4-4BCD-93E2-E3B085C9AB24}">
-                <p16:designElem xmlns:p16="http://schemas.microsoft.com/office/powerpoint/2015/main" val="1"/>
+                <p16:designElem xmlns:p16="http://schemas.microsoft.com/office/powerpoint/2015/main" xmlns="" val="1"/>
               </p:ext>
             </p:extLst>
           </p:nvPr>
@@ -9164,7 +11952,7 @@
           <a:lstStyle/>
           <a:p>
             <a:pPr algn="ctr"/>
-            <a:endParaRPr lang="en-US"/>
+            <a:endParaRPr lang="en-US" dirty="0"/>
           </a:p>
         </p:txBody>
       </p:sp>
@@ -9173,7 +11961,7 @@
           <p:cNvPr id="10" name="Picture 9" descr="A picture containing boat&#10;&#10;Description generated with high confidence">
             <a:extLst>
               <a:ext uri="{FF2B5EF4-FFF2-40B4-BE49-F238E27FC236}">
-                <a16:creationId xmlns:a16="http://schemas.microsoft.com/office/drawing/2014/main" id="{A68D326E-8170-405A-9B88-5BBAC92DBBAB}"/>
+                <a16:creationId xmlns:a16="http://schemas.microsoft.com/office/drawing/2014/main" xmlns="" id="{A68D326E-8170-405A-9B88-5BBAC92DBBAB}"/>
               </a:ext>
             </a:extLst>
           </p:cNvPr>
@@ -9209,7 +11997,7 @@
           <p:cNvPr id="6" name="Content Placeholder 5" descr="A close up of a boat&#10;&#10;Description generated with high confidence">
             <a:extLst>
               <a:ext uri="{FF2B5EF4-FFF2-40B4-BE49-F238E27FC236}">
-                <a16:creationId xmlns:a16="http://schemas.microsoft.com/office/drawing/2014/main" id="{763AEB43-6609-49BD-B79B-3A4E4159972D}"/>
+                <a16:creationId xmlns:a16="http://schemas.microsoft.com/office/drawing/2014/main" xmlns="" id="{763AEB43-6609-49BD-B79B-3A4E4159972D}"/>
               </a:ext>
             </a:extLst>
           </p:cNvPr>
@@ -9247,7 +12035,7 @@
           <p:cNvPr id="8" name="Title 7">
             <a:extLst>
               <a:ext uri="{FF2B5EF4-FFF2-40B4-BE49-F238E27FC236}">
-                <a16:creationId xmlns:a16="http://schemas.microsoft.com/office/drawing/2014/main" id="{DF1FCE55-8066-4631-A74C-815B5A94A09E}"/>
+                <a16:creationId xmlns:a16="http://schemas.microsoft.com/office/drawing/2014/main" xmlns="" id="{DF1FCE55-8066-4631-A74C-815B5A94A09E}"/>
               </a:ext>
             </a:extLst>
           </p:cNvPr>
@@ -9325,7 +12113,7 @@
           <p:cNvPr id="8" name="Content Placeholder 4" descr="A screen shot of a cage&#10;&#10;Description generated with high confidence">
             <a:extLst>
               <a:ext uri="{FF2B5EF4-FFF2-40B4-BE49-F238E27FC236}">
-                <a16:creationId xmlns:a16="http://schemas.microsoft.com/office/drawing/2014/main" id="{122A07F5-8B0B-4A99-9EF9-43F47FBB23F5}"/>
+                <a16:creationId xmlns:a16="http://schemas.microsoft.com/office/drawing/2014/main" xmlns="" id="{122A07F5-8B0B-4A99-9EF9-43F47FBB23F5}"/>
               </a:ext>
             </a:extLst>
           </p:cNvPr>
@@ -9361,7 +12149,7 @@
           <p:cNvPr id="2" name="Title 1">
             <a:extLst>
               <a:ext uri="{FF2B5EF4-FFF2-40B4-BE49-F238E27FC236}">
-                <a16:creationId xmlns:a16="http://schemas.microsoft.com/office/drawing/2014/main" id="{BE0ADD0F-3210-44C1-B44C-277EEC38C81B}"/>
+                <a16:creationId xmlns:a16="http://schemas.microsoft.com/office/drawing/2014/main" xmlns="" id="{BE0ADD0F-3210-44C1-B44C-277EEC38C81B}"/>
               </a:ext>
             </a:extLst>
           </p:cNvPr>
@@ -9400,7 +12188,7 @@
           <p:cNvPr id="3" name="Content Placeholder 2">
             <a:extLst>
               <a:ext uri="{FF2B5EF4-FFF2-40B4-BE49-F238E27FC236}">
-                <a16:creationId xmlns:a16="http://schemas.microsoft.com/office/drawing/2014/main" id="{57E1E8DC-3345-4ED5-B81D-74F303DC0B8D}"/>
+                <a16:creationId xmlns:a16="http://schemas.microsoft.com/office/drawing/2014/main" xmlns="" id="{57E1E8DC-3345-4ED5-B81D-74F303DC0B8D}"/>
               </a:ext>
             </a:extLst>
           </p:cNvPr>
@@ -9430,14 +12218,14 @@
                 <a:gridCol w="1870869">
                   <a:extLst>
                     <a:ext uri="{9D8B030D-6E8A-4147-A177-3AD203B41FA5}">
-                      <a16:colId xmlns:a16="http://schemas.microsoft.com/office/drawing/2014/main" val="1721883757"/>
+                      <a16:colId xmlns:a16="http://schemas.microsoft.com/office/drawing/2014/main" xmlns="" val="1721883757"/>
                     </a:ext>
                   </a:extLst>
                 </a:gridCol>
                 <a:gridCol w="1870869">
                   <a:extLst>
                     <a:ext uri="{9D8B030D-6E8A-4147-A177-3AD203B41FA5}">
-                      <a16:colId xmlns:a16="http://schemas.microsoft.com/office/drawing/2014/main" val="1868845708"/>
+                      <a16:colId xmlns:a16="http://schemas.microsoft.com/office/drawing/2014/main" xmlns="" val="1868845708"/>
                     </a:ext>
                   </a:extLst>
                 </a:gridCol>
@@ -9485,7 +12273,7 @@
                 </a:tc>
                 <a:extLst>
                   <a:ext uri="{0D108BD9-81ED-4DB2-BD59-A6C34878D82A}">
-                    <a16:rowId xmlns:a16="http://schemas.microsoft.com/office/drawing/2014/main" val="3172977175"/>
+                    <a16:rowId xmlns:a16="http://schemas.microsoft.com/office/drawing/2014/main" xmlns="" val="3172977175"/>
                   </a:ext>
                 </a:extLst>
               </a:tr>
@@ -9523,7 +12311,7 @@
                 </a:tc>
                 <a:extLst>
                   <a:ext uri="{0D108BD9-81ED-4DB2-BD59-A6C34878D82A}">
-                    <a16:rowId xmlns:a16="http://schemas.microsoft.com/office/drawing/2014/main" val="3261912333"/>
+                    <a16:rowId xmlns:a16="http://schemas.microsoft.com/office/drawing/2014/main" xmlns="" val="3261912333"/>
                   </a:ext>
                 </a:extLst>
               </a:tr>
@@ -9534,9 +12322,10 @@
                     <a:lstStyle/>
                     <a:p>
                       <a:r>
-                        <a:rPr lang="en-US" dirty="0"/>
+                        <a:rPr lang="en-US" dirty="0" err="1"/>
                         <a:t>Totalbsmtsf</a:t>
                       </a:r>
+                      <a:endParaRPr lang="en-US" dirty="0"/>
                     </a:p>
                   </a:txBody>
                   <a:tcPr>
@@ -9561,7 +12350,7 @@
                 </a:tc>
                 <a:extLst>
                   <a:ext uri="{0D108BD9-81ED-4DB2-BD59-A6C34878D82A}">
-                    <a16:rowId xmlns:a16="http://schemas.microsoft.com/office/drawing/2014/main" val="414415115"/>
+                    <a16:rowId xmlns:a16="http://schemas.microsoft.com/office/drawing/2014/main" xmlns="" val="414415115"/>
                   </a:ext>
                 </a:extLst>
               </a:tr>
@@ -9599,7 +12388,7 @@
                 </a:tc>
                 <a:extLst>
                   <a:ext uri="{0D108BD9-81ED-4DB2-BD59-A6C34878D82A}">
-                    <a16:rowId xmlns:a16="http://schemas.microsoft.com/office/drawing/2014/main" val="4134338204"/>
+                    <a16:rowId xmlns:a16="http://schemas.microsoft.com/office/drawing/2014/main" xmlns="" val="4134338204"/>
                   </a:ext>
                 </a:extLst>
               </a:tr>
@@ -9637,7 +12426,7 @@
                 </a:tc>
                 <a:extLst>
                   <a:ext uri="{0D108BD9-81ED-4DB2-BD59-A6C34878D82A}">
-                    <a16:rowId xmlns:a16="http://schemas.microsoft.com/office/drawing/2014/main" val="854385796"/>
+                    <a16:rowId xmlns:a16="http://schemas.microsoft.com/office/drawing/2014/main" xmlns="" val="854385796"/>
                   </a:ext>
                 </a:extLst>
               </a:tr>
@@ -9675,7 +12464,7 @@
                 </a:tc>
                 <a:extLst>
                   <a:ext uri="{0D108BD9-81ED-4DB2-BD59-A6C34878D82A}">
-                    <a16:rowId xmlns:a16="http://schemas.microsoft.com/office/drawing/2014/main" val="804910758"/>
+                    <a16:rowId xmlns:a16="http://schemas.microsoft.com/office/drawing/2014/main" xmlns="" val="804910758"/>
                   </a:ext>
                 </a:extLst>
               </a:tr>
@@ -9686,9 +12475,10 @@
                     <a:lstStyle/>
                     <a:p>
                       <a:r>
-                        <a:rPr lang="en-US" dirty="0"/>
+                        <a:rPr lang="en-US" dirty="0" err="1"/>
                         <a:t>Garagearea</a:t>
                       </a:r>
+                      <a:endParaRPr lang="en-US" dirty="0"/>
                     </a:p>
                   </a:txBody>
                   <a:tcPr>
@@ -9713,7 +12503,7 @@
                 </a:tc>
                 <a:extLst>
                   <a:ext uri="{0D108BD9-81ED-4DB2-BD59-A6C34878D82A}">
-                    <a16:rowId xmlns:a16="http://schemas.microsoft.com/office/drawing/2014/main" val="1363502775"/>
+                    <a16:rowId xmlns:a16="http://schemas.microsoft.com/office/drawing/2014/main" xmlns="" val="1363502775"/>
                   </a:ext>
                 </a:extLst>
               </a:tr>
@@ -9726,7 +12516,7 @@
           <p:cNvPr id="5" name="Straight Connector 4">
             <a:extLst>
               <a:ext uri="{FF2B5EF4-FFF2-40B4-BE49-F238E27FC236}">
-                <a16:creationId xmlns:a16="http://schemas.microsoft.com/office/drawing/2014/main" id="{2F3373BF-7048-4BC6-8B3E-7D995529052B}"/>
+                <a16:creationId xmlns:a16="http://schemas.microsoft.com/office/drawing/2014/main" xmlns="" id="{2F3373BF-7048-4BC6-8B3E-7D995529052B}"/>
               </a:ext>
             </a:extLst>
           </p:cNvPr>
@@ -9769,7 +12559,7 @@
           <p:cNvPr id="7" name="Straight Connector 6">
             <a:extLst>
               <a:ext uri="{FF2B5EF4-FFF2-40B4-BE49-F238E27FC236}">
-                <a16:creationId xmlns:a16="http://schemas.microsoft.com/office/drawing/2014/main" id="{DD090640-AA4C-4FED-A91F-7BB656A52406}"/>
+                <a16:creationId xmlns:a16="http://schemas.microsoft.com/office/drawing/2014/main" xmlns="" id="{DD090640-AA4C-4FED-A91F-7BB656A52406}"/>
               </a:ext>
             </a:extLst>
           </p:cNvPr>
@@ -10107,7 +12897,7 @@
   <a:extraClrSchemeLst/>
   <a:extLst>
     <a:ext uri="{05A4C25C-085E-4340-85A3-A5531E510DB2}">
-      <thm15:themeFamily xmlns:thm15="http://schemas.microsoft.com/office/thememl/2012/main" name="Office Theme" id="{62F939B6-93AF-4DB8-9C6B-D6C7DFDC589F}" vid="{4A3C46E8-61CC-4603-A589-7422A47A8E4A}"/>
+      <thm15:themeFamily xmlns:thm15="http://schemas.microsoft.com/office/thememl/2012/main" xmlns="" name="Office Theme" id="{62F939B6-93AF-4DB8-9C6B-D6C7DFDC589F}" vid="{4A3C46E8-61CC-4603-A589-7422A47A8E4A}"/>
     </a:ext>
   </a:extLst>
 </a:theme>
@@ -10402,7 +13192,7 @@
   <a:extraClrSchemeLst/>
   <a:extLst>
     <a:ext uri="{05A4C25C-085E-4340-85A3-A5531E510DB2}">
-      <thm15:themeFamily xmlns:thm15="http://schemas.microsoft.com/office/thememl/2012/main" name="Office Theme" id="{62F939B6-93AF-4DB8-9C6B-D6C7DFDC589F}" vid="{4A3C46E8-61CC-4603-A589-7422A47A8E4A}"/>
+      <thm15:themeFamily xmlns:thm15="http://schemas.microsoft.com/office/thememl/2012/main" xmlns="" name="Office Theme" id="{62F939B6-93AF-4DB8-9C6B-D6C7DFDC589F}" vid="{4A3C46E8-61CC-4603-A589-7422A47A8E4A}"/>
     </a:ext>
   </a:extLst>
 </a:theme>

--- a/HousingPricesPresentations.pptx
+++ b/HousingPricesPresentations.pptx
@@ -22,24 +22,24 @@
     <p:sldId id="285" r:id="rId13"/>
     <p:sldId id="286" r:id="rId14"/>
     <p:sldId id="288" r:id="rId15"/>
-    <p:sldId id="290" r:id="rId16"/>
+    <p:sldId id="296" r:id="rId16"/>
     <p:sldId id="283" r:id="rId17"/>
     <p:sldId id="269" r:id="rId18"/>
     <p:sldId id="277" r:id="rId19"/>
-    <p:sldId id="292" r:id="rId20"/>
-    <p:sldId id="291" r:id="rId21"/>
-    <p:sldId id="280" r:id="rId22"/>
-    <p:sldId id="289" r:id="rId23"/>
-    <p:sldId id="278" r:id="rId24"/>
-    <p:sldId id="297" r:id="rId25"/>
-    <p:sldId id="298" r:id="rId26"/>
-    <p:sldId id="299" r:id="rId27"/>
+    <p:sldId id="291" r:id="rId20"/>
+    <p:sldId id="280" r:id="rId21"/>
+    <p:sldId id="289" r:id="rId22"/>
+    <p:sldId id="278" r:id="rId23"/>
+    <p:sldId id="304" r:id="rId24"/>
+    <p:sldId id="302" r:id="rId25"/>
+    <p:sldId id="305" r:id="rId26"/>
+    <p:sldId id="301" r:id="rId27"/>
     <p:sldId id="300" r:id="rId28"/>
-    <p:sldId id="301" r:id="rId29"/>
-    <p:sldId id="302" r:id="rId30"/>
-    <p:sldId id="303" r:id="rId31"/>
-    <p:sldId id="304" r:id="rId32"/>
-    <p:sldId id="305" r:id="rId33"/>
+    <p:sldId id="299" r:id="rId29"/>
+    <p:sldId id="298" r:id="rId30"/>
+    <p:sldId id="306" r:id="rId31"/>
+    <p:sldId id="297" r:id="rId32"/>
+    <p:sldId id="282" r:id="rId33"/>
     <p:sldId id="293" r:id="rId34"/>
     <p:sldId id="294" r:id="rId35"/>
     <p:sldId id="295" r:id="rId36"/>
@@ -143,7 +143,7 @@
   </p:defaultTextStyle>
   <p:extLst>
     <p:ext uri="{EFAFB233-063F-42B5-8137-9DF3F51BA10A}">
-      <p15:sldGuideLst xmlns:p15="http://schemas.microsoft.com/office/powerpoint/2012/main" xmlns=""/>
+      <p15:sldGuideLst xmlns:p15="http://schemas.microsoft.com/office/powerpoint/2012/main"/>
     </p:ext>
   </p:extLst>
 </p:presentation>
@@ -152,9 +152,17 @@
 <file path=ppt/commentAuthors.xml><?xml version="1.0" encoding="utf-8"?>
 <p:cmAuthorLst xmlns:a="http://schemas.openxmlformats.org/drawingml/2006/main" xmlns:r="http://schemas.openxmlformats.org/officeDocument/2006/relationships" xmlns:p="http://schemas.openxmlformats.org/presentationml/2006/main">
   <p:cmAuthor id="1" name="Lalith S" initials="LS" lastIdx="3" clrIdx="0">
-    <p:extLst/>
+    <p:extLst>
+      <p:ext uri="{19B8F6BF-5375-455C-9EA6-DF929625EA0E}">
+        <p15:presenceInfo xmlns:p15="http://schemas.microsoft.com/office/powerpoint/2012/main" userId="d83bd6d440759617" providerId="Windows Live"/>
+      </p:ext>
+    </p:extLst>
   </p:cmAuthor>
 </p:cmAuthorLst>
+</file>
+
+<file path=ppt/revisionInfo.xml><?xml version="1.0" encoding="utf-8"?>
+<p1510:revInfo xmlns:a="http://schemas.openxmlformats.org/drawingml/2006/main" xmlns:r="http://schemas.openxmlformats.org/officeDocument/2006/relationships" xmlns:p1510="http://schemas.microsoft.com/office/powerpoint/2015/10/main"/>
 </file>
 
 <file path=ppt/notesMasters/notesMaster1.xml><?xml version="1.0" encoding="utf-8"?>
@@ -528,7 +536,7 @@
           <p:cNvPr id="2" name="Title 1">
             <a:extLst>
               <a:ext uri="{FF2B5EF4-FFF2-40B4-BE49-F238E27FC236}">
-                <a16:creationId xmlns:a16="http://schemas.microsoft.com/office/drawing/2014/main" xmlns="" id="{29C95339-33C6-499B-BB73-82DD9B0228C1}"/>
+                <a16:creationId xmlns:a16="http://schemas.microsoft.com/office/drawing/2014/main" id="{29C95339-33C6-499B-BB73-82DD9B0228C1}"/>
               </a:ext>
             </a:extLst>
           </p:cNvPr>
@@ -565,7 +573,7 @@
           <p:cNvPr id="3" name="Subtitle 2">
             <a:extLst>
               <a:ext uri="{FF2B5EF4-FFF2-40B4-BE49-F238E27FC236}">
-                <a16:creationId xmlns:a16="http://schemas.microsoft.com/office/drawing/2014/main" xmlns="" id="{C316DC1D-7A76-4A94-A956-ACBF38B1ACDF}"/>
+                <a16:creationId xmlns:a16="http://schemas.microsoft.com/office/drawing/2014/main" id="{C316DC1D-7A76-4A94-A956-ACBF38B1ACDF}"/>
               </a:ext>
             </a:extLst>
           </p:cNvPr>
@@ -635,7 +643,7 @@
           <p:cNvPr id="4" name="Date Placeholder 3">
             <a:extLst>
               <a:ext uri="{FF2B5EF4-FFF2-40B4-BE49-F238E27FC236}">
-                <a16:creationId xmlns:a16="http://schemas.microsoft.com/office/drawing/2014/main" xmlns="" id="{AA17FE8C-10E4-4640-A474-072D6235B07C}"/>
+                <a16:creationId xmlns:a16="http://schemas.microsoft.com/office/drawing/2014/main" id="{AA17FE8C-10E4-4640-A474-072D6235B07C}"/>
               </a:ext>
             </a:extLst>
           </p:cNvPr>
@@ -664,7 +672,7 @@
           <p:cNvPr id="5" name="Footer Placeholder 4">
             <a:extLst>
               <a:ext uri="{FF2B5EF4-FFF2-40B4-BE49-F238E27FC236}">
-                <a16:creationId xmlns:a16="http://schemas.microsoft.com/office/drawing/2014/main" xmlns="" id="{EC914B29-C98C-46D0-A41A-0EBED3CEC29C}"/>
+                <a16:creationId xmlns:a16="http://schemas.microsoft.com/office/drawing/2014/main" id="{EC914B29-C98C-46D0-A41A-0EBED3CEC29C}"/>
               </a:ext>
             </a:extLst>
           </p:cNvPr>
@@ -689,7 +697,7 @@
           <p:cNvPr id="6" name="Slide Number Placeholder 5">
             <a:extLst>
               <a:ext uri="{FF2B5EF4-FFF2-40B4-BE49-F238E27FC236}">
-                <a16:creationId xmlns:a16="http://schemas.microsoft.com/office/drawing/2014/main" xmlns="" id="{77B936A5-54CD-425D-8EAE-5B806D47A74C}"/>
+                <a16:creationId xmlns:a16="http://schemas.microsoft.com/office/drawing/2014/main" id="{77B936A5-54CD-425D-8EAE-5B806D47A74C}"/>
               </a:ext>
             </a:extLst>
           </p:cNvPr>
@@ -748,7 +756,7 @@
           <p:cNvPr id="2" name="Title 1">
             <a:extLst>
               <a:ext uri="{FF2B5EF4-FFF2-40B4-BE49-F238E27FC236}">
-                <a16:creationId xmlns:a16="http://schemas.microsoft.com/office/drawing/2014/main" xmlns="" id="{21620800-1CB7-42B0-9E9A-9512CF430944}"/>
+                <a16:creationId xmlns:a16="http://schemas.microsoft.com/office/drawing/2014/main" id="{21620800-1CB7-42B0-9E9A-9512CF430944}"/>
               </a:ext>
             </a:extLst>
           </p:cNvPr>
@@ -776,7 +784,7 @@
           <p:cNvPr id="3" name="Vertical Text Placeholder 2">
             <a:extLst>
               <a:ext uri="{FF2B5EF4-FFF2-40B4-BE49-F238E27FC236}">
-                <a16:creationId xmlns:a16="http://schemas.microsoft.com/office/drawing/2014/main" xmlns="" id="{86F4EF9B-1374-4CDB-A93D-2E6472C5DF48}"/>
+                <a16:creationId xmlns:a16="http://schemas.microsoft.com/office/drawing/2014/main" id="{86F4EF9B-1374-4CDB-A93D-2E6472C5DF48}"/>
               </a:ext>
             </a:extLst>
           </p:cNvPr>
@@ -833,7 +841,7 @@
           <p:cNvPr id="4" name="Date Placeholder 3">
             <a:extLst>
               <a:ext uri="{FF2B5EF4-FFF2-40B4-BE49-F238E27FC236}">
-                <a16:creationId xmlns:a16="http://schemas.microsoft.com/office/drawing/2014/main" xmlns="" id="{7D5CA736-261D-4880-9E40-C0A612FB48FA}"/>
+                <a16:creationId xmlns:a16="http://schemas.microsoft.com/office/drawing/2014/main" id="{7D5CA736-261D-4880-9E40-C0A612FB48FA}"/>
               </a:ext>
             </a:extLst>
           </p:cNvPr>
@@ -862,7 +870,7 @@
           <p:cNvPr id="5" name="Footer Placeholder 4">
             <a:extLst>
               <a:ext uri="{FF2B5EF4-FFF2-40B4-BE49-F238E27FC236}">
-                <a16:creationId xmlns:a16="http://schemas.microsoft.com/office/drawing/2014/main" xmlns="" id="{96CB9544-87F0-4C77-99DB-536A1030DB02}"/>
+                <a16:creationId xmlns:a16="http://schemas.microsoft.com/office/drawing/2014/main" id="{96CB9544-87F0-4C77-99DB-536A1030DB02}"/>
               </a:ext>
             </a:extLst>
           </p:cNvPr>
@@ -887,7 +895,7 @@
           <p:cNvPr id="6" name="Slide Number Placeholder 5">
             <a:extLst>
               <a:ext uri="{FF2B5EF4-FFF2-40B4-BE49-F238E27FC236}">
-                <a16:creationId xmlns:a16="http://schemas.microsoft.com/office/drawing/2014/main" xmlns="" id="{1CA47AFA-8EA6-4F60-BAEE-CFB5C0898150}"/>
+                <a16:creationId xmlns:a16="http://schemas.microsoft.com/office/drawing/2014/main" id="{1CA47AFA-8EA6-4F60-BAEE-CFB5C0898150}"/>
               </a:ext>
             </a:extLst>
           </p:cNvPr>
@@ -946,7 +954,7 @@
           <p:cNvPr id="2" name="Vertical Title 1">
             <a:extLst>
               <a:ext uri="{FF2B5EF4-FFF2-40B4-BE49-F238E27FC236}">
-                <a16:creationId xmlns:a16="http://schemas.microsoft.com/office/drawing/2014/main" xmlns="" id="{707F0294-8B77-4842-8FEB-481823FE8BA4}"/>
+                <a16:creationId xmlns:a16="http://schemas.microsoft.com/office/drawing/2014/main" id="{707F0294-8B77-4842-8FEB-481823FE8BA4}"/>
               </a:ext>
             </a:extLst>
           </p:cNvPr>
@@ -979,7 +987,7 @@
           <p:cNvPr id="3" name="Vertical Text Placeholder 2">
             <a:extLst>
               <a:ext uri="{FF2B5EF4-FFF2-40B4-BE49-F238E27FC236}">
-                <a16:creationId xmlns:a16="http://schemas.microsoft.com/office/drawing/2014/main" xmlns="" id="{3E31CBCC-EA36-4967-AF6E-7123A43012EE}"/>
+                <a16:creationId xmlns:a16="http://schemas.microsoft.com/office/drawing/2014/main" id="{3E31CBCC-EA36-4967-AF6E-7123A43012EE}"/>
               </a:ext>
             </a:extLst>
           </p:cNvPr>
@@ -1041,7 +1049,7 @@
           <p:cNvPr id="4" name="Date Placeholder 3">
             <a:extLst>
               <a:ext uri="{FF2B5EF4-FFF2-40B4-BE49-F238E27FC236}">
-                <a16:creationId xmlns:a16="http://schemas.microsoft.com/office/drawing/2014/main" xmlns="" id="{D0061511-4B7F-4316-92EE-CC12D6B1965F}"/>
+                <a16:creationId xmlns:a16="http://schemas.microsoft.com/office/drawing/2014/main" id="{D0061511-4B7F-4316-92EE-CC12D6B1965F}"/>
               </a:ext>
             </a:extLst>
           </p:cNvPr>
@@ -1070,7 +1078,7 @@
           <p:cNvPr id="5" name="Footer Placeholder 4">
             <a:extLst>
               <a:ext uri="{FF2B5EF4-FFF2-40B4-BE49-F238E27FC236}">
-                <a16:creationId xmlns:a16="http://schemas.microsoft.com/office/drawing/2014/main" xmlns="" id="{3BF55390-5E11-4A01-BC26-46448FED1E4E}"/>
+                <a16:creationId xmlns:a16="http://schemas.microsoft.com/office/drawing/2014/main" id="{3BF55390-5E11-4A01-BC26-46448FED1E4E}"/>
               </a:ext>
             </a:extLst>
           </p:cNvPr>
@@ -1095,7 +1103,7 @@
           <p:cNvPr id="6" name="Slide Number Placeholder 5">
             <a:extLst>
               <a:ext uri="{FF2B5EF4-FFF2-40B4-BE49-F238E27FC236}">
-                <a16:creationId xmlns:a16="http://schemas.microsoft.com/office/drawing/2014/main" xmlns="" id="{54987D63-4F0E-478C-806A-7AB0335E596B}"/>
+                <a16:creationId xmlns:a16="http://schemas.microsoft.com/office/drawing/2014/main" id="{54987D63-4F0E-478C-806A-7AB0335E596B}"/>
               </a:ext>
             </a:extLst>
           </p:cNvPr>
@@ -1154,7 +1162,7 @@
           <p:cNvPr id="2" name="Title 1">
             <a:extLst>
               <a:ext uri="{FF2B5EF4-FFF2-40B4-BE49-F238E27FC236}">
-                <a16:creationId xmlns:a16="http://schemas.microsoft.com/office/drawing/2014/main" xmlns="" id="{CA0B87DD-6F8D-4217-84F0-10DDCE49E328}"/>
+                <a16:creationId xmlns:a16="http://schemas.microsoft.com/office/drawing/2014/main" id="{CA0B87DD-6F8D-4217-84F0-10DDCE49E328}"/>
               </a:ext>
             </a:extLst>
           </p:cNvPr>
@@ -1182,7 +1190,7 @@
           <p:cNvPr id="3" name="Content Placeholder 2">
             <a:extLst>
               <a:ext uri="{FF2B5EF4-FFF2-40B4-BE49-F238E27FC236}">
-                <a16:creationId xmlns:a16="http://schemas.microsoft.com/office/drawing/2014/main" xmlns="" id="{FDF1F821-95AD-414C-984C-B66716735017}"/>
+                <a16:creationId xmlns:a16="http://schemas.microsoft.com/office/drawing/2014/main" id="{FDF1F821-95AD-414C-984C-B66716735017}"/>
               </a:ext>
             </a:extLst>
           </p:cNvPr>
@@ -1239,7 +1247,7 @@
           <p:cNvPr id="4" name="Date Placeholder 3">
             <a:extLst>
               <a:ext uri="{FF2B5EF4-FFF2-40B4-BE49-F238E27FC236}">
-                <a16:creationId xmlns:a16="http://schemas.microsoft.com/office/drawing/2014/main" xmlns="" id="{7A1B5441-A72B-44CF-981F-43CAE0A30042}"/>
+                <a16:creationId xmlns:a16="http://schemas.microsoft.com/office/drawing/2014/main" id="{7A1B5441-A72B-44CF-981F-43CAE0A30042}"/>
               </a:ext>
             </a:extLst>
           </p:cNvPr>
@@ -1268,7 +1276,7 @@
           <p:cNvPr id="5" name="Footer Placeholder 4">
             <a:extLst>
               <a:ext uri="{FF2B5EF4-FFF2-40B4-BE49-F238E27FC236}">
-                <a16:creationId xmlns:a16="http://schemas.microsoft.com/office/drawing/2014/main" xmlns="" id="{C4D4D869-B407-4167-968A-4D35C6AA44D1}"/>
+                <a16:creationId xmlns:a16="http://schemas.microsoft.com/office/drawing/2014/main" id="{C4D4D869-B407-4167-968A-4D35C6AA44D1}"/>
               </a:ext>
             </a:extLst>
           </p:cNvPr>
@@ -1293,7 +1301,7 @@
           <p:cNvPr id="6" name="Slide Number Placeholder 5">
             <a:extLst>
               <a:ext uri="{FF2B5EF4-FFF2-40B4-BE49-F238E27FC236}">
-                <a16:creationId xmlns:a16="http://schemas.microsoft.com/office/drawing/2014/main" xmlns="" id="{4525D370-BF8E-40B6-BEEC-092D6287EA74}"/>
+                <a16:creationId xmlns:a16="http://schemas.microsoft.com/office/drawing/2014/main" id="{4525D370-BF8E-40B6-BEEC-092D6287EA74}"/>
               </a:ext>
             </a:extLst>
           </p:cNvPr>
@@ -1352,7 +1360,7 @@
           <p:cNvPr id="2" name="Title 1">
             <a:extLst>
               <a:ext uri="{FF2B5EF4-FFF2-40B4-BE49-F238E27FC236}">
-                <a16:creationId xmlns:a16="http://schemas.microsoft.com/office/drawing/2014/main" xmlns="" id="{87A8AEAC-669C-442B-9583-1CBE70D1D0F8}"/>
+                <a16:creationId xmlns:a16="http://schemas.microsoft.com/office/drawing/2014/main" id="{87A8AEAC-669C-442B-9583-1CBE70D1D0F8}"/>
               </a:ext>
             </a:extLst>
           </p:cNvPr>
@@ -1389,7 +1397,7 @@
           <p:cNvPr id="3" name="Text Placeholder 2">
             <a:extLst>
               <a:ext uri="{FF2B5EF4-FFF2-40B4-BE49-F238E27FC236}">
-                <a16:creationId xmlns:a16="http://schemas.microsoft.com/office/drawing/2014/main" xmlns="" id="{ABF74E99-2D04-41C4-8BEB-FC9AE8216607}"/>
+                <a16:creationId xmlns:a16="http://schemas.microsoft.com/office/drawing/2014/main" id="{ABF74E99-2D04-41C4-8BEB-FC9AE8216607}"/>
               </a:ext>
             </a:extLst>
           </p:cNvPr>
@@ -1514,7 +1522,7 @@
           <p:cNvPr id="4" name="Date Placeholder 3">
             <a:extLst>
               <a:ext uri="{FF2B5EF4-FFF2-40B4-BE49-F238E27FC236}">
-                <a16:creationId xmlns:a16="http://schemas.microsoft.com/office/drawing/2014/main" xmlns="" id="{4CA06E74-B901-4846-80D0-679CD4B22916}"/>
+                <a16:creationId xmlns:a16="http://schemas.microsoft.com/office/drawing/2014/main" id="{4CA06E74-B901-4846-80D0-679CD4B22916}"/>
               </a:ext>
             </a:extLst>
           </p:cNvPr>
@@ -1543,7 +1551,7 @@
           <p:cNvPr id="5" name="Footer Placeholder 4">
             <a:extLst>
               <a:ext uri="{FF2B5EF4-FFF2-40B4-BE49-F238E27FC236}">
-                <a16:creationId xmlns:a16="http://schemas.microsoft.com/office/drawing/2014/main" xmlns="" id="{05B191AC-5A01-4D6D-99BF-BAEE8C9FB18E}"/>
+                <a16:creationId xmlns:a16="http://schemas.microsoft.com/office/drawing/2014/main" id="{05B191AC-5A01-4D6D-99BF-BAEE8C9FB18E}"/>
               </a:ext>
             </a:extLst>
           </p:cNvPr>
@@ -1568,7 +1576,7 @@
           <p:cNvPr id="6" name="Slide Number Placeholder 5">
             <a:extLst>
               <a:ext uri="{FF2B5EF4-FFF2-40B4-BE49-F238E27FC236}">
-                <a16:creationId xmlns:a16="http://schemas.microsoft.com/office/drawing/2014/main" xmlns="" id="{072560B4-AFB0-4ED1-9B1E-08E59C623385}"/>
+                <a16:creationId xmlns:a16="http://schemas.microsoft.com/office/drawing/2014/main" id="{072560B4-AFB0-4ED1-9B1E-08E59C623385}"/>
               </a:ext>
             </a:extLst>
           </p:cNvPr>
@@ -1627,7 +1635,7 @@
           <p:cNvPr id="2" name="Title 1">
             <a:extLst>
               <a:ext uri="{FF2B5EF4-FFF2-40B4-BE49-F238E27FC236}">
-                <a16:creationId xmlns:a16="http://schemas.microsoft.com/office/drawing/2014/main" xmlns="" id="{314F71B3-4DBE-47C2-AB94-A5815EE4243A}"/>
+                <a16:creationId xmlns:a16="http://schemas.microsoft.com/office/drawing/2014/main" id="{314F71B3-4DBE-47C2-AB94-A5815EE4243A}"/>
               </a:ext>
             </a:extLst>
           </p:cNvPr>
@@ -1655,7 +1663,7 @@
           <p:cNvPr id="3" name="Content Placeholder 2">
             <a:extLst>
               <a:ext uri="{FF2B5EF4-FFF2-40B4-BE49-F238E27FC236}">
-                <a16:creationId xmlns:a16="http://schemas.microsoft.com/office/drawing/2014/main" xmlns="" id="{0B4CFA21-51E3-4FFF-B508-9DBEB2D7BF58}"/>
+                <a16:creationId xmlns:a16="http://schemas.microsoft.com/office/drawing/2014/main" id="{0B4CFA21-51E3-4FFF-B508-9DBEB2D7BF58}"/>
               </a:ext>
             </a:extLst>
           </p:cNvPr>
@@ -1717,7 +1725,7 @@
           <p:cNvPr id="4" name="Content Placeholder 3">
             <a:extLst>
               <a:ext uri="{FF2B5EF4-FFF2-40B4-BE49-F238E27FC236}">
-                <a16:creationId xmlns:a16="http://schemas.microsoft.com/office/drawing/2014/main" xmlns="" id="{F51420CF-D5F4-4AA7-9EF6-C304A8083430}"/>
+                <a16:creationId xmlns:a16="http://schemas.microsoft.com/office/drawing/2014/main" id="{F51420CF-D5F4-4AA7-9EF6-C304A8083430}"/>
               </a:ext>
             </a:extLst>
           </p:cNvPr>
@@ -1779,7 +1787,7 @@
           <p:cNvPr id="5" name="Date Placeholder 4">
             <a:extLst>
               <a:ext uri="{FF2B5EF4-FFF2-40B4-BE49-F238E27FC236}">
-                <a16:creationId xmlns:a16="http://schemas.microsoft.com/office/drawing/2014/main" xmlns="" id="{22575542-49D9-4857-A43D-60245A2D5B9A}"/>
+                <a16:creationId xmlns:a16="http://schemas.microsoft.com/office/drawing/2014/main" id="{22575542-49D9-4857-A43D-60245A2D5B9A}"/>
               </a:ext>
             </a:extLst>
           </p:cNvPr>
@@ -1808,7 +1816,7 @@
           <p:cNvPr id="6" name="Footer Placeholder 5">
             <a:extLst>
               <a:ext uri="{FF2B5EF4-FFF2-40B4-BE49-F238E27FC236}">
-                <a16:creationId xmlns:a16="http://schemas.microsoft.com/office/drawing/2014/main" xmlns="" id="{4D8100C9-B500-44B7-8E71-D962A899716B}"/>
+                <a16:creationId xmlns:a16="http://schemas.microsoft.com/office/drawing/2014/main" id="{4D8100C9-B500-44B7-8E71-D962A899716B}"/>
               </a:ext>
             </a:extLst>
           </p:cNvPr>
@@ -1833,7 +1841,7 @@
           <p:cNvPr id="7" name="Slide Number Placeholder 6">
             <a:extLst>
               <a:ext uri="{FF2B5EF4-FFF2-40B4-BE49-F238E27FC236}">
-                <a16:creationId xmlns:a16="http://schemas.microsoft.com/office/drawing/2014/main" xmlns="" id="{AE4D0FCE-FC1F-4CD2-9685-EBF52C3B7197}"/>
+                <a16:creationId xmlns:a16="http://schemas.microsoft.com/office/drawing/2014/main" id="{AE4D0FCE-FC1F-4CD2-9685-EBF52C3B7197}"/>
               </a:ext>
             </a:extLst>
           </p:cNvPr>
@@ -1892,7 +1900,7 @@
           <p:cNvPr id="2" name="Title 1">
             <a:extLst>
               <a:ext uri="{FF2B5EF4-FFF2-40B4-BE49-F238E27FC236}">
-                <a16:creationId xmlns:a16="http://schemas.microsoft.com/office/drawing/2014/main" xmlns="" id="{3F96F038-CAF7-4E15-BBB0-D9588A635521}"/>
+                <a16:creationId xmlns:a16="http://schemas.microsoft.com/office/drawing/2014/main" id="{3F96F038-CAF7-4E15-BBB0-D9588A635521}"/>
               </a:ext>
             </a:extLst>
           </p:cNvPr>
@@ -1925,7 +1933,7 @@
           <p:cNvPr id="3" name="Text Placeholder 2">
             <a:extLst>
               <a:ext uri="{FF2B5EF4-FFF2-40B4-BE49-F238E27FC236}">
-                <a16:creationId xmlns:a16="http://schemas.microsoft.com/office/drawing/2014/main" xmlns="" id="{A9323709-1FE8-4766-9A8D-D4D1C967C501}"/>
+                <a16:creationId xmlns:a16="http://schemas.microsoft.com/office/drawing/2014/main" id="{A9323709-1FE8-4766-9A8D-D4D1C967C501}"/>
               </a:ext>
             </a:extLst>
           </p:cNvPr>
@@ -1996,7 +2004,7 @@
           <p:cNvPr id="4" name="Content Placeholder 3">
             <a:extLst>
               <a:ext uri="{FF2B5EF4-FFF2-40B4-BE49-F238E27FC236}">
-                <a16:creationId xmlns:a16="http://schemas.microsoft.com/office/drawing/2014/main" xmlns="" id="{7D0AD4F2-8809-468A-BA87-F97E67B39ACD}"/>
+                <a16:creationId xmlns:a16="http://schemas.microsoft.com/office/drawing/2014/main" id="{7D0AD4F2-8809-468A-BA87-F97E67B39ACD}"/>
               </a:ext>
             </a:extLst>
           </p:cNvPr>
@@ -2058,7 +2066,7 @@
           <p:cNvPr id="5" name="Text Placeholder 4">
             <a:extLst>
               <a:ext uri="{FF2B5EF4-FFF2-40B4-BE49-F238E27FC236}">
-                <a16:creationId xmlns:a16="http://schemas.microsoft.com/office/drawing/2014/main" xmlns="" id="{BF877676-C99F-4893-867A-7B2C63A27E2A}"/>
+                <a16:creationId xmlns:a16="http://schemas.microsoft.com/office/drawing/2014/main" id="{BF877676-C99F-4893-867A-7B2C63A27E2A}"/>
               </a:ext>
             </a:extLst>
           </p:cNvPr>
@@ -2129,7 +2137,7 @@
           <p:cNvPr id="6" name="Content Placeholder 5">
             <a:extLst>
               <a:ext uri="{FF2B5EF4-FFF2-40B4-BE49-F238E27FC236}">
-                <a16:creationId xmlns:a16="http://schemas.microsoft.com/office/drawing/2014/main" xmlns="" id="{31ECFC54-E2DE-4E28-AAA6-E89CCC247FAB}"/>
+                <a16:creationId xmlns:a16="http://schemas.microsoft.com/office/drawing/2014/main" id="{31ECFC54-E2DE-4E28-AAA6-E89CCC247FAB}"/>
               </a:ext>
             </a:extLst>
           </p:cNvPr>
@@ -2191,7 +2199,7 @@
           <p:cNvPr id="7" name="Date Placeholder 6">
             <a:extLst>
               <a:ext uri="{FF2B5EF4-FFF2-40B4-BE49-F238E27FC236}">
-                <a16:creationId xmlns:a16="http://schemas.microsoft.com/office/drawing/2014/main" xmlns="" id="{9252362B-1EB8-4E96-B9E4-7A7005C2E482}"/>
+                <a16:creationId xmlns:a16="http://schemas.microsoft.com/office/drawing/2014/main" id="{9252362B-1EB8-4E96-B9E4-7A7005C2E482}"/>
               </a:ext>
             </a:extLst>
           </p:cNvPr>
@@ -2220,7 +2228,7 @@
           <p:cNvPr id="8" name="Footer Placeholder 7">
             <a:extLst>
               <a:ext uri="{FF2B5EF4-FFF2-40B4-BE49-F238E27FC236}">
-                <a16:creationId xmlns:a16="http://schemas.microsoft.com/office/drawing/2014/main" xmlns="" id="{50C34ABA-44B0-424F-B89E-6F4C555ABB91}"/>
+                <a16:creationId xmlns:a16="http://schemas.microsoft.com/office/drawing/2014/main" id="{50C34ABA-44B0-424F-B89E-6F4C555ABB91}"/>
               </a:ext>
             </a:extLst>
           </p:cNvPr>
@@ -2245,7 +2253,7 @@
           <p:cNvPr id="9" name="Slide Number Placeholder 8">
             <a:extLst>
               <a:ext uri="{FF2B5EF4-FFF2-40B4-BE49-F238E27FC236}">
-                <a16:creationId xmlns:a16="http://schemas.microsoft.com/office/drawing/2014/main" xmlns="" id="{4FB5F9FB-EF6E-4512-B1DC-005745AA8F68}"/>
+                <a16:creationId xmlns:a16="http://schemas.microsoft.com/office/drawing/2014/main" id="{4FB5F9FB-EF6E-4512-B1DC-005745AA8F68}"/>
               </a:ext>
             </a:extLst>
           </p:cNvPr>
@@ -2304,7 +2312,7 @@
           <p:cNvPr id="2" name="Title 1">
             <a:extLst>
               <a:ext uri="{FF2B5EF4-FFF2-40B4-BE49-F238E27FC236}">
-                <a16:creationId xmlns:a16="http://schemas.microsoft.com/office/drawing/2014/main" xmlns="" id="{3D71853F-143E-4199-9CAD-F942628A71A6}"/>
+                <a16:creationId xmlns:a16="http://schemas.microsoft.com/office/drawing/2014/main" id="{3D71853F-143E-4199-9CAD-F942628A71A6}"/>
               </a:ext>
             </a:extLst>
           </p:cNvPr>
@@ -2332,7 +2340,7 @@
           <p:cNvPr id="3" name="Date Placeholder 2">
             <a:extLst>
               <a:ext uri="{FF2B5EF4-FFF2-40B4-BE49-F238E27FC236}">
-                <a16:creationId xmlns:a16="http://schemas.microsoft.com/office/drawing/2014/main" xmlns="" id="{DD197A0F-5860-4104-BC0C-12C0ADC2276D}"/>
+                <a16:creationId xmlns:a16="http://schemas.microsoft.com/office/drawing/2014/main" id="{DD197A0F-5860-4104-BC0C-12C0ADC2276D}"/>
               </a:ext>
             </a:extLst>
           </p:cNvPr>
@@ -2361,7 +2369,7 @@
           <p:cNvPr id="4" name="Footer Placeholder 3">
             <a:extLst>
               <a:ext uri="{FF2B5EF4-FFF2-40B4-BE49-F238E27FC236}">
-                <a16:creationId xmlns:a16="http://schemas.microsoft.com/office/drawing/2014/main" xmlns="" id="{3D227909-4E6E-48EC-A116-F9F77BCF5C7C}"/>
+                <a16:creationId xmlns:a16="http://schemas.microsoft.com/office/drawing/2014/main" id="{3D227909-4E6E-48EC-A116-F9F77BCF5C7C}"/>
               </a:ext>
             </a:extLst>
           </p:cNvPr>
@@ -2386,7 +2394,7 @@
           <p:cNvPr id="5" name="Slide Number Placeholder 4">
             <a:extLst>
               <a:ext uri="{FF2B5EF4-FFF2-40B4-BE49-F238E27FC236}">
-                <a16:creationId xmlns:a16="http://schemas.microsoft.com/office/drawing/2014/main" xmlns="" id="{0C1C448C-C331-42D8-97D1-6E1CA13725A7}"/>
+                <a16:creationId xmlns:a16="http://schemas.microsoft.com/office/drawing/2014/main" id="{0C1C448C-C331-42D8-97D1-6E1CA13725A7}"/>
               </a:ext>
             </a:extLst>
           </p:cNvPr>
@@ -2445,7 +2453,7 @@
           <p:cNvPr id="2" name="Date Placeholder 1">
             <a:extLst>
               <a:ext uri="{FF2B5EF4-FFF2-40B4-BE49-F238E27FC236}">
-                <a16:creationId xmlns:a16="http://schemas.microsoft.com/office/drawing/2014/main" xmlns="" id="{C259B168-0F0B-47E4-AE23-22C4FDFC33C4}"/>
+                <a16:creationId xmlns:a16="http://schemas.microsoft.com/office/drawing/2014/main" id="{C259B168-0F0B-47E4-AE23-22C4FDFC33C4}"/>
               </a:ext>
             </a:extLst>
           </p:cNvPr>
@@ -2474,7 +2482,7 @@
           <p:cNvPr id="3" name="Footer Placeholder 2">
             <a:extLst>
               <a:ext uri="{FF2B5EF4-FFF2-40B4-BE49-F238E27FC236}">
-                <a16:creationId xmlns:a16="http://schemas.microsoft.com/office/drawing/2014/main" xmlns="" id="{A40C960F-0060-4C95-84A6-C3C05BF2F583}"/>
+                <a16:creationId xmlns:a16="http://schemas.microsoft.com/office/drawing/2014/main" id="{A40C960F-0060-4C95-84A6-C3C05BF2F583}"/>
               </a:ext>
             </a:extLst>
           </p:cNvPr>
@@ -2499,7 +2507,7 @@
           <p:cNvPr id="4" name="Slide Number Placeholder 3">
             <a:extLst>
               <a:ext uri="{FF2B5EF4-FFF2-40B4-BE49-F238E27FC236}">
-                <a16:creationId xmlns:a16="http://schemas.microsoft.com/office/drawing/2014/main" xmlns="" id="{119FC8C9-9D93-4FDF-8BAE-374C8D1C84B3}"/>
+                <a16:creationId xmlns:a16="http://schemas.microsoft.com/office/drawing/2014/main" id="{119FC8C9-9D93-4FDF-8BAE-374C8D1C84B3}"/>
               </a:ext>
             </a:extLst>
           </p:cNvPr>
@@ -2558,7 +2566,7 @@
           <p:cNvPr id="2" name="Title 1">
             <a:extLst>
               <a:ext uri="{FF2B5EF4-FFF2-40B4-BE49-F238E27FC236}">
-                <a16:creationId xmlns:a16="http://schemas.microsoft.com/office/drawing/2014/main" xmlns="" id="{D476ED69-E60F-427A-8F93-FB82212013AE}"/>
+                <a16:creationId xmlns:a16="http://schemas.microsoft.com/office/drawing/2014/main" id="{D476ED69-E60F-427A-8F93-FB82212013AE}"/>
               </a:ext>
             </a:extLst>
           </p:cNvPr>
@@ -2595,7 +2603,7 @@
           <p:cNvPr id="3" name="Content Placeholder 2">
             <a:extLst>
               <a:ext uri="{FF2B5EF4-FFF2-40B4-BE49-F238E27FC236}">
-                <a16:creationId xmlns:a16="http://schemas.microsoft.com/office/drawing/2014/main" xmlns="" id="{C412E860-504C-4D40-8520-D05CC5DD8494}"/>
+                <a16:creationId xmlns:a16="http://schemas.microsoft.com/office/drawing/2014/main" id="{C412E860-504C-4D40-8520-D05CC5DD8494}"/>
               </a:ext>
             </a:extLst>
           </p:cNvPr>
@@ -2685,7 +2693,7 @@
           <p:cNvPr id="4" name="Text Placeholder 3">
             <a:extLst>
               <a:ext uri="{FF2B5EF4-FFF2-40B4-BE49-F238E27FC236}">
-                <a16:creationId xmlns:a16="http://schemas.microsoft.com/office/drawing/2014/main" xmlns="" id="{7F7E585F-E442-496A-905A-FE3EF3752BED}"/>
+                <a16:creationId xmlns:a16="http://schemas.microsoft.com/office/drawing/2014/main" id="{7F7E585F-E442-496A-905A-FE3EF3752BED}"/>
               </a:ext>
             </a:extLst>
           </p:cNvPr>
@@ -2756,7 +2764,7 @@
           <p:cNvPr id="5" name="Date Placeholder 4">
             <a:extLst>
               <a:ext uri="{FF2B5EF4-FFF2-40B4-BE49-F238E27FC236}">
-                <a16:creationId xmlns:a16="http://schemas.microsoft.com/office/drawing/2014/main" xmlns="" id="{1640D771-4667-433F-B038-FB0DEBAF8386}"/>
+                <a16:creationId xmlns:a16="http://schemas.microsoft.com/office/drawing/2014/main" id="{1640D771-4667-433F-B038-FB0DEBAF8386}"/>
               </a:ext>
             </a:extLst>
           </p:cNvPr>
@@ -2785,7 +2793,7 @@
           <p:cNvPr id="6" name="Footer Placeholder 5">
             <a:extLst>
               <a:ext uri="{FF2B5EF4-FFF2-40B4-BE49-F238E27FC236}">
-                <a16:creationId xmlns:a16="http://schemas.microsoft.com/office/drawing/2014/main" xmlns="" id="{6C889426-C2B8-456B-B20F-16319DC0F414}"/>
+                <a16:creationId xmlns:a16="http://schemas.microsoft.com/office/drawing/2014/main" id="{6C889426-C2B8-456B-B20F-16319DC0F414}"/>
               </a:ext>
             </a:extLst>
           </p:cNvPr>
@@ -2810,7 +2818,7 @@
           <p:cNvPr id="7" name="Slide Number Placeholder 6">
             <a:extLst>
               <a:ext uri="{FF2B5EF4-FFF2-40B4-BE49-F238E27FC236}">
-                <a16:creationId xmlns:a16="http://schemas.microsoft.com/office/drawing/2014/main" xmlns="" id="{2AB00DDF-F5AC-47E3-95CD-9B6057518856}"/>
+                <a16:creationId xmlns:a16="http://schemas.microsoft.com/office/drawing/2014/main" id="{2AB00DDF-F5AC-47E3-95CD-9B6057518856}"/>
               </a:ext>
             </a:extLst>
           </p:cNvPr>
@@ -2869,7 +2877,7 @@
           <p:cNvPr id="2" name="Title 1">
             <a:extLst>
               <a:ext uri="{FF2B5EF4-FFF2-40B4-BE49-F238E27FC236}">
-                <a16:creationId xmlns:a16="http://schemas.microsoft.com/office/drawing/2014/main" xmlns="" id="{6BD91E77-A577-4702-B551-93B131924FEF}"/>
+                <a16:creationId xmlns:a16="http://schemas.microsoft.com/office/drawing/2014/main" id="{6BD91E77-A577-4702-B551-93B131924FEF}"/>
               </a:ext>
             </a:extLst>
           </p:cNvPr>
@@ -2906,7 +2914,7 @@
           <p:cNvPr id="3" name="Picture Placeholder 2">
             <a:extLst>
               <a:ext uri="{FF2B5EF4-FFF2-40B4-BE49-F238E27FC236}">
-                <a16:creationId xmlns:a16="http://schemas.microsoft.com/office/drawing/2014/main" xmlns="" id="{397564AD-41B0-420E-8801-1F0874BE23F1}"/>
+                <a16:creationId xmlns:a16="http://schemas.microsoft.com/office/drawing/2014/main" id="{397564AD-41B0-420E-8801-1F0874BE23F1}"/>
               </a:ext>
             </a:extLst>
           </p:cNvPr>
@@ -2973,7 +2981,7 @@
           <p:cNvPr id="4" name="Text Placeholder 3">
             <a:extLst>
               <a:ext uri="{FF2B5EF4-FFF2-40B4-BE49-F238E27FC236}">
-                <a16:creationId xmlns:a16="http://schemas.microsoft.com/office/drawing/2014/main" xmlns="" id="{2A79871D-8B38-4786-A51C-577F89471811}"/>
+                <a16:creationId xmlns:a16="http://schemas.microsoft.com/office/drawing/2014/main" id="{2A79871D-8B38-4786-A51C-577F89471811}"/>
               </a:ext>
             </a:extLst>
           </p:cNvPr>
@@ -3044,7 +3052,7 @@
           <p:cNvPr id="5" name="Date Placeholder 4">
             <a:extLst>
               <a:ext uri="{FF2B5EF4-FFF2-40B4-BE49-F238E27FC236}">
-                <a16:creationId xmlns:a16="http://schemas.microsoft.com/office/drawing/2014/main" xmlns="" id="{C404E6B4-1C4A-48ED-BE21-BE0618EC8822}"/>
+                <a16:creationId xmlns:a16="http://schemas.microsoft.com/office/drawing/2014/main" id="{C404E6B4-1C4A-48ED-BE21-BE0618EC8822}"/>
               </a:ext>
             </a:extLst>
           </p:cNvPr>
@@ -3073,7 +3081,7 @@
           <p:cNvPr id="6" name="Footer Placeholder 5">
             <a:extLst>
               <a:ext uri="{FF2B5EF4-FFF2-40B4-BE49-F238E27FC236}">
-                <a16:creationId xmlns:a16="http://schemas.microsoft.com/office/drawing/2014/main" xmlns="" id="{BDB6C3B7-F040-43B2-995A-CC2158E3B915}"/>
+                <a16:creationId xmlns:a16="http://schemas.microsoft.com/office/drawing/2014/main" id="{BDB6C3B7-F040-43B2-995A-CC2158E3B915}"/>
               </a:ext>
             </a:extLst>
           </p:cNvPr>
@@ -3098,7 +3106,7 @@
           <p:cNvPr id="7" name="Slide Number Placeholder 6">
             <a:extLst>
               <a:ext uri="{FF2B5EF4-FFF2-40B4-BE49-F238E27FC236}">
-                <a16:creationId xmlns:a16="http://schemas.microsoft.com/office/drawing/2014/main" xmlns="" id="{4AF59556-078F-4131-AEB3-59317B76114B}"/>
+                <a16:creationId xmlns:a16="http://schemas.microsoft.com/office/drawing/2014/main" id="{4AF59556-078F-4131-AEB3-59317B76114B}"/>
               </a:ext>
             </a:extLst>
           </p:cNvPr>
@@ -3162,7 +3170,7 @@
           <p:cNvPr id="2" name="Title Placeholder 1">
             <a:extLst>
               <a:ext uri="{FF2B5EF4-FFF2-40B4-BE49-F238E27FC236}">
-                <a16:creationId xmlns:a16="http://schemas.microsoft.com/office/drawing/2014/main" xmlns="" id="{6C09C225-39C5-4FBB-80F1-CDF35FA3375A}"/>
+                <a16:creationId xmlns:a16="http://schemas.microsoft.com/office/drawing/2014/main" id="{6C09C225-39C5-4FBB-80F1-CDF35FA3375A}"/>
               </a:ext>
             </a:extLst>
           </p:cNvPr>
@@ -3200,7 +3208,7 @@
           <p:cNvPr id="3" name="Text Placeholder 2">
             <a:extLst>
               <a:ext uri="{FF2B5EF4-FFF2-40B4-BE49-F238E27FC236}">
-                <a16:creationId xmlns:a16="http://schemas.microsoft.com/office/drawing/2014/main" xmlns="" id="{BCD1C5D0-0023-447F-A8C8-CB89E5A09CA1}"/>
+                <a16:creationId xmlns:a16="http://schemas.microsoft.com/office/drawing/2014/main" id="{BCD1C5D0-0023-447F-A8C8-CB89E5A09CA1}"/>
               </a:ext>
             </a:extLst>
           </p:cNvPr>
@@ -3267,7 +3275,7 @@
           <p:cNvPr id="4" name="Date Placeholder 3">
             <a:extLst>
               <a:ext uri="{FF2B5EF4-FFF2-40B4-BE49-F238E27FC236}">
-                <a16:creationId xmlns:a16="http://schemas.microsoft.com/office/drawing/2014/main" xmlns="" id="{E08E4AB1-2CCB-4FA0-B5A1-F32FB803D12A}"/>
+                <a16:creationId xmlns:a16="http://schemas.microsoft.com/office/drawing/2014/main" id="{E08E4AB1-2CCB-4FA0-B5A1-F32FB803D12A}"/>
               </a:ext>
             </a:extLst>
           </p:cNvPr>
@@ -3314,7 +3322,7 @@
           <p:cNvPr id="5" name="Footer Placeholder 4">
             <a:extLst>
               <a:ext uri="{FF2B5EF4-FFF2-40B4-BE49-F238E27FC236}">
-                <a16:creationId xmlns:a16="http://schemas.microsoft.com/office/drawing/2014/main" xmlns="" id="{6A8EC81C-7C47-4386-9E7C-78113E009C3A}"/>
+                <a16:creationId xmlns:a16="http://schemas.microsoft.com/office/drawing/2014/main" id="{6A8EC81C-7C47-4386-9E7C-78113E009C3A}"/>
               </a:ext>
             </a:extLst>
           </p:cNvPr>
@@ -3357,7 +3365,7 @@
           <p:cNvPr id="6" name="Slide Number Placeholder 5">
             <a:extLst>
               <a:ext uri="{FF2B5EF4-FFF2-40B4-BE49-F238E27FC236}">
-                <a16:creationId xmlns:a16="http://schemas.microsoft.com/office/drawing/2014/main" xmlns="" id="{BF76E127-A9F2-4D21-B694-3F7490F9A4C3}"/>
+                <a16:creationId xmlns:a16="http://schemas.microsoft.com/office/drawing/2014/main" id="{BF76E127-A9F2-4D21-B694-3F7490F9A4C3}"/>
               </a:ext>
             </a:extLst>
           </p:cNvPr>
@@ -3733,7 +3741,7 @@
           <p:cNvPr id="8" name="Picture 7">
             <a:extLst>
               <a:ext uri="{FF2B5EF4-FFF2-40B4-BE49-F238E27FC236}">
-                <a16:creationId xmlns:a16="http://schemas.microsoft.com/office/drawing/2014/main" xmlns="" id="{E7435DCF-8C11-4FA5-AEA8-8E98E7D46411}"/>
+                <a16:creationId xmlns:a16="http://schemas.microsoft.com/office/drawing/2014/main" id="{E7435DCF-8C11-4FA5-AEA8-8E98E7D46411}"/>
               </a:ext>
             </a:extLst>
           </p:cNvPr>
@@ -3768,7 +3776,7 @@
           <p:cNvPr id="2" name="Title 1">
             <a:extLst>
               <a:ext uri="{FF2B5EF4-FFF2-40B4-BE49-F238E27FC236}">
-                <a16:creationId xmlns:a16="http://schemas.microsoft.com/office/drawing/2014/main" xmlns="" id="{FBA4D502-952D-4071-8EF5-85FDF331E55D}"/>
+                <a16:creationId xmlns:a16="http://schemas.microsoft.com/office/drawing/2014/main" id="{FBA4D502-952D-4071-8EF5-85FDF331E55D}"/>
               </a:ext>
             </a:extLst>
           </p:cNvPr>
@@ -3810,7 +3818,7 @@
           <p:cNvPr id="3" name="Subtitle 2">
             <a:extLst>
               <a:ext uri="{FF2B5EF4-FFF2-40B4-BE49-F238E27FC236}">
-                <a16:creationId xmlns:a16="http://schemas.microsoft.com/office/drawing/2014/main" xmlns="" id="{A1DA883F-F3B2-4B2A-B55F-3DD4B2A12B7D}"/>
+                <a16:creationId xmlns:a16="http://schemas.microsoft.com/office/drawing/2014/main" id="{A1DA883F-F3B2-4B2A-B55F-3DD4B2A12B7D}"/>
               </a:ext>
             </a:extLst>
           </p:cNvPr>
@@ -3892,7 +3900,7 @@
           <p:cNvPr id="2" name="Title 1">
             <a:extLst>
               <a:ext uri="{FF2B5EF4-FFF2-40B4-BE49-F238E27FC236}">
-                <a16:creationId xmlns:a16="http://schemas.microsoft.com/office/drawing/2014/main" xmlns="" id="{A5844E39-6986-4FAA-9021-9EE41299F672}"/>
+                <a16:creationId xmlns:a16="http://schemas.microsoft.com/office/drawing/2014/main" id="{A5844E39-6986-4FAA-9021-9EE41299F672}"/>
               </a:ext>
             </a:extLst>
           </p:cNvPr>
@@ -3936,7 +3944,7 @@
           <p:cNvPr id="6" name="Content Placeholder 5" descr="A screenshot of a cell phone&#10;&#10;Description generated with high confidence">
             <a:extLst>
               <a:ext uri="{FF2B5EF4-FFF2-40B4-BE49-F238E27FC236}">
-                <a16:creationId xmlns:a16="http://schemas.microsoft.com/office/drawing/2014/main" xmlns="" id="{1690824A-2836-43E3-BDBB-69560B6F04E1}"/>
+                <a16:creationId xmlns:a16="http://schemas.microsoft.com/office/drawing/2014/main" id="{1690824A-2836-43E3-BDBB-69560B6F04E1}"/>
               </a:ext>
             </a:extLst>
           </p:cNvPr>
@@ -3971,7 +3979,7 @@
           <p:cNvPr id="8" name="Content Placeholder 7" descr="A screenshot of a cell phone&#10;&#10;Description generated with high confidence">
             <a:extLst>
               <a:ext uri="{FF2B5EF4-FFF2-40B4-BE49-F238E27FC236}">
-                <a16:creationId xmlns:a16="http://schemas.microsoft.com/office/drawing/2014/main" xmlns="" id="{6DD977E3-4D56-42A8-BDE4-A51C6EC5EEB5}"/>
+                <a16:creationId xmlns:a16="http://schemas.microsoft.com/office/drawing/2014/main" id="{6DD977E3-4D56-42A8-BDE4-A51C6EC5EEB5}"/>
               </a:ext>
             </a:extLst>
           </p:cNvPr>
@@ -4047,7 +4055,7 @@
           <p:cNvPr id="7" name="Group 6" title="intersecting circles">
             <a:extLst>
               <a:ext uri="{FF2B5EF4-FFF2-40B4-BE49-F238E27FC236}">
-                <a16:creationId xmlns:a16="http://schemas.microsoft.com/office/drawing/2014/main" xmlns="" id="{D2C4BFA1-2075-4901-9E24-E41D1FDD51FD}"/>
+                <a16:creationId xmlns:a16="http://schemas.microsoft.com/office/drawing/2014/main" id="{D2C4BFA1-2075-4901-9E24-E41D1FDD51FD}"/>
               </a:ext>
             </a:extLst>
           </p:cNvPr>
@@ -4057,7 +4065,7 @@
           <p:nvPr>
             <p:extLst>
               <p:ext uri="{386F3935-93C4-4BCD-93E2-E3B085C9AB24}">
-                <p16:designElem xmlns:p16="http://schemas.microsoft.com/office/powerpoint/2015/main" xmlns="" val="1"/>
+                <p16:designElem xmlns:p16="http://schemas.microsoft.com/office/powerpoint/2015/main" val="1"/>
               </p:ext>
             </p:extLst>
           </p:nvPr>
@@ -4075,7 +4083,7 @@
             <p:cNvPr id="8" name="Oval 5">
               <a:extLst>
                 <a:ext uri="{FF2B5EF4-FFF2-40B4-BE49-F238E27FC236}">
-                  <a16:creationId xmlns:a16="http://schemas.microsoft.com/office/drawing/2014/main" xmlns="" id="{985A7375-E3AF-4F5C-85AE-17E8832952CA}"/>
+                  <a16:creationId xmlns:a16="http://schemas.microsoft.com/office/drawing/2014/main" id="{985A7375-E3AF-4F5C-85AE-17E8832952CA}"/>
                 </a:ext>
               </a:extLst>
             </p:cNvPr>
@@ -4085,7 +4093,7 @@
             <p:nvPr>
               <p:extLst>
                 <p:ext uri="{386F3935-93C4-4BCD-93E2-E3B085C9AB24}">
-                  <p16:designElem xmlns:p16="http://schemas.microsoft.com/office/powerpoint/2015/main" xmlns="" val="1"/>
+                  <p16:designElem xmlns:p16="http://schemas.microsoft.com/office/powerpoint/2015/main" val="1"/>
                 </p:ext>
               </p:extLst>
             </p:nvPr>
@@ -4113,7 +4121,7 @@
             <p:cNvPr id="9" name="Oval 8">
               <a:extLst>
                 <a:ext uri="{FF2B5EF4-FFF2-40B4-BE49-F238E27FC236}">
-                  <a16:creationId xmlns:a16="http://schemas.microsoft.com/office/drawing/2014/main" xmlns="" id="{F0307F65-8304-4FA8-A841-D4D7625411BE}"/>
+                  <a16:creationId xmlns:a16="http://schemas.microsoft.com/office/drawing/2014/main" id="{F0307F65-8304-4FA8-A841-D4D7625411BE}"/>
                 </a:ext>
               </a:extLst>
             </p:cNvPr>
@@ -4123,7 +4131,7 @@
             <p:nvPr>
               <p:extLst>
                 <p:ext uri="{386F3935-93C4-4BCD-93E2-E3B085C9AB24}">
-                  <p16:designElem xmlns:p16="http://schemas.microsoft.com/office/powerpoint/2015/main" xmlns="" val="1"/>
+                  <p16:designElem xmlns:p16="http://schemas.microsoft.com/office/powerpoint/2015/main" val="1"/>
                 </p:ext>
               </p:extLst>
             </p:nvPr>
@@ -4151,7 +4159,7 @@
             <p:cNvPr id="10" name="Oval 5">
               <a:extLst>
                 <a:ext uri="{FF2B5EF4-FFF2-40B4-BE49-F238E27FC236}">
-                  <a16:creationId xmlns:a16="http://schemas.microsoft.com/office/drawing/2014/main" xmlns="" id="{C8B8394C-136F-4E05-A002-D93A5E79CD50}"/>
+                  <a16:creationId xmlns:a16="http://schemas.microsoft.com/office/drawing/2014/main" id="{C8B8394C-136F-4E05-A002-D93A5E79CD50}"/>
                 </a:ext>
               </a:extLst>
             </p:cNvPr>
@@ -4161,7 +4169,7 @@
             <p:nvPr>
               <p:extLst>
                 <p:ext uri="{386F3935-93C4-4BCD-93E2-E3B085C9AB24}">
-                  <p16:designElem xmlns:p16="http://schemas.microsoft.com/office/powerpoint/2015/main" xmlns="" val="1"/>
+                  <p16:designElem xmlns:p16="http://schemas.microsoft.com/office/powerpoint/2015/main" val="1"/>
                 </p:ext>
               </p:extLst>
             </p:nvPr>
@@ -4190,7 +4198,7 @@
           <p:cNvPr id="12" name="Rectangle 11" title="ribbon">
             <a:extLst>
               <a:ext uri="{FF2B5EF4-FFF2-40B4-BE49-F238E27FC236}">
-                <a16:creationId xmlns:a16="http://schemas.microsoft.com/office/drawing/2014/main" xmlns="" id="{053FB2EE-284F-4C87-AB3D-BBF87A9FAB97}"/>
+                <a16:creationId xmlns:a16="http://schemas.microsoft.com/office/drawing/2014/main" id="{053FB2EE-284F-4C87-AB3D-BBF87A9FAB97}"/>
               </a:ext>
             </a:extLst>
           </p:cNvPr>
@@ -4200,7 +4208,7 @@
           <p:nvPr>
             <p:extLst>
               <p:ext uri="{386F3935-93C4-4BCD-93E2-E3B085C9AB24}">
-                <p16:designElem xmlns:p16="http://schemas.microsoft.com/office/powerpoint/2015/main" xmlns="" val="1"/>
+                <p16:designElem xmlns:p16="http://schemas.microsoft.com/office/powerpoint/2015/main" val="1"/>
               </p:ext>
             </p:extLst>
           </p:nvPr>
@@ -4242,7 +4250,7 @@
           <p:cNvPr id="2" name="Title 1">
             <a:extLst>
               <a:ext uri="{FF2B5EF4-FFF2-40B4-BE49-F238E27FC236}">
-                <a16:creationId xmlns:a16="http://schemas.microsoft.com/office/drawing/2014/main" xmlns="" id="{1A08BABF-A34D-4F9D-8649-2DF544A5B063}"/>
+                <a16:creationId xmlns:a16="http://schemas.microsoft.com/office/drawing/2014/main" id="{1A08BABF-A34D-4F9D-8649-2DF544A5B063}"/>
               </a:ext>
             </a:extLst>
           </p:cNvPr>
@@ -4276,14 +4284,6 @@
                 <a:cs typeface="+mj-cs"/>
               </a:rPr>
               <a:t>Data Pre-processing</a:t>
-            </a:r>
-            <a:r>
-              <a:rPr lang="en-US" sz="4000" dirty="0">
-                <a:solidFill>
-                  <a:schemeClr val="bg2"/>
-                </a:solidFill>
-              </a:rPr>
-              <a:t/>
             </a:r>
             <a:br>
               <a:rPr lang="en-US" sz="4000" dirty="0">
@@ -4347,7 +4347,7 @@
           <p:cNvPr id="2" name="Title 1">
             <a:extLst>
               <a:ext uri="{FF2B5EF4-FFF2-40B4-BE49-F238E27FC236}">
-                <a16:creationId xmlns:a16="http://schemas.microsoft.com/office/drawing/2014/main" xmlns="" id="{B678A683-798F-42EA-B43A-89EB3462EF45}"/>
+                <a16:creationId xmlns:a16="http://schemas.microsoft.com/office/drawing/2014/main" id="{B678A683-798F-42EA-B43A-89EB3462EF45}"/>
               </a:ext>
             </a:extLst>
           </p:cNvPr>
@@ -4391,7 +4391,7 @@
           <p:cNvPr id="8" name="Content Placeholder 5">
             <a:extLst>
               <a:ext uri="{FF2B5EF4-FFF2-40B4-BE49-F238E27FC236}">
-                <a16:creationId xmlns:a16="http://schemas.microsoft.com/office/drawing/2014/main" xmlns="" id="{ABA6BD62-2713-4BED-8588-5A5018EA8BA7}"/>
+                <a16:creationId xmlns:a16="http://schemas.microsoft.com/office/drawing/2014/main" id="{ABA6BD62-2713-4BED-8588-5A5018EA8BA7}"/>
               </a:ext>
             </a:extLst>
           </p:cNvPr>
@@ -4423,7 +4423,7 @@
           <p:cNvPr id="15" name="TextBox 14">
             <a:extLst>
               <a:ext uri="{FF2B5EF4-FFF2-40B4-BE49-F238E27FC236}">
-                <a16:creationId xmlns:a16="http://schemas.microsoft.com/office/drawing/2014/main" xmlns="" id="{F4583FDA-BE0C-434F-9B5D-77E504E336B0}"/>
+                <a16:creationId xmlns:a16="http://schemas.microsoft.com/office/drawing/2014/main" id="{F4583FDA-BE0C-434F-9B5D-77E504E336B0}"/>
               </a:ext>
             </a:extLst>
           </p:cNvPr>
@@ -4472,7 +4472,7 @@
           <p:cNvPr id="16" name="Table 15">
             <a:extLst>
               <a:ext uri="{FF2B5EF4-FFF2-40B4-BE49-F238E27FC236}">
-                <a16:creationId xmlns:a16="http://schemas.microsoft.com/office/drawing/2014/main" xmlns="" id="{ABECE236-5DC7-48D2-9B78-C40A29238D93}"/>
+                <a16:creationId xmlns:a16="http://schemas.microsoft.com/office/drawing/2014/main" id="{ABECE236-5DC7-48D2-9B78-C40A29238D93}"/>
               </a:ext>
             </a:extLst>
           </p:cNvPr>
@@ -4482,14 +4482,14 @@
           <p:nvPr>
             <p:extLst>
               <p:ext uri="{D42A27DB-BD31-4B8C-83A1-F6EECF244321}">
-                <p14:modId xmlns:p14="http://schemas.microsoft.com/office/powerpoint/2010/main" val="2696388363"/>
+                <p14:modId xmlns:p14="http://schemas.microsoft.com/office/powerpoint/2010/main" val="3991594833"/>
               </p:ext>
             </p:extLst>
           </p:nvPr>
         </p:nvGraphicFramePr>
         <p:xfrm>
-          <a:off x="8653112" y="1455284"/>
-          <a:ext cx="1982804" cy="1973717"/>
+          <a:off x="8302487" y="1455284"/>
+          <a:ext cx="2637183" cy="1973717"/>
         </p:xfrm>
         <a:graphic>
           <a:graphicData uri="http://schemas.openxmlformats.org/drawingml/2006/table">
@@ -4498,17 +4498,17 @@
                 <a:tableStyleId>{5C22544A-7EE6-4342-B048-85BDC9FD1C3A}</a:tableStyleId>
               </a:tblPr>
               <a:tblGrid>
-                <a:gridCol w="1094832">
+                <a:gridCol w="1456156">
                   <a:extLst>
                     <a:ext uri="{9D8B030D-6E8A-4147-A177-3AD203B41FA5}">
-                      <a16:colId xmlns:a16="http://schemas.microsoft.com/office/drawing/2014/main" xmlns="" val="3815070845"/>
+                      <a16:colId xmlns:a16="http://schemas.microsoft.com/office/drawing/2014/main" val="3815070845"/>
                     </a:ext>
                   </a:extLst>
                 </a:gridCol>
-                <a:gridCol w="887972">
+                <a:gridCol w="1181027">
                   <a:extLst>
                     <a:ext uri="{9D8B030D-6E8A-4147-A177-3AD203B41FA5}">
-                      <a16:colId xmlns:a16="http://schemas.microsoft.com/office/drawing/2014/main" xmlns="" val="761188252"/>
+                      <a16:colId xmlns:a16="http://schemas.microsoft.com/office/drawing/2014/main" val="761188252"/>
                     </a:ext>
                   </a:extLst>
                 </a:gridCol>
@@ -4535,7 +4535,14 @@
                       </a:endParaRPr>
                     </a:p>
                   </a:txBody>
-                  <a:tcPr marL="6350" marR="6350" marT="6350" marB="0" anchor="b"/>
+                  <a:tcPr marL="6350" marR="6350" marT="6350" marB="0" anchor="b">
+                    <a:solidFill>
+                      <a:schemeClr val="accent1">
+                        <a:lumMod val="60000"/>
+                        <a:lumOff val="40000"/>
+                      </a:schemeClr>
+                    </a:solidFill>
+                  </a:tcPr>
                 </a:tc>
                 <a:tc>
                   <a:txBody>
@@ -4558,11 +4565,18 @@
                       </a:endParaRPr>
                     </a:p>
                   </a:txBody>
-                  <a:tcPr marL="6350" marR="6350" marT="6350" marB="0" anchor="b"/>
+                  <a:tcPr marL="6350" marR="6350" marT="6350" marB="0" anchor="b">
+                    <a:solidFill>
+                      <a:schemeClr val="accent1">
+                        <a:lumMod val="60000"/>
+                        <a:lumOff val="40000"/>
+                      </a:schemeClr>
+                    </a:solidFill>
+                  </a:tcPr>
                 </a:tc>
                 <a:extLst>
                   <a:ext uri="{0D108BD9-81ED-4DB2-BD59-A6C34878D82A}">
-                    <a16:rowId xmlns:a16="http://schemas.microsoft.com/office/drawing/2014/main" xmlns="" val="3492616102"/>
+                    <a16:rowId xmlns:a16="http://schemas.microsoft.com/office/drawing/2014/main" val="3492616102"/>
                   </a:ext>
                 </a:extLst>
               </a:tr>
@@ -4579,7 +4593,7 @@
                         </a:rPr>
                         <a:t>PoolQC</a:t>
                       </a:r>
-                      <a:endParaRPr lang="en-US" sz="1100" b="0" i="0" u="none" strike="noStrike">
+                      <a:endParaRPr lang="en-US" sz="1100" b="0" i="0" u="none" strike="noStrike" dirty="0">
                         <a:solidFill>
                           <a:srgbClr val="000000"/>
                         </a:solidFill>
@@ -4597,12 +4611,12 @@
                     <a:p>
                       <a:pPr algn="r" fontAlgn="b"/>
                       <a:r>
-                        <a:rPr lang="en-US" sz="1100" u="none" strike="noStrike">
+                        <a:rPr lang="en-US" sz="1100" u="none" strike="noStrike" dirty="0">
                           <a:effectLst/>
                         </a:rPr>
                         <a:t>1453</a:t>
                       </a:r>
-                      <a:endParaRPr lang="en-US" sz="1100" b="0" i="0" u="none" strike="noStrike">
+                      <a:endParaRPr lang="en-US" sz="1100" b="0" i="0" u="none" strike="noStrike" dirty="0">
                         <a:solidFill>
                           <a:srgbClr val="000000"/>
                         </a:solidFill>
@@ -4615,7 +4629,7 @@
                 </a:tc>
                 <a:extLst>
                   <a:ext uri="{0D108BD9-81ED-4DB2-BD59-A6C34878D82A}">
-                    <a16:rowId xmlns:a16="http://schemas.microsoft.com/office/drawing/2014/main" xmlns="" val="3276062966"/>
+                    <a16:rowId xmlns:a16="http://schemas.microsoft.com/office/drawing/2014/main" val="3276062966"/>
                   </a:ext>
                 </a:extLst>
               </a:tr>
@@ -4627,12 +4641,12 @@
                     <a:p>
                       <a:pPr algn="l" fontAlgn="b"/>
                       <a:r>
-                        <a:rPr lang="en-US" sz="1100" u="none" strike="noStrike">
+                        <a:rPr lang="en-US" sz="1100" u="none" strike="noStrike" dirty="0" err="1">
                           <a:effectLst/>
                         </a:rPr>
                         <a:t>MiscFeature</a:t>
                       </a:r>
-                      <a:endParaRPr lang="en-US" sz="1100" b="0" i="0" u="none" strike="noStrike">
+                      <a:endParaRPr lang="en-US" sz="1100" b="0" i="0" u="none" strike="noStrike" dirty="0">
                         <a:solidFill>
                           <a:srgbClr val="000000"/>
                         </a:solidFill>
@@ -4641,7 +4655,14 @@
                       </a:endParaRPr>
                     </a:p>
                   </a:txBody>
-                  <a:tcPr marL="6350" marR="6350" marT="6350" marB="0" anchor="b"/>
+                  <a:tcPr marL="6350" marR="6350" marT="6350" marB="0" anchor="b">
+                    <a:solidFill>
+                      <a:schemeClr val="accent1">
+                        <a:lumMod val="40000"/>
+                        <a:lumOff val="60000"/>
+                      </a:schemeClr>
+                    </a:solidFill>
+                  </a:tcPr>
                 </a:tc>
                 <a:tc>
                   <a:txBody>
@@ -4650,12 +4671,12 @@
                     <a:p>
                       <a:pPr algn="r" fontAlgn="b"/>
                       <a:r>
-                        <a:rPr lang="en-US" sz="1100" u="none" strike="noStrike">
+                        <a:rPr lang="en-US" sz="1100" u="none" strike="noStrike" dirty="0">
                           <a:effectLst/>
                         </a:rPr>
                         <a:t>1406</a:t>
                       </a:r>
-                      <a:endParaRPr lang="en-US" sz="1100" b="0" i="0" u="none" strike="noStrike">
+                      <a:endParaRPr lang="en-US" sz="1100" b="0" i="0" u="none" strike="noStrike" dirty="0">
                         <a:solidFill>
                           <a:srgbClr val="000000"/>
                         </a:solidFill>
@@ -4664,11 +4685,18 @@
                       </a:endParaRPr>
                     </a:p>
                   </a:txBody>
-                  <a:tcPr marL="6350" marR="6350" marT="6350" marB="0" anchor="b"/>
+                  <a:tcPr marL="6350" marR="6350" marT="6350" marB="0" anchor="b">
+                    <a:solidFill>
+                      <a:schemeClr val="accent1">
+                        <a:lumMod val="40000"/>
+                        <a:lumOff val="60000"/>
+                      </a:schemeClr>
+                    </a:solidFill>
+                  </a:tcPr>
                 </a:tc>
                 <a:extLst>
                   <a:ext uri="{0D108BD9-81ED-4DB2-BD59-A6C34878D82A}">
-                    <a16:rowId xmlns:a16="http://schemas.microsoft.com/office/drawing/2014/main" xmlns="" val="3920938786"/>
+                    <a16:rowId xmlns:a16="http://schemas.microsoft.com/office/drawing/2014/main" val="3920938786"/>
                   </a:ext>
                 </a:extLst>
               </a:tr>
@@ -4721,7 +4749,7 @@
                 </a:tc>
                 <a:extLst>
                   <a:ext uri="{0D108BD9-81ED-4DB2-BD59-A6C34878D82A}">
-                    <a16:rowId xmlns:a16="http://schemas.microsoft.com/office/drawing/2014/main" xmlns="" val="2045851911"/>
+                    <a16:rowId xmlns:a16="http://schemas.microsoft.com/office/drawing/2014/main" val="2045851911"/>
                   </a:ext>
                 </a:extLst>
               </a:tr>
@@ -4747,7 +4775,14 @@
                       </a:endParaRPr>
                     </a:p>
                   </a:txBody>
-                  <a:tcPr marL="6350" marR="6350" marT="6350" marB="0" anchor="b"/>
+                  <a:tcPr marL="6350" marR="6350" marT="6350" marB="0" anchor="b">
+                    <a:solidFill>
+                      <a:schemeClr val="accent1">
+                        <a:lumMod val="40000"/>
+                        <a:lumOff val="60000"/>
+                      </a:schemeClr>
+                    </a:solidFill>
+                  </a:tcPr>
                 </a:tc>
                 <a:tc>
                   <a:txBody>
@@ -4756,12 +4791,12 @@
                     <a:p>
                       <a:pPr algn="r" fontAlgn="b"/>
                       <a:r>
-                        <a:rPr lang="en-US" sz="1100" u="none" strike="noStrike">
+                        <a:rPr lang="en-US" sz="1100" u="none" strike="noStrike" dirty="0">
                           <a:effectLst/>
                         </a:rPr>
                         <a:t>1179</a:t>
                       </a:r>
-                      <a:endParaRPr lang="en-US" sz="1100" b="0" i="0" u="none" strike="noStrike">
+                      <a:endParaRPr lang="en-US" sz="1100" b="0" i="0" u="none" strike="noStrike" dirty="0">
                         <a:solidFill>
                           <a:srgbClr val="000000"/>
                         </a:solidFill>
@@ -4770,11 +4805,18 @@
                       </a:endParaRPr>
                     </a:p>
                   </a:txBody>
-                  <a:tcPr marL="6350" marR="6350" marT="6350" marB="0" anchor="b"/>
+                  <a:tcPr marL="6350" marR="6350" marT="6350" marB="0" anchor="b">
+                    <a:solidFill>
+                      <a:schemeClr val="accent1">
+                        <a:lumMod val="40000"/>
+                        <a:lumOff val="60000"/>
+                      </a:schemeClr>
+                    </a:solidFill>
+                  </a:tcPr>
                 </a:tc>
                 <a:extLst>
                   <a:ext uri="{0D108BD9-81ED-4DB2-BD59-A6C34878D82A}">
-                    <a16:rowId xmlns:a16="http://schemas.microsoft.com/office/drawing/2014/main" xmlns="" val="739765717"/>
+                    <a16:rowId xmlns:a16="http://schemas.microsoft.com/office/drawing/2014/main" val="739765717"/>
                   </a:ext>
                 </a:extLst>
               </a:tr>
@@ -4827,7 +4869,7 @@
                 </a:tc>
                 <a:extLst>
                   <a:ext uri="{0D108BD9-81ED-4DB2-BD59-A6C34878D82A}">
-                    <a16:rowId xmlns:a16="http://schemas.microsoft.com/office/drawing/2014/main" xmlns="" val="3682230653"/>
+                    <a16:rowId xmlns:a16="http://schemas.microsoft.com/office/drawing/2014/main" val="3682230653"/>
                   </a:ext>
                 </a:extLst>
               </a:tr>
@@ -4839,12 +4881,12 @@
                     <a:p>
                       <a:pPr algn="l" fontAlgn="b"/>
                       <a:r>
-                        <a:rPr lang="en-US" sz="1100" u="none" strike="noStrike">
+                        <a:rPr lang="en-US" sz="1100" u="none" strike="noStrike" dirty="0" err="1">
                           <a:effectLst/>
                         </a:rPr>
                         <a:t>LotFrontage</a:t>
                       </a:r>
-                      <a:endParaRPr lang="en-US" sz="1100" b="0" i="0" u="none" strike="noStrike">
+                      <a:endParaRPr lang="en-US" sz="1100" b="0" i="0" u="none" strike="noStrike" dirty="0">
                         <a:solidFill>
                           <a:srgbClr val="000000"/>
                         </a:solidFill>
@@ -4853,7 +4895,14 @@
                       </a:endParaRPr>
                     </a:p>
                   </a:txBody>
-                  <a:tcPr marL="6350" marR="6350" marT="6350" marB="0" anchor="b"/>
+                  <a:tcPr marL="6350" marR="6350" marT="6350" marB="0" anchor="b">
+                    <a:solidFill>
+                      <a:schemeClr val="accent1">
+                        <a:lumMod val="40000"/>
+                        <a:lumOff val="60000"/>
+                      </a:schemeClr>
+                    </a:solidFill>
+                  </a:tcPr>
                 </a:tc>
                 <a:tc>
                   <a:txBody>
@@ -4862,12 +4911,12 @@
                     <a:p>
                       <a:pPr algn="r" fontAlgn="b"/>
                       <a:r>
-                        <a:rPr lang="en-US" sz="1100" u="none" strike="noStrike">
+                        <a:rPr lang="en-US" sz="1100" u="none" strike="noStrike" dirty="0">
                           <a:effectLst/>
                         </a:rPr>
                         <a:t>259</a:t>
                       </a:r>
-                      <a:endParaRPr lang="en-US" sz="1100" b="0" i="0" u="none" strike="noStrike">
+                      <a:endParaRPr lang="en-US" sz="1100" b="0" i="0" u="none" strike="noStrike" dirty="0">
                         <a:solidFill>
                           <a:srgbClr val="000000"/>
                         </a:solidFill>
@@ -4876,11 +4925,18 @@
                       </a:endParaRPr>
                     </a:p>
                   </a:txBody>
-                  <a:tcPr marL="6350" marR="6350" marT="6350" marB="0" anchor="b"/>
+                  <a:tcPr marL="6350" marR="6350" marT="6350" marB="0" anchor="b">
+                    <a:solidFill>
+                      <a:schemeClr val="accent1">
+                        <a:lumMod val="40000"/>
+                        <a:lumOff val="60000"/>
+                      </a:schemeClr>
+                    </a:solidFill>
+                  </a:tcPr>
                 </a:tc>
                 <a:extLst>
                   <a:ext uri="{0D108BD9-81ED-4DB2-BD59-A6C34878D82A}">
-                    <a16:rowId xmlns:a16="http://schemas.microsoft.com/office/drawing/2014/main" xmlns="" val="3731108153"/>
+                    <a16:rowId xmlns:a16="http://schemas.microsoft.com/office/drawing/2014/main" val="3731108153"/>
                   </a:ext>
                 </a:extLst>
               </a:tr>
@@ -4933,7 +4989,7 @@
                 </a:tc>
                 <a:extLst>
                   <a:ext uri="{0D108BD9-81ED-4DB2-BD59-A6C34878D82A}">
-                    <a16:rowId xmlns:a16="http://schemas.microsoft.com/office/drawing/2014/main" xmlns="" val="452638788"/>
+                    <a16:rowId xmlns:a16="http://schemas.microsoft.com/office/drawing/2014/main" val="452638788"/>
                   </a:ext>
                 </a:extLst>
               </a:tr>
@@ -4976,7 +5032,7 @@
           <p:cNvPr id="2" name="Title 1">
             <a:extLst>
               <a:ext uri="{FF2B5EF4-FFF2-40B4-BE49-F238E27FC236}">
-                <a16:creationId xmlns:a16="http://schemas.microsoft.com/office/drawing/2014/main" xmlns="" id="{B678A683-798F-42EA-B43A-89EB3462EF45}"/>
+                <a16:creationId xmlns:a16="http://schemas.microsoft.com/office/drawing/2014/main" id="{B678A683-798F-42EA-B43A-89EB3462EF45}"/>
               </a:ext>
             </a:extLst>
           </p:cNvPr>
@@ -5020,7 +5076,7 @@
           <p:cNvPr id="3" name="Text Placeholder 2">
             <a:extLst>
               <a:ext uri="{FF2B5EF4-FFF2-40B4-BE49-F238E27FC236}">
-                <a16:creationId xmlns:a16="http://schemas.microsoft.com/office/drawing/2014/main" xmlns="" id="{8B281D6B-49B4-4844-BE3F-BEAB4D279AFB}"/>
+                <a16:creationId xmlns:a16="http://schemas.microsoft.com/office/drawing/2014/main" id="{8B281D6B-49B4-4844-BE3F-BEAB4D279AFB}"/>
               </a:ext>
             </a:extLst>
           </p:cNvPr>
@@ -5065,7 +5121,7 @@
           <p:cNvPr id="5" name="Text Placeholder 4">
             <a:extLst>
               <a:ext uri="{FF2B5EF4-FFF2-40B4-BE49-F238E27FC236}">
-                <a16:creationId xmlns:a16="http://schemas.microsoft.com/office/drawing/2014/main" xmlns="" id="{F16C53F2-C53D-4DCD-BB4C-BA65D4B784E2}"/>
+                <a16:creationId xmlns:a16="http://schemas.microsoft.com/office/drawing/2014/main" id="{F16C53F2-C53D-4DCD-BB4C-BA65D4B784E2}"/>
               </a:ext>
             </a:extLst>
           </p:cNvPr>
@@ -5110,7 +5166,7 @@
           <p:cNvPr id="8" name="Content Placeholder 5">
             <a:extLst>
               <a:ext uri="{FF2B5EF4-FFF2-40B4-BE49-F238E27FC236}">
-                <a16:creationId xmlns:a16="http://schemas.microsoft.com/office/drawing/2014/main" xmlns="" id="{ABA6BD62-2713-4BED-8588-5A5018EA8BA7}"/>
+                <a16:creationId xmlns:a16="http://schemas.microsoft.com/office/drawing/2014/main" id="{ABA6BD62-2713-4BED-8588-5A5018EA8BA7}"/>
               </a:ext>
             </a:extLst>
           </p:cNvPr>
@@ -5142,7 +5198,7 @@
           <p:cNvPr id="6" name="Content Placeholder 5">
             <a:extLst>
               <a:ext uri="{FF2B5EF4-FFF2-40B4-BE49-F238E27FC236}">
-                <a16:creationId xmlns:a16="http://schemas.microsoft.com/office/drawing/2014/main" xmlns="" id="{105D9244-2480-4081-A63A-05EE107068A0}"/>
+                <a16:creationId xmlns:a16="http://schemas.microsoft.com/office/drawing/2014/main" id="{105D9244-2480-4081-A63A-05EE107068A0}"/>
               </a:ext>
             </a:extLst>
           </p:cNvPr>
@@ -5167,7 +5223,7 @@
           <p:cNvPr id="10" name="Picture 9">
             <a:extLst>
               <a:ext uri="{FF2B5EF4-FFF2-40B4-BE49-F238E27FC236}">
-                <a16:creationId xmlns:a16="http://schemas.microsoft.com/office/drawing/2014/main" xmlns="" id="{274335FC-E5A9-467C-A907-5096E7D5A685}"/>
+                <a16:creationId xmlns:a16="http://schemas.microsoft.com/office/drawing/2014/main" id="{274335FC-E5A9-467C-A907-5096E7D5A685}"/>
               </a:ext>
             </a:extLst>
           </p:cNvPr>
@@ -5227,7 +5283,7 @@
           <p:cNvPr id="2" name="Title 1">
             <a:extLst>
               <a:ext uri="{FF2B5EF4-FFF2-40B4-BE49-F238E27FC236}">
-                <a16:creationId xmlns:a16="http://schemas.microsoft.com/office/drawing/2014/main" xmlns="" id="{1400270B-B8E8-43F5-873B-012CA55CB05F}"/>
+                <a16:creationId xmlns:a16="http://schemas.microsoft.com/office/drawing/2014/main" id="{1400270B-B8E8-43F5-873B-012CA55CB05F}"/>
               </a:ext>
             </a:extLst>
           </p:cNvPr>
@@ -5271,7 +5327,7 @@
           <p:cNvPr id="7" name="Picture 6">
             <a:extLst>
               <a:ext uri="{FF2B5EF4-FFF2-40B4-BE49-F238E27FC236}">
-                <a16:creationId xmlns:a16="http://schemas.microsoft.com/office/drawing/2014/main" xmlns="" id="{CE9A7683-F99B-4BB9-9D5B-35E7978E378E}"/>
+                <a16:creationId xmlns:a16="http://schemas.microsoft.com/office/drawing/2014/main" id="{CE9A7683-F99B-4BB9-9D5B-35E7978E378E}"/>
               </a:ext>
             </a:extLst>
           </p:cNvPr>
@@ -5301,7 +5357,7 @@
           <p:cNvPr id="8" name="Picture 7">
             <a:extLst>
               <a:ext uri="{FF2B5EF4-FFF2-40B4-BE49-F238E27FC236}">
-                <a16:creationId xmlns:a16="http://schemas.microsoft.com/office/drawing/2014/main" xmlns="" id="{AF727EA7-E212-44DB-9F3D-B2D87E3B9E1C}"/>
+                <a16:creationId xmlns:a16="http://schemas.microsoft.com/office/drawing/2014/main" id="{AF727EA7-E212-44DB-9F3D-B2D87E3B9E1C}"/>
               </a:ext>
             </a:extLst>
           </p:cNvPr>
@@ -5361,7 +5417,7 @@
           <p:cNvPr id="2" name="Title 1">
             <a:extLst>
               <a:ext uri="{FF2B5EF4-FFF2-40B4-BE49-F238E27FC236}">
-                <a16:creationId xmlns:a16="http://schemas.microsoft.com/office/drawing/2014/main" xmlns="" id="{0079591C-C7CF-465A-8B80-4916BF201AB3}"/>
+                <a16:creationId xmlns:a16="http://schemas.microsoft.com/office/drawing/2014/main" id="{7B51F062-CF29-4915-80C0-EEF4A7510BA8}"/>
               </a:ext>
             </a:extLst>
           </p:cNvPr>
@@ -5375,7 +5431,7 @@
         <p:spPr>
           <a:xfrm>
             <a:off x="838200" y="365126"/>
-            <a:ext cx="10515600" cy="509518"/>
+            <a:ext cx="10515600" cy="409574"/>
           </a:xfrm>
           <a:solidFill>
             <a:schemeClr val="bg1">
@@ -5385,7 +5441,7 @@
         </p:spPr>
         <p:txBody>
           <a:bodyPr>
-            <a:normAutofit/>
+            <a:noAutofit/>
           </a:bodyPr>
           <a:lstStyle/>
           <a:p>
@@ -5395,8 +5451,21 @@
                   <a:srgbClr val="0070C0"/>
                 </a:solidFill>
               </a:rPr>
-              <a:t>Normalizing data</a:t>
-            </a:r>
+              <a:t>Pre-</a:t>
+            </a:r>
+            <a:r>
+              <a:rPr lang="en-US" sz="2800" b="1" dirty="0" err="1">
+                <a:solidFill>
+                  <a:srgbClr val="0070C0"/>
+                </a:solidFill>
+              </a:rPr>
+              <a:t>preocessing</a:t>
+            </a:r>
+            <a:endParaRPr lang="en-US" sz="2800" b="1" dirty="0">
+              <a:solidFill>
+                <a:srgbClr val="0070C0"/>
+              </a:solidFill>
+            </a:endParaRPr>
           </a:p>
         </p:txBody>
       </p:sp>
@@ -5405,7 +5474,7 @@
           <p:cNvPr id="3" name="Content Placeholder 2">
             <a:extLst>
               <a:ext uri="{FF2B5EF4-FFF2-40B4-BE49-F238E27FC236}">
-                <a16:creationId xmlns:a16="http://schemas.microsoft.com/office/drawing/2014/main" xmlns="" id="{17EB445F-F04E-451B-ABD1-6479155518B6}"/>
+                <a16:creationId xmlns:a16="http://schemas.microsoft.com/office/drawing/2014/main" id="{94FED405-86D0-4C5D-BBED-578838102074}"/>
               </a:ext>
             </a:extLst>
           </p:cNvPr>
@@ -5413,57 +5482,43 @@
             <a:spLocks noGrp="1"/>
           </p:cNvSpPr>
           <p:nvPr>
-            <p:ph sz="half" idx="1"/>
+            <p:ph idx="1"/>
           </p:nvPr>
         </p:nvSpPr>
         <p:spPr>
           <a:xfrm>
-            <a:off x="838201" y="1253331"/>
-            <a:ext cx="5181600" cy="4351338"/>
+            <a:off x="838200" y="1272209"/>
+            <a:ext cx="10515600" cy="4904754"/>
           </a:xfrm>
         </p:spPr>
         <p:txBody>
           <a:bodyPr/>
           <a:lstStyle/>
           <a:p>
-            <a:endParaRPr lang="en-US" dirty="0"/>
-          </a:p>
-        </p:txBody>
-      </p:sp>
-      <p:sp>
-        <p:nvSpPr>
-          <p:cNvPr id="4" name="Content Placeholder 3">
-            <a:extLst>
-              <a:ext uri="{FF2B5EF4-FFF2-40B4-BE49-F238E27FC236}">
-                <a16:creationId xmlns:a16="http://schemas.microsoft.com/office/drawing/2014/main" xmlns="" id="{1F42EE73-685A-4DD2-9931-1D1B821AF3BD}"/>
-              </a:ext>
-            </a:extLst>
-          </p:cNvPr>
-          <p:cNvSpPr>
-            <a:spLocks noGrp="1"/>
-          </p:cNvSpPr>
-          <p:nvPr>
-            <p:ph sz="half" idx="2"/>
-          </p:nvPr>
-        </p:nvSpPr>
-        <p:spPr>
-          <a:xfrm>
-            <a:off x="6172201" y="1263408"/>
-            <a:ext cx="5181600" cy="4351338"/>
-          </a:xfrm>
-        </p:spPr>
-        <p:txBody>
-          <a:bodyPr/>
-          <a:lstStyle/>
-          <a:p>
-            <a:endParaRPr lang="en-US"/>
+            <a:r>
+              <a:rPr lang="en-US" sz="2000" dirty="0"/>
+              <a:t>Skewness</a:t>
+            </a:r>
+          </a:p>
+          <a:p>
+            <a:r>
+              <a:rPr lang="en-US" sz="2000" dirty="0" err="1"/>
+              <a:t>Anova</a:t>
+            </a:r>
+            <a:endParaRPr lang="en-US" sz="2000" dirty="0"/>
+          </a:p>
+          <a:p>
+            <a:r>
+              <a:rPr lang="en-US" sz="2000" dirty="0"/>
+              <a:t>Chi-Square</a:t>
+            </a:r>
           </a:p>
         </p:txBody>
       </p:sp>
     </p:spTree>
     <p:extLst>
       <p:ext uri="{BB962C8B-B14F-4D97-AF65-F5344CB8AC3E}">
-        <p14:creationId xmlns:p14="http://schemas.microsoft.com/office/powerpoint/2010/main" val="883383090"/>
+        <p14:creationId xmlns:p14="http://schemas.microsoft.com/office/powerpoint/2010/main" val="2640315178"/>
       </p:ext>
     </p:extLst>
   </p:cSld>
@@ -5495,7 +5550,7 @@
           <p:cNvPr id="2" name="Title 1">
             <a:extLst>
               <a:ext uri="{FF2B5EF4-FFF2-40B4-BE49-F238E27FC236}">
-                <a16:creationId xmlns:a16="http://schemas.microsoft.com/office/drawing/2014/main" xmlns="" id="{5F5F52D5-F627-47E7-8DA6-4AEC5AEF2181}"/>
+                <a16:creationId xmlns:a16="http://schemas.microsoft.com/office/drawing/2014/main" id="{5F5F52D5-F627-47E7-8DA6-4AEC5AEF2181}"/>
               </a:ext>
             </a:extLst>
           </p:cNvPr>
@@ -5511,6 +5566,11 @@
             <a:off x="838200" y="365125"/>
             <a:ext cx="10515600" cy="657225"/>
           </a:xfrm>
+          <a:solidFill>
+            <a:schemeClr val="bg1">
+              <a:lumMod val="95000"/>
+            </a:schemeClr>
+          </a:solidFill>
         </p:spPr>
         <p:txBody>
           <a:bodyPr>
@@ -5534,7 +5594,7 @@
           <p:cNvPr id="3" name="Content Placeholder 2">
             <a:extLst>
               <a:ext uri="{FF2B5EF4-FFF2-40B4-BE49-F238E27FC236}">
-                <a16:creationId xmlns:a16="http://schemas.microsoft.com/office/drawing/2014/main" xmlns="" id="{9A167EDC-842F-4B0A-AC6A-351F61630CAB}"/>
+                <a16:creationId xmlns:a16="http://schemas.microsoft.com/office/drawing/2014/main" id="{9A167EDC-842F-4B0A-AC6A-351F61630CAB}"/>
               </a:ext>
             </a:extLst>
           </p:cNvPr>
@@ -5552,65 +5612,64 @@
           </a:xfrm>
         </p:spPr>
         <p:txBody>
-          <a:bodyPr/>
+          <a:bodyPr>
+            <a:normAutofit/>
+          </a:bodyPr>
           <a:lstStyle/>
           <a:p>
             <a:r>
-              <a:rPr lang="en-US" dirty="0"/>
+              <a:rPr lang="en-US" sz="1800" dirty="0" err="1"/>
+              <a:t>SalePrice</a:t>
+            </a:r>
+            <a:r>
+              <a:rPr lang="en-US" sz="1800" dirty="0"/>
+              <a:t> transformation</a:t>
+            </a:r>
+          </a:p>
+          <a:p>
+            <a:r>
+              <a:rPr lang="en-US" sz="1800" dirty="0"/>
+              <a:t>New features</a:t>
+            </a:r>
+          </a:p>
+          <a:p>
+            <a:pPr lvl="1"/>
+            <a:r>
+              <a:rPr lang="en-US" sz="1800" dirty="0"/>
+              <a:t>IsRemodeled</a:t>
+            </a:r>
+          </a:p>
+          <a:p>
+            <a:pPr lvl="1"/>
+            <a:r>
+              <a:rPr lang="en-US" sz="1800" dirty="0"/>
+              <a:t>QtrSold</a:t>
+            </a:r>
+          </a:p>
+          <a:p>
+            <a:pPr lvl="1"/>
+            <a:r>
+              <a:rPr lang="en-US" sz="1800" dirty="0"/>
+              <a:t>TotalSF</a:t>
+            </a:r>
+          </a:p>
+          <a:p>
+            <a:r>
+              <a:rPr lang="en-US" sz="1800" dirty="0"/>
               <a:t>Abnormal sale condition</a:t>
             </a:r>
           </a:p>
           <a:p>
             <a:r>
-              <a:rPr lang="en-US" dirty="0"/>
-              <a:t>SalePrice normalization</a:t>
-            </a:r>
-          </a:p>
-          <a:p>
-            <a:r>
-              <a:rPr lang="en-US" dirty="0"/>
-              <a:t>New features</a:t>
+              <a:rPr lang="en-US" sz="1800" dirty="0"/>
+              <a:t>Data correction</a:t>
             </a:r>
           </a:p>
           <a:p>
             <a:pPr lvl="1"/>
             <a:r>
-              <a:rPr lang="en-US" dirty="0" err="1"/>
-              <a:t>IsRemodeled</a:t>
-            </a:r>
-            <a:endParaRPr lang="en-US" dirty="0"/>
-          </a:p>
-          <a:p>
-            <a:pPr lvl="1"/>
-            <a:r>
-              <a:rPr lang="en-US" dirty="0" err="1"/>
-              <a:t>QtrSold</a:t>
-            </a:r>
-            <a:endParaRPr lang="en-US" dirty="0"/>
-          </a:p>
-          <a:p>
-            <a:pPr lvl="1"/>
-            <a:r>
-              <a:rPr lang="en-US" dirty="0" err="1"/>
-              <a:t>TotalSF</a:t>
-            </a:r>
-            <a:endParaRPr lang="en-US" dirty="0"/>
-          </a:p>
-          <a:p>
-            <a:r>
-              <a:rPr lang="en-US" dirty="0"/>
-              <a:t>Data correction</a:t>
-            </a:r>
-          </a:p>
-          <a:p>
-            <a:pPr lvl="1"/>
-            <a:r>
-              <a:rPr lang="en-US" dirty="0" err="1"/>
-              <a:t>GarageYrBlt</a:t>
-            </a:r>
-            <a:r>
-              <a:rPr lang="en-US" dirty="0"/>
-              <a:t>  in Test Data</a:t>
+              <a:rPr lang="en-US" sz="1800" dirty="0"/>
+              <a:t>GarageYrBlt  in Test Data</a:t>
             </a:r>
           </a:p>
         </p:txBody>
@@ -5661,7 +5720,7 @@
           <p:cNvPr id="7" name="Group 6" title="intersecting circles">
             <a:extLst>
               <a:ext uri="{FF2B5EF4-FFF2-40B4-BE49-F238E27FC236}">
-                <a16:creationId xmlns:a16="http://schemas.microsoft.com/office/drawing/2014/main" xmlns="" id="{D2C4BFA1-2075-4901-9E24-E41D1FDD51FD}"/>
+                <a16:creationId xmlns:a16="http://schemas.microsoft.com/office/drawing/2014/main" id="{D2C4BFA1-2075-4901-9E24-E41D1FDD51FD}"/>
               </a:ext>
             </a:extLst>
           </p:cNvPr>
@@ -5671,7 +5730,7 @@
           <p:nvPr>
             <p:extLst>
               <p:ext uri="{386F3935-93C4-4BCD-93E2-E3B085C9AB24}">
-                <p16:designElem xmlns:p16="http://schemas.microsoft.com/office/powerpoint/2015/main" xmlns="" val="1"/>
+                <p16:designElem xmlns:p16="http://schemas.microsoft.com/office/powerpoint/2015/main" val="1"/>
               </p:ext>
             </p:extLst>
           </p:nvPr>
@@ -5689,7 +5748,7 @@
             <p:cNvPr id="8" name="Oval 5">
               <a:extLst>
                 <a:ext uri="{FF2B5EF4-FFF2-40B4-BE49-F238E27FC236}">
-                  <a16:creationId xmlns:a16="http://schemas.microsoft.com/office/drawing/2014/main" xmlns="" id="{985A7375-E3AF-4F5C-85AE-17E8832952CA}"/>
+                  <a16:creationId xmlns:a16="http://schemas.microsoft.com/office/drawing/2014/main" id="{985A7375-E3AF-4F5C-85AE-17E8832952CA}"/>
                 </a:ext>
               </a:extLst>
             </p:cNvPr>
@@ -5699,7 +5758,7 @@
             <p:nvPr>
               <p:extLst>
                 <p:ext uri="{386F3935-93C4-4BCD-93E2-E3B085C9AB24}">
-                  <p16:designElem xmlns:p16="http://schemas.microsoft.com/office/powerpoint/2015/main" xmlns="" val="1"/>
+                  <p16:designElem xmlns:p16="http://schemas.microsoft.com/office/powerpoint/2015/main" val="1"/>
                 </p:ext>
               </p:extLst>
             </p:nvPr>
@@ -5727,7 +5786,7 @@
             <p:cNvPr id="9" name="Oval 8">
               <a:extLst>
                 <a:ext uri="{FF2B5EF4-FFF2-40B4-BE49-F238E27FC236}">
-                  <a16:creationId xmlns:a16="http://schemas.microsoft.com/office/drawing/2014/main" xmlns="" id="{F0307F65-8304-4FA8-A841-D4D7625411BE}"/>
+                  <a16:creationId xmlns:a16="http://schemas.microsoft.com/office/drawing/2014/main" id="{F0307F65-8304-4FA8-A841-D4D7625411BE}"/>
                 </a:ext>
               </a:extLst>
             </p:cNvPr>
@@ -5737,7 +5796,7 @@
             <p:nvPr>
               <p:extLst>
                 <p:ext uri="{386F3935-93C4-4BCD-93E2-E3B085C9AB24}">
-                  <p16:designElem xmlns:p16="http://schemas.microsoft.com/office/powerpoint/2015/main" xmlns="" val="1"/>
+                  <p16:designElem xmlns:p16="http://schemas.microsoft.com/office/powerpoint/2015/main" val="1"/>
                 </p:ext>
               </p:extLst>
             </p:nvPr>
@@ -5765,7 +5824,7 @@
             <p:cNvPr id="10" name="Oval 5">
               <a:extLst>
                 <a:ext uri="{FF2B5EF4-FFF2-40B4-BE49-F238E27FC236}">
-                  <a16:creationId xmlns:a16="http://schemas.microsoft.com/office/drawing/2014/main" xmlns="" id="{C8B8394C-136F-4E05-A002-D93A5E79CD50}"/>
+                  <a16:creationId xmlns:a16="http://schemas.microsoft.com/office/drawing/2014/main" id="{C8B8394C-136F-4E05-A002-D93A5E79CD50}"/>
                 </a:ext>
               </a:extLst>
             </p:cNvPr>
@@ -5775,7 +5834,7 @@
             <p:nvPr>
               <p:extLst>
                 <p:ext uri="{386F3935-93C4-4BCD-93E2-E3B085C9AB24}">
-                  <p16:designElem xmlns:p16="http://schemas.microsoft.com/office/powerpoint/2015/main" xmlns="" val="1"/>
+                  <p16:designElem xmlns:p16="http://schemas.microsoft.com/office/powerpoint/2015/main" val="1"/>
                 </p:ext>
               </p:extLst>
             </p:nvPr>
@@ -5804,7 +5863,7 @@
           <p:cNvPr id="12" name="Rectangle 11" title="ribbon">
             <a:extLst>
               <a:ext uri="{FF2B5EF4-FFF2-40B4-BE49-F238E27FC236}">
-                <a16:creationId xmlns:a16="http://schemas.microsoft.com/office/drawing/2014/main" xmlns="" id="{053FB2EE-284F-4C87-AB3D-BBF87A9FAB97}"/>
+                <a16:creationId xmlns:a16="http://schemas.microsoft.com/office/drawing/2014/main" id="{053FB2EE-284F-4C87-AB3D-BBF87A9FAB97}"/>
               </a:ext>
             </a:extLst>
           </p:cNvPr>
@@ -5814,7 +5873,7 @@
           <p:nvPr>
             <p:extLst>
               <p:ext uri="{386F3935-93C4-4BCD-93E2-E3B085C9AB24}">
-                <p16:designElem xmlns:p16="http://schemas.microsoft.com/office/powerpoint/2015/main" xmlns="" val="1"/>
+                <p16:designElem xmlns:p16="http://schemas.microsoft.com/office/powerpoint/2015/main" val="1"/>
               </p:ext>
             </p:extLst>
           </p:nvPr>
@@ -5856,7 +5915,7 @@
           <p:cNvPr id="2" name="Title 1">
             <a:extLst>
               <a:ext uri="{FF2B5EF4-FFF2-40B4-BE49-F238E27FC236}">
-                <a16:creationId xmlns:a16="http://schemas.microsoft.com/office/drawing/2014/main" xmlns="" id="{D73EACD4-11B0-4C61-B08E-80EA74CE041B}"/>
+                <a16:creationId xmlns:a16="http://schemas.microsoft.com/office/drawing/2014/main" id="{D73EACD4-11B0-4C61-B08E-80EA74CE041B}"/>
               </a:ext>
             </a:extLst>
           </p:cNvPr>
@@ -5929,7 +5988,7 @@
           <p:cNvPr id="2" name="Title 1">
             <a:extLst>
               <a:ext uri="{FF2B5EF4-FFF2-40B4-BE49-F238E27FC236}">
-                <a16:creationId xmlns:a16="http://schemas.microsoft.com/office/drawing/2014/main" xmlns="" id="{2857359D-8E42-4E82-8425-9D60AB480CEB}"/>
+                <a16:creationId xmlns:a16="http://schemas.microsoft.com/office/drawing/2014/main" id="{2857359D-8E42-4E82-8425-9D60AB480CEB}"/>
               </a:ext>
             </a:extLst>
           </p:cNvPr>
@@ -5968,7 +6027,7 @@
           <p:cNvPr id="5" name="Content Placeholder 4" descr="A picture containing text, map&#10;&#10;Description generated with very high confidence">
             <a:extLst>
               <a:ext uri="{FF2B5EF4-FFF2-40B4-BE49-F238E27FC236}">
-                <a16:creationId xmlns:a16="http://schemas.microsoft.com/office/drawing/2014/main" xmlns="" id="{3F79C98B-27F5-4E14-88F3-CB814C72F9F9}"/>
+                <a16:creationId xmlns:a16="http://schemas.microsoft.com/office/drawing/2014/main" id="{3F79C98B-27F5-4E14-88F3-CB814C72F9F9}"/>
               </a:ext>
             </a:extLst>
           </p:cNvPr>
@@ -6033,7 +6092,7 @@
           <p:cNvPr id="2" name="Title 1">
             <a:extLst>
               <a:ext uri="{FF2B5EF4-FFF2-40B4-BE49-F238E27FC236}">
-                <a16:creationId xmlns:a16="http://schemas.microsoft.com/office/drawing/2014/main" xmlns="" id="{81143400-17C2-46C3-B542-3A5E93B82BAF}"/>
+                <a16:creationId xmlns:a16="http://schemas.microsoft.com/office/drawing/2014/main" id="{031A250B-903B-4C2F-BBB0-E0E0E9895EAE}"/>
               </a:ext>
             </a:extLst>
           </p:cNvPr>
@@ -6046,72 +6105,148 @@
         </p:nvSpPr>
         <p:spPr>
           <a:xfrm>
-            <a:off x="838200" y="365125"/>
-            <a:ext cx="10515600" cy="721553"/>
+            <a:off x="351184" y="365125"/>
+            <a:ext cx="11151704" cy="555901"/>
           </a:xfrm>
+          <a:solidFill>
+            <a:schemeClr val="bg1">
+              <a:lumMod val="95000"/>
+            </a:schemeClr>
+          </a:solidFill>
         </p:spPr>
         <p:txBody>
-          <a:bodyPr/>
+          <a:bodyPr>
+            <a:normAutofit/>
+          </a:bodyPr>
           <a:lstStyle/>
           <a:p>
-            <a:endParaRPr lang="en-US"/>
+            <a:r>
+              <a:rPr lang="en-US" sz="2800" b="1" dirty="0">
+                <a:solidFill>
+                  <a:srgbClr val="0070C0"/>
+                </a:solidFill>
+              </a:rPr>
+              <a:t>PCA – Components</a:t>
+            </a:r>
           </a:p>
         </p:txBody>
       </p:sp>
+      <p:pic>
+        <p:nvPicPr>
+          <p:cNvPr id="4" name="Content Placeholder 3">
+            <a:extLst>
+              <a:ext uri="{FF2B5EF4-FFF2-40B4-BE49-F238E27FC236}">
+                <a16:creationId xmlns:a16="http://schemas.microsoft.com/office/drawing/2014/main" id="{1A2CE107-84F2-49D3-8FEA-2C66BF7024A5}"/>
+              </a:ext>
+            </a:extLst>
+          </p:cNvPr>
+          <p:cNvPicPr>
+            <a:picLocks noGrp="1" noChangeAspect="1"/>
+          </p:cNvPicPr>
+          <p:nvPr>
+            <p:ph idx="1"/>
+          </p:nvPr>
+        </p:nvPicPr>
+        <p:blipFill>
+          <a:blip r:embed="rId2"/>
+          <a:stretch>
+            <a:fillRect/>
+          </a:stretch>
+        </p:blipFill>
+        <p:spPr>
+          <a:xfrm>
+            <a:off x="838200" y="921026"/>
+            <a:ext cx="5337313" cy="4965518"/>
+          </a:xfrm>
+          <a:prstGeom prst="rect">
+            <a:avLst/>
+          </a:prstGeom>
+        </p:spPr>
+      </p:pic>
       <p:sp>
         <p:nvSpPr>
-          <p:cNvPr id="3" name="Content Placeholder 2">
+          <p:cNvPr id="15" name="TextBox 14">
             <a:extLst>
               <a:ext uri="{FF2B5EF4-FFF2-40B4-BE49-F238E27FC236}">
-                <a16:creationId xmlns:a16="http://schemas.microsoft.com/office/drawing/2014/main" xmlns="" id="{86B482C9-595C-4996-BC26-73FABEB73EBA}"/>
+                <a16:creationId xmlns:a16="http://schemas.microsoft.com/office/drawing/2014/main" id="{32761442-04F3-4CB3-BA2C-C8547148D556}"/>
               </a:ext>
             </a:extLst>
           </p:cNvPr>
-          <p:cNvSpPr>
-            <a:spLocks noGrp="1"/>
-          </p:cNvSpPr>
-          <p:nvPr>
-            <p:ph sz="half" idx="1"/>
-          </p:nvPr>
+          <p:cNvSpPr txBox="1"/>
+          <p:nvPr/>
         </p:nvSpPr>
-        <p:spPr/>
+        <p:spPr>
+          <a:xfrm>
+            <a:off x="1451112" y="6001997"/>
+            <a:ext cx="3988905" cy="523220"/>
+          </a:xfrm>
+          <a:prstGeom prst="rect">
+            <a:avLst/>
+          </a:prstGeom>
+          <a:noFill/>
+          <a:ln>
+            <a:solidFill>
+              <a:schemeClr val="tx2"/>
+            </a:solidFill>
+          </a:ln>
+        </p:spPr>
         <p:txBody>
-          <a:bodyPr/>
+          <a:bodyPr wrap="square" rtlCol="0">
+            <a:spAutoFit/>
+          </a:bodyPr>
           <a:lstStyle/>
           <a:p>
-            <a:endParaRPr lang="en-US" dirty="0"/>
+            <a:r>
+              <a:rPr lang="pt-BR" sz="1400" dirty="0">
+                <a:highlight>
+                  <a:srgbClr val="FFF2CC"/>
+                </a:highlight>
+              </a:rPr>
+              <a:t> sp$finalModel$xNames</a:t>
+            </a:r>
+          </a:p>
+          <a:p>
+            <a:r>
+              <a:rPr lang="pt-BR" sz="1400" dirty="0"/>
+              <a:t>[1] "PC1" "PC2" "PC3"</a:t>
+            </a:r>
+            <a:endParaRPr lang="en-US" sz="1400" dirty="0"/>
           </a:p>
         </p:txBody>
       </p:sp>
-      <p:sp>
-        <p:nvSpPr>
-          <p:cNvPr id="4" name="Content Placeholder 3">
+      <p:pic>
+        <p:nvPicPr>
+          <p:cNvPr id="6" name="Picture 5">
             <a:extLst>
               <a:ext uri="{FF2B5EF4-FFF2-40B4-BE49-F238E27FC236}">
-                <a16:creationId xmlns:a16="http://schemas.microsoft.com/office/drawing/2014/main" xmlns="" id="{1FB9EF3B-5739-449C-8F2F-689564A71AA6}"/>
+                <a16:creationId xmlns:a16="http://schemas.microsoft.com/office/drawing/2014/main" id="{630FABA8-E3EA-433B-B06B-D1AEEC2D1AE9}"/>
               </a:ext>
             </a:extLst>
           </p:cNvPr>
-          <p:cNvSpPr>
-            <a:spLocks noGrp="1"/>
-          </p:cNvSpPr>
-          <p:nvPr>
-            <p:ph sz="half" idx="2"/>
-          </p:nvPr>
-        </p:nvSpPr>
-        <p:spPr/>
-        <p:txBody>
-          <a:bodyPr/>
-          <a:lstStyle/>
-          <a:p>
-            <a:endParaRPr lang="en-US" dirty="0"/>
-          </a:p>
-        </p:txBody>
-      </p:sp>
+          <p:cNvPicPr>
+            <a:picLocks noChangeAspect="1"/>
+          </p:cNvPicPr>
+          <p:nvPr/>
+        </p:nvPicPr>
+        <p:blipFill rotWithShape="1">
+          <a:blip r:embed="rId3"/>
+          <a:srcRect l="23578" t="18908" r="36808" b="5637"/>
+          <a:stretch/>
+        </p:blipFill>
+        <p:spPr>
+          <a:xfrm>
+            <a:off x="6520070" y="921026"/>
+            <a:ext cx="4075044" cy="5571848"/>
+          </a:xfrm>
+          <a:prstGeom prst="rect">
+            <a:avLst/>
+          </a:prstGeom>
+        </p:spPr>
+      </p:pic>
     </p:spTree>
     <p:extLst>
       <p:ext uri="{BB962C8B-B14F-4D97-AF65-F5344CB8AC3E}">
-        <p14:creationId xmlns:p14="http://schemas.microsoft.com/office/powerpoint/2010/main" val="3987558710"/>
+        <p14:creationId xmlns:p14="http://schemas.microsoft.com/office/powerpoint/2010/main" val="2190404837"/>
       </p:ext>
     </p:extLst>
   </p:cSld>
@@ -6143,7 +6278,7 @@
           <p:cNvPr id="2" name="Title 1">
             <a:extLst>
               <a:ext uri="{FF2B5EF4-FFF2-40B4-BE49-F238E27FC236}">
-                <a16:creationId xmlns:a16="http://schemas.microsoft.com/office/drawing/2014/main" xmlns="" id="{78C2549D-3C9C-4E70-97DB-F3E7F6878DD1}"/>
+                <a16:creationId xmlns:a16="http://schemas.microsoft.com/office/drawing/2014/main" id="{78C2549D-3C9C-4E70-97DB-F3E7F6878DD1}"/>
               </a:ext>
             </a:extLst>
           </p:cNvPr>
@@ -6159,6 +6294,11 @@
             <a:off x="393700" y="365125"/>
             <a:ext cx="10960100" cy="631825"/>
           </a:xfrm>
+          <a:solidFill>
+            <a:schemeClr val="bg1">
+              <a:lumMod val="95000"/>
+            </a:schemeClr>
+          </a:solidFill>
         </p:spPr>
         <p:txBody>
           <a:bodyPr>
@@ -6182,7 +6322,7 @@
           <p:cNvPr id="3" name="Content Placeholder 2">
             <a:extLst>
               <a:ext uri="{FF2B5EF4-FFF2-40B4-BE49-F238E27FC236}">
-                <a16:creationId xmlns:a16="http://schemas.microsoft.com/office/drawing/2014/main" xmlns="" id="{9AD5DA06-32C0-4BB6-B574-482ECFA38830}"/>
+                <a16:creationId xmlns:a16="http://schemas.microsoft.com/office/drawing/2014/main" id="{9AD5DA06-32C0-4BB6-B574-482ECFA38830}"/>
               </a:ext>
             </a:extLst>
           </p:cNvPr>
@@ -6298,184 +6438,7 @@
           <p:cNvPr id="2" name="Title 1">
             <a:extLst>
               <a:ext uri="{FF2B5EF4-FFF2-40B4-BE49-F238E27FC236}">
-                <a16:creationId xmlns:a16="http://schemas.microsoft.com/office/drawing/2014/main" xmlns="" id="{031A250B-903B-4C2F-BBB0-E0E0E9895EAE}"/>
-              </a:ext>
-            </a:extLst>
-          </p:cNvPr>
-          <p:cNvSpPr>
-            <a:spLocks noGrp="1"/>
-          </p:cNvSpPr>
-          <p:nvPr>
-            <p:ph type="title"/>
-          </p:nvPr>
-        </p:nvSpPr>
-        <p:spPr>
-          <a:xfrm>
-            <a:off x="838200" y="365125"/>
-            <a:ext cx="10515600" cy="555901"/>
-          </a:xfrm>
-        </p:spPr>
-        <p:txBody>
-          <a:bodyPr>
-            <a:normAutofit/>
-          </a:bodyPr>
-          <a:lstStyle/>
-          <a:p>
-            <a:r>
-              <a:rPr lang="en-US" sz="2800" b="1" dirty="0">
-                <a:solidFill>
-                  <a:srgbClr val="0070C0"/>
-                </a:solidFill>
-              </a:rPr>
-              <a:t>PCA – Component Analysis</a:t>
-            </a:r>
-          </a:p>
-        </p:txBody>
-      </p:sp>
-      <p:pic>
-        <p:nvPicPr>
-          <p:cNvPr id="4" name="Content Placeholder 3">
-            <a:extLst>
-              <a:ext uri="{FF2B5EF4-FFF2-40B4-BE49-F238E27FC236}">
-                <a16:creationId xmlns:a16="http://schemas.microsoft.com/office/drawing/2014/main" xmlns="" id="{1A2CE107-84F2-49D3-8FEA-2C66BF7024A5}"/>
-              </a:ext>
-            </a:extLst>
-          </p:cNvPr>
-          <p:cNvPicPr>
-            <a:picLocks noGrp="1" noChangeAspect="1"/>
-          </p:cNvPicPr>
-          <p:nvPr>
-            <p:ph idx="1"/>
-          </p:nvPr>
-        </p:nvPicPr>
-        <p:blipFill>
-          <a:blip r:embed="rId2"/>
-          <a:stretch>
-            <a:fillRect/>
-          </a:stretch>
-        </p:blipFill>
-        <p:spPr>
-          <a:xfrm>
-            <a:off x="838200" y="742121"/>
-            <a:ext cx="5653711" cy="5259876"/>
-          </a:xfrm>
-          <a:prstGeom prst="rect">
-            <a:avLst/>
-          </a:prstGeom>
-        </p:spPr>
-      </p:pic>
-      <p:pic>
-        <p:nvPicPr>
-          <p:cNvPr id="6" name="Picture 5">
-            <a:extLst>
-              <a:ext uri="{FF2B5EF4-FFF2-40B4-BE49-F238E27FC236}">
-                <a16:creationId xmlns:a16="http://schemas.microsoft.com/office/drawing/2014/main" xmlns="" id="{630FABA8-E3EA-433B-B06B-D1AEEC2D1AE9}"/>
-              </a:ext>
-            </a:extLst>
-          </p:cNvPr>
-          <p:cNvPicPr>
-            <a:picLocks noChangeAspect="1"/>
-          </p:cNvPicPr>
-          <p:nvPr/>
-        </p:nvPicPr>
-        <p:blipFill rotWithShape="1">
-          <a:blip r:embed="rId3"/>
-          <a:srcRect l="23977" t="14106" r="36409" b="5324"/>
-          <a:stretch/>
-        </p:blipFill>
-        <p:spPr>
-          <a:xfrm>
-            <a:off x="7177351" y="496958"/>
-            <a:ext cx="4075044" cy="5949536"/>
-          </a:xfrm>
-          <a:prstGeom prst="rect">
-            <a:avLst/>
-          </a:prstGeom>
-        </p:spPr>
-      </p:pic>
-      <p:sp>
-        <p:nvSpPr>
-          <p:cNvPr id="15" name="TextBox 14">
-            <a:extLst>
-              <a:ext uri="{FF2B5EF4-FFF2-40B4-BE49-F238E27FC236}">
-                <a16:creationId xmlns:a16="http://schemas.microsoft.com/office/drawing/2014/main" xmlns="" id="{32761442-04F3-4CB3-BA2C-C8547148D556}"/>
-              </a:ext>
-            </a:extLst>
-          </p:cNvPr>
-          <p:cNvSpPr txBox="1"/>
-          <p:nvPr/>
-        </p:nvSpPr>
-        <p:spPr>
-          <a:xfrm>
-            <a:off x="1451112" y="6001997"/>
-            <a:ext cx="3988905" cy="523220"/>
-          </a:xfrm>
-          <a:prstGeom prst="rect">
-            <a:avLst/>
-          </a:prstGeom>
-          <a:noFill/>
-          <a:ln>
-            <a:solidFill>
-              <a:schemeClr val="tx2"/>
-            </a:solidFill>
-          </a:ln>
-        </p:spPr>
-        <p:txBody>
-          <a:bodyPr wrap="square" rtlCol="0">
-            <a:spAutoFit/>
-          </a:bodyPr>
-          <a:lstStyle/>
-          <a:p>
-            <a:r>
-              <a:rPr lang="pt-BR" sz="1400" dirty="0"/>
-              <a:t> sp$finalModel$xNames</a:t>
-            </a:r>
-          </a:p>
-          <a:p>
-            <a:r>
-              <a:rPr lang="pt-BR" sz="1400" dirty="0"/>
-              <a:t>[1] "PC1" "PC2" "PC3"</a:t>
-            </a:r>
-            <a:endParaRPr lang="en-US" sz="1400" dirty="0"/>
-          </a:p>
-        </p:txBody>
-      </p:sp>
-    </p:spTree>
-    <p:extLst>
-      <p:ext uri="{BB962C8B-B14F-4D97-AF65-F5344CB8AC3E}">
-        <p14:creationId xmlns:p14="http://schemas.microsoft.com/office/powerpoint/2010/main" val="2190404837"/>
-      </p:ext>
-    </p:extLst>
-  </p:cSld>
-  <p:clrMapOvr>
-    <a:masterClrMapping/>
-  </p:clrMapOvr>
-</p:sld>
-</file>
-
-<file path=ppt/slides/slide21.xml><?xml version="1.0" encoding="utf-8"?>
-<p:sld xmlns:a="http://schemas.openxmlformats.org/drawingml/2006/main" xmlns:r="http://schemas.openxmlformats.org/officeDocument/2006/relationships" xmlns:p="http://schemas.openxmlformats.org/presentationml/2006/main">
-  <p:cSld>
-    <p:spTree>
-      <p:nvGrpSpPr>
-        <p:cNvPr id="1" name=""/>
-        <p:cNvGrpSpPr/>
-        <p:nvPr/>
-      </p:nvGrpSpPr>
-      <p:grpSpPr>
-        <a:xfrm>
-          <a:off x="0" y="0"/>
-          <a:ext cx="0" cy="0"/>
-          <a:chOff x="0" y="0"/>
-          <a:chExt cx="0" cy="0"/>
-        </a:xfrm>
-      </p:grpSpPr>
-      <p:sp>
-        <p:nvSpPr>
-          <p:cNvPr id="2" name="Title 1">
-            <a:extLst>
-              <a:ext uri="{FF2B5EF4-FFF2-40B4-BE49-F238E27FC236}">
-                <a16:creationId xmlns:a16="http://schemas.microsoft.com/office/drawing/2014/main" xmlns="" id="{FEC2F345-E0E0-48D5-A931-9DDAA72683B2}"/>
+                <a16:creationId xmlns:a16="http://schemas.microsoft.com/office/drawing/2014/main" id="{FEC2F345-E0E0-48D5-A931-9DDAA72683B2}"/>
               </a:ext>
             </a:extLst>
           </p:cNvPr>
@@ -6504,7 +6467,7 @@
                   <a:srgbClr val="0070C0"/>
                 </a:solidFill>
               </a:rPr>
-              <a:t>Case-Shiller Housing Index</a:t>
+              <a:t>Case-Shiller Ames Housing Index</a:t>
             </a:r>
           </a:p>
         </p:txBody>
@@ -6514,7 +6477,7 @@
           <p:cNvPr id="3" name="Rectangle 2">
             <a:extLst>
               <a:ext uri="{FF2B5EF4-FFF2-40B4-BE49-F238E27FC236}">
-                <a16:creationId xmlns:a16="http://schemas.microsoft.com/office/drawing/2014/main" xmlns="" id="{F011FC70-54BD-468D-8091-43615AB87158}"/>
+                <a16:creationId xmlns:a16="http://schemas.microsoft.com/office/drawing/2014/main" id="{F011FC70-54BD-468D-8091-43615AB87158}"/>
               </a:ext>
             </a:extLst>
           </p:cNvPr>
@@ -6564,7 +6527,7 @@
           <p:cNvPr id="4" name="Content Placeholder 3">
             <a:extLst>
               <a:ext uri="{FF2B5EF4-FFF2-40B4-BE49-F238E27FC236}">
-                <a16:creationId xmlns:a16="http://schemas.microsoft.com/office/drawing/2014/main" xmlns="" id="{8B692D5B-5E47-45E3-8323-449AC468B800}"/>
+                <a16:creationId xmlns:a16="http://schemas.microsoft.com/office/drawing/2014/main" id="{8B692D5B-5E47-45E3-8323-449AC468B800}"/>
               </a:ext>
             </a:extLst>
           </p:cNvPr>
@@ -6596,7 +6559,7 @@
           <p:cNvPr id="6" name="Rectangle 5">
             <a:extLst>
               <a:ext uri="{FF2B5EF4-FFF2-40B4-BE49-F238E27FC236}">
-                <a16:creationId xmlns:a16="http://schemas.microsoft.com/office/drawing/2014/main" xmlns="" id="{AA8C6DB7-4967-4826-96C6-F1FD38E38E53}"/>
+                <a16:creationId xmlns:a16="http://schemas.microsoft.com/office/drawing/2014/main" id="{AA8C6DB7-4967-4826-96C6-F1FD38E38E53}"/>
               </a:ext>
             </a:extLst>
           </p:cNvPr>
@@ -6655,7 +6618,7 @@
 </p:sld>
 </file>
 
-<file path=ppt/slides/slide22.xml><?xml version="1.0" encoding="utf-8"?>
+<file path=ppt/slides/slide21.xml><?xml version="1.0" encoding="utf-8"?>
 <p:sld xmlns:a="http://schemas.openxmlformats.org/drawingml/2006/main" xmlns:r="http://schemas.openxmlformats.org/officeDocument/2006/relationships" xmlns:p="http://schemas.openxmlformats.org/presentationml/2006/main">
   <p:cSld>
     <p:spTree>
@@ -6677,7 +6640,7 @@
           <p:cNvPr id="2" name="Title 1">
             <a:extLst>
               <a:ext uri="{FF2B5EF4-FFF2-40B4-BE49-F238E27FC236}">
-                <a16:creationId xmlns:a16="http://schemas.microsoft.com/office/drawing/2014/main" xmlns="" id="{26BC1230-2632-4DEC-8F68-1A3083145C23}"/>
+                <a16:creationId xmlns:a16="http://schemas.microsoft.com/office/drawing/2014/main" id="{26BC1230-2632-4DEC-8F68-1A3083145C23}"/>
               </a:ext>
             </a:extLst>
           </p:cNvPr>
@@ -6716,7 +6679,7 @@
           <p:cNvPr id="5" name="Content Placeholder 4" descr="A screenshot of a computer&#10;&#10;Description generated with very high confidence">
             <a:extLst>
               <a:ext uri="{FF2B5EF4-FFF2-40B4-BE49-F238E27FC236}">
-                <a16:creationId xmlns:a16="http://schemas.microsoft.com/office/drawing/2014/main" xmlns="" id="{176E34E8-482E-4865-9492-04C3D531F08B}"/>
+                <a16:creationId xmlns:a16="http://schemas.microsoft.com/office/drawing/2014/main" id="{176E34E8-482E-4865-9492-04C3D531F08B}"/>
               </a:ext>
             </a:extLst>
           </p:cNvPr>
@@ -6758,7 +6721,7 @@
 </p:sld>
 </file>
 
-<file path=ppt/slides/slide23.xml><?xml version="1.0" encoding="utf-8"?>
+<file path=ppt/slides/slide22.xml><?xml version="1.0" encoding="utf-8"?>
 <p:sld xmlns:a="http://schemas.openxmlformats.org/drawingml/2006/main" xmlns:r="http://schemas.openxmlformats.org/officeDocument/2006/relationships" xmlns:p="http://schemas.openxmlformats.org/presentationml/2006/main">
   <p:cSld>
     <p:bg>
@@ -6791,7 +6754,7 @@
           <p:cNvPr id="44" name="Group 31" title="intersecting circles">
             <a:extLst>
               <a:ext uri="{FF2B5EF4-FFF2-40B4-BE49-F238E27FC236}">
-                <a16:creationId xmlns:a16="http://schemas.microsoft.com/office/drawing/2014/main" xmlns="" id="{D2C4BFA1-2075-4901-9E24-E41D1FDD51FD}"/>
+                <a16:creationId xmlns:a16="http://schemas.microsoft.com/office/drawing/2014/main" id="{D2C4BFA1-2075-4901-9E24-E41D1FDD51FD}"/>
               </a:ext>
             </a:extLst>
           </p:cNvPr>
@@ -6801,7 +6764,7 @@
           <p:nvPr>
             <p:extLst>
               <p:ext uri="{386F3935-93C4-4BCD-93E2-E3B085C9AB24}">
-                <p16:designElem xmlns:p16="http://schemas.microsoft.com/office/powerpoint/2015/main" xmlns="" val="1"/>
+                <p16:designElem xmlns:p16="http://schemas.microsoft.com/office/powerpoint/2015/main" val="1"/>
               </p:ext>
             </p:extLst>
           </p:nvPr>
@@ -6819,7 +6782,7 @@
             <p:cNvPr id="33" name="Oval 5">
               <a:extLst>
                 <a:ext uri="{FF2B5EF4-FFF2-40B4-BE49-F238E27FC236}">
-                  <a16:creationId xmlns:a16="http://schemas.microsoft.com/office/drawing/2014/main" xmlns="" id="{985A7375-E3AF-4F5C-85AE-17E8832952CA}"/>
+                  <a16:creationId xmlns:a16="http://schemas.microsoft.com/office/drawing/2014/main" id="{985A7375-E3AF-4F5C-85AE-17E8832952CA}"/>
                 </a:ext>
               </a:extLst>
             </p:cNvPr>
@@ -6829,7 +6792,7 @@
             <p:nvPr>
               <p:extLst>
                 <p:ext uri="{386F3935-93C4-4BCD-93E2-E3B085C9AB24}">
-                  <p16:designElem xmlns:p16="http://schemas.microsoft.com/office/powerpoint/2015/main" xmlns="" val="1"/>
+                  <p16:designElem xmlns:p16="http://schemas.microsoft.com/office/powerpoint/2015/main" val="1"/>
                 </p:ext>
               </p:extLst>
             </p:nvPr>
@@ -6857,7 +6820,7 @@
             <p:cNvPr id="45" name="Oval 33">
               <a:extLst>
                 <a:ext uri="{FF2B5EF4-FFF2-40B4-BE49-F238E27FC236}">
-                  <a16:creationId xmlns:a16="http://schemas.microsoft.com/office/drawing/2014/main" xmlns="" id="{F0307F65-8304-4FA8-A841-D4D7625411BE}"/>
+                  <a16:creationId xmlns:a16="http://schemas.microsoft.com/office/drawing/2014/main" id="{F0307F65-8304-4FA8-A841-D4D7625411BE}"/>
                 </a:ext>
               </a:extLst>
             </p:cNvPr>
@@ -6867,7 +6830,7 @@
             <p:nvPr>
               <p:extLst>
                 <p:ext uri="{386F3935-93C4-4BCD-93E2-E3B085C9AB24}">
-                  <p16:designElem xmlns:p16="http://schemas.microsoft.com/office/powerpoint/2015/main" xmlns="" val="1"/>
+                  <p16:designElem xmlns:p16="http://schemas.microsoft.com/office/powerpoint/2015/main" val="1"/>
                 </p:ext>
               </p:extLst>
             </p:nvPr>
@@ -6895,7 +6858,7 @@
             <p:cNvPr id="35" name="Oval 5">
               <a:extLst>
                 <a:ext uri="{FF2B5EF4-FFF2-40B4-BE49-F238E27FC236}">
-                  <a16:creationId xmlns:a16="http://schemas.microsoft.com/office/drawing/2014/main" xmlns="" id="{C8B8394C-136F-4E05-A002-D93A5E79CD50}"/>
+                  <a16:creationId xmlns:a16="http://schemas.microsoft.com/office/drawing/2014/main" id="{C8B8394C-136F-4E05-A002-D93A5E79CD50}"/>
                 </a:ext>
               </a:extLst>
             </p:cNvPr>
@@ -6905,7 +6868,7 @@
             <p:nvPr>
               <p:extLst>
                 <p:ext uri="{386F3935-93C4-4BCD-93E2-E3B085C9AB24}">
-                  <p16:designElem xmlns:p16="http://schemas.microsoft.com/office/powerpoint/2015/main" xmlns="" val="1"/>
+                  <p16:designElem xmlns:p16="http://schemas.microsoft.com/office/powerpoint/2015/main" val="1"/>
                 </p:ext>
               </p:extLst>
             </p:nvPr>
@@ -6934,7 +6897,7 @@
           <p:cNvPr id="37" name="Rectangle 36" title="ribbon">
             <a:extLst>
               <a:ext uri="{FF2B5EF4-FFF2-40B4-BE49-F238E27FC236}">
-                <a16:creationId xmlns:a16="http://schemas.microsoft.com/office/drawing/2014/main" xmlns="" id="{053FB2EE-284F-4C87-AB3D-BBF87A9FAB97}"/>
+                <a16:creationId xmlns:a16="http://schemas.microsoft.com/office/drawing/2014/main" id="{053FB2EE-284F-4C87-AB3D-BBF87A9FAB97}"/>
               </a:ext>
             </a:extLst>
           </p:cNvPr>
@@ -6944,7 +6907,7 @@
           <p:nvPr>
             <p:extLst>
               <p:ext uri="{386F3935-93C4-4BCD-93E2-E3B085C9AB24}">
-                <p16:designElem xmlns:p16="http://schemas.microsoft.com/office/powerpoint/2015/main" xmlns="" val="1"/>
+                <p16:designElem xmlns:p16="http://schemas.microsoft.com/office/powerpoint/2015/main" val="1"/>
               </p:ext>
             </p:extLst>
           </p:nvPr>
@@ -6986,7 +6949,7 @@
           <p:cNvPr id="2" name="TextBox 1">
             <a:extLst>
               <a:ext uri="{FF2B5EF4-FFF2-40B4-BE49-F238E27FC236}">
-                <a16:creationId xmlns:a16="http://schemas.microsoft.com/office/drawing/2014/main" xmlns="" id="{49610B88-E565-495E-83FB-685D64857340}"/>
+                <a16:creationId xmlns:a16="http://schemas.microsoft.com/office/drawing/2014/main" id="{49610B88-E565-495E-83FB-685D64857340}"/>
               </a:ext>
             </a:extLst>
           </p:cNvPr>
@@ -7004,7 +6967,7 @@
         </p:spPr>
         <p:txBody>
           <a:bodyPr vert="horz" lIns="91440" tIns="45720" rIns="91440" bIns="45720" rtlCol="0" anchor="ctr">
-            <a:normAutofit/>
+            <a:normAutofit fontScale="77500" lnSpcReduction="20000"/>
           </a:bodyPr>
           <a:lstStyle/>
           <a:p>
@@ -7027,25 +6990,8 @@
                 <a:ea typeface="+mj-ea"/>
                 <a:cs typeface="+mj-cs"/>
               </a:rPr>
-              <a:t>Model </a:t>
-            </a:r>
-            <a:r>
-              <a:rPr lang="en-US" sz="5200" kern="1200" dirty="0" smtClean="0">
-                <a:solidFill>
-                  <a:schemeClr val="bg2"/>
-                </a:solidFill>
-                <a:ea typeface="+mj-ea"/>
-                <a:cs typeface="+mj-cs"/>
-              </a:rPr>
-              <a:t>Training and Evaluation</a:t>
-            </a:r>
-            <a:endParaRPr lang="en-US" sz="5200" kern="1200" dirty="0">
-              <a:solidFill>
-                <a:schemeClr val="bg2"/>
-              </a:solidFill>
-              <a:ea typeface="+mj-ea"/>
-              <a:cs typeface="+mj-cs"/>
-            </a:endParaRPr>
+              <a:t>Model Selection</a:t>
+            </a:r>
           </a:p>
           <a:p>
             <a:pPr algn="ctr">
@@ -7059,14 +7005,74 @@
                 <a:spcPts val="600"/>
               </a:spcAft>
             </a:pPr>
-            <a:endParaRPr lang="en-US" sz="2000" kern="1200" dirty="0">
-              <a:solidFill>
-                <a:schemeClr val="bg2"/>
-              </a:solidFill>
-              <a:latin typeface="+mj-lt"/>
-              <a:ea typeface="+mj-ea"/>
-              <a:cs typeface="+mj-cs"/>
-            </a:endParaRPr>
+            <a:r>
+              <a:rPr lang="en-US" sz="4000" kern="1200" dirty="0">
+                <a:solidFill>
+                  <a:schemeClr val="bg2"/>
+                </a:solidFill>
+                <a:latin typeface="Brush Script MT" panose="03060802040406070304" pitchFamily="66" charset="0"/>
+                <a:ea typeface="+mj-ea"/>
+                <a:cs typeface="+mj-cs"/>
+              </a:rPr>
+              <a:t>‘If you torture the data enough, </a:t>
+            </a:r>
+            <a:r>
+              <a:rPr lang="en-US" sz="4000" dirty="0">
+                <a:solidFill>
+                  <a:schemeClr val="bg2"/>
+                </a:solidFill>
+                <a:latin typeface="Brush Script MT" panose="03060802040406070304" pitchFamily="66" charset="0"/>
+                <a:ea typeface="+mj-ea"/>
+                <a:cs typeface="+mj-cs"/>
+              </a:rPr>
+              <a:t>it</a:t>
+            </a:r>
+            <a:r>
+              <a:rPr lang="en-US" sz="4000" kern="1200" dirty="0">
+                <a:solidFill>
+                  <a:schemeClr val="bg2"/>
+                </a:solidFill>
+                <a:latin typeface="Brush Script MT" panose="03060802040406070304" pitchFamily="66" charset="0"/>
+                <a:ea typeface="+mj-ea"/>
+                <a:cs typeface="+mj-cs"/>
+              </a:rPr>
+              <a:t> will always confess’  </a:t>
+            </a:r>
+          </a:p>
+          <a:p>
+            <a:pPr algn="r">
+              <a:lnSpc>
+                <a:spcPct val="90000"/>
+              </a:lnSpc>
+              <a:spcBef>
+                <a:spcPct val="0"/>
+              </a:spcBef>
+              <a:spcAft>
+                <a:spcPts val="600"/>
+              </a:spcAft>
+            </a:pPr>
+            <a:r>
+              <a:rPr lang="en-US" sz="4000" kern="1200" dirty="0">
+                <a:solidFill>
+                  <a:schemeClr val="bg2"/>
+                </a:solidFill>
+                <a:latin typeface="+mj-lt"/>
+                <a:ea typeface="+mj-ea"/>
+                <a:cs typeface="+mj-cs"/>
+              </a:rPr>
+              <a:t>- </a:t>
+            </a:r>
+            <a:r>
+              <a:rPr lang="en-US" sz="2000" kern="1200" dirty="0">
+                <a:solidFill>
+                  <a:schemeClr val="bg2"/>
+                </a:solidFill>
+                <a:latin typeface="+mj-lt"/>
+                <a:ea typeface="+mj-ea"/>
+                <a:cs typeface="+mj-cs"/>
+              </a:rPr>
+              <a:t>Ronald Coase, British Economist </a:t>
+            </a:r>
           </a:p>
         </p:txBody>
       </p:sp>
@@ -7079,6 +7085,75 @@
   </p:cSld>
   <p:clrMapOvr>
     <a:overrideClrMapping bg1="dk1" tx1="lt1" bg2="dk2" tx2="lt2" accent1="accent1" accent2="accent2" accent3="accent3" accent4="accent4" accent5="accent5" accent6="accent6" hlink="hlink" folHlink="folHlink"/>
+  </p:clrMapOvr>
+</p:sld>
+</file>
+
+<file path=ppt/slides/slide23.xml><?xml version="1.0" encoding="utf-8"?>
+<p:sld xmlns:a="http://schemas.openxmlformats.org/drawingml/2006/main" xmlns:r="http://schemas.openxmlformats.org/officeDocument/2006/relationships" xmlns:p="http://schemas.openxmlformats.org/presentationml/2006/main">
+  <p:cSld>
+    <p:spTree>
+      <p:nvGrpSpPr>
+        <p:cNvPr id="1" name=""/>
+        <p:cNvGrpSpPr/>
+        <p:nvPr/>
+      </p:nvGrpSpPr>
+      <p:grpSpPr>
+        <a:xfrm>
+          <a:off x="0" y="0"/>
+          <a:ext cx="0" cy="0"/>
+          <a:chOff x="0" y="0"/>
+          <a:chExt cx="0" cy="0"/>
+        </a:xfrm>
+      </p:grpSpPr>
+      <p:sp>
+        <p:nvSpPr>
+          <p:cNvPr id="2" name="Title 1"/>
+          <p:cNvSpPr>
+            <a:spLocks noGrp="1"/>
+          </p:cNvSpPr>
+          <p:nvPr>
+            <p:ph type="ctrTitle"/>
+          </p:nvPr>
+        </p:nvSpPr>
+        <p:spPr>
+          <a:xfrm>
+            <a:off x="655981" y="2517913"/>
+            <a:ext cx="11184835" cy="848139"/>
+          </a:xfrm>
+          <a:solidFill>
+            <a:schemeClr val="bg1">
+              <a:lumMod val="95000"/>
+            </a:schemeClr>
+          </a:solidFill>
+        </p:spPr>
+        <p:txBody>
+          <a:bodyPr>
+            <a:normAutofit/>
+          </a:bodyPr>
+          <a:lstStyle/>
+          <a:p>
+            <a:r>
+              <a:rPr lang="en-US" sz="4400" b="1" dirty="0">
+                <a:solidFill>
+                  <a:srgbClr val="0070C0"/>
+                </a:solidFill>
+              </a:rPr>
+              <a:t>Multiple Linear Regression</a:t>
+            </a:r>
+            <a:endParaRPr lang="en-US" sz="2800" b="1" dirty="0"/>
+          </a:p>
+        </p:txBody>
+      </p:sp>
+    </p:spTree>
+    <p:extLst>
+      <p:ext uri="{BB962C8B-B14F-4D97-AF65-F5344CB8AC3E}">
+        <p14:creationId xmlns:p14="http://schemas.microsoft.com/office/powerpoint/2010/main" val="2868657366"/>
+      </p:ext>
+    </p:extLst>
+  </p:cSld>
+  <p:clrMapOvr>
+    <a:masterClrMapping/>
   </p:clrMapOvr>
 </p:sld>
 </file>
@@ -7107,85 +7182,19 @@
             <a:spLocks noGrp="1"/>
           </p:cNvSpPr>
           <p:nvPr>
-            <p:ph type="ctrTitle"/>
+            <p:ph type="title"/>
           </p:nvPr>
         </p:nvSpPr>
         <p:spPr>
           <a:xfrm>
-            <a:off x="655982" y="2093844"/>
-            <a:ext cx="10363200" cy="1470025"/>
+            <a:off x="-1" y="0"/>
+            <a:ext cx="4088297" cy="457200"/>
           </a:xfrm>
-        </p:spPr>
-        <p:txBody>
-          <a:bodyPr>
-            <a:normAutofit/>
-          </a:bodyPr>
-          <a:lstStyle/>
-          <a:p>
-            <a:r>
-              <a:rPr lang="en-US" sz="4400" b="1" dirty="0" smtClean="0">
-                <a:solidFill>
-                  <a:srgbClr val="0070C0"/>
-                </a:solidFill>
-              </a:rPr>
-              <a:t>Multiple Linear Regression</a:t>
-            </a:r>
-            <a:endParaRPr lang="en-US" sz="2800" b="1" dirty="0"/>
-          </a:p>
-        </p:txBody>
-      </p:sp>
-    </p:spTree>
-    <p:extLst>
-      <p:ext uri="{BB962C8B-B14F-4D97-AF65-F5344CB8AC3E}">
-        <p14:creationId xmlns:p14="http://schemas.microsoft.com/office/powerpoint/2010/main" val="2868657366"/>
-      </p:ext>
-    </p:extLst>
-  </p:cSld>
-  <p:clrMapOvr>
-    <a:masterClrMapping/>
-  </p:clrMapOvr>
-  <p:timing>
-    <p:tnLst>
-      <p:par>
-        <p:cTn id="1" dur="indefinite" restart="never" nodeType="tmRoot"/>
-      </p:par>
-    </p:tnLst>
-  </p:timing>
-</p:sld>
-</file>
-
-<file path=ppt/slides/slide25.xml><?xml version="1.0" encoding="utf-8"?>
-<p:sld xmlns:a="http://schemas.openxmlformats.org/drawingml/2006/main" xmlns:r="http://schemas.openxmlformats.org/officeDocument/2006/relationships" xmlns:p="http://schemas.openxmlformats.org/presentationml/2006/main">
-  <p:cSld>
-    <p:spTree>
-      <p:nvGrpSpPr>
-        <p:cNvPr id="1" name=""/>
-        <p:cNvGrpSpPr/>
-        <p:nvPr/>
-      </p:nvGrpSpPr>
-      <p:grpSpPr>
-        <a:xfrm>
-          <a:off x="0" y="0"/>
-          <a:ext cx="0" cy="0"/>
-          <a:chOff x="0" y="0"/>
-          <a:chExt cx="0" cy="0"/>
-        </a:xfrm>
-      </p:grpSpPr>
-      <p:sp>
-        <p:nvSpPr>
-          <p:cNvPr id="2" name="Title 1"/>
-          <p:cNvSpPr>
-            <a:spLocks noGrp="1"/>
-          </p:cNvSpPr>
-          <p:nvPr>
-            <p:ph type="title"/>
-          </p:nvPr>
-        </p:nvSpPr>
-        <p:spPr>
-          <a:xfrm>
-            <a:off x="0" y="0"/>
-            <a:ext cx="3352800" cy="457200"/>
-          </a:xfrm>
+          <a:solidFill>
+            <a:schemeClr val="bg1">
+              <a:lumMod val="95000"/>
+            </a:schemeClr>
+          </a:solidFill>
         </p:spPr>
         <p:txBody>
           <a:bodyPr>
@@ -7194,7 +7203,7 @@
           <a:lstStyle/>
           <a:p>
             <a:r>
-              <a:rPr lang="en-US" sz="2800" b="1" dirty="0" smtClean="0">
+              <a:rPr lang="en-US" sz="2800" b="1" dirty="0">
                 <a:solidFill>
                   <a:srgbClr val="0070C0"/>
                 </a:solidFill>
@@ -7212,11 +7221,7 @@
             <a:graphicFrameLocks noGrp="1"/>
           </p:cNvGraphicFramePr>
           <p:nvPr>
-            <p:extLst>
-              <p:ext uri="{D42A27DB-BD31-4B8C-83A1-F6EECF244321}">
-                <p14:modId xmlns:p14="http://schemas.microsoft.com/office/powerpoint/2010/main" val="365240754"/>
-              </p:ext>
-            </p:extLst>
+            <p:extLst/>
           </p:nvPr>
         </p:nvGraphicFramePr>
         <p:xfrm>
@@ -7228,7 +7233,13 @@
             <a:tbl>
               <a:tblPr/>
               <a:tblGrid>
-                <a:gridCol w="5772759"/>
+                <a:gridCol w="5772759">
+                  <a:extLst>
+                    <a:ext uri="{9D8B030D-6E8A-4147-A177-3AD203B41FA5}">
+                      <a16:colId xmlns:a16="http://schemas.microsoft.com/office/drawing/2014/main" val="20000"/>
+                    </a:ext>
+                  </a:extLst>
+                </a:gridCol>
               </a:tblGrid>
               <a:tr h="92259">
                 <a:tc>
@@ -7282,6 +7293,11 @@
                     </a:lnB>
                   </a:tcPr>
                 </a:tc>
+                <a:extLst>
+                  <a:ext uri="{0D108BD9-81ED-4DB2-BD59-A6C34878D82A}">
+                    <a16:rowId xmlns:a16="http://schemas.microsoft.com/office/drawing/2014/main" val="10000"/>
+                  </a:ext>
+                </a:extLst>
               </a:tr>
               <a:tr h="92259">
                 <a:tc>
@@ -7329,6 +7345,11 @@
                     </a:lnB>
                   </a:tcPr>
                 </a:tc>
+                <a:extLst>
+                  <a:ext uri="{0D108BD9-81ED-4DB2-BD59-A6C34878D82A}">
+                    <a16:rowId xmlns:a16="http://schemas.microsoft.com/office/drawing/2014/main" val="10001"/>
+                  </a:ext>
+                </a:extLst>
               </a:tr>
               <a:tr h="92259">
                 <a:tc>
@@ -7376,6 +7397,11 @@
                     </a:lnB>
                   </a:tcPr>
                 </a:tc>
+                <a:extLst>
+                  <a:ext uri="{0D108BD9-81ED-4DB2-BD59-A6C34878D82A}">
+                    <a16:rowId xmlns:a16="http://schemas.microsoft.com/office/drawing/2014/main" val="10002"/>
+                  </a:ext>
+                </a:extLst>
               </a:tr>
               <a:tr h="92259">
                 <a:tc>
@@ -7423,6 +7449,11 @@
                     </a:lnB>
                   </a:tcPr>
                 </a:tc>
+                <a:extLst>
+                  <a:ext uri="{0D108BD9-81ED-4DB2-BD59-A6C34878D82A}">
+                    <a16:rowId xmlns:a16="http://schemas.microsoft.com/office/drawing/2014/main" val="10003"/>
+                  </a:ext>
+                </a:extLst>
               </a:tr>
               <a:tr h="92259">
                 <a:tc>
@@ -7470,6 +7501,11 @@
                     </a:lnB>
                   </a:tcPr>
                 </a:tc>
+                <a:extLst>
+                  <a:ext uri="{0D108BD9-81ED-4DB2-BD59-A6C34878D82A}">
+                    <a16:rowId xmlns:a16="http://schemas.microsoft.com/office/drawing/2014/main" val="10004"/>
+                  </a:ext>
+                </a:extLst>
               </a:tr>
               <a:tr h="92259">
                 <a:tc>
@@ -7517,6 +7553,11 @@
                     </a:lnB>
                   </a:tcPr>
                 </a:tc>
+                <a:extLst>
+                  <a:ext uri="{0D108BD9-81ED-4DB2-BD59-A6C34878D82A}">
+                    <a16:rowId xmlns:a16="http://schemas.microsoft.com/office/drawing/2014/main" val="10005"/>
+                  </a:ext>
+                </a:extLst>
               </a:tr>
               <a:tr h="92259">
                 <a:tc>
@@ -7564,6 +7605,11 @@
                     </a:lnB>
                   </a:tcPr>
                 </a:tc>
+                <a:extLst>
+                  <a:ext uri="{0D108BD9-81ED-4DB2-BD59-A6C34878D82A}">
+                    <a16:rowId xmlns:a16="http://schemas.microsoft.com/office/drawing/2014/main" val="10006"/>
+                  </a:ext>
+                </a:extLst>
               </a:tr>
               <a:tr h="92259">
                 <a:tc>
@@ -7611,6 +7657,11 @@
                     </a:lnB>
                   </a:tcPr>
                 </a:tc>
+                <a:extLst>
+                  <a:ext uri="{0D108BD9-81ED-4DB2-BD59-A6C34878D82A}">
+                    <a16:rowId xmlns:a16="http://schemas.microsoft.com/office/drawing/2014/main" val="10007"/>
+                  </a:ext>
+                </a:extLst>
               </a:tr>
               <a:tr h="92259">
                 <a:tc>
@@ -7658,6 +7709,11 @@
                     </a:lnB>
                   </a:tcPr>
                 </a:tc>
+                <a:extLst>
+                  <a:ext uri="{0D108BD9-81ED-4DB2-BD59-A6C34878D82A}">
+                    <a16:rowId xmlns:a16="http://schemas.microsoft.com/office/drawing/2014/main" val="10008"/>
+                  </a:ext>
+                </a:extLst>
               </a:tr>
               <a:tr h="92259">
                 <a:tc>
@@ -7705,6 +7761,11 @@
                     </a:lnB>
                   </a:tcPr>
                 </a:tc>
+                <a:extLst>
+                  <a:ext uri="{0D108BD9-81ED-4DB2-BD59-A6C34878D82A}">
+                    <a16:rowId xmlns:a16="http://schemas.microsoft.com/office/drawing/2014/main" val="10009"/>
+                  </a:ext>
+                </a:extLst>
               </a:tr>
               <a:tr h="92259">
                 <a:tc>
@@ -7752,6 +7813,11 @@
                     </a:lnB>
                   </a:tcPr>
                 </a:tc>
+                <a:extLst>
+                  <a:ext uri="{0D108BD9-81ED-4DB2-BD59-A6C34878D82A}">
+                    <a16:rowId xmlns:a16="http://schemas.microsoft.com/office/drawing/2014/main" val="10010"/>
+                  </a:ext>
+                </a:extLst>
               </a:tr>
               <a:tr h="92259">
                 <a:tc>
@@ -7799,6 +7865,11 @@
                     </a:lnB>
                   </a:tcPr>
                 </a:tc>
+                <a:extLst>
+                  <a:ext uri="{0D108BD9-81ED-4DB2-BD59-A6C34878D82A}">
+                    <a16:rowId xmlns:a16="http://schemas.microsoft.com/office/drawing/2014/main" val="10011"/>
+                  </a:ext>
+                </a:extLst>
               </a:tr>
               <a:tr h="92259">
                 <a:tc>
@@ -7846,6 +7917,11 @@
                     </a:lnB>
                   </a:tcPr>
                 </a:tc>
+                <a:extLst>
+                  <a:ext uri="{0D108BD9-81ED-4DB2-BD59-A6C34878D82A}">
+                    <a16:rowId xmlns:a16="http://schemas.microsoft.com/office/drawing/2014/main" val="10012"/>
+                  </a:ext>
+                </a:extLst>
               </a:tr>
               <a:tr h="92259">
                 <a:tc>
@@ -7893,6 +7969,11 @@
                     </a:lnB>
                   </a:tcPr>
                 </a:tc>
+                <a:extLst>
+                  <a:ext uri="{0D108BD9-81ED-4DB2-BD59-A6C34878D82A}">
+                    <a16:rowId xmlns:a16="http://schemas.microsoft.com/office/drawing/2014/main" val="10013"/>
+                  </a:ext>
+                </a:extLst>
               </a:tr>
               <a:tr h="92259">
                 <a:tc>
@@ -7940,6 +8021,11 @@
                     </a:lnB>
                   </a:tcPr>
                 </a:tc>
+                <a:extLst>
+                  <a:ext uri="{0D108BD9-81ED-4DB2-BD59-A6C34878D82A}">
+                    <a16:rowId xmlns:a16="http://schemas.microsoft.com/office/drawing/2014/main" val="10014"/>
+                  </a:ext>
+                </a:extLst>
               </a:tr>
               <a:tr h="92259">
                 <a:tc>
@@ -7987,6 +8073,11 @@
                     </a:lnB>
                   </a:tcPr>
                 </a:tc>
+                <a:extLst>
+                  <a:ext uri="{0D108BD9-81ED-4DB2-BD59-A6C34878D82A}">
+                    <a16:rowId xmlns:a16="http://schemas.microsoft.com/office/drawing/2014/main" val="10015"/>
+                  </a:ext>
+                </a:extLst>
               </a:tr>
               <a:tr h="92259">
                 <a:tc>
@@ -8034,6 +8125,11 @@
                     </a:lnB>
                   </a:tcPr>
                 </a:tc>
+                <a:extLst>
+                  <a:ext uri="{0D108BD9-81ED-4DB2-BD59-A6C34878D82A}">
+                    <a16:rowId xmlns:a16="http://schemas.microsoft.com/office/drawing/2014/main" val="10016"/>
+                  </a:ext>
+                </a:extLst>
               </a:tr>
               <a:tr h="92259">
                 <a:tc>
@@ -8087,6 +8183,11 @@
                     </a:lnB>
                   </a:tcPr>
                 </a:tc>
+                <a:extLst>
+                  <a:ext uri="{0D108BD9-81ED-4DB2-BD59-A6C34878D82A}">
+                    <a16:rowId xmlns:a16="http://schemas.microsoft.com/office/drawing/2014/main" val="10017"/>
+                  </a:ext>
+                </a:extLst>
               </a:tr>
               <a:tr h="92259">
                 <a:tc>
@@ -8146,6 +8247,11 @@
                     </a:lnB>
                   </a:tcPr>
                 </a:tc>
+                <a:extLst>
+                  <a:ext uri="{0D108BD9-81ED-4DB2-BD59-A6C34878D82A}">
+                    <a16:rowId xmlns:a16="http://schemas.microsoft.com/office/drawing/2014/main" val="10018"/>
+                  </a:ext>
+                </a:extLst>
               </a:tr>
               <a:tr h="92259">
                 <a:tc>
@@ -8199,6 +8305,11 @@
                     </a:lnB>
                   </a:tcPr>
                 </a:tc>
+                <a:extLst>
+                  <a:ext uri="{0D108BD9-81ED-4DB2-BD59-A6C34878D82A}">
+                    <a16:rowId xmlns:a16="http://schemas.microsoft.com/office/drawing/2014/main" val="10019"/>
+                  </a:ext>
+                </a:extLst>
               </a:tr>
               <a:tr h="92259">
                 <a:tc>
@@ -8246,6 +8357,11 @@
                     </a:lnB>
                   </a:tcPr>
                 </a:tc>
+                <a:extLst>
+                  <a:ext uri="{0D108BD9-81ED-4DB2-BD59-A6C34878D82A}">
+                    <a16:rowId xmlns:a16="http://schemas.microsoft.com/office/drawing/2014/main" val="10020"/>
+                  </a:ext>
+                </a:extLst>
               </a:tr>
               <a:tr h="92259">
                 <a:tc>
@@ -8293,6 +8409,11 @@
                     </a:lnB>
                   </a:tcPr>
                 </a:tc>
+                <a:extLst>
+                  <a:ext uri="{0D108BD9-81ED-4DB2-BD59-A6C34878D82A}">
+                    <a16:rowId xmlns:a16="http://schemas.microsoft.com/office/drawing/2014/main" val="10021"/>
+                  </a:ext>
+                </a:extLst>
               </a:tr>
               <a:tr h="92259">
                 <a:tc>
@@ -8340,6 +8461,11 @@
                     </a:lnB>
                   </a:tcPr>
                 </a:tc>
+                <a:extLst>
+                  <a:ext uri="{0D108BD9-81ED-4DB2-BD59-A6C34878D82A}">
+                    <a16:rowId xmlns:a16="http://schemas.microsoft.com/office/drawing/2014/main" val="10022"/>
+                  </a:ext>
+                </a:extLst>
               </a:tr>
               <a:tr h="92259">
                 <a:tc>
@@ -8387,6 +8513,11 @@
                     </a:lnB>
                   </a:tcPr>
                 </a:tc>
+                <a:extLst>
+                  <a:ext uri="{0D108BD9-81ED-4DB2-BD59-A6C34878D82A}">
+                    <a16:rowId xmlns:a16="http://schemas.microsoft.com/office/drawing/2014/main" val="10023"/>
+                  </a:ext>
+                </a:extLst>
               </a:tr>
               <a:tr h="92259">
                 <a:tc>
@@ -8434,6 +8565,11 @@
                     </a:lnB>
                   </a:tcPr>
                 </a:tc>
+                <a:extLst>
+                  <a:ext uri="{0D108BD9-81ED-4DB2-BD59-A6C34878D82A}">
+                    <a16:rowId xmlns:a16="http://schemas.microsoft.com/office/drawing/2014/main" val="10024"/>
+                  </a:ext>
+                </a:extLst>
               </a:tr>
               <a:tr h="92259">
                 <a:tc>
@@ -8481,6 +8617,11 @@
                     </a:lnB>
                   </a:tcPr>
                 </a:tc>
+                <a:extLst>
+                  <a:ext uri="{0D108BD9-81ED-4DB2-BD59-A6C34878D82A}">
+                    <a16:rowId xmlns:a16="http://schemas.microsoft.com/office/drawing/2014/main" val="10025"/>
+                  </a:ext>
+                </a:extLst>
               </a:tr>
               <a:tr h="92259">
                 <a:tc>
@@ -8528,6 +8669,11 @@
                     </a:lnB>
                   </a:tcPr>
                 </a:tc>
+                <a:extLst>
+                  <a:ext uri="{0D108BD9-81ED-4DB2-BD59-A6C34878D82A}">
+                    <a16:rowId xmlns:a16="http://schemas.microsoft.com/office/drawing/2014/main" val="10026"/>
+                  </a:ext>
+                </a:extLst>
               </a:tr>
               <a:tr h="92259">
                 <a:tc>
@@ -8575,6 +8721,11 @@
                     </a:lnB>
                   </a:tcPr>
                 </a:tc>
+                <a:extLst>
+                  <a:ext uri="{0D108BD9-81ED-4DB2-BD59-A6C34878D82A}">
+                    <a16:rowId xmlns:a16="http://schemas.microsoft.com/office/drawing/2014/main" val="10027"/>
+                  </a:ext>
+                </a:extLst>
               </a:tr>
               <a:tr h="92259">
                 <a:tc>
@@ -8622,6 +8773,11 @@
                     </a:lnB>
                   </a:tcPr>
                 </a:tc>
+                <a:extLst>
+                  <a:ext uri="{0D108BD9-81ED-4DB2-BD59-A6C34878D82A}">
+                    <a16:rowId xmlns:a16="http://schemas.microsoft.com/office/drawing/2014/main" val="10028"/>
+                  </a:ext>
+                </a:extLst>
               </a:tr>
               <a:tr h="92259">
                 <a:tc>
@@ -8669,6 +8825,11 @@
                     </a:lnB>
                   </a:tcPr>
                 </a:tc>
+                <a:extLst>
+                  <a:ext uri="{0D108BD9-81ED-4DB2-BD59-A6C34878D82A}">
+                    <a16:rowId xmlns:a16="http://schemas.microsoft.com/office/drawing/2014/main" val="10029"/>
+                  </a:ext>
+                </a:extLst>
               </a:tr>
               <a:tr h="92259">
                 <a:tc>
@@ -8716,6 +8877,11 @@
                     </a:lnB>
                   </a:tcPr>
                 </a:tc>
+                <a:extLst>
+                  <a:ext uri="{0D108BD9-81ED-4DB2-BD59-A6C34878D82A}">
+                    <a16:rowId xmlns:a16="http://schemas.microsoft.com/office/drawing/2014/main" val="10030"/>
+                  </a:ext>
+                </a:extLst>
               </a:tr>
               <a:tr h="92259">
                 <a:tc>
@@ -8763,6 +8929,11 @@
                     </a:lnB>
                   </a:tcPr>
                 </a:tc>
+                <a:extLst>
+                  <a:ext uri="{0D108BD9-81ED-4DB2-BD59-A6C34878D82A}">
+                    <a16:rowId xmlns:a16="http://schemas.microsoft.com/office/drawing/2014/main" val="10031"/>
+                  </a:ext>
+                </a:extLst>
               </a:tr>
               <a:tr h="92259">
                 <a:tc>
@@ -8810,6 +8981,11 @@
                     </a:lnB>
                   </a:tcPr>
                 </a:tc>
+                <a:extLst>
+                  <a:ext uri="{0D108BD9-81ED-4DB2-BD59-A6C34878D82A}">
+                    <a16:rowId xmlns:a16="http://schemas.microsoft.com/office/drawing/2014/main" val="10032"/>
+                  </a:ext>
+                </a:extLst>
               </a:tr>
               <a:tr h="92259">
                 <a:tc>
@@ -8857,6 +9033,11 @@
                     </a:lnB>
                   </a:tcPr>
                 </a:tc>
+                <a:extLst>
+                  <a:ext uri="{0D108BD9-81ED-4DB2-BD59-A6C34878D82A}">
+                    <a16:rowId xmlns:a16="http://schemas.microsoft.com/office/drawing/2014/main" val="10033"/>
+                  </a:ext>
+                </a:extLst>
               </a:tr>
               <a:tr h="92259">
                 <a:tc>
@@ -8904,6 +9085,11 @@
                     </a:lnB>
                   </a:tcPr>
                 </a:tc>
+                <a:extLst>
+                  <a:ext uri="{0D108BD9-81ED-4DB2-BD59-A6C34878D82A}">
+                    <a16:rowId xmlns:a16="http://schemas.microsoft.com/office/drawing/2014/main" val="10034"/>
+                  </a:ext>
+                </a:extLst>
               </a:tr>
               <a:tr h="92259">
                 <a:tc>
@@ -8951,6 +9137,11 @@
                     </a:lnB>
                   </a:tcPr>
                 </a:tc>
+                <a:extLst>
+                  <a:ext uri="{0D108BD9-81ED-4DB2-BD59-A6C34878D82A}">
+                    <a16:rowId xmlns:a16="http://schemas.microsoft.com/office/drawing/2014/main" val="10035"/>
+                  </a:ext>
+                </a:extLst>
               </a:tr>
               <a:tr h="92259">
                 <a:tc>
@@ -8998,6 +9189,11 @@
                     </a:lnB>
                   </a:tcPr>
                 </a:tc>
+                <a:extLst>
+                  <a:ext uri="{0D108BD9-81ED-4DB2-BD59-A6C34878D82A}">
+                    <a16:rowId xmlns:a16="http://schemas.microsoft.com/office/drawing/2014/main" val="10036"/>
+                  </a:ext>
+                </a:extLst>
               </a:tr>
               <a:tr h="92259">
                 <a:tc>
@@ -9045,6 +9241,11 @@
                     </a:lnB>
                   </a:tcPr>
                 </a:tc>
+                <a:extLst>
+                  <a:ext uri="{0D108BD9-81ED-4DB2-BD59-A6C34878D82A}">
+                    <a16:rowId xmlns:a16="http://schemas.microsoft.com/office/drawing/2014/main" val="10037"/>
+                  </a:ext>
+                </a:extLst>
               </a:tr>
               <a:tr h="92259">
                 <a:tc>
@@ -9092,6 +9293,11 @@
                     </a:lnB>
                   </a:tcPr>
                 </a:tc>
+                <a:extLst>
+                  <a:ext uri="{0D108BD9-81ED-4DB2-BD59-A6C34878D82A}">
+                    <a16:rowId xmlns:a16="http://schemas.microsoft.com/office/drawing/2014/main" val="10038"/>
+                  </a:ext>
+                </a:extLst>
               </a:tr>
               <a:tr h="92259">
                 <a:tc>
@@ -9139,6 +9345,11 @@
                     </a:lnB>
                   </a:tcPr>
                 </a:tc>
+                <a:extLst>
+                  <a:ext uri="{0D108BD9-81ED-4DB2-BD59-A6C34878D82A}">
+                    <a16:rowId xmlns:a16="http://schemas.microsoft.com/office/drawing/2014/main" val="10039"/>
+                  </a:ext>
+                </a:extLst>
               </a:tr>
               <a:tr h="92259">
                 <a:tc>
@@ -9186,6 +9397,11 @@
                     </a:lnB>
                   </a:tcPr>
                 </a:tc>
+                <a:extLst>
+                  <a:ext uri="{0D108BD9-81ED-4DB2-BD59-A6C34878D82A}">
+                    <a16:rowId xmlns:a16="http://schemas.microsoft.com/office/drawing/2014/main" val="10040"/>
+                  </a:ext>
+                </a:extLst>
               </a:tr>
               <a:tr h="92259">
                 <a:tc>
@@ -9233,6 +9449,11 @@
                     </a:lnB>
                   </a:tcPr>
                 </a:tc>
+                <a:extLst>
+                  <a:ext uri="{0D108BD9-81ED-4DB2-BD59-A6C34878D82A}">
+                    <a16:rowId xmlns:a16="http://schemas.microsoft.com/office/drawing/2014/main" val="10041"/>
+                  </a:ext>
+                </a:extLst>
               </a:tr>
               <a:tr h="92259">
                 <a:tc>
@@ -9280,6 +9501,11 @@
                     </a:lnB>
                   </a:tcPr>
                 </a:tc>
+                <a:extLst>
+                  <a:ext uri="{0D108BD9-81ED-4DB2-BD59-A6C34878D82A}">
+                    <a16:rowId xmlns:a16="http://schemas.microsoft.com/office/drawing/2014/main" val="10042"/>
+                  </a:ext>
+                </a:extLst>
               </a:tr>
               <a:tr h="92259">
                 <a:tc>
@@ -9327,6 +9553,11 @@
                     </a:lnB>
                   </a:tcPr>
                 </a:tc>
+                <a:extLst>
+                  <a:ext uri="{0D108BD9-81ED-4DB2-BD59-A6C34878D82A}">
+                    <a16:rowId xmlns:a16="http://schemas.microsoft.com/office/drawing/2014/main" val="10043"/>
+                  </a:ext>
+                </a:extLst>
               </a:tr>
               <a:tr h="92259">
                 <a:tc>
@@ -9374,6 +9605,11 @@
                     </a:lnB>
                   </a:tcPr>
                 </a:tc>
+                <a:extLst>
+                  <a:ext uri="{0D108BD9-81ED-4DB2-BD59-A6C34878D82A}">
+                    <a16:rowId xmlns:a16="http://schemas.microsoft.com/office/drawing/2014/main" val="10044"/>
+                  </a:ext>
+                </a:extLst>
               </a:tr>
               <a:tr h="97531">
                 <a:tc>
@@ -9421,6 +9657,11 @@
                     </a:lnB>
                   </a:tcPr>
                 </a:tc>
+                <a:extLst>
+                  <a:ext uri="{0D108BD9-81ED-4DB2-BD59-A6C34878D82A}">
+                    <a16:rowId xmlns:a16="http://schemas.microsoft.com/office/drawing/2014/main" val="10045"/>
+                  </a:ext>
+                </a:extLst>
               </a:tr>
               <a:tr h="92259">
                 <a:tc>
@@ -9468,6 +9709,11 @@
                     </a:lnB>
                   </a:tcPr>
                 </a:tc>
+                <a:extLst>
+                  <a:ext uri="{0D108BD9-81ED-4DB2-BD59-A6C34878D82A}">
+                    <a16:rowId xmlns:a16="http://schemas.microsoft.com/office/drawing/2014/main" val="10046"/>
+                  </a:ext>
+                </a:extLst>
               </a:tr>
               <a:tr h="92259">
                 <a:tc>
@@ -9515,6 +9761,11 @@
                     </a:lnB>
                   </a:tcPr>
                 </a:tc>
+                <a:extLst>
+                  <a:ext uri="{0D108BD9-81ED-4DB2-BD59-A6C34878D82A}">
+                    <a16:rowId xmlns:a16="http://schemas.microsoft.com/office/drawing/2014/main" val="10047"/>
+                  </a:ext>
+                </a:extLst>
               </a:tr>
               <a:tr h="92259">
                 <a:tc>
@@ -9568,6 +9819,11 @@
                     </a:lnB>
                   </a:tcPr>
                 </a:tc>
+                <a:extLst>
+                  <a:ext uri="{0D108BD9-81ED-4DB2-BD59-A6C34878D82A}">
+                    <a16:rowId xmlns:a16="http://schemas.microsoft.com/office/drawing/2014/main" val="10048"/>
+                  </a:ext>
+                </a:extLst>
               </a:tr>
             </a:tbl>
           </a:graphicData>
@@ -9583,17 +9839,10 @@
   <p:clrMapOvr>
     <a:masterClrMapping/>
   </p:clrMapOvr>
-  <p:timing>
-    <p:tnLst>
-      <p:par>
-        <p:cTn id="1" dur="indefinite" restart="never" nodeType="tmRoot"/>
-      </p:par>
-    </p:tnLst>
-  </p:timing>
 </p:sld>
 </file>
 
-<file path=ppt/slides/slide26.xml><?xml version="1.0" encoding="utf-8"?>
+<file path=ppt/slides/slide25.xml><?xml version="1.0" encoding="utf-8"?>
 <p:sld xmlns:a="http://schemas.openxmlformats.org/drawingml/2006/main" xmlns:r="http://schemas.openxmlformats.org/officeDocument/2006/relationships" xmlns:p="http://schemas.openxmlformats.org/presentationml/2006/main">
   <p:cSld>
     <p:spTree>
@@ -9622,9 +9871,14 @@
         </p:nvSpPr>
         <p:spPr>
           <a:xfrm>
-            <a:off x="2104887" y="2431774"/>
-            <a:ext cx="6400800" cy="825500"/>
+            <a:off x="242955" y="2736574"/>
+            <a:ext cx="11756887" cy="825500"/>
           </a:xfrm>
+          <a:solidFill>
+            <a:schemeClr val="bg1">
+              <a:lumMod val="95000"/>
+            </a:schemeClr>
+          </a:solidFill>
         </p:spPr>
         <p:txBody>
           <a:bodyPr>
@@ -9634,7 +9888,7 @@
           <a:p>
             <a:pPr algn="ctr"/>
             <a:r>
-              <a:rPr lang="en-US" sz="4000" b="1" dirty="0" smtClean="0">
+              <a:rPr lang="en-US" sz="4000" b="1" dirty="0">
                 <a:solidFill>
                   <a:srgbClr val="0070C0"/>
                 </a:solidFill>
@@ -9685,17 +9939,10 @@
   <p:clrMapOvr>
     <a:masterClrMapping/>
   </p:clrMapOvr>
-  <p:timing>
-    <p:tnLst>
-      <p:par>
-        <p:cTn id="1" dur="indefinite" restart="never" nodeType="tmRoot"/>
-      </p:par>
-    </p:tnLst>
-  </p:timing>
 </p:sld>
 </file>
 
-<file path=ppt/slides/slide27.xml><?xml version="1.0" encoding="utf-8"?>
+<file path=ppt/slides/slide26.xml><?xml version="1.0" encoding="utf-8"?>
 <p:sld xmlns:a="http://schemas.openxmlformats.org/drawingml/2006/main" xmlns:r="http://schemas.openxmlformats.org/officeDocument/2006/relationships" xmlns:p="http://schemas.openxmlformats.org/presentationml/2006/main">
   <p:cSld>
     <p:spTree>
@@ -9724,9 +9971,14 @@
         </p:nvSpPr>
         <p:spPr>
           <a:xfrm>
-            <a:off x="0" y="0"/>
-            <a:ext cx="5486400" cy="838200"/>
+            <a:off x="149087" y="79513"/>
+            <a:ext cx="11893826" cy="682487"/>
           </a:xfrm>
+          <a:solidFill>
+            <a:schemeClr val="bg1">
+              <a:lumMod val="95000"/>
+            </a:schemeClr>
+          </a:solidFill>
         </p:spPr>
         <p:txBody>
           <a:bodyPr>
@@ -9735,7 +9987,7 @@
           <a:lstStyle/>
           <a:p>
             <a:r>
-              <a:rPr lang="en-US" sz="2800" b="1" dirty="0" smtClean="0">
+              <a:rPr lang="en-US" sz="2800" b="1" dirty="0">
                 <a:solidFill>
                   <a:srgbClr val="0070C0"/>
                 </a:solidFill>
@@ -9782,13 +10034,104 @@
   <p:clrMapOvr>
     <a:masterClrMapping/>
   </p:clrMapOvr>
-  <p:timing>
-    <p:tnLst>
-      <p:par>
-        <p:cTn id="1" dur="indefinite" restart="never" nodeType="tmRoot"/>
-      </p:par>
-    </p:tnLst>
-  </p:timing>
+</p:sld>
+</file>
+
+<file path=ppt/slides/slide27.xml><?xml version="1.0" encoding="utf-8"?>
+<p:sld xmlns:a="http://schemas.openxmlformats.org/drawingml/2006/main" xmlns:r="http://schemas.openxmlformats.org/officeDocument/2006/relationships" xmlns:p="http://schemas.openxmlformats.org/presentationml/2006/main">
+  <p:cSld>
+    <p:spTree>
+      <p:nvGrpSpPr>
+        <p:cNvPr id="1" name=""/>
+        <p:cNvGrpSpPr/>
+        <p:nvPr/>
+      </p:nvGrpSpPr>
+      <p:grpSpPr>
+        <a:xfrm>
+          <a:off x="0" y="0"/>
+          <a:ext cx="0" cy="0"/>
+          <a:chOff x="0" y="0"/>
+          <a:chExt cx="0" cy="0"/>
+        </a:xfrm>
+      </p:grpSpPr>
+      <p:sp>
+        <p:nvSpPr>
+          <p:cNvPr id="2" name="Title 1"/>
+          <p:cNvSpPr>
+            <a:spLocks noGrp="1"/>
+          </p:cNvSpPr>
+          <p:nvPr>
+            <p:ph type="title"/>
+          </p:nvPr>
+        </p:nvSpPr>
+        <p:spPr>
+          <a:xfrm>
+            <a:off x="182217" y="137319"/>
+            <a:ext cx="11827565" cy="685800"/>
+          </a:xfrm>
+          <a:solidFill>
+            <a:schemeClr val="bg1">
+              <a:lumMod val="95000"/>
+            </a:schemeClr>
+          </a:solidFill>
+        </p:spPr>
+        <p:txBody>
+          <a:bodyPr>
+            <a:normAutofit/>
+          </a:bodyPr>
+          <a:lstStyle/>
+          <a:p>
+            <a:r>
+              <a:rPr lang="en-US" sz="2400" b="1" dirty="0">
+                <a:solidFill>
+                  <a:srgbClr val="0070C0"/>
+                </a:solidFill>
+              </a:rPr>
+              <a:t>Normality</a:t>
+            </a:r>
+            <a:endParaRPr lang="en-US" sz="2400" dirty="0"/>
+          </a:p>
+        </p:txBody>
+      </p:sp>
+      <p:pic>
+        <p:nvPicPr>
+          <p:cNvPr id="4" name="Content Placeholder 3"/>
+          <p:cNvPicPr>
+            <a:picLocks noGrp="1" noChangeAspect="1"/>
+          </p:cNvPicPr>
+          <p:nvPr>
+            <p:ph idx="1"/>
+          </p:nvPr>
+        </p:nvPicPr>
+        <p:blipFill>
+          <a:blip r:embed="rId2">
+            <a:extLst>
+              <a:ext uri="{28A0092B-C50C-407E-A947-70E740481C1C}">
+                <a14:useLocalDpi xmlns:a14="http://schemas.microsoft.com/office/drawing/2010/main" val="0"/>
+              </a:ext>
+            </a:extLst>
+          </a:blip>
+          <a:stretch>
+            <a:fillRect/>
+          </a:stretch>
+        </p:blipFill>
+        <p:spPr>
+          <a:xfrm>
+            <a:off x="1219200" y="1243807"/>
+            <a:ext cx="9956800" cy="5133974"/>
+          </a:xfrm>
+        </p:spPr>
+      </p:pic>
+    </p:spTree>
+    <p:extLst>
+      <p:ext uri="{BB962C8B-B14F-4D97-AF65-F5344CB8AC3E}">
+        <p14:creationId xmlns:p14="http://schemas.microsoft.com/office/powerpoint/2010/main" val="1346729731"/>
+      </p:ext>
+    </p:extLst>
+  </p:cSld>
+  <p:clrMapOvr>
+    <a:masterClrMapping/>
+  </p:clrMapOvr>
 </p:sld>
 </file>
 
@@ -9821,9 +10164,14 @@
         </p:nvSpPr>
         <p:spPr>
           <a:xfrm>
-            <a:off x="0" y="0"/>
-            <a:ext cx="5080000" cy="685800"/>
+            <a:off x="185531" y="245164"/>
+            <a:ext cx="11489633" cy="821635"/>
           </a:xfrm>
+          <a:solidFill>
+            <a:schemeClr val="bg1">
+              <a:lumMod val="95000"/>
+            </a:schemeClr>
+          </a:solidFill>
         </p:spPr>
         <p:txBody>
           <a:bodyPr>
@@ -9832,12 +10180,12 @@
           <a:lstStyle/>
           <a:p>
             <a:r>
-              <a:rPr lang="en-US" sz="2400" b="1" dirty="0" smtClean="0">
+              <a:rPr lang="en-US" sz="2400" b="1" dirty="0">
                 <a:solidFill>
                   <a:srgbClr val="0070C0"/>
                 </a:solidFill>
               </a:rPr>
-              <a:t>Normality</a:t>
+              <a:t>Independent Error</a:t>
             </a:r>
             <a:endParaRPr lang="en-US" sz="2400" dirty="0"/>
           </a:p>
@@ -9867,7 +10215,7 @@
         </p:blipFill>
         <p:spPr>
           <a:xfrm>
-            <a:off x="1219200" y="1243807"/>
+            <a:off x="1422400" y="1066800"/>
             <a:ext cx="9956800" cy="5133974"/>
           </a:xfrm>
         </p:spPr>
@@ -9875,20 +10223,13 @@
     </p:spTree>
     <p:extLst>
       <p:ext uri="{BB962C8B-B14F-4D97-AF65-F5344CB8AC3E}">
-        <p14:creationId xmlns:p14="http://schemas.microsoft.com/office/powerpoint/2010/main" val="1346729731"/>
+        <p14:creationId xmlns:p14="http://schemas.microsoft.com/office/powerpoint/2010/main" val="1509438979"/>
       </p:ext>
     </p:extLst>
   </p:cSld>
   <p:clrMapOvr>
     <a:masterClrMapping/>
   </p:clrMapOvr>
-  <p:timing>
-    <p:tnLst>
-      <p:par>
-        <p:cTn id="1" dur="indefinite" restart="never" nodeType="tmRoot"/>
-      </p:par>
-    </p:tnLst>
-  </p:timing>
 </p:sld>
 </file>
 
@@ -9921,9 +10262,14 @@
         </p:nvSpPr>
         <p:spPr>
           <a:xfrm>
-            <a:off x="0" y="0"/>
-            <a:ext cx="4267200" cy="914400"/>
+            <a:off x="147982" y="125895"/>
+            <a:ext cx="11794435" cy="715962"/>
           </a:xfrm>
+          <a:solidFill>
+            <a:schemeClr val="bg1">
+              <a:lumMod val="95000"/>
+            </a:schemeClr>
+          </a:solidFill>
         </p:spPr>
         <p:txBody>
           <a:bodyPr>
@@ -9932,14 +10278,14 @@
           <a:lstStyle/>
           <a:p>
             <a:r>
-              <a:rPr lang="en-US" sz="2400" b="1" dirty="0" smtClean="0">
+              <a:rPr lang="en-US" sz="2800" b="1" dirty="0">
                 <a:solidFill>
                   <a:srgbClr val="0070C0"/>
                 </a:solidFill>
               </a:rPr>
-              <a:t>Independent Error</a:t>
-            </a:r>
-            <a:endParaRPr lang="en-US" sz="2400" dirty="0"/>
+              <a:t>Residuals and Leverage</a:t>
+            </a:r>
+            <a:endParaRPr lang="en-US" sz="2800" dirty="0"/>
           </a:p>
         </p:txBody>
       </p:sp>
@@ -9967,28 +10313,21 @@
         </p:blipFill>
         <p:spPr>
           <a:xfrm>
-            <a:off x="1422400" y="1066800"/>
-            <a:ext cx="9956800" cy="5133974"/>
+            <a:off x="914401" y="962820"/>
+            <a:ext cx="10261599" cy="5291136"/>
           </a:xfrm>
         </p:spPr>
       </p:pic>
     </p:spTree>
     <p:extLst>
       <p:ext uri="{BB962C8B-B14F-4D97-AF65-F5344CB8AC3E}">
-        <p14:creationId xmlns:p14="http://schemas.microsoft.com/office/powerpoint/2010/main" val="1509438979"/>
+        <p14:creationId xmlns:p14="http://schemas.microsoft.com/office/powerpoint/2010/main" val="860835420"/>
       </p:ext>
     </p:extLst>
   </p:cSld>
   <p:clrMapOvr>
     <a:masterClrMapping/>
   </p:clrMapOvr>
-  <p:timing>
-    <p:tnLst>
-      <p:par>
-        <p:cTn id="1" dur="indefinite" restart="never" nodeType="tmRoot"/>
-      </p:par>
-    </p:tnLst>
-  </p:timing>
 </p:sld>
 </file>
 
@@ -10014,7 +10353,7 @@
           <p:cNvPr id="5" name="Content Placeholder 4" descr="A picture containing person, text, newspaper, outdoor&#10;&#10;Description generated with very high confidence">
             <a:extLst>
               <a:ext uri="{FF2B5EF4-FFF2-40B4-BE49-F238E27FC236}">
-                <a16:creationId xmlns:a16="http://schemas.microsoft.com/office/drawing/2014/main" xmlns="" id="{15B056D5-F188-43AA-B66A-95B40BD85B5E}"/>
+                <a16:creationId xmlns:a16="http://schemas.microsoft.com/office/drawing/2014/main" id="{15B056D5-F188-43AA-B66A-95B40BD85B5E}"/>
               </a:ext>
             </a:extLst>
           </p:cNvPr>
@@ -10060,6 +10399,17 @@
 <file path=ppt/slides/slide30.xml><?xml version="1.0" encoding="utf-8"?>
 <p:sld xmlns:a="http://schemas.openxmlformats.org/drawingml/2006/main" xmlns:r="http://schemas.openxmlformats.org/officeDocument/2006/relationships" xmlns:p="http://schemas.openxmlformats.org/presentationml/2006/main">
   <p:cSld>
+    <p:bg>
+      <p:bgPr>
+        <a:solidFill>
+          <a:schemeClr val="bg1">
+            <a:tint val="95000"/>
+            <a:satMod val="170000"/>
+          </a:schemeClr>
+        </a:solidFill>
+        <a:effectLst/>
+      </p:bgPr>
+    </p:bg>
     <p:spTree>
       <p:nvGrpSpPr>
         <p:cNvPr id="1" name=""/>
@@ -10074,6 +10424,201 @@
           <a:chExt cx="0" cy="0"/>
         </a:xfrm>
       </p:grpSpPr>
+      <p:grpSp>
+        <p:nvGrpSpPr>
+          <p:cNvPr id="7" name="Group 6" title="intersecting circles">
+            <a:extLst>
+              <a:ext uri="{FF2B5EF4-FFF2-40B4-BE49-F238E27FC236}">
+                <a16:creationId xmlns:a16="http://schemas.microsoft.com/office/drawing/2014/main" id="{D2C4BFA1-2075-4901-9E24-E41D1FDD51FD}"/>
+              </a:ext>
+            </a:extLst>
+          </p:cNvPr>
+          <p:cNvGrpSpPr>
+            <a:grpSpLocks noGrp="1" noUngrp="1" noRot="1" noChangeAspect="1" noMove="1" noResize="1"/>
+          </p:cNvGrpSpPr>
+          <p:nvPr>
+            <p:extLst>
+              <p:ext uri="{386F3935-93C4-4BCD-93E2-E3B085C9AB24}">
+                <p16:designElem xmlns:p16="http://schemas.microsoft.com/office/powerpoint/2015/main" val="1"/>
+              </p:ext>
+            </p:extLst>
+          </p:nvPr>
+        </p:nvGrpSpPr>
+        <p:grpSpPr>
+          <a:xfrm>
+            <a:off x="1155481" y="498348"/>
+            <a:ext cx="9902663" cy="5861304"/>
+            <a:chOff x="1155481" y="498348"/>
+            <a:chExt cx="9902663" cy="5861304"/>
+          </a:xfrm>
+        </p:grpSpPr>
+        <p:sp>
+          <p:nvSpPr>
+            <p:cNvPr id="8" name="Oval 5">
+              <a:extLst>
+                <a:ext uri="{FF2B5EF4-FFF2-40B4-BE49-F238E27FC236}">
+                  <a16:creationId xmlns:a16="http://schemas.microsoft.com/office/drawing/2014/main" id="{985A7375-E3AF-4F5C-85AE-17E8832952CA}"/>
+                </a:ext>
+              </a:extLst>
+            </p:cNvPr>
+            <p:cNvSpPr>
+              <a:spLocks noChangeArrowheads="1"/>
+            </p:cNvSpPr>
+            <p:nvPr>
+              <p:extLst>
+                <p:ext uri="{386F3935-93C4-4BCD-93E2-E3B085C9AB24}">
+                  <p16:designElem xmlns:p16="http://schemas.microsoft.com/office/powerpoint/2015/main" val="1"/>
+                </p:ext>
+              </p:extLst>
+            </p:nvPr>
+          </p:nvSpPr>
+          <p:spPr bwMode="auto">
+            <a:xfrm>
+              <a:off x="1155481" y="498348"/>
+              <a:ext cx="5861304" cy="5861304"/>
+            </a:xfrm>
+            <a:prstGeom prst="ellipse">
+              <a:avLst/>
+            </a:prstGeom>
+            <a:solidFill>
+              <a:schemeClr val="accent1">
+                <a:alpha val="55000"/>
+              </a:schemeClr>
+            </a:solidFill>
+            <a:ln>
+              <a:noFill/>
+            </a:ln>
+          </p:spPr>
+        </p:sp>
+        <p:sp>
+          <p:nvSpPr>
+            <p:cNvPr id="9" name="Oval 8">
+              <a:extLst>
+                <a:ext uri="{FF2B5EF4-FFF2-40B4-BE49-F238E27FC236}">
+                  <a16:creationId xmlns:a16="http://schemas.microsoft.com/office/drawing/2014/main" id="{F0307F65-8304-4FA8-A841-D4D7625411BE}"/>
+                </a:ext>
+              </a:extLst>
+            </p:cNvPr>
+            <p:cNvSpPr>
+              <a:spLocks noChangeArrowheads="1"/>
+            </p:cNvSpPr>
+            <p:nvPr>
+              <p:extLst>
+                <p:ext uri="{386F3935-93C4-4BCD-93E2-E3B085C9AB24}">
+                  <p16:designElem xmlns:p16="http://schemas.microsoft.com/office/powerpoint/2015/main" val="1"/>
+                </p:ext>
+              </p:extLst>
+            </p:nvPr>
+          </p:nvSpPr>
+          <p:spPr bwMode="auto">
+            <a:xfrm>
+              <a:off x="5196840" y="498348"/>
+              <a:ext cx="5861304" cy="5861304"/>
+            </a:xfrm>
+            <a:prstGeom prst="ellipse">
+              <a:avLst/>
+            </a:prstGeom>
+            <a:solidFill>
+              <a:schemeClr val="accent1">
+                <a:alpha val="55000"/>
+              </a:schemeClr>
+            </a:solidFill>
+            <a:ln>
+              <a:noFill/>
+            </a:ln>
+          </p:spPr>
+        </p:sp>
+        <p:sp>
+          <p:nvSpPr>
+            <p:cNvPr id="10" name="Oval 5">
+              <a:extLst>
+                <a:ext uri="{FF2B5EF4-FFF2-40B4-BE49-F238E27FC236}">
+                  <a16:creationId xmlns:a16="http://schemas.microsoft.com/office/drawing/2014/main" id="{C8B8394C-136F-4E05-A002-D93A5E79CD50}"/>
+                </a:ext>
+              </a:extLst>
+            </p:cNvPr>
+            <p:cNvSpPr>
+              <a:spLocks noChangeArrowheads="1"/>
+            </p:cNvSpPr>
+            <p:nvPr>
+              <p:extLst>
+                <p:ext uri="{386F3935-93C4-4BCD-93E2-E3B085C9AB24}">
+                  <p16:designElem xmlns:p16="http://schemas.microsoft.com/office/powerpoint/2015/main" val="1"/>
+                </p:ext>
+              </p:extLst>
+            </p:nvPr>
+          </p:nvSpPr>
+          <p:spPr bwMode="auto">
+            <a:xfrm>
+              <a:off x="3165348" y="498348"/>
+              <a:ext cx="5861304" cy="5861304"/>
+            </a:xfrm>
+            <a:prstGeom prst="ellipse">
+              <a:avLst/>
+            </a:prstGeom>
+            <a:solidFill>
+              <a:schemeClr val="accent1">
+                <a:alpha val="70000"/>
+              </a:schemeClr>
+            </a:solidFill>
+            <a:ln>
+              <a:noFill/>
+            </a:ln>
+          </p:spPr>
+        </p:sp>
+      </p:grpSp>
+      <p:sp>
+        <p:nvSpPr>
+          <p:cNvPr id="12" name="Rectangle 11" title="ribbon">
+            <a:extLst>
+              <a:ext uri="{FF2B5EF4-FFF2-40B4-BE49-F238E27FC236}">
+                <a16:creationId xmlns:a16="http://schemas.microsoft.com/office/drawing/2014/main" id="{053FB2EE-284F-4C87-AB3D-BBF87A9FAB97}"/>
+              </a:ext>
+            </a:extLst>
+          </p:cNvPr>
+          <p:cNvSpPr>
+            <a:spLocks noGrp="1" noRot="1" noChangeAspect="1" noMove="1" noResize="1" noEditPoints="1" noAdjustHandles="1" noChangeArrowheads="1" noChangeShapeType="1" noTextEdit="1"/>
+          </p:cNvSpPr>
+          <p:nvPr>
+            <p:extLst>
+              <p:ext uri="{386F3935-93C4-4BCD-93E2-E3B085C9AB24}">
+                <p16:designElem xmlns:p16="http://schemas.microsoft.com/office/powerpoint/2015/main" val="1"/>
+              </p:ext>
+            </p:extLst>
+          </p:nvPr>
+        </p:nvSpPr>
+        <p:spPr>
+          <a:xfrm>
+            <a:off x="0" y="2514600"/>
+            <a:ext cx="12192000" cy="1828800"/>
+          </a:xfrm>
+          <a:prstGeom prst="rect">
+            <a:avLst/>
+          </a:prstGeom>
+          <a:solidFill>
+            <a:schemeClr val="tx2"/>
+          </a:solidFill>
+          <a:ln>
+            <a:noFill/>
+          </a:ln>
+        </p:spPr>
+        <p:style>
+          <a:lnRef idx="2">
+            <a:schemeClr val="accent1">
+              <a:shade val="50000"/>
+            </a:schemeClr>
+          </a:lnRef>
+          <a:fillRef idx="1">
+            <a:schemeClr val="accent1"/>
+          </a:fillRef>
+          <a:effectRef idx="0">
+            <a:schemeClr val="accent1"/>
+          </a:effectRef>
+          <a:fontRef idx="minor">
+            <a:schemeClr val="lt1"/>
+          </a:fontRef>
+        </p:style>
+      </p:sp>
       <p:sp>
         <p:nvSpPr>
           <p:cNvPr id="2" name="Title 1"/>
@@ -10086,74 +10631,49 @@
         </p:nvSpPr>
         <p:spPr>
           <a:xfrm>
-            <a:off x="0" y="0"/>
-            <a:ext cx="4673600" cy="715962"/>
+            <a:off x="1524000" y="2776538"/>
+            <a:ext cx="9144000" cy="1381188"/>
           </a:xfrm>
         </p:spPr>
         <p:txBody>
-          <a:bodyPr>
+          <a:bodyPr vert="horz" lIns="91440" tIns="45720" rIns="91440" bIns="45720" rtlCol="0" anchor="ctr">
             <a:normAutofit/>
           </a:bodyPr>
           <a:lstStyle/>
           <a:p>
-            <a:r>
-              <a:rPr lang="en-US" sz="2800" b="1" dirty="0" smtClean="0">
+            <a:pPr algn="ctr"/>
+            <a:r>
+              <a:rPr lang="en-US" sz="4000" b="1" kern="1200">
                 <a:solidFill>
-                  <a:srgbClr val="0070C0"/>
+                  <a:schemeClr val="bg2"/>
                 </a:solidFill>
+                <a:latin typeface="+mj-lt"/>
+                <a:ea typeface="+mj-ea"/>
+                <a:cs typeface="+mj-cs"/>
               </a:rPr>
-              <a:t>Residuals and Leverage</a:t>
-            </a:r>
-            <a:endParaRPr lang="en-US" sz="2800" dirty="0"/>
+              <a:t>Model Evaluation (Cross Validation)</a:t>
+            </a:r>
+            <a:endParaRPr lang="en-US" sz="4000" kern="1200">
+              <a:solidFill>
+                <a:schemeClr val="bg2"/>
+              </a:solidFill>
+              <a:latin typeface="+mj-lt"/>
+              <a:ea typeface="+mj-ea"/>
+              <a:cs typeface="+mj-cs"/>
+            </a:endParaRPr>
           </a:p>
         </p:txBody>
       </p:sp>
-      <p:pic>
-        <p:nvPicPr>
-          <p:cNvPr id="4" name="Content Placeholder 3"/>
-          <p:cNvPicPr>
-            <a:picLocks noGrp="1" noChangeAspect="1"/>
-          </p:cNvPicPr>
-          <p:nvPr>
-            <p:ph idx="1"/>
-          </p:nvPr>
-        </p:nvPicPr>
-        <p:blipFill>
-          <a:blip r:embed="rId2">
-            <a:extLst>
-              <a:ext uri="{28A0092B-C50C-407E-A947-70E740481C1C}">
-                <a14:useLocalDpi xmlns:a14="http://schemas.microsoft.com/office/drawing/2010/main" val="0"/>
-              </a:ext>
-            </a:extLst>
-          </a:blip>
-          <a:stretch>
-            <a:fillRect/>
-          </a:stretch>
-        </p:blipFill>
-        <p:spPr>
-          <a:xfrm>
-            <a:off x="914401" y="962820"/>
-            <a:ext cx="10261599" cy="5291136"/>
-          </a:xfrm>
-        </p:spPr>
-      </p:pic>
     </p:spTree>
     <p:extLst>
       <p:ext uri="{BB962C8B-B14F-4D97-AF65-F5344CB8AC3E}">
-        <p14:creationId xmlns:p14="http://schemas.microsoft.com/office/powerpoint/2010/main" val="860835420"/>
+        <p14:creationId xmlns:p14="http://schemas.microsoft.com/office/powerpoint/2010/main" val="1488290667"/>
       </p:ext>
     </p:extLst>
   </p:cSld>
   <p:clrMapOvr>
-    <a:masterClrMapping/>
+    <a:overrideClrMapping bg1="dk1" tx1="lt1" bg2="dk2" tx2="lt2" accent1="accent1" accent2="accent2" accent3="accent3" accent4="accent4" accent5="accent5" accent6="accent6" hlink="hlink" folHlink="folHlink"/>
   </p:clrMapOvr>
-  <p:timing>
-    <p:tnLst>
-      <p:par>
-        <p:cTn id="1" dur="indefinite" restart="never" nodeType="tmRoot"/>
-      </p:par>
-    </p:tnLst>
-  </p:timing>
 </p:sld>
 </file>
 
@@ -10176,93 +10696,6 @@
       </p:grpSpPr>
       <p:sp>
         <p:nvSpPr>
-          <p:cNvPr id="2" name="Title 1"/>
-          <p:cNvSpPr>
-            <a:spLocks noGrp="1"/>
-          </p:cNvSpPr>
-          <p:nvPr>
-            <p:ph type="title"/>
-          </p:nvPr>
-        </p:nvSpPr>
-        <p:spPr>
-          <a:xfrm>
-            <a:off x="1547707" y="2854960"/>
-            <a:ext cx="5384800" cy="868362"/>
-          </a:xfrm>
-        </p:spPr>
-        <p:txBody>
-          <a:bodyPr>
-            <a:normAutofit fontScale="90000"/>
-          </a:bodyPr>
-          <a:lstStyle/>
-          <a:p>
-            <a:r>
-              <a:rPr lang="en-US" sz="3200" b="1" dirty="0" smtClean="0">
-                <a:solidFill>
-                  <a:srgbClr val="0070C0"/>
-                </a:solidFill>
-              </a:rPr>
-              <a:t>Model </a:t>
-            </a:r>
-            <a:r>
-              <a:rPr lang="en-US" sz="3100" b="1" dirty="0" smtClean="0">
-                <a:solidFill>
-                  <a:srgbClr val="0070C0"/>
-                </a:solidFill>
-              </a:rPr>
-              <a:t>Evaluation</a:t>
-            </a:r>
-            <a:r>
-              <a:rPr lang="en-US" sz="3200" b="1" dirty="0" smtClean="0">
-                <a:solidFill>
-                  <a:srgbClr val="0070C0"/>
-                </a:solidFill>
-              </a:rPr>
-              <a:t> (Cross Validation)</a:t>
-            </a:r>
-            <a:endParaRPr lang="en-US" sz="3200" dirty="0"/>
-          </a:p>
-        </p:txBody>
-      </p:sp>
-    </p:spTree>
-    <p:extLst>
-      <p:ext uri="{BB962C8B-B14F-4D97-AF65-F5344CB8AC3E}">
-        <p14:creationId xmlns:p14="http://schemas.microsoft.com/office/powerpoint/2010/main" val="1488290667"/>
-      </p:ext>
-    </p:extLst>
-  </p:cSld>
-  <p:clrMapOvr>
-    <a:masterClrMapping/>
-  </p:clrMapOvr>
-  <p:timing>
-    <p:tnLst>
-      <p:par>
-        <p:cTn id="1" dur="indefinite" restart="never" nodeType="tmRoot"/>
-      </p:par>
-    </p:tnLst>
-  </p:timing>
-</p:sld>
-</file>
-
-<file path=ppt/slides/slide32.xml><?xml version="1.0" encoding="utf-8"?>
-<p:sld xmlns:a="http://schemas.openxmlformats.org/drawingml/2006/main" xmlns:r="http://schemas.openxmlformats.org/officeDocument/2006/relationships" xmlns:p="http://schemas.openxmlformats.org/presentationml/2006/main">
-  <p:cSld>
-    <p:spTree>
-      <p:nvGrpSpPr>
-        <p:cNvPr id="1" name=""/>
-        <p:cNvGrpSpPr/>
-        <p:nvPr/>
-      </p:nvGrpSpPr>
-      <p:grpSpPr>
-        <a:xfrm>
-          <a:off x="0" y="0"/>
-          <a:ext cx="0" cy="0"/>
-          <a:chOff x="0" y="0"/>
-          <a:chExt cx="0" cy="0"/>
-        </a:xfrm>
-      </p:grpSpPr>
-      <p:sp>
-        <p:nvSpPr>
           <p:cNvPr id="3" name="Content Placeholder 2"/>
           <p:cNvSpPr>
             <a:spLocks noGrp="1"/>
@@ -10285,14 +10718,14 @@
               <a:buNone/>
             </a:pPr>
             <a:r>
-              <a:rPr lang="en-US" sz="2000" b="1" dirty="0" smtClean="0">
+              <a:rPr lang="en-US" b="1" dirty="0">
                 <a:solidFill>
                   <a:srgbClr val="0070C0"/>
                 </a:solidFill>
               </a:rPr>
               <a:t>Predicted vs Actuals</a:t>
             </a:r>
-            <a:endParaRPr lang="en-US" sz="2000" dirty="0"/>
+            <a:endParaRPr lang="en-US" dirty="0"/>
           </a:p>
           <a:p>
             <a:pPr marL="0" indent="0">
@@ -10342,13 +10775,290 @@
   <p:clrMapOvr>
     <a:masterClrMapping/>
   </p:clrMapOvr>
-  <p:timing>
-    <p:tnLst>
-      <p:par>
-        <p:cTn id="1" dur="indefinite" restart="never" nodeType="tmRoot"/>
-      </p:par>
-    </p:tnLst>
-  </p:timing>
+</p:sld>
+</file>
+
+<file path=ppt/slides/slide32.xml><?xml version="1.0" encoding="utf-8"?>
+<p:sld xmlns:a="http://schemas.openxmlformats.org/drawingml/2006/main" xmlns:r="http://schemas.openxmlformats.org/officeDocument/2006/relationships" xmlns:p="http://schemas.openxmlformats.org/presentationml/2006/main">
+  <p:cSld>
+    <p:bg>
+      <p:bgPr>
+        <a:solidFill>
+          <a:schemeClr val="bg1">
+            <a:tint val="95000"/>
+            <a:satMod val="170000"/>
+          </a:schemeClr>
+        </a:solidFill>
+        <a:effectLst/>
+      </p:bgPr>
+    </p:bg>
+    <p:spTree>
+      <p:nvGrpSpPr>
+        <p:cNvPr id="1" name=""/>
+        <p:cNvGrpSpPr/>
+        <p:nvPr/>
+      </p:nvGrpSpPr>
+      <p:grpSpPr>
+        <a:xfrm>
+          <a:off x="0" y="0"/>
+          <a:ext cx="0" cy="0"/>
+          <a:chOff x="0" y="0"/>
+          <a:chExt cx="0" cy="0"/>
+        </a:xfrm>
+      </p:grpSpPr>
+      <p:grpSp>
+        <p:nvGrpSpPr>
+          <p:cNvPr id="8" name="Group 7" title="intersecting circles">
+            <a:extLst>
+              <a:ext uri="{FF2B5EF4-FFF2-40B4-BE49-F238E27FC236}">
+                <a16:creationId xmlns:a16="http://schemas.microsoft.com/office/drawing/2014/main" id="{D2C4BFA1-2075-4901-9E24-E41D1FDD51FD}"/>
+              </a:ext>
+            </a:extLst>
+          </p:cNvPr>
+          <p:cNvGrpSpPr>
+            <a:grpSpLocks noGrp="1" noUngrp="1" noRot="1" noChangeAspect="1" noMove="1" noResize="1"/>
+          </p:cNvGrpSpPr>
+          <p:nvPr>
+            <p:extLst>
+              <p:ext uri="{386F3935-93C4-4BCD-93E2-E3B085C9AB24}">
+                <p16:designElem xmlns:p16="http://schemas.microsoft.com/office/powerpoint/2015/main" val="1"/>
+              </p:ext>
+            </p:extLst>
+          </p:nvPr>
+        </p:nvGrpSpPr>
+        <p:grpSpPr>
+          <a:xfrm>
+            <a:off x="1155481" y="498348"/>
+            <a:ext cx="9902663" cy="5861304"/>
+            <a:chOff x="1155481" y="498348"/>
+            <a:chExt cx="9902663" cy="5861304"/>
+          </a:xfrm>
+        </p:grpSpPr>
+        <p:sp>
+          <p:nvSpPr>
+            <p:cNvPr id="9" name="Oval 5">
+              <a:extLst>
+                <a:ext uri="{FF2B5EF4-FFF2-40B4-BE49-F238E27FC236}">
+                  <a16:creationId xmlns:a16="http://schemas.microsoft.com/office/drawing/2014/main" id="{985A7375-E3AF-4F5C-85AE-17E8832952CA}"/>
+                </a:ext>
+              </a:extLst>
+            </p:cNvPr>
+            <p:cNvSpPr>
+              <a:spLocks noChangeArrowheads="1"/>
+            </p:cNvSpPr>
+            <p:nvPr>
+              <p:extLst>
+                <p:ext uri="{386F3935-93C4-4BCD-93E2-E3B085C9AB24}">
+                  <p16:designElem xmlns:p16="http://schemas.microsoft.com/office/powerpoint/2015/main" val="1"/>
+                </p:ext>
+              </p:extLst>
+            </p:nvPr>
+          </p:nvSpPr>
+          <p:spPr bwMode="auto">
+            <a:xfrm>
+              <a:off x="1155481" y="498348"/>
+              <a:ext cx="5861304" cy="5861304"/>
+            </a:xfrm>
+            <a:prstGeom prst="ellipse">
+              <a:avLst/>
+            </a:prstGeom>
+            <a:solidFill>
+              <a:schemeClr val="accent1">
+                <a:alpha val="55000"/>
+              </a:schemeClr>
+            </a:solidFill>
+            <a:ln>
+              <a:noFill/>
+            </a:ln>
+          </p:spPr>
+        </p:sp>
+        <p:sp>
+          <p:nvSpPr>
+            <p:cNvPr id="10" name="Oval 9">
+              <a:extLst>
+                <a:ext uri="{FF2B5EF4-FFF2-40B4-BE49-F238E27FC236}">
+                  <a16:creationId xmlns:a16="http://schemas.microsoft.com/office/drawing/2014/main" id="{F0307F65-8304-4FA8-A841-D4D7625411BE}"/>
+                </a:ext>
+              </a:extLst>
+            </p:cNvPr>
+            <p:cNvSpPr>
+              <a:spLocks noChangeArrowheads="1"/>
+            </p:cNvSpPr>
+            <p:nvPr>
+              <p:extLst>
+                <p:ext uri="{386F3935-93C4-4BCD-93E2-E3B085C9AB24}">
+                  <p16:designElem xmlns:p16="http://schemas.microsoft.com/office/powerpoint/2015/main" val="1"/>
+                </p:ext>
+              </p:extLst>
+            </p:nvPr>
+          </p:nvSpPr>
+          <p:spPr bwMode="auto">
+            <a:xfrm>
+              <a:off x="5196840" y="498348"/>
+              <a:ext cx="5861304" cy="5861304"/>
+            </a:xfrm>
+            <a:prstGeom prst="ellipse">
+              <a:avLst/>
+            </a:prstGeom>
+            <a:solidFill>
+              <a:schemeClr val="accent1">
+                <a:alpha val="55000"/>
+              </a:schemeClr>
+            </a:solidFill>
+            <a:ln>
+              <a:noFill/>
+            </a:ln>
+          </p:spPr>
+        </p:sp>
+        <p:sp>
+          <p:nvSpPr>
+            <p:cNvPr id="11" name="Oval 5">
+              <a:extLst>
+                <a:ext uri="{FF2B5EF4-FFF2-40B4-BE49-F238E27FC236}">
+                  <a16:creationId xmlns:a16="http://schemas.microsoft.com/office/drawing/2014/main" id="{C8B8394C-136F-4E05-A002-D93A5E79CD50}"/>
+                </a:ext>
+              </a:extLst>
+            </p:cNvPr>
+            <p:cNvSpPr>
+              <a:spLocks noChangeArrowheads="1"/>
+            </p:cNvSpPr>
+            <p:nvPr>
+              <p:extLst>
+                <p:ext uri="{386F3935-93C4-4BCD-93E2-E3B085C9AB24}">
+                  <p16:designElem xmlns:p16="http://schemas.microsoft.com/office/powerpoint/2015/main" val="1"/>
+                </p:ext>
+              </p:extLst>
+            </p:nvPr>
+          </p:nvSpPr>
+          <p:spPr bwMode="auto">
+            <a:xfrm>
+              <a:off x="3165348" y="498348"/>
+              <a:ext cx="5861304" cy="5861304"/>
+            </a:xfrm>
+            <a:prstGeom prst="ellipse">
+              <a:avLst/>
+            </a:prstGeom>
+            <a:solidFill>
+              <a:schemeClr val="accent1">
+                <a:alpha val="70000"/>
+              </a:schemeClr>
+            </a:solidFill>
+            <a:ln>
+              <a:noFill/>
+            </a:ln>
+          </p:spPr>
+        </p:sp>
+      </p:grpSp>
+      <p:sp>
+        <p:nvSpPr>
+          <p:cNvPr id="13" name="Rectangle 12" title="ribbon">
+            <a:extLst>
+              <a:ext uri="{FF2B5EF4-FFF2-40B4-BE49-F238E27FC236}">
+                <a16:creationId xmlns:a16="http://schemas.microsoft.com/office/drawing/2014/main" id="{053FB2EE-284F-4C87-AB3D-BBF87A9FAB97}"/>
+              </a:ext>
+            </a:extLst>
+          </p:cNvPr>
+          <p:cNvSpPr>
+            <a:spLocks noGrp="1" noRot="1" noChangeAspect="1" noMove="1" noResize="1" noEditPoints="1" noAdjustHandles="1" noChangeArrowheads="1" noChangeShapeType="1" noTextEdit="1"/>
+          </p:cNvSpPr>
+          <p:nvPr>
+            <p:extLst>
+              <p:ext uri="{386F3935-93C4-4BCD-93E2-E3B085C9AB24}">
+                <p16:designElem xmlns:p16="http://schemas.microsoft.com/office/powerpoint/2015/main" val="1"/>
+              </p:ext>
+            </p:extLst>
+          </p:nvPr>
+        </p:nvSpPr>
+        <p:spPr>
+          <a:xfrm>
+            <a:off x="0" y="2514600"/>
+            <a:ext cx="12192000" cy="1828800"/>
+          </a:xfrm>
+          <a:prstGeom prst="rect">
+            <a:avLst/>
+          </a:prstGeom>
+          <a:solidFill>
+            <a:schemeClr val="tx2"/>
+          </a:solidFill>
+          <a:ln>
+            <a:noFill/>
+          </a:ln>
+        </p:spPr>
+        <p:style>
+          <a:lnRef idx="2">
+            <a:schemeClr val="accent1">
+              <a:shade val="50000"/>
+            </a:schemeClr>
+          </a:lnRef>
+          <a:fillRef idx="1">
+            <a:schemeClr val="accent1"/>
+          </a:fillRef>
+          <a:effectRef idx="0">
+            <a:schemeClr val="accent1"/>
+          </a:effectRef>
+          <a:fontRef idx="minor">
+            <a:schemeClr val="lt1"/>
+          </a:fontRef>
+        </p:style>
+      </p:sp>
+      <p:sp>
+        <p:nvSpPr>
+          <p:cNvPr id="2" name="Title 1">
+            <a:extLst>
+              <a:ext uri="{FF2B5EF4-FFF2-40B4-BE49-F238E27FC236}">
+                <a16:creationId xmlns:a16="http://schemas.microsoft.com/office/drawing/2014/main" id="{7EBCB659-23B0-4542-B9AF-C8F4952A266B}"/>
+              </a:ext>
+            </a:extLst>
+          </p:cNvPr>
+          <p:cNvSpPr>
+            <a:spLocks noGrp="1"/>
+          </p:cNvSpPr>
+          <p:nvPr>
+            <p:ph type="title"/>
+          </p:nvPr>
+        </p:nvSpPr>
+        <p:spPr>
+          <a:xfrm>
+            <a:off x="1524000" y="2776538"/>
+            <a:ext cx="9144000" cy="1381188"/>
+          </a:xfrm>
+        </p:spPr>
+        <p:txBody>
+          <a:bodyPr vert="horz" lIns="91440" tIns="45720" rIns="91440" bIns="45720" rtlCol="0" anchor="ctr">
+            <a:normAutofit/>
+          </a:bodyPr>
+          <a:lstStyle/>
+          <a:p>
+            <a:pPr algn="ctr"/>
+            <a:r>
+              <a:rPr lang="en-US" sz="4000" b="1" dirty="0">
+                <a:solidFill>
+                  <a:schemeClr val="bg2"/>
+                </a:solidFill>
+              </a:rPr>
+              <a:t>Analysis, Conclusions, and Considerations</a:t>
+            </a:r>
+            <a:endParaRPr lang="en-US" sz="4000" b="1" kern="1200" dirty="0">
+              <a:solidFill>
+                <a:schemeClr val="bg2"/>
+              </a:solidFill>
+              <a:latin typeface="+mj-lt"/>
+              <a:ea typeface="+mj-ea"/>
+              <a:cs typeface="+mj-cs"/>
+            </a:endParaRPr>
+          </a:p>
+        </p:txBody>
+      </p:sp>
+    </p:spTree>
+    <p:extLst>
+      <p:ext uri="{BB962C8B-B14F-4D97-AF65-F5344CB8AC3E}">
+        <p14:creationId xmlns:p14="http://schemas.microsoft.com/office/powerpoint/2010/main" val="1839317052"/>
+      </p:ext>
+    </p:extLst>
+  </p:cSld>
+  <p:clrMapOvr>
+    <a:overrideClrMapping bg1="dk1" tx1="lt1" bg2="dk2" tx2="lt2" accent1="accent1" accent2="accent2" accent3="accent3" accent4="accent4" accent5="accent5" accent6="accent6" hlink="hlink" folHlink="folHlink"/>
+  </p:clrMapOvr>
 </p:sld>
 </file>
 
@@ -10384,6 +11094,11 @@
             <a:off x="430696" y="287498"/>
             <a:ext cx="11277600" cy="693163"/>
           </a:xfrm>
+          <a:solidFill>
+            <a:schemeClr val="bg1">
+              <a:lumMod val="95000"/>
+            </a:schemeClr>
+          </a:solidFill>
         </p:spPr>
         <p:txBody>
           <a:bodyPr>
@@ -10391,8 +11106,9 @@
           </a:bodyPr>
           <a:lstStyle/>
           <a:p>
-            <a:r>
-              <a:rPr lang="en-US" sz="2800" dirty="0">
+            <a:pPr algn="l"/>
+            <a:r>
+              <a:rPr lang="en-US" sz="2800" b="1" dirty="0">
                 <a:solidFill>
                   <a:srgbClr val="0070C0"/>
                 </a:solidFill>
@@ -10414,8 +11130,8 @@
         </p:nvSpPr>
         <p:spPr>
           <a:xfrm>
-            <a:off x="2895600" y="1988522"/>
-            <a:ext cx="6400800" cy="3650279"/>
+            <a:off x="430695" y="1988522"/>
+            <a:ext cx="11363739" cy="3650279"/>
           </a:xfrm>
         </p:spPr>
         <p:txBody>
@@ -10440,7 +11156,7 @@
             </a:pPr>
             <a:r>
               <a:rPr lang="en-US" sz="2000" dirty="0"/>
-              <a:t>Discovering investment opportunities by comparing fixed features    vs changeable features</a:t>
+              <a:t>Discovering investment opportunities by comparing fixed features vs changeable features</a:t>
             </a:r>
           </a:p>
           <a:p>
@@ -10528,9 +11244,14 @@
         </p:nvSpPr>
         <p:spPr>
           <a:xfrm>
-            <a:off x="1981200" y="274639"/>
-            <a:ext cx="8229600" cy="707643"/>
+            <a:off x="265043" y="221631"/>
+            <a:ext cx="11436627" cy="672891"/>
           </a:xfrm>
+          <a:solidFill>
+            <a:schemeClr val="bg1">
+              <a:lumMod val="95000"/>
+            </a:schemeClr>
+          </a:solidFill>
         </p:spPr>
         <p:txBody>
           <a:bodyPr>
@@ -10539,7 +11260,11 @@
           <a:lstStyle/>
           <a:p>
             <a:r>
-              <a:rPr lang="en-US" dirty="0"/>
+              <a:rPr lang="en-US" sz="2800" b="1" dirty="0">
+                <a:solidFill>
+                  <a:srgbClr val="0070C0"/>
+                </a:solidFill>
+              </a:rPr>
               <a:t>Statistically supported conclusions</a:t>
             </a:r>
           </a:p>
@@ -10557,8 +11282,8 @@
         </p:nvSpPr>
         <p:spPr>
           <a:xfrm>
-            <a:off x="1981200" y="1149989"/>
-            <a:ext cx="8229600" cy="5390567"/>
+            <a:off x="470451" y="1149989"/>
+            <a:ext cx="11171583" cy="5390567"/>
           </a:xfrm>
         </p:spPr>
         <p:txBody>
@@ -10571,11 +11296,19 @@
               <a:buAutoNum type="arabicPeriod"/>
             </a:pPr>
             <a:r>
-              <a:rPr lang="en-US" b="1" u="sng" dirty="0"/>
+              <a:rPr lang="en-US" b="1" u="sng" dirty="0">
+                <a:solidFill>
+                  <a:srgbClr val="0070C0"/>
+                </a:solidFill>
+              </a:rPr>
               <a:t>Go Big or Go Home </a:t>
             </a:r>
             <a:r>
-              <a:rPr lang="en-US" sz="1200" u="sng" dirty="0"/>
+              <a:rPr lang="en-US" sz="1200" u="sng" dirty="0">
+                <a:solidFill>
+                  <a:srgbClr val="0070C0"/>
+                </a:solidFill>
+              </a:rPr>
               <a:t>(pun intended)</a:t>
             </a:r>
           </a:p>
@@ -10627,11 +11360,19 @@
               <a:buNone/>
             </a:pPr>
             <a:r>
-              <a:rPr lang="en-US" dirty="0"/>
+              <a:rPr lang="en-US" dirty="0">
+                <a:solidFill>
+                  <a:srgbClr val="0070C0"/>
+                </a:solidFill>
+              </a:rPr>
               <a:t>2. </a:t>
             </a:r>
             <a:r>
-              <a:rPr lang="en-US" b="1" u="sng" dirty="0"/>
+              <a:rPr lang="en-US" b="1" u="sng" dirty="0">
+                <a:solidFill>
+                  <a:srgbClr val="0070C0"/>
+                </a:solidFill>
+              </a:rPr>
               <a:t>Be Selective but not obsessive</a:t>
             </a:r>
           </a:p>
@@ -10754,7 +11495,17 @@
             <p:ph type="title"/>
           </p:nvPr>
         </p:nvSpPr>
-        <p:spPr/>
+        <p:spPr>
+          <a:xfrm>
+            <a:off x="59635" y="365126"/>
+            <a:ext cx="12132365" cy="595658"/>
+          </a:xfrm>
+          <a:solidFill>
+            <a:schemeClr val="bg1">
+              <a:lumMod val="95000"/>
+            </a:schemeClr>
+          </a:solidFill>
+        </p:spPr>
         <p:txBody>
           <a:bodyPr>
             <a:normAutofit/>
@@ -10762,15 +11513,27 @@
           <a:lstStyle/>
           <a:p>
             <a:r>
-              <a:rPr lang="en-US" dirty="0"/>
+              <a:rPr lang="en-US" sz="2800" b="1" dirty="0">
+                <a:solidFill>
+                  <a:srgbClr val="0070C0"/>
+                </a:solidFill>
+              </a:rPr>
               <a:t>Flip or Flop </a:t>
             </a:r>
             <a:r>
-              <a:rPr lang="mr-IN" dirty="0"/>
+              <a:rPr lang="mr-IN" sz="2800" b="1" dirty="0">
+                <a:solidFill>
+                  <a:srgbClr val="0070C0"/>
+                </a:solidFill>
+              </a:rPr>
               <a:t>–</a:t>
             </a:r>
             <a:r>
-              <a:rPr lang="en-US" dirty="0"/>
+              <a:rPr lang="en-US" sz="2800" b="1" dirty="0">
+                <a:solidFill>
+                  <a:srgbClr val="0070C0"/>
+                </a:solidFill>
+              </a:rPr>
               <a:t> Investment opportunities by renovating?</a:t>
             </a:r>
           </a:p>
@@ -10786,7 +11549,12 @@
             <p:ph idx="1"/>
           </p:nvPr>
         </p:nvSpPr>
-        <p:spPr/>
+        <p:spPr>
+          <a:xfrm>
+            <a:off x="457200" y="1404730"/>
+            <a:ext cx="10896600" cy="4772233"/>
+          </a:xfrm>
+        </p:spPr>
         <p:txBody>
           <a:bodyPr>
             <a:noAutofit/>
@@ -10910,7 +11678,7 @@
           <p:cNvPr id="8" name="Group 7" title="intersecting circles">
             <a:extLst>
               <a:ext uri="{FF2B5EF4-FFF2-40B4-BE49-F238E27FC236}">
-                <a16:creationId xmlns:a16="http://schemas.microsoft.com/office/drawing/2014/main" xmlns="" id="{D2C4BFA1-2075-4901-9E24-E41D1FDD51FD}"/>
+                <a16:creationId xmlns:a16="http://schemas.microsoft.com/office/drawing/2014/main" id="{D2C4BFA1-2075-4901-9E24-E41D1FDD51FD}"/>
               </a:ext>
             </a:extLst>
           </p:cNvPr>
@@ -10920,7 +11688,7 @@
           <p:nvPr>
             <p:extLst>
               <p:ext uri="{386F3935-93C4-4BCD-93E2-E3B085C9AB24}">
-                <p16:designElem xmlns:p16="http://schemas.microsoft.com/office/powerpoint/2015/main" xmlns="" val="1"/>
+                <p16:designElem xmlns:p16="http://schemas.microsoft.com/office/powerpoint/2015/main" val="1"/>
               </p:ext>
             </p:extLst>
           </p:nvPr>
@@ -10938,7 +11706,7 @@
             <p:cNvPr id="9" name="Oval 5">
               <a:extLst>
                 <a:ext uri="{FF2B5EF4-FFF2-40B4-BE49-F238E27FC236}">
-                  <a16:creationId xmlns:a16="http://schemas.microsoft.com/office/drawing/2014/main" xmlns="" id="{985A7375-E3AF-4F5C-85AE-17E8832952CA}"/>
+                  <a16:creationId xmlns:a16="http://schemas.microsoft.com/office/drawing/2014/main" id="{985A7375-E3AF-4F5C-85AE-17E8832952CA}"/>
                 </a:ext>
               </a:extLst>
             </p:cNvPr>
@@ -10948,7 +11716,7 @@
             <p:nvPr>
               <p:extLst>
                 <p:ext uri="{386F3935-93C4-4BCD-93E2-E3B085C9AB24}">
-                  <p16:designElem xmlns:p16="http://schemas.microsoft.com/office/powerpoint/2015/main" xmlns="" val="1"/>
+                  <p16:designElem xmlns:p16="http://schemas.microsoft.com/office/powerpoint/2015/main" val="1"/>
                 </p:ext>
               </p:extLst>
             </p:nvPr>
@@ -10976,7 +11744,7 @@
             <p:cNvPr id="10" name="Oval 9">
               <a:extLst>
                 <a:ext uri="{FF2B5EF4-FFF2-40B4-BE49-F238E27FC236}">
-                  <a16:creationId xmlns:a16="http://schemas.microsoft.com/office/drawing/2014/main" xmlns="" id="{F0307F65-8304-4FA8-A841-D4D7625411BE}"/>
+                  <a16:creationId xmlns:a16="http://schemas.microsoft.com/office/drawing/2014/main" id="{F0307F65-8304-4FA8-A841-D4D7625411BE}"/>
                 </a:ext>
               </a:extLst>
             </p:cNvPr>
@@ -10986,7 +11754,7 @@
             <p:nvPr>
               <p:extLst>
                 <p:ext uri="{386F3935-93C4-4BCD-93E2-E3B085C9AB24}">
-                  <p16:designElem xmlns:p16="http://schemas.microsoft.com/office/powerpoint/2015/main" xmlns="" val="1"/>
+                  <p16:designElem xmlns:p16="http://schemas.microsoft.com/office/powerpoint/2015/main" val="1"/>
                 </p:ext>
               </p:extLst>
             </p:nvPr>
@@ -11014,7 +11782,7 @@
             <p:cNvPr id="11" name="Oval 5">
               <a:extLst>
                 <a:ext uri="{FF2B5EF4-FFF2-40B4-BE49-F238E27FC236}">
-                  <a16:creationId xmlns:a16="http://schemas.microsoft.com/office/drawing/2014/main" xmlns="" id="{C8B8394C-136F-4E05-A002-D93A5E79CD50}"/>
+                  <a16:creationId xmlns:a16="http://schemas.microsoft.com/office/drawing/2014/main" id="{C8B8394C-136F-4E05-A002-D93A5E79CD50}"/>
                 </a:ext>
               </a:extLst>
             </p:cNvPr>
@@ -11024,7 +11792,7 @@
             <p:nvPr>
               <p:extLst>
                 <p:ext uri="{386F3935-93C4-4BCD-93E2-E3B085C9AB24}">
-                  <p16:designElem xmlns:p16="http://schemas.microsoft.com/office/powerpoint/2015/main" xmlns="" val="1"/>
+                  <p16:designElem xmlns:p16="http://schemas.microsoft.com/office/powerpoint/2015/main" val="1"/>
                 </p:ext>
               </p:extLst>
             </p:nvPr>
@@ -11053,7 +11821,7 @@
           <p:cNvPr id="13" name="Rectangle 12" title="ribbon">
             <a:extLst>
               <a:ext uri="{FF2B5EF4-FFF2-40B4-BE49-F238E27FC236}">
-                <a16:creationId xmlns:a16="http://schemas.microsoft.com/office/drawing/2014/main" xmlns="" id="{053FB2EE-284F-4C87-AB3D-BBF87A9FAB97}"/>
+                <a16:creationId xmlns:a16="http://schemas.microsoft.com/office/drawing/2014/main" id="{053FB2EE-284F-4C87-AB3D-BBF87A9FAB97}"/>
               </a:ext>
             </a:extLst>
           </p:cNvPr>
@@ -11063,7 +11831,7 @@
           <p:nvPr>
             <p:extLst>
               <p:ext uri="{386F3935-93C4-4BCD-93E2-E3B085C9AB24}">
-                <p16:designElem xmlns:p16="http://schemas.microsoft.com/office/powerpoint/2015/main" xmlns="" val="1"/>
+                <p16:designElem xmlns:p16="http://schemas.microsoft.com/office/powerpoint/2015/main" val="1"/>
               </p:ext>
             </p:extLst>
           </p:nvPr>
@@ -11105,7 +11873,7 @@
           <p:cNvPr id="2" name="Title 1">
             <a:extLst>
               <a:ext uri="{FF2B5EF4-FFF2-40B4-BE49-F238E27FC236}">
-                <a16:creationId xmlns:a16="http://schemas.microsoft.com/office/drawing/2014/main" xmlns="" id="{32E0A578-CE27-410A-8933-52A270F02582}"/>
+                <a16:creationId xmlns:a16="http://schemas.microsoft.com/office/drawing/2014/main" id="{32E0A578-CE27-410A-8933-52A270F02582}"/>
               </a:ext>
             </a:extLst>
           </p:cNvPr>
@@ -11187,7 +11955,7 @@
           <p:cNvPr id="2" name="Title 1">
             <a:extLst>
               <a:ext uri="{FF2B5EF4-FFF2-40B4-BE49-F238E27FC236}">
-                <a16:creationId xmlns:a16="http://schemas.microsoft.com/office/drawing/2014/main" xmlns="" id="{D6CDCB73-8593-4074-886F-EDED4E788813}"/>
+                <a16:creationId xmlns:a16="http://schemas.microsoft.com/office/drawing/2014/main" id="{D6CDCB73-8593-4074-886F-EDED4E788813}"/>
               </a:ext>
             </a:extLst>
           </p:cNvPr>
@@ -11215,14 +11983,6 @@
           </a:bodyPr>
           <a:lstStyle/>
           <a:p>
-            <a:r>
-              <a:rPr lang="en-US" sz="3200" b="1" dirty="0">
-                <a:solidFill>
-                  <a:srgbClr val="0070C0"/>
-                </a:solidFill>
-              </a:rPr>
-              <a:t/>
-            </a:r>
             <a:br>
               <a:rPr lang="en-US" sz="3200" b="1" dirty="0">
                 <a:solidFill>
@@ -11258,7 +12018,7 @@
           <p:cNvPr id="4" name="TextBox 3">
             <a:extLst>
               <a:ext uri="{FF2B5EF4-FFF2-40B4-BE49-F238E27FC236}">
-                <a16:creationId xmlns:a16="http://schemas.microsoft.com/office/drawing/2014/main" xmlns="" id="{CC0F3D11-B31A-4DEE-BB5C-830CF453B203}"/>
+                <a16:creationId xmlns:a16="http://schemas.microsoft.com/office/drawing/2014/main" id="{CC0F3D11-B31A-4DEE-BB5C-830CF453B203}"/>
               </a:ext>
             </a:extLst>
           </p:cNvPr>
@@ -11350,7 +12110,7 @@
           <p:cNvPr id="2" name="Title 1">
             <a:extLst>
               <a:ext uri="{FF2B5EF4-FFF2-40B4-BE49-F238E27FC236}">
-                <a16:creationId xmlns:a16="http://schemas.microsoft.com/office/drawing/2014/main" xmlns="" id="{94D1C4B0-CD8D-4273-AE80-7755E21858BF}"/>
+                <a16:creationId xmlns:a16="http://schemas.microsoft.com/office/drawing/2014/main" id="{94D1C4B0-CD8D-4273-AE80-7755E21858BF}"/>
               </a:ext>
             </a:extLst>
           </p:cNvPr>
@@ -11394,7 +12154,7 @@
           <p:cNvPr id="5" name="Content Placeholder 4" descr="A train window with a large screen&#10;&#10;Description generated with high confidence">
             <a:extLst>
               <a:ext uri="{FF2B5EF4-FFF2-40B4-BE49-F238E27FC236}">
-                <a16:creationId xmlns:a16="http://schemas.microsoft.com/office/drawing/2014/main" xmlns="" id="{EDBBBAFC-B99B-4564-924E-2545FB4166E9}"/>
+                <a16:creationId xmlns:a16="http://schemas.microsoft.com/office/drawing/2014/main" id="{EDBBBAFC-B99B-4564-924E-2545FB4166E9}"/>
               </a:ext>
             </a:extLst>
           </p:cNvPr>
@@ -11467,7 +12227,7 @@
           <p:cNvPr id="88" name="Rectangle 83">
             <a:extLst>
               <a:ext uri="{FF2B5EF4-FFF2-40B4-BE49-F238E27FC236}">
-                <a16:creationId xmlns:a16="http://schemas.microsoft.com/office/drawing/2014/main" xmlns="" id="{EC12C61A-9558-4DE5-AFDB-898358AFB4CA}"/>
+                <a16:creationId xmlns:a16="http://schemas.microsoft.com/office/drawing/2014/main" id="{EC12C61A-9558-4DE5-AFDB-898358AFB4CA}"/>
               </a:ext>
             </a:extLst>
           </p:cNvPr>
@@ -11477,7 +12237,7 @@
           <p:nvPr>
             <p:extLst>
               <p:ext uri="{386F3935-93C4-4BCD-93E2-E3B085C9AB24}">
-                <p16:designElem xmlns:p16="http://schemas.microsoft.com/office/powerpoint/2015/main" xmlns="" val="1"/>
+                <p16:designElem xmlns:p16="http://schemas.microsoft.com/office/powerpoint/2015/main" val="1"/>
               </p:ext>
             </p:extLst>
           </p:nvPr>
@@ -11524,7 +12284,7 @@
           <a:lstStyle/>
           <a:p>
             <a:pPr algn="ctr"/>
-            <a:endParaRPr lang="en-US" dirty="0"/>
+            <a:endParaRPr lang="en-US"/>
           </a:p>
         </p:txBody>
       </p:sp>
@@ -11533,7 +12293,7 @@
           <p:cNvPr id="89" name="Content Placeholder 11">
             <a:extLst>
               <a:ext uri="{FF2B5EF4-FFF2-40B4-BE49-F238E27FC236}">
-                <a16:creationId xmlns:a16="http://schemas.microsoft.com/office/drawing/2014/main" xmlns="" id="{80B08409-AFCA-4FBA-99D6-B1534164B404}"/>
+                <a16:creationId xmlns:a16="http://schemas.microsoft.com/office/drawing/2014/main" id="{80B08409-AFCA-4FBA-99D6-B1534164B404}"/>
               </a:ext>
             </a:extLst>
           </p:cNvPr>
@@ -11543,7 +12303,7 @@
           <p:nvPr/>
         </p:nvPicPr>
         <p:blipFill rotWithShape="1">
-          <a:blip r:embed="rId2" cstate="print">
+          <a:blip r:embed="rId2">
             <a:extLst>
               <a:ext uri="{28A0092B-C50C-407E-A947-70E740481C1C}">
                 <a14:useLocalDpi xmlns:a14="http://schemas.microsoft.com/office/drawing/2010/main" val="0"/>
@@ -11568,7 +12328,7 @@
           <p:cNvPr id="14" name="Picture 13" descr="A close up of text on a white background&#10;&#10;Description generated with high confidence">
             <a:extLst>
               <a:ext uri="{FF2B5EF4-FFF2-40B4-BE49-F238E27FC236}">
-                <a16:creationId xmlns:a16="http://schemas.microsoft.com/office/drawing/2014/main" xmlns="" id="{1BB2A90C-877B-442D-A6FA-21612C428421}"/>
+                <a16:creationId xmlns:a16="http://schemas.microsoft.com/office/drawing/2014/main" id="{1BB2A90C-877B-442D-A6FA-21612C428421}"/>
               </a:ext>
             </a:extLst>
           </p:cNvPr>
@@ -11578,7 +12338,7 @@
           <p:nvPr/>
         </p:nvPicPr>
         <p:blipFill rotWithShape="1">
-          <a:blip r:embed="rId3" cstate="print">
+          <a:blip r:embed="rId3">
             <a:extLst>
               <a:ext uri="{28A0092B-C50C-407E-A947-70E740481C1C}">
                 <a14:useLocalDpi xmlns:a14="http://schemas.microsoft.com/office/drawing/2010/main" val="0"/>
@@ -11603,7 +12363,7 @@
           <p:cNvPr id="2" name="Title 1">
             <a:extLst>
               <a:ext uri="{FF2B5EF4-FFF2-40B4-BE49-F238E27FC236}">
-                <a16:creationId xmlns:a16="http://schemas.microsoft.com/office/drawing/2014/main" xmlns="" id="{BD38A6AD-BF75-4389-9A42-7300E6B473AD}"/>
+                <a16:creationId xmlns:a16="http://schemas.microsoft.com/office/drawing/2014/main" id="{BD38A6AD-BF75-4389-9A42-7300E6B473AD}"/>
               </a:ext>
             </a:extLst>
           </p:cNvPr>
@@ -11652,7 +12412,7 @@
           <p:cNvPr id="17" name="Content Placeholder 16">
             <a:extLst>
               <a:ext uri="{FF2B5EF4-FFF2-40B4-BE49-F238E27FC236}">
-                <a16:creationId xmlns:a16="http://schemas.microsoft.com/office/drawing/2014/main" xmlns="" id="{5A4A2791-9B07-41F3-9C9C-0275AA503C23}"/>
+                <a16:creationId xmlns:a16="http://schemas.microsoft.com/office/drawing/2014/main" id="{5A4A2791-9B07-41F3-9C9C-0275AA503C23}"/>
               </a:ext>
             </a:extLst>
           </p:cNvPr>
@@ -11687,7 +12447,7 @@
           <p:cNvPr id="6" name="Picture 5">
             <a:extLst>
               <a:ext uri="{FF2B5EF4-FFF2-40B4-BE49-F238E27FC236}">
-                <a16:creationId xmlns:a16="http://schemas.microsoft.com/office/drawing/2014/main" xmlns="" id="{08A2B321-BA8C-4A4B-91AA-BB56FF898896}"/>
+                <a16:creationId xmlns:a16="http://schemas.microsoft.com/office/drawing/2014/main" id="{08A2B321-BA8C-4A4B-91AA-BB56FF898896}"/>
               </a:ext>
             </a:extLst>
           </p:cNvPr>
@@ -11697,7 +12457,7 @@
           <p:nvPr/>
         </p:nvPicPr>
         <p:blipFill>
-          <a:blip r:embed="rId5" cstate="print">
+          <a:blip r:embed="rId5">
             <a:extLst>
               <a:ext uri="{28A0092B-C50C-407E-A947-70E740481C1C}">
                 <a14:useLocalDpi xmlns:a14="http://schemas.microsoft.com/office/drawing/2010/main" val="0"/>
@@ -11761,7 +12521,7 @@
           <p:cNvPr id="12" name="Rectangle 14">
             <a:extLst>
               <a:ext uri="{FF2B5EF4-FFF2-40B4-BE49-F238E27FC236}">
-                <a16:creationId xmlns:a16="http://schemas.microsoft.com/office/drawing/2014/main" xmlns="" id="{DAE885FA-583E-488C-A3B2-2647B84A8162}"/>
+                <a16:creationId xmlns:a16="http://schemas.microsoft.com/office/drawing/2014/main" id="{DAE885FA-583E-488C-A3B2-2647B84A8162}"/>
               </a:ext>
             </a:extLst>
           </p:cNvPr>
@@ -11771,7 +12531,7 @@
           <p:nvPr>
             <p:extLst>
               <p:ext uri="{386F3935-93C4-4BCD-93E2-E3B085C9AB24}">
-                <p16:designElem xmlns:p16="http://schemas.microsoft.com/office/powerpoint/2015/main" xmlns="" val="1"/>
+                <p16:designElem xmlns:p16="http://schemas.microsoft.com/office/powerpoint/2015/main" val="1"/>
               </p:ext>
             </p:extLst>
           </p:nvPr>
@@ -11810,7 +12570,7 @@
           <a:lstStyle/>
           <a:p>
             <a:pPr algn="ctr"/>
-            <a:endParaRPr lang="en-US" dirty="0"/>
+            <a:endParaRPr lang="en-US"/>
           </a:p>
         </p:txBody>
       </p:sp>
@@ -11819,7 +12579,7 @@
           <p:cNvPr id="13" name="Rounded Rectangle 26">
             <a:extLst>
               <a:ext uri="{FF2B5EF4-FFF2-40B4-BE49-F238E27FC236}">
-                <a16:creationId xmlns:a16="http://schemas.microsoft.com/office/drawing/2014/main" xmlns="" id="{87B1CEC7-C2CE-4440-A0F7-0BE6B3AADB72}"/>
+                <a16:creationId xmlns:a16="http://schemas.microsoft.com/office/drawing/2014/main" id="{87B1CEC7-C2CE-4440-A0F7-0BE6B3AADB72}"/>
               </a:ext>
             </a:extLst>
           </p:cNvPr>
@@ -11829,7 +12589,7 @@
           <p:nvPr>
             <p:extLst>
               <p:ext uri="{386F3935-93C4-4BCD-93E2-E3B085C9AB24}">
-                <p16:designElem xmlns:p16="http://schemas.microsoft.com/office/powerpoint/2015/main" xmlns="" val="1"/>
+                <p16:designElem xmlns:p16="http://schemas.microsoft.com/office/powerpoint/2015/main" val="1"/>
               </p:ext>
             </p:extLst>
           </p:nvPr>
@@ -11881,7 +12641,7 @@
           <a:lstStyle/>
           <a:p>
             <a:pPr algn="ctr"/>
-            <a:endParaRPr lang="en-US" dirty="0"/>
+            <a:endParaRPr lang="en-US"/>
           </a:p>
         </p:txBody>
       </p:sp>
@@ -11890,7 +12650,7 @@
           <p:cNvPr id="14" name="Rounded Rectangle 16">
             <a:extLst>
               <a:ext uri="{FF2B5EF4-FFF2-40B4-BE49-F238E27FC236}">
-                <a16:creationId xmlns:a16="http://schemas.microsoft.com/office/drawing/2014/main" xmlns="" id="{7B0DBF0B-D7C2-4F15-94AE-315255824591}"/>
+                <a16:creationId xmlns:a16="http://schemas.microsoft.com/office/drawing/2014/main" id="{7B0DBF0B-D7C2-4F15-94AE-315255824591}"/>
               </a:ext>
             </a:extLst>
           </p:cNvPr>
@@ -11900,7 +12660,7 @@
           <p:nvPr>
             <p:extLst>
               <p:ext uri="{386F3935-93C4-4BCD-93E2-E3B085C9AB24}">
-                <p16:designElem xmlns:p16="http://schemas.microsoft.com/office/powerpoint/2015/main" xmlns="" val="1"/>
+                <p16:designElem xmlns:p16="http://schemas.microsoft.com/office/powerpoint/2015/main" val="1"/>
               </p:ext>
             </p:extLst>
           </p:nvPr>
@@ -11952,7 +12712,7 @@
           <a:lstStyle/>
           <a:p>
             <a:pPr algn="ctr"/>
-            <a:endParaRPr lang="en-US" dirty="0"/>
+            <a:endParaRPr lang="en-US"/>
           </a:p>
         </p:txBody>
       </p:sp>
@@ -11961,7 +12721,7 @@
           <p:cNvPr id="10" name="Picture 9" descr="A picture containing boat&#10;&#10;Description generated with high confidence">
             <a:extLst>
               <a:ext uri="{FF2B5EF4-FFF2-40B4-BE49-F238E27FC236}">
-                <a16:creationId xmlns:a16="http://schemas.microsoft.com/office/drawing/2014/main" xmlns="" id="{A68D326E-8170-405A-9B88-5BBAC92DBBAB}"/>
+                <a16:creationId xmlns:a16="http://schemas.microsoft.com/office/drawing/2014/main" id="{A68D326E-8170-405A-9B88-5BBAC92DBBAB}"/>
               </a:ext>
             </a:extLst>
           </p:cNvPr>
@@ -11997,7 +12757,7 @@
           <p:cNvPr id="6" name="Content Placeholder 5" descr="A close up of a boat&#10;&#10;Description generated with high confidence">
             <a:extLst>
               <a:ext uri="{FF2B5EF4-FFF2-40B4-BE49-F238E27FC236}">
-                <a16:creationId xmlns:a16="http://schemas.microsoft.com/office/drawing/2014/main" xmlns="" id="{763AEB43-6609-49BD-B79B-3A4E4159972D}"/>
+                <a16:creationId xmlns:a16="http://schemas.microsoft.com/office/drawing/2014/main" id="{763AEB43-6609-49BD-B79B-3A4E4159972D}"/>
               </a:ext>
             </a:extLst>
           </p:cNvPr>
@@ -12035,7 +12795,7 @@
           <p:cNvPr id="8" name="Title 7">
             <a:extLst>
               <a:ext uri="{FF2B5EF4-FFF2-40B4-BE49-F238E27FC236}">
-                <a16:creationId xmlns:a16="http://schemas.microsoft.com/office/drawing/2014/main" xmlns="" id="{DF1FCE55-8066-4631-A74C-815B5A94A09E}"/>
+                <a16:creationId xmlns:a16="http://schemas.microsoft.com/office/drawing/2014/main" id="{DF1FCE55-8066-4631-A74C-815B5A94A09E}"/>
               </a:ext>
             </a:extLst>
           </p:cNvPr>
@@ -12060,7 +12820,7 @@
           <a:p>
             <a:pPr algn="ctr"/>
             <a:r>
-              <a:rPr lang="en-US" sz="4000" b="1" dirty="0">
+              <a:rPr lang="en-US" sz="2800" b="1" dirty="0">
                 <a:solidFill>
                   <a:srgbClr val="0070C0"/>
                 </a:solidFill>
@@ -12110,10 +12870,10 @@
       </p:grpSpPr>
       <p:pic>
         <p:nvPicPr>
-          <p:cNvPr id="8" name="Content Placeholder 4" descr="A screen shot of a cage&#10;&#10;Description generated with high confidence">
+          <p:cNvPr id="10" name="Picture 9" descr="A screenshot of a cell phone&#10;&#10;Description generated with high confidence">
             <a:extLst>
               <a:ext uri="{FF2B5EF4-FFF2-40B4-BE49-F238E27FC236}">
-                <a16:creationId xmlns:a16="http://schemas.microsoft.com/office/drawing/2014/main" xmlns="" id="{122A07F5-8B0B-4A99-9EF9-43F47FBB23F5}"/>
+                <a16:creationId xmlns:a16="http://schemas.microsoft.com/office/drawing/2014/main" id="{D985FBC2-5B70-4D7E-BE1D-33083E56D72F}"/>
               </a:ext>
             </a:extLst>
           </p:cNvPr>
@@ -12122,7 +12882,7 @@
           </p:cNvPicPr>
           <p:nvPr/>
         </p:nvPicPr>
-        <p:blipFill rotWithShape="1">
+        <p:blipFill>
           <a:blip r:embed="rId2">
             <a:extLst>
               <a:ext uri="{28A0092B-C50C-407E-A947-70E740481C1C}">
@@ -12130,18 +12890,18 @@
               </a:ext>
             </a:extLst>
           </a:blip>
-          <a:srcRect r="-3" b="3708"/>
-          <a:stretch/>
+          <a:stretch>
+            <a:fillRect/>
+          </a:stretch>
         </p:blipFill>
         <p:spPr>
           <a:xfrm>
-            <a:off x="4639056" y="0"/>
-            <a:ext cx="7552944" cy="6756400"/>
+            <a:off x="-760070" y="158722"/>
+            <a:ext cx="10188992" cy="6792661"/>
           </a:xfrm>
           <a:prstGeom prst="rect">
             <a:avLst/>
           </a:prstGeom>
-          <a:effectLst/>
         </p:spPr>
       </p:pic>
       <p:sp>
@@ -12149,7 +12909,7 @@
           <p:cNvPr id="2" name="Title 1">
             <a:extLst>
               <a:ext uri="{FF2B5EF4-FFF2-40B4-BE49-F238E27FC236}">
-                <a16:creationId xmlns:a16="http://schemas.microsoft.com/office/drawing/2014/main" xmlns="" id="{BE0ADD0F-3210-44C1-B44C-277EEC38C81B}"/>
+                <a16:creationId xmlns:a16="http://schemas.microsoft.com/office/drawing/2014/main" id="{BE0ADD0F-3210-44C1-B44C-277EEC38C81B}"/>
               </a:ext>
             </a:extLst>
           </p:cNvPr>
@@ -12162,13 +12922,16 @@
         </p:nvSpPr>
         <p:spPr>
           <a:xfrm>
-            <a:off x="942083" y="260351"/>
-            <a:ext cx="3651467" cy="685799"/>
+            <a:off x="397565" y="260351"/>
+            <a:ext cx="11522765" cy="335997"/>
           </a:xfrm>
+          <a:solidFill>
+            <a:schemeClr val="bg2"/>
+          </a:solidFill>
         </p:spPr>
         <p:txBody>
           <a:bodyPr>
-            <a:normAutofit/>
+            <a:normAutofit fontScale="90000"/>
           </a:bodyPr>
           <a:lstStyle/>
           <a:p>
@@ -12188,7 +12951,7 @@
           <p:cNvPr id="3" name="Content Placeholder 2">
             <a:extLst>
               <a:ext uri="{FF2B5EF4-FFF2-40B4-BE49-F238E27FC236}">
-                <a16:creationId xmlns:a16="http://schemas.microsoft.com/office/drawing/2014/main" xmlns="" id="{57E1E8DC-3345-4ED5-B81D-74F303DC0B8D}"/>
+                <a16:creationId xmlns:a16="http://schemas.microsoft.com/office/drawing/2014/main" id="{57E1E8DC-3345-4ED5-B81D-74F303DC0B8D}"/>
               </a:ext>
             </a:extLst>
           </p:cNvPr>
@@ -12199,13 +12962,13 @@
             <p:ph idx="1"/>
             <p:extLst>
               <p:ext uri="{D42A27DB-BD31-4B8C-83A1-F6EECF244321}">
-                <p14:modId xmlns:p14="http://schemas.microsoft.com/office/powerpoint/2010/main" val="2849038750"/>
+                <p14:modId xmlns:p14="http://schemas.microsoft.com/office/powerpoint/2010/main" val="1093707809"/>
               </p:ext>
             </p:extLst>
           </p:nvPr>
         </p:nvGraphicFramePr>
         <p:xfrm>
-          <a:off x="896938" y="1073150"/>
+          <a:off x="7350746" y="947254"/>
           <a:ext cx="3741738" cy="2595880"/>
         </p:xfrm>
         <a:graphic>
@@ -12218,14 +12981,14 @@
                 <a:gridCol w="1870869">
                   <a:extLst>
                     <a:ext uri="{9D8B030D-6E8A-4147-A177-3AD203B41FA5}">
-                      <a16:colId xmlns:a16="http://schemas.microsoft.com/office/drawing/2014/main" xmlns="" val="1721883757"/>
+                      <a16:colId xmlns:a16="http://schemas.microsoft.com/office/drawing/2014/main" val="1721883757"/>
                     </a:ext>
                   </a:extLst>
                 </a:gridCol>
                 <a:gridCol w="1870869">
                   <a:extLst>
                     <a:ext uri="{9D8B030D-6E8A-4147-A177-3AD203B41FA5}">
-                      <a16:colId xmlns:a16="http://schemas.microsoft.com/office/drawing/2014/main" xmlns="" val="1868845708"/>
+                      <a16:colId xmlns:a16="http://schemas.microsoft.com/office/drawing/2014/main" val="1868845708"/>
                     </a:ext>
                   </a:extLst>
                 </a:gridCol>
@@ -12236,15 +12999,7 @@
                     <a:bodyPr/>
                     <a:lstStyle/>
                     <a:p>
-                      <a:pPr algn="ctr"/>
-                      <a:r>
-                        <a:rPr lang="en-US" dirty="0">
-                          <a:solidFill>
-                            <a:sysClr val="windowText" lastClr="000000"/>
-                          </a:solidFill>
-                        </a:rPr>
-                        <a:t>Variables</a:t>
-                      </a:r>
+                      <a:endParaRPr lang="en-US"/>
                     </a:p>
                   </a:txBody>
                   <a:tcPr>
@@ -12256,15 +13011,7 @@
                     <a:bodyPr/>
                     <a:lstStyle/>
                     <a:p>
-                      <a:pPr algn="ctr"/>
-                      <a:r>
-                        <a:rPr lang="en-US" dirty="0">
-                          <a:solidFill>
-                            <a:sysClr val="windowText" lastClr="000000"/>
-                          </a:solidFill>
-                        </a:rPr>
-                        <a:t>Variance</a:t>
-                      </a:r>
+                      <a:endParaRPr lang="en-US"/>
                     </a:p>
                   </a:txBody>
                   <a:tcPr>
@@ -12273,7 +13020,7 @@
                 </a:tc>
                 <a:extLst>
                   <a:ext uri="{0D108BD9-81ED-4DB2-BD59-A6C34878D82A}">
-                    <a16:rowId xmlns:a16="http://schemas.microsoft.com/office/drawing/2014/main" xmlns="" val="3172977175"/>
+                    <a16:rowId xmlns:a16="http://schemas.microsoft.com/office/drawing/2014/main" val="3172977175"/>
                   </a:ext>
                 </a:extLst>
               </a:tr>
@@ -12283,10 +13030,7 @@
                     <a:bodyPr/>
                     <a:lstStyle/>
                     <a:p>
-                      <a:r>
-                        <a:rPr lang="en-US" dirty="0"/>
-                        <a:t>overallqual</a:t>
-                      </a:r>
+                      <a:endParaRPr lang="en-US"/>
                     </a:p>
                   </a:txBody>
                   <a:tcPr>
@@ -12298,11 +13042,7 @@
                     <a:bodyPr/>
                     <a:lstStyle/>
                     <a:p>
-                      <a:pPr algn="ctr"/>
-                      <a:r>
-                        <a:rPr lang="en-US" dirty="0"/>
-                        <a:t>0.79</a:t>
-                      </a:r>
+                      <a:endParaRPr lang="en-US"/>
                     </a:p>
                   </a:txBody>
                   <a:tcPr>
@@ -12311,7 +13051,7 @@
                 </a:tc>
                 <a:extLst>
                   <a:ext uri="{0D108BD9-81ED-4DB2-BD59-A6C34878D82A}">
-                    <a16:rowId xmlns:a16="http://schemas.microsoft.com/office/drawing/2014/main" xmlns="" val="3261912333"/>
+                    <a16:rowId xmlns:a16="http://schemas.microsoft.com/office/drawing/2014/main" val="3261912333"/>
                   </a:ext>
                 </a:extLst>
               </a:tr>
@@ -12321,11 +13061,7 @@
                     <a:bodyPr/>
                     <a:lstStyle/>
                     <a:p>
-                      <a:r>
-                        <a:rPr lang="en-US" dirty="0" err="1"/>
-                        <a:t>Totalbsmtsf</a:t>
-                      </a:r>
-                      <a:endParaRPr lang="en-US" dirty="0"/>
+                      <a:endParaRPr lang="en-US"/>
                     </a:p>
                   </a:txBody>
                   <a:tcPr>
@@ -12337,11 +13073,7 @@
                     <a:bodyPr/>
                     <a:lstStyle/>
                     <a:p>
-                      <a:pPr algn="ctr"/>
-                      <a:r>
-                        <a:rPr lang="en-US" dirty="0"/>
-                        <a:t>0.61 </a:t>
-                      </a:r>
+                      <a:endParaRPr lang="en-US"/>
                     </a:p>
                   </a:txBody>
                   <a:tcPr>
@@ -12350,7 +13082,7 @@
                 </a:tc>
                 <a:extLst>
                   <a:ext uri="{0D108BD9-81ED-4DB2-BD59-A6C34878D82A}">
-                    <a16:rowId xmlns:a16="http://schemas.microsoft.com/office/drawing/2014/main" xmlns="" val="414415115"/>
+                    <a16:rowId xmlns:a16="http://schemas.microsoft.com/office/drawing/2014/main" val="414415115"/>
                   </a:ext>
                 </a:extLst>
               </a:tr>
@@ -12360,10 +13092,7 @@
                     <a:bodyPr/>
                     <a:lstStyle/>
                     <a:p>
-                      <a:r>
-                        <a:rPr lang="en-US" dirty="0"/>
-                        <a:t>1stflrsf</a:t>
-                      </a:r>
+                      <a:endParaRPr lang="en-US"/>
                     </a:p>
                   </a:txBody>
                   <a:tcPr>
@@ -12375,11 +13104,7 @@
                     <a:bodyPr/>
                     <a:lstStyle/>
                     <a:p>
-                      <a:pPr algn="ctr"/>
-                      <a:r>
-                        <a:rPr lang="en-US" dirty="0"/>
-                        <a:t>0.61</a:t>
-                      </a:r>
+                      <a:endParaRPr lang="en-US"/>
                     </a:p>
                   </a:txBody>
                   <a:tcPr>
@@ -12388,7 +13113,7 @@
                 </a:tc>
                 <a:extLst>
                   <a:ext uri="{0D108BD9-81ED-4DB2-BD59-A6C34878D82A}">
-                    <a16:rowId xmlns:a16="http://schemas.microsoft.com/office/drawing/2014/main" xmlns="" val="4134338204"/>
+                    <a16:rowId xmlns:a16="http://schemas.microsoft.com/office/drawing/2014/main" val="4134338204"/>
                   </a:ext>
                 </a:extLst>
               </a:tr>
@@ -12398,10 +13123,7 @@
                     <a:bodyPr/>
                     <a:lstStyle/>
                     <a:p>
-                      <a:r>
-                        <a:rPr lang="en-US" dirty="0"/>
-                        <a:t>Grlivearea</a:t>
-                      </a:r>
+                      <a:endParaRPr lang="en-US"/>
                     </a:p>
                   </a:txBody>
                   <a:tcPr>
@@ -12413,11 +13135,7 @@
                     <a:bodyPr/>
                     <a:lstStyle/>
                     <a:p>
-                      <a:pPr algn="ctr"/>
-                      <a:r>
-                        <a:rPr lang="en-US" dirty="0"/>
-                        <a:t>0.71</a:t>
-                      </a:r>
+                      <a:endParaRPr lang="en-US"/>
                     </a:p>
                   </a:txBody>
                   <a:tcPr>
@@ -12426,7 +13144,7 @@
                 </a:tc>
                 <a:extLst>
                   <a:ext uri="{0D108BD9-81ED-4DB2-BD59-A6C34878D82A}">
-                    <a16:rowId xmlns:a16="http://schemas.microsoft.com/office/drawing/2014/main" xmlns="" val="854385796"/>
+                    <a16:rowId xmlns:a16="http://schemas.microsoft.com/office/drawing/2014/main" val="854385796"/>
                   </a:ext>
                 </a:extLst>
               </a:tr>
@@ -12436,10 +13154,7 @@
                     <a:bodyPr/>
                     <a:lstStyle/>
                     <a:p>
-                      <a:r>
-                        <a:rPr lang="en-US" dirty="0"/>
-                        <a:t>Garagecars</a:t>
-                      </a:r>
+                      <a:endParaRPr lang="en-US"/>
                     </a:p>
                   </a:txBody>
                   <a:tcPr>
@@ -12451,11 +13166,7 @@
                     <a:bodyPr/>
                     <a:lstStyle/>
                     <a:p>
-                      <a:pPr algn="ctr"/>
-                      <a:r>
-                        <a:rPr lang="en-US" dirty="0"/>
-                        <a:t>0.64</a:t>
-                      </a:r>
+                      <a:endParaRPr lang="en-US"/>
                     </a:p>
                   </a:txBody>
                   <a:tcPr>
@@ -12464,7 +13175,7 @@
                 </a:tc>
                 <a:extLst>
                   <a:ext uri="{0D108BD9-81ED-4DB2-BD59-A6C34878D82A}">
-                    <a16:rowId xmlns:a16="http://schemas.microsoft.com/office/drawing/2014/main" xmlns="" val="804910758"/>
+                    <a16:rowId xmlns:a16="http://schemas.microsoft.com/office/drawing/2014/main" val="804910758"/>
                   </a:ext>
                 </a:extLst>
               </a:tr>
@@ -12474,11 +13185,7 @@
                     <a:bodyPr/>
                     <a:lstStyle/>
                     <a:p>
-                      <a:r>
-                        <a:rPr lang="en-US" dirty="0" err="1"/>
-                        <a:t>Garagearea</a:t>
-                      </a:r>
-                      <a:endParaRPr lang="en-US" dirty="0"/>
+                      <a:endParaRPr lang="en-US"/>
                     </a:p>
                   </a:txBody>
                   <a:tcPr>
@@ -12490,11 +13197,7 @@
                     <a:bodyPr/>
                     <a:lstStyle/>
                     <a:p>
-                      <a:pPr algn="ctr"/>
-                      <a:r>
-                        <a:rPr lang="en-US" dirty="0"/>
-                        <a:t>0.62</a:t>
-                      </a:r>
+                      <a:endParaRPr lang="en-US" dirty="0"/>
                     </a:p>
                   </a:txBody>
                   <a:tcPr>
@@ -12503,7 +13206,7 @@
                 </a:tc>
                 <a:extLst>
                   <a:ext uri="{0D108BD9-81ED-4DB2-BD59-A6C34878D82A}">
-                    <a16:rowId xmlns:a16="http://schemas.microsoft.com/office/drawing/2014/main" xmlns="" val="1363502775"/>
+                    <a16:rowId xmlns:a16="http://schemas.microsoft.com/office/drawing/2014/main" val="1363502775"/>
                   </a:ext>
                 </a:extLst>
               </a:tr>
@@ -12511,90 +13214,427 @@
           </a:graphicData>
         </a:graphic>
       </p:graphicFrame>
-      <p:cxnSp>
-        <p:nvCxnSpPr>
-          <p:cNvPr id="5" name="Straight Connector 4">
+      <p:graphicFrame>
+        <p:nvGraphicFramePr>
+          <p:cNvPr id="9" name="Table 8">
             <a:extLst>
               <a:ext uri="{FF2B5EF4-FFF2-40B4-BE49-F238E27FC236}">
-                <a16:creationId xmlns:a16="http://schemas.microsoft.com/office/drawing/2014/main" xmlns="" id="{2F3373BF-7048-4BC6-8B3E-7D995529052B}"/>
+                <a16:creationId xmlns:a16="http://schemas.microsoft.com/office/drawing/2014/main" id="{BAE5ACAC-2FA0-4BD0-B100-1746EDBD8CFA}"/>
               </a:ext>
             </a:extLst>
           </p:cNvPr>
-          <p:cNvCxnSpPr>
-            <a:endCxn id="3" idx="2"/>
-          </p:cNvCxnSpPr>
-          <p:nvPr/>
-        </p:nvCxnSpPr>
-        <p:spPr>
-          <a:xfrm>
-            <a:off x="2743200" y="1127531"/>
-            <a:ext cx="24607" cy="2541499"/>
-          </a:xfrm>
-          <a:prstGeom prst="line">
-            <a:avLst/>
-          </a:prstGeom>
-          <a:ln>
-            <a:solidFill>
-              <a:srgbClr val="C00000"/>
-            </a:solidFill>
-          </a:ln>
-        </p:spPr>
-        <p:style>
-          <a:lnRef idx="1">
-            <a:schemeClr val="accent1"/>
-          </a:lnRef>
-          <a:fillRef idx="0">
-            <a:schemeClr val="accent1"/>
-          </a:fillRef>
-          <a:effectRef idx="0">
-            <a:schemeClr val="accent1"/>
-          </a:effectRef>
-          <a:fontRef idx="minor">
-            <a:schemeClr val="tx1"/>
-          </a:fontRef>
-        </p:style>
-      </p:cxnSp>
-      <p:cxnSp>
-        <p:nvCxnSpPr>
-          <p:cNvPr id="7" name="Straight Connector 6">
-            <a:extLst>
-              <a:ext uri="{FF2B5EF4-FFF2-40B4-BE49-F238E27FC236}">
-                <a16:creationId xmlns:a16="http://schemas.microsoft.com/office/drawing/2014/main" xmlns="" id="{DD090640-AA4C-4FED-A91F-7BB656A52406}"/>
-              </a:ext>
-            </a:extLst>
-          </p:cNvPr>
-          <p:cNvCxnSpPr/>
-          <p:nvPr/>
-        </p:nvCxnSpPr>
-        <p:spPr>
-          <a:xfrm>
-            <a:off x="942083" y="1471290"/>
-            <a:ext cx="3238031" cy="0"/>
-          </a:xfrm>
-          <a:prstGeom prst="line">
-            <a:avLst/>
-          </a:prstGeom>
-          <a:ln>
-            <a:solidFill>
-              <a:srgbClr val="C00000"/>
-            </a:solidFill>
-          </a:ln>
-        </p:spPr>
-        <p:style>
-          <a:lnRef idx="1">
-            <a:schemeClr val="accent1"/>
-          </a:lnRef>
-          <a:fillRef idx="0">
-            <a:schemeClr val="accent1"/>
-          </a:fillRef>
-          <a:effectRef idx="0">
-            <a:schemeClr val="accent1"/>
-          </a:effectRef>
-          <a:fontRef idx="minor">
-            <a:schemeClr val="tx1"/>
-          </a:fontRef>
-        </p:style>
-      </p:cxnSp>
+          <p:cNvGraphicFramePr>
+            <a:graphicFrameLocks noGrp="1"/>
+          </p:cNvGraphicFramePr>
+          <p:nvPr>
+            <p:extLst>
+              <p:ext uri="{D42A27DB-BD31-4B8C-83A1-F6EECF244321}">
+                <p14:modId xmlns:p14="http://schemas.microsoft.com/office/powerpoint/2010/main" val="411488945"/>
+              </p:ext>
+            </p:extLst>
+          </p:nvPr>
+        </p:nvGraphicFramePr>
+        <p:xfrm>
+          <a:off x="7856329" y="1152056"/>
+          <a:ext cx="2877931" cy="1763419"/>
+        </p:xfrm>
+        <a:graphic>
+          <a:graphicData uri="http://schemas.openxmlformats.org/drawingml/2006/table">
+            <a:tbl>
+              <a:tblPr firstRow="1" bandRow="1">
+                <a:tableStyleId>{5C22544A-7EE6-4342-B048-85BDC9FD1C3A}</a:tableStyleId>
+              </a:tblPr>
+              <a:tblGrid>
+                <a:gridCol w="1548452">
+                  <a:extLst>
+                    <a:ext uri="{9D8B030D-6E8A-4147-A177-3AD203B41FA5}">
+                      <a16:colId xmlns:a16="http://schemas.microsoft.com/office/drawing/2014/main" val="2337044355"/>
+                    </a:ext>
+                  </a:extLst>
+                </a:gridCol>
+                <a:gridCol w="1329479">
+                  <a:extLst>
+                    <a:ext uri="{9D8B030D-6E8A-4147-A177-3AD203B41FA5}">
+                      <a16:colId xmlns:a16="http://schemas.microsoft.com/office/drawing/2014/main" val="3466680242"/>
+                    </a:ext>
+                  </a:extLst>
+                </a:gridCol>
+              </a:tblGrid>
+              <a:tr h="251917">
+                <a:tc>
+                  <a:txBody>
+                    <a:bodyPr/>
+                    <a:lstStyle/>
+                    <a:p>
+                      <a:pPr algn="ctr" rtl="0" fontAlgn="ctr"/>
+                      <a:r>
+                        <a:rPr lang="en-US" sz="900" u="none" strike="noStrike" dirty="0">
+                          <a:effectLst/>
+                        </a:rPr>
+                        <a:t>Variables</a:t>
+                      </a:r>
+                      <a:endParaRPr lang="en-US" sz="900" b="1" i="0" u="none" strike="noStrike" dirty="0">
+                        <a:solidFill>
+                          <a:srgbClr val="000000"/>
+                        </a:solidFill>
+                        <a:effectLst/>
+                        <a:latin typeface="Calibri" panose="020F0502020204030204" pitchFamily="34" charset="0"/>
+                      </a:endParaRPr>
+                    </a:p>
+                  </a:txBody>
+                  <a:tcPr marL="6350" marR="6350" marT="6350" marB="0" anchor="ctr"/>
+                </a:tc>
+                <a:tc>
+                  <a:txBody>
+                    <a:bodyPr/>
+                    <a:lstStyle/>
+                    <a:p>
+                      <a:pPr algn="ctr" rtl="0" fontAlgn="ctr"/>
+                      <a:r>
+                        <a:rPr lang="en-US" sz="900" u="none" strike="noStrike">
+                          <a:effectLst/>
+                        </a:rPr>
+                        <a:t>Variance</a:t>
+                      </a:r>
+                      <a:endParaRPr lang="en-US" sz="900" b="1" i="0" u="none" strike="noStrike">
+                        <a:solidFill>
+                          <a:srgbClr val="000000"/>
+                        </a:solidFill>
+                        <a:effectLst/>
+                        <a:latin typeface="Calibri" panose="020F0502020204030204" pitchFamily="34" charset="0"/>
+                      </a:endParaRPr>
+                    </a:p>
+                  </a:txBody>
+                  <a:tcPr marL="6350" marR="6350" marT="6350" marB="0" anchor="ctr"/>
+                </a:tc>
+                <a:extLst>
+                  <a:ext uri="{0D108BD9-81ED-4DB2-BD59-A6C34878D82A}">
+                    <a16:rowId xmlns:a16="http://schemas.microsoft.com/office/drawing/2014/main" val="1107351696"/>
+                  </a:ext>
+                </a:extLst>
+              </a:tr>
+              <a:tr h="251917">
+                <a:tc>
+                  <a:txBody>
+                    <a:bodyPr/>
+                    <a:lstStyle/>
+                    <a:p>
+                      <a:pPr algn="l" rtl="0" fontAlgn="ctr"/>
+                      <a:r>
+                        <a:rPr lang="en-US" sz="900" u="none" strike="noStrike">
+                          <a:effectLst/>
+                        </a:rPr>
+                        <a:t>overallqual</a:t>
+                      </a:r>
+                      <a:endParaRPr lang="en-US" sz="900" b="0" i="0" u="none" strike="noStrike">
+                        <a:solidFill>
+                          <a:srgbClr val="000000"/>
+                        </a:solidFill>
+                        <a:effectLst/>
+                        <a:latin typeface="Calibri" panose="020F0502020204030204" pitchFamily="34" charset="0"/>
+                      </a:endParaRPr>
+                    </a:p>
+                  </a:txBody>
+                  <a:tcPr marL="6350" marR="6350" marT="6350" marB="0" anchor="ctr"/>
+                </a:tc>
+                <a:tc>
+                  <a:txBody>
+                    <a:bodyPr/>
+                    <a:lstStyle/>
+                    <a:p>
+                      <a:pPr algn="ctr" rtl="0" fontAlgn="ctr"/>
+                      <a:r>
+                        <a:rPr lang="en-US" sz="900" u="none" strike="noStrike">
+                          <a:effectLst/>
+                        </a:rPr>
+                        <a:t>0.79</a:t>
+                      </a:r>
+                      <a:endParaRPr lang="en-US" sz="900" b="0" i="0" u="none" strike="noStrike">
+                        <a:solidFill>
+                          <a:srgbClr val="000000"/>
+                        </a:solidFill>
+                        <a:effectLst/>
+                        <a:latin typeface="Calibri" panose="020F0502020204030204" pitchFamily="34" charset="0"/>
+                      </a:endParaRPr>
+                    </a:p>
+                  </a:txBody>
+                  <a:tcPr marL="6350" marR="6350" marT="6350" marB="0" anchor="ctr"/>
+                </a:tc>
+                <a:extLst>
+                  <a:ext uri="{0D108BD9-81ED-4DB2-BD59-A6C34878D82A}">
+                    <a16:rowId xmlns:a16="http://schemas.microsoft.com/office/drawing/2014/main" val="2343224245"/>
+                  </a:ext>
+                </a:extLst>
+              </a:tr>
+              <a:tr h="251917">
+                <a:tc>
+                  <a:txBody>
+                    <a:bodyPr/>
+                    <a:lstStyle/>
+                    <a:p>
+                      <a:pPr algn="l" rtl="0" fontAlgn="ctr"/>
+                      <a:r>
+                        <a:rPr lang="en-US" sz="900" u="none" strike="noStrike">
+                          <a:effectLst/>
+                        </a:rPr>
+                        <a:t>Totalbsmtsf</a:t>
+                      </a:r>
+                      <a:endParaRPr lang="en-US" sz="900" b="0" i="0" u="none" strike="noStrike">
+                        <a:solidFill>
+                          <a:srgbClr val="000000"/>
+                        </a:solidFill>
+                        <a:effectLst/>
+                        <a:latin typeface="Calibri" panose="020F0502020204030204" pitchFamily="34" charset="0"/>
+                      </a:endParaRPr>
+                    </a:p>
+                  </a:txBody>
+                  <a:tcPr marL="6350" marR="6350" marT="6350" marB="0" anchor="ctr"/>
+                </a:tc>
+                <a:tc>
+                  <a:txBody>
+                    <a:bodyPr/>
+                    <a:lstStyle/>
+                    <a:p>
+                      <a:pPr algn="ctr" rtl="0" fontAlgn="ctr"/>
+                      <a:r>
+                        <a:rPr lang="en-US" sz="900" u="none" strike="noStrike">
+                          <a:effectLst/>
+                        </a:rPr>
+                        <a:t>0.61</a:t>
+                      </a:r>
+                      <a:endParaRPr lang="en-US" sz="900" b="0" i="0" u="none" strike="noStrike">
+                        <a:solidFill>
+                          <a:srgbClr val="000000"/>
+                        </a:solidFill>
+                        <a:effectLst/>
+                        <a:latin typeface="Calibri" panose="020F0502020204030204" pitchFamily="34" charset="0"/>
+                      </a:endParaRPr>
+                    </a:p>
+                  </a:txBody>
+                  <a:tcPr marL="6350" marR="6350" marT="6350" marB="0" anchor="ctr"/>
+                </a:tc>
+                <a:extLst>
+                  <a:ext uri="{0D108BD9-81ED-4DB2-BD59-A6C34878D82A}">
+                    <a16:rowId xmlns:a16="http://schemas.microsoft.com/office/drawing/2014/main" val="1421982694"/>
+                  </a:ext>
+                </a:extLst>
+              </a:tr>
+              <a:tr h="251917">
+                <a:tc>
+                  <a:txBody>
+                    <a:bodyPr/>
+                    <a:lstStyle/>
+                    <a:p>
+                      <a:pPr algn="l" rtl="0" fontAlgn="ctr"/>
+                      <a:r>
+                        <a:rPr lang="en-US" sz="900" u="none" strike="noStrike">
+                          <a:effectLst/>
+                        </a:rPr>
+                        <a:t>1stflrsf</a:t>
+                      </a:r>
+                      <a:endParaRPr lang="en-US" sz="900" b="0" i="0" u="none" strike="noStrike">
+                        <a:solidFill>
+                          <a:srgbClr val="000000"/>
+                        </a:solidFill>
+                        <a:effectLst/>
+                        <a:latin typeface="Calibri" panose="020F0502020204030204" pitchFamily="34" charset="0"/>
+                      </a:endParaRPr>
+                    </a:p>
+                  </a:txBody>
+                  <a:tcPr marL="6350" marR="6350" marT="6350" marB="0" anchor="ctr"/>
+                </a:tc>
+                <a:tc>
+                  <a:txBody>
+                    <a:bodyPr/>
+                    <a:lstStyle/>
+                    <a:p>
+                      <a:pPr algn="ctr" rtl="0" fontAlgn="ctr"/>
+                      <a:r>
+                        <a:rPr lang="en-US" sz="900" u="none" strike="noStrike" dirty="0">
+                          <a:effectLst/>
+                        </a:rPr>
+                        <a:t>0.61</a:t>
+                      </a:r>
+                      <a:endParaRPr lang="en-US" sz="900" b="0" i="0" u="none" strike="noStrike" dirty="0">
+                        <a:solidFill>
+                          <a:srgbClr val="000000"/>
+                        </a:solidFill>
+                        <a:effectLst/>
+                        <a:latin typeface="Calibri" panose="020F0502020204030204" pitchFamily="34" charset="0"/>
+                      </a:endParaRPr>
+                    </a:p>
+                  </a:txBody>
+                  <a:tcPr marL="6350" marR="6350" marT="6350" marB="0" anchor="ctr"/>
+                </a:tc>
+                <a:extLst>
+                  <a:ext uri="{0D108BD9-81ED-4DB2-BD59-A6C34878D82A}">
+                    <a16:rowId xmlns:a16="http://schemas.microsoft.com/office/drawing/2014/main" val="2165167017"/>
+                  </a:ext>
+                </a:extLst>
+              </a:tr>
+              <a:tr h="251917">
+                <a:tc>
+                  <a:txBody>
+                    <a:bodyPr/>
+                    <a:lstStyle/>
+                    <a:p>
+                      <a:pPr algn="l" rtl="0" fontAlgn="ctr"/>
+                      <a:r>
+                        <a:rPr lang="en-US" sz="900" u="none" strike="noStrike">
+                          <a:effectLst/>
+                        </a:rPr>
+                        <a:t>Grlivearea</a:t>
+                      </a:r>
+                      <a:endParaRPr lang="en-US" sz="900" b="0" i="0" u="none" strike="noStrike">
+                        <a:solidFill>
+                          <a:srgbClr val="000000"/>
+                        </a:solidFill>
+                        <a:effectLst/>
+                        <a:latin typeface="Calibri" panose="020F0502020204030204" pitchFamily="34" charset="0"/>
+                      </a:endParaRPr>
+                    </a:p>
+                  </a:txBody>
+                  <a:tcPr marL="6350" marR="6350" marT="6350" marB="0" anchor="ctr"/>
+                </a:tc>
+                <a:tc>
+                  <a:txBody>
+                    <a:bodyPr/>
+                    <a:lstStyle/>
+                    <a:p>
+                      <a:pPr algn="ctr" rtl="0" fontAlgn="ctr"/>
+                      <a:r>
+                        <a:rPr lang="en-US" sz="900" u="none" strike="noStrike">
+                          <a:effectLst/>
+                        </a:rPr>
+                        <a:t>0.71</a:t>
+                      </a:r>
+                      <a:endParaRPr lang="en-US" sz="900" b="0" i="0" u="none" strike="noStrike">
+                        <a:solidFill>
+                          <a:srgbClr val="000000"/>
+                        </a:solidFill>
+                        <a:effectLst/>
+                        <a:latin typeface="Calibri" panose="020F0502020204030204" pitchFamily="34" charset="0"/>
+                      </a:endParaRPr>
+                    </a:p>
+                  </a:txBody>
+                  <a:tcPr marL="6350" marR="6350" marT="6350" marB="0" anchor="ctr"/>
+                </a:tc>
+                <a:extLst>
+                  <a:ext uri="{0D108BD9-81ED-4DB2-BD59-A6C34878D82A}">
+                    <a16:rowId xmlns:a16="http://schemas.microsoft.com/office/drawing/2014/main" val="1706618317"/>
+                  </a:ext>
+                </a:extLst>
+              </a:tr>
+              <a:tr h="251917">
+                <a:tc>
+                  <a:txBody>
+                    <a:bodyPr/>
+                    <a:lstStyle/>
+                    <a:p>
+                      <a:pPr algn="l" rtl="0" fontAlgn="ctr"/>
+                      <a:r>
+                        <a:rPr lang="en-US" sz="900" u="none" strike="noStrike">
+                          <a:effectLst/>
+                        </a:rPr>
+                        <a:t>Garagecars</a:t>
+                      </a:r>
+                      <a:endParaRPr lang="en-US" sz="900" b="0" i="0" u="none" strike="noStrike">
+                        <a:solidFill>
+                          <a:srgbClr val="000000"/>
+                        </a:solidFill>
+                        <a:effectLst/>
+                        <a:latin typeface="Calibri" panose="020F0502020204030204" pitchFamily="34" charset="0"/>
+                      </a:endParaRPr>
+                    </a:p>
+                  </a:txBody>
+                  <a:tcPr marL="6350" marR="6350" marT="6350" marB="0" anchor="ctr"/>
+                </a:tc>
+                <a:tc>
+                  <a:txBody>
+                    <a:bodyPr/>
+                    <a:lstStyle/>
+                    <a:p>
+                      <a:pPr algn="ctr" rtl="0" fontAlgn="ctr"/>
+                      <a:r>
+                        <a:rPr lang="en-US" sz="900" u="none" strike="noStrike">
+                          <a:effectLst/>
+                        </a:rPr>
+                        <a:t>0.64</a:t>
+                      </a:r>
+                      <a:endParaRPr lang="en-US" sz="900" b="0" i="0" u="none" strike="noStrike">
+                        <a:solidFill>
+                          <a:srgbClr val="000000"/>
+                        </a:solidFill>
+                        <a:effectLst/>
+                        <a:latin typeface="Calibri" panose="020F0502020204030204" pitchFamily="34" charset="0"/>
+                      </a:endParaRPr>
+                    </a:p>
+                  </a:txBody>
+                  <a:tcPr marL="6350" marR="6350" marT="6350" marB="0" anchor="ctr"/>
+                </a:tc>
+                <a:extLst>
+                  <a:ext uri="{0D108BD9-81ED-4DB2-BD59-A6C34878D82A}">
+                    <a16:rowId xmlns:a16="http://schemas.microsoft.com/office/drawing/2014/main" val="3769494319"/>
+                  </a:ext>
+                </a:extLst>
+              </a:tr>
+              <a:tr h="251917">
+                <a:tc>
+                  <a:txBody>
+                    <a:bodyPr/>
+                    <a:lstStyle/>
+                    <a:p>
+                      <a:pPr algn="l" rtl="0" fontAlgn="ctr"/>
+                      <a:r>
+                        <a:rPr lang="en-US" sz="900" u="none" strike="noStrike">
+                          <a:effectLst/>
+                        </a:rPr>
+                        <a:t>Garagearea</a:t>
+                      </a:r>
+                      <a:endParaRPr lang="en-US" sz="900" b="0" i="0" u="none" strike="noStrike">
+                        <a:solidFill>
+                          <a:srgbClr val="000000"/>
+                        </a:solidFill>
+                        <a:effectLst/>
+                        <a:latin typeface="Calibri" panose="020F0502020204030204" pitchFamily="34" charset="0"/>
+                      </a:endParaRPr>
+                    </a:p>
+                  </a:txBody>
+                  <a:tcPr marL="6350" marR="6350" marT="6350" marB="0" anchor="ctr"/>
+                </a:tc>
+                <a:tc>
+                  <a:txBody>
+                    <a:bodyPr/>
+                    <a:lstStyle/>
+                    <a:p>
+                      <a:pPr algn="ctr" rtl="0" fontAlgn="ctr"/>
+                      <a:r>
+                        <a:rPr lang="en-US" sz="900" u="none" strike="noStrike" dirty="0">
+                          <a:effectLst/>
+                        </a:rPr>
+                        <a:t>0.62</a:t>
+                      </a:r>
+                      <a:endParaRPr lang="en-US" sz="900" b="0" i="0" u="none" strike="noStrike" dirty="0">
+                        <a:solidFill>
+                          <a:srgbClr val="000000"/>
+                        </a:solidFill>
+                        <a:effectLst/>
+                        <a:latin typeface="Calibri" panose="020F0502020204030204" pitchFamily="34" charset="0"/>
+                      </a:endParaRPr>
+                    </a:p>
+                  </a:txBody>
+                  <a:tcPr marL="6350" marR="6350" marT="6350" marB="0" anchor="ctr"/>
+                </a:tc>
+                <a:extLst>
+                  <a:ext uri="{0D108BD9-81ED-4DB2-BD59-A6C34878D82A}">
+                    <a16:rowId xmlns:a16="http://schemas.microsoft.com/office/drawing/2014/main" val="1047152244"/>
+                  </a:ext>
+                </a:extLst>
+              </a:tr>
+            </a:tbl>
+          </a:graphicData>
+        </a:graphic>
+      </p:graphicFrame>
     </p:spTree>
     <p:extLst>
       <p:ext uri="{BB962C8B-B14F-4D97-AF65-F5344CB8AC3E}">
@@ -12897,7 +13937,7 @@
   <a:extraClrSchemeLst/>
   <a:extLst>
     <a:ext uri="{05A4C25C-085E-4340-85A3-A5531E510DB2}">
-      <thm15:themeFamily xmlns:thm15="http://schemas.microsoft.com/office/thememl/2012/main" xmlns="" name="Office Theme" id="{62F939B6-93AF-4DB8-9C6B-D6C7DFDC589F}" vid="{4A3C46E8-61CC-4603-A589-7422A47A8E4A}"/>
+      <thm15:themeFamily xmlns:thm15="http://schemas.microsoft.com/office/thememl/2012/main" name="Office Theme" id="{62F939B6-93AF-4DB8-9C6B-D6C7DFDC589F}" vid="{4A3C46E8-61CC-4603-A589-7422A47A8E4A}"/>
     </a:ext>
   </a:extLst>
 </a:theme>
@@ -13192,7 +14232,7 @@
   <a:extraClrSchemeLst/>
   <a:extLst>
     <a:ext uri="{05A4C25C-085E-4340-85A3-A5531E510DB2}">
-      <thm15:themeFamily xmlns:thm15="http://schemas.microsoft.com/office/thememl/2012/main" xmlns="" name="Office Theme" id="{62F939B6-93AF-4DB8-9C6B-D6C7DFDC589F}" vid="{4A3C46E8-61CC-4603-A589-7422A47A8E4A}"/>
+      <thm15:themeFamily xmlns:thm15="http://schemas.microsoft.com/office/thememl/2012/main" name="Office Theme" id="{62F939B6-93AF-4DB8-9C6B-D6C7DFDC589F}" vid="{4A3C46E8-61CC-4603-A589-7422A47A8E4A}"/>
     </a:ext>
   </a:extLst>
 </a:theme>

--- a/HousingPricesPresentations.pptx
+++ b/HousingPricesPresentations.pptx
@@ -31,13 +31,13 @@
     <p:sldId id="289" r:id="rId22"/>
     <p:sldId id="278" r:id="rId23"/>
     <p:sldId id="304" r:id="rId24"/>
-    <p:sldId id="302" r:id="rId25"/>
+    <p:sldId id="307" r:id="rId25"/>
     <p:sldId id="305" r:id="rId26"/>
     <p:sldId id="301" r:id="rId27"/>
     <p:sldId id="300" r:id="rId28"/>
     <p:sldId id="299" r:id="rId29"/>
     <p:sldId id="298" r:id="rId30"/>
-    <p:sldId id="306" r:id="rId31"/>
+    <p:sldId id="308" r:id="rId31"/>
     <p:sldId id="297" r:id="rId32"/>
     <p:sldId id="282" r:id="rId33"/>
     <p:sldId id="293" r:id="rId34"/>
@@ -143,7 +143,7 @@
   </p:defaultTextStyle>
   <p:extLst>
     <p:ext uri="{EFAFB233-063F-42B5-8137-9DF3F51BA10A}">
-      <p15:sldGuideLst xmlns:p15="http://schemas.microsoft.com/office/powerpoint/2012/main"/>
+      <p15:sldGuideLst xmlns:p15="http://schemas.microsoft.com/office/powerpoint/2012/main" xmlns=""/>
     </p:ext>
   </p:extLst>
 </p:presentation>
@@ -152,11 +152,7 @@
 <file path=ppt/commentAuthors.xml><?xml version="1.0" encoding="utf-8"?>
 <p:cmAuthorLst xmlns:a="http://schemas.openxmlformats.org/drawingml/2006/main" xmlns:r="http://schemas.openxmlformats.org/officeDocument/2006/relationships" xmlns:p="http://schemas.openxmlformats.org/presentationml/2006/main">
   <p:cmAuthor id="1" name="Lalith S" initials="LS" lastIdx="3" clrIdx="0">
-    <p:extLst>
-      <p:ext uri="{19B8F6BF-5375-455C-9EA6-DF929625EA0E}">
-        <p15:presenceInfo xmlns:p15="http://schemas.microsoft.com/office/powerpoint/2012/main" userId="d83bd6d440759617" providerId="Windows Live"/>
-      </p:ext>
-    </p:extLst>
+    <p:extLst/>
   </p:cmAuthor>
 </p:cmAuthorLst>
 </file>
@@ -247,7 +243,7 @@
           <a:p>
             <a:fld id="{DB8E79D4-252B-4C95-90F9-A74A29158865}" type="datetimeFigureOut">
               <a:rPr lang="en-US" smtClean="0"/>
-              <a:t>11/12/2017</a:t>
+              <a:t>11/13/2017</a:t>
             </a:fld>
             <a:endParaRPr lang="en-US"/>
           </a:p>
@@ -536,7 +532,7 @@
           <p:cNvPr id="2" name="Title 1">
             <a:extLst>
               <a:ext uri="{FF2B5EF4-FFF2-40B4-BE49-F238E27FC236}">
-                <a16:creationId xmlns:a16="http://schemas.microsoft.com/office/drawing/2014/main" id="{29C95339-33C6-499B-BB73-82DD9B0228C1}"/>
+                <a16:creationId xmlns:a16="http://schemas.microsoft.com/office/drawing/2014/main" xmlns="" id="{29C95339-33C6-499B-BB73-82DD9B0228C1}"/>
               </a:ext>
             </a:extLst>
           </p:cNvPr>
@@ -573,7 +569,7 @@
           <p:cNvPr id="3" name="Subtitle 2">
             <a:extLst>
               <a:ext uri="{FF2B5EF4-FFF2-40B4-BE49-F238E27FC236}">
-                <a16:creationId xmlns:a16="http://schemas.microsoft.com/office/drawing/2014/main" id="{C316DC1D-7A76-4A94-A956-ACBF38B1ACDF}"/>
+                <a16:creationId xmlns:a16="http://schemas.microsoft.com/office/drawing/2014/main" xmlns="" id="{C316DC1D-7A76-4A94-A956-ACBF38B1ACDF}"/>
               </a:ext>
             </a:extLst>
           </p:cNvPr>
@@ -643,7 +639,7 @@
           <p:cNvPr id="4" name="Date Placeholder 3">
             <a:extLst>
               <a:ext uri="{FF2B5EF4-FFF2-40B4-BE49-F238E27FC236}">
-                <a16:creationId xmlns:a16="http://schemas.microsoft.com/office/drawing/2014/main" id="{AA17FE8C-10E4-4640-A474-072D6235B07C}"/>
+                <a16:creationId xmlns:a16="http://schemas.microsoft.com/office/drawing/2014/main" xmlns="" id="{AA17FE8C-10E4-4640-A474-072D6235B07C}"/>
               </a:ext>
             </a:extLst>
           </p:cNvPr>
@@ -661,7 +657,7 @@
           <a:p>
             <a:fld id="{91C3B79F-EC10-4F20-9362-C4544C73AAEC}" type="datetimeFigureOut">
               <a:rPr lang="en-US" smtClean="0"/>
-              <a:t>11/12/2017</a:t>
+              <a:t>11/13/2017</a:t>
             </a:fld>
             <a:endParaRPr lang="en-US"/>
           </a:p>
@@ -672,7 +668,7 @@
           <p:cNvPr id="5" name="Footer Placeholder 4">
             <a:extLst>
               <a:ext uri="{FF2B5EF4-FFF2-40B4-BE49-F238E27FC236}">
-                <a16:creationId xmlns:a16="http://schemas.microsoft.com/office/drawing/2014/main" id="{EC914B29-C98C-46D0-A41A-0EBED3CEC29C}"/>
+                <a16:creationId xmlns:a16="http://schemas.microsoft.com/office/drawing/2014/main" xmlns="" id="{EC914B29-C98C-46D0-A41A-0EBED3CEC29C}"/>
               </a:ext>
             </a:extLst>
           </p:cNvPr>
@@ -697,7 +693,7 @@
           <p:cNvPr id="6" name="Slide Number Placeholder 5">
             <a:extLst>
               <a:ext uri="{FF2B5EF4-FFF2-40B4-BE49-F238E27FC236}">
-                <a16:creationId xmlns:a16="http://schemas.microsoft.com/office/drawing/2014/main" id="{77B936A5-54CD-425D-8EAE-5B806D47A74C}"/>
+                <a16:creationId xmlns:a16="http://schemas.microsoft.com/office/drawing/2014/main" xmlns="" id="{77B936A5-54CD-425D-8EAE-5B806D47A74C}"/>
               </a:ext>
             </a:extLst>
           </p:cNvPr>
@@ -756,7 +752,7 @@
           <p:cNvPr id="2" name="Title 1">
             <a:extLst>
               <a:ext uri="{FF2B5EF4-FFF2-40B4-BE49-F238E27FC236}">
-                <a16:creationId xmlns:a16="http://schemas.microsoft.com/office/drawing/2014/main" id="{21620800-1CB7-42B0-9E9A-9512CF430944}"/>
+                <a16:creationId xmlns:a16="http://schemas.microsoft.com/office/drawing/2014/main" xmlns="" id="{21620800-1CB7-42B0-9E9A-9512CF430944}"/>
               </a:ext>
             </a:extLst>
           </p:cNvPr>
@@ -784,7 +780,7 @@
           <p:cNvPr id="3" name="Vertical Text Placeholder 2">
             <a:extLst>
               <a:ext uri="{FF2B5EF4-FFF2-40B4-BE49-F238E27FC236}">
-                <a16:creationId xmlns:a16="http://schemas.microsoft.com/office/drawing/2014/main" id="{86F4EF9B-1374-4CDB-A93D-2E6472C5DF48}"/>
+                <a16:creationId xmlns:a16="http://schemas.microsoft.com/office/drawing/2014/main" xmlns="" id="{86F4EF9B-1374-4CDB-A93D-2E6472C5DF48}"/>
               </a:ext>
             </a:extLst>
           </p:cNvPr>
@@ -841,7 +837,7 @@
           <p:cNvPr id="4" name="Date Placeholder 3">
             <a:extLst>
               <a:ext uri="{FF2B5EF4-FFF2-40B4-BE49-F238E27FC236}">
-                <a16:creationId xmlns:a16="http://schemas.microsoft.com/office/drawing/2014/main" id="{7D5CA736-261D-4880-9E40-C0A612FB48FA}"/>
+                <a16:creationId xmlns:a16="http://schemas.microsoft.com/office/drawing/2014/main" xmlns="" id="{7D5CA736-261D-4880-9E40-C0A612FB48FA}"/>
               </a:ext>
             </a:extLst>
           </p:cNvPr>
@@ -859,7 +855,7 @@
           <a:p>
             <a:fld id="{91C3B79F-EC10-4F20-9362-C4544C73AAEC}" type="datetimeFigureOut">
               <a:rPr lang="en-US" smtClean="0"/>
-              <a:t>11/12/2017</a:t>
+              <a:t>11/13/2017</a:t>
             </a:fld>
             <a:endParaRPr lang="en-US"/>
           </a:p>
@@ -870,7 +866,7 @@
           <p:cNvPr id="5" name="Footer Placeholder 4">
             <a:extLst>
               <a:ext uri="{FF2B5EF4-FFF2-40B4-BE49-F238E27FC236}">
-                <a16:creationId xmlns:a16="http://schemas.microsoft.com/office/drawing/2014/main" id="{96CB9544-87F0-4C77-99DB-536A1030DB02}"/>
+                <a16:creationId xmlns:a16="http://schemas.microsoft.com/office/drawing/2014/main" xmlns="" id="{96CB9544-87F0-4C77-99DB-536A1030DB02}"/>
               </a:ext>
             </a:extLst>
           </p:cNvPr>
@@ -895,7 +891,7 @@
           <p:cNvPr id="6" name="Slide Number Placeholder 5">
             <a:extLst>
               <a:ext uri="{FF2B5EF4-FFF2-40B4-BE49-F238E27FC236}">
-                <a16:creationId xmlns:a16="http://schemas.microsoft.com/office/drawing/2014/main" id="{1CA47AFA-8EA6-4F60-BAEE-CFB5C0898150}"/>
+                <a16:creationId xmlns:a16="http://schemas.microsoft.com/office/drawing/2014/main" xmlns="" id="{1CA47AFA-8EA6-4F60-BAEE-CFB5C0898150}"/>
               </a:ext>
             </a:extLst>
           </p:cNvPr>
@@ -954,7 +950,7 @@
           <p:cNvPr id="2" name="Vertical Title 1">
             <a:extLst>
               <a:ext uri="{FF2B5EF4-FFF2-40B4-BE49-F238E27FC236}">
-                <a16:creationId xmlns:a16="http://schemas.microsoft.com/office/drawing/2014/main" id="{707F0294-8B77-4842-8FEB-481823FE8BA4}"/>
+                <a16:creationId xmlns:a16="http://schemas.microsoft.com/office/drawing/2014/main" xmlns="" id="{707F0294-8B77-4842-8FEB-481823FE8BA4}"/>
               </a:ext>
             </a:extLst>
           </p:cNvPr>
@@ -987,7 +983,7 @@
           <p:cNvPr id="3" name="Vertical Text Placeholder 2">
             <a:extLst>
               <a:ext uri="{FF2B5EF4-FFF2-40B4-BE49-F238E27FC236}">
-                <a16:creationId xmlns:a16="http://schemas.microsoft.com/office/drawing/2014/main" id="{3E31CBCC-EA36-4967-AF6E-7123A43012EE}"/>
+                <a16:creationId xmlns:a16="http://schemas.microsoft.com/office/drawing/2014/main" xmlns="" id="{3E31CBCC-EA36-4967-AF6E-7123A43012EE}"/>
               </a:ext>
             </a:extLst>
           </p:cNvPr>
@@ -1049,7 +1045,7 @@
           <p:cNvPr id="4" name="Date Placeholder 3">
             <a:extLst>
               <a:ext uri="{FF2B5EF4-FFF2-40B4-BE49-F238E27FC236}">
-                <a16:creationId xmlns:a16="http://schemas.microsoft.com/office/drawing/2014/main" id="{D0061511-4B7F-4316-92EE-CC12D6B1965F}"/>
+                <a16:creationId xmlns:a16="http://schemas.microsoft.com/office/drawing/2014/main" xmlns="" id="{D0061511-4B7F-4316-92EE-CC12D6B1965F}"/>
               </a:ext>
             </a:extLst>
           </p:cNvPr>
@@ -1067,7 +1063,7 @@
           <a:p>
             <a:fld id="{91C3B79F-EC10-4F20-9362-C4544C73AAEC}" type="datetimeFigureOut">
               <a:rPr lang="en-US" smtClean="0"/>
-              <a:t>11/12/2017</a:t>
+              <a:t>11/13/2017</a:t>
             </a:fld>
             <a:endParaRPr lang="en-US"/>
           </a:p>
@@ -1078,7 +1074,7 @@
           <p:cNvPr id="5" name="Footer Placeholder 4">
             <a:extLst>
               <a:ext uri="{FF2B5EF4-FFF2-40B4-BE49-F238E27FC236}">
-                <a16:creationId xmlns:a16="http://schemas.microsoft.com/office/drawing/2014/main" id="{3BF55390-5E11-4A01-BC26-46448FED1E4E}"/>
+                <a16:creationId xmlns:a16="http://schemas.microsoft.com/office/drawing/2014/main" xmlns="" id="{3BF55390-5E11-4A01-BC26-46448FED1E4E}"/>
               </a:ext>
             </a:extLst>
           </p:cNvPr>
@@ -1103,7 +1099,7 @@
           <p:cNvPr id="6" name="Slide Number Placeholder 5">
             <a:extLst>
               <a:ext uri="{FF2B5EF4-FFF2-40B4-BE49-F238E27FC236}">
-                <a16:creationId xmlns:a16="http://schemas.microsoft.com/office/drawing/2014/main" id="{54987D63-4F0E-478C-806A-7AB0335E596B}"/>
+                <a16:creationId xmlns:a16="http://schemas.microsoft.com/office/drawing/2014/main" xmlns="" id="{54987D63-4F0E-478C-806A-7AB0335E596B}"/>
               </a:ext>
             </a:extLst>
           </p:cNvPr>
@@ -1162,7 +1158,7 @@
           <p:cNvPr id="2" name="Title 1">
             <a:extLst>
               <a:ext uri="{FF2B5EF4-FFF2-40B4-BE49-F238E27FC236}">
-                <a16:creationId xmlns:a16="http://schemas.microsoft.com/office/drawing/2014/main" id="{CA0B87DD-6F8D-4217-84F0-10DDCE49E328}"/>
+                <a16:creationId xmlns:a16="http://schemas.microsoft.com/office/drawing/2014/main" xmlns="" id="{CA0B87DD-6F8D-4217-84F0-10DDCE49E328}"/>
               </a:ext>
             </a:extLst>
           </p:cNvPr>
@@ -1190,7 +1186,7 @@
           <p:cNvPr id="3" name="Content Placeholder 2">
             <a:extLst>
               <a:ext uri="{FF2B5EF4-FFF2-40B4-BE49-F238E27FC236}">
-                <a16:creationId xmlns:a16="http://schemas.microsoft.com/office/drawing/2014/main" id="{FDF1F821-95AD-414C-984C-B66716735017}"/>
+                <a16:creationId xmlns:a16="http://schemas.microsoft.com/office/drawing/2014/main" xmlns="" id="{FDF1F821-95AD-414C-984C-B66716735017}"/>
               </a:ext>
             </a:extLst>
           </p:cNvPr>
@@ -1247,7 +1243,7 @@
           <p:cNvPr id="4" name="Date Placeholder 3">
             <a:extLst>
               <a:ext uri="{FF2B5EF4-FFF2-40B4-BE49-F238E27FC236}">
-                <a16:creationId xmlns:a16="http://schemas.microsoft.com/office/drawing/2014/main" id="{7A1B5441-A72B-44CF-981F-43CAE0A30042}"/>
+                <a16:creationId xmlns:a16="http://schemas.microsoft.com/office/drawing/2014/main" xmlns="" id="{7A1B5441-A72B-44CF-981F-43CAE0A30042}"/>
               </a:ext>
             </a:extLst>
           </p:cNvPr>
@@ -1265,7 +1261,7 @@
           <a:p>
             <a:fld id="{91C3B79F-EC10-4F20-9362-C4544C73AAEC}" type="datetimeFigureOut">
               <a:rPr lang="en-US" smtClean="0"/>
-              <a:t>11/12/2017</a:t>
+              <a:t>11/13/2017</a:t>
             </a:fld>
             <a:endParaRPr lang="en-US"/>
           </a:p>
@@ -1276,7 +1272,7 @@
           <p:cNvPr id="5" name="Footer Placeholder 4">
             <a:extLst>
               <a:ext uri="{FF2B5EF4-FFF2-40B4-BE49-F238E27FC236}">
-                <a16:creationId xmlns:a16="http://schemas.microsoft.com/office/drawing/2014/main" id="{C4D4D869-B407-4167-968A-4D35C6AA44D1}"/>
+                <a16:creationId xmlns:a16="http://schemas.microsoft.com/office/drawing/2014/main" xmlns="" id="{C4D4D869-B407-4167-968A-4D35C6AA44D1}"/>
               </a:ext>
             </a:extLst>
           </p:cNvPr>
@@ -1301,7 +1297,7 @@
           <p:cNvPr id="6" name="Slide Number Placeholder 5">
             <a:extLst>
               <a:ext uri="{FF2B5EF4-FFF2-40B4-BE49-F238E27FC236}">
-                <a16:creationId xmlns:a16="http://schemas.microsoft.com/office/drawing/2014/main" id="{4525D370-BF8E-40B6-BEEC-092D6287EA74}"/>
+                <a16:creationId xmlns:a16="http://schemas.microsoft.com/office/drawing/2014/main" xmlns="" id="{4525D370-BF8E-40B6-BEEC-092D6287EA74}"/>
               </a:ext>
             </a:extLst>
           </p:cNvPr>
@@ -1360,7 +1356,7 @@
           <p:cNvPr id="2" name="Title 1">
             <a:extLst>
               <a:ext uri="{FF2B5EF4-FFF2-40B4-BE49-F238E27FC236}">
-                <a16:creationId xmlns:a16="http://schemas.microsoft.com/office/drawing/2014/main" id="{87A8AEAC-669C-442B-9583-1CBE70D1D0F8}"/>
+                <a16:creationId xmlns:a16="http://schemas.microsoft.com/office/drawing/2014/main" xmlns="" id="{87A8AEAC-669C-442B-9583-1CBE70D1D0F8}"/>
               </a:ext>
             </a:extLst>
           </p:cNvPr>
@@ -1397,7 +1393,7 @@
           <p:cNvPr id="3" name="Text Placeholder 2">
             <a:extLst>
               <a:ext uri="{FF2B5EF4-FFF2-40B4-BE49-F238E27FC236}">
-                <a16:creationId xmlns:a16="http://schemas.microsoft.com/office/drawing/2014/main" id="{ABF74E99-2D04-41C4-8BEB-FC9AE8216607}"/>
+                <a16:creationId xmlns:a16="http://schemas.microsoft.com/office/drawing/2014/main" xmlns="" id="{ABF74E99-2D04-41C4-8BEB-FC9AE8216607}"/>
               </a:ext>
             </a:extLst>
           </p:cNvPr>
@@ -1522,7 +1518,7 @@
           <p:cNvPr id="4" name="Date Placeholder 3">
             <a:extLst>
               <a:ext uri="{FF2B5EF4-FFF2-40B4-BE49-F238E27FC236}">
-                <a16:creationId xmlns:a16="http://schemas.microsoft.com/office/drawing/2014/main" id="{4CA06E74-B901-4846-80D0-679CD4B22916}"/>
+                <a16:creationId xmlns:a16="http://schemas.microsoft.com/office/drawing/2014/main" xmlns="" id="{4CA06E74-B901-4846-80D0-679CD4B22916}"/>
               </a:ext>
             </a:extLst>
           </p:cNvPr>
@@ -1540,7 +1536,7 @@
           <a:p>
             <a:fld id="{91C3B79F-EC10-4F20-9362-C4544C73AAEC}" type="datetimeFigureOut">
               <a:rPr lang="en-US" smtClean="0"/>
-              <a:t>11/12/2017</a:t>
+              <a:t>11/13/2017</a:t>
             </a:fld>
             <a:endParaRPr lang="en-US"/>
           </a:p>
@@ -1551,7 +1547,7 @@
           <p:cNvPr id="5" name="Footer Placeholder 4">
             <a:extLst>
               <a:ext uri="{FF2B5EF4-FFF2-40B4-BE49-F238E27FC236}">
-                <a16:creationId xmlns:a16="http://schemas.microsoft.com/office/drawing/2014/main" id="{05B191AC-5A01-4D6D-99BF-BAEE8C9FB18E}"/>
+                <a16:creationId xmlns:a16="http://schemas.microsoft.com/office/drawing/2014/main" xmlns="" id="{05B191AC-5A01-4D6D-99BF-BAEE8C9FB18E}"/>
               </a:ext>
             </a:extLst>
           </p:cNvPr>
@@ -1576,7 +1572,7 @@
           <p:cNvPr id="6" name="Slide Number Placeholder 5">
             <a:extLst>
               <a:ext uri="{FF2B5EF4-FFF2-40B4-BE49-F238E27FC236}">
-                <a16:creationId xmlns:a16="http://schemas.microsoft.com/office/drawing/2014/main" id="{072560B4-AFB0-4ED1-9B1E-08E59C623385}"/>
+                <a16:creationId xmlns:a16="http://schemas.microsoft.com/office/drawing/2014/main" xmlns="" id="{072560B4-AFB0-4ED1-9B1E-08E59C623385}"/>
               </a:ext>
             </a:extLst>
           </p:cNvPr>
@@ -1635,7 +1631,7 @@
           <p:cNvPr id="2" name="Title 1">
             <a:extLst>
               <a:ext uri="{FF2B5EF4-FFF2-40B4-BE49-F238E27FC236}">
-                <a16:creationId xmlns:a16="http://schemas.microsoft.com/office/drawing/2014/main" id="{314F71B3-4DBE-47C2-AB94-A5815EE4243A}"/>
+                <a16:creationId xmlns:a16="http://schemas.microsoft.com/office/drawing/2014/main" xmlns="" id="{314F71B3-4DBE-47C2-AB94-A5815EE4243A}"/>
               </a:ext>
             </a:extLst>
           </p:cNvPr>
@@ -1663,7 +1659,7 @@
           <p:cNvPr id="3" name="Content Placeholder 2">
             <a:extLst>
               <a:ext uri="{FF2B5EF4-FFF2-40B4-BE49-F238E27FC236}">
-                <a16:creationId xmlns:a16="http://schemas.microsoft.com/office/drawing/2014/main" id="{0B4CFA21-51E3-4FFF-B508-9DBEB2D7BF58}"/>
+                <a16:creationId xmlns:a16="http://schemas.microsoft.com/office/drawing/2014/main" xmlns="" id="{0B4CFA21-51E3-4FFF-B508-9DBEB2D7BF58}"/>
               </a:ext>
             </a:extLst>
           </p:cNvPr>
@@ -1725,7 +1721,7 @@
           <p:cNvPr id="4" name="Content Placeholder 3">
             <a:extLst>
               <a:ext uri="{FF2B5EF4-FFF2-40B4-BE49-F238E27FC236}">
-                <a16:creationId xmlns:a16="http://schemas.microsoft.com/office/drawing/2014/main" id="{F51420CF-D5F4-4AA7-9EF6-C304A8083430}"/>
+                <a16:creationId xmlns:a16="http://schemas.microsoft.com/office/drawing/2014/main" xmlns="" id="{F51420CF-D5F4-4AA7-9EF6-C304A8083430}"/>
               </a:ext>
             </a:extLst>
           </p:cNvPr>
@@ -1787,7 +1783,7 @@
           <p:cNvPr id="5" name="Date Placeholder 4">
             <a:extLst>
               <a:ext uri="{FF2B5EF4-FFF2-40B4-BE49-F238E27FC236}">
-                <a16:creationId xmlns:a16="http://schemas.microsoft.com/office/drawing/2014/main" id="{22575542-49D9-4857-A43D-60245A2D5B9A}"/>
+                <a16:creationId xmlns:a16="http://schemas.microsoft.com/office/drawing/2014/main" xmlns="" id="{22575542-49D9-4857-A43D-60245A2D5B9A}"/>
               </a:ext>
             </a:extLst>
           </p:cNvPr>
@@ -1805,7 +1801,7 @@
           <a:p>
             <a:fld id="{91C3B79F-EC10-4F20-9362-C4544C73AAEC}" type="datetimeFigureOut">
               <a:rPr lang="en-US" smtClean="0"/>
-              <a:t>11/12/2017</a:t>
+              <a:t>11/13/2017</a:t>
             </a:fld>
             <a:endParaRPr lang="en-US"/>
           </a:p>
@@ -1816,7 +1812,7 @@
           <p:cNvPr id="6" name="Footer Placeholder 5">
             <a:extLst>
               <a:ext uri="{FF2B5EF4-FFF2-40B4-BE49-F238E27FC236}">
-                <a16:creationId xmlns:a16="http://schemas.microsoft.com/office/drawing/2014/main" id="{4D8100C9-B500-44B7-8E71-D962A899716B}"/>
+                <a16:creationId xmlns:a16="http://schemas.microsoft.com/office/drawing/2014/main" xmlns="" id="{4D8100C9-B500-44B7-8E71-D962A899716B}"/>
               </a:ext>
             </a:extLst>
           </p:cNvPr>
@@ -1841,7 +1837,7 @@
           <p:cNvPr id="7" name="Slide Number Placeholder 6">
             <a:extLst>
               <a:ext uri="{FF2B5EF4-FFF2-40B4-BE49-F238E27FC236}">
-                <a16:creationId xmlns:a16="http://schemas.microsoft.com/office/drawing/2014/main" id="{AE4D0FCE-FC1F-4CD2-9685-EBF52C3B7197}"/>
+                <a16:creationId xmlns:a16="http://schemas.microsoft.com/office/drawing/2014/main" xmlns="" id="{AE4D0FCE-FC1F-4CD2-9685-EBF52C3B7197}"/>
               </a:ext>
             </a:extLst>
           </p:cNvPr>
@@ -1900,7 +1896,7 @@
           <p:cNvPr id="2" name="Title 1">
             <a:extLst>
               <a:ext uri="{FF2B5EF4-FFF2-40B4-BE49-F238E27FC236}">
-                <a16:creationId xmlns:a16="http://schemas.microsoft.com/office/drawing/2014/main" id="{3F96F038-CAF7-4E15-BBB0-D9588A635521}"/>
+                <a16:creationId xmlns:a16="http://schemas.microsoft.com/office/drawing/2014/main" xmlns="" id="{3F96F038-CAF7-4E15-BBB0-D9588A635521}"/>
               </a:ext>
             </a:extLst>
           </p:cNvPr>
@@ -1933,7 +1929,7 @@
           <p:cNvPr id="3" name="Text Placeholder 2">
             <a:extLst>
               <a:ext uri="{FF2B5EF4-FFF2-40B4-BE49-F238E27FC236}">
-                <a16:creationId xmlns:a16="http://schemas.microsoft.com/office/drawing/2014/main" id="{A9323709-1FE8-4766-9A8D-D4D1C967C501}"/>
+                <a16:creationId xmlns:a16="http://schemas.microsoft.com/office/drawing/2014/main" xmlns="" id="{A9323709-1FE8-4766-9A8D-D4D1C967C501}"/>
               </a:ext>
             </a:extLst>
           </p:cNvPr>
@@ -2004,7 +2000,7 @@
           <p:cNvPr id="4" name="Content Placeholder 3">
             <a:extLst>
               <a:ext uri="{FF2B5EF4-FFF2-40B4-BE49-F238E27FC236}">
-                <a16:creationId xmlns:a16="http://schemas.microsoft.com/office/drawing/2014/main" id="{7D0AD4F2-8809-468A-BA87-F97E67B39ACD}"/>
+                <a16:creationId xmlns:a16="http://schemas.microsoft.com/office/drawing/2014/main" xmlns="" id="{7D0AD4F2-8809-468A-BA87-F97E67B39ACD}"/>
               </a:ext>
             </a:extLst>
           </p:cNvPr>
@@ -2066,7 +2062,7 @@
           <p:cNvPr id="5" name="Text Placeholder 4">
             <a:extLst>
               <a:ext uri="{FF2B5EF4-FFF2-40B4-BE49-F238E27FC236}">
-                <a16:creationId xmlns:a16="http://schemas.microsoft.com/office/drawing/2014/main" id="{BF877676-C99F-4893-867A-7B2C63A27E2A}"/>
+                <a16:creationId xmlns:a16="http://schemas.microsoft.com/office/drawing/2014/main" xmlns="" id="{BF877676-C99F-4893-867A-7B2C63A27E2A}"/>
               </a:ext>
             </a:extLst>
           </p:cNvPr>
@@ -2137,7 +2133,7 @@
           <p:cNvPr id="6" name="Content Placeholder 5">
             <a:extLst>
               <a:ext uri="{FF2B5EF4-FFF2-40B4-BE49-F238E27FC236}">
-                <a16:creationId xmlns:a16="http://schemas.microsoft.com/office/drawing/2014/main" id="{31ECFC54-E2DE-4E28-AAA6-E89CCC247FAB}"/>
+                <a16:creationId xmlns:a16="http://schemas.microsoft.com/office/drawing/2014/main" xmlns="" id="{31ECFC54-E2DE-4E28-AAA6-E89CCC247FAB}"/>
               </a:ext>
             </a:extLst>
           </p:cNvPr>
@@ -2199,7 +2195,7 @@
           <p:cNvPr id="7" name="Date Placeholder 6">
             <a:extLst>
               <a:ext uri="{FF2B5EF4-FFF2-40B4-BE49-F238E27FC236}">
-                <a16:creationId xmlns:a16="http://schemas.microsoft.com/office/drawing/2014/main" id="{9252362B-1EB8-4E96-B9E4-7A7005C2E482}"/>
+                <a16:creationId xmlns:a16="http://schemas.microsoft.com/office/drawing/2014/main" xmlns="" id="{9252362B-1EB8-4E96-B9E4-7A7005C2E482}"/>
               </a:ext>
             </a:extLst>
           </p:cNvPr>
@@ -2217,7 +2213,7 @@
           <a:p>
             <a:fld id="{91C3B79F-EC10-4F20-9362-C4544C73AAEC}" type="datetimeFigureOut">
               <a:rPr lang="en-US" smtClean="0"/>
-              <a:t>11/12/2017</a:t>
+              <a:t>11/13/2017</a:t>
             </a:fld>
             <a:endParaRPr lang="en-US"/>
           </a:p>
@@ -2228,7 +2224,7 @@
           <p:cNvPr id="8" name="Footer Placeholder 7">
             <a:extLst>
               <a:ext uri="{FF2B5EF4-FFF2-40B4-BE49-F238E27FC236}">
-                <a16:creationId xmlns:a16="http://schemas.microsoft.com/office/drawing/2014/main" id="{50C34ABA-44B0-424F-B89E-6F4C555ABB91}"/>
+                <a16:creationId xmlns:a16="http://schemas.microsoft.com/office/drawing/2014/main" xmlns="" id="{50C34ABA-44B0-424F-B89E-6F4C555ABB91}"/>
               </a:ext>
             </a:extLst>
           </p:cNvPr>
@@ -2253,7 +2249,7 @@
           <p:cNvPr id="9" name="Slide Number Placeholder 8">
             <a:extLst>
               <a:ext uri="{FF2B5EF4-FFF2-40B4-BE49-F238E27FC236}">
-                <a16:creationId xmlns:a16="http://schemas.microsoft.com/office/drawing/2014/main" id="{4FB5F9FB-EF6E-4512-B1DC-005745AA8F68}"/>
+                <a16:creationId xmlns:a16="http://schemas.microsoft.com/office/drawing/2014/main" xmlns="" id="{4FB5F9FB-EF6E-4512-B1DC-005745AA8F68}"/>
               </a:ext>
             </a:extLst>
           </p:cNvPr>
@@ -2312,7 +2308,7 @@
           <p:cNvPr id="2" name="Title 1">
             <a:extLst>
               <a:ext uri="{FF2B5EF4-FFF2-40B4-BE49-F238E27FC236}">
-                <a16:creationId xmlns:a16="http://schemas.microsoft.com/office/drawing/2014/main" id="{3D71853F-143E-4199-9CAD-F942628A71A6}"/>
+                <a16:creationId xmlns:a16="http://schemas.microsoft.com/office/drawing/2014/main" xmlns="" id="{3D71853F-143E-4199-9CAD-F942628A71A6}"/>
               </a:ext>
             </a:extLst>
           </p:cNvPr>
@@ -2340,7 +2336,7 @@
           <p:cNvPr id="3" name="Date Placeholder 2">
             <a:extLst>
               <a:ext uri="{FF2B5EF4-FFF2-40B4-BE49-F238E27FC236}">
-                <a16:creationId xmlns:a16="http://schemas.microsoft.com/office/drawing/2014/main" id="{DD197A0F-5860-4104-BC0C-12C0ADC2276D}"/>
+                <a16:creationId xmlns:a16="http://schemas.microsoft.com/office/drawing/2014/main" xmlns="" id="{DD197A0F-5860-4104-BC0C-12C0ADC2276D}"/>
               </a:ext>
             </a:extLst>
           </p:cNvPr>
@@ -2358,7 +2354,7 @@
           <a:p>
             <a:fld id="{91C3B79F-EC10-4F20-9362-C4544C73AAEC}" type="datetimeFigureOut">
               <a:rPr lang="en-US" smtClean="0"/>
-              <a:t>11/12/2017</a:t>
+              <a:t>11/13/2017</a:t>
             </a:fld>
             <a:endParaRPr lang="en-US"/>
           </a:p>
@@ -2369,7 +2365,7 @@
           <p:cNvPr id="4" name="Footer Placeholder 3">
             <a:extLst>
               <a:ext uri="{FF2B5EF4-FFF2-40B4-BE49-F238E27FC236}">
-                <a16:creationId xmlns:a16="http://schemas.microsoft.com/office/drawing/2014/main" id="{3D227909-4E6E-48EC-A116-F9F77BCF5C7C}"/>
+                <a16:creationId xmlns:a16="http://schemas.microsoft.com/office/drawing/2014/main" xmlns="" id="{3D227909-4E6E-48EC-A116-F9F77BCF5C7C}"/>
               </a:ext>
             </a:extLst>
           </p:cNvPr>
@@ -2394,7 +2390,7 @@
           <p:cNvPr id="5" name="Slide Number Placeholder 4">
             <a:extLst>
               <a:ext uri="{FF2B5EF4-FFF2-40B4-BE49-F238E27FC236}">
-                <a16:creationId xmlns:a16="http://schemas.microsoft.com/office/drawing/2014/main" id="{0C1C448C-C331-42D8-97D1-6E1CA13725A7}"/>
+                <a16:creationId xmlns:a16="http://schemas.microsoft.com/office/drawing/2014/main" xmlns="" id="{0C1C448C-C331-42D8-97D1-6E1CA13725A7}"/>
               </a:ext>
             </a:extLst>
           </p:cNvPr>
@@ -2453,7 +2449,7 @@
           <p:cNvPr id="2" name="Date Placeholder 1">
             <a:extLst>
               <a:ext uri="{FF2B5EF4-FFF2-40B4-BE49-F238E27FC236}">
-                <a16:creationId xmlns:a16="http://schemas.microsoft.com/office/drawing/2014/main" id="{C259B168-0F0B-47E4-AE23-22C4FDFC33C4}"/>
+                <a16:creationId xmlns:a16="http://schemas.microsoft.com/office/drawing/2014/main" xmlns="" id="{C259B168-0F0B-47E4-AE23-22C4FDFC33C4}"/>
               </a:ext>
             </a:extLst>
           </p:cNvPr>
@@ -2471,7 +2467,7 @@
           <a:p>
             <a:fld id="{91C3B79F-EC10-4F20-9362-C4544C73AAEC}" type="datetimeFigureOut">
               <a:rPr lang="en-US" smtClean="0"/>
-              <a:t>11/12/2017</a:t>
+              <a:t>11/13/2017</a:t>
             </a:fld>
             <a:endParaRPr lang="en-US"/>
           </a:p>
@@ -2482,7 +2478,7 @@
           <p:cNvPr id="3" name="Footer Placeholder 2">
             <a:extLst>
               <a:ext uri="{FF2B5EF4-FFF2-40B4-BE49-F238E27FC236}">
-                <a16:creationId xmlns:a16="http://schemas.microsoft.com/office/drawing/2014/main" id="{A40C960F-0060-4C95-84A6-C3C05BF2F583}"/>
+                <a16:creationId xmlns:a16="http://schemas.microsoft.com/office/drawing/2014/main" xmlns="" id="{A40C960F-0060-4C95-84A6-C3C05BF2F583}"/>
               </a:ext>
             </a:extLst>
           </p:cNvPr>
@@ -2507,7 +2503,7 @@
           <p:cNvPr id="4" name="Slide Number Placeholder 3">
             <a:extLst>
               <a:ext uri="{FF2B5EF4-FFF2-40B4-BE49-F238E27FC236}">
-                <a16:creationId xmlns:a16="http://schemas.microsoft.com/office/drawing/2014/main" id="{119FC8C9-9D93-4FDF-8BAE-374C8D1C84B3}"/>
+                <a16:creationId xmlns:a16="http://schemas.microsoft.com/office/drawing/2014/main" xmlns="" id="{119FC8C9-9D93-4FDF-8BAE-374C8D1C84B3}"/>
               </a:ext>
             </a:extLst>
           </p:cNvPr>
@@ -2566,7 +2562,7 @@
           <p:cNvPr id="2" name="Title 1">
             <a:extLst>
               <a:ext uri="{FF2B5EF4-FFF2-40B4-BE49-F238E27FC236}">
-                <a16:creationId xmlns:a16="http://schemas.microsoft.com/office/drawing/2014/main" id="{D476ED69-E60F-427A-8F93-FB82212013AE}"/>
+                <a16:creationId xmlns:a16="http://schemas.microsoft.com/office/drawing/2014/main" xmlns="" id="{D476ED69-E60F-427A-8F93-FB82212013AE}"/>
               </a:ext>
             </a:extLst>
           </p:cNvPr>
@@ -2603,7 +2599,7 @@
           <p:cNvPr id="3" name="Content Placeholder 2">
             <a:extLst>
               <a:ext uri="{FF2B5EF4-FFF2-40B4-BE49-F238E27FC236}">
-                <a16:creationId xmlns:a16="http://schemas.microsoft.com/office/drawing/2014/main" id="{C412E860-504C-4D40-8520-D05CC5DD8494}"/>
+                <a16:creationId xmlns:a16="http://schemas.microsoft.com/office/drawing/2014/main" xmlns="" id="{C412E860-504C-4D40-8520-D05CC5DD8494}"/>
               </a:ext>
             </a:extLst>
           </p:cNvPr>
@@ -2693,7 +2689,7 @@
           <p:cNvPr id="4" name="Text Placeholder 3">
             <a:extLst>
               <a:ext uri="{FF2B5EF4-FFF2-40B4-BE49-F238E27FC236}">
-                <a16:creationId xmlns:a16="http://schemas.microsoft.com/office/drawing/2014/main" id="{7F7E585F-E442-496A-905A-FE3EF3752BED}"/>
+                <a16:creationId xmlns:a16="http://schemas.microsoft.com/office/drawing/2014/main" xmlns="" id="{7F7E585F-E442-496A-905A-FE3EF3752BED}"/>
               </a:ext>
             </a:extLst>
           </p:cNvPr>
@@ -2764,7 +2760,7 @@
           <p:cNvPr id="5" name="Date Placeholder 4">
             <a:extLst>
               <a:ext uri="{FF2B5EF4-FFF2-40B4-BE49-F238E27FC236}">
-                <a16:creationId xmlns:a16="http://schemas.microsoft.com/office/drawing/2014/main" id="{1640D771-4667-433F-B038-FB0DEBAF8386}"/>
+                <a16:creationId xmlns:a16="http://schemas.microsoft.com/office/drawing/2014/main" xmlns="" id="{1640D771-4667-433F-B038-FB0DEBAF8386}"/>
               </a:ext>
             </a:extLst>
           </p:cNvPr>
@@ -2782,7 +2778,7 @@
           <a:p>
             <a:fld id="{91C3B79F-EC10-4F20-9362-C4544C73AAEC}" type="datetimeFigureOut">
               <a:rPr lang="en-US" smtClean="0"/>
-              <a:t>11/12/2017</a:t>
+              <a:t>11/13/2017</a:t>
             </a:fld>
             <a:endParaRPr lang="en-US"/>
           </a:p>
@@ -2793,7 +2789,7 @@
           <p:cNvPr id="6" name="Footer Placeholder 5">
             <a:extLst>
               <a:ext uri="{FF2B5EF4-FFF2-40B4-BE49-F238E27FC236}">
-                <a16:creationId xmlns:a16="http://schemas.microsoft.com/office/drawing/2014/main" id="{6C889426-C2B8-456B-B20F-16319DC0F414}"/>
+                <a16:creationId xmlns:a16="http://schemas.microsoft.com/office/drawing/2014/main" xmlns="" id="{6C889426-C2B8-456B-B20F-16319DC0F414}"/>
               </a:ext>
             </a:extLst>
           </p:cNvPr>
@@ -2818,7 +2814,7 @@
           <p:cNvPr id="7" name="Slide Number Placeholder 6">
             <a:extLst>
               <a:ext uri="{FF2B5EF4-FFF2-40B4-BE49-F238E27FC236}">
-                <a16:creationId xmlns:a16="http://schemas.microsoft.com/office/drawing/2014/main" id="{2AB00DDF-F5AC-47E3-95CD-9B6057518856}"/>
+                <a16:creationId xmlns:a16="http://schemas.microsoft.com/office/drawing/2014/main" xmlns="" id="{2AB00DDF-F5AC-47E3-95CD-9B6057518856}"/>
               </a:ext>
             </a:extLst>
           </p:cNvPr>
@@ -2877,7 +2873,7 @@
           <p:cNvPr id="2" name="Title 1">
             <a:extLst>
               <a:ext uri="{FF2B5EF4-FFF2-40B4-BE49-F238E27FC236}">
-                <a16:creationId xmlns:a16="http://schemas.microsoft.com/office/drawing/2014/main" id="{6BD91E77-A577-4702-B551-93B131924FEF}"/>
+                <a16:creationId xmlns:a16="http://schemas.microsoft.com/office/drawing/2014/main" xmlns="" id="{6BD91E77-A577-4702-B551-93B131924FEF}"/>
               </a:ext>
             </a:extLst>
           </p:cNvPr>
@@ -2914,7 +2910,7 @@
           <p:cNvPr id="3" name="Picture Placeholder 2">
             <a:extLst>
               <a:ext uri="{FF2B5EF4-FFF2-40B4-BE49-F238E27FC236}">
-                <a16:creationId xmlns:a16="http://schemas.microsoft.com/office/drawing/2014/main" id="{397564AD-41B0-420E-8801-1F0874BE23F1}"/>
+                <a16:creationId xmlns:a16="http://schemas.microsoft.com/office/drawing/2014/main" xmlns="" id="{397564AD-41B0-420E-8801-1F0874BE23F1}"/>
               </a:ext>
             </a:extLst>
           </p:cNvPr>
@@ -2981,7 +2977,7 @@
           <p:cNvPr id="4" name="Text Placeholder 3">
             <a:extLst>
               <a:ext uri="{FF2B5EF4-FFF2-40B4-BE49-F238E27FC236}">
-                <a16:creationId xmlns:a16="http://schemas.microsoft.com/office/drawing/2014/main" id="{2A79871D-8B38-4786-A51C-577F89471811}"/>
+                <a16:creationId xmlns:a16="http://schemas.microsoft.com/office/drawing/2014/main" xmlns="" id="{2A79871D-8B38-4786-A51C-577F89471811}"/>
               </a:ext>
             </a:extLst>
           </p:cNvPr>
@@ -3052,7 +3048,7 @@
           <p:cNvPr id="5" name="Date Placeholder 4">
             <a:extLst>
               <a:ext uri="{FF2B5EF4-FFF2-40B4-BE49-F238E27FC236}">
-                <a16:creationId xmlns:a16="http://schemas.microsoft.com/office/drawing/2014/main" id="{C404E6B4-1C4A-48ED-BE21-BE0618EC8822}"/>
+                <a16:creationId xmlns:a16="http://schemas.microsoft.com/office/drawing/2014/main" xmlns="" id="{C404E6B4-1C4A-48ED-BE21-BE0618EC8822}"/>
               </a:ext>
             </a:extLst>
           </p:cNvPr>
@@ -3070,7 +3066,7 @@
           <a:p>
             <a:fld id="{91C3B79F-EC10-4F20-9362-C4544C73AAEC}" type="datetimeFigureOut">
               <a:rPr lang="en-US" smtClean="0"/>
-              <a:t>11/12/2017</a:t>
+              <a:t>11/13/2017</a:t>
             </a:fld>
             <a:endParaRPr lang="en-US"/>
           </a:p>
@@ -3081,7 +3077,7 @@
           <p:cNvPr id="6" name="Footer Placeholder 5">
             <a:extLst>
               <a:ext uri="{FF2B5EF4-FFF2-40B4-BE49-F238E27FC236}">
-                <a16:creationId xmlns:a16="http://schemas.microsoft.com/office/drawing/2014/main" id="{BDB6C3B7-F040-43B2-995A-CC2158E3B915}"/>
+                <a16:creationId xmlns:a16="http://schemas.microsoft.com/office/drawing/2014/main" xmlns="" id="{BDB6C3B7-F040-43B2-995A-CC2158E3B915}"/>
               </a:ext>
             </a:extLst>
           </p:cNvPr>
@@ -3106,7 +3102,7 @@
           <p:cNvPr id="7" name="Slide Number Placeholder 6">
             <a:extLst>
               <a:ext uri="{FF2B5EF4-FFF2-40B4-BE49-F238E27FC236}">
-                <a16:creationId xmlns:a16="http://schemas.microsoft.com/office/drawing/2014/main" id="{4AF59556-078F-4131-AEB3-59317B76114B}"/>
+                <a16:creationId xmlns:a16="http://schemas.microsoft.com/office/drawing/2014/main" xmlns="" id="{4AF59556-078F-4131-AEB3-59317B76114B}"/>
               </a:ext>
             </a:extLst>
           </p:cNvPr>
@@ -3170,7 +3166,7 @@
           <p:cNvPr id="2" name="Title Placeholder 1">
             <a:extLst>
               <a:ext uri="{FF2B5EF4-FFF2-40B4-BE49-F238E27FC236}">
-                <a16:creationId xmlns:a16="http://schemas.microsoft.com/office/drawing/2014/main" id="{6C09C225-39C5-4FBB-80F1-CDF35FA3375A}"/>
+                <a16:creationId xmlns:a16="http://schemas.microsoft.com/office/drawing/2014/main" xmlns="" id="{6C09C225-39C5-4FBB-80F1-CDF35FA3375A}"/>
               </a:ext>
             </a:extLst>
           </p:cNvPr>
@@ -3208,7 +3204,7 @@
           <p:cNvPr id="3" name="Text Placeholder 2">
             <a:extLst>
               <a:ext uri="{FF2B5EF4-FFF2-40B4-BE49-F238E27FC236}">
-                <a16:creationId xmlns:a16="http://schemas.microsoft.com/office/drawing/2014/main" id="{BCD1C5D0-0023-447F-A8C8-CB89E5A09CA1}"/>
+                <a16:creationId xmlns:a16="http://schemas.microsoft.com/office/drawing/2014/main" xmlns="" id="{BCD1C5D0-0023-447F-A8C8-CB89E5A09CA1}"/>
               </a:ext>
             </a:extLst>
           </p:cNvPr>
@@ -3275,7 +3271,7 @@
           <p:cNvPr id="4" name="Date Placeholder 3">
             <a:extLst>
               <a:ext uri="{FF2B5EF4-FFF2-40B4-BE49-F238E27FC236}">
-                <a16:creationId xmlns:a16="http://schemas.microsoft.com/office/drawing/2014/main" id="{E08E4AB1-2CCB-4FA0-B5A1-F32FB803D12A}"/>
+                <a16:creationId xmlns:a16="http://schemas.microsoft.com/office/drawing/2014/main" xmlns="" id="{E08E4AB1-2CCB-4FA0-B5A1-F32FB803D12A}"/>
               </a:ext>
             </a:extLst>
           </p:cNvPr>
@@ -3311,7 +3307,7 @@
           <a:p>
             <a:fld id="{91C3B79F-EC10-4F20-9362-C4544C73AAEC}" type="datetimeFigureOut">
               <a:rPr lang="en-US" smtClean="0"/>
-              <a:t>11/12/2017</a:t>
+              <a:t>11/13/2017</a:t>
             </a:fld>
             <a:endParaRPr lang="en-US"/>
           </a:p>
@@ -3322,7 +3318,7 @@
           <p:cNvPr id="5" name="Footer Placeholder 4">
             <a:extLst>
               <a:ext uri="{FF2B5EF4-FFF2-40B4-BE49-F238E27FC236}">
-                <a16:creationId xmlns:a16="http://schemas.microsoft.com/office/drawing/2014/main" id="{6A8EC81C-7C47-4386-9E7C-78113E009C3A}"/>
+                <a16:creationId xmlns:a16="http://schemas.microsoft.com/office/drawing/2014/main" xmlns="" id="{6A8EC81C-7C47-4386-9E7C-78113E009C3A}"/>
               </a:ext>
             </a:extLst>
           </p:cNvPr>
@@ -3365,7 +3361,7 @@
           <p:cNvPr id="6" name="Slide Number Placeholder 5">
             <a:extLst>
               <a:ext uri="{FF2B5EF4-FFF2-40B4-BE49-F238E27FC236}">
-                <a16:creationId xmlns:a16="http://schemas.microsoft.com/office/drawing/2014/main" id="{BF76E127-A9F2-4D21-B694-3F7490F9A4C3}"/>
+                <a16:creationId xmlns:a16="http://schemas.microsoft.com/office/drawing/2014/main" xmlns="" id="{BF76E127-A9F2-4D21-B694-3F7490F9A4C3}"/>
               </a:ext>
             </a:extLst>
           </p:cNvPr>
@@ -3741,7 +3737,7 @@
           <p:cNvPr id="8" name="Picture 7">
             <a:extLst>
               <a:ext uri="{FF2B5EF4-FFF2-40B4-BE49-F238E27FC236}">
-                <a16:creationId xmlns:a16="http://schemas.microsoft.com/office/drawing/2014/main" id="{E7435DCF-8C11-4FA5-AEA8-8E98E7D46411}"/>
+                <a16:creationId xmlns:a16="http://schemas.microsoft.com/office/drawing/2014/main" xmlns="" id="{E7435DCF-8C11-4FA5-AEA8-8E98E7D46411}"/>
               </a:ext>
             </a:extLst>
           </p:cNvPr>
@@ -3776,7 +3772,7 @@
           <p:cNvPr id="2" name="Title 1">
             <a:extLst>
               <a:ext uri="{FF2B5EF4-FFF2-40B4-BE49-F238E27FC236}">
-                <a16:creationId xmlns:a16="http://schemas.microsoft.com/office/drawing/2014/main" id="{FBA4D502-952D-4071-8EF5-85FDF331E55D}"/>
+                <a16:creationId xmlns:a16="http://schemas.microsoft.com/office/drawing/2014/main" xmlns="" id="{FBA4D502-952D-4071-8EF5-85FDF331E55D}"/>
               </a:ext>
             </a:extLst>
           </p:cNvPr>
@@ -3818,7 +3814,7 @@
           <p:cNvPr id="3" name="Subtitle 2">
             <a:extLst>
               <a:ext uri="{FF2B5EF4-FFF2-40B4-BE49-F238E27FC236}">
-                <a16:creationId xmlns:a16="http://schemas.microsoft.com/office/drawing/2014/main" id="{A1DA883F-F3B2-4B2A-B55F-3DD4B2A12B7D}"/>
+                <a16:creationId xmlns:a16="http://schemas.microsoft.com/office/drawing/2014/main" xmlns="" id="{A1DA883F-F3B2-4B2A-B55F-3DD4B2A12B7D}"/>
               </a:ext>
             </a:extLst>
           </p:cNvPr>
@@ -3900,7 +3896,7 @@
           <p:cNvPr id="2" name="Title 1">
             <a:extLst>
               <a:ext uri="{FF2B5EF4-FFF2-40B4-BE49-F238E27FC236}">
-                <a16:creationId xmlns:a16="http://schemas.microsoft.com/office/drawing/2014/main" id="{A5844E39-6986-4FAA-9021-9EE41299F672}"/>
+                <a16:creationId xmlns:a16="http://schemas.microsoft.com/office/drawing/2014/main" xmlns="" id="{A5844E39-6986-4FAA-9021-9EE41299F672}"/>
               </a:ext>
             </a:extLst>
           </p:cNvPr>
@@ -3944,7 +3940,7 @@
           <p:cNvPr id="6" name="Content Placeholder 5" descr="A screenshot of a cell phone&#10;&#10;Description generated with high confidence">
             <a:extLst>
               <a:ext uri="{FF2B5EF4-FFF2-40B4-BE49-F238E27FC236}">
-                <a16:creationId xmlns:a16="http://schemas.microsoft.com/office/drawing/2014/main" id="{1690824A-2836-43E3-BDBB-69560B6F04E1}"/>
+                <a16:creationId xmlns:a16="http://schemas.microsoft.com/office/drawing/2014/main" xmlns="" id="{1690824A-2836-43E3-BDBB-69560B6F04E1}"/>
               </a:ext>
             </a:extLst>
           </p:cNvPr>
@@ -3979,7 +3975,7 @@
           <p:cNvPr id="8" name="Content Placeholder 7" descr="A screenshot of a cell phone&#10;&#10;Description generated with high confidence">
             <a:extLst>
               <a:ext uri="{FF2B5EF4-FFF2-40B4-BE49-F238E27FC236}">
-                <a16:creationId xmlns:a16="http://schemas.microsoft.com/office/drawing/2014/main" id="{6DD977E3-4D56-42A8-BDE4-A51C6EC5EEB5}"/>
+                <a16:creationId xmlns:a16="http://schemas.microsoft.com/office/drawing/2014/main" xmlns="" id="{6DD977E3-4D56-42A8-BDE4-A51C6EC5EEB5}"/>
               </a:ext>
             </a:extLst>
           </p:cNvPr>
@@ -4055,7 +4051,7 @@
           <p:cNvPr id="7" name="Group 6" title="intersecting circles">
             <a:extLst>
               <a:ext uri="{FF2B5EF4-FFF2-40B4-BE49-F238E27FC236}">
-                <a16:creationId xmlns:a16="http://schemas.microsoft.com/office/drawing/2014/main" id="{D2C4BFA1-2075-4901-9E24-E41D1FDD51FD}"/>
+                <a16:creationId xmlns:a16="http://schemas.microsoft.com/office/drawing/2014/main" xmlns="" id="{D2C4BFA1-2075-4901-9E24-E41D1FDD51FD}"/>
               </a:ext>
             </a:extLst>
           </p:cNvPr>
@@ -4065,7 +4061,7 @@
           <p:nvPr>
             <p:extLst>
               <p:ext uri="{386F3935-93C4-4BCD-93E2-E3B085C9AB24}">
-                <p16:designElem xmlns:p16="http://schemas.microsoft.com/office/powerpoint/2015/main" val="1"/>
+                <p16:designElem xmlns:p16="http://schemas.microsoft.com/office/powerpoint/2015/main" xmlns="" val="1"/>
               </p:ext>
             </p:extLst>
           </p:nvPr>
@@ -4083,7 +4079,7 @@
             <p:cNvPr id="8" name="Oval 5">
               <a:extLst>
                 <a:ext uri="{FF2B5EF4-FFF2-40B4-BE49-F238E27FC236}">
-                  <a16:creationId xmlns:a16="http://schemas.microsoft.com/office/drawing/2014/main" id="{985A7375-E3AF-4F5C-85AE-17E8832952CA}"/>
+                  <a16:creationId xmlns:a16="http://schemas.microsoft.com/office/drawing/2014/main" xmlns="" id="{985A7375-E3AF-4F5C-85AE-17E8832952CA}"/>
                 </a:ext>
               </a:extLst>
             </p:cNvPr>
@@ -4093,7 +4089,7 @@
             <p:nvPr>
               <p:extLst>
                 <p:ext uri="{386F3935-93C4-4BCD-93E2-E3B085C9AB24}">
-                  <p16:designElem xmlns:p16="http://schemas.microsoft.com/office/powerpoint/2015/main" val="1"/>
+                  <p16:designElem xmlns:p16="http://schemas.microsoft.com/office/powerpoint/2015/main" xmlns="" val="1"/>
                 </p:ext>
               </p:extLst>
             </p:nvPr>
@@ -4121,7 +4117,7 @@
             <p:cNvPr id="9" name="Oval 8">
               <a:extLst>
                 <a:ext uri="{FF2B5EF4-FFF2-40B4-BE49-F238E27FC236}">
-                  <a16:creationId xmlns:a16="http://schemas.microsoft.com/office/drawing/2014/main" id="{F0307F65-8304-4FA8-A841-D4D7625411BE}"/>
+                  <a16:creationId xmlns:a16="http://schemas.microsoft.com/office/drawing/2014/main" xmlns="" id="{F0307F65-8304-4FA8-A841-D4D7625411BE}"/>
                 </a:ext>
               </a:extLst>
             </p:cNvPr>
@@ -4131,7 +4127,7 @@
             <p:nvPr>
               <p:extLst>
                 <p:ext uri="{386F3935-93C4-4BCD-93E2-E3B085C9AB24}">
-                  <p16:designElem xmlns:p16="http://schemas.microsoft.com/office/powerpoint/2015/main" val="1"/>
+                  <p16:designElem xmlns:p16="http://schemas.microsoft.com/office/powerpoint/2015/main" xmlns="" val="1"/>
                 </p:ext>
               </p:extLst>
             </p:nvPr>
@@ -4159,7 +4155,7 @@
             <p:cNvPr id="10" name="Oval 5">
               <a:extLst>
                 <a:ext uri="{FF2B5EF4-FFF2-40B4-BE49-F238E27FC236}">
-                  <a16:creationId xmlns:a16="http://schemas.microsoft.com/office/drawing/2014/main" id="{C8B8394C-136F-4E05-A002-D93A5E79CD50}"/>
+                  <a16:creationId xmlns:a16="http://schemas.microsoft.com/office/drawing/2014/main" xmlns="" id="{C8B8394C-136F-4E05-A002-D93A5E79CD50}"/>
                 </a:ext>
               </a:extLst>
             </p:cNvPr>
@@ -4169,7 +4165,7 @@
             <p:nvPr>
               <p:extLst>
                 <p:ext uri="{386F3935-93C4-4BCD-93E2-E3B085C9AB24}">
-                  <p16:designElem xmlns:p16="http://schemas.microsoft.com/office/powerpoint/2015/main" val="1"/>
+                  <p16:designElem xmlns:p16="http://schemas.microsoft.com/office/powerpoint/2015/main" xmlns="" val="1"/>
                 </p:ext>
               </p:extLst>
             </p:nvPr>
@@ -4198,7 +4194,7 @@
           <p:cNvPr id="12" name="Rectangle 11" title="ribbon">
             <a:extLst>
               <a:ext uri="{FF2B5EF4-FFF2-40B4-BE49-F238E27FC236}">
-                <a16:creationId xmlns:a16="http://schemas.microsoft.com/office/drawing/2014/main" id="{053FB2EE-284F-4C87-AB3D-BBF87A9FAB97}"/>
+                <a16:creationId xmlns:a16="http://schemas.microsoft.com/office/drawing/2014/main" xmlns="" id="{053FB2EE-284F-4C87-AB3D-BBF87A9FAB97}"/>
               </a:ext>
             </a:extLst>
           </p:cNvPr>
@@ -4208,7 +4204,7 @@
           <p:nvPr>
             <p:extLst>
               <p:ext uri="{386F3935-93C4-4BCD-93E2-E3B085C9AB24}">
-                <p16:designElem xmlns:p16="http://schemas.microsoft.com/office/powerpoint/2015/main" val="1"/>
+                <p16:designElem xmlns:p16="http://schemas.microsoft.com/office/powerpoint/2015/main" xmlns="" val="1"/>
               </p:ext>
             </p:extLst>
           </p:nvPr>
@@ -4250,7 +4246,7 @@
           <p:cNvPr id="2" name="Title 1">
             <a:extLst>
               <a:ext uri="{FF2B5EF4-FFF2-40B4-BE49-F238E27FC236}">
-                <a16:creationId xmlns:a16="http://schemas.microsoft.com/office/drawing/2014/main" id="{1A08BABF-A34D-4F9D-8649-2DF544A5B063}"/>
+                <a16:creationId xmlns:a16="http://schemas.microsoft.com/office/drawing/2014/main" xmlns="" id="{1A08BABF-A34D-4F9D-8649-2DF544A5B063}"/>
               </a:ext>
             </a:extLst>
           </p:cNvPr>
@@ -4284,6 +4280,14 @@
                 <a:cs typeface="+mj-cs"/>
               </a:rPr>
               <a:t>Data Pre-processing</a:t>
+            </a:r>
+            <a:r>
+              <a:rPr lang="en-US" sz="4000" dirty="0">
+                <a:solidFill>
+                  <a:schemeClr val="bg2"/>
+                </a:solidFill>
+              </a:rPr>
+              <a:t/>
             </a:r>
             <a:br>
               <a:rPr lang="en-US" sz="4000" dirty="0">
@@ -4347,7 +4351,7 @@
           <p:cNvPr id="2" name="Title 1">
             <a:extLst>
               <a:ext uri="{FF2B5EF4-FFF2-40B4-BE49-F238E27FC236}">
-                <a16:creationId xmlns:a16="http://schemas.microsoft.com/office/drawing/2014/main" id="{B678A683-798F-42EA-B43A-89EB3462EF45}"/>
+                <a16:creationId xmlns:a16="http://schemas.microsoft.com/office/drawing/2014/main" xmlns="" id="{B678A683-798F-42EA-B43A-89EB3462EF45}"/>
               </a:ext>
             </a:extLst>
           </p:cNvPr>
@@ -4391,7 +4395,7 @@
           <p:cNvPr id="8" name="Content Placeholder 5">
             <a:extLst>
               <a:ext uri="{FF2B5EF4-FFF2-40B4-BE49-F238E27FC236}">
-                <a16:creationId xmlns:a16="http://schemas.microsoft.com/office/drawing/2014/main" id="{ABA6BD62-2713-4BED-8588-5A5018EA8BA7}"/>
+                <a16:creationId xmlns:a16="http://schemas.microsoft.com/office/drawing/2014/main" xmlns="" id="{ABA6BD62-2713-4BED-8588-5A5018EA8BA7}"/>
               </a:ext>
             </a:extLst>
           </p:cNvPr>
@@ -4423,7 +4427,7 @@
           <p:cNvPr id="15" name="TextBox 14">
             <a:extLst>
               <a:ext uri="{FF2B5EF4-FFF2-40B4-BE49-F238E27FC236}">
-                <a16:creationId xmlns:a16="http://schemas.microsoft.com/office/drawing/2014/main" id="{F4583FDA-BE0C-434F-9B5D-77E504E336B0}"/>
+                <a16:creationId xmlns:a16="http://schemas.microsoft.com/office/drawing/2014/main" xmlns="" id="{F4583FDA-BE0C-434F-9B5D-77E504E336B0}"/>
               </a:ext>
             </a:extLst>
           </p:cNvPr>
@@ -4472,7 +4476,7 @@
           <p:cNvPr id="16" name="Table 15">
             <a:extLst>
               <a:ext uri="{FF2B5EF4-FFF2-40B4-BE49-F238E27FC236}">
-                <a16:creationId xmlns:a16="http://schemas.microsoft.com/office/drawing/2014/main" id="{ABECE236-5DC7-48D2-9B78-C40A29238D93}"/>
+                <a16:creationId xmlns:a16="http://schemas.microsoft.com/office/drawing/2014/main" xmlns="" id="{ABECE236-5DC7-48D2-9B78-C40A29238D93}"/>
               </a:ext>
             </a:extLst>
           </p:cNvPr>
@@ -4501,14 +4505,14 @@
                 <a:gridCol w="1456156">
                   <a:extLst>
                     <a:ext uri="{9D8B030D-6E8A-4147-A177-3AD203B41FA5}">
-                      <a16:colId xmlns:a16="http://schemas.microsoft.com/office/drawing/2014/main" val="3815070845"/>
+                      <a16:colId xmlns:a16="http://schemas.microsoft.com/office/drawing/2014/main" xmlns="" val="3815070845"/>
                     </a:ext>
                   </a:extLst>
                 </a:gridCol>
                 <a:gridCol w="1181027">
                   <a:extLst>
                     <a:ext uri="{9D8B030D-6E8A-4147-A177-3AD203B41FA5}">
-                      <a16:colId xmlns:a16="http://schemas.microsoft.com/office/drawing/2014/main" val="761188252"/>
+                      <a16:colId xmlns:a16="http://schemas.microsoft.com/office/drawing/2014/main" xmlns="" val="761188252"/>
                     </a:ext>
                   </a:extLst>
                 </a:gridCol>
@@ -4576,7 +4580,7 @@
                 </a:tc>
                 <a:extLst>
                   <a:ext uri="{0D108BD9-81ED-4DB2-BD59-A6C34878D82A}">
-                    <a16:rowId xmlns:a16="http://schemas.microsoft.com/office/drawing/2014/main" val="3492616102"/>
+                    <a16:rowId xmlns:a16="http://schemas.microsoft.com/office/drawing/2014/main" xmlns="" val="3492616102"/>
                   </a:ext>
                 </a:extLst>
               </a:tr>
@@ -4629,7 +4633,7 @@
                 </a:tc>
                 <a:extLst>
                   <a:ext uri="{0D108BD9-81ED-4DB2-BD59-A6C34878D82A}">
-                    <a16:rowId xmlns:a16="http://schemas.microsoft.com/office/drawing/2014/main" val="3276062966"/>
+                    <a16:rowId xmlns:a16="http://schemas.microsoft.com/office/drawing/2014/main" xmlns="" val="3276062966"/>
                   </a:ext>
                 </a:extLst>
               </a:tr>
@@ -4696,7 +4700,7 @@
                 </a:tc>
                 <a:extLst>
                   <a:ext uri="{0D108BD9-81ED-4DB2-BD59-A6C34878D82A}">
-                    <a16:rowId xmlns:a16="http://schemas.microsoft.com/office/drawing/2014/main" val="3920938786"/>
+                    <a16:rowId xmlns:a16="http://schemas.microsoft.com/office/drawing/2014/main" xmlns="" val="3920938786"/>
                   </a:ext>
                 </a:extLst>
               </a:tr>
@@ -4749,7 +4753,7 @@
                 </a:tc>
                 <a:extLst>
                   <a:ext uri="{0D108BD9-81ED-4DB2-BD59-A6C34878D82A}">
-                    <a16:rowId xmlns:a16="http://schemas.microsoft.com/office/drawing/2014/main" val="2045851911"/>
+                    <a16:rowId xmlns:a16="http://schemas.microsoft.com/office/drawing/2014/main" xmlns="" val="2045851911"/>
                   </a:ext>
                 </a:extLst>
               </a:tr>
@@ -4816,7 +4820,7 @@
                 </a:tc>
                 <a:extLst>
                   <a:ext uri="{0D108BD9-81ED-4DB2-BD59-A6C34878D82A}">
-                    <a16:rowId xmlns:a16="http://schemas.microsoft.com/office/drawing/2014/main" val="739765717"/>
+                    <a16:rowId xmlns:a16="http://schemas.microsoft.com/office/drawing/2014/main" xmlns="" val="739765717"/>
                   </a:ext>
                 </a:extLst>
               </a:tr>
@@ -4869,7 +4873,7 @@
                 </a:tc>
                 <a:extLst>
                   <a:ext uri="{0D108BD9-81ED-4DB2-BD59-A6C34878D82A}">
-                    <a16:rowId xmlns:a16="http://schemas.microsoft.com/office/drawing/2014/main" val="3682230653"/>
+                    <a16:rowId xmlns:a16="http://schemas.microsoft.com/office/drawing/2014/main" xmlns="" val="3682230653"/>
                   </a:ext>
                 </a:extLst>
               </a:tr>
@@ -4936,7 +4940,7 @@
                 </a:tc>
                 <a:extLst>
                   <a:ext uri="{0D108BD9-81ED-4DB2-BD59-A6C34878D82A}">
-                    <a16:rowId xmlns:a16="http://schemas.microsoft.com/office/drawing/2014/main" val="3731108153"/>
+                    <a16:rowId xmlns:a16="http://schemas.microsoft.com/office/drawing/2014/main" xmlns="" val="3731108153"/>
                   </a:ext>
                 </a:extLst>
               </a:tr>
@@ -4989,7 +4993,7 @@
                 </a:tc>
                 <a:extLst>
                   <a:ext uri="{0D108BD9-81ED-4DB2-BD59-A6C34878D82A}">
-                    <a16:rowId xmlns:a16="http://schemas.microsoft.com/office/drawing/2014/main" val="452638788"/>
+                    <a16:rowId xmlns:a16="http://schemas.microsoft.com/office/drawing/2014/main" xmlns="" val="452638788"/>
                   </a:ext>
                 </a:extLst>
               </a:tr>
@@ -5032,7 +5036,7 @@
           <p:cNvPr id="2" name="Title 1">
             <a:extLst>
               <a:ext uri="{FF2B5EF4-FFF2-40B4-BE49-F238E27FC236}">
-                <a16:creationId xmlns:a16="http://schemas.microsoft.com/office/drawing/2014/main" id="{B678A683-798F-42EA-B43A-89EB3462EF45}"/>
+                <a16:creationId xmlns:a16="http://schemas.microsoft.com/office/drawing/2014/main" xmlns="" id="{B678A683-798F-42EA-B43A-89EB3462EF45}"/>
               </a:ext>
             </a:extLst>
           </p:cNvPr>
@@ -5076,7 +5080,7 @@
           <p:cNvPr id="3" name="Text Placeholder 2">
             <a:extLst>
               <a:ext uri="{FF2B5EF4-FFF2-40B4-BE49-F238E27FC236}">
-                <a16:creationId xmlns:a16="http://schemas.microsoft.com/office/drawing/2014/main" id="{8B281D6B-49B4-4844-BE3F-BEAB4D279AFB}"/>
+                <a16:creationId xmlns:a16="http://schemas.microsoft.com/office/drawing/2014/main" xmlns="" id="{8B281D6B-49B4-4844-BE3F-BEAB4D279AFB}"/>
               </a:ext>
             </a:extLst>
           </p:cNvPr>
@@ -5121,7 +5125,7 @@
           <p:cNvPr id="5" name="Text Placeholder 4">
             <a:extLst>
               <a:ext uri="{FF2B5EF4-FFF2-40B4-BE49-F238E27FC236}">
-                <a16:creationId xmlns:a16="http://schemas.microsoft.com/office/drawing/2014/main" id="{F16C53F2-C53D-4DCD-BB4C-BA65D4B784E2}"/>
+                <a16:creationId xmlns:a16="http://schemas.microsoft.com/office/drawing/2014/main" xmlns="" id="{F16C53F2-C53D-4DCD-BB4C-BA65D4B784E2}"/>
               </a:ext>
             </a:extLst>
           </p:cNvPr>
@@ -5166,7 +5170,7 @@
           <p:cNvPr id="8" name="Content Placeholder 5">
             <a:extLst>
               <a:ext uri="{FF2B5EF4-FFF2-40B4-BE49-F238E27FC236}">
-                <a16:creationId xmlns:a16="http://schemas.microsoft.com/office/drawing/2014/main" id="{ABA6BD62-2713-4BED-8588-5A5018EA8BA7}"/>
+                <a16:creationId xmlns:a16="http://schemas.microsoft.com/office/drawing/2014/main" xmlns="" id="{ABA6BD62-2713-4BED-8588-5A5018EA8BA7}"/>
               </a:ext>
             </a:extLst>
           </p:cNvPr>
@@ -5198,7 +5202,7 @@
           <p:cNvPr id="6" name="Content Placeholder 5">
             <a:extLst>
               <a:ext uri="{FF2B5EF4-FFF2-40B4-BE49-F238E27FC236}">
-                <a16:creationId xmlns:a16="http://schemas.microsoft.com/office/drawing/2014/main" id="{105D9244-2480-4081-A63A-05EE107068A0}"/>
+                <a16:creationId xmlns:a16="http://schemas.microsoft.com/office/drawing/2014/main" xmlns="" id="{105D9244-2480-4081-A63A-05EE107068A0}"/>
               </a:ext>
             </a:extLst>
           </p:cNvPr>
@@ -5223,7 +5227,7 @@
           <p:cNvPr id="10" name="Picture 9">
             <a:extLst>
               <a:ext uri="{FF2B5EF4-FFF2-40B4-BE49-F238E27FC236}">
-                <a16:creationId xmlns:a16="http://schemas.microsoft.com/office/drawing/2014/main" id="{274335FC-E5A9-467C-A907-5096E7D5A685}"/>
+                <a16:creationId xmlns:a16="http://schemas.microsoft.com/office/drawing/2014/main" xmlns="" id="{274335FC-E5A9-467C-A907-5096E7D5A685}"/>
               </a:ext>
             </a:extLst>
           </p:cNvPr>
@@ -5283,7 +5287,7 @@
           <p:cNvPr id="2" name="Title 1">
             <a:extLst>
               <a:ext uri="{FF2B5EF4-FFF2-40B4-BE49-F238E27FC236}">
-                <a16:creationId xmlns:a16="http://schemas.microsoft.com/office/drawing/2014/main" id="{1400270B-B8E8-43F5-873B-012CA55CB05F}"/>
+                <a16:creationId xmlns:a16="http://schemas.microsoft.com/office/drawing/2014/main" xmlns="" id="{1400270B-B8E8-43F5-873B-012CA55CB05F}"/>
               </a:ext>
             </a:extLst>
           </p:cNvPr>
@@ -5327,7 +5331,7 @@
           <p:cNvPr id="7" name="Picture 6">
             <a:extLst>
               <a:ext uri="{FF2B5EF4-FFF2-40B4-BE49-F238E27FC236}">
-                <a16:creationId xmlns:a16="http://schemas.microsoft.com/office/drawing/2014/main" id="{CE9A7683-F99B-4BB9-9D5B-35E7978E378E}"/>
+                <a16:creationId xmlns:a16="http://schemas.microsoft.com/office/drawing/2014/main" xmlns="" id="{CE9A7683-F99B-4BB9-9D5B-35E7978E378E}"/>
               </a:ext>
             </a:extLst>
           </p:cNvPr>
@@ -5357,7 +5361,7 @@
           <p:cNvPr id="8" name="Picture 7">
             <a:extLst>
               <a:ext uri="{FF2B5EF4-FFF2-40B4-BE49-F238E27FC236}">
-                <a16:creationId xmlns:a16="http://schemas.microsoft.com/office/drawing/2014/main" id="{AF727EA7-E212-44DB-9F3D-B2D87E3B9E1C}"/>
+                <a16:creationId xmlns:a16="http://schemas.microsoft.com/office/drawing/2014/main" xmlns="" id="{AF727EA7-E212-44DB-9F3D-B2D87E3B9E1C}"/>
               </a:ext>
             </a:extLst>
           </p:cNvPr>
@@ -5417,7 +5421,7 @@
           <p:cNvPr id="2" name="Title 1">
             <a:extLst>
               <a:ext uri="{FF2B5EF4-FFF2-40B4-BE49-F238E27FC236}">
-                <a16:creationId xmlns:a16="http://schemas.microsoft.com/office/drawing/2014/main" id="{7B51F062-CF29-4915-80C0-EEF4A7510BA8}"/>
+                <a16:creationId xmlns:a16="http://schemas.microsoft.com/office/drawing/2014/main" xmlns="" id="{7B51F062-CF29-4915-80C0-EEF4A7510BA8}"/>
               </a:ext>
             </a:extLst>
           </p:cNvPr>
@@ -5474,7 +5478,7 @@
           <p:cNvPr id="3" name="Content Placeholder 2">
             <a:extLst>
               <a:ext uri="{FF2B5EF4-FFF2-40B4-BE49-F238E27FC236}">
-                <a16:creationId xmlns:a16="http://schemas.microsoft.com/office/drawing/2014/main" id="{94FED405-86D0-4C5D-BBED-578838102074}"/>
+                <a16:creationId xmlns:a16="http://schemas.microsoft.com/office/drawing/2014/main" xmlns="" id="{94FED405-86D0-4C5D-BBED-578838102074}"/>
               </a:ext>
             </a:extLst>
           </p:cNvPr>
@@ -5550,7 +5554,7 @@
           <p:cNvPr id="2" name="Title 1">
             <a:extLst>
               <a:ext uri="{FF2B5EF4-FFF2-40B4-BE49-F238E27FC236}">
-                <a16:creationId xmlns:a16="http://schemas.microsoft.com/office/drawing/2014/main" id="{5F5F52D5-F627-47E7-8DA6-4AEC5AEF2181}"/>
+                <a16:creationId xmlns:a16="http://schemas.microsoft.com/office/drawing/2014/main" xmlns="" id="{5F5F52D5-F627-47E7-8DA6-4AEC5AEF2181}"/>
               </a:ext>
             </a:extLst>
           </p:cNvPr>
@@ -5594,7 +5598,7 @@
           <p:cNvPr id="3" name="Content Placeholder 2">
             <a:extLst>
               <a:ext uri="{FF2B5EF4-FFF2-40B4-BE49-F238E27FC236}">
-                <a16:creationId xmlns:a16="http://schemas.microsoft.com/office/drawing/2014/main" id="{9A167EDC-842F-4B0A-AC6A-351F61630CAB}"/>
+                <a16:creationId xmlns:a16="http://schemas.microsoft.com/office/drawing/2014/main" xmlns="" id="{9A167EDC-842F-4B0A-AC6A-351F61630CAB}"/>
               </a:ext>
             </a:extLst>
           </p:cNvPr>
@@ -5720,7 +5724,7 @@
           <p:cNvPr id="7" name="Group 6" title="intersecting circles">
             <a:extLst>
               <a:ext uri="{FF2B5EF4-FFF2-40B4-BE49-F238E27FC236}">
-                <a16:creationId xmlns:a16="http://schemas.microsoft.com/office/drawing/2014/main" id="{D2C4BFA1-2075-4901-9E24-E41D1FDD51FD}"/>
+                <a16:creationId xmlns:a16="http://schemas.microsoft.com/office/drawing/2014/main" xmlns="" id="{D2C4BFA1-2075-4901-9E24-E41D1FDD51FD}"/>
               </a:ext>
             </a:extLst>
           </p:cNvPr>
@@ -5730,7 +5734,7 @@
           <p:nvPr>
             <p:extLst>
               <p:ext uri="{386F3935-93C4-4BCD-93E2-E3B085C9AB24}">
-                <p16:designElem xmlns:p16="http://schemas.microsoft.com/office/powerpoint/2015/main" val="1"/>
+                <p16:designElem xmlns:p16="http://schemas.microsoft.com/office/powerpoint/2015/main" xmlns="" val="1"/>
               </p:ext>
             </p:extLst>
           </p:nvPr>
@@ -5748,7 +5752,7 @@
             <p:cNvPr id="8" name="Oval 5">
               <a:extLst>
                 <a:ext uri="{FF2B5EF4-FFF2-40B4-BE49-F238E27FC236}">
-                  <a16:creationId xmlns:a16="http://schemas.microsoft.com/office/drawing/2014/main" id="{985A7375-E3AF-4F5C-85AE-17E8832952CA}"/>
+                  <a16:creationId xmlns:a16="http://schemas.microsoft.com/office/drawing/2014/main" xmlns="" id="{985A7375-E3AF-4F5C-85AE-17E8832952CA}"/>
                 </a:ext>
               </a:extLst>
             </p:cNvPr>
@@ -5758,7 +5762,7 @@
             <p:nvPr>
               <p:extLst>
                 <p:ext uri="{386F3935-93C4-4BCD-93E2-E3B085C9AB24}">
-                  <p16:designElem xmlns:p16="http://schemas.microsoft.com/office/powerpoint/2015/main" val="1"/>
+                  <p16:designElem xmlns:p16="http://schemas.microsoft.com/office/powerpoint/2015/main" xmlns="" val="1"/>
                 </p:ext>
               </p:extLst>
             </p:nvPr>
@@ -5786,7 +5790,7 @@
             <p:cNvPr id="9" name="Oval 8">
               <a:extLst>
                 <a:ext uri="{FF2B5EF4-FFF2-40B4-BE49-F238E27FC236}">
-                  <a16:creationId xmlns:a16="http://schemas.microsoft.com/office/drawing/2014/main" id="{F0307F65-8304-4FA8-A841-D4D7625411BE}"/>
+                  <a16:creationId xmlns:a16="http://schemas.microsoft.com/office/drawing/2014/main" xmlns="" id="{F0307F65-8304-4FA8-A841-D4D7625411BE}"/>
                 </a:ext>
               </a:extLst>
             </p:cNvPr>
@@ -5796,7 +5800,7 @@
             <p:nvPr>
               <p:extLst>
                 <p:ext uri="{386F3935-93C4-4BCD-93E2-E3B085C9AB24}">
-                  <p16:designElem xmlns:p16="http://schemas.microsoft.com/office/powerpoint/2015/main" val="1"/>
+                  <p16:designElem xmlns:p16="http://schemas.microsoft.com/office/powerpoint/2015/main" xmlns="" val="1"/>
                 </p:ext>
               </p:extLst>
             </p:nvPr>
@@ -5824,7 +5828,7 @@
             <p:cNvPr id="10" name="Oval 5">
               <a:extLst>
                 <a:ext uri="{FF2B5EF4-FFF2-40B4-BE49-F238E27FC236}">
-                  <a16:creationId xmlns:a16="http://schemas.microsoft.com/office/drawing/2014/main" id="{C8B8394C-136F-4E05-A002-D93A5E79CD50}"/>
+                  <a16:creationId xmlns:a16="http://schemas.microsoft.com/office/drawing/2014/main" xmlns="" id="{C8B8394C-136F-4E05-A002-D93A5E79CD50}"/>
                 </a:ext>
               </a:extLst>
             </p:cNvPr>
@@ -5834,7 +5838,7 @@
             <p:nvPr>
               <p:extLst>
                 <p:ext uri="{386F3935-93C4-4BCD-93E2-E3B085C9AB24}">
-                  <p16:designElem xmlns:p16="http://schemas.microsoft.com/office/powerpoint/2015/main" val="1"/>
+                  <p16:designElem xmlns:p16="http://schemas.microsoft.com/office/powerpoint/2015/main" xmlns="" val="1"/>
                 </p:ext>
               </p:extLst>
             </p:nvPr>
@@ -5863,7 +5867,7 @@
           <p:cNvPr id="12" name="Rectangle 11" title="ribbon">
             <a:extLst>
               <a:ext uri="{FF2B5EF4-FFF2-40B4-BE49-F238E27FC236}">
-                <a16:creationId xmlns:a16="http://schemas.microsoft.com/office/drawing/2014/main" id="{053FB2EE-284F-4C87-AB3D-BBF87A9FAB97}"/>
+                <a16:creationId xmlns:a16="http://schemas.microsoft.com/office/drawing/2014/main" xmlns="" id="{053FB2EE-284F-4C87-AB3D-BBF87A9FAB97}"/>
               </a:ext>
             </a:extLst>
           </p:cNvPr>
@@ -5873,7 +5877,7 @@
           <p:nvPr>
             <p:extLst>
               <p:ext uri="{386F3935-93C4-4BCD-93E2-E3B085C9AB24}">
-                <p16:designElem xmlns:p16="http://schemas.microsoft.com/office/powerpoint/2015/main" val="1"/>
+                <p16:designElem xmlns:p16="http://schemas.microsoft.com/office/powerpoint/2015/main" xmlns="" val="1"/>
               </p:ext>
             </p:extLst>
           </p:nvPr>
@@ -5915,7 +5919,7 @@
           <p:cNvPr id="2" name="Title 1">
             <a:extLst>
               <a:ext uri="{FF2B5EF4-FFF2-40B4-BE49-F238E27FC236}">
-                <a16:creationId xmlns:a16="http://schemas.microsoft.com/office/drawing/2014/main" id="{D73EACD4-11B0-4C61-B08E-80EA74CE041B}"/>
+                <a16:creationId xmlns:a16="http://schemas.microsoft.com/office/drawing/2014/main" xmlns="" id="{D73EACD4-11B0-4C61-B08E-80EA74CE041B}"/>
               </a:ext>
             </a:extLst>
           </p:cNvPr>
@@ -5988,7 +5992,7 @@
           <p:cNvPr id="2" name="Title 1">
             <a:extLst>
               <a:ext uri="{FF2B5EF4-FFF2-40B4-BE49-F238E27FC236}">
-                <a16:creationId xmlns:a16="http://schemas.microsoft.com/office/drawing/2014/main" id="{2857359D-8E42-4E82-8425-9D60AB480CEB}"/>
+                <a16:creationId xmlns:a16="http://schemas.microsoft.com/office/drawing/2014/main" xmlns="" id="{2857359D-8E42-4E82-8425-9D60AB480CEB}"/>
               </a:ext>
             </a:extLst>
           </p:cNvPr>
@@ -6027,7 +6031,7 @@
           <p:cNvPr id="5" name="Content Placeholder 4" descr="A picture containing text, map&#10;&#10;Description generated with very high confidence">
             <a:extLst>
               <a:ext uri="{FF2B5EF4-FFF2-40B4-BE49-F238E27FC236}">
-                <a16:creationId xmlns:a16="http://schemas.microsoft.com/office/drawing/2014/main" id="{3F79C98B-27F5-4E14-88F3-CB814C72F9F9}"/>
+                <a16:creationId xmlns:a16="http://schemas.microsoft.com/office/drawing/2014/main" xmlns="" id="{3F79C98B-27F5-4E14-88F3-CB814C72F9F9}"/>
               </a:ext>
             </a:extLst>
           </p:cNvPr>
@@ -6092,7 +6096,7 @@
           <p:cNvPr id="2" name="Title 1">
             <a:extLst>
               <a:ext uri="{FF2B5EF4-FFF2-40B4-BE49-F238E27FC236}">
-                <a16:creationId xmlns:a16="http://schemas.microsoft.com/office/drawing/2014/main" id="{031A250B-903B-4C2F-BBB0-E0E0E9895EAE}"/>
+                <a16:creationId xmlns:a16="http://schemas.microsoft.com/office/drawing/2014/main" xmlns="" id="{031A250B-903B-4C2F-BBB0-E0E0E9895EAE}"/>
               </a:ext>
             </a:extLst>
           </p:cNvPr>
@@ -6136,7 +6140,7 @@
           <p:cNvPr id="4" name="Content Placeholder 3">
             <a:extLst>
               <a:ext uri="{FF2B5EF4-FFF2-40B4-BE49-F238E27FC236}">
-                <a16:creationId xmlns:a16="http://schemas.microsoft.com/office/drawing/2014/main" id="{1A2CE107-84F2-49D3-8FEA-2C66BF7024A5}"/>
+                <a16:creationId xmlns:a16="http://schemas.microsoft.com/office/drawing/2014/main" xmlns="" id="{1A2CE107-84F2-49D3-8FEA-2C66BF7024A5}"/>
               </a:ext>
             </a:extLst>
           </p:cNvPr>
@@ -6168,7 +6172,7 @@
           <p:cNvPr id="15" name="TextBox 14">
             <a:extLst>
               <a:ext uri="{FF2B5EF4-FFF2-40B4-BE49-F238E27FC236}">
-                <a16:creationId xmlns:a16="http://schemas.microsoft.com/office/drawing/2014/main" id="{32761442-04F3-4CB3-BA2C-C8547148D556}"/>
+                <a16:creationId xmlns:a16="http://schemas.microsoft.com/office/drawing/2014/main" xmlns="" id="{32761442-04F3-4CB3-BA2C-C8547148D556}"/>
               </a:ext>
             </a:extLst>
           </p:cNvPr>
@@ -6219,7 +6223,7 @@
           <p:cNvPr id="6" name="Picture 5">
             <a:extLst>
               <a:ext uri="{FF2B5EF4-FFF2-40B4-BE49-F238E27FC236}">
-                <a16:creationId xmlns:a16="http://schemas.microsoft.com/office/drawing/2014/main" id="{630FABA8-E3EA-433B-B06B-D1AEEC2D1AE9}"/>
+                <a16:creationId xmlns:a16="http://schemas.microsoft.com/office/drawing/2014/main" xmlns="" id="{630FABA8-E3EA-433B-B06B-D1AEEC2D1AE9}"/>
               </a:ext>
             </a:extLst>
           </p:cNvPr>
@@ -6278,7 +6282,7 @@
           <p:cNvPr id="2" name="Title 1">
             <a:extLst>
               <a:ext uri="{FF2B5EF4-FFF2-40B4-BE49-F238E27FC236}">
-                <a16:creationId xmlns:a16="http://schemas.microsoft.com/office/drawing/2014/main" id="{78C2549D-3C9C-4E70-97DB-F3E7F6878DD1}"/>
+                <a16:creationId xmlns:a16="http://schemas.microsoft.com/office/drawing/2014/main" xmlns="" id="{78C2549D-3C9C-4E70-97DB-F3E7F6878DD1}"/>
               </a:ext>
             </a:extLst>
           </p:cNvPr>
@@ -6322,7 +6326,7 @@
           <p:cNvPr id="3" name="Content Placeholder 2">
             <a:extLst>
               <a:ext uri="{FF2B5EF4-FFF2-40B4-BE49-F238E27FC236}">
-                <a16:creationId xmlns:a16="http://schemas.microsoft.com/office/drawing/2014/main" id="{9AD5DA06-32C0-4BB6-B574-482ECFA38830}"/>
+                <a16:creationId xmlns:a16="http://schemas.microsoft.com/office/drawing/2014/main" xmlns="" id="{9AD5DA06-32C0-4BB6-B574-482ECFA38830}"/>
               </a:ext>
             </a:extLst>
           </p:cNvPr>
@@ -6438,7 +6442,7 @@
           <p:cNvPr id="2" name="Title 1">
             <a:extLst>
               <a:ext uri="{FF2B5EF4-FFF2-40B4-BE49-F238E27FC236}">
-                <a16:creationId xmlns:a16="http://schemas.microsoft.com/office/drawing/2014/main" id="{FEC2F345-E0E0-48D5-A931-9DDAA72683B2}"/>
+                <a16:creationId xmlns:a16="http://schemas.microsoft.com/office/drawing/2014/main" xmlns="" id="{FEC2F345-E0E0-48D5-A931-9DDAA72683B2}"/>
               </a:ext>
             </a:extLst>
           </p:cNvPr>
@@ -6477,7 +6481,7 @@
           <p:cNvPr id="3" name="Rectangle 2">
             <a:extLst>
               <a:ext uri="{FF2B5EF4-FFF2-40B4-BE49-F238E27FC236}">
-                <a16:creationId xmlns:a16="http://schemas.microsoft.com/office/drawing/2014/main" id="{F011FC70-54BD-468D-8091-43615AB87158}"/>
+                <a16:creationId xmlns:a16="http://schemas.microsoft.com/office/drawing/2014/main" xmlns="" id="{F011FC70-54BD-468D-8091-43615AB87158}"/>
               </a:ext>
             </a:extLst>
           </p:cNvPr>
@@ -6527,7 +6531,7 @@
           <p:cNvPr id="4" name="Content Placeholder 3">
             <a:extLst>
               <a:ext uri="{FF2B5EF4-FFF2-40B4-BE49-F238E27FC236}">
-                <a16:creationId xmlns:a16="http://schemas.microsoft.com/office/drawing/2014/main" id="{8B692D5B-5E47-45E3-8323-449AC468B800}"/>
+                <a16:creationId xmlns:a16="http://schemas.microsoft.com/office/drawing/2014/main" xmlns="" id="{8B692D5B-5E47-45E3-8323-449AC468B800}"/>
               </a:ext>
             </a:extLst>
           </p:cNvPr>
@@ -6559,7 +6563,7 @@
           <p:cNvPr id="6" name="Rectangle 5">
             <a:extLst>
               <a:ext uri="{FF2B5EF4-FFF2-40B4-BE49-F238E27FC236}">
-                <a16:creationId xmlns:a16="http://schemas.microsoft.com/office/drawing/2014/main" id="{AA8C6DB7-4967-4826-96C6-F1FD38E38E53}"/>
+                <a16:creationId xmlns:a16="http://schemas.microsoft.com/office/drawing/2014/main" xmlns="" id="{AA8C6DB7-4967-4826-96C6-F1FD38E38E53}"/>
               </a:ext>
             </a:extLst>
           </p:cNvPr>
@@ -6640,7 +6644,7 @@
           <p:cNvPr id="2" name="Title 1">
             <a:extLst>
               <a:ext uri="{FF2B5EF4-FFF2-40B4-BE49-F238E27FC236}">
-                <a16:creationId xmlns:a16="http://schemas.microsoft.com/office/drawing/2014/main" id="{26BC1230-2632-4DEC-8F68-1A3083145C23}"/>
+                <a16:creationId xmlns:a16="http://schemas.microsoft.com/office/drawing/2014/main" xmlns="" id="{26BC1230-2632-4DEC-8F68-1A3083145C23}"/>
               </a:ext>
             </a:extLst>
           </p:cNvPr>
@@ -6679,7 +6683,7 @@
           <p:cNvPr id="5" name="Content Placeholder 4" descr="A screenshot of a computer&#10;&#10;Description generated with very high confidence">
             <a:extLst>
               <a:ext uri="{FF2B5EF4-FFF2-40B4-BE49-F238E27FC236}">
-                <a16:creationId xmlns:a16="http://schemas.microsoft.com/office/drawing/2014/main" id="{176E34E8-482E-4865-9492-04C3D531F08B}"/>
+                <a16:creationId xmlns:a16="http://schemas.microsoft.com/office/drawing/2014/main" xmlns="" id="{176E34E8-482E-4865-9492-04C3D531F08B}"/>
               </a:ext>
             </a:extLst>
           </p:cNvPr>
@@ -6754,7 +6758,7 @@
           <p:cNvPr id="44" name="Group 31" title="intersecting circles">
             <a:extLst>
               <a:ext uri="{FF2B5EF4-FFF2-40B4-BE49-F238E27FC236}">
-                <a16:creationId xmlns:a16="http://schemas.microsoft.com/office/drawing/2014/main" id="{D2C4BFA1-2075-4901-9E24-E41D1FDD51FD}"/>
+                <a16:creationId xmlns:a16="http://schemas.microsoft.com/office/drawing/2014/main" xmlns="" id="{D2C4BFA1-2075-4901-9E24-E41D1FDD51FD}"/>
               </a:ext>
             </a:extLst>
           </p:cNvPr>
@@ -6764,7 +6768,7 @@
           <p:nvPr>
             <p:extLst>
               <p:ext uri="{386F3935-93C4-4BCD-93E2-E3B085C9AB24}">
-                <p16:designElem xmlns:p16="http://schemas.microsoft.com/office/powerpoint/2015/main" val="1"/>
+                <p16:designElem xmlns:p16="http://schemas.microsoft.com/office/powerpoint/2015/main" xmlns="" val="1"/>
               </p:ext>
             </p:extLst>
           </p:nvPr>
@@ -6782,7 +6786,7 @@
             <p:cNvPr id="33" name="Oval 5">
               <a:extLst>
                 <a:ext uri="{FF2B5EF4-FFF2-40B4-BE49-F238E27FC236}">
-                  <a16:creationId xmlns:a16="http://schemas.microsoft.com/office/drawing/2014/main" id="{985A7375-E3AF-4F5C-85AE-17E8832952CA}"/>
+                  <a16:creationId xmlns:a16="http://schemas.microsoft.com/office/drawing/2014/main" xmlns="" id="{985A7375-E3AF-4F5C-85AE-17E8832952CA}"/>
                 </a:ext>
               </a:extLst>
             </p:cNvPr>
@@ -6792,7 +6796,7 @@
             <p:nvPr>
               <p:extLst>
                 <p:ext uri="{386F3935-93C4-4BCD-93E2-E3B085C9AB24}">
-                  <p16:designElem xmlns:p16="http://schemas.microsoft.com/office/powerpoint/2015/main" val="1"/>
+                  <p16:designElem xmlns:p16="http://schemas.microsoft.com/office/powerpoint/2015/main" xmlns="" val="1"/>
                 </p:ext>
               </p:extLst>
             </p:nvPr>
@@ -6820,7 +6824,7 @@
             <p:cNvPr id="45" name="Oval 33">
               <a:extLst>
                 <a:ext uri="{FF2B5EF4-FFF2-40B4-BE49-F238E27FC236}">
-                  <a16:creationId xmlns:a16="http://schemas.microsoft.com/office/drawing/2014/main" id="{F0307F65-8304-4FA8-A841-D4D7625411BE}"/>
+                  <a16:creationId xmlns:a16="http://schemas.microsoft.com/office/drawing/2014/main" xmlns="" id="{F0307F65-8304-4FA8-A841-D4D7625411BE}"/>
                 </a:ext>
               </a:extLst>
             </p:cNvPr>
@@ -6830,7 +6834,7 @@
             <p:nvPr>
               <p:extLst>
                 <p:ext uri="{386F3935-93C4-4BCD-93E2-E3B085C9AB24}">
-                  <p16:designElem xmlns:p16="http://schemas.microsoft.com/office/powerpoint/2015/main" val="1"/>
+                  <p16:designElem xmlns:p16="http://schemas.microsoft.com/office/powerpoint/2015/main" xmlns="" val="1"/>
                 </p:ext>
               </p:extLst>
             </p:nvPr>
@@ -6858,7 +6862,7 @@
             <p:cNvPr id="35" name="Oval 5">
               <a:extLst>
                 <a:ext uri="{FF2B5EF4-FFF2-40B4-BE49-F238E27FC236}">
-                  <a16:creationId xmlns:a16="http://schemas.microsoft.com/office/drawing/2014/main" id="{C8B8394C-136F-4E05-A002-D93A5E79CD50}"/>
+                  <a16:creationId xmlns:a16="http://schemas.microsoft.com/office/drawing/2014/main" xmlns="" id="{C8B8394C-136F-4E05-A002-D93A5E79CD50}"/>
                 </a:ext>
               </a:extLst>
             </p:cNvPr>
@@ -6868,7 +6872,7 @@
             <p:nvPr>
               <p:extLst>
                 <p:ext uri="{386F3935-93C4-4BCD-93E2-E3B085C9AB24}">
-                  <p16:designElem xmlns:p16="http://schemas.microsoft.com/office/powerpoint/2015/main" val="1"/>
+                  <p16:designElem xmlns:p16="http://schemas.microsoft.com/office/powerpoint/2015/main" xmlns="" val="1"/>
                 </p:ext>
               </p:extLst>
             </p:nvPr>
@@ -6897,7 +6901,7 @@
           <p:cNvPr id="37" name="Rectangle 36" title="ribbon">
             <a:extLst>
               <a:ext uri="{FF2B5EF4-FFF2-40B4-BE49-F238E27FC236}">
-                <a16:creationId xmlns:a16="http://schemas.microsoft.com/office/drawing/2014/main" id="{053FB2EE-284F-4C87-AB3D-BBF87A9FAB97}"/>
+                <a16:creationId xmlns:a16="http://schemas.microsoft.com/office/drawing/2014/main" xmlns="" id="{053FB2EE-284F-4C87-AB3D-BBF87A9FAB97}"/>
               </a:ext>
             </a:extLst>
           </p:cNvPr>
@@ -6907,7 +6911,7 @@
           <p:nvPr>
             <p:extLst>
               <p:ext uri="{386F3935-93C4-4BCD-93E2-E3B085C9AB24}">
-                <p16:designElem xmlns:p16="http://schemas.microsoft.com/office/powerpoint/2015/main" val="1"/>
+                <p16:designElem xmlns:p16="http://schemas.microsoft.com/office/powerpoint/2015/main" xmlns="" val="1"/>
               </p:ext>
             </p:extLst>
           </p:nvPr>
@@ -6949,7 +6953,7 @@
           <p:cNvPr id="2" name="TextBox 1">
             <a:extLst>
               <a:ext uri="{FF2B5EF4-FFF2-40B4-BE49-F238E27FC236}">
-                <a16:creationId xmlns:a16="http://schemas.microsoft.com/office/drawing/2014/main" id="{49610B88-E565-495E-83FB-685D64857340}"/>
+                <a16:creationId xmlns:a16="http://schemas.microsoft.com/office/drawing/2014/main" xmlns="" id="{49610B88-E565-495E-83FB-685D64857340}"/>
               </a:ext>
             </a:extLst>
           </p:cNvPr>
@@ -6967,7 +6971,7 @@
         </p:spPr>
         <p:txBody>
           <a:bodyPr vert="horz" lIns="91440" tIns="45720" rIns="91440" bIns="45720" rtlCol="0" anchor="ctr">
-            <a:normAutofit fontScale="77500" lnSpcReduction="20000"/>
+            <a:normAutofit/>
           </a:bodyPr>
           <a:lstStyle/>
           <a:p>
@@ -6990,8 +6994,25 @@
                 <a:ea typeface="+mj-ea"/>
                 <a:cs typeface="+mj-cs"/>
               </a:rPr>
-              <a:t>Model Selection</a:t>
-            </a:r>
+              <a:t>Model </a:t>
+            </a:r>
+            <a:r>
+              <a:rPr lang="en-US" sz="5200" dirty="0" smtClean="0">
+                <a:solidFill>
+                  <a:schemeClr val="bg2"/>
+                </a:solidFill>
+                <a:ea typeface="+mj-ea"/>
+                <a:cs typeface="+mj-cs"/>
+              </a:rPr>
+              <a:t>Training and Evaluation</a:t>
+            </a:r>
+            <a:endParaRPr lang="en-US" sz="5200" kern="1200" dirty="0">
+              <a:solidFill>
+                <a:schemeClr val="bg2"/>
+              </a:solidFill>
+              <a:ea typeface="+mj-ea"/>
+              <a:cs typeface="+mj-cs"/>
+            </a:endParaRPr>
           </a:p>
           <a:p>
             <a:pPr algn="ctr">
@@ -7006,53 +7027,7 @@
               </a:spcAft>
             </a:pPr>
             <a:r>
-              <a:rPr lang="en-US" sz="4000" kern="1200" dirty="0">
-                <a:solidFill>
-                  <a:schemeClr val="bg2"/>
-                </a:solidFill>
-                <a:latin typeface="Brush Script MT" panose="03060802040406070304" pitchFamily="66" charset="0"/>
-                <a:ea typeface="+mj-ea"/>
-                <a:cs typeface="+mj-cs"/>
-              </a:rPr>
-              <a:t>‘If you torture the data enough, </a:t>
-            </a:r>
-            <a:r>
-              <a:rPr lang="en-US" sz="4000" dirty="0">
-                <a:solidFill>
-                  <a:schemeClr val="bg2"/>
-                </a:solidFill>
-                <a:latin typeface="Brush Script MT" panose="03060802040406070304" pitchFamily="66" charset="0"/>
-                <a:ea typeface="+mj-ea"/>
-                <a:cs typeface="+mj-cs"/>
-              </a:rPr>
-              <a:t>it</a:t>
-            </a:r>
-            <a:r>
-              <a:rPr lang="en-US" sz="4000" kern="1200" dirty="0">
-                <a:solidFill>
-                  <a:schemeClr val="bg2"/>
-                </a:solidFill>
-                <a:latin typeface="Brush Script MT" panose="03060802040406070304" pitchFamily="66" charset="0"/>
-                <a:ea typeface="+mj-ea"/>
-                <a:cs typeface="+mj-cs"/>
-              </a:rPr>
-              <a:t> will always confess’  </a:t>
-            </a:r>
-          </a:p>
-          <a:p>
-            <a:pPr algn="r">
-              <a:lnSpc>
-                <a:spcPct val="90000"/>
-              </a:lnSpc>
-              <a:spcBef>
-                <a:spcPct val="0"/>
-              </a:spcBef>
-              <a:spcAft>
-                <a:spcPts val="600"/>
-              </a:spcAft>
-            </a:pPr>
-            <a:r>
-              <a:rPr lang="en-US" sz="4000" kern="1200" dirty="0">
+              <a:rPr lang="en-US" sz="2000" kern="1200" dirty="0" smtClean="0">
                 <a:solidFill>
                   <a:schemeClr val="bg2"/>
                 </a:solidFill>
@@ -7060,19 +7035,16 @@
                 <a:ea typeface="+mj-ea"/>
                 <a:cs typeface="+mj-cs"/>
               </a:rPr>
-              <a:t>- </a:t>
-            </a:r>
-            <a:r>
-              <a:rPr lang="en-US" sz="2000" kern="1200" dirty="0">
-                <a:solidFill>
-                  <a:schemeClr val="bg2"/>
-                </a:solidFill>
-                <a:latin typeface="+mj-lt"/>
-                <a:ea typeface="+mj-ea"/>
-                <a:cs typeface="+mj-cs"/>
-              </a:rPr>
-              <a:t>Ronald Coase, British Economist </a:t>
-            </a:r>
+              <a:t> </a:t>
+            </a:r>
+            <a:endParaRPr lang="en-US" sz="2000" kern="1200" dirty="0">
+              <a:solidFill>
+                <a:schemeClr val="bg2"/>
+              </a:solidFill>
+              <a:latin typeface="+mj-lt"/>
+              <a:ea typeface="+mj-ea"/>
+              <a:cs typeface="+mj-cs"/>
+            </a:endParaRPr>
           </a:p>
         </p:txBody>
       </p:sp>
@@ -7187,14 +7159,9 @@
         </p:nvSpPr>
         <p:spPr>
           <a:xfrm>
-            <a:off x="-1" y="0"/>
-            <a:ext cx="4088297" cy="457200"/>
-          </a:xfrm>
-          <a:solidFill>
-            <a:schemeClr val="bg1">
-              <a:lumMod val="95000"/>
-            </a:schemeClr>
-          </a:solidFill>
+            <a:off x="0" y="0"/>
+            <a:ext cx="3352800" cy="457200"/>
+          </a:xfrm>
         </p:spPr>
         <p:txBody>
           <a:bodyPr>
@@ -7203,7 +7170,7 @@
           <a:lstStyle/>
           <a:p>
             <a:r>
-              <a:rPr lang="en-US" sz="2800" b="1" dirty="0">
+              <a:rPr lang="en-US" sz="2800" b="1" dirty="0" smtClean="0">
                 <a:solidFill>
                   <a:srgbClr val="0070C0"/>
                 </a:solidFill>
@@ -7214,2631 +7181,77 @@
           </a:p>
         </p:txBody>
       </p:sp>
-      <p:graphicFrame>
-        <p:nvGraphicFramePr>
-          <p:cNvPr id="19" name="Table 18"/>
-          <p:cNvGraphicFramePr>
-            <a:graphicFrameLocks noGrp="1"/>
-          </p:cNvGraphicFramePr>
-          <p:nvPr>
-            <p:extLst/>
-          </p:nvPr>
-        </p:nvGraphicFramePr>
-        <p:xfrm>
-          <a:off x="4165573" y="6"/>
-          <a:ext cx="5772759" cy="6850004"/>
-        </p:xfrm>
-        <a:graphic>
-          <a:graphicData uri="http://schemas.openxmlformats.org/drawingml/2006/table">
-            <a:tbl>
-              <a:tblPr/>
-              <a:tblGrid>
-                <a:gridCol w="5772759">
-                  <a:extLst>
-                    <a:ext uri="{9D8B030D-6E8A-4147-A177-3AD203B41FA5}">
-                      <a16:colId xmlns:a16="http://schemas.microsoft.com/office/drawing/2014/main" val="20000"/>
-                    </a:ext>
-                  </a:extLst>
-                </a:gridCol>
-              </a:tblGrid>
-              <a:tr h="92259">
-                <a:tc>
-                  <a:txBody>
-                    <a:bodyPr/>
-                    <a:lstStyle/>
-                    <a:p>
-                      <a:pPr algn="l" fontAlgn="ctr"/>
-                      <a:r>
-                        <a:rPr lang="en-US" sz="900" b="0" i="0" u="none" strike="noStrike" dirty="0">
-                          <a:solidFill>
-                            <a:srgbClr val="000000"/>
-                          </a:solidFill>
-                          <a:effectLst/>
-                          <a:latin typeface="Lucida Console"/>
-                        </a:rPr>
-                        <a:t>Coefficients:</a:t>
-                      </a:r>
-                    </a:p>
-                  </a:txBody>
-                  <a:tcPr marL="3515" marR="3515" marT="2636" marB="0" anchor="ctr">
-                    <a:lnL w="6350" cap="flat" cmpd="sng" algn="ctr">
-                      <a:solidFill>
-                        <a:srgbClr val="000000"/>
-                      </a:solidFill>
-                      <a:prstDash val="solid"/>
-                      <a:round/>
-                      <a:headEnd type="none" w="med" len="med"/>
-                      <a:tailEnd type="none" w="med" len="med"/>
-                    </a:lnL>
-                    <a:lnR w="6350" cap="flat" cmpd="sng" algn="ctr">
-                      <a:solidFill>
-                        <a:srgbClr val="000000"/>
-                      </a:solidFill>
-                      <a:prstDash val="solid"/>
-                      <a:round/>
-                      <a:headEnd type="none" w="med" len="med"/>
-                      <a:tailEnd type="none" w="med" len="med"/>
-                    </a:lnR>
-                    <a:lnT w="6350" cap="flat" cmpd="sng" algn="ctr">
-                      <a:solidFill>
-                        <a:srgbClr val="000000"/>
-                      </a:solidFill>
-                      <a:prstDash val="solid"/>
-                      <a:round/>
-                      <a:headEnd type="none" w="med" len="med"/>
-                      <a:tailEnd type="none" w="med" len="med"/>
-                    </a:lnT>
-                    <a:lnB>
-                      <a:noFill/>
-                    </a:lnB>
-                  </a:tcPr>
-                </a:tc>
-                <a:extLst>
-                  <a:ext uri="{0D108BD9-81ED-4DB2-BD59-A6C34878D82A}">
-                    <a16:rowId xmlns:a16="http://schemas.microsoft.com/office/drawing/2014/main" val="10000"/>
-                  </a:ext>
-                </a:extLst>
-              </a:tr>
-              <a:tr h="92259">
-                <a:tc>
-                  <a:txBody>
-                    <a:bodyPr/>
-                    <a:lstStyle/>
-                    <a:p>
-                      <a:pPr algn="l" fontAlgn="ctr"/>
-                      <a:r>
-                        <a:rPr lang="en-US" sz="900" b="0" i="0" u="none" strike="noStrike" dirty="0">
-                          <a:solidFill>
-                            <a:srgbClr val="000000"/>
-                          </a:solidFill>
-                          <a:effectLst/>
-                          <a:latin typeface="Lucida Console"/>
-                        </a:rPr>
-                        <a:t>                     Estimate Std. Error t value Pr(&gt;|t|)    </a:t>
-                      </a:r>
-                    </a:p>
-                  </a:txBody>
-                  <a:tcPr marL="3515" marR="3515" marT="2636" marB="0" anchor="ctr">
-                    <a:lnL w="6350" cap="flat" cmpd="sng" algn="ctr">
-                      <a:solidFill>
-                        <a:srgbClr val="000000"/>
-                      </a:solidFill>
-                      <a:prstDash val="solid"/>
-                      <a:round/>
-                      <a:headEnd type="none" w="med" len="med"/>
-                      <a:tailEnd type="none" w="med" len="med"/>
-                    </a:lnL>
-                    <a:lnR w="6350" cap="flat" cmpd="sng" algn="ctr">
-                      <a:solidFill>
-                        <a:srgbClr val="000000"/>
-                      </a:solidFill>
-                      <a:prstDash val="solid"/>
-                      <a:round/>
-                      <a:headEnd type="none" w="med" len="med"/>
-                      <a:tailEnd type="none" w="med" len="med"/>
-                    </a:lnR>
-                    <a:lnT>
-                      <a:noFill/>
-                    </a:lnT>
-                    <a:lnB>
-                      <a:noFill/>
-                    </a:lnB>
-                  </a:tcPr>
-                </a:tc>
-                <a:extLst>
-                  <a:ext uri="{0D108BD9-81ED-4DB2-BD59-A6C34878D82A}">
-                    <a16:rowId xmlns:a16="http://schemas.microsoft.com/office/drawing/2014/main" val="10001"/>
-                  </a:ext>
-                </a:extLst>
-              </a:tr>
-              <a:tr h="92259">
-                <a:tc>
-                  <a:txBody>
-                    <a:bodyPr/>
-                    <a:lstStyle/>
-                    <a:p>
-                      <a:pPr algn="l" fontAlgn="ctr"/>
-                      <a:r>
-                        <a:rPr lang="pt-BR" sz="900" b="0" i="0" u="none" strike="noStrike">
-                          <a:solidFill>
-                            <a:srgbClr val="000000"/>
-                          </a:solidFill>
-                          <a:effectLst/>
-                          <a:latin typeface="Lucida Console"/>
-                        </a:rPr>
-                        <a:t>(Intercept)          1.12e+01   6.23e-02  179.81  &lt; 2e-16 ***</a:t>
-                      </a:r>
-                    </a:p>
-                  </a:txBody>
-                  <a:tcPr marL="3515" marR="3515" marT="2636" marB="0" anchor="ctr">
-                    <a:lnL w="6350" cap="flat" cmpd="sng" algn="ctr">
-                      <a:solidFill>
-                        <a:srgbClr val="000000"/>
-                      </a:solidFill>
-                      <a:prstDash val="solid"/>
-                      <a:round/>
-                      <a:headEnd type="none" w="med" len="med"/>
-                      <a:tailEnd type="none" w="med" len="med"/>
-                    </a:lnL>
-                    <a:lnR w="6350" cap="flat" cmpd="sng" algn="ctr">
-                      <a:solidFill>
-                        <a:srgbClr val="000000"/>
-                      </a:solidFill>
-                      <a:prstDash val="solid"/>
-                      <a:round/>
-                      <a:headEnd type="none" w="med" len="med"/>
-                      <a:tailEnd type="none" w="med" len="med"/>
-                    </a:lnR>
-                    <a:lnT>
-                      <a:noFill/>
-                    </a:lnT>
-                    <a:lnB>
-                      <a:noFill/>
-                    </a:lnB>
-                  </a:tcPr>
-                </a:tc>
-                <a:extLst>
-                  <a:ext uri="{0D108BD9-81ED-4DB2-BD59-A6C34878D82A}">
-                    <a16:rowId xmlns:a16="http://schemas.microsoft.com/office/drawing/2014/main" val="10002"/>
-                  </a:ext>
-                </a:extLst>
-              </a:tr>
-              <a:tr h="92259">
-                <a:tc>
-                  <a:txBody>
-                    <a:bodyPr/>
-                    <a:lstStyle/>
-                    <a:p>
-                      <a:pPr algn="l" fontAlgn="ctr"/>
-                      <a:r>
-                        <a:rPr lang="en-US" sz="900" b="0" i="0" u="none" strike="noStrike" dirty="0">
-                          <a:solidFill>
-                            <a:srgbClr val="000000"/>
-                          </a:solidFill>
-                          <a:effectLst/>
-                          <a:latin typeface="Lucida Console"/>
-                        </a:rPr>
-                        <a:t>NeighborhoodBlueste -1.53e-01   9.97e-02   -1.53  0.12562    </a:t>
-                      </a:r>
-                    </a:p>
-                  </a:txBody>
-                  <a:tcPr marL="3515" marR="3515" marT="2636" marB="0" anchor="ctr">
-                    <a:lnL w="6350" cap="flat" cmpd="sng" algn="ctr">
-                      <a:solidFill>
-                        <a:srgbClr val="000000"/>
-                      </a:solidFill>
-                      <a:prstDash val="solid"/>
-                      <a:round/>
-                      <a:headEnd type="none" w="med" len="med"/>
-                      <a:tailEnd type="none" w="med" len="med"/>
-                    </a:lnL>
-                    <a:lnR w="6350" cap="flat" cmpd="sng" algn="ctr">
-                      <a:solidFill>
-                        <a:srgbClr val="000000"/>
-                      </a:solidFill>
-                      <a:prstDash val="solid"/>
-                      <a:round/>
-                      <a:headEnd type="none" w="med" len="med"/>
-                      <a:tailEnd type="none" w="med" len="med"/>
-                    </a:lnR>
-                    <a:lnT>
-                      <a:noFill/>
-                    </a:lnT>
-                    <a:lnB>
-                      <a:noFill/>
-                    </a:lnB>
-                  </a:tcPr>
-                </a:tc>
-                <a:extLst>
-                  <a:ext uri="{0D108BD9-81ED-4DB2-BD59-A6C34878D82A}">
-                    <a16:rowId xmlns:a16="http://schemas.microsoft.com/office/drawing/2014/main" val="10003"/>
-                  </a:ext>
-                </a:extLst>
-              </a:tr>
-              <a:tr h="92259">
-                <a:tc>
-                  <a:txBody>
-                    <a:bodyPr/>
-                    <a:lstStyle/>
-                    <a:p>
-                      <a:pPr algn="l" fontAlgn="ctr"/>
-                      <a:r>
-                        <a:rPr lang="it-IT" sz="900" b="0" i="0" u="none" strike="noStrike">
-                          <a:solidFill>
-                            <a:srgbClr val="000000"/>
-                          </a:solidFill>
-                          <a:effectLst/>
-                          <a:latin typeface="Lucida Console"/>
-                        </a:rPr>
-                        <a:t>NeighborhoodBrDale  -2.44e-01   6.58e-02   -3.70  0.00023 ***</a:t>
-                      </a:r>
-                    </a:p>
-                  </a:txBody>
-                  <a:tcPr marL="3515" marR="3515" marT="2636" marB="0" anchor="ctr">
-                    <a:lnL w="6350" cap="flat" cmpd="sng" algn="ctr">
-                      <a:solidFill>
-                        <a:srgbClr val="000000"/>
-                      </a:solidFill>
-                      <a:prstDash val="solid"/>
-                      <a:round/>
-                      <a:headEnd type="none" w="med" len="med"/>
-                      <a:tailEnd type="none" w="med" len="med"/>
-                    </a:lnL>
-                    <a:lnR w="6350" cap="flat" cmpd="sng" algn="ctr">
-                      <a:solidFill>
-                        <a:srgbClr val="000000"/>
-                      </a:solidFill>
-                      <a:prstDash val="solid"/>
-                      <a:round/>
-                      <a:headEnd type="none" w="med" len="med"/>
-                      <a:tailEnd type="none" w="med" len="med"/>
-                    </a:lnR>
-                    <a:lnT>
-                      <a:noFill/>
-                    </a:lnT>
-                    <a:lnB>
-                      <a:noFill/>
-                    </a:lnB>
-                  </a:tcPr>
-                </a:tc>
-                <a:extLst>
-                  <a:ext uri="{0D108BD9-81ED-4DB2-BD59-A6C34878D82A}">
-                    <a16:rowId xmlns:a16="http://schemas.microsoft.com/office/drawing/2014/main" val="10004"/>
-                  </a:ext>
-                </a:extLst>
-              </a:tr>
-              <a:tr h="92259">
-                <a:tc>
-                  <a:txBody>
-                    <a:bodyPr/>
-                    <a:lstStyle/>
-                    <a:p>
-                      <a:pPr algn="l" fontAlgn="ctr"/>
-                      <a:r>
-                        <a:rPr lang="en-US" sz="900" b="0" i="0" u="none" strike="noStrike" dirty="0">
-                          <a:solidFill>
-                            <a:srgbClr val="000000"/>
-                          </a:solidFill>
-                          <a:effectLst/>
-                          <a:latin typeface="Lucida Console"/>
-                        </a:rPr>
-                        <a:t>NeighborhoodBrkSide -2.11e-01   4.88e-02   -4.33  1.7e-05 ***</a:t>
-                      </a:r>
-                    </a:p>
-                  </a:txBody>
-                  <a:tcPr marL="3515" marR="3515" marT="2636" marB="0" anchor="ctr">
-                    <a:lnL w="6350" cap="flat" cmpd="sng" algn="ctr">
-                      <a:solidFill>
-                        <a:srgbClr val="000000"/>
-                      </a:solidFill>
-                      <a:prstDash val="solid"/>
-                      <a:round/>
-                      <a:headEnd type="none" w="med" len="med"/>
-                      <a:tailEnd type="none" w="med" len="med"/>
-                    </a:lnL>
-                    <a:lnR w="6350" cap="flat" cmpd="sng" algn="ctr">
-                      <a:solidFill>
-                        <a:srgbClr val="000000"/>
-                      </a:solidFill>
-                      <a:prstDash val="solid"/>
-                      <a:round/>
-                      <a:headEnd type="none" w="med" len="med"/>
-                      <a:tailEnd type="none" w="med" len="med"/>
-                    </a:lnR>
-                    <a:lnT>
-                      <a:noFill/>
-                    </a:lnT>
-                    <a:lnB>
-                      <a:noFill/>
-                    </a:lnB>
-                  </a:tcPr>
-                </a:tc>
-                <a:extLst>
-                  <a:ext uri="{0D108BD9-81ED-4DB2-BD59-A6C34878D82A}">
-                    <a16:rowId xmlns:a16="http://schemas.microsoft.com/office/drawing/2014/main" val="10005"/>
-                  </a:ext>
-                </a:extLst>
-              </a:tr>
-              <a:tr h="92259">
-                <a:tc>
-                  <a:txBody>
-                    <a:bodyPr/>
-                    <a:lstStyle/>
-                    <a:p>
-                      <a:pPr algn="l" fontAlgn="ctr"/>
-                      <a:r>
-                        <a:rPr lang="en-US" sz="900" b="0" i="0" u="none" strike="noStrike" dirty="0">
-                          <a:solidFill>
-                            <a:srgbClr val="000000"/>
-                          </a:solidFill>
-                          <a:effectLst/>
-                          <a:latin typeface="Lucida Console"/>
-                        </a:rPr>
-                        <a:t>NeighborhoodClearCr -5.13e-02   5.42e-02   -0.95  0.34431    </a:t>
-                      </a:r>
-                    </a:p>
-                  </a:txBody>
-                  <a:tcPr marL="3515" marR="3515" marT="2636" marB="0" anchor="ctr">
-                    <a:lnL w="6350" cap="flat" cmpd="sng" algn="ctr">
-                      <a:solidFill>
-                        <a:srgbClr val="000000"/>
-                      </a:solidFill>
-                      <a:prstDash val="solid"/>
-                      <a:round/>
-                      <a:headEnd type="none" w="med" len="med"/>
-                      <a:tailEnd type="none" w="med" len="med"/>
-                    </a:lnL>
-                    <a:lnR w="6350" cap="flat" cmpd="sng" algn="ctr">
-                      <a:solidFill>
-                        <a:srgbClr val="000000"/>
-                      </a:solidFill>
-                      <a:prstDash val="solid"/>
-                      <a:round/>
-                      <a:headEnd type="none" w="med" len="med"/>
-                      <a:tailEnd type="none" w="med" len="med"/>
-                    </a:lnR>
-                    <a:lnT>
-                      <a:noFill/>
-                    </a:lnT>
-                    <a:lnB>
-                      <a:noFill/>
-                    </a:lnB>
-                  </a:tcPr>
-                </a:tc>
-                <a:extLst>
-                  <a:ext uri="{0D108BD9-81ED-4DB2-BD59-A6C34878D82A}">
-                    <a16:rowId xmlns:a16="http://schemas.microsoft.com/office/drawing/2014/main" val="10006"/>
-                  </a:ext>
-                </a:extLst>
-              </a:tr>
-              <a:tr h="92259">
-                <a:tc>
-                  <a:txBody>
-                    <a:bodyPr/>
-                    <a:lstStyle/>
-                    <a:p>
-                      <a:pPr algn="l" fontAlgn="ctr"/>
-                      <a:r>
-                        <a:rPr lang="en-US" sz="900" b="0" i="0" u="none" strike="noStrike" dirty="0">
-                          <a:solidFill>
-                            <a:srgbClr val="000000"/>
-                          </a:solidFill>
-                          <a:effectLst/>
-                          <a:latin typeface="Lucida Console"/>
-                        </a:rPr>
-                        <a:t>NeighborhoodCollgCr -4.21e-02   4.45e-02   -0.95  0.34405    </a:t>
-                      </a:r>
-                    </a:p>
-                  </a:txBody>
-                  <a:tcPr marL="3515" marR="3515" marT="2636" marB="0" anchor="ctr">
-                    <a:lnL w="6350" cap="flat" cmpd="sng" algn="ctr">
-                      <a:solidFill>
-                        <a:srgbClr val="000000"/>
-                      </a:solidFill>
-                      <a:prstDash val="solid"/>
-                      <a:round/>
-                      <a:headEnd type="none" w="med" len="med"/>
-                      <a:tailEnd type="none" w="med" len="med"/>
-                    </a:lnL>
-                    <a:lnR w="6350" cap="flat" cmpd="sng" algn="ctr">
-                      <a:solidFill>
-                        <a:srgbClr val="000000"/>
-                      </a:solidFill>
-                      <a:prstDash val="solid"/>
-                      <a:round/>
-                      <a:headEnd type="none" w="med" len="med"/>
-                      <a:tailEnd type="none" w="med" len="med"/>
-                    </a:lnR>
-                    <a:lnT>
-                      <a:noFill/>
-                    </a:lnT>
-                    <a:lnB>
-                      <a:noFill/>
-                    </a:lnB>
-                  </a:tcPr>
-                </a:tc>
-                <a:extLst>
-                  <a:ext uri="{0D108BD9-81ED-4DB2-BD59-A6C34878D82A}">
-                    <a16:rowId xmlns:a16="http://schemas.microsoft.com/office/drawing/2014/main" val="10007"/>
-                  </a:ext>
-                </a:extLst>
-              </a:tr>
-              <a:tr h="92259">
-                <a:tc>
-                  <a:txBody>
-                    <a:bodyPr/>
-                    <a:lstStyle/>
-                    <a:p>
-                      <a:pPr algn="l" fontAlgn="ctr"/>
-                      <a:r>
-                        <a:rPr lang="en-US" sz="900" b="0" i="0" u="none" strike="noStrike" dirty="0">
-                          <a:solidFill>
-                            <a:srgbClr val="000000"/>
-                          </a:solidFill>
-                          <a:effectLst/>
-                          <a:latin typeface="Lucida Console"/>
-                        </a:rPr>
-                        <a:t>NeighborhoodCrawfor -3.49e-02   4.92e-02   -0.71  0.47829    </a:t>
-                      </a:r>
-                    </a:p>
-                  </a:txBody>
-                  <a:tcPr marL="3515" marR="3515" marT="2636" marB="0" anchor="ctr">
-                    <a:lnL w="6350" cap="flat" cmpd="sng" algn="ctr">
-                      <a:solidFill>
-                        <a:srgbClr val="000000"/>
-                      </a:solidFill>
-                      <a:prstDash val="solid"/>
-                      <a:round/>
-                      <a:headEnd type="none" w="med" len="med"/>
-                      <a:tailEnd type="none" w="med" len="med"/>
-                    </a:lnL>
-                    <a:lnR w="6350" cap="flat" cmpd="sng" algn="ctr">
-                      <a:solidFill>
-                        <a:srgbClr val="000000"/>
-                      </a:solidFill>
-                      <a:prstDash val="solid"/>
-                      <a:round/>
-                      <a:headEnd type="none" w="med" len="med"/>
-                      <a:tailEnd type="none" w="med" len="med"/>
-                    </a:lnR>
-                    <a:lnT>
-                      <a:noFill/>
-                    </a:lnT>
-                    <a:lnB>
-                      <a:noFill/>
-                    </a:lnB>
-                  </a:tcPr>
-                </a:tc>
-                <a:extLst>
-                  <a:ext uri="{0D108BD9-81ED-4DB2-BD59-A6C34878D82A}">
-                    <a16:rowId xmlns:a16="http://schemas.microsoft.com/office/drawing/2014/main" val="10008"/>
-                  </a:ext>
-                </a:extLst>
-              </a:tr>
-              <a:tr h="92259">
-                <a:tc>
-                  <a:txBody>
-                    <a:bodyPr/>
-                    <a:lstStyle/>
-                    <a:p>
-                      <a:pPr algn="l" fontAlgn="ctr"/>
-                      <a:r>
-                        <a:rPr lang="en-US" sz="900" b="0" i="0" u="none" strike="noStrike" dirty="0">
-                          <a:solidFill>
-                            <a:srgbClr val="000000"/>
-                          </a:solidFill>
-                          <a:effectLst/>
-                          <a:latin typeface="Lucida Console"/>
-                        </a:rPr>
-                        <a:t>NeighborhoodEdwards -2.24e-01   4.68e-02   -4.79  1.9e-06 ***</a:t>
-                      </a:r>
-                    </a:p>
-                  </a:txBody>
-                  <a:tcPr marL="3515" marR="3515" marT="2636" marB="0" anchor="ctr">
-                    <a:lnL w="6350" cap="flat" cmpd="sng" algn="ctr">
-                      <a:solidFill>
-                        <a:srgbClr val="000000"/>
-                      </a:solidFill>
-                      <a:prstDash val="solid"/>
-                      <a:round/>
-                      <a:headEnd type="none" w="med" len="med"/>
-                      <a:tailEnd type="none" w="med" len="med"/>
-                    </a:lnL>
-                    <a:lnR w="6350" cap="flat" cmpd="sng" algn="ctr">
-                      <a:solidFill>
-                        <a:srgbClr val="000000"/>
-                      </a:solidFill>
-                      <a:prstDash val="solid"/>
-                      <a:round/>
-                      <a:headEnd type="none" w="med" len="med"/>
-                      <a:tailEnd type="none" w="med" len="med"/>
-                    </a:lnR>
-                    <a:lnT>
-                      <a:noFill/>
-                    </a:lnT>
-                    <a:lnB>
-                      <a:noFill/>
-                    </a:lnB>
-                  </a:tcPr>
-                </a:tc>
-                <a:extLst>
-                  <a:ext uri="{0D108BD9-81ED-4DB2-BD59-A6C34878D82A}">
-                    <a16:rowId xmlns:a16="http://schemas.microsoft.com/office/drawing/2014/main" val="10009"/>
-                  </a:ext>
-                </a:extLst>
-              </a:tr>
-              <a:tr h="92259">
-                <a:tc>
-                  <a:txBody>
-                    <a:bodyPr/>
-                    <a:lstStyle/>
-                    <a:p>
-                      <a:pPr algn="l" fontAlgn="ctr"/>
-                      <a:r>
-                        <a:rPr lang="en-US" sz="900" b="0" i="0" u="none" strike="noStrike" dirty="0">
-                          <a:solidFill>
-                            <a:srgbClr val="000000"/>
-                          </a:solidFill>
-                          <a:effectLst/>
-                          <a:latin typeface="Lucida Console"/>
-                        </a:rPr>
-                        <a:t>NeighborhoodGilbert  3.32e-02   4.74e-02    0.70  0.48435    </a:t>
-                      </a:r>
-                    </a:p>
-                  </a:txBody>
-                  <a:tcPr marL="3515" marR="3515" marT="2636" marB="0" anchor="ctr">
-                    <a:lnL w="6350" cap="flat" cmpd="sng" algn="ctr">
-                      <a:solidFill>
-                        <a:srgbClr val="000000"/>
-                      </a:solidFill>
-                      <a:prstDash val="solid"/>
-                      <a:round/>
-                      <a:headEnd type="none" w="med" len="med"/>
-                      <a:tailEnd type="none" w="med" len="med"/>
-                    </a:lnL>
-                    <a:lnR w="6350" cap="flat" cmpd="sng" algn="ctr">
-                      <a:solidFill>
-                        <a:srgbClr val="000000"/>
-                      </a:solidFill>
-                      <a:prstDash val="solid"/>
-                      <a:round/>
-                      <a:headEnd type="none" w="med" len="med"/>
-                      <a:tailEnd type="none" w="med" len="med"/>
-                    </a:lnR>
-                    <a:lnT>
-                      <a:noFill/>
-                    </a:lnT>
-                    <a:lnB>
-                      <a:noFill/>
-                    </a:lnB>
-                  </a:tcPr>
-                </a:tc>
-                <a:extLst>
-                  <a:ext uri="{0D108BD9-81ED-4DB2-BD59-A6C34878D82A}">
-                    <a16:rowId xmlns:a16="http://schemas.microsoft.com/office/drawing/2014/main" val="10010"/>
-                  </a:ext>
-                </a:extLst>
-              </a:tr>
-              <a:tr h="92259">
-                <a:tc>
-                  <a:txBody>
-                    <a:bodyPr/>
-                    <a:lstStyle/>
-                    <a:p>
-                      <a:pPr algn="l" fontAlgn="ctr"/>
-                      <a:r>
-                        <a:rPr lang="it-IT" sz="900" b="0" i="0" u="none" strike="noStrike">
-                          <a:solidFill>
-                            <a:srgbClr val="000000"/>
-                          </a:solidFill>
-                          <a:effectLst/>
-                          <a:latin typeface="Lucida Console"/>
-                        </a:rPr>
-                        <a:t>NeighborhoodIDOTRR  -3.58e-01   5.35e-02   -6.69  3.8e-11 ***</a:t>
-                      </a:r>
-                    </a:p>
-                  </a:txBody>
-                  <a:tcPr marL="3515" marR="3515" marT="2636" marB="0" anchor="ctr">
-                    <a:lnL w="6350" cap="flat" cmpd="sng" algn="ctr">
-                      <a:solidFill>
-                        <a:srgbClr val="000000"/>
-                      </a:solidFill>
-                      <a:prstDash val="solid"/>
-                      <a:round/>
-                      <a:headEnd type="none" w="med" len="med"/>
-                      <a:tailEnd type="none" w="med" len="med"/>
-                    </a:lnL>
-                    <a:lnR w="6350" cap="flat" cmpd="sng" algn="ctr">
-                      <a:solidFill>
-                        <a:srgbClr val="000000"/>
-                      </a:solidFill>
-                      <a:prstDash val="solid"/>
-                      <a:round/>
-                      <a:headEnd type="none" w="med" len="med"/>
-                      <a:tailEnd type="none" w="med" len="med"/>
-                    </a:lnR>
-                    <a:lnT>
-                      <a:noFill/>
-                    </a:lnT>
-                    <a:lnB>
-                      <a:noFill/>
-                    </a:lnB>
-                  </a:tcPr>
-                </a:tc>
-                <a:extLst>
-                  <a:ext uri="{0D108BD9-81ED-4DB2-BD59-A6C34878D82A}">
-                    <a16:rowId xmlns:a16="http://schemas.microsoft.com/office/drawing/2014/main" val="10011"/>
-                  </a:ext>
-                </a:extLst>
-              </a:tr>
-              <a:tr h="92259">
-                <a:tc>
-                  <a:txBody>
-                    <a:bodyPr/>
-                    <a:lstStyle/>
-                    <a:p>
-                      <a:pPr algn="l" fontAlgn="ctr"/>
-                      <a:r>
-                        <a:rPr lang="en-US" sz="900" b="0" i="0" u="none" strike="noStrike" dirty="0">
-                          <a:solidFill>
-                            <a:srgbClr val="000000"/>
-                          </a:solidFill>
-                          <a:effectLst/>
-                          <a:latin typeface="Lucida Console"/>
-                        </a:rPr>
-                        <a:t>NeighborhoodMeadowV -3.45e-01   5.96e-02   -5.79  9.7e-09 ***</a:t>
-                      </a:r>
-                    </a:p>
-                  </a:txBody>
-                  <a:tcPr marL="3515" marR="3515" marT="2636" marB="0" anchor="ctr">
-                    <a:lnL w="6350" cap="flat" cmpd="sng" algn="ctr">
-                      <a:solidFill>
-                        <a:srgbClr val="000000"/>
-                      </a:solidFill>
-                      <a:prstDash val="solid"/>
-                      <a:round/>
-                      <a:headEnd type="none" w="med" len="med"/>
-                      <a:tailEnd type="none" w="med" len="med"/>
-                    </a:lnL>
-                    <a:lnR w="6350" cap="flat" cmpd="sng" algn="ctr">
-                      <a:solidFill>
-                        <a:srgbClr val="000000"/>
-                      </a:solidFill>
-                      <a:prstDash val="solid"/>
-                      <a:round/>
-                      <a:headEnd type="none" w="med" len="med"/>
-                      <a:tailEnd type="none" w="med" len="med"/>
-                    </a:lnR>
-                    <a:lnT>
-                      <a:noFill/>
-                    </a:lnT>
-                    <a:lnB>
-                      <a:noFill/>
-                    </a:lnB>
-                  </a:tcPr>
-                </a:tc>
-                <a:extLst>
-                  <a:ext uri="{0D108BD9-81ED-4DB2-BD59-A6C34878D82A}">
-                    <a16:rowId xmlns:a16="http://schemas.microsoft.com/office/drawing/2014/main" val="10012"/>
-                  </a:ext>
-                </a:extLst>
-              </a:tr>
-              <a:tr h="92259">
-                <a:tc>
-                  <a:txBody>
-                    <a:bodyPr/>
-                    <a:lstStyle/>
-                    <a:p>
-                      <a:pPr algn="l" fontAlgn="ctr"/>
-                      <a:r>
-                        <a:rPr lang="en-US" sz="900" b="0" i="0" u="none" strike="noStrike" dirty="0">
-                          <a:solidFill>
-                            <a:srgbClr val="000000"/>
-                          </a:solidFill>
-                          <a:effectLst/>
-                          <a:latin typeface="Lucida Console"/>
-                        </a:rPr>
-                        <a:t>NeighborhoodMitchel -1.36e-01   4.88e-02   -2.78  0.00561 ** </a:t>
-                      </a:r>
-                    </a:p>
-                  </a:txBody>
-                  <a:tcPr marL="3515" marR="3515" marT="2636" marB="0" anchor="ctr">
-                    <a:lnL w="6350" cap="flat" cmpd="sng" algn="ctr">
-                      <a:solidFill>
-                        <a:srgbClr val="000000"/>
-                      </a:solidFill>
-                      <a:prstDash val="solid"/>
-                      <a:round/>
-                      <a:headEnd type="none" w="med" len="med"/>
-                      <a:tailEnd type="none" w="med" len="med"/>
-                    </a:lnL>
-                    <a:lnR w="6350" cap="flat" cmpd="sng" algn="ctr">
-                      <a:solidFill>
-                        <a:srgbClr val="000000"/>
-                      </a:solidFill>
-                      <a:prstDash val="solid"/>
-                      <a:round/>
-                      <a:headEnd type="none" w="med" len="med"/>
-                      <a:tailEnd type="none" w="med" len="med"/>
-                    </a:lnR>
-                    <a:lnT>
-                      <a:noFill/>
-                    </a:lnT>
-                    <a:lnB>
-                      <a:noFill/>
-                    </a:lnB>
-                  </a:tcPr>
-                </a:tc>
-                <a:extLst>
-                  <a:ext uri="{0D108BD9-81ED-4DB2-BD59-A6C34878D82A}">
-                    <a16:rowId xmlns:a16="http://schemas.microsoft.com/office/drawing/2014/main" val="10013"/>
-                  </a:ext>
-                </a:extLst>
-              </a:tr>
-              <a:tr h="92259">
-                <a:tc>
-                  <a:txBody>
-                    <a:bodyPr/>
-                    <a:lstStyle/>
-                    <a:p>
-                      <a:pPr algn="l" fontAlgn="ctr"/>
-                      <a:r>
-                        <a:rPr lang="en-US" sz="900" b="0" i="0" u="none" strike="noStrike" dirty="0">
-                          <a:solidFill>
-                            <a:srgbClr val="000000"/>
-                          </a:solidFill>
-                          <a:effectLst/>
-                          <a:latin typeface="Lucida Console"/>
-                        </a:rPr>
-                        <a:t>NeighborhoodNAmes   -1.69e-01   4.52e-02   -3.74  0.00020 ***</a:t>
-                      </a:r>
-                    </a:p>
-                  </a:txBody>
-                  <a:tcPr marL="3515" marR="3515" marT="2636" marB="0" anchor="ctr">
-                    <a:lnL w="6350" cap="flat" cmpd="sng" algn="ctr">
-                      <a:solidFill>
-                        <a:srgbClr val="000000"/>
-                      </a:solidFill>
-                      <a:prstDash val="solid"/>
-                      <a:round/>
-                      <a:headEnd type="none" w="med" len="med"/>
-                      <a:tailEnd type="none" w="med" len="med"/>
-                    </a:lnL>
-                    <a:lnR w="6350" cap="flat" cmpd="sng" algn="ctr">
-                      <a:solidFill>
-                        <a:srgbClr val="000000"/>
-                      </a:solidFill>
-                      <a:prstDash val="solid"/>
-                      <a:round/>
-                      <a:headEnd type="none" w="med" len="med"/>
-                      <a:tailEnd type="none" w="med" len="med"/>
-                    </a:lnR>
-                    <a:lnT>
-                      <a:noFill/>
-                    </a:lnT>
-                    <a:lnB>
-                      <a:noFill/>
-                    </a:lnB>
-                  </a:tcPr>
-                </a:tc>
-                <a:extLst>
-                  <a:ext uri="{0D108BD9-81ED-4DB2-BD59-A6C34878D82A}">
-                    <a16:rowId xmlns:a16="http://schemas.microsoft.com/office/drawing/2014/main" val="10014"/>
-                  </a:ext>
-                </a:extLst>
-              </a:tr>
-              <a:tr h="92259">
-                <a:tc>
-                  <a:txBody>
-                    <a:bodyPr/>
-                    <a:lstStyle/>
-                    <a:p>
-                      <a:pPr algn="l" fontAlgn="ctr"/>
-                      <a:r>
-                        <a:rPr lang="en-US" sz="900" b="0" i="0" u="none" strike="noStrike" dirty="0">
-                          <a:solidFill>
-                            <a:srgbClr val="000000"/>
-                          </a:solidFill>
-                          <a:effectLst/>
-                          <a:latin typeface="Lucida Console"/>
-                        </a:rPr>
-                        <a:t>NeighborhoodNoRidge  1.13e-02   5.01e-02    0.23  0.82087    </a:t>
-                      </a:r>
-                    </a:p>
-                  </a:txBody>
-                  <a:tcPr marL="3515" marR="3515" marT="2636" marB="0" anchor="ctr">
-                    <a:lnL w="6350" cap="flat" cmpd="sng" algn="ctr">
-                      <a:solidFill>
-                        <a:srgbClr val="000000"/>
-                      </a:solidFill>
-                      <a:prstDash val="solid"/>
-                      <a:round/>
-                      <a:headEnd type="none" w="med" len="med"/>
-                      <a:tailEnd type="none" w="med" len="med"/>
-                    </a:lnL>
-                    <a:lnR w="6350" cap="flat" cmpd="sng" algn="ctr">
-                      <a:solidFill>
-                        <a:srgbClr val="000000"/>
-                      </a:solidFill>
-                      <a:prstDash val="solid"/>
-                      <a:round/>
-                      <a:headEnd type="none" w="med" len="med"/>
-                      <a:tailEnd type="none" w="med" len="med"/>
-                    </a:lnR>
-                    <a:lnT>
-                      <a:noFill/>
-                    </a:lnT>
-                    <a:lnB>
-                      <a:noFill/>
-                    </a:lnB>
-                  </a:tcPr>
-                </a:tc>
-                <a:extLst>
-                  <a:ext uri="{0D108BD9-81ED-4DB2-BD59-A6C34878D82A}">
-                    <a16:rowId xmlns:a16="http://schemas.microsoft.com/office/drawing/2014/main" val="10015"/>
-                  </a:ext>
-                </a:extLst>
-              </a:tr>
-              <a:tr h="92259">
-                <a:tc>
-                  <a:txBody>
-                    <a:bodyPr/>
-                    <a:lstStyle/>
-                    <a:p>
-                      <a:pPr algn="l" fontAlgn="ctr"/>
-                      <a:r>
-                        <a:rPr lang="en-US" sz="900" b="0" i="0" u="none" strike="noStrike" dirty="0">
-                          <a:solidFill>
-                            <a:srgbClr val="000000"/>
-                          </a:solidFill>
-                          <a:effectLst/>
-                          <a:latin typeface="Lucida Console"/>
-                        </a:rPr>
-                        <a:t>NeighborhoodNPkVill -1.24e-01   6.51e-02   -1.90  0.05725 .  </a:t>
-                      </a:r>
-                    </a:p>
-                  </a:txBody>
-                  <a:tcPr marL="3515" marR="3515" marT="2636" marB="0" anchor="ctr">
-                    <a:lnL w="6350" cap="flat" cmpd="sng" algn="ctr">
-                      <a:solidFill>
-                        <a:srgbClr val="000000"/>
-                      </a:solidFill>
-                      <a:prstDash val="solid"/>
-                      <a:round/>
-                      <a:headEnd type="none" w="med" len="med"/>
-                      <a:tailEnd type="none" w="med" len="med"/>
-                    </a:lnL>
-                    <a:lnR w="6350" cap="flat" cmpd="sng" algn="ctr">
-                      <a:solidFill>
-                        <a:srgbClr val="000000"/>
-                      </a:solidFill>
-                      <a:prstDash val="solid"/>
-                      <a:round/>
-                      <a:headEnd type="none" w="med" len="med"/>
-                      <a:tailEnd type="none" w="med" len="med"/>
-                    </a:lnR>
-                    <a:lnT>
-                      <a:noFill/>
-                    </a:lnT>
-                    <a:lnB>
-                      <a:noFill/>
-                    </a:lnB>
-                  </a:tcPr>
-                </a:tc>
-                <a:extLst>
-                  <a:ext uri="{0D108BD9-81ED-4DB2-BD59-A6C34878D82A}">
-                    <a16:rowId xmlns:a16="http://schemas.microsoft.com/office/drawing/2014/main" val="10016"/>
-                  </a:ext>
-                </a:extLst>
-              </a:tr>
-              <a:tr h="92259">
-                <a:tc>
-                  <a:txBody>
-                    <a:bodyPr/>
-                    <a:lstStyle/>
-                    <a:p>
-                      <a:pPr algn="l" fontAlgn="ctr"/>
-                      <a:r>
-                        <a:rPr lang="en-US" sz="900" b="0" i="0" u="none" strike="noStrike" dirty="0">
-                          <a:solidFill>
-                            <a:srgbClr val="000000"/>
-                          </a:solidFill>
-                          <a:effectLst/>
-                          <a:latin typeface="Lucida Console"/>
-                        </a:rPr>
-                        <a:t>NeighborhoodNridgHt  2.72e-02   4.88e-02    0.56  0.57705    </a:t>
-                      </a:r>
-                    </a:p>
-                  </a:txBody>
-                  <a:tcPr marL="3515" marR="3515" marT="2636" marB="0" anchor="ctr">
-                    <a:lnL w="6350" cap="flat" cmpd="sng" algn="ctr">
-                      <a:solidFill>
-                        <a:srgbClr val="000000"/>
-                      </a:solidFill>
-                      <a:prstDash val="solid"/>
-                      <a:round/>
-                      <a:headEnd type="none" w="med" len="med"/>
-                      <a:tailEnd type="none" w="med" len="med"/>
-                    </a:lnL>
-                    <a:lnR w="6350" cap="flat" cmpd="sng" algn="ctr">
-                      <a:solidFill>
-                        <a:srgbClr val="000000"/>
-                      </a:solidFill>
-                      <a:prstDash val="solid"/>
-                      <a:round/>
-                      <a:headEnd type="none" w="med" len="med"/>
-                      <a:tailEnd type="none" w="med" len="med"/>
-                    </a:lnR>
-                    <a:lnT>
-                      <a:noFill/>
-                    </a:lnT>
-                    <a:lnB w="6350" cap="flat" cmpd="sng" algn="ctr">
-                      <a:solidFill>
-                        <a:srgbClr val="000000"/>
-                      </a:solidFill>
-                      <a:prstDash val="solid"/>
-                      <a:round/>
-                      <a:headEnd type="none" w="med" len="med"/>
-                      <a:tailEnd type="none" w="med" len="med"/>
-                    </a:lnB>
-                  </a:tcPr>
-                </a:tc>
-                <a:extLst>
-                  <a:ext uri="{0D108BD9-81ED-4DB2-BD59-A6C34878D82A}">
-                    <a16:rowId xmlns:a16="http://schemas.microsoft.com/office/drawing/2014/main" val="10017"/>
-                  </a:ext>
-                </a:extLst>
-              </a:tr>
-              <a:tr h="92259">
-                <a:tc>
-                  <a:txBody>
-                    <a:bodyPr/>
-                    <a:lstStyle/>
-                    <a:p>
-                      <a:pPr algn="l" fontAlgn="ctr"/>
-                      <a:r>
-                        <a:rPr lang="en-US" sz="900" b="0" i="0" u="none" strike="noStrike" dirty="0">
-                          <a:solidFill>
-                            <a:srgbClr val="000000"/>
-                          </a:solidFill>
-                          <a:effectLst/>
-                          <a:latin typeface="Lucida Console"/>
-                        </a:rPr>
-                        <a:t>NeighborhoodNWAmes  -1.09e-01   4.71e-02   -2.30  0.02152 *  </a:t>
-                      </a:r>
-                    </a:p>
-                  </a:txBody>
-                  <a:tcPr marL="3515" marR="3515" marT="2636" marB="0" anchor="ctr">
-                    <a:lnL w="6350" cap="flat" cmpd="sng" algn="ctr">
-                      <a:solidFill>
-                        <a:srgbClr val="000000"/>
-                      </a:solidFill>
-                      <a:prstDash val="solid"/>
-                      <a:round/>
-                      <a:headEnd type="none" w="med" len="med"/>
-                      <a:tailEnd type="none" w="med" len="med"/>
-                    </a:lnL>
-                    <a:lnR w="6350" cap="flat" cmpd="sng" algn="ctr">
-                      <a:solidFill>
-                        <a:srgbClr val="000000"/>
-                      </a:solidFill>
-                      <a:prstDash val="solid"/>
-                      <a:round/>
-                      <a:headEnd type="none" w="med" len="med"/>
-                      <a:tailEnd type="none" w="med" len="med"/>
-                    </a:lnR>
-                    <a:lnT w="6350" cap="flat" cmpd="sng" algn="ctr">
-                      <a:solidFill>
-                        <a:srgbClr val="000000"/>
-                      </a:solidFill>
-                      <a:prstDash val="solid"/>
-                      <a:round/>
-                      <a:headEnd type="none" w="med" len="med"/>
-                      <a:tailEnd type="none" w="med" len="med"/>
-                    </a:lnT>
-                    <a:lnB w="6350" cap="flat" cmpd="sng" algn="ctr">
-                      <a:solidFill>
-                        <a:srgbClr val="000000"/>
-                      </a:solidFill>
-                      <a:prstDash val="solid"/>
-                      <a:round/>
-                      <a:headEnd type="none" w="med" len="med"/>
-                      <a:tailEnd type="none" w="med" len="med"/>
-                    </a:lnB>
-                  </a:tcPr>
-                </a:tc>
-                <a:extLst>
-                  <a:ext uri="{0D108BD9-81ED-4DB2-BD59-A6C34878D82A}">
-                    <a16:rowId xmlns:a16="http://schemas.microsoft.com/office/drawing/2014/main" val="10018"/>
-                  </a:ext>
-                </a:extLst>
-              </a:tr>
-              <a:tr h="92259">
-                <a:tc>
-                  <a:txBody>
-                    <a:bodyPr/>
-                    <a:lstStyle/>
-                    <a:p>
-                      <a:pPr algn="l" fontAlgn="ctr"/>
-                      <a:r>
-                        <a:rPr lang="it-IT" sz="900" b="0" i="0" u="none" strike="noStrike" dirty="0">
-                          <a:solidFill>
-                            <a:srgbClr val="000000"/>
-                          </a:solidFill>
-                          <a:effectLst/>
-                          <a:latin typeface="Lucida Console"/>
-                        </a:rPr>
-                        <a:t>NeighborhoodOldTown -3.35e-01   4.70e-02   -7.12  2.2e-12 ***</a:t>
-                      </a:r>
-                    </a:p>
-                  </a:txBody>
-                  <a:tcPr marL="3515" marR="3515" marT="2636" marB="0" anchor="ctr">
-                    <a:lnL w="6350" cap="flat" cmpd="sng" algn="ctr">
-                      <a:solidFill>
-                        <a:srgbClr val="000000"/>
-                      </a:solidFill>
-                      <a:prstDash val="solid"/>
-                      <a:round/>
-                      <a:headEnd type="none" w="med" len="med"/>
-                      <a:tailEnd type="none" w="med" len="med"/>
-                    </a:lnL>
-                    <a:lnR w="6350" cap="flat" cmpd="sng" algn="ctr">
-                      <a:solidFill>
-                        <a:srgbClr val="000000"/>
-                      </a:solidFill>
-                      <a:prstDash val="solid"/>
-                      <a:round/>
-                      <a:headEnd type="none" w="med" len="med"/>
-                      <a:tailEnd type="none" w="med" len="med"/>
-                    </a:lnR>
-                    <a:lnT w="6350" cap="flat" cmpd="sng" algn="ctr">
-                      <a:solidFill>
-                        <a:srgbClr val="000000"/>
-                      </a:solidFill>
-                      <a:prstDash val="solid"/>
-                      <a:round/>
-                      <a:headEnd type="none" w="med" len="med"/>
-                      <a:tailEnd type="none" w="med" len="med"/>
-                    </a:lnT>
-                    <a:lnB>
-                      <a:noFill/>
-                    </a:lnB>
-                  </a:tcPr>
-                </a:tc>
-                <a:extLst>
-                  <a:ext uri="{0D108BD9-81ED-4DB2-BD59-A6C34878D82A}">
-                    <a16:rowId xmlns:a16="http://schemas.microsoft.com/office/drawing/2014/main" val="10019"/>
-                  </a:ext>
-                </a:extLst>
-              </a:tr>
-              <a:tr h="92259">
-                <a:tc>
-                  <a:txBody>
-                    <a:bodyPr/>
-                    <a:lstStyle/>
-                    <a:p>
-                      <a:pPr algn="l" fontAlgn="ctr"/>
-                      <a:r>
-                        <a:rPr lang="en-US" sz="900" b="0" i="0" u="none" strike="noStrike" dirty="0">
-                          <a:solidFill>
-                            <a:srgbClr val="000000"/>
-                          </a:solidFill>
-                          <a:effectLst/>
-                          <a:latin typeface="Lucida Console"/>
-                        </a:rPr>
-                        <a:t>NeighborhoodSawyer  -1.74e-01   4.72e-02   -3.68  0.00025 ***</a:t>
-                      </a:r>
-                    </a:p>
-                  </a:txBody>
-                  <a:tcPr marL="3515" marR="3515" marT="2636" marB="0" anchor="ctr">
-                    <a:lnL w="6350" cap="flat" cmpd="sng" algn="ctr">
-                      <a:solidFill>
-                        <a:srgbClr val="000000"/>
-                      </a:solidFill>
-                      <a:prstDash val="solid"/>
-                      <a:round/>
-                      <a:headEnd type="none" w="med" len="med"/>
-                      <a:tailEnd type="none" w="med" len="med"/>
-                    </a:lnL>
-                    <a:lnR w="6350" cap="flat" cmpd="sng" algn="ctr">
-                      <a:solidFill>
-                        <a:srgbClr val="000000"/>
-                      </a:solidFill>
-                      <a:prstDash val="solid"/>
-                      <a:round/>
-                      <a:headEnd type="none" w="med" len="med"/>
-                      <a:tailEnd type="none" w="med" len="med"/>
-                    </a:lnR>
-                    <a:lnT>
-                      <a:noFill/>
-                    </a:lnT>
-                    <a:lnB>
-                      <a:noFill/>
-                    </a:lnB>
-                  </a:tcPr>
-                </a:tc>
-                <a:extLst>
-                  <a:ext uri="{0D108BD9-81ED-4DB2-BD59-A6C34878D82A}">
-                    <a16:rowId xmlns:a16="http://schemas.microsoft.com/office/drawing/2014/main" val="10020"/>
-                  </a:ext>
-                </a:extLst>
-              </a:tr>
-              <a:tr h="92259">
-                <a:tc>
-                  <a:txBody>
-                    <a:bodyPr/>
-                    <a:lstStyle/>
-                    <a:p>
-                      <a:pPr algn="l" fontAlgn="ctr"/>
-                      <a:r>
-                        <a:rPr lang="en-US" sz="900" b="0" i="0" u="none" strike="noStrike" dirty="0">
-                          <a:solidFill>
-                            <a:srgbClr val="000000"/>
-                          </a:solidFill>
-                          <a:effectLst/>
-                          <a:latin typeface="Lucida Console"/>
-                        </a:rPr>
-                        <a:t>NeighborhoodSawyerW -1.02e-01   4.75e-02   -2.16  0.03115 *  </a:t>
-                      </a:r>
-                    </a:p>
-                  </a:txBody>
-                  <a:tcPr marL="3515" marR="3515" marT="2636" marB="0" anchor="ctr">
-                    <a:lnL w="6350" cap="flat" cmpd="sng" algn="ctr">
-                      <a:solidFill>
-                        <a:srgbClr val="000000"/>
-                      </a:solidFill>
-                      <a:prstDash val="solid"/>
-                      <a:round/>
-                      <a:headEnd type="none" w="med" len="med"/>
-                      <a:tailEnd type="none" w="med" len="med"/>
-                    </a:lnL>
-                    <a:lnR w="6350" cap="flat" cmpd="sng" algn="ctr">
-                      <a:solidFill>
-                        <a:srgbClr val="000000"/>
-                      </a:solidFill>
-                      <a:prstDash val="solid"/>
-                      <a:round/>
-                      <a:headEnd type="none" w="med" len="med"/>
-                      <a:tailEnd type="none" w="med" len="med"/>
-                    </a:lnR>
-                    <a:lnT>
-                      <a:noFill/>
-                    </a:lnT>
-                    <a:lnB>
-                      <a:noFill/>
-                    </a:lnB>
-                  </a:tcPr>
-                </a:tc>
-                <a:extLst>
-                  <a:ext uri="{0D108BD9-81ED-4DB2-BD59-A6C34878D82A}">
-                    <a16:rowId xmlns:a16="http://schemas.microsoft.com/office/drawing/2014/main" val="10021"/>
-                  </a:ext>
-                </a:extLst>
-              </a:tr>
-              <a:tr h="92259">
-                <a:tc>
-                  <a:txBody>
-                    <a:bodyPr/>
-                    <a:lstStyle/>
-                    <a:p>
-                      <a:pPr algn="l" fontAlgn="ctr"/>
-                      <a:r>
-                        <a:rPr lang="en-US" sz="900" b="0" i="0" u="none" strike="noStrike" dirty="0">
-                          <a:solidFill>
-                            <a:srgbClr val="000000"/>
-                          </a:solidFill>
-                          <a:effectLst/>
-                          <a:latin typeface="Lucida Console"/>
-                        </a:rPr>
-                        <a:t>NeighborhoodSomerst  3.97e-02   4.74e-02    0.84  0.40226    </a:t>
-                      </a:r>
-                    </a:p>
-                  </a:txBody>
-                  <a:tcPr marL="3515" marR="3515" marT="2636" marB="0" anchor="ctr">
-                    <a:lnL w="6350" cap="flat" cmpd="sng" algn="ctr">
-                      <a:solidFill>
-                        <a:srgbClr val="000000"/>
-                      </a:solidFill>
-                      <a:prstDash val="solid"/>
-                      <a:round/>
-                      <a:headEnd type="none" w="med" len="med"/>
-                      <a:tailEnd type="none" w="med" len="med"/>
-                    </a:lnL>
-                    <a:lnR w="6350" cap="flat" cmpd="sng" algn="ctr">
-                      <a:solidFill>
-                        <a:srgbClr val="000000"/>
-                      </a:solidFill>
-                      <a:prstDash val="solid"/>
-                      <a:round/>
-                      <a:headEnd type="none" w="med" len="med"/>
-                      <a:tailEnd type="none" w="med" len="med"/>
-                    </a:lnR>
-                    <a:lnT>
-                      <a:noFill/>
-                    </a:lnT>
-                    <a:lnB>
-                      <a:noFill/>
-                    </a:lnB>
-                  </a:tcPr>
-                </a:tc>
-                <a:extLst>
-                  <a:ext uri="{0D108BD9-81ED-4DB2-BD59-A6C34878D82A}">
-                    <a16:rowId xmlns:a16="http://schemas.microsoft.com/office/drawing/2014/main" val="10022"/>
-                  </a:ext>
-                </a:extLst>
-              </a:tr>
-              <a:tr h="92259">
-                <a:tc>
-                  <a:txBody>
-                    <a:bodyPr/>
-                    <a:lstStyle/>
-                    <a:p>
-                      <a:pPr algn="l" fontAlgn="ctr"/>
-                      <a:r>
-                        <a:rPr lang="en-US" sz="900" b="0" i="0" u="none" strike="noStrike" dirty="0">
-                          <a:solidFill>
-                            <a:srgbClr val="000000"/>
-                          </a:solidFill>
-                          <a:effectLst/>
-                          <a:latin typeface="Lucida Console"/>
-                        </a:rPr>
-                        <a:t>NeighborhoodStoneBr  4.00e-02   5.76e-02    0.69  0.48735    </a:t>
-                      </a:r>
-                    </a:p>
-                  </a:txBody>
-                  <a:tcPr marL="3515" marR="3515" marT="2636" marB="0" anchor="ctr">
-                    <a:lnL w="6350" cap="flat" cmpd="sng" algn="ctr">
-                      <a:solidFill>
-                        <a:srgbClr val="000000"/>
-                      </a:solidFill>
-                      <a:prstDash val="solid"/>
-                      <a:round/>
-                      <a:headEnd type="none" w="med" len="med"/>
-                      <a:tailEnd type="none" w="med" len="med"/>
-                    </a:lnL>
-                    <a:lnR w="6350" cap="flat" cmpd="sng" algn="ctr">
-                      <a:solidFill>
-                        <a:srgbClr val="000000"/>
-                      </a:solidFill>
-                      <a:prstDash val="solid"/>
-                      <a:round/>
-                      <a:headEnd type="none" w="med" len="med"/>
-                      <a:tailEnd type="none" w="med" len="med"/>
-                    </a:lnR>
-                    <a:lnT>
-                      <a:noFill/>
-                    </a:lnT>
-                    <a:lnB>
-                      <a:noFill/>
-                    </a:lnB>
-                  </a:tcPr>
-                </a:tc>
-                <a:extLst>
-                  <a:ext uri="{0D108BD9-81ED-4DB2-BD59-A6C34878D82A}">
-                    <a16:rowId xmlns:a16="http://schemas.microsoft.com/office/drawing/2014/main" val="10023"/>
-                  </a:ext>
-                </a:extLst>
-              </a:tr>
-              <a:tr h="92259">
-                <a:tc>
-                  <a:txBody>
-                    <a:bodyPr/>
-                    <a:lstStyle/>
-                    <a:p>
-                      <a:pPr algn="l" fontAlgn="ctr"/>
-                      <a:r>
-                        <a:rPr lang="it-IT" sz="900" b="0" i="0" u="none" strike="noStrike">
-                          <a:solidFill>
-                            <a:srgbClr val="000000"/>
-                          </a:solidFill>
-                          <a:effectLst/>
-                          <a:latin typeface="Lucida Console"/>
-                        </a:rPr>
-                        <a:t>NeighborhoodSWISU   -2.51e-01   5.27e-02   -4.77  2.1e-06 ***</a:t>
-                      </a:r>
-                    </a:p>
-                  </a:txBody>
-                  <a:tcPr marL="3515" marR="3515" marT="2636" marB="0" anchor="ctr">
-                    <a:lnL w="6350" cap="flat" cmpd="sng" algn="ctr">
-                      <a:solidFill>
-                        <a:srgbClr val="000000"/>
-                      </a:solidFill>
-                      <a:prstDash val="solid"/>
-                      <a:round/>
-                      <a:headEnd type="none" w="med" len="med"/>
-                      <a:tailEnd type="none" w="med" len="med"/>
-                    </a:lnL>
-                    <a:lnR w="6350" cap="flat" cmpd="sng" algn="ctr">
-                      <a:solidFill>
-                        <a:srgbClr val="000000"/>
-                      </a:solidFill>
-                      <a:prstDash val="solid"/>
-                      <a:round/>
-                      <a:headEnd type="none" w="med" len="med"/>
-                      <a:tailEnd type="none" w="med" len="med"/>
-                    </a:lnR>
-                    <a:lnT>
-                      <a:noFill/>
-                    </a:lnT>
-                    <a:lnB>
-                      <a:noFill/>
-                    </a:lnB>
-                  </a:tcPr>
-                </a:tc>
-                <a:extLst>
-                  <a:ext uri="{0D108BD9-81ED-4DB2-BD59-A6C34878D82A}">
-                    <a16:rowId xmlns:a16="http://schemas.microsoft.com/office/drawing/2014/main" val="10024"/>
-                  </a:ext>
-                </a:extLst>
-              </a:tr>
-              <a:tr h="92259">
-                <a:tc>
-                  <a:txBody>
-                    <a:bodyPr/>
-                    <a:lstStyle/>
-                    <a:p>
-                      <a:pPr algn="l" fontAlgn="ctr"/>
-                      <a:r>
-                        <a:rPr lang="en-US" sz="900" b="0" i="0" u="none" strike="noStrike" dirty="0">
-                          <a:solidFill>
-                            <a:srgbClr val="000000"/>
-                          </a:solidFill>
-                          <a:effectLst/>
-                          <a:latin typeface="Lucida Console"/>
-                        </a:rPr>
-                        <a:t>NeighborhoodTimber  -3.97e-02   5.44e-02   -0.73  0.46590    </a:t>
-                      </a:r>
-                    </a:p>
-                  </a:txBody>
-                  <a:tcPr marL="3515" marR="3515" marT="2636" marB="0" anchor="ctr">
-                    <a:lnL w="6350" cap="flat" cmpd="sng" algn="ctr">
-                      <a:solidFill>
-                        <a:srgbClr val="000000"/>
-                      </a:solidFill>
-                      <a:prstDash val="solid"/>
-                      <a:round/>
-                      <a:headEnd type="none" w="med" len="med"/>
-                      <a:tailEnd type="none" w="med" len="med"/>
-                    </a:lnL>
-                    <a:lnR w="6350" cap="flat" cmpd="sng" algn="ctr">
-                      <a:solidFill>
-                        <a:srgbClr val="000000"/>
-                      </a:solidFill>
-                      <a:prstDash val="solid"/>
-                      <a:round/>
-                      <a:headEnd type="none" w="med" len="med"/>
-                      <a:tailEnd type="none" w="med" len="med"/>
-                    </a:lnR>
-                    <a:lnT>
-                      <a:noFill/>
-                    </a:lnT>
-                    <a:lnB>
-                      <a:noFill/>
-                    </a:lnB>
-                  </a:tcPr>
-                </a:tc>
-                <a:extLst>
-                  <a:ext uri="{0D108BD9-81ED-4DB2-BD59-A6C34878D82A}">
-                    <a16:rowId xmlns:a16="http://schemas.microsoft.com/office/drawing/2014/main" val="10025"/>
-                  </a:ext>
-                </a:extLst>
-              </a:tr>
-              <a:tr h="92259">
-                <a:tc>
-                  <a:txBody>
-                    <a:bodyPr/>
-                    <a:lstStyle/>
-                    <a:p>
-                      <a:pPr algn="l" fontAlgn="ctr"/>
-                      <a:r>
-                        <a:rPr lang="en-US" sz="900" b="0" i="0" u="none" strike="noStrike" dirty="0">
-                          <a:solidFill>
-                            <a:srgbClr val="000000"/>
-                          </a:solidFill>
-                          <a:effectLst/>
-                          <a:latin typeface="Lucida Console"/>
-                        </a:rPr>
-                        <a:t>NeighborhoodVeenker  2.16e-02   6.08e-02    0.36  0.72266    </a:t>
-                      </a:r>
-                    </a:p>
-                  </a:txBody>
-                  <a:tcPr marL="3515" marR="3515" marT="2636" marB="0" anchor="ctr">
-                    <a:lnL w="6350" cap="flat" cmpd="sng" algn="ctr">
-                      <a:solidFill>
-                        <a:srgbClr val="000000"/>
-                      </a:solidFill>
-                      <a:prstDash val="solid"/>
-                      <a:round/>
-                      <a:headEnd type="none" w="med" len="med"/>
-                      <a:tailEnd type="none" w="med" len="med"/>
-                    </a:lnL>
-                    <a:lnR w="6350" cap="flat" cmpd="sng" algn="ctr">
-                      <a:solidFill>
-                        <a:srgbClr val="000000"/>
-                      </a:solidFill>
-                      <a:prstDash val="solid"/>
-                      <a:round/>
-                      <a:headEnd type="none" w="med" len="med"/>
-                      <a:tailEnd type="none" w="med" len="med"/>
-                    </a:lnR>
-                    <a:lnT>
-                      <a:noFill/>
-                    </a:lnT>
-                    <a:lnB>
-                      <a:noFill/>
-                    </a:lnB>
-                  </a:tcPr>
-                </a:tc>
-                <a:extLst>
-                  <a:ext uri="{0D108BD9-81ED-4DB2-BD59-A6C34878D82A}">
-                    <a16:rowId xmlns:a16="http://schemas.microsoft.com/office/drawing/2014/main" val="10026"/>
-                  </a:ext>
-                </a:extLst>
-              </a:tr>
-              <a:tr h="92259">
-                <a:tc>
-                  <a:txBody>
-                    <a:bodyPr/>
-                    <a:lstStyle/>
-                    <a:p>
-                      <a:pPr algn="l" fontAlgn="ctr"/>
-                      <a:r>
-                        <a:rPr lang="en-US" sz="900" b="0" i="0" u="none" strike="noStrike" dirty="0">
-                          <a:solidFill>
-                            <a:srgbClr val="000000"/>
-                          </a:solidFill>
-                          <a:effectLst/>
-                          <a:latin typeface="Lucida Console"/>
-                        </a:rPr>
-                        <a:t>TotalBsmtSF          1.93e-04   2.43e-05    7.94  6.1e-15 ***</a:t>
-                      </a:r>
-                    </a:p>
-                  </a:txBody>
-                  <a:tcPr marL="3515" marR="3515" marT="2636" marB="0" anchor="ctr">
-                    <a:lnL w="6350" cap="flat" cmpd="sng" algn="ctr">
-                      <a:solidFill>
-                        <a:srgbClr val="000000"/>
-                      </a:solidFill>
-                      <a:prstDash val="solid"/>
-                      <a:round/>
-                      <a:headEnd type="none" w="med" len="med"/>
-                      <a:tailEnd type="none" w="med" len="med"/>
-                    </a:lnL>
-                    <a:lnR w="6350" cap="flat" cmpd="sng" algn="ctr">
-                      <a:solidFill>
-                        <a:srgbClr val="000000"/>
-                      </a:solidFill>
-                      <a:prstDash val="solid"/>
-                      <a:round/>
-                      <a:headEnd type="none" w="med" len="med"/>
-                      <a:tailEnd type="none" w="med" len="med"/>
-                    </a:lnR>
-                    <a:lnT>
-                      <a:noFill/>
-                    </a:lnT>
-                    <a:lnB>
-                      <a:noFill/>
-                    </a:lnB>
-                  </a:tcPr>
-                </a:tc>
-                <a:extLst>
-                  <a:ext uri="{0D108BD9-81ED-4DB2-BD59-A6C34878D82A}">
-                    <a16:rowId xmlns:a16="http://schemas.microsoft.com/office/drawing/2014/main" val="10027"/>
-                  </a:ext>
-                </a:extLst>
-              </a:tr>
-              <a:tr h="92259">
-                <a:tc>
-                  <a:txBody>
-                    <a:bodyPr/>
-                    <a:lstStyle/>
-                    <a:p>
-                      <a:pPr algn="l" fontAlgn="ctr"/>
-                      <a:r>
-                        <a:rPr lang="it-IT" sz="900" b="0" i="0" u="none" strike="noStrike" dirty="0">
-                          <a:solidFill>
-                            <a:srgbClr val="000000"/>
-                          </a:solidFill>
-                          <a:effectLst/>
-                          <a:latin typeface="Lucida Console"/>
-                        </a:rPr>
-                        <a:t>GrLivArea            3.08e-04   1.20e-05   25.64  &lt; 2e-16 ***</a:t>
-                      </a:r>
-                    </a:p>
-                  </a:txBody>
-                  <a:tcPr marL="3515" marR="3515" marT="2636" marB="0" anchor="ctr">
-                    <a:lnL w="6350" cap="flat" cmpd="sng" algn="ctr">
-                      <a:solidFill>
-                        <a:srgbClr val="000000"/>
-                      </a:solidFill>
-                      <a:prstDash val="solid"/>
-                      <a:round/>
-                      <a:headEnd type="none" w="med" len="med"/>
-                      <a:tailEnd type="none" w="med" len="med"/>
-                    </a:lnL>
-                    <a:lnR w="6350" cap="flat" cmpd="sng" algn="ctr">
-                      <a:solidFill>
-                        <a:srgbClr val="000000"/>
-                      </a:solidFill>
-                      <a:prstDash val="solid"/>
-                      <a:round/>
-                      <a:headEnd type="none" w="med" len="med"/>
-                      <a:tailEnd type="none" w="med" len="med"/>
-                    </a:lnR>
-                    <a:lnT>
-                      <a:noFill/>
-                    </a:lnT>
-                    <a:lnB>
-                      <a:noFill/>
-                    </a:lnB>
-                  </a:tcPr>
-                </a:tc>
-                <a:extLst>
-                  <a:ext uri="{0D108BD9-81ED-4DB2-BD59-A6C34878D82A}">
-                    <a16:rowId xmlns:a16="http://schemas.microsoft.com/office/drawing/2014/main" val="10028"/>
-                  </a:ext>
-                </a:extLst>
-              </a:tr>
-              <a:tr h="92259">
-                <a:tc>
-                  <a:txBody>
-                    <a:bodyPr/>
-                    <a:lstStyle/>
-                    <a:p>
-                      <a:pPr algn="l" fontAlgn="ctr"/>
-                      <a:r>
-                        <a:rPr lang="en-US" sz="900" b="0" i="0" u="none" strike="noStrike" dirty="0">
-                          <a:solidFill>
-                            <a:srgbClr val="000000"/>
-                          </a:solidFill>
-                          <a:effectLst/>
-                          <a:latin typeface="Lucida Console"/>
-                        </a:rPr>
-                        <a:t>KitchenQualFa       -2.98e-01   3.53e-02   -8.46  &lt; 2e-16 ***</a:t>
-                      </a:r>
-                    </a:p>
-                  </a:txBody>
-                  <a:tcPr marL="3515" marR="3515" marT="2636" marB="0" anchor="ctr">
-                    <a:lnL w="6350" cap="flat" cmpd="sng" algn="ctr">
-                      <a:solidFill>
-                        <a:srgbClr val="000000"/>
-                      </a:solidFill>
-                      <a:prstDash val="solid"/>
-                      <a:round/>
-                      <a:headEnd type="none" w="med" len="med"/>
-                      <a:tailEnd type="none" w="med" len="med"/>
-                    </a:lnL>
-                    <a:lnR w="6350" cap="flat" cmpd="sng" algn="ctr">
-                      <a:solidFill>
-                        <a:srgbClr val="000000"/>
-                      </a:solidFill>
-                      <a:prstDash val="solid"/>
-                      <a:round/>
-                      <a:headEnd type="none" w="med" len="med"/>
-                      <a:tailEnd type="none" w="med" len="med"/>
-                    </a:lnR>
-                    <a:lnT>
-                      <a:noFill/>
-                    </a:lnT>
-                    <a:lnB>
-                      <a:noFill/>
-                    </a:lnB>
-                  </a:tcPr>
-                </a:tc>
-                <a:extLst>
-                  <a:ext uri="{0D108BD9-81ED-4DB2-BD59-A6C34878D82A}">
-                    <a16:rowId xmlns:a16="http://schemas.microsoft.com/office/drawing/2014/main" val="10029"/>
-                  </a:ext>
-                </a:extLst>
-              </a:tr>
-              <a:tr h="92259">
-                <a:tc>
-                  <a:txBody>
-                    <a:bodyPr/>
-                    <a:lstStyle/>
-                    <a:p>
-                      <a:pPr algn="l" fontAlgn="ctr"/>
-                      <a:r>
-                        <a:rPr lang="en-US" sz="900" b="0" i="0" u="none" strike="noStrike" dirty="0">
-                          <a:solidFill>
-                            <a:srgbClr val="000000"/>
-                          </a:solidFill>
-                          <a:effectLst/>
-                          <a:latin typeface="Lucida Console"/>
-                        </a:rPr>
-                        <a:t>KitchenQualGd       -1.34e-01   2.20e-02   -6.09  1.6e-09 ***</a:t>
-                      </a:r>
-                    </a:p>
-                  </a:txBody>
-                  <a:tcPr marL="3515" marR="3515" marT="2636" marB="0" anchor="ctr">
-                    <a:lnL w="6350" cap="flat" cmpd="sng" algn="ctr">
-                      <a:solidFill>
-                        <a:srgbClr val="000000"/>
-                      </a:solidFill>
-                      <a:prstDash val="solid"/>
-                      <a:round/>
-                      <a:headEnd type="none" w="med" len="med"/>
-                      <a:tailEnd type="none" w="med" len="med"/>
-                    </a:lnL>
-                    <a:lnR w="6350" cap="flat" cmpd="sng" algn="ctr">
-                      <a:solidFill>
-                        <a:srgbClr val="000000"/>
-                      </a:solidFill>
-                      <a:prstDash val="solid"/>
-                      <a:round/>
-                      <a:headEnd type="none" w="med" len="med"/>
-                      <a:tailEnd type="none" w="med" len="med"/>
-                    </a:lnR>
-                    <a:lnT>
-                      <a:noFill/>
-                    </a:lnT>
-                    <a:lnB>
-                      <a:noFill/>
-                    </a:lnB>
-                  </a:tcPr>
-                </a:tc>
-                <a:extLst>
-                  <a:ext uri="{0D108BD9-81ED-4DB2-BD59-A6C34878D82A}">
-                    <a16:rowId xmlns:a16="http://schemas.microsoft.com/office/drawing/2014/main" val="10030"/>
-                  </a:ext>
-                </a:extLst>
-              </a:tr>
-              <a:tr h="92259">
-                <a:tc>
-                  <a:txBody>
-                    <a:bodyPr/>
-                    <a:lstStyle/>
-                    <a:p>
-                      <a:pPr algn="l" fontAlgn="ctr"/>
-                      <a:r>
-                        <a:rPr lang="en-US" sz="900" b="0" i="0" u="none" strike="noStrike" dirty="0">
-                          <a:solidFill>
-                            <a:srgbClr val="000000"/>
-                          </a:solidFill>
-                          <a:effectLst/>
-                          <a:latin typeface="Lucida Console"/>
-                        </a:rPr>
-                        <a:t>KitchenQualTA       -2.11e-01   2.38e-02   -8.88  &lt; 2e-16 ***</a:t>
-                      </a:r>
-                    </a:p>
-                  </a:txBody>
-                  <a:tcPr marL="3515" marR="3515" marT="2636" marB="0" anchor="ctr">
-                    <a:lnL w="6350" cap="flat" cmpd="sng" algn="ctr">
-                      <a:solidFill>
-                        <a:srgbClr val="000000"/>
-                      </a:solidFill>
-                      <a:prstDash val="solid"/>
-                      <a:round/>
-                      <a:headEnd type="none" w="med" len="med"/>
-                      <a:tailEnd type="none" w="med" len="med"/>
-                    </a:lnL>
-                    <a:lnR w="6350" cap="flat" cmpd="sng" algn="ctr">
-                      <a:solidFill>
-                        <a:srgbClr val="000000"/>
-                      </a:solidFill>
-                      <a:prstDash val="solid"/>
-                      <a:round/>
-                      <a:headEnd type="none" w="med" len="med"/>
-                      <a:tailEnd type="none" w="med" len="med"/>
-                    </a:lnR>
-                    <a:lnT>
-                      <a:noFill/>
-                    </a:lnT>
-                    <a:lnB>
-                      <a:noFill/>
-                    </a:lnB>
-                  </a:tcPr>
-                </a:tc>
-                <a:extLst>
-                  <a:ext uri="{0D108BD9-81ED-4DB2-BD59-A6C34878D82A}">
-                    <a16:rowId xmlns:a16="http://schemas.microsoft.com/office/drawing/2014/main" val="10031"/>
-                  </a:ext>
-                </a:extLst>
-              </a:tr>
-              <a:tr h="92259">
-                <a:tc>
-                  <a:txBody>
-                    <a:bodyPr/>
-                    <a:lstStyle/>
-                    <a:p>
-                      <a:pPr algn="l" fontAlgn="ctr"/>
-                      <a:r>
-                        <a:rPr lang="en-US" sz="900" b="0" i="0" u="none" strike="noStrike" dirty="0">
-                          <a:solidFill>
-                            <a:srgbClr val="000000"/>
-                          </a:solidFill>
-                          <a:effectLst/>
-                          <a:latin typeface="Lucida Console"/>
-                        </a:rPr>
-                        <a:t>GarageArea           3.02e-04   2.73e-05   11.04  &lt; 2e-16 ***</a:t>
-                      </a:r>
-                    </a:p>
-                  </a:txBody>
-                  <a:tcPr marL="3515" marR="3515" marT="2636" marB="0" anchor="ctr">
-                    <a:lnL w="6350" cap="flat" cmpd="sng" algn="ctr">
-                      <a:solidFill>
-                        <a:srgbClr val="000000"/>
-                      </a:solidFill>
-                      <a:prstDash val="solid"/>
-                      <a:round/>
-                      <a:headEnd type="none" w="med" len="med"/>
-                      <a:tailEnd type="none" w="med" len="med"/>
-                    </a:lnL>
-                    <a:lnR w="6350" cap="flat" cmpd="sng" algn="ctr">
-                      <a:solidFill>
-                        <a:srgbClr val="000000"/>
-                      </a:solidFill>
-                      <a:prstDash val="solid"/>
-                      <a:round/>
-                      <a:headEnd type="none" w="med" len="med"/>
-                      <a:tailEnd type="none" w="med" len="med"/>
-                    </a:lnR>
-                    <a:lnT>
-                      <a:noFill/>
-                    </a:lnT>
-                    <a:lnB>
-                      <a:noFill/>
-                    </a:lnB>
-                  </a:tcPr>
-                </a:tc>
-                <a:extLst>
-                  <a:ext uri="{0D108BD9-81ED-4DB2-BD59-A6C34878D82A}">
-                    <a16:rowId xmlns:a16="http://schemas.microsoft.com/office/drawing/2014/main" val="10032"/>
-                  </a:ext>
-                </a:extLst>
-              </a:tr>
-              <a:tr h="92259">
-                <a:tc>
-                  <a:txBody>
-                    <a:bodyPr/>
-                    <a:lstStyle/>
-                    <a:p>
-                      <a:pPr algn="l" fontAlgn="ctr"/>
-                      <a:r>
-                        <a:rPr lang="pt-BR" sz="900" b="0" i="0" u="none" strike="noStrike" dirty="0">
-                          <a:solidFill>
-                            <a:srgbClr val="000000"/>
-                          </a:solidFill>
-                          <a:effectLst/>
-                          <a:latin typeface="Lucida Console"/>
-                        </a:rPr>
-                        <a:t>BsmtFinSF1           5.58e-05   1.70e-05    3.28  0.00108 ** </a:t>
-                      </a:r>
-                    </a:p>
-                  </a:txBody>
-                  <a:tcPr marL="3515" marR="3515" marT="2636" marB="0" anchor="ctr">
-                    <a:lnL w="6350" cap="flat" cmpd="sng" algn="ctr">
-                      <a:solidFill>
-                        <a:srgbClr val="000000"/>
-                      </a:solidFill>
-                      <a:prstDash val="solid"/>
-                      <a:round/>
-                      <a:headEnd type="none" w="med" len="med"/>
-                      <a:tailEnd type="none" w="med" len="med"/>
-                    </a:lnL>
-                    <a:lnR w="6350" cap="flat" cmpd="sng" algn="ctr">
-                      <a:solidFill>
-                        <a:srgbClr val="000000"/>
-                      </a:solidFill>
-                      <a:prstDash val="solid"/>
-                      <a:round/>
-                      <a:headEnd type="none" w="med" len="med"/>
-                      <a:tailEnd type="none" w="med" len="med"/>
-                    </a:lnR>
-                    <a:lnT>
-                      <a:noFill/>
-                    </a:lnT>
-                    <a:lnB>
-                      <a:noFill/>
-                    </a:lnB>
-                  </a:tcPr>
-                </a:tc>
-                <a:extLst>
-                  <a:ext uri="{0D108BD9-81ED-4DB2-BD59-A6C34878D82A}">
-                    <a16:rowId xmlns:a16="http://schemas.microsoft.com/office/drawing/2014/main" val="10033"/>
-                  </a:ext>
-                </a:extLst>
-              </a:tr>
-              <a:tr h="92259">
-                <a:tc>
-                  <a:txBody>
-                    <a:bodyPr/>
-                    <a:lstStyle/>
-                    <a:p>
-                      <a:pPr algn="l" fontAlgn="ctr"/>
-                      <a:r>
-                        <a:rPr lang="en-US" sz="900" b="0" i="0" u="none" strike="noStrike" dirty="0">
-                          <a:solidFill>
-                            <a:srgbClr val="000000"/>
-                          </a:solidFill>
-                          <a:effectLst/>
-                          <a:latin typeface="Lucida Console"/>
-                        </a:rPr>
-                        <a:t>BsmtFinType1BLQ     -2.83e-03   1.64e-02   -0.17  0.86338    </a:t>
-                      </a:r>
-                    </a:p>
-                  </a:txBody>
-                  <a:tcPr marL="3515" marR="3515" marT="2636" marB="0" anchor="ctr">
-                    <a:lnL w="6350" cap="flat" cmpd="sng" algn="ctr">
-                      <a:solidFill>
-                        <a:srgbClr val="000000"/>
-                      </a:solidFill>
-                      <a:prstDash val="solid"/>
-                      <a:round/>
-                      <a:headEnd type="none" w="med" len="med"/>
-                      <a:tailEnd type="none" w="med" len="med"/>
-                    </a:lnL>
-                    <a:lnR w="6350" cap="flat" cmpd="sng" algn="ctr">
-                      <a:solidFill>
-                        <a:srgbClr val="000000"/>
-                      </a:solidFill>
-                      <a:prstDash val="solid"/>
-                      <a:round/>
-                      <a:headEnd type="none" w="med" len="med"/>
-                      <a:tailEnd type="none" w="med" len="med"/>
-                    </a:lnR>
-                    <a:lnT>
-                      <a:noFill/>
-                    </a:lnT>
-                    <a:lnB>
-                      <a:noFill/>
-                    </a:lnB>
-                  </a:tcPr>
-                </a:tc>
-                <a:extLst>
-                  <a:ext uri="{0D108BD9-81ED-4DB2-BD59-A6C34878D82A}">
-                    <a16:rowId xmlns:a16="http://schemas.microsoft.com/office/drawing/2014/main" val="10034"/>
-                  </a:ext>
-                </a:extLst>
-              </a:tr>
-              <a:tr h="92259">
-                <a:tc>
-                  <a:txBody>
-                    <a:bodyPr/>
-                    <a:lstStyle/>
-                    <a:p>
-                      <a:pPr algn="l" fontAlgn="ctr"/>
-                      <a:r>
-                        <a:rPr lang="en-US" sz="900" b="0" i="0" u="none" strike="noStrike" dirty="0">
-                          <a:solidFill>
-                            <a:srgbClr val="000000"/>
-                          </a:solidFill>
-                          <a:effectLst/>
-                          <a:latin typeface="Lucida Console"/>
-                        </a:rPr>
-                        <a:t>BsmtFinType1GLQ      4.30e-02   1.47e-02    2.94  0.00341 ** </a:t>
-                      </a:r>
-                    </a:p>
-                  </a:txBody>
-                  <a:tcPr marL="3515" marR="3515" marT="2636" marB="0" anchor="ctr">
-                    <a:lnL w="6350" cap="flat" cmpd="sng" algn="ctr">
-                      <a:solidFill>
-                        <a:srgbClr val="000000"/>
-                      </a:solidFill>
-                      <a:prstDash val="solid"/>
-                      <a:round/>
-                      <a:headEnd type="none" w="med" len="med"/>
-                      <a:tailEnd type="none" w="med" len="med"/>
-                    </a:lnL>
-                    <a:lnR w="6350" cap="flat" cmpd="sng" algn="ctr">
-                      <a:solidFill>
-                        <a:srgbClr val="000000"/>
-                      </a:solidFill>
-                      <a:prstDash val="solid"/>
-                      <a:round/>
-                      <a:headEnd type="none" w="med" len="med"/>
-                      <a:tailEnd type="none" w="med" len="med"/>
-                    </a:lnR>
-                    <a:lnT>
-                      <a:noFill/>
-                    </a:lnT>
-                    <a:lnB>
-                      <a:noFill/>
-                    </a:lnB>
-                  </a:tcPr>
-                </a:tc>
-                <a:extLst>
-                  <a:ext uri="{0D108BD9-81ED-4DB2-BD59-A6C34878D82A}">
-                    <a16:rowId xmlns:a16="http://schemas.microsoft.com/office/drawing/2014/main" val="10035"/>
-                  </a:ext>
-                </a:extLst>
-              </a:tr>
-              <a:tr h="92259">
-                <a:tc>
-                  <a:txBody>
-                    <a:bodyPr/>
-                    <a:lstStyle/>
-                    <a:p>
-                      <a:pPr algn="l" fontAlgn="ctr"/>
-                      <a:r>
-                        <a:rPr lang="en-US" sz="900" b="0" i="0" u="none" strike="noStrike" dirty="0">
-                          <a:solidFill>
-                            <a:srgbClr val="000000"/>
-                          </a:solidFill>
-                          <a:effectLst/>
-                          <a:latin typeface="Lucida Console"/>
-                        </a:rPr>
-                        <a:t>BsmtFinType1LwQ     -2.49e-02   2.13e-02   -1.17  0.24250    </a:t>
-                      </a:r>
-                    </a:p>
-                  </a:txBody>
-                  <a:tcPr marL="3515" marR="3515" marT="2636" marB="0" anchor="ctr">
-                    <a:lnL w="6350" cap="flat" cmpd="sng" algn="ctr">
-                      <a:solidFill>
-                        <a:srgbClr val="000000"/>
-                      </a:solidFill>
-                      <a:prstDash val="solid"/>
-                      <a:round/>
-                      <a:headEnd type="none" w="med" len="med"/>
-                      <a:tailEnd type="none" w="med" len="med"/>
-                    </a:lnL>
-                    <a:lnR w="6350" cap="flat" cmpd="sng" algn="ctr">
-                      <a:solidFill>
-                        <a:srgbClr val="000000"/>
-                      </a:solidFill>
-                      <a:prstDash val="solid"/>
-                      <a:round/>
-                      <a:headEnd type="none" w="med" len="med"/>
-                      <a:tailEnd type="none" w="med" len="med"/>
-                    </a:lnR>
-                    <a:lnT>
-                      <a:noFill/>
-                    </a:lnT>
-                    <a:lnB>
-                      <a:noFill/>
-                    </a:lnB>
-                  </a:tcPr>
-                </a:tc>
-                <a:extLst>
-                  <a:ext uri="{0D108BD9-81ED-4DB2-BD59-A6C34878D82A}">
-                    <a16:rowId xmlns:a16="http://schemas.microsoft.com/office/drawing/2014/main" val="10036"/>
-                  </a:ext>
-                </a:extLst>
-              </a:tr>
-              <a:tr h="92259">
-                <a:tc>
-                  <a:txBody>
-                    <a:bodyPr/>
-                    <a:lstStyle/>
-                    <a:p>
-                      <a:pPr algn="l" fontAlgn="ctr"/>
-                      <a:r>
-                        <a:rPr lang="en-US" sz="900" b="0" i="0" u="none" strike="noStrike" dirty="0">
-                          <a:solidFill>
-                            <a:srgbClr val="000000"/>
-                          </a:solidFill>
-                          <a:effectLst/>
-                          <a:latin typeface="Lucida Console"/>
-                        </a:rPr>
-                        <a:t>BsmtFinType1NB      -1.38e-02   3.79e-02   -0.37  0.71505    </a:t>
-                      </a:r>
-                    </a:p>
-                  </a:txBody>
-                  <a:tcPr marL="3515" marR="3515" marT="2636" marB="0" anchor="ctr">
-                    <a:lnL w="6350" cap="flat" cmpd="sng" algn="ctr">
-                      <a:solidFill>
-                        <a:srgbClr val="000000"/>
-                      </a:solidFill>
-                      <a:prstDash val="solid"/>
-                      <a:round/>
-                      <a:headEnd type="none" w="med" len="med"/>
-                      <a:tailEnd type="none" w="med" len="med"/>
-                    </a:lnL>
-                    <a:lnR w="6350" cap="flat" cmpd="sng" algn="ctr">
-                      <a:solidFill>
-                        <a:srgbClr val="000000"/>
-                      </a:solidFill>
-                      <a:prstDash val="solid"/>
-                      <a:round/>
-                      <a:headEnd type="none" w="med" len="med"/>
-                      <a:tailEnd type="none" w="med" len="med"/>
-                    </a:lnR>
-                    <a:lnT>
-                      <a:noFill/>
-                    </a:lnT>
-                    <a:lnB>
-                      <a:noFill/>
-                    </a:lnB>
-                  </a:tcPr>
-                </a:tc>
-                <a:extLst>
-                  <a:ext uri="{0D108BD9-81ED-4DB2-BD59-A6C34878D82A}">
-                    <a16:rowId xmlns:a16="http://schemas.microsoft.com/office/drawing/2014/main" val="10037"/>
-                  </a:ext>
-                </a:extLst>
-              </a:tr>
-              <a:tr h="92259">
-                <a:tc>
-                  <a:txBody>
-                    <a:bodyPr/>
-                    <a:lstStyle/>
-                    <a:p>
-                      <a:pPr algn="l" fontAlgn="ctr"/>
-                      <a:r>
-                        <a:rPr lang="en-US" sz="900" b="0" i="0" u="none" strike="noStrike" dirty="0">
-                          <a:solidFill>
-                            <a:srgbClr val="000000"/>
-                          </a:solidFill>
-                          <a:effectLst/>
-                          <a:latin typeface="Lucida Console"/>
-                        </a:rPr>
-                        <a:t>BsmtFinType1Rec     -2.76e-02   1.71e-02   -1.61  0.10823    </a:t>
-                      </a:r>
-                    </a:p>
-                  </a:txBody>
-                  <a:tcPr marL="3515" marR="3515" marT="2636" marB="0" anchor="ctr">
-                    <a:lnL w="6350" cap="flat" cmpd="sng" algn="ctr">
-                      <a:solidFill>
-                        <a:srgbClr val="000000"/>
-                      </a:solidFill>
-                      <a:prstDash val="solid"/>
-                      <a:round/>
-                      <a:headEnd type="none" w="med" len="med"/>
-                      <a:tailEnd type="none" w="med" len="med"/>
-                    </a:lnL>
-                    <a:lnR w="6350" cap="flat" cmpd="sng" algn="ctr">
-                      <a:solidFill>
-                        <a:srgbClr val="000000"/>
-                      </a:solidFill>
-                      <a:prstDash val="solid"/>
-                      <a:round/>
-                      <a:headEnd type="none" w="med" len="med"/>
-                      <a:tailEnd type="none" w="med" len="med"/>
-                    </a:lnR>
-                    <a:lnT>
-                      <a:noFill/>
-                    </a:lnT>
-                    <a:lnB>
-                      <a:noFill/>
-                    </a:lnB>
-                  </a:tcPr>
-                </a:tc>
-                <a:extLst>
-                  <a:ext uri="{0D108BD9-81ED-4DB2-BD59-A6C34878D82A}">
-                    <a16:rowId xmlns:a16="http://schemas.microsoft.com/office/drawing/2014/main" val="10038"/>
-                  </a:ext>
-                </a:extLst>
-              </a:tr>
-              <a:tr h="92259">
-                <a:tc>
-                  <a:txBody>
-                    <a:bodyPr/>
-                    <a:lstStyle/>
-                    <a:p>
-                      <a:pPr algn="l" fontAlgn="ctr"/>
-                      <a:r>
-                        <a:rPr lang="it-IT" sz="900" b="0" i="0" u="none" strike="noStrike">
-                          <a:solidFill>
-                            <a:srgbClr val="000000"/>
-                          </a:solidFill>
-                          <a:effectLst/>
-                          <a:latin typeface="Lucida Console"/>
-                        </a:rPr>
-                        <a:t>BsmtFinType1Unf     -2.14e-02   1.75e-02   -1.23  0.21997    </a:t>
-                      </a:r>
-                    </a:p>
-                  </a:txBody>
-                  <a:tcPr marL="3515" marR="3515" marT="2636" marB="0" anchor="ctr">
-                    <a:lnL w="6350" cap="flat" cmpd="sng" algn="ctr">
-                      <a:solidFill>
-                        <a:srgbClr val="000000"/>
-                      </a:solidFill>
-                      <a:prstDash val="solid"/>
-                      <a:round/>
-                      <a:headEnd type="none" w="med" len="med"/>
-                      <a:tailEnd type="none" w="med" len="med"/>
-                    </a:lnL>
-                    <a:lnR w="6350" cap="flat" cmpd="sng" algn="ctr">
-                      <a:solidFill>
-                        <a:srgbClr val="000000"/>
-                      </a:solidFill>
-                      <a:prstDash val="solid"/>
-                      <a:round/>
-                      <a:headEnd type="none" w="med" len="med"/>
-                      <a:tailEnd type="none" w="med" len="med"/>
-                    </a:lnR>
-                    <a:lnT>
-                      <a:noFill/>
-                    </a:lnT>
-                    <a:lnB>
-                      <a:noFill/>
-                    </a:lnB>
-                  </a:tcPr>
-                </a:tc>
-                <a:extLst>
-                  <a:ext uri="{0D108BD9-81ED-4DB2-BD59-A6C34878D82A}">
-                    <a16:rowId xmlns:a16="http://schemas.microsoft.com/office/drawing/2014/main" val="10039"/>
-                  </a:ext>
-                </a:extLst>
-              </a:tr>
-              <a:tr h="92259">
-                <a:tc>
-                  <a:txBody>
-                    <a:bodyPr/>
-                    <a:lstStyle/>
-                    <a:p>
-                      <a:pPr algn="l" fontAlgn="ctr"/>
-                      <a:r>
-                        <a:rPr lang="it-IT" sz="900" b="0" i="0" u="none" strike="noStrike">
-                          <a:solidFill>
-                            <a:srgbClr val="000000"/>
-                          </a:solidFill>
-                          <a:effectLst/>
-                          <a:latin typeface="Lucida Console"/>
-                        </a:rPr>
-                        <a:t>OverallCond          5.47e-02   4.22e-03   12.96  &lt; 2e-16 ***</a:t>
-                      </a:r>
-                    </a:p>
-                  </a:txBody>
-                  <a:tcPr marL="3515" marR="3515" marT="2636" marB="0" anchor="ctr">
-                    <a:lnL w="6350" cap="flat" cmpd="sng" algn="ctr">
-                      <a:solidFill>
-                        <a:srgbClr val="000000"/>
-                      </a:solidFill>
-                      <a:prstDash val="solid"/>
-                      <a:round/>
-                      <a:headEnd type="none" w="med" len="med"/>
-                      <a:tailEnd type="none" w="med" len="med"/>
-                    </a:lnL>
-                    <a:lnR w="6350" cap="flat" cmpd="sng" algn="ctr">
-                      <a:solidFill>
-                        <a:srgbClr val="000000"/>
-                      </a:solidFill>
-                      <a:prstDash val="solid"/>
-                      <a:round/>
-                      <a:headEnd type="none" w="med" len="med"/>
-                      <a:tailEnd type="none" w="med" len="med"/>
-                    </a:lnR>
-                    <a:lnT>
-                      <a:noFill/>
-                    </a:lnT>
-                    <a:lnB>
-                      <a:noFill/>
-                    </a:lnB>
-                  </a:tcPr>
-                </a:tc>
-                <a:extLst>
-                  <a:ext uri="{0D108BD9-81ED-4DB2-BD59-A6C34878D82A}">
-                    <a16:rowId xmlns:a16="http://schemas.microsoft.com/office/drawing/2014/main" val="10040"/>
-                  </a:ext>
-                </a:extLst>
-              </a:tr>
-              <a:tr h="92259">
-                <a:tc>
-                  <a:txBody>
-                    <a:bodyPr/>
-                    <a:lstStyle/>
-                    <a:p>
-                      <a:pPr algn="l" fontAlgn="ctr"/>
-                      <a:r>
-                        <a:rPr lang="en-US" sz="900" b="0" i="0" u="none" strike="noStrike" dirty="0">
-                          <a:solidFill>
-                            <a:srgbClr val="000000"/>
-                          </a:solidFill>
-                          <a:effectLst/>
-                          <a:latin typeface="Lucida Console"/>
-                        </a:rPr>
-                        <a:t>LotArea              1.79e-06   4.12e-07    4.34  1.6e-05 ***</a:t>
-                      </a:r>
-                    </a:p>
-                  </a:txBody>
-                  <a:tcPr marL="3515" marR="3515" marT="2636" marB="0" anchor="ctr">
-                    <a:lnL w="6350" cap="flat" cmpd="sng" algn="ctr">
-                      <a:solidFill>
-                        <a:srgbClr val="000000"/>
-                      </a:solidFill>
-                      <a:prstDash val="solid"/>
-                      <a:round/>
-                      <a:headEnd type="none" w="med" len="med"/>
-                      <a:tailEnd type="none" w="med" len="med"/>
-                    </a:lnL>
-                    <a:lnR w="6350" cap="flat" cmpd="sng" algn="ctr">
-                      <a:solidFill>
-                        <a:srgbClr val="000000"/>
-                      </a:solidFill>
-                      <a:prstDash val="solid"/>
-                      <a:round/>
-                      <a:headEnd type="none" w="med" len="med"/>
-                      <a:tailEnd type="none" w="med" len="med"/>
-                    </a:lnR>
-                    <a:lnT>
-                      <a:noFill/>
-                    </a:lnT>
-                    <a:lnB>
-                      <a:noFill/>
-                    </a:lnB>
-                  </a:tcPr>
-                </a:tc>
-                <a:extLst>
-                  <a:ext uri="{0D108BD9-81ED-4DB2-BD59-A6C34878D82A}">
-                    <a16:rowId xmlns:a16="http://schemas.microsoft.com/office/drawing/2014/main" val="10041"/>
-                  </a:ext>
-                </a:extLst>
-              </a:tr>
-              <a:tr h="92259">
-                <a:tc>
-                  <a:txBody>
-                    <a:bodyPr/>
-                    <a:lstStyle/>
-                    <a:p>
-                      <a:pPr algn="l" fontAlgn="ctr"/>
-                      <a:r>
-                        <a:rPr lang="en-US" sz="900" b="0" i="0" u="none" strike="noStrike" dirty="0">
-                          <a:solidFill>
-                            <a:srgbClr val="000000"/>
-                          </a:solidFill>
-                          <a:effectLst/>
-                          <a:latin typeface="Lucida Console"/>
-                        </a:rPr>
-                        <a:t>X1stFlrSF           -3.97e-05   2.59e-05   -1.53  0.12561    </a:t>
-                      </a:r>
-                    </a:p>
-                  </a:txBody>
-                  <a:tcPr marL="3515" marR="3515" marT="2636" marB="0" anchor="ctr">
-                    <a:lnL w="6350" cap="flat" cmpd="sng" algn="ctr">
-                      <a:solidFill>
-                        <a:srgbClr val="000000"/>
-                      </a:solidFill>
-                      <a:prstDash val="solid"/>
-                      <a:round/>
-                      <a:headEnd type="none" w="med" len="med"/>
-                      <a:tailEnd type="none" w="med" len="med"/>
-                    </a:lnL>
-                    <a:lnR w="6350" cap="flat" cmpd="sng" algn="ctr">
-                      <a:solidFill>
-                        <a:srgbClr val="000000"/>
-                      </a:solidFill>
-                      <a:prstDash val="solid"/>
-                      <a:round/>
-                      <a:headEnd type="none" w="med" len="med"/>
-                      <a:tailEnd type="none" w="med" len="med"/>
-                    </a:lnR>
-                    <a:lnT>
-                      <a:noFill/>
-                    </a:lnT>
-                    <a:lnB>
-                      <a:noFill/>
-                    </a:lnB>
-                  </a:tcPr>
-                </a:tc>
-                <a:extLst>
-                  <a:ext uri="{0D108BD9-81ED-4DB2-BD59-A6C34878D82A}">
-                    <a16:rowId xmlns:a16="http://schemas.microsoft.com/office/drawing/2014/main" val="10042"/>
-                  </a:ext>
-                </a:extLst>
-              </a:tr>
-              <a:tr h="92259">
-                <a:tc>
-                  <a:txBody>
-                    <a:bodyPr/>
-                    <a:lstStyle/>
-                    <a:p>
-                      <a:pPr algn="l" fontAlgn="ctr"/>
-                      <a:r>
-                        <a:rPr lang="en-US" sz="900" b="0" i="0" u="none" strike="noStrike" dirty="0">
-                          <a:solidFill>
-                            <a:srgbClr val="000000"/>
-                          </a:solidFill>
-                          <a:effectLst/>
-                          <a:latin typeface="Lucida Console"/>
-                        </a:rPr>
-                        <a:t>---</a:t>
-                      </a:r>
-                    </a:p>
-                  </a:txBody>
-                  <a:tcPr marL="3515" marR="3515" marT="2636" marB="0" anchor="ctr">
-                    <a:lnL w="6350" cap="flat" cmpd="sng" algn="ctr">
-                      <a:solidFill>
-                        <a:srgbClr val="000000"/>
-                      </a:solidFill>
-                      <a:prstDash val="solid"/>
-                      <a:round/>
-                      <a:headEnd type="none" w="med" len="med"/>
-                      <a:tailEnd type="none" w="med" len="med"/>
-                    </a:lnL>
-                    <a:lnR w="6350" cap="flat" cmpd="sng" algn="ctr">
-                      <a:solidFill>
-                        <a:srgbClr val="000000"/>
-                      </a:solidFill>
-                      <a:prstDash val="solid"/>
-                      <a:round/>
-                      <a:headEnd type="none" w="med" len="med"/>
-                      <a:tailEnd type="none" w="med" len="med"/>
-                    </a:lnR>
-                    <a:lnT>
-                      <a:noFill/>
-                    </a:lnT>
-                    <a:lnB>
-                      <a:noFill/>
-                    </a:lnB>
-                  </a:tcPr>
-                </a:tc>
-                <a:extLst>
-                  <a:ext uri="{0D108BD9-81ED-4DB2-BD59-A6C34878D82A}">
-                    <a16:rowId xmlns:a16="http://schemas.microsoft.com/office/drawing/2014/main" val="10043"/>
-                  </a:ext>
-                </a:extLst>
-              </a:tr>
-              <a:tr h="92259">
-                <a:tc>
-                  <a:txBody>
-                    <a:bodyPr/>
-                    <a:lstStyle/>
-                    <a:p>
-                      <a:pPr algn="l" fontAlgn="ctr"/>
-                      <a:r>
-                        <a:rPr lang="fr-FR" sz="900" b="0" i="0" u="none" strike="noStrike" dirty="0">
-                          <a:solidFill>
-                            <a:srgbClr val="000000"/>
-                          </a:solidFill>
-                          <a:effectLst/>
-                          <a:latin typeface="Lucida Console"/>
-                        </a:rPr>
-                        <a:t>Signif. codes:  0 ‘***’ 0.001 ‘**’ 0.01 ‘*’ 0.05 ‘.’ 0.1 ‘ ’ 1</a:t>
-                      </a:r>
-                    </a:p>
-                  </a:txBody>
-                  <a:tcPr marL="3515" marR="3515" marT="2636" marB="0" anchor="ctr">
-                    <a:lnL w="6350" cap="flat" cmpd="sng" algn="ctr">
-                      <a:solidFill>
-                        <a:srgbClr val="000000"/>
-                      </a:solidFill>
-                      <a:prstDash val="solid"/>
-                      <a:round/>
-                      <a:headEnd type="none" w="med" len="med"/>
-                      <a:tailEnd type="none" w="med" len="med"/>
-                    </a:lnL>
-                    <a:lnR w="6350" cap="flat" cmpd="sng" algn="ctr">
-                      <a:solidFill>
-                        <a:srgbClr val="000000"/>
-                      </a:solidFill>
-                      <a:prstDash val="solid"/>
-                      <a:round/>
-                      <a:headEnd type="none" w="med" len="med"/>
-                      <a:tailEnd type="none" w="med" len="med"/>
-                    </a:lnR>
-                    <a:lnT>
-                      <a:noFill/>
-                    </a:lnT>
-                    <a:lnB>
-                      <a:noFill/>
-                    </a:lnB>
-                  </a:tcPr>
-                </a:tc>
-                <a:extLst>
-                  <a:ext uri="{0D108BD9-81ED-4DB2-BD59-A6C34878D82A}">
-                    <a16:rowId xmlns:a16="http://schemas.microsoft.com/office/drawing/2014/main" val="10044"/>
-                  </a:ext>
-                </a:extLst>
-              </a:tr>
-              <a:tr h="97531">
-                <a:tc>
-                  <a:txBody>
-                    <a:bodyPr/>
-                    <a:lstStyle/>
-                    <a:p>
-                      <a:pPr algn="l" fontAlgn="ctr"/>
-                      <a:r>
-                        <a:rPr lang="en-US" sz="900" b="0" i="0" u="none" strike="noStrike" dirty="0">
-                          <a:solidFill>
-                            <a:srgbClr val="000000"/>
-                          </a:solidFill>
-                          <a:effectLst/>
-                          <a:latin typeface="Calibri"/>
-                        </a:rPr>
-                        <a:t> </a:t>
-                      </a:r>
-                    </a:p>
-                  </a:txBody>
-                  <a:tcPr marL="3515" marR="3515" marT="2636" marB="0" anchor="ctr">
-                    <a:lnL w="6350" cap="flat" cmpd="sng" algn="ctr">
-                      <a:solidFill>
-                        <a:srgbClr val="000000"/>
-                      </a:solidFill>
-                      <a:prstDash val="solid"/>
-                      <a:round/>
-                      <a:headEnd type="none" w="med" len="med"/>
-                      <a:tailEnd type="none" w="med" len="med"/>
-                    </a:lnL>
-                    <a:lnR w="6350" cap="flat" cmpd="sng" algn="ctr">
-                      <a:solidFill>
-                        <a:srgbClr val="000000"/>
-                      </a:solidFill>
-                      <a:prstDash val="solid"/>
-                      <a:round/>
-                      <a:headEnd type="none" w="med" len="med"/>
-                      <a:tailEnd type="none" w="med" len="med"/>
-                    </a:lnR>
-                    <a:lnT>
-                      <a:noFill/>
-                    </a:lnT>
-                    <a:lnB>
-                      <a:noFill/>
-                    </a:lnB>
-                  </a:tcPr>
-                </a:tc>
-                <a:extLst>
-                  <a:ext uri="{0D108BD9-81ED-4DB2-BD59-A6C34878D82A}">
-                    <a16:rowId xmlns:a16="http://schemas.microsoft.com/office/drawing/2014/main" val="10045"/>
-                  </a:ext>
-                </a:extLst>
-              </a:tr>
-              <a:tr h="92259">
-                <a:tc>
-                  <a:txBody>
-                    <a:bodyPr/>
-                    <a:lstStyle/>
-                    <a:p>
-                      <a:pPr algn="l" fontAlgn="ctr"/>
-                      <a:r>
-                        <a:rPr lang="en-US" sz="900" b="0" i="0" u="none" strike="noStrike" dirty="0">
-                          <a:solidFill>
-                            <a:srgbClr val="000000"/>
-                          </a:solidFill>
-                          <a:effectLst/>
-                          <a:latin typeface="Lucida Console"/>
-                        </a:rPr>
-                        <a:t>Residual standard error: 0.125 on 916 degrees of freedom</a:t>
-                      </a:r>
-                    </a:p>
-                  </a:txBody>
-                  <a:tcPr marL="3515" marR="3515" marT="2636" marB="0" anchor="ctr">
-                    <a:lnL w="6350" cap="flat" cmpd="sng" algn="ctr">
-                      <a:solidFill>
-                        <a:srgbClr val="000000"/>
-                      </a:solidFill>
-                      <a:prstDash val="solid"/>
-                      <a:round/>
-                      <a:headEnd type="none" w="med" len="med"/>
-                      <a:tailEnd type="none" w="med" len="med"/>
-                    </a:lnL>
-                    <a:lnR w="6350" cap="flat" cmpd="sng" algn="ctr">
-                      <a:solidFill>
-                        <a:srgbClr val="000000"/>
-                      </a:solidFill>
-                      <a:prstDash val="solid"/>
-                      <a:round/>
-                      <a:headEnd type="none" w="med" len="med"/>
-                      <a:tailEnd type="none" w="med" len="med"/>
-                    </a:lnR>
-                    <a:lnT>
-                      <a:noFill/>
-                    </a:lnT>
-                    <a:lnB>
-                      <a:noFill/>
-                    </a:lnB>
-                  </a:tcPr>
-                </a:tc>
-                <a:extLst>
-                  <a:ext uri="{0D108BD9-81ED-4DB2-BD59-A6C34878D82A}">
-                    <a16:rowId xmlns:a16="http://schemas.microsoft.com/office/drawing/2014/main" val="10046"/>
-                  </a:ext>
-                </a:extLst>
-              </a:tr>
-              <a:tr h="92259">
-                <a:tc>
-                  <a:txBody>
-                    <a:bodyPr/>
-                    <a:lstStyle/>
-                    <a:p>
-                      <a:pPr algn="l" fontAlgn="ctr"/>
-                      <a:r>
-                        <a:rPr lang="en-US" sz="900" b="0" i="0" u="none" strike="noStrike" dirty="0">
-                          <a:solidFill>
-                            <a:srgbClr val="000000"/>
-                          </a:solidFill>
-                          <a:effectLst/>
-                          <a:latin typeface="Lucida Console"/>
-                        </a:rPr>
-                        <a:t>Multiple R-squared:  0.887,     Adjusted R-squared:  0.882 </a:t>
-                      </a:r>
-                    </a:p>
-                  </a:txBody>
-                  <a:tcPr marL="3515" marR="3515" marT="2636" marB="0" anchor="ctr">
-                    <a:lnL w="6350" cap="flat" cmpd="sng" algn="ctr">
-                      <a:solidFill>
-                        <a:srgbClr val="000000"/>
-                      </a:solidFill>
-                      <a:prstDash val="solid"/>
-                      <a:round/>
-                      <a:headEnd type="none" w="med" len="med"/>
-                      <a:tailEnd type="none" w="med" len="med"/>
-                    </a:lnL>
-                    <a:lnR w="6350" cap="flat" cmpd="sng" algn="ctr">
-                      <a:solidFill>
-                        <a:srgbClr val="000000"/>
-                      </a:solidFill>
-                      <a:prstDash val="solid"/>
-                      <a:round/>
-                      <a:headEnd type="none" w="med" len="med"/>
-                      <a:tailEnd type="none" w="med" len="med"/>
-                    </a:lnR>
-                    <a:lnT>
-                      <a:noFill/>
-                    </a:lnT>
-                    <a:lnB>
-                      <a:noFill/>
-                    </a:lnB>
-                  </a:tcPr>
-                </a:tc>
-                <a:extLst>
-                  <a:ext uri="{0D108BD9-81ED-4DB2-BD59-A6C34878D82A}">
-                    <a16:rowId xmlns:a16="http://schemas.microsoft.com/office/drawing/2014/main" val="10047"/>
-                  </a:ext>
-                </a:extLst>
-              </a:tr>
-              <a:tr h="92259">
-                <a:tc>
-                  <a:txBody>
-                    <a:bodyPr/>
-                    <a:lstStyle/>
-                    <a:p>
-                      <a:pPr algn="l" fontAlgn="ctr"/>
-                      <a:r>
-                        <a:rPr lang="en-US" sz="900" b="0" i="0" u="none" strike="noStrike" dirty="0">
-                          <a:solidFill>
-                            <a:srgbClr val="000000"/>
-                          </a:solidFill>
-                          <a:effectLst/>
-                          <a:latin typeface="Lucida Console"/>
-                        </a:rPr>
-                        <a:t>F-statistic:  180 on 40 and 916 DF,  p-value: &lt;2e-16</a:t>
-                      </a:r>
-                    </a:p>
-                  </a:txBody>
-                  <a:tcPr marL="3515" marR="3515" marT="2636" marB="0" anchor="ctr">
-                    <a:lnL w="6350" cap="flat" cmpd="sng" algn="ctr">
-                      <a:solidFill>
-                        <a:srgbClr val="000000"/>
-                      </a:solidFill>
-                      <a:prstDash val="solid"/>
-                      <a:round/>
-                      <a:headEnd type="none" w="med" len="med"/>
-                      <a:tailEnd type="none" w="med" len="med"/>
-                    </a:lnL>
-                    <a:lnR w="6350" cap="flat" cmpd="sng" algn="ctr">
-                      <a:solidFill>
-                        <a:srgbClr val="000000"/>
-                      </a:solidFill>
-                      <a:prstDash val="solid"/>
-                      <a:round/>
-                      <a:headEnd type="none" w="med" len="med"/>
-                      <a:tailEnd type="none" w="med" len="med"/>
-                    </a:lnR>
-                    <a:lnT>
-                      <a:noFill/>
-                    </a:lnT>
-                    <a:lnB w="6350" cap="flat" cmpd="sng" algn="ctr">
-                      <a:solidFill>
-                        <a:srgbClr val="000000"/>
-                      </a:solidFill>
-                      <a:prstDash val="solid"/>
-                      <a:round/>
-                      <a:headEnd type="none" w="med" len="med"/>
-                      <a:tailEnd type="none" w="med" len="med"/>
-                    </a:lnB>
-                  </a:tcPr>
-                </a:tc>
-                <a:extLst>
-                  <a:ext uri="{0D108BD9-81ED-4DB2-BD59-A6C34878D82A}">
-                    <a16:rowId xmlns:a16="http://schemas.microsoft.com/office/drawing/2014/main" val="10048"/>
-                  </a:ext>
-                </a:extLst>
-              </a:tr>
-            </a:tbl>
-          </a:graphicData>
-        </a:graphic>
-      </p:graphicFrame>
+      <p:pic>
+        <p:nvPicPr>
+          <p:cNvPr id="1026" name="Picture 2"/>
+          <p:cNvPicPr>
+            <a:picLocks noChangeAspect="1" noChangeArrowheads="1"/>
+          </p:cNvPicPr>
+          <p:nvPr/>
+        </p:nvPicPr>
+        <p:blipFill>
+          <a:blip r:embed="rId2">
+            <a:extLst>
+              <a:ext uri="{28A0092B-C50C-407E-A947-70E740481C1C}">
+                <a14:useLocalDpi xmlns:a14="http://schemas.microsoft.com/office/drawing/2010/main" val="0"/>
+              </a:ext>
+            </a:extLst>
+          </a:blip>
+          <a:srcRect/>
+          <a:stretch>
+            <a:fillRect/>
+          </a:stretch>
+        </p:blipFill>
+        <p:spPr bwMode="auto">
+          <a:xfrm>
+            <a:off x="3851910" y="0"/>
+            <a:ext cx="5067300" cy="6802120"/>
+          </a:xfrm>
+          <a:prstGeom prst="rect">
+            <a:avLst/>
+          </a:prstGeom>
+          <a:noFill/>
+          <a:ln>
+            <a:noFill/>
+          </a:ln>
+          <a:extLst>
+            <a:ext uri="{909E8E84-426E-40DD-AFC4-6F175D3DCCD1}">
+              <a14:hiddenFill xmlns:a14="http://schemas.microsoft.com/office/drawing/2010/main">
+                <a:solidFill>
+                  <a:schemeClr val="accent1"/>
+                </a:solidFill>
+              </a14:hiddenFill>
+            </a:ext>
+            <a:ext uri="{91240B29-F687-4F45-9708-019B960494DF}">
+              <a14:hiddenLine xmlns:a14="http://schemas.microsoft.com/office/drawing/2010/main" w="9525">
+                <a:solidFill>
+                  <a:schemeClr val="tx1"/>
+                </a:solidFill>
+                <a:miter lim="800000"/>
+                <a:headEnd/>
+                <a:tailEnd/>
+              </a14:hiddenLine>
+            </a:ext>
+          </a:extLst>
+        </p:spPr>
+      </p:pic>
     </p:spTree>
     <p:extLst>
       <p:ext uri="{BB962C8B-B14F-4D97-AF65-F5344CB8AC3E}">
-        <p14:creationId xmlns:p14="http://schemas.microsoft.com/office/powerpoint/2010/main" val="2113545856"/>
+        <p14:creationId xmlns:p14="http://schemas.microsoft.com/office/powerpoint/2010/main" val="1332752865"/>
       </p:ext>
     </p:extLst>
   </p:cSld>
   <p:clrMapOvr>
     <a:masterClrMapping/>
   </p:clrMapOvr>
+  <p:timing>
+    <p:tnLst>
+      <p:par>
+        <p:cTn id="1" dur="indefinite" restart="never" nodeType="tmRoot"/>
+      </p:par>
+    </p:tnLst>
+  </p:timing>
 </p:sld>
 </file>
 
@@ -10353,7 +7766,7 @@
           <p:cNvPr id="5" name="Content Placeholder 4" descr="A picture containing person, text, newspaper, outdoor&#10;&#10;Description generated with very high confidence">
             <a:extLst>
               <a:ext uri="{FF2B5EF4-FFF2-40B4-BE49-F238E27FC236}">
-                <a16:creationId xmlns:a16="http://schemas.microsoft.com/office/drawing/2014/main" id="{15B056D5-F188-43AA-B66A-95B40BD85B5E}"/>
+                <a16:creationId xmlns:a16="http://schemas.microsoft.com/office/drawing/2014/main" xmlns="" id="{15B056D5-F188-43AA-B66A-95B40BD85B5E}"/>
               </a:ext>
             </a:extLst>
           </p:cNvPr>
@@ -10399,17 +7812,6 @@
 <file path=ppt/slides/slide30.xml><?xml version="1.0" encoding="utf-8"?>
 <p:sld xmlns:a="http://schemas.openxmlformats.org/drawingml/2006/main" xmlns:r="http://schemas.openxmlformats.org/officeDocument/2006/relationships" xmlns:p="http://schemas.openxmlformats.org/presentationml/2006/main">
   <p:cSld>
-    <p:bg>
-      <p:bgPr>
-        <a:solidFill>
-          <a:schemeClr val="bg1">
-            <a:tint val="95000"/>
-            <a:satMod val="170000"/>
-          </a:schemeClr>
-        </a:solidFill>
-        <a:effectLst/>
-      </p:bgPr>
-    </p:bg>
     <p:spTree>
       <p:nvGrpSpPr>
         <p:cNvPr id="1" name=""/>
@@ -10424,256 +7826,57 @@
           <a:chExt cx="0" cy="0"/>
         </a:xfrm>
       </p:grpSpPr>
-      <p:grpSp>
-        <p:nvGrpSpPr>
-          <p:cNvPr id="7" name="Group 6" title="intersecting circles">
-            <a:extLst>
-              <a:ext uri="{FF2B5EF4-FFF2-40B4-BE49-F238E27FC236}">
-                <a16:creationId xmlns:a16="http://schemas.microsoft.com/office/drawing/2014/main" id="{D2C4BFA1-2075-4901-9E24-E41D1FDD51FD}"/>
-              </a:ext>
-            </a:extLst>
-          </p:cNvPr>
-          <p:cNvGrpSpPr>
-            <a:grpSpLocks noGrp="1" noUngrp="1" noRot="1" noChangeAspect="1" noMove="1" noResize="1"/>
-          </p:cNvGrpSpPr>
-          <p:nvPr>
-            <p:extLst>
-              <p:ext uri="{386F3935-93C4-4BCD-93E2-E3B085C9AB24}">
-                <p16:designElem xmlns:p16="http://schemas.microsoft.com/office/powerpoint/2015/main" val="1"/>
-              </p:ext>
-            </p:extLst>
-          </p:nvPr>
-        </p:nvGrpSpPr>
-        <p:grpSpPr>
-          <a:xfrm>
-            <a:off x="1155481" y="498348"/>
-            <a:ext cx="9902663" cy="5861304"/>
-            <a:chOff x="1155481" y="498348"/>
-            <a:chExt cx="9902663" cy="5861304"/>
-          </a:xfrm>
-        </p:grpSpPr>
-        <p:sp>
-          <p:nvSpPr>
-            <p:cNvPr id="8" name="Oval 5">
-              <a:extLst>
-                <a:ext uri="{FF2B5EF4-FFF2-40B4-BE49-F238E27FC236}">
-                  <a16:creationId xmlns:a16="http://schemas.microsoft.com/office/drawing/2014/main" id="{985A7375-E3AF-4F5C-85AE-17E8832952CA}"/>
-                </a:ext>
-              </a:extLst>
-            </p:cNvPr>
-            <p:cNvSpPr>
-              <a:spLocks noChangeArrowheads="1"/>
-            </p:cNvSpPr>
-            <p:nvPr>
-              <p:extLst>
-                <p:ext uri="{386F3935-93C4-4BCD-93E2-E3B085C9AB24}">
-                  <p16:designElem xmlns:p16="http://schemas.microsoft.com/office/powerpoint/2015/main" val="1"/>
-                </p:ext>
-              </p:extLst>
-            </p:nvPr>
-          </p:nvSpPr>
-          <p:spPr bwMode="auto">
-            <a:xfrm>
-              <a:off x="1155481" y="498348"/>
-              <a:ext cx="5861304" cy="5861304"/>
-            </a:xfrm>
-            <a:prstGeom prst="ellipse">
-              <a:avLst/>
-            </a:prstGeom>
-            <a:solidFill>
-              <a:schemeClr val="accent1">
-                <a:alpha val="55000"/>
-              </a:schemeClr>
-            </a:solidFill>
-            <a:ln>
-              <a:noFill/>
-            </a:ln>
-          </p:spPr>
-        </p:sp>
-        <p:sp>
-          <p:nvSpPr>
-            <p:cNvPr id="9" name="Oval 8">
-              <a:extLst>
-                <a:ext uri="{FF2B5EF4-FFF2-40B4-BE49-F238E27FC236}">
-                  <a16:creationId xmlns:a16="http://schemas.microsoft.com/office/drawing/2014/main" id="{F0307F65-8304-4FA8-A841-D4D7625411BE}"/>
-                </a:ext>
-              </a:extLst>
-            </p:cNvPr>
-            <p:cNvSpPr>
-              <a:spLocks noChangeArrowheads="1"/>
-            </p:cNvSpPr>
-            <p:nvPr>
-              <p:extLst>
-                <p:ext uri="{386F3935-93C4-4BCD-93E2-E3B085C9AB24}">
-                  <p16:designElem xmlns:p16="http://schemas.microsoft.com/office/powerpoint/2015/main" val="1"/>
-                </p:ext>
-              </p:extLst>
-            </p:nvPr>
-          </p:nvSpPr>
-          <p:spPr bwMode="auto">
-            <a:xfrm>
-              <a:off x="5196840" y="498348"/>
-              <a:ext cx="5861304" cy="5861304"/>
-            </a:xfrm>
-            <a:prstGeom prst="ellipse">
-              <a:avLst/>
-            </a:prstGeom>
-            <a:solidFill>
-              <a:schemeClr val="accent1">
-                <a:alpha val="55000"/>
-              </a:schemeClr>
-            </a:solidFill>
-            <a:ln>
-              <a:noFill/>
-            </a:ln>
-          </p:spPr>
-        </p:sp>
-        <p:sp>
-          <p:nvSpPr>
-            <p:cNvPr id="10" name="Oval 5">
-              <a:extLst>
-                <a:ext uri="{FF2B5EF4-FFF2-40B4-BE49-F238E27FC236}">
-                  <a16:creationId xmlns:a16="http://schemas.microsoft.com/office/drawing/2014/main" id="{C8B8394C-136F-4E05-A002-D93A5E79CD50}"/>
-                </a:ext>
-              </a:extLst>
-            </p:cNvPr>
-            <p:cNvSpPr>
-              <a:spLocks noChangeArrowheads="1"/>
-            </p:cNvSpPr>
-            <p:nvPr>
-              <p:extLst>
-                <p:ext uri="{386F3935-93C4-4BCD-93E2-E3B085C9AB24}">
-                  <p16:designElem xmlns:p16="http://schemas.microsoft.com/office/powerpoint/2015/main" val="1"/>
-                </p:ext>
-              </p:extLst>
-            </p:nvPr>
-          </p:nvSpPr>
-          <p:spPr bwMode="auto">
-            <a:xfrm>
-              <a:off x="3165348" y="498348"/>
-              <a:ext cx="5861304" cy="5861304"/>
-            </a:xfrm>
-            <a:prstGeom prst="ellipse">
-              <a:avLst/>
-            </a:prstGeom>
-            <a:solidFill>
-              <a:schemeClr val="accent1">
-                <a:alpha val="70000"/>
-              </a:schemeClr>
-            </a:solidFill>
-            <a:ln>
-              <a:noFill/>
-            </a:ln>
-          </p:spPr>
-        </p:sp>
-      </p:grpSp>
-      <p:sp>
-        <p:nvSpPr>
-          <p:cNvPr id="12" name="Rectangle 11" title="ribbon">
-            <a:extLst>
-              <a:ext uri="{FF2B5EF4-FFF2-40B4-BE49-F238E27FC236}">
-                <a16:creationId xmlns:a16="http://schemas.microsoft.com/office/drawing/2014/main" id="{053FB2EE-284F-4C87-AB3D-BBF87A9FAB97}"/>
-              </a:ext>
-            </a:extLst>
-          </p:cNvPr>
-          <p:cNvSpPr>
-            <a:spLocks noGrp="1" noRot="1" noChangeAspect="1" noMove="1" noResize="1" noEditPoints="1" noAdjustHandles="1" noChangeArrowheads="1" noChangeShapeType="1" noTextEdit="1"/>
-          </p:cNvSpPr>
-          <p:nvPr>
-            <p:extLst>
-              <p:ext uri="{386F3935-93C4-4BCD-93E2-E3B085C9AB24}">
-                <p16:designElem xmlns:p16="http://schemas.microsoft.com/office/powerpoint/2015/main" val="1"/>
-              </p:ext>
-            </p:extLst>
+      <p:sp>
+        <p:nvSpPr>
+          <p:cNvPr id="2" name="Title 1"/>
+          <p:cNvSpPr>
+            <a:spLocks noGrp="1"/>
+          </p:cNvSpPr>
+          <p:nvPr>
+            <p:ph type="title"/>
           </p:nvPr>
         </p:nvSpPr>
         <p:spPr>
           <a:xfrm>
-            <a:off x="0" y="2514600"/>
-            <a:ext cx="12192000" cy="1828800"/>
-          </a:xfrm>
-          <a:prstGeom prst="rect">
-            <a:avLst/>
-          </a:prstGeom>
-          <a:solidFill>
-            <a:schemeClr val="tx2"/>
-          </a:solidFill>
-          <a:ln>
-            <a:noFill/>
-          </a:ln>
-        </p:spPr>
-        <p:style>
-          <a:lnRef idx="2">
-            <a:schemeClr val="accent1">
-              <a:shade val="50000"/>
-            </a:schemeClr>
-          </a:lnRef>
-          <a:fillRef idx="1">
-            <a:schemeClr val="accent1"/>
-          </a:fillRef>
-          <a:effectRef idx="0">
-            <a:schemeClr val="accent1"/>
-          </a:effectRef>
-          <a:fontRef idx="minor">
-            <a:schemeClr val="lt1"/>
-          </a:fontRef>
-        </p:style>
-      </p:sp>
-      <p:sp>
-        <p:nvSpPr>
-          <p:cNvPr id="2" name="Title 1"/>
-          <p:cNvSpPr>
-            <a:spLocks noGrp="1"/>
-          </p:cNvSpPr>
-          <p:nvPr>
-            <p:ph type="title"/>
-          </p:nvPr>
-        </p:nvSpPr>
-        <p:spPr>
-          <a:xfrm>
-            <a:off x="1524000" y="2776538"/>
-            <a:ext cx="9144000" cy="1381188"/>
-          </a:xfrm>
-        </p:spPr>
-        <p:txBody>
-          <a:bodyPr vert="horz" lIns="91440" tIns="45720" rIns="91440" bIns="45720" rtlCol="0" anchor="ctr">
+            <a:off x="2614493" y="2854960"/>
+            <a:ext cx="3395364" cy="703249"/>
+          </a:xfrm>
+        </p:spPr>
+        <p:txBody>
+          <a:bodyPr>
             <a:normAutofit/>
           </a:bodyPr>
           <a:lstStyle/>
           <a:p>
-            <a:pPr algn="ctr"/>
-            <a:r>
-              <a:rPr lang="en-US" sz="4000" b="1" kern="1200">
+            <a:r>
+              <a:rPr lang="en-US" sz="3200" b="1" dirty="0" smtClean="0">
                 <a:solidFill>
-                  <a:schemeClr val="bg2"/>
+                  <a:srgbClr val="0070C0"/>
                 </a:solidFill>
-                <a:latin typeface="+mj-lt"/>
-                <a:ea typeface="+mj-ea"/>
-                <a:cs typeface="+mj-cs"/>
               </a:rPr>
-              <a:t>Model Evaluation (Cross Validation)</a:t>
-            </a:r>
-            <a:endParaRPr lang="en-US" sz="4000" kern="1200">
-              <a:solidFill>
-                <a:schemeClr val="bg2"/>
-              </a:solidFill>
-              <a:latin typeface="+mj-lt"/>
-              <a:ea typeface="+mj-ea"/>
-              <a:cs typeface="+mj-cs"/>
-            </a:endParaRPr>
+              <a:t>Cross Validation</a:t>
+            </a:r>
+            <a:endParaRPr lang="en-US" sz="3200" dirty="0"/>
           </a:p>
         </p:txBody>
       </p:sp>
     </p:spTree>
     <p:extLst>
       <p:ext uri="{BB962C8B-B14F-4D97-AF65-F5344CB8AC3E}">
-        <p14:creationId xmlns:p14="http://schemas.microsoft.com/office/powerpoint/2010/main" val="1488290667"/>
+        <p14:creationId xmlns:p14="http://schemas.microsoft.com/office/powerpoint/2010/main" val="1889438831"/>
       </p:ext>
     </p:extLst>
   </p:cSld>
   <p:clrMapOvr>
-    <a:overrideClrMapping bg1="dk1" tx1="lt1" bg2="dk2" tx2="lt2" accent1="accent1" accent2="accent2" accent3="accent3" accent4="accent4" accent5="accent5" accent6="accent6" hlink="hlink" folHlink="folHlink"/>
+    <a:masterClrMapping/>
   </p:clrMapOvr>
+  <p:timing>
+    <p:tnLst>
+      <p:par>
+        <p:cTn id="1" dur="indefinite" restart="never" nodeType="tmRoot"/>
+      </p:par>
+    </p:tnLst>
+  </p:timing>
 </p:sld>
 </file>
 
@@ -10811,7 +8014,7 @@
           <p:cNvPr id="8" name="Group 7" title="intersecting circles">
             <a:extLst>
               <a:ext uri="{FF2B5EF4-FFF2-40B4-BE49-F238E27FC236}">
-                <a16:creationId xmlns:a16="http://schemas.microsoft.com/office/drawing/2014/main" id="{D2C4BFA1-2075-4901-9E24-E41D1FDD51FD}"/>
+                <a16:creationId xmlns:a16="http://schemas.microsoft.com/office/drawing/2014/main" xmlns="" id="{D2C4BFA1-2075-4901-9E24-E41D1FDD51FD}"/>
               </a:ext>
             </a:extLst>
           </p:cNvPr>
@@ -10821,7 +8024,7 @@
           <p:nvPr>
             <p:extLst>
               <p:ext uri="{386F3935-93C4-4BCD-93E2-E3B085C9AB24}">
-                <p16:designElem xmlns:p16="http://schemas.microsoft.com/office/powerpoint/2015/main" val="1"/>
+                <p16:designElem xmlns:p16="http://schemas.microsoft.com/office/powerpoint/2015/main" xmlns="" val="1"/>
               </p:ext>
             </p:extLst>
           </p:nvPr>
@@ -10839,7 +8042,7 @@
             <p:cNvPr id="9" name="Oval 5">
               <a:extLst>
                 <a:ext uri="{FF2B5EF4-FFF2-40B4-BE49-F238E27FC236}">
-                  <a16:creationId xmlns:a16="http://schemas.microsoft.com/office/drawing/2014/main" id="{985A7375-E3AF-4F5C-85AE-17E8832952CA}"/>
+                  <a16:creationId xmlns:a16="http://schemas.microsoft.com/office/drawing/2014/main" xmlns="" id="{985A7375-E3AF-4F5C-85AE-17E8832952CA}"/>
                 </a:ext>
               </a:extLst>
             </p:cNvPr>
@@ -10849,7 +8052,7 @@
             <p:nvPr>
               <p:extLst>
                 <p:ext uri="{386F3935-93C4-4BCD-93E2-E3B085C9AB24}">
-                  <p16:designElem xmlns:p16="http://schemas.microsoft.com/office/powerpoint/2015/main" val="1"/>
+                  <p16:designElem xmlns:p16="http://schemas.microsoft.com/office/powerpoint/2015/main" xmlns="" val="1"/>
                 </p:ext>
               </p:extLst>
             </p:nvPr>
@@ -10877,7 +8080,7 @@
             <p:cNvPr id="10" name="Oval 9">
               <a:extLst>
                 <a:ext uri="{FF2B5EF4-FFF2-40B4-BE49-F238E27FC236}">
-                  <a16:creationId xmlns:a16="http://schemas.microsoft.com/office/drawing/2014/main" id="{F0307F65-8304-4FA8-A841-D4D7625411BE}"/>
+                  <a16:creationId xmlns:a16="http://schemas.microsoft.com/office/drawing/2014/main" xmlns="" id="{F0307F65-8304-4FA8-A841-D4D7625411BE}"/>
                 </a:ext>
               </a:extLst>
             </p:cNvPr>
@@ -10887,7 +8090,7 @@
             <p:nvPr>
               <p:extLst>
                 <p:ext uri="{386F3935-93C4-4BCD-93E2-E3B085C9AB24}">
-                  <p16:designElem xmlns:p16="http://schemas.microsoft.com/office/powerpoint/2015/main" val="1"/>
+                  <p16:designElem xmlns:p16="http://schemas.microsoft.com/office/powerpoint/2015/main" xmlns="" val="1"/>
                 </p:ext>
               </p:extLst>
             </p:nvPr>
@@ -10915,7 +8118,7 @@
             <p:cNvPr id="11" name="Oval 5">
               <a:extLst>
                 <a:ext uri="{FF2B5EF4-FFF2-40B4-BE49-F238E27FC236}">
-                  <a16:creationId xmlns:a16="http://schemas.microsoft.com/office/drawing/2014/main" id="{C8B8394C-136F-4E05-A002-D93A5E79CD50}"/>
+                  <a16:creationId xmlns:a16="http://schemas.microsoft.com/office/drawing/2014/main" xmlns="" id="{C8B8394C-136F-4E05-A002-D93A5E79CD50}"/>
                 </a:ext>
               </a:extLst>
             </p:cNvPr>
@@ -10925,7 +8128,7 @@
             <p:nvPr>
               <p:extLst>
                 <p:ext uri="{386F3935-93C4-4BCD-93E2-E3B085C9AB24}">
-                  <p16:designElem xmlns:p16="http://schemas.microsoft.com/office/powerpoint/2015/main" val="1"/>
+                  <p16:designElem xmlns:p16="http://schemas.microsoft.com/office/powerpoint/2015/main" xmlns="" val="1"/>
                 </p:ext>
               </p:extLst>
             </p:nvPr>
@@ -10954,7 +8157,7 @@
           <p:cNvPr id="13" name="Rectangle 12" title="ribbon">
             <a:extLst>
               <a:ext uri="{FF2B5EF4-FFF2-40B4-BE49-F238E27FC236}">
-                <a16:creationId xmlns:a16="http://schemas.microsoft.com/office/drawing/2014/main" id="{053FB2EE-284F-4C87-AB3D-BBF87A9FAB97}"/>
+                <a16:creationId xmlns:a16="http://schemas.microsoft.com/office/drawing/2014/main" xmlns="" id="{053FB2EE-284F-4C87-AB3D-BBF87A9FAB97}"/>
               </a:ext>
             </a:extLst>
           </p:cNvPr>
@@ -10964,7 +8167,7 @@
           <p:nvPr>
             <p:extLst>
               <p:ext uri="{386F3935-93C4-4BCD-93E2-E3B085C9AB24}">
-                <p16:designElem xmlns:p16="http://schemas.microsoft.com/office/powerpoint/2015/main" val="1"/>
+                <p16:designElem xmlns:p16="http://schemas.microsoft.com/office/powerpoint/2015/main" xmlns="" val="1"/>
               </p:ext>
             </p:extLst>
           </p:nvPr>
@@ -11006,7 +8209,7 @@
           <p:cNvPr id="2" name="Title 1">
             <a:extLst>
               <a:ext uri="{FF2B5EF4-FFF2-40B4-BE49-F238E27FC236}">
-                <a16:creationId xmlns:a16="http://schemas.microsoft.com/office/drawing/2014/main" id="{7EBCB659-23B0-4542-B9AF-C8F4952A266B}"/>
+                <a16:creationId xmlns:a16="http://schemas.microsoft.com/office/drawing/2014/main" xmlns="" id="{7EBCB659-23B0-4542-B9AF-C8F4952A266B}"/>
               </a:ext>
             </a:extLst>
           </p:cNvPr>
@@ -11678,7 +8881,7 @@
           <p:cNvPr id="8" name="Group 7" title="intersecting circles">
             <a:extLst>
               <a:ext uri="{FF2B5EF4-FFF2-40B4-BE49-F238E27FC236}">
-                <a16:creationId xmlns:a16="http://schemas.microsoft.com/office/drawing/2014/main" id="{D2C4BFA1-2075-4901-9E24-E41D1FDD51FD}"/>
+                <a16:creationId xmlns:a16="http://schemas.microsoft.com/office/drawing/2014/main" xmlns="" id="{D2C4BFA1-2075-4901-9E24-E41D1FDD51FD}"/>
               </a:ext>
             </a:extLst>
           </p:cNvPr>
@@ -11688,7 +8891,7 @@
           <p:nvPr>
             <p:extLst>
               <p:ext uri="{386F3935-93C4-4BCD-93E2-E3B085C9AB24}">
-                <p16:designElem xmlns:p16="http://schemas.microsoft.com/office/powerpoint/2015/main" val="1"/>
+                <p16:designElem xmlns:p16="http://schemas.microsoft.com/office/powerpoint/2015/main" xmlns="" val="1"/>
               </p:ext>
             </p:extLst>
           </p:nvPr>
@@ -11706,7 +8909,7 @@
             <p:cNvPr id="9" name="Oval 5">
               <a:extLst>
                 <a:ext uri="{FF2B5EF4-FFF2-40B4-BE49-F238E27FC236}">
-                  <a16:creationId xmlns:a16="http://schemas.microsoft.com/office/drawing/2014/main" id="{985A7375-E3AF-4F5C-85AE-17E8832952CA}"/>
+                  <a16:creationId xmlns:a16="http://schemas.microsoft.com/office/drawing/2014/main" xmlns="" id="{985A7375-E3AF-4F5C-85AE-17E8832952CA}"/>
                 </a:ext>
               </a:extLst>
             </p:cNvPr>
@@ -11716,7 +8919,7 @@
             <p:nvPr>
               <p:extLst>
                 <p:ext uri="{386F3935-93C4-4BCD-93E2-E3B085C9AB24}">
-                  <p16:designElem xmlns:p16="http://schemas.microsoft.com/office/powerpoint/2015/main" val="1"/>
+                  <p16:designElem xmlns:p16="http://schemas.microsoft.com/office/powerpoint/2015/main" xmlns="" val="1"/>
                 </p:ext>
               </p:extLst>
             </p:nvPr>
@@ -11744,7 +8947,7 @@
             <p:cNvPr id="10" name="Oval 9">
               <a:extLst>
                 <a:ext uri="{FF2B5EF4-FFF2-40B4-BE49-F238E27FC236}">
-                  <a16:creationId xmlns:a16="http://schemas.microsoft.com/office/drawing/2014/main" id="{F0307F65-8304-4FA8-A841-D4D7625411BE}"/>
+                  <a16:creationId xmlns:a16="http://schemas.microsoft.com/office/drawing/2014/main" xmlns="" id="{F0307F65-8304-4FA8-A841-D4D7625411BE}"/>
                 </a:ext>
               </a:extLst>
             </p:cNvPr>
@@ -11754,7 +8957,7 @@
             <p:nvPr>
               <p:extLst>
                 <p:ext uri="{386F3935-93C4-4BCD-93E2-E3B085C9AB24}">
-                  <p16:designElem xmlns:p16="http://schemas.microsoft.com/office/powerpoint/2015/main" val="1"/>
+                  <p16:designElem xmlns:p16="http://schemas.microsoft.com/office/powerpoint/2015/main" xmlns="" val="1"/>
                 </p:ext>
               </p:extLst>
             </p:nvPr>
@@ -11782,7 +8985,7 @@
             <p:cNvPr id="11" name="Oval 5">
               <a:extLst>
                 <a:ext uri="{FF2B5EF4-FFF2-40B4-BE49-F238E27FC236}">
-                  <a16:creationId xmlns:a16="http://schemas.microsoft.com/office/drawing/2014/main" id="{C8B8394C-136F-4E05-A002-D93A5E79CD50}"/>
+                  <a16:creationId xmlns:a16="http://schemas.microsoft.com/office/drawing/2014/main" xmlns="" id="{C8B8394C-136F-4E05-A002-D93A5E79CD50}"/>
                 </a:ext>
               </a:extLst>
             </p:cNvPr>
@@ -11792,7 +8995,7 @@
             <p:nvPr>
               <p:extLst>
                 <p:ext uri="{386F3935-93C4-4BCD-93E2-E3B085C9AB24}">
-                  <p16:designElem xmlns:p16="http://schemas.microsoft.com/office/powerpoint/2015/main" val="1"/>
+                  <p16:designElem xmlns:p16="http://schemas.microsoft.com/office/powerpoint/2015/main" xmlns="" val="1"/>
                 </p:ext>
               </p:extLst>
             </p:nvPr>
@@ -11821,7 +9024,7 @@
           <p:cNvPr id="13" name="Rectangle 12" title="ribbon">
             <a:extLst>
               <a:ext uri="{FF2B5EF4-FFF2-40B4-BE49-F238E27FC236}">
-                <a16:creationId xmlns:a16="http://schemas.microsoft.com/office/drawing/2014/main" id="{053FB2EE-284F-4C87-AB3D-BBF87A9FAB97}"/>
+                <a16:creationId xmlns:a16="http://schemas.microsoft.com/office/drawing/2014/main" xmlns="" id="{053FB2EE-284F-4C87-AB3D-BBF87A9FAB97}"/>
               </a:ext>
             </a:extLst>
           </p:cNvPr>
@@ -11831,7 +9034,7 @@
           <p:nvPr>
             <p:extLst>
               <p:ext uri="{386F3935-93C4-4BCD-93E2-E3B085C9AB24}">
-                <p16:designElem xmlns:p16="http://schemas.microsoft.com/office/powerpoint/2015/main" val="1"/>
+                <p16:designElem xmlns:p16="http://schemas.microsoft.com/office/powerpoint/2015/main" xmlns="" val="1"/>
               </p:ext>
             </p:extLst>
           </p:nvPr>
@@ -11873,7 +9076,7 @@
           <p:cNvPr id="2" name="Title 1">
             <a:extLst>
               <a:ext uri="{FF2B5EF4-FFF2-40B4-BE49-F238E27FC236}">
-                <a16:creationId xmlns:a16="http://schemas.microsoft.com/office/drawing/2014/main" id="{32E0A578-CE27-410A-8933-52A270F02582}"/>
+                <a16:creationId xmlns:a16="http://schemas.microsoft.com/office/drawing/2014/main" xmlns="" id="{32E0A578-CE27-410A-8933-52A270F02582}"/>
               </a:ext>
             </a:extLst>
           </p:cNvPr>
@@ -11955,7 +9158,7 @@
           <p:cNvPr id="2" name="Title 1">
             <a:extLst>
               <a:ext uri="{FF2B5EF4-FFF2-40B4-BE49-F238E27FC236}">
-                <a16:creationId xmlns:a16="http://schemas.microsoft.com/office/drawing/2014/main" id="{D6CDCB73-8593-4074-886F-EDED4E788813}"/>
+                <a16:creationId xmlns:a16="http://schemas.microsoft.com/office/drawing/2014/main" xmlns="" id="{D6CDCB73-8593-4074-886F-EDED4E788813}"/>
               </a:ext>
             </a:extLst>
           </p:cNvPr>
@@ -11983,6 +9186,14 @@
           </a:bodyPr>
           <a:lstStyle/>
           <a:p>
+            <a:r>
+              <a:rPr lang="en-US" sz="3200" b="1" dirty="0">
+                <a:solidFill>
+                  <a:srgbClr val="0070C0"/>
+                </a:solidFill>
+              </a:rPr>
+              <a:t/>
+            </a:r>
             <a:br>
               <a:rPr lang="en-US" sz="3200" b="1" dirty="0">
                 <a:solidFill>
@@ -12018,7 +9229,7 @@
           <p:cNvPr id="4" name="TextBox 3">
             <a:extLst>
               <a:ext uri="{FF2B5EF4-FFF2-40B4-BE49-F238E27FC236}">
-                <a16:creationId xmlns:a16="http://schemas.microsoft.com/office/drawing/2014/main" id="{CC0F3D11-B31A-4DEE-BB5C-830CF453B203}"/>
+                <a16:creationId xmlns:a16="http://schemas.microsoft.com/office/drawing/2014/main" xmlns="" id="{CC0F3D11-B31A-4DEE-BB5C-830CF453B203}"/>
               </a:ext>
             </a:extLst>
           </p:cNvPr>
@@ -12110,7 +9321,7 @@
           <p:cNvPr id="2" name="Title 1">
             <a:extLst>
               <a:ext uri="{FF2B5EF4-FFF2-40B4-BE49-F238E27FC236}">
-                <a16:creationId xmlns:a16="http://schemas.microsoft.com/office/drawing/2014/main" id="{94D1C4B0-CD8D-4273-AE80-7755E21858BF}"/>
+                <a16:creationId xmlns:a16="http://schemas.microsoft.com/office/drawing/2014/main" xmlns="" id="{94D1C4B0-CD8D-4273-AE80-7755E21858BF}"/>
               </a:ext>
             </a:extLst>
           </p:cNvPr>
@@ -12154,7 +9365,7 @@
           <p:cNvPr id="5" name="Content Placeholder 4" descr="A train window with a large screen&#10;&#10;Description generated with high confidence">
             <a:extLst>
               <a:ext uri="{FF2B5EF4-FFF2-40B4-BE49-F238E27FC236}">
-                <a16:creationId xmlns:a16="http://schemas.microsoft.com/office/drawing/2014/main" id="{EDBBBAFC-B99B-4564-924E-2545FB4166E9}"/>
+                <a16:creationId xmlns:a16="http://schemas.microsoft.com/office/drawing/2014/main" xmlns="" id="{EDBBBAFC-B99B-4564-924E-2545FB4166E9}"/>
               </a:ext>
             </a:extLst>
           </p:cNvPr>
@@ -12227,7 +9438,7 @@
           <p:cNvPr id="88" name="Rectangle 83">
             <a:extLst>
               <a:ext uri="{FF2B5EF4-FFF2-40B4-BE49-F238E27FC236}">
-                <a16:creationId xmlns:a16="http://schemas.microsoft.com/office/drawing/2014/main" id="{EC12C61A-9558-4DE5-AFDB-898358AFB4CA}"/>
+                <a16:creationId xmlns:a16="http://schemas.microsoft.com/office/drawing/2014/main" xmlns="" id="{EC12C61A-9558-4DE5-AFDB-898358AFB4CA}"/>
               </a:ext>
             </a:extLst>
           </p:cNvPr>
@@ -12237,7 +9448,7 @@
           <p:nvPr>
             <p:extLst>
               <p:ext uri="{386F3935-93C4-4BCD-93E2-E3B085C9AB24}">
-                <p16:designElem xmlns:p16="http://schemas.microsoft.com/office/powerpoint/2015/main" val="1"/>
+                <p16:designElem xmlns:p16="http://schemas.microsoft.com/office/powerpoint/2015/main" xmlns="" val="1"/>
               </p:ext>
             </p:extLst>
           </p:nvPr>
@@ -12293,7 +9504,7 @@
           <p:cNvPr id="89" name="Content Placeholder 11">
             <a:extLst>
               <a:ext uri="{FF2B5EF4-FFF2-40B4-BE49-F238E27FC236}">
-                <a16:creationId xmlns:a16="http://schemas.microsoft.com/office/drawing/2014/main" id="{80B08409-AFCA-4FBA-99D6-B1534164B404}"/>
+                <a16:creationId xmlns:a16="http://schemas.microsoft.com/office/drawing/2014/main" xmlns="" id="{80B08409-AFCA-4FBA-99D6-B1534164B404}"/>
               </a:ext>
             </a:extLst>
           </p:cNvPr>
@@ -12303,7 +9514,7 @@
           <p:nvPr/>
         </p:nvPicPr>
         <p:blipFill rotWithShape="1">
-          <a:blip r:embed="rId2">
+          <a:blip r:embed="rId2" cstate="print">
             <a:extLst>
               <a:ext uri="{28A0092B-C50C-407E-A947-70E740481C1C}">
                 <a14:useLocalDpi xmlns:a14="http://schemas.microsoft.com/office/drawing/2010/main" val="0"/>
@@ -12328,7 +9539,7 @@
           <p:cNvPr id="14" name="Picture 13" descr="A close up of text on a white background&#10;&#10;Description generated with high confidence">
             <a:extLst>
               <a:ext uri="{FF2B5EF4-FFF2-40B4-BE49-F238E27FC236}">
-                <a16:creationId xmlns:a16="http://schemas.microsoft.com/office/drawing/2014/main" id="{1BB2A90C-877B-442D-A6FA-21612C428421}"/>
+                <a16:creationId xmlns:a16="http://schemas.microsoft.com/office/drawing/2014/main" xmlns="" id="{1BB2A90C-877B-442D-A6FA-21612C428421}"/>
               </a:ext>
             </a:extLst>
           </p:cNvPr>
@@ -12338,7 +9549,7 @@
           <p:nvPr/>
         </p:nvPicPr>
         <p:blipFill rotWithShape="1">
-          <a:blip r:embed="rId3">
+          <a:blip r:embed="rId3" cstate="print">
             <a:extLst>
               <a:ext uri="{28A0092B-C50C-407E-A947-70E740481C1C}">
                 <a14:useLocalDpi xmlns:a14="http://schemas.microsoft.com/office/drawing/2010/main" val="0"/>
@@ -12363,7 +9574,7 @@
           <p:cNvPr id="2" name="Title 1">
             <a:extLst>
               <a:ext uri="{FF2B5EF4-FFF2-40B4-BE49-F238E27FC236}">
-                <a16:creationId xmlns:a16="http://schemas.microsoft.com/office/drawing/2014/main" id="{BD38A6AD-BF75-4389-9A42-7300E6B473AD}"/>
+                <a16:creationId xmlns:a16="http://schemas.microsoft.com/office/drawing/2014/main" xmlns="" id="{BD38A6AD-BF75-4389-9A42-7300E6B473AD}"/>
               </a:ext>
             </a:extLst>
           </p:cNvPr>
@@ -12412,7 +9623,7 @@
           <p:cNvPr id="17" name="Content Placeholder 16">
             <a:extLst>
               <a:ext uri="{FF2B5EF4-FFF2-40B4-BE49-F238E27FC236}">
-                <a16:creationId xmlns:a16="http://schemas.microsoft.com/office/drawing/2014/main" id="{5A4A2791-9B07-41F3-9C9C-0275AA503C23}"/>
+                <a16:creationId xmlns:a16="http://schemas.microsoft.com/office/drawing/2014/main" xmlns="" id="{5A4A2791-9B07-41F3-9C9C-0275AA503C23}"/>
               </a:ext>
             </a:extLst>
           </p:cNvPr>
@@ -12447,7 +9658,7 @@
           <p:cNvPr id="6" name="Picture 5">
             <a:extLst>
               <a:ext uri="{FF2B5EF4-FFF2-40B4-BE49-F238E27FC236}">
-                <a16:creationId xmlns:a16="http://schemas.microsoft.com/office/drawing/2014/main" id="{08A2B321-BA8C-4A4B-91AA-BB56FF898896}"/>
+                <a16:creationId xmlns:a16="http://schemas.microsoft.com/office/drawing/2014/main" xmlns="" id="{08A2B321-BA8C-4A4B-91AA-BB56FF898896}"/>
               </a:ext>
             </a:extLst>
           </p:cNvPr>
@@ -12457,7 +9668,7 @@
           <p:nvPr/>
         </p:nvPicPr>
         <p:blipFill>
-          <a:blip r:embed="rId5">
+          <a:blip r:embed="rId5" cstate="print">
             <a:extLst>
               <a:ext uri="{28A0092B-C50C-407E-A947-70E740481C1C}">
                 <a14:useLocalDpi xmlns:a14="http://schemas.microsoft.com/office/drawing/2010/main" val="0"/>
@@ -12521,7 +9732,7 @@
           <p:cNvPr id="12" name="Rectangle 14">
             <a:extLst>
               <a:ext uri="{FF2B5EF4-FFF2-40B4-BE49-F238E27FC236}">
-                <a16:creationId xmlns:a16="http://schemas.microsoft.com/office/drawing/2014/main" id="{DAE885FA-583E-488C-A3B2-2647B84A8162}"/>
+                <a16:creationId xmlns:a16="http://schemas.microsoft.com/office/drawing/2014/main" xmlns="" id="{DAE885FA-583E-488C-A3B2-2647B84A8162}"/>
               </a:ext>
             </a:extLst>
           </p:cNvPr>
@@ -12531,7 +9742,7 @@
           <p:nvPr>
             <p:extLst>
               <p:ext uri="{386F3935-93C4-4BCD-93E2-E3B085C9AB24}">
-                <p16:designElem xmlns:p16="http://schemas.microsoft.com/office/powerpoint/2015/main" val="1"/>
+                <p16:designElem xmlns:p16="http://schemas.microsoft.com/office/powerpoint/2015/main" xmlns="" val="1"/>
               </p:ext>
             </p:extLst>
           </p:nvPr>
@@ -12579,7 +9790,7 @@
           <p:cNvPr id="13" name="Rounded Rectangle 26">
             <a:extLst>
               <a:ext uri="{FF2B5EF4-FFF2-40B4-BE49-F238E27FC236}">
-                <a16:creationId xmlns:a16="http://schemas.microsoft.com/office/drawing/2014/main" id="{87B1CEC7-C2CE-4440-A0F7-0BE6B3AADB72}"/>
+                <a16:creationId xmlns:a16="http://schemas.microsoft.com/office/drawing/2014/main" xmlns="" id="{87B1CEC7-C2CE-4440-A0F7-0BE6B3AADB72}"/>
               </a:ext>
             </a:extLst>
           </p:cNvPr>
@@ -12589,7 +9800,7 @@
           <p:nvPr>
             <p:extLst>
               <p:ext uri="{386F3935-93C4-4BCD-93E2-E3B085C9AB24}">
-                <p16:designElem xmlns:p16="http://schemas.microsoft.com/office/powerpoint/2015/main" val="1"/>
+                <p16:designElem xmlns:p16="http://schemas.microsoft.com/office/powerpoint/2015/main" xmlns="" val="1"/>
               </p:ext>
             </p:extLst>
           </p:nvPr>
@@ -12650,7 +9861,7 @@
           <p:cNvPr id="14" name="Rounded Rectangle 16">
             <a:extLst>
               <a:ext uri="{FF2B5EF4-FFF2-40B4-BE49-F238E27FC236}">
-                <a16:creationId xmlns:a16="http://schemas.microsoft.com/office/drawing/2014/main" id="{7B0DBF0B-D7C2-4F15-94AE-315255824591}"/>
+                <a16:creationId xmlns:a16="http://schemas.microsoft.com/office/drawing/2014/main" xmlns="" id="{7B0DBF0B-D7C2-4F15-94AE-315255824591}"/>
               </a:ext>
             </a:extLst>
           </p:cNvPr>
@@ -12660,7 +9871,7 @@
           <p:nvPr>
             <p:extLst>
               <p:ext uri="{386F3935-93C4-4BCD-93E2-E3B085C9AB24}">
-                <p16:designElem xmlns:p16="http://schemas.microsoft.com/office/powerpoint/2015/main" val="1"/>
+                <p16:designElem xmlns:p16="http://schemas.microsoft.com/office/powerpoint/2015/main" xmlns="" val="1"/>
               </p:ext>
             </p:extLst>
           </p:nvPr>
@@ -12721,7 +9932,7 @@
           <p:cNvPr id="10" name="Picture 9" descr="A picture containing boat&#10;&#10;Description generated with high confidence">
             <a:extLst>
               <a:ext uri="{FF2B5EF4-FFF2-40B4-BE49-F238E27FC236}">
-                <a16:creationId xmlns:a16="http://schemas.microsoft.com/office/drawing/2014/main" id="{A68D326E-8170-405A-9B88-5BBAC92DBBAB}"/>
+                <a16:creationId xmlns:a16="http://schemas.microsoft.com/office/drawing/2014/main" xmlns="" id="{A68D326E-8170-405A-9B88-5BBAC92DBBAB}"/>
               </a:ext>
             </a:extLst>
           </p:cNvPr>
@@ -12757,7 +9968,7 @@
           <p:cNvPr id="6" name="Content Placeholder 5" descr="A close up of a boat&#10;&#10;Description generated with high confidence">
             <a:extLst>
               <a:ext uri="{FF2B5EF4-FFF2-40B4-BE49-F238E27FC236}">
-                <a16:creationId xmlns:a16="http://schemas.microsoft.com/office/drawing/2014/main" id="{763AEB43-6609-49BD-B79B-3A4E4159972D}"/>
+                <a16:creationId xmlns:a16="http://schemas.microsoft.com/office/drawing/2014/main" xmlns="" id="{763AEB43-6609-49BD-B79B-3A4E4159972D}"/>
               </a:ext>
             </a:extLst>
           </p:cNvPr>
@@ -12795,7 +10006,7 @@
           <p:cNvPr id="8" name="Title 7">
             <a:extLst>
               <a:ext uri="{FF2B5EF4-FFF2-40B4-BE49-F238E27FC236}">
-                <a16:creationId xmlns:a16="http://schemas.microsoft.com/office/drawing/2014/main" id="{DF1FCE55-8066-4631-A74C-815B5A94A09E}"/>
+                <a16:creationId xmlns:a16="http://schemas.microsoft.com/office/drawing/2014/main" xmlns="" id="{DF1FCE55-8066-4631-A74C-815B5A94A09E}"/>
               </a:ext>
             </a:extLst>
           </p:cNvPr>
@@ -12873,7 +10084,7 @@
           <p:cNvPr id="10" name="Picture 9" descr="A screenshot of a cell phone&#10;&#10;Description generated with high confidence">
             <a:extLst>
               <a:ext uri="{FF2B5EF4-FFF2-40B4-BE49-F238E27FC236}">
-                <a16:creationId xmlns:a16="http://schemas.microsoft.com/office/drawing/2014/main" id="{D985FBC2-5B70-4D7E-BE1D-33083E56D72F}"/>
+                <a16:creationId xmlns:a16="http://schemas.microsoft.com/office/drawing/2014/main" xmlns="" id="{D985FBC2-5B70-4D7E-BE1D-33083E56D72F}"/>
               </a:ext>
             </a:extLst>
           </p:cNvPr>
@@ -12909,7 +10120,7 @@
           <p:cNvPr id="2" name="Title 1">
             <a:extLst>
               <a:ext uri="{FF2B5EF4-FFF2-40B4-BE49-F238E27FC236}">
-                <a16:creationId xmlns:a16="http://schemas.microsoft.com/office/drawing/2014/main" id="{BE0ADD0F-3210-44C1-B44C-277EEC38C81B}"/>
+                <a16:creationId xmlns:a16="http://schemas.microsoft.com/office/drawing/2014/main" xmlns="" id="{BE0ADD0F-3210-44C1-B44C-277EEC38C81B}"/>
               </a:ext>
             </a:extLst>
           </p:cNvPr>
@@ -12951,7 +10162,7 @@
           <p:cNvPr id="3" name="Content Placeholder 2">
             <a:extLst>
               <a:ext uri="{FF2B5EF4-FFF2-40B4-BE49-F238E27FC236}">
-                <a16:creationId xmlns:a16="http://schemas.microsoft.com/office/drawing/2014/main" id="{57E1E8DC-3345-4ED5-B81D-74F303DC0B8D}"/>
+                <a16:creationId xmlns:a16="http://schemas.microsoft.com/office/drawing/2014/main" xmlns="" id="{57E1E8DC-3345-4ED5-B81D-74F303DC0B8D}"/>
               </a:ext>
             </a:extLst>
           </p:cNvPr>
@@ -12981,14 +10192,14 @@
                 <a:gridCol w="1870869">
                   <a:extLst>
                     <a:ext uri="{9D8B030D-6E8A-4147-A177-3AD203B41FA5}">
-                      <a16:colId xmlns:a16="http://schemas.microsoft.com/office/drawing/2014/main" val="1721883757"/>
+                      <a16:colId xmlns:a16="http://schemas.microsoft.com/office/drawing/2014/main" xmlns="" val="1721883757"/>
                     </a:ext>
                   </a:extLst>
                 </a:gridCol>
                 <a:gridCol w="1870869">
                   <a:extLst>
                     <a:ext uri="{9D8B030D-6E8A-4147-A177-3AD203B41FA5}">
-                      <a16:colId xmlns:a16="http://schemas.microsoft.com/office/drawing/2014/main" val="1868845708"/>
+                      <a16:colId xmlns:a16="http://schemas.microsoft.com/office/drawing/2014/main" xmlns="" val="1868845708"/>
                     </a:ext>
                   </a:extLst>
                 </a:gridCol>
@@ -13020,7 +10231,7 @@
                 </a:tc>
                 <a:extLst>
                   <a:ext uri="{0D108BD9-81ED-4DB2-BD59-A6C34878D82A}">
-                    <a16:rowId xmlns:a16="http://schemas.microsoft.com/office/drawing/2014/main" val="3172977175"/>
+                    <a16:rowId xmlns:a16="http://schemas.microsoft.com/office/drawing/2014/main" xmlns="" val="3172977175"/>
                   </a:ext>
                 </a:extLst>
               </a:tr>
@@ -13051,7 +10262,7 @@
                 </a:tc>
                 <a:extLst>
                   <a:ext uri="{0D108BD9-81ED-4DB2-BD59-A6C34878D82A}">
-                    <a16:rowId xmlns:a16="http://schemas.microsoft.com/office/drawing/2014/main" val="3261912333"/>
+                    <a16:rowId xmlns:a16="http://schemas.microsoft.com/office/drawing/2014/main" xmlns="" val="3261912333"/>
                   </a:ext>
                 </a:extLst>
               </a:tr>
@@ -13082,7 +10293,7 @@
                 </a:tc>
                 <a:extLst>
                   <a:ext uri="{0D108BD9-81ED-4DB2-BD59-A6C34878D82A}">
-                    <a16:rowId xmlns:a16="http://schemas.microsoft.com/office/drawing/2014/main" val="414415115"/>
+                    <a16:rowId xmlns:a16="http://schemas.microsoft.com/office/drawing/2014/main" xmlns="" val="414415115"/>
                   </a:ext>
                 </a:extLst>
               </a:tr>
@@ -13113,7 +10324,7 @@
                 </a:tc>
                 <a:extLst>
                   <a:ext uri="{0D108BD9-81ED-4DB2-BD59-A6C34878D82A}">
-                    <a16:rowId xmlns:a16="http://schemas.microsoft.com/office/drawing/2014/main" val="4134338204"/>
+                    <a16:rowId xmlns:a16="http://schemas.microsoft.com/office/drawing/2014/main" xmlns="" val="4134338204"/>
                   </a:ext>
                 </a:extLst>
               </a:tr>
@@ -13144,7 +10355,7 @@
                 </a:tc>
                 <a:extLst>
                   <a:ext uri="{0D108BD9-81ED-4DB2-BD59-A6C34878D82A}">
-                    <a16:rowId xmlns:a16="http://schemas.microsoft.com/office/drawing/2014/main" val="854385796"/>
+                    <a16:rowId xmlns:a16="http://schemas.microsoft.com/office/drawing/2014/main" xmlns="" val="854385796"/>
                   </a:ext>
                 </a:extLst>
               </a:tr>
@@ -13175,7 +10386,7 @@
                 </a:tc>
                 <a:extLst>
                   <a:ext uri="{0D108BD9-81ED-4DB2-BD59-A6C34878D82A}">
-                    <a16:rowId xmlns:a16="http://schemas.microsoft.com/office/drawing/2014/main" val="804910758"/>
+                    <a16:rowId xmlns:a16="http://schemas.microsoft.com/office/drawing/2014/main" xmlns="" val="804910758"/>
                   </a:ext>
                 </a:extLst>
               </a:tr>
@@ -13206,7 +10417,7 @@
                 </a:tc>
                 <a:extLst>
                   <a:ext uri="{0D108BD9-81ED-4DB2-BD59-A6C34878D82A}">
-                    <a16:rowId xmlns:a16="http://schemas.microsoft.com/office/drawing/2014/main" val="1363502775"/>
+                    <a16:rowId xmlns:a16="http://schemas.microsoft.com/office/drawing/2014/main" xmlns="" val="1363502775"/>
                   </a:ext>
                 </a:extLst>
               </a:tr>
@@ -13219,7 +10430,7 @@
           <p:cNvPr id="9" name="Table 8">
             <a:extLst>
               <a:ext uri="{FF2B5EF4-FFF2-40B4-BE49-F238E27FC236}">
-                <a16:creationId xmlns:a16="http://schemas.microsoft.com/office/drawing/2014/main" id="{BAE5ACAC-2FA0-4BD0-B100-1746EDBD8CFA}"/>
+                <a16:creationId xmlns:a16="http://schemas.microsoft.com/office/drawing/2014/main" xmlns="" id="{BAE5ACAC-2FA0-4BD0-B100-1746EDBD8CFA}"/>
               </a:ext>
             </a:extLst>
           </p:cNvPr>
@@ -13248,14 +10459,14 @@
                 <a:gridCol w="1548452">
                   <a:extLst>
                     <a:ext uri="{9D8B030D-6E8A-4147-A177-3AD203B41FA5}">
-                      <a16:colId xmlns:a16="http://schemas.microsoft.com/office/drawing/2014/main" val="2337044355"/>
+                      <a16:colId xmlns:a16="http://schemas.microsoft.com/office/drawing/2014/main" xmlns="" val="2337044355"/>
                     </a:ext>
                   </a:extLst>
                 </a:gridCol>
                 <a:gridCol w="1329479">
                   <a:extLst>
                     <a:ext uri="{9D8B030D-6E8A-4147-A177-3AD203B41FA5}">
-                      <a16:colId xmlns:a16="http://schemas.microsoft.com/office/drawing/2014/main" val="3466680242"/>
+                      <a16:colId xmlns:a16="http://schemas.microsoft.com/office/drawing/2014/main" xmlns="" val="3466680242"/>
                     </a:ext>
                   </a:extLst>
                 </a:gridCol>
@@ -13309,7 +10520,7 @@
                 </a:tc>
                 <a:extLst>
                   <a:ext uri="{0D108BD9-81ED-4DB2-BD59-A6C34878D82A}">
-                    <a16:rowId xmlns:a16="http://schemas.microsoft.com/office/drawing/2014/main" val="1107351696"/>
+                    <a16:rowId xmlns:a16="http://schemas.microsoft.com/office/drawing/2014/main" xmlns="" val="1107351696"/>
                   </a:ext>
                 </a:extLst>
               </a:tr>
@@ -13362,7 +10573,7 @@
                 </a:tc>
                 <a:extLst>
                   <a:ext uri="{0D108BD9-81ED-4DB2-BD59-A6C34878D82A}">
-                    <a16:rowId xmlns:a16="http://schemas.microsoft.com/office/drawing/2014/main" val="2343224245"/>
+                    <a16:rowId xmlns:a16="http://schemas.microsoft.com/office/drawing/2014/main" xmlns="" val="2343224245"/>
                   </a:ext>
                 </a:extLst>
               </a:tr>
@@ -13415,7 +10626,7 @@
                 </a:tc>
                 <a:extLst>
                   <a:ext uri="{0D108BD9-81ED-4DB2-BD59-A6C34878D82A}">
-                    <a16:rowId xmlns:a16="http://schemas.microsoft.com/office/drawing/2014/main" val="1421982694"/>
+                    <a16:rowId xmlns:a16="http://schemas.microsoft.com/office/drawing/2014/main" xmlns="" val="1421982694"/>
                   </a:ext>
                 </a:extLst>
               </a:tr>
@@ -13468,7 +10679,7 @@
                 </a:tc>
                 <a:extLst>
                   <a:ext uri="{0D108BD9-81ED-4DB2-BD59-A6C34878D82A}">
-                    <a16:rowId xmlns:a16="http://schemas.microsoft.com/office/drawing/2014/main" val="2165167017"/>
+                    <a16:rowId xmlns:a16="http://schemas.microsoft.com/office/drawing/2014/main" xmlns="" val="2165167017"/>
                   </a:ext>
                 </a:extLst>
               </a:tr>
@@ -13521,7 +10732,7 @@
                 </a:tc>
                 <a:extLst>
                   <a:ext uri="{0D108BD9-81ED-4DB2-BD59-A6C34878D82A}">
-                    <a16:rowId xmlns:a16="http://schemas.microsoft.com/office/drawing/2014/main" val="1706618317"/>
+                    <a16:rowId xmlns:a16="http://schemas.microsoft.com/office/drawing/2014/main" xmlns="" val="1706618317"/>
                   </a:ext>
                 </a:extLst>
               </a:tr>
@@ -13574,7 +10785,7 @@
                 </a:tc>
                 <a:extLst>
                   <a:ext uri="{0D108BD9-81ED-4DB2-BD59-A6C34878D82A}">
-                    <a16:rowId xmlns:a16="http://schemas.microsoft.com/office/drawing/2014/main" val="3769494319"/>
+                    <a16:rowId xmlns:a16="http://schemas.microsoft.com/office/drawing/2014/main" xmlns="" val="3769494319"/>
                   </a:ext>
                 </a:extLst>
               </a:tr>
@@ -13627,7 +10838,7 @@
                 </a:tc>
                 <a:extLst>
                   <a:ext uri="{0D108BD9-81ED-4DB2-BD59-A6C34878D82A}">
-                    <a16:rowId xmlns:a16="http://schemas.microsoft.com/office/drawing/2014/main" val="1047152244"/>
+                    <a16:rowId xmlns:a16="http://schemas.microsoft.com/office/drawing/2014/main" xmlns="" val="1047152244"/>
                   </a:ext>
                 </a:extLst>
               </a:tr>
@@ -13937,7 +11148,7 @@
   <a:extraClrSchemeLst/>
   <a:extLst>
     <a:ext uri="{05A4C25C-085E-4340-85A3-A5531E510DB2}">
-      <thm15:themeFamily xmlns:thm15="http://schemas.microsoft.com/office/thememl/2012/main" name="Office Theme" id="{62F939B6-93AF-4DB8-9C6B-D6C7DFDC589F}" vid="{4A3C46E8-61CC-4603-A589-7422A47A8E4A}"/>
+      <thm15:themeFamily xmlns:thm15="http://schemas.microsoft.com/office/thememl/2012/main" xmlns="" name="Office Theme" id="{62F939B6-93AF-4DB8-9C6B-D6C7DFDC589F}" vid="{4A3C46E8-61CC-4603-A589-7422A47A8E4A}"/>
     </a:ext>
   </a:extLst>
 </a:theme>
@@ -14232,7 +11443,7 @@
   <a:extraClrSchemeLst/>
   <a:extLst>
     <a:ext uri="{05A4C25C-085E-4340-85A3-A5531E510DB2}">
-      <thm15:themeFamily xmlns:thm15="http://schemas.microsoft.com/office/thememl/2012/main" name="Office Theme" id="{62F939B6-93AF-4DB8-9C6B-D6C7DFDC589F}" vid="{4A3C46E8-61CC-4603-A589-7422A47A8E4A}"/>
+      <thm15:themeFamily xmlns:thm15="http://schemas.microsoft.com/office/thememl/2012/main" xmlns="" name="Office Theme" id="{62F939B6-93AF-4DB8-9C6B-D6C7DFDC589F}" vid="{4A3C46E8-61CC-4603-A589-7422A47A8E4A}"/>
     </a:ext>
   </a:extLst>
 </a:theme>
